--- a/proposal.pptx
+++ b/proposal.pptx
@@ -18,6 +18,22 @@
     <p:sldId id="263" r:id="rId15"/>
     <p:sldId id="264" r:id="rId16"/>
     <p:sldId id="265" r:id="rId17"/>
+    <p:sldId id="266" r:id="rId18"/>
+    <p:sldId id="267" r:id="rId19"/>
+    <p:sldId id="268" r:id="rId20"/>
+    <p:sldId id="269" r:id="rId21"/>
+    <p:sldId id="270" r:id="rId22"/>
+    <p:sldId id="271" r:id="rId23"/>
+    <p:sldId id="272" r:id="rId24"/>
+    <p:sldId id="273" r:id="rId25"/>
+    <p:sldId id="274" r:id="rId26"/>
+    <p:sldId id="275" r:id="rId27"/>
+    <p:sldId id="276" r:id="rId28"/>
+    <p:sldId id="277" r:id="rId29"/>
+    <p:sldId id="278" r:id="rId30"/>
+    <p:sldId id="279" r:id="rId31"/>
+    <p:sldId id="280" r:id="rId32"/>
+    <p:sldId id="281" r:id="rId33"/>
   </p:sldIdLst>
   <p:sldSz cx="12192000" cy="6858000"/>
   <p:notesSz cx="6858000" cy="9144000"/>
@@ -345,7 +361,7 @@
       </p:grpSpPr>
       <p:sp>
         <p:nvSpPr>
-          <p:cNvPr id="143" name="Shape 143"/>
+          <p:cNvPr id="152" name="Shape 152"/>
           <p:cNvSpPr/>
           <p:nvPr>
             <p:ph type="sldImg"/>
@@ -370,7 +386,7 @@
       </p:sp>
       <p:sp>
         <p:nvSpPr>
-          <p:cNvPr id="144" name="Shape 144"/>
+          <p:cNvPr id="153" name="Shape 153"/>
           <p:cNvSpPr/>
           <p:nvPr>
             <p:ph type="body" sz="quarter" idx="1"/>
@@ -492,7 +508,7 @@
       </p:grpSpPr>
       <p:sp>
         <p:nvSpPr>
-          <p:cNvPr id="147" name="Shape 147"/>
+          <p:cNvPr id="156" name="Shape 156"/>
           <p:cNvSpPr/>
           <p:nvPr>
             <p:ph type="sldImg"/>
@@ -513,7 +529,7 @@
       </p:sp>
       <p:sp>
         <p:nvSpPr>
-          <p:cNvPr id="148" name="Shape 148"/>
+          <p:cNvPr id="157" name="Shape 157"/>
           <p:cNvSpPr/>
           <p:nvPr>
             <p:ph type="body" sz="quarter" idx="1"/>
@@ -582,7 +598,7 @@
       </p:grpSpPr>
       <p:sp>
         <p:nvSpPr>
-          <p:cNvPr id="193" name="Shape 193"/>
+          <p:cNvPr id="202" name="Shape 202"/>
           <p:cNvSpPr/>
           <p:nvPr>
             <p:ph type="sldImg"/>
@@ -603,7 +619,817 @@
       </p:sp>
       <p:sp>
         <p:nvSpPr>
-          <p:cNvPr id="194" name="Shape 194"/>
+          <p:cNvPr id="203" name="Shape 203"/>
+          <p:cNvSpPr/>
+          <p:nvPr>
+            <p:ph type="body" sz="quarter" idx="1"/>
+          </p:nvPr>
+        </p:nvSpPr>
+        <p:spPr>
+          <a:prstGeom prst="rect">
+            <a:avLst/>
+          </a:prstGeom>
+        </p:spPr>
+        <p:txBody>
+          <a:bodyPr/>
+          <a:lstStyle/>
+          <a:p>
+            <a:pPr>
+              <a:defRPr>
+                <a:latin typeface="Calibri"/>
+                <a:ea typeface="Calibri"/>
+                <a:cs typeface="Calibri"/>
+                <a:sym typeface="Calibri"/>
+              </a:defRPr>
+            </a:pPr>
+            <a:r>
+              <a:t>1. introduction: advantages, structure, how work (hit case)</a:t>
+            </a:r>
+          </a:p>
+          <a:p>
+            <a:pPr>
+              <a:defRPr>
+                <a:latin typeface="Calibri"/>
+                <a:ea typeface="Calibri"/>
+                <a:cs typeface="Calibri"/>
+                <a:sym typeface="Calibri"/>
+              </a:defRPr>
+            </a:pPr>
+            <a:r>
+              <a:t>2. 2 ways </a:t>
+            </a:r>
+          </a:p>
+        </p:txBody>
+      </p:sp>
+    </p:spTree>
+  </p:cSld>
+  <p:clrMapOvr>
+    <a:masterClrMapping/>
+  </p:clrMapOvr>
+</p:notes>
+</file>
+
+<file path=ppt/notesSlides/notesSlide11.xml><?xml version="1.0" encoding="utf-8"?>
+<p:notes xmlns:a="http://schemas.openxmlformats.org/drawingml/2006/main" xmlns:r="http://schemas.openxmlformats.org/officeDocument/2006/relationships" xmlns:p="http://schemas.openxmlformats.org/presentationml/2006/main" xmlns:m="http://schemas.openxmlformats.org/officeDocument/2006/math" xmlns:a14="http://schemas.microsoft.com/office/drawing/2010/main" showMasterSp="1" showMasterPhAnim="1">
+  <p:cSld>
+    <p:spTree>
+      <p:nvGrpSpPr>
+        <p:cNvPr id="1" name=""/>
+        <p:cNvGrpSpPr/>
+        <p:nvPr/>
+      </p:nvGrpSpPr>
+      <p:grpSpPr>
+        <a:xfrm>
+          <a:off x="0" y="0"/>
+          <a:ext cx="0" cy="0"/>
+          <a:chOff x="0" y="0"/>
+          <a:chExt cx="0" cy="0"/>
+        </a:xfrm>
+      </p:grpSpPr>
+      <p:sp>
+        <p:nvSpPr>
+          <p:cNvPr id="207" name="Shape 207"/>
+          <p:cNvSpPr/>
+          <p:nvPr>
+            <p:ph type="sldImg"/>
+          </p:nvPr>
+        </p:nvSpPr>
+        <p:spPr>
+          <a:prstGeom prst="rect">
+            <a:avLst/>
+          </a:prstGeom>
+        </p:spPr>
+        <p:txBody>
+          <a:bodyPr/>
+          <a:lstStyle/>
+          <a:p>
+            <a:pPr/>
+          </a:p>
+        </p:txBody>
+      </p:sp>
+      <p:sp>
+        <p:nvSpPr>
+          <p:cNvPr id="208" name="Shape 208"/>
+          <p:cNvSpPr/>
+          <p:nvPr>
+            <p:ph type="body" sz="quarter" idx="1"/>
+          </p:nvPr>
+        </p:nvSpPr>
+        <p:spPr>
+          <a:prstGeom prst="rect">
+            <a:avLst/>
+          </a:prstGeom>
+        </p:spPr>
+        <p:txBody>
+          <a:bodyPr/>
+          <a:lstStyle/>
+          <a:p>
+            <a:pPr>
+              <a:defRPr>
+                <a:latin typeface="Calibri"/>
+                <a:ea typeface="Calibri"/>
+                <a:cs typeface="Calibri"/>
+                <a:sym typeface="Calibri"/>
+              </a:defRPr>
+            </a:pPr>
+            <a:r>
+              <a:t>1. introduction: advantages, structure, how work (hit case)</a:t>
+            </a:r>
+          </a:p>
+          <a:p>
+            <a:pPr>
+              <a:defRPr>
+                <a:latin typeface="Calibri"/>
+                <a:ea typeface="Calibri"/>
+                <a:cs typeface="Calibri"/>
+                <a:sym typeface="Calibri"/>
+              </a:defRPr>
+            </a:pPr>
+            <a:r>
+              <a:t>2. 2 ways </a:t>
+            </a:r>
+          </a:p>
+        </p:txBody>
+      </p:sp>
+    </p:spTree>
+  </p:cSld>
+  <p:clrMapOvr>
+    <a:masterClrMapping/>
+  </p:clrMapOvr>
+</p:notes>
+</file>
+
+<file path=ppt/notesSlides/notesSlide12.xml><?xml version="1.0" encoding="utf-8"?>
+<p:notes xmlns:a="http://schemas.openxmlformats.org/drawingml/2006/main" xmlns:r="http://schemas.openxmlformats.org/officeDocument/2006/relationships" xmlns:p="http://schemas.openxmlformats.org/presentationml/2006/main" xmlns:m="http://schemas.openxmlformats.org/officeDocument/2006/math" xmlns:a14="http://schemas.microsoft.com/office/drawing/2010/main" showMasterSp="1" showMasterPhAnim="1">
+  <p:cSld>
+    <p:spTree>
+      <p:nvGrpSpPr>
+        <p:cNvPr id="1" name=""/>
+        <p:cNvGrpSpPr/>
+        <p:nvPr/>
+      </p:nvGrpSpPr>
+      <p:grpSpPr>
+        <a:xfrm>
+          <a:off x="0" y="0"/>
+          <a:ext cx="0" cy="0"/>
+          <a:chOff x="0" y="0"/>
+          <a:chExt cx="0" cy="0"/>
+        </a:xfrm>
+      </p:grpSpPr>
+      <p:sp>
+        <p:nvSpPr>
+          <p:cNvPr id="212" name="Shape 212"/>
+          <p:cNvSpPr/>
+          <p:nvPr>
+            <p:ph type="sldImg"/>
+          </p:nvPr>
+        </p:nvSpPr>
+        <p:spPr>
+          <a:prstGeom prst="rect">
+            <a:avLst/>
+          </a:prstGeom>
+        </p:spPr>
+        <p:txBody>
+          <a:bodyPr/>
+          <a:lstStyle/>
+          <a:p>
+            <a:pPr/>
+          </a:p>
+        </p:txBody>
+      </p:sp>
+      <p:sp>
+        <p:nvSpPr>
+          <p:cNvPr id="213" name="Shape 213"/>
+          <p:cNvSpPr/>
+          <p:nvPr>
+            <p:ph type="body" sz="quarter" idx="1"/>
+          </p:nvPr>
+        </p:nvSpPr>
+        <p:spPr>
+          <a:prstGeom prst="rect">
+            <a:avLst/>
+          </a:prstGeom>
+        </p:spPr>
+        <p:txBody>
+          <a:bodyPr/>
+          <a:lstStyle/>
+          <a:p>
+            <a:pPr>
+              <a:defRPr>
+                <a:latin typeface="Calibri"/>
+                <a:ea typeface="Calibri"/>
+                <a:cs typeface="Calibri"/>
+                <a:sym typeface="Calibri"/>
+              </a:defRPr>
+            </a:pPr>
+            <a:r>
+              <a:t>1. introduction: advantages, structure, how work (hit case)</a:t>
+            </a:r>
+          </a:p>
+          <a:p>
+            <a:pPr>
+              <a:defRPr>
+                <a:latin typeface="Calibri"/>
+                <a:ea typeface="Calibri"/>
+                <a:cs typeface="Calibri"/>
+                <a:sym typeface="Calibri"/>
+              </a:defRPr>
+            </a:pPr>
+            <a:r>
+              <a:t>2. 2 ways </a:t>
+            </a:r>
+          </a:p>
+        </p:txBody>
+      </p:sp>
+    </p:spTree>
+  </p:cSld>
+  <p:clrMapOvr>
+    <a:masterClrMapping/>
+  </p:clrMapOvr>
+</p:notes>
+</file>
+
+<file path=ppt/notesSlides/notesSlide13.xml><?xml version="1.0" encoding="utf-8"?>
+<p:notes xmlns:a="http://schemas.openxmlformats.org/drawingml/2006/main" xmlns:r="http://schemas.openxmlformats.org/officeDocument/2006/relationships" xmlns:p="http://schemas.openxmlformats.org/presentationml/2006/main" xmlns:m="http://schemas.openxmlformats.org/officeDocument/2006/math" xmlns:a14="http://schemas.microsoft.com/office/drawing/2010/main" showMasterSp="1" showMasterPhAnim="1">
+  <p:cSld>
+    <p:spTree>
+      <p:nvGrpSpPr>
+        <p:cNvPr id="1" name=""/>
+        <p:cNvGrpSpPr/>
+        <p:nvPr/>
+      </p:nvGrpSpPr>
+      <p:grpSpPr>
+        <a:xfrm>
+          <a:off x="0" y="0"/>
+          <a:ext cx="0" cy="0"/>
+          <a:chOff x="0" y="0"/>
+          <a:chExt cx="0" cy="0"/>
+        </a:xfrm>
+      </p:grpSpPr>
+      <p:sp>
+        <p:nvSpPr>
+          <p:cNvPr id="217" name="Shape 217"/>
+          <p:cNvSpPr/>
+          <p:nvPr>
+            <p:ph type="sldImg"/>
+          </p:nvPr>
+        </p:nvSpPr>
+        <p:spPr>
+          <a:prstGeom prst="rect">
+            <a:avLst/>
+          </a:prstGeom>
+        </p:spPr>
+        <p:txBody>
+          <a:bodyPr/>
+          <a:lstStyle/>
+          <a:p>
+            <a:pPr/>
+          </a:p>
+        </p:txBody>
+      </p:sp>
+      <p:sp>
+        <p:nvSpPr>
+          <p:cNvPr id="218" name="Shape 218"/>
+          <p:cNvSpPr/>
+          <p:nvPr>
+            <p:ph type="body" sz="quarter" idx="1"/>
+          </p:nvPr>
+        </p:nvSpPr>
+        <p:spPr>
+          <a:prstGeom prst="rect">
+            <a:avLst/>
+          </a:prstGeom>
+        </p:spPr>
+        <p:txBody>
+          <a:bodyPr/>
+          <a:lstStyle/>
+          <a:p>
+            <a:pPr>
+              <a:defRPr>
+                <a:latin typeface="Calibri"/>
+                <a:ea typeface="Calibri"/>
+                <a:cs typeface="Calibri"/>
+                <a:sym typeface="Calibri"/>
+              </a:defRPr>
+            </a:pPr>
+            <a:r>
+              <a:t>1. introduction: advantages, structure, how work (hit case)</a:t>
+            </a:r>
+          </a:p>
+          <a:p>
+            <a:pPr>
+              <a:defRPr>
+                <a:latin typeface="Calibri"/>
+                <a:ea typeface="Calibri"/>
+                <a:cs typeface="Calibri"/>
+                <a:sym typeface="Calibri"/>
+              </a:defRPr>
+            </a:pPr>
+            <a:r>
+              <a:t>2. 2 ways </a:t>
+            </a:r>
+          </a:p>
+        </p:txBody>
+      </p:sp>
+    </p:spTree>
+  </p:cSld>
+  <p:clrMapOvr>
+    <a:masterClrMapping/>
+  </p:clrMapOvr>
+</p:notes>
+</file>
+
+<file path=ppt/notesSlides/notesSlide14.xml><?xml version="1.0" encoding="utf-8"?>
+<p:notes xmlns:a="http://schemas.openxmlformats.org/drawingml/2006/main" xmlns:r="http://schemas.openxmlformats.org/officeDocument/2006/relationships" xmlns:p="http://schemas.openxmlformats.org/presentationml/2006/main" xmlns:m="http://schemas.openxmlformats.org/officeDocument/2006/math" xmlns:a14="http://schemas.microsoft.com/office/drawing/2010/main" showMasterSp="1" showMasterPhAnim="1">
+  <p:cSld>
+    <p:spTree>
+      <p:nvGrpSpPr>
+        <p:cNvPr id="1" name=""/>
+        <p:cNvGrpSpPr/>
+        <p:nvPr/>
+      </p:nvGrpSpPr>
+      <p:grpSpPr>
+        <a:xfrm>
+          <a:off x="0" y="0"/>
+          <a:ext cx="0" cy="0"/>
+          <a:chOff x="0" y="0"/>
+          <a:chExt cx="0" cy="0"/>
+        </a:xfrm>
+      </p:grpSpPr>
+      <p:sp>
+        <p:nvSpPr>
+          <p:cNvPr id="221" name="Shape 221"/>
+          <p:cNvSpPr/>
+          <p:nvPr>
+            <p:ph type="sldImg"/>
+          </p:nvPr>
+        </p:nvSpPr>
+        <p:spPr>
+          <a:prstGeom prst="rect">
+            <a:avLst/>
+          </a:prstGeom>
+        </p:spPr>
+        <p:txBody>
+          <a:bodyPr/>
+          <a:lstStyle/>
+          <a:p>
+            <a:pPr/>
+          </a:p>
+        </p:txBody>
+      </p:sp>
+      <p:sp>
+        <p:nvSpPr>
+          <p:cNvPr id="222" name="Shape 222"/>
+          <p:cNvSpPr/>
+          <p:nvPr>
+            <p:ph type="body" sz="quarter" idx="1"/>
+          </p:nvPr>
+        </p:nvSpPr>
+        <p:spPr>
+          <a:prstGeom prst="rect">
+            <a:avLst/>
+          </a:prstGeom>
+        </p:spPr>
+        <p:txBody>
+          <a:bodyPr/>
+          <a:lstStyle/>
+          <a:p>
+            <a:pPr>
+              <a:defRPr>
+                <a:latin typeface="Calibri"/>
+                <a:ea typeface="Calibri"/>
+                <a:cs typeface="Calibri"/>
+                <a:sym typeface="Calibri"/>
+              </a:defRPr>
+            </a:pPr>
+            <a:r>
+              <a:t>1. introduction: advantages, structure, how work (hit case)</a:t>
+            </a:r>
+          </a:p>
+          <a:p>
+            <a:pPr>
+              <a:defRPr>
+                <a:latin typeface="Calibri"/>
+                <a:ea typeface="Calibri"/>
+                <a:cs typeface="Calibri"/>
+                <a:sym typeface="Calibri"/>
+              </a:defRPr>
+            </a:pPr>
+            <a:r>
+              <a:t>2. 2 ways </a:t>
+            </a:r>
+          </a:p>
+        </p:txBody>
+      </p:sp>
+    </p:spTree>
+  </p:cSld>
+  <p:clrMapOvr>
+    <a:masterClrMapping/>
+  </p:clrMapOvr>
+</p:notes>
+</file>
+
+<file path=ppt/notesSlides/notesSlide15.xml><?xml version="1.0" encoding="utf-8"?>
+<p:notes xmlns:a="http://schemas.openxmlformats.org/drawingml/2006/main" xmlns:r="http://schemas.openxmlformats.org/officeDocument/2006/relationships" xmlns:p="http://schemas.openxmlformats.org/presentationml/2006/main" xmlns:m="http://schemas.openxmlformats.org/officeDocument/2006/math" xmlns:a14="http://schemas.microsoft.com/office/drawing/2010/main" showMasterSp="1" showMasterPhAnim="1">
+  <p:cSld>
+    <p:spTree>
+      <p:nvGrpSpPr>
+        <p:cNvPr id="1" name=""/>
+        <p:cNvGrpSpPr/>
+        <p:nvPr/>
+      </p:nvGrpSpPr>
+      <p:grpSpPr>
+        <a:xfrm>
+          <a:off x="0" y="0"/>
+          <a:ext cx="0" cy="0"/>
+          <a:chOff x="0" y="0"/>
+          <a:chExt cx="0" cy="0"/>
+        </a:xfrm>
+      </p:grpSpPr>
+      <p:sp>
+        <p:nvSpPr>
+          <p:cNvPr id="227" name="Shape 227"/>
+          <p:cNvSpPr/>
+          <p:nvPr>
+            <p:ph type="sldImg"/>
+          </p:nvPr>
+        </p:nvSpPr>
+        <p:spPr>
+          <a:prstGeom prst="rect">
+            <a:avLst/>
+          </a:prstGeom>
+        </p:spPr>
+        <p:txBody>
+          <a:bodyPr/>
+          <a:lstStyle/>
+          <a:p>
+            <a:pPr/>
+          </a:p>
+        </p:txBody>
+      </p:sp>
+      <p:sp>
+        <p:nvSpPr>
+          <p:cNvPr id="228" name="Shape 228"/>
+          <p:cNvSpPr/>
+          <p:nvPr>
+            <p:ph type="body" sz="quarter" idx="1"/>
+          </p:nvPr>
+        </p:nvSpPr>
+        <p:spPr>
+          <a:prstGeom prst="rect">
+            <a:avLst/>
+          </a:prstGeom>
+        </p:spPr>
+        <p:txBody>
+          <a:bodyPr/>
+          <a:lstStyle/>
+          <a:p>
+            <a:pPr>
+              <a:defRPr>
+                <a:latin typeface="Calibri"/>
+                <a:ea typeface="Calibri"/>
+                <a:cs typeface="Calibri"/>
+                <a:sym typeface="Calibri"/>
+              </a:defRPr>
+            </a:pPr>
+            <a:r>
+              <a:t>1. introduction: advantages, structure, how work (hit case)</a:t>
+            </a:r>
+          </a:p>
+          <a:p>
+            <a:pPr>
+              <a:defRPr>
+                <a:latin typeface="Calibri"/>
+                <a:ea typeface="Calibri"/>
+                <a:cs typeface="Calibri"/>
+                <a:sym typeface="Calibri"/>
+              </a:defRPr>
+            </a:pPr>
+            <a:r>
+              <a:t>2. 2 ways </a:t>
+            </a:r>
+          </a:p>
+        </p:txBody>
+      </p:sp>
+    </p:spTree>
+  </p:cSld>
+  <p:clrMapOvr>
+    <a:masterClrMapping/>
+  </p:clrMapOvr>
+</p:notes>
+</file>
+
+<file path=ppt/notesSlides/notesSlide16.xml><?xml version="1.0" encoding="utf-8"?>
+<p:notes xmlns:a="http://schemas.openxmlformats.org/drawingml/2006/main" xmlns:r="http://schemas.openxmlformats.org/officeDocument/2006/relationships" xmlns:p="http://schemas.openxmlformats.org/presentationml/2006/main" xmlns:m="http://schemas.openxmlformats.org/officeDocument/2006/math" xmlns:a14="http://schemas.microsoft.com/office/drawing/2010/main" showMasterSp="1" showMasterPhAnim="1">
+  <p:cSld>
+    <p:spTree>
+      <p:nvGrpSpPr>
+        <p:cNvPr id="1" name=""/>
+        <p:cNvGrpSpPr/>
+        <p:nvPr/>
+      </p:nvGrpSpPr>
+      <p:grpSpPr>
+        <a:xfrm>
+          <a:off x="0" y="0"/>
+          <a:ext cx="0" cy="0"/>
+          <a:chOff x="0" y="0"/>
+          <a:chExt cx="0" cy="0"/>
+        </a:xfrm>
+      </p:grpSpPr>
+      <p:sp>
+        <p:nvSpPr>
+          <p:cNvPr id="233" name="Shape 233"/>
+          <p:cNvSpPr/>
+          <p:nvPr>
+            <p:ph type="sldImg"/>
+          </p:nvPr>
+        </p:nvSpPr>
+        <p:spPr>
+          <a:prstGeom prst="rect">
+            <a:avLst/>
+          </a:prstGeom>
+        </p:spPr>
+        <p:txBody>
+          <a:bodyPr/>
+          <a:lstStyle/>
+          <a:p>
+            <a:pPr/>
+          </a:p>
+        </p:txBody>
+      </p:sp>
+      <p:sp>
+        <p:nvSpPr>
+          <p:cNvPr id="234" name="Shape 234"/>
+          <p:cNvSpPr/>
+          <p:nvPr>
+            <p:ph type="body" sz="quarter" idx="1"/>
+          </p:nvPr>
+        </p:nvSpPr>
+        <p:spPr>
+          <a:prstGeom prst="rect">
+            <a:avLst/>
+          </a:prstGeom>
+        </p:spPr>
+        <p:txBody>
+          <a:bodyPr/>
+          <a:lstStyle/>
+          <a:p>
+            <a:pPr>
+              <a:defRPr>
+                <a:latin typeface="Calibri"/>
+                <a:ea typeface="Calibri"/>
+                <a:cs typeface="Calibri"/>
+                <a:sym typeface="Calibri"/>
+              </a:defRPr>
+            </a:pPr>
+            <a:r>
+              <a:t>1. introduction: advantages, structure, how work (hit case)</a:t>
+            </a:r>
+          </a:p>
+          <a:p>
+            <a:pPr>
+              <a:defRPr>
+                <a:latin typeface="Calibri"/>
+                <a:ea typeface="Calibri"/>
+                <a:cs typeface="Calibri"/>
+                <a:sym typeface="Calibri"/>
+              </a:defRPr>
+            </a:pPr>
+            <a:r>
+              <a:t>2. 2 ways </a:t>
+            </a:r>
+          </a:p>
+        </p:txBody>
+      </p:sp>
+    </p:spTree>
+  </p:cSld>
+  <p:clrMapOvr>
+    <a:masterClrMapping/>
+  </p:clrMapOvr>
+</p:notes>
+</file>
+
+<file path=ppt/notesSlides/notesSlide17.xml><?xml version="1.0" encoding="utf-8"?>
+<p:notes xmlns:a="http://schemas.openxmlformats.org/drawingml/2006/main" xmlns:r="http://schemas.openxmlformats.org/officeDocument/2006/relationships" xmlns:p="http://schemas.openxmlformats.org/presentationml/2006/main" xmlns:m="http://schemas.openxmlformats.org/officeDocument/2006/math" xmlns:a14="http://schemas.microsoft.com/office/drawing/2010/main" showMasterSp="1" showMasterPhAnim="1">
+  <p:cSld>
+    <p:spTree>
+      <p:nvGrpSpPr>
+        <p:cNvPr id="1" name=""/>
+        <p:cNvGrpSpPr/>
+        <p:nvPr/>
+      </p:nvGrpSpPr>
+      <p:grpSpPr>
+        <a:xfrm>
+          <a:off x="0" y="0"/>
+          <a:ext cx="0" cy="0"/>
+          <a:chOff x="0" y="0"/>
+          <a:chExt cx="0" cy="0"/>
+        </a:xfrm>
+      </p:grpSpPr>
+      <p:sp>
+        <p:nvSpPr>
+          <p:cNvPr id="239" name="Shape 239"/>
+          <p:cNvSpPr/>
+          <p:nvPr>
+            <p:ph type="sldImg"/>
+          </p:nvPr>
+        </p:nvSpPr>
+        <p:spPr>
+          <a:prstGeom prst="rect">
+            <a:avLst/>
+          </a:prstGeom>
+        </p:spPr>
+        <p:txBody>
+          <a:bodyPr/>
+          <a:lstStyle/>
+          <a:p>
+            <a:pPr/>
+          </a:p>
+        </p:txBody>
+      </p:sp>
+      <p:sp>
+        <p:nvSpPr>
+          <p:cNvPr id="240" name="Shape 240"/>
+          <p:cNvSpPr/>
+          <p:nvPr>
+            <p:ph type="body" sz="quarter" idx="1"/>
+          </p:nvPr>
+        </p:nvSpPr>
+        <p:spPr>
+          <a:prstGeom prst="rect">
+            <a:avLst/>
+          </a:prstGeom>
+        </p:spPr>
+        <p:txBody>
+          <a:bodyPr/>
+          <a:lstStyle/>
+          <a:p>
+            <a:pPr>
+              <a:defRPr>
+                <a:latin typeface="Calibri"/>
+                <a:ea typeface="Calibri"/>
+                <a:cs typeface="Calibri"/>
+                <a:sym typeface="Calibri"/>
+              </a:defRPr>
+            </a:pPr>
+            <a:r>
+              <a:t>1. introduction: advantages, structure, how work (hit case)</a:t>
+            </a:r>
+          </a:p>
+          <a:p>
+            <a:pPr>
+              <a:defRPr>
+                <a:latin typeface="Calibri"/>
+                <a:ea typeface="Calibri"/>
+                <a:cs typeface="Calibri"/>
+                <a:sym typeface="Calibri"/>
+              </a:defRPr>
+            </a:pPr>
+            <a:r>
+              <a:t>2. 2 ways </a:t>
+            </a:r>
+          </a:p>
+        </p:txBody>
+      </p:sp>
+    </p:spTree>
+  </p:cSld>
+  <p:clrMapOvr>
+    <a:masterClrMapping/>
+  </p:clrMapOvr>
+</p:notes>
+</file>
+
+<file path=ppt/notesSlides/notesSlide18.xml><?xml version="1.0" encoding="utf-8"?>
+<p:notes xmlns:a="http://schemas.openxmlformats.org/drawingml/2006/main" xmlns:r="http://schemas.openxmlformats.org/officeDocument/2006/relationships" xmlns:p="http://schemas.openxmlformats.org/presentationml/2006/main" xmlns:m="http://schemas.openxmlformats.org/officeDocument/2006/math" xmlns:a14="http://schemas.microsoft.com/office/drawing/2010/main" showMasterSp="1" showMasterPhAnim="1">
+  <p:cSld>
+    <p:spTree>
+      <p:nvGrpSpPr>
+        <p:cNvPr id="1" name=""/>
+        <p:cNvGrpSpPr/>
+        <p:nvPr/>
+      </p:nvGrpSpPr>
+      <p:grpSpPr>
+        <a:xfrm>
+          <a:off x="0" y="0"/>
+          <a:ext cx="0" cy="0"/>
+          <a:chOff x="0" y="0"/>
+          <a:chExt cx="0" cy="0"/>
+        </a:xfrm>
+      </p:grpSpPr>
+      <p:sp>
+        <p:nvSpPr>
+          <p:cNvPr id="243" name="Shape 243"/>
+          <p:cNvSpPr/>
+          <p:nvPr>
+            <p:ph type="sldImg"/>
+          </p:nvPr>
+        </p:nvSpPr>
+        <p:spPr>
+          <a:prstGeom prst="rect">
+            <a:avLst/>
+          </a:prstGeom>
+        </p:spPr>
+        <p:txBody>
+          <a:bodyPr/>
+          <a:lstStyle/>
+          <a:p>
+            <a:pPr/>
+          </a:p>
+        </p:txBody>
+      </p:sp>
+      <p:sp>
+        <p:nvSpPr>
+          <p:cNvPr id="244" name="Shape 244"/>
+          <p:cNvSpPr/>
+          <p:nvPr>
+            <p:ph type="body" sz="quarter" idx="1"/>
+          </p:nvPr>
+        </p:nvSpPr>
+        <p:spPr>
+          <a:prstGeom prst="rect">
+            <a:avLst/>
+          </a:prstGeom>
+        </p:spPr>
+        <p:txBody>
+          <a:bodyPr/>
+          <a:lstStyle/>
+          <a:p>
+            <a:pPr>
+              <a:defRPr>
+                <a:latin typeface="Calibri"/>
+                <a:ea typeface="Calibri"/>
+                <a:cs typeface="Calibri"/>
+                <a:sym typeface="Calibri"/>
+              </a:defRPr>
+            </a:pPr>
+            <a:r>
+              <a:t>1. introduction: advantages, structure, how work (hit case)</a:t>
+            </a:r>
+          </a:p>
+          <a:p>
+            <a:pPr>
+              <a:defRPr>
+                <a:latin typeface="Calibri"/>
+                <a:ea typeface="Calibri"/>
+                <a:cs typeface="Calibri"/>
+                <a:sym typeface="Calibri"/>
+              </a:defRPr>
+            </a:pPr>
+            <a:r>
+              <a:t>2. 2 ways </a:t>
+            </a:r>
+          </a:p>
+        </p:txBody>
+      </p:sp>
+    </p:spTree>
+  </p:cSld>
+  <p:clrMapOvr>
+    <a:masterClrMapping/>
+  </p:clrMapOvr>
+</p:notes>
+</file>
+
+<file path=ppt/notesSlides/notesSlide19.xml><?xml version="1.0" encoding="utf-8"?>
+<p:notes xmlns:a="http://schemas.openxmlformats.org/drawingml/2006/main" xmlns:r="http://schemas.openxmlformats.org/officeDocument/2006/relationships" xmlns:p="http://schemas.openxmlformats.org/presentationml/2006/main" xmlns:m="http://schemas.openxmlformats.org/officeDocument/2006/math" xmlns:a14="http://schemas.microsoft.com/office/drawing/2010/main" showMasterSp="1" showMasterPhAnim="1">
+  <p:cSld>
+    <p:spTree>
+      <p:nvGrpSpPr>
+        <p:cNvPr id="1" name=""/>
+        <p:cNvGrpSpPr/>
+        <p:nvPr/>
+      </p:nvGrpSpPr>
+      <p:grpSpPr>
+        <a:xfrm>
+          <a:off x="0" y="0"/>
+          <a:ext cx="0" cy="0"/>
+          <a:chOff x="0" y="0"/>
+          <a:chExt cx="0" cy="0"/>
+        </a:xfrm>
+      </p:grpSpPr>
+      <p:sp>
+        <p:nvSpPr>
+          <p:cNvPr id="247" name="Shape 247"/>
+          <p:cNvSpPr/>
+          <p:nvPr>
+            <p:ph type="sldImg"/>
+          </p:nvPr>
+        </p:nvSpPr>
+        <p:spPr>
+          <a:prstGeom prst="rect">
+            <a:avLst/>
+          </a:prstGeom>
+        </p:spPr>
+        <p:txBody>
+          <a:bodyPr/>
+          <a:lstStyle/>
+          <a:p>
+            <a:pPr/>
+          </a:p>
+        </p:txBody>
+      </p:sp>
+      <p:sp>
+        <p:nvSpPr>
+          <p:cNvPr id="248" name="Shape 248"/>
           <p:cNvSpPr/>
           <p:nvPr>
             <p:ph type="body" sz="quarter" idx="1"/>
@@ -672,7 +1498,7 @@
       </p:grpSpPr>
       <p:sp>
         <p:nvSpPr>
-          <p:cNvPr id="152" name="Shape 152"/>
+          <p:cNvPr id="161" name="Shape 161"/>
           <p:cNvSpPr/>
           <p:nvPr>
             <p:ph type="sldImg"/>
@@ -693,7 +1519,637 @@
       </p:sp>
       <p:sp>
         <p:nvSpPr>
-          <p:cNvPr id="153" name="Shape 153"/>
+          <p:cNvPr id="162" name="Shape 162"/>
+          <p:cNvSpPr/>
+          <p:nvPr>
+            <p:ph type="body" sz="quarter" idx="1"/>
+          </p:nvPr>
+        </p:nvSpPr>
+        <p:spPr>
+          <a:prstGeom prst="rect">
+            <a:avLst/>
+          </a:prstGeom>
+        </p:spPr>
+        <p:txBody>
+          <a:bodyPr/>
+          <a:lstStyle/>
+          <a:p>
+            <a:pPr>
+              <a:defRPr>
+                <a:latin typeface="Calibri"/>
+                <a:ea typeface="Calibri"/>
+                <a:cs typeface="Calibri"/>
+                <a:sym typeface="Calibri"/>
+              </a:defRPr>
+            </a:pPr>
+            <a:r>
+              <a:t>1. introduction: advantages, structure, how work (hit case)</a:t>
+            </a:r>
+          </a:p>
+          <a:p>
+            <a:pPr>
+              <a:defRPr>
+                <a:latin typeface="Calibri"/>
+                <a:ea typeface="Calibri"/>
+                <a:cs typeface="Calibri"/>
+                <a:sym typeface="Calibri"/>
+              </a:defRPr>
+            </a:pPr>
+            <a:r>
+              <a:t>2. 2 ways </a:t>
+            </a:r>
+          </a:p>
+        </p:txBody>
+      </p:sp>
+    </p:spTree>
+  </p:cSld>
+  <p:clrMapOvr>
+    <a:masterClrMapping/>
+  </p:clrMapOvr>
+</p:notes>
+</file>
+
+<file path=ppt/notesSlides/notesSlide20.xml><?xml version="1.0" encoding="utf-8"?>
+<p:notes xmlns:a="http://schemas.openxmlformats.org/drawingml/2006/main" xmlns:r="http://schemas.openxmlformats.org/officeDocument/2006/relationships" xmlns:p="http://schemas.openxmlformats.org/presentationml/2006/main" xmlns:m="http://schemas.openxmlformats.org/officeDocument/2006/math" xmlns:a14="http://schemas.microsoft.com/office/drawing/2010/main" showMasterSp="1" showMasterPhAnim="1">
+  <p:cSld>
+    <p:spTree>
+      <p:nvGrpSpPr>
+        <p:cNvPr id="1" name=""/>
+        <p:cNvGrpSpPr/>
+        <p:nvPr/>
+      </p:nvGrpSpPr>
+      <p:grpSpPr>
+        <a:xfrm>
+          <a:off x="0" y="0"/>
+          <a:ext cx="0" cy="0"/>
+          <a:chOff x="0" y="0"/>
+          <a:chExt cx="0" cy="0"/>
+        </a:xfrm>
+      </p:grpSpPr>
+      <p:sp>
+        <p:nvSpPr>
+          <p:cNvPr id="252" name="Shape 252"/>
+          <p:cNvSpPr/>
+          <p:nvPr>
+            <p:ph type="sldImg"/>
+          </p:nvPr>
+        </p:nvSpPr>
+        <p:spPr>
+          <a:prstGeom prst="rect">
+            <a:avLst/>
+          </a:prstGeom>
+        </p:spPr>
+        <p:txBody>
+          <a:bodyPr/>
+          <a:lstStyle/>
+          <a:p>
+            <a:pPr/>
+          </a:p>
+        </p:txBody>
+      </p:sp>
+      <p:sp>
+        <p:nvSpPr>
+          <p:cNvPr id="253" name="Shape 253"/>
+          <p:cNvSpPr/>
+          <p:nvPr>
+            <p:ph type="body" sz="quarter" idx="1"/>
+          </p:nvPr>
+        </p:nvSpPr>
+        <p:spPr>
+          <a:prstGeom prst="rect">
+            <a:avLst/>
+          </a:prstGeom>
+        </p:spPr>
+        <p:txBody>
+          <a:bodyPr/>
+          <a:lstStyle/>
+          <a:p>
+            <a:pPr>
+              <a:defRPr>
+                <a:latin typeface="Calibri"/>
+                <a:ea typeface="Calibri"/>
+                <a:cs typeface="Calibri"/>
+                <a:sym typeface="Calibri"/>
+              </a:defRPr>
+            </a:pPr>
+            <a:r>
+              <a:t>1. introduction: advantages, structure, how work (hit case)</a:t>
+            </a:r>
+          </a:p>
+          <a:p>
+            <a:pPr>
+              <a:defRPr>
+                <a:latin typeface="Calibri"/>
+                <a:ea typeface="Calibri"/>
+                <a:cs typeface="Calibri"/>
+                <a:sym typeface="Calibri"/>
+              </a:defRPr>
+            </a:pPr>
+            <a:r>
+              <a:t>2. 2 ways </a:t>
+            </a:r>
+          </a:p>
+        </p:txBody>
+      </p:sp>
+    </p:spTree>
+  </p:cSld>
+  <p:clrMapOvr>
+    <a:masterClrMapping/>
+  </p:clrMapOvr>
+</p:notes>
+</file>
+
+<file path=ppt/notesSlides/notesSlide21.xml><?xml version="1.0" encoding="utf-8"?>
+<p:notes xmlns:a="http://schemas.openxmlformats.org/drawingml/2006/main" xmlns:r="http://schemas.openxmlformats.org/officeDocument/2006/relationships" xmlns:p="http://schemas.openxmlformats.org/presentationml/2006/main" xmlns:m="http://schemas.openxmlformats.org/officeDocument/2006/math" xmlns:a14="http://schemas.microsoft.com/office/drawing/2010/main" showMasterSp="1" showMasterPhAnim="1">
+  <p:cSld>
+    <p:spTree>
+      <p:nvGrpSpPr>
+        <p:cNvPr id="1" name=""/>
+        <p:cNvGrpSpPr/>
+        <p:nvPr/>
+      </p:nvGrpSpPr>
+      <p:grpSpPr>
+        <a:xfrm>
+          <a:off x="0" y="0"/>
+          <a:ext cx="0" cy="0"/>
+          <a:chOff x="0" y="0"/>
+          <a:chExt cx="0" cy="0"/>
+        </a:xfrm>
+      </p:grpSpPr>
+      <p:sp>
+        <p:nvSpPr>
+          <p:cNvPr id="256" name="Shape 256"/>
+          <p:cNvSpPr/>
+          <p:nvPr>
+            <p:ph type="sldImg"/>
+          </p:nvPr>
+        </p:nvSpPr>
+        <p:spPr>
+          <a:prstGeom prst="rect">
+            <a:avLst/>
+          </a:prstGeom>
+        </p:spPr>
+        <p:txBody>
+          <a:bodyPr/>
+          <a:lstStyle/>
+          <a:p>
+            <a:pPr/>
+          </a:p>
+        </p:txBody>
+      </p:sp>
+      <p:sp>
+        <p:nvSpPr>
+          <p:cNvPr id="257" name="Shape 257"/>
+          <p:cNvSpPr/>
+          <p:nvPr>
+            <p:ph type="body" sz="quarter" idx="1"/>
+          </p:nvPr>
+        </p:nvSpPr>
+        <p:spPr>
+          <a:prstGeom prst="rect">
+            <a:avLst/>
+          </a:prstGeom>
+        </p:spPr>
+        <p:txBody>
+          <a:bodyPr/>
+          <a:lstStyle/>
+          <a:p>
+            <a:pPr>
+              <a:defRPr>
+                <a:latin typeface="Calibri"/>
+                <a:ea typeface="Calibri"/>
+                <a:cs typeface="Calibri"/>
+                <a:sym typeface="Calibri"/>
+              </a:defRPr>
+            </a:pPr>
+            <a:r>
+              <a:t>1. introduction: advantages, structure, how work (hit case)</a:t>
+            </a:r>
+          </a:p>
+          <a:p>
+            <a:pPr>
+              <a:defRPr>
+                <a:latin typeface="Calibri"/>
+                <a:ea typeface="Calibri"/>
+                <a:cs typeface="Calibri"/>
+                <a:sym typeface="Calibri"/>
+              </a:defRPr>
+            </a:pPr>
+            <a:r>
+              <a:t>2. 2 ways </a:t>
+            </a:r>
+          </a:p>
+        </p:txBody>
+      </p:sp>
+    </p:spTree>
+  </p:cSld>
+  <p:clrMapOvr>
+    <a:masterClrMapping/>
+  </p:clrMapOvr>
+</p:notes>
+</file>
+
+<file path=ppt/notesSlides/notesSlide22.xml><?xml version="1.0" encoding="utf-8"?>
+<p:notes xmlns:a="http://schemas.openxmlformats.org/drawingml/2006/main" xmlns:r="http://schemas.openxmlformats.org/officeDocument/2006/relationships" xmlns:p="http://schemas.openxmlformats.org/presentationml/2006/main" xmlns:m="http://schemas.openxmlformats.org/officeDocument/2006/math" xmlns:a14="http://schemas.microsoft.com/office/drawing/2010/main" showMasterSp="1" showMasterPhAnim="1">
+  <p:cSld>
+    <p:spTree>
+      <p:nvGrpSpPr>
+        <p:cNvPr id="1" name=""/>
+        <p:cNvGrpSpPr/>
+        <p:nvPr/>
+      </p:nvGrpSpPr>
+      <p:grpSpPr>
+        <a:xfrm>
+          <a:off x="0" y="0"/>
+          <a:ext cx="0" cy="0"/>
+          <a:chOff x="0" y="0"/>
+          <a:chExt cx="0" cy="0"/>
+        </a:xfrm>
+      </p:grpSpPr>
+      <p:sp>
+        <p:nvSpPr>
+          <p:cNvPr id="260" name="Shape 260"/>
+          <p:cNvSpPr/>
+          <p:nvPr>
+            <p:ph type="sldImg"/>
+          </p:nvPr>
+        </p:nvSpPr>
+        <p:spPr>
+          <a:prstGeom prst="rect">
+            <a:avLst/>
+          </a:prstGeom>
+        </p:spPr>
+        <p:txBody>
+          <a:bodyPr/>
+          <a:lstStyle/>
+          <a:p>
+            <a:pPr/>
+          </a:p>
+        </p:txBody>
+      </p:sp>
+      <p:sp>
+        <p:nvSpPr>
+          <p:cNvPr id="261" name="Shape 261"/>
+          <p:cNvSpPr/>
+          <p:nvPr>
+            <p:ph type="body" sz="quarter" idx="1"/>
+          </p:nvPr>
+        </p:nvSpPr>
+        <p:spPr>
+          <a:prstGeom prst="rect">
+            <a:avLst/>
+          </a:prstGeom>
+        </p:spPr>
+        <p:txBody>
+          <a:bodyPr/>
+          <a:lstStyle/>
+          <a:p>
+            <a:pPr>
+              <a:defRPr>
+                <a:latin typeface="Calibri"/>
+                <a:ea typeface="Calibri"/>
+                <a:cs typeface="Calibri"/>
+                <a:sym typeface="Calibri"/>
+              </a:defRPr>
+            </a:pPr>
+            <a:r>
+              <a:t>1. introduction: advantages, structure, how work (hit case)</a:t>
+            </a:r>
+          </a:p>
+          <a:p>
+            <a:pPr>
+              <a:defRPr>
+                <a:latin typeface="Calibri"/>
+                <a:ea typeface="Calibri"/>
+                <a:cs typeface="Calibri"/>
+                <a:sym typeface="Calibri"/>
+              </a:defRPr>
+            </a:pPr>
+            <a:r>
+              <a:t>2. 2 ways </a:t>
+            </a:r>
+          </a:p>
+        </p:txBody>
+      </p:sp>
+    </p:spTree>
+  </p:cSld>
+  <p:clrMapOvr>
+    <a:masterClrMapping/>
+  </p:clrMapOvr>
+</p:notes>
+</file>
+
+<file path=ppt/notesSlides/notesSlide23.xml><?xml version="1.0" encoding="utf-8"?>
+<p:notes xmlns:a="http://schemas.openxmlformats.org/drawingml/2006/main" xmlns:r="http://schemas.openxmlformats.org/officeDocument/2006/relationships" xmlns:p="http://schemas.openxmlformats.org/presentationml/2006/main" xmlns:m="http://schemas.openxmlformats.org/officeDocument/2006/math" xmlns:a14="http://schemas.microsoft.com/office/drawing/2010/main" showMasterSp="1" showMasterPhAnim="1">
+  <p:cSld>
+    <p:spTree>
+      <p:nvGrpSpPr>
+        <p:cNvPr id="1" name=""/>
+        <p:cNvGrpSpPr/>
+        <p:nvPr/>
+      </p:nvGrpSpPr>
+      <p:grpSpPr>
+        <a:xfrm>
+          <a:off x="0" y="0"/>
+          <a:ext cx="0" cy="0"/>
+          <a:chOff x="0" y="0"/>
+          <a:chExt cx="0" cy="0"/>
+        </a:xfrm>
+      </p:grpSpPr>
+      <p:sp>
+        <p:nvSpPr>
+          <p:cNvPr id="265" name="Shape 265"/>
+          <p:cNvSpPr/>
+          <p:nvPr>
+            <p:ph type="sldImg"/>
+          </p:nvPr>
+        </p:nvSpPr>
+        <p:spPr>
+          <a:prstGeom prst="rect">
+            <a:avLst/>
+          </a:prstGeom>
+        </p:spPr>
+        <p:txBody>
+          <a:bodyPr/>
+          <a:lstStyle/>
+          <a:p>
+            <a:pPr/>
+          </a:p>
+        </p:txBody>
+      </p:sp>
+      <p:sp>
+        <p:nvSpPr>
+          <p:cNvPr id="266" name="Shape 266"/>
+          <p:cNvSpPr/>
+          <p:nvPr>
+            <p:ph type="body" sz="quarter" idx="1"/>
+          </p:nvPr>
+        </p:nvSpPr>
+        <p:spPr>
+          <a:prstGeom prst="rect">
+            <a:avLst/>
+          </a:prstGeom>
+        </p:spPr>
+        <p:txBody>
+          <a:bodyPr/>
+          <a:lstStyle/>
+          <a:p>
+            <a:pPr>
+              <a:defRPr>
+                <a:latin typeface="Calibri"/>
+                <a:ea typeface="Calibri"/>
+                <a:cs typeface="Calibri"/>
+                <a:sym typeface="Calibri"/>
+              </a:defRPr>
+            </a:pPr>
+            <a:r>
+              <a:t>1. introduction: advantages, structure, how work (hit case)</a:t>
+            </a:r>
+          </a:p>
+          <a:p>
+            <a:pPr>
+              <a:defRPr>
+                <a:latin typeface="Calibri"/>
+                <a:ea typeface="Calibri"/>
+                <a:cs typeface="Calibri"/>
+                <a:sym typeface="Calibri"/>
+              </a:defRPr>
+            </a:pPr>
+            <a:r>
+              <a:t>2. 2 ways </a:t>
+            </a:r>
+          </a:p>
+        </p:txBody>
+      </p:sp>
+    </p:spTree>
+  </p:cSld>
+  <p:clrMapOvr>
+    <a:masterClrMapping/>
+  </p:clrMapOvr>
+</p:notes>
+</file>
+
+<file path=ppt/notesSlides/notesSlide24.xml><?xml version="1.0" encoding="utf-8"?>
+<p:notes xmlns:a="http://schemas.openxmlformats.org/drawingml/2006/main" xmlns:r="http://schemas.openxmlformats.org/officeDocument/2006/relationships" xmlns:p="http://schemas.openxmlformats.org/presentationml/2006/main" xmlns:m="http://schemas.openxmlformats.org/officeDocument/2006/math" xmlns:a14="http://schemas.microsoft.com/office/drawing/2010/main" showMasterSp="1" showMasterPhAnim="1">
+  <p:cSld>
+    <p:spTree>
+      <p:nvGrpSpPr>
+        <p:cNvPr id="1" name=""/>
+        <p:cNvGrpSpPr/>
+        <p:nvPr/>
+      </p:nvGrpSpPr>
+      <p:grpSpPr>
+        <a:xfrm>
+          <a:off x="0" y="0"/>
+          <a:ext cx="0" cy="0"/>
+          <a:chOff x="0" y="0"/>
+          <a:chExt cx="0" cy="0"/>
+        </a:xfrm>
+      </p:grpSpPr>
+      <p:sp>
+        <p:nvSpPr>
+          <p:cNvPr id="269" name="Shape 269"/>
+          <p:cNvSpPr/>
+          <p:nvPr>
+            <p:ph type="sldImg"/>
+          </p:nvPr>
+        </p:nvSpPr>
+        <p:spPr>
+          <a:prstGeom prst="rect">
+            <a:avLst/>
+          </a:prstGeom>
+        </p:spPr>
+        <p:txBody>
+          <a:bodyPr/>
+          <a:lstStyle/>
+          <a:p>
+            <a:pPr/>
+          </a:p>
+        </p:txBody>
+      </p:sp>
+      <p:sp>
+        <p:nvSpPr>
+          <p:cNvPr id="270" name="Shape 270"/>
+          <p:cNvSpPr/>
+          <p:nvPr>
+            <p:ph type="body" sz="quarter" idx="1"/>
+          </p:nvPr>
+        </p:nvSpPr>
+        <p:spPr>
+          <a:prstGeom prst="rect">
+            <a:avLst/>
+          </a:prstGeom>
+        </p:spPr>
+        <p:txBody>
+          <a:bodyPr/>
+          <a:lstStyle/>
+          <a:p>
+            <a:pPr>
+              <a:defRPr>
+                <a:latin typeface="Calibri"/>
+                <a:ea typeface="Calibri"/>
+                <a:cs typeface="Calibri"/>
+                <a:sym typeface="Calibri"/>
+              </a:defRPr>
+            </a:pPr>
+            <a:r>
+              <a:t>1. introduction: advantages, structure, how work (hit case)</a:t>
+            </a:r>
+          </a:p>
+          <a:p>
+            <a:pPr>
+              <a:defRPr>
+                <a:latin typeface="Calibri"/>
+                <a:ea typeface="Calibri"/>
+                <a:cs typeface="Calibri"/>
+                <a:sym typeface="Calibri"/>
+              </a:defRPr>
+            </a:pPr>
+            <a:r>
+              <a:t>2. 2 ways </a:t>
+            </a:r>
+          </a:p>
+        </p:txBody>
+      </p:sp>
+    </p:spTree>
+  </p:cSld>
+  <p:clrMapOvr>
+    <a:masterClrMapping/>
+  </p:clrMapOvr>
+</p:notes>
+</file>
+
+<file path=ppt/notesSlides/notesSlide25.xml><?xml version="1.0" encoding="utf-8"?>
+<p:notes xmlns:a="http://schemas.openxmlformats.org/drawingml/2006/main" xmlns:r="http://schemas.openxmlformats.org/officeDocument/2006/relationships" xmlns:p="http://schemas.openxmlformats.org/presentationml/2006/main" xmlns:m="http://schemas.openxmlformats.org/officeDocument/2006/math" xmlns:a14="http://schemas.microsoft.com/office/drawing/2010/main" showMasterSp="1" showMasterPhAnim="1">
+  <p:cSld>
+    <p:spTree>
+      <p:nvGrpSpPr>
+        <p:cNvPr id="1" name=""/>
+        <p:cNvGrpSpPr/>
+        <p:nvPr/>
+      </p:nvGrpSpPr>
+      <p:grpSpPr>
+        <a:xfrm>
+          <a:off x="0" y="0"/>
+          <a:ext cx="0" cy="0"/>
+          <a:chOff x="0" y="0"/>
+          <a:chExt cx="0" cy="0"/>
+        </a:xfrm>
+      </p:grpSpPr>
+      <p:sp>
+        <p:nvSpPr>
+          <p:cNvPr id="275" name="Shape 275"/>
+          <p:cNvSpPr/>
+          <p:nvPr>
+            <p:ph type="sldImg"/>
+          </p:nvPr>
+        </p:nvSpPr>
+        <p:spPr>
+          <a:prstGeom prst="rect">
+            <a:avLst/>
+          </a:prstGeom>
+        </p:spPr>
+        <p:txBody>
+          <a:bodyPr/>
+          <a:lstStyle/>
+          <a:p>
+            <a:pPr/>
+          </a:p>
+        </p:txBody>
+      </p:sp>
+      <p:sp>
+        <p:nvSpPr>
+          <p:cNvPr id="276" name="Shape 276"/>
+          <p:cNvSpPr/>
+          <p:nvPr>
+            <p:ph type="body" sz="quarter" idx="1"/>
+          </p:nvPr>
+        </p:nvSpPr>
+        <p:spPr>
+          <a:prstGeom prst="rect">
+            <a:avLst/>
+          </a:prstGeom>
+        </p:spPr>
+        <p:txBody>
+          <a:bodyPr/>
+          <a:lstStyle/>
+          <a:p>
+            <a:pPr>
+              <a:defRPr>
+                <a:latin typeface="Calibri"/>
+                <a:ea typeface="Calibri"/>
+                <a:cs typeface="Calibri"/>
+                <a:sym typeface="Calibri"/>
+              </a:defRPr>
+            </a:pPr>
+            <a:r>
+              <a:t>1. introduction: advantages, structure, how work (hit case)</a:t>
+            </a:r>
+          </a:p>
+          <a:p>
+            <a:pPr>
+              <a:defRPr>
+                <a:latin typeface="Calibri"/>
+                <a:ea typeface="Calibri"/>
+                <a:cs typeface="Calibri"/>
+                <a:sym typeface="Calibri"/>
+              </a:defRPr>
+            </a:pPr>
+            <a:r>
+              <a:t>2. 2 ways </a:t>
+            </a:r>
+          </a:p>
+        </p:txBody>
+      </p:sp>
+    </p:spTree>
+  </p:cSld>
+  <p:clrMapOvr>
+    <a:masterClrMapping/>
+  </p:clrMapOvr>
+</p:notes>
+</file>
+
+<file path=ppt/notesSlides/notesSlide26.xml><?xml version="1.0" encoding="utf-8"?>
+<p:notes xmlns:a="http://schemas.openxmlformats.org/drawingml/2006/main" xmlns:r="http://schemas.openxmlformats.org/officeDocument/2006/relationships" xmlns:p="http://schemas.openxmlformats.org/presentationml/2006/main" xmlns:m="http://schemas.openxmlformats.org/officeDocument/2006/math" xmlns:a14="http://schemas.microsoft.com/office/drawing/2010/main" showMasterSp="1" showMasterPhAnim="1">
+  <p:cSld>
+    <p:spTree>
+      <p:nvGrpSpPr>
+        <p:cNvPr id="1" name=""/>
+        <p:cNvGrpSpPr/>
+        <p:nvPr/>
+      </p:nvGrpSpPr>
+      <p:grpSpPr>
+        <a:xfrm>
+          <a:off x="0" y="0"/>
+          <a:ext cx="0" cy="0"/>
+          <a:chOff x="0" y="0"/>
+          <a:chExt cx="0" cy="0"/>
+        </a:xfrm>
+      </p:grpSpPr>
+      <p:sp>
+        <p:nvSpPr>
+          <p:cNvPr id="282" name="Shape 282"/>
+          <p:cNvSpPr/>
+          <p:nvPr>
+            <p:ph type="sldImg"/>
+          </p:nvPr>
+        </p:nvSpPr>
+        <p:spPr>
+          <a:prstGeom prst="rect">
+            <a:avLst/>
+          </a:prstGeom>
+        </p:spPr>
+        <p:txBody>
+          <a:bodyPr/>
+          <a:lstStyle/>
+          <a:p>
+            <a:pPr/>
+          </a:p>
+        </p:txBody>
+      </p:sp>
+      <p:sp>
+        <p:nvSpPr>
+          <p:cNvPr id="283" name="Shape 283"/>
           <p:cNvSpPr/>
           <p:nvPr>
             <p:ph type="body" sz="quarter" idx="1"/>
@@ -762,7 +2218,7 @@
       </p:grpSpPr>
       <p:sp>
         <p:nvSpPr>
-          <p:cNvPr id="157" name="Shape 157"/>
+          <p:cNvPr id="165" name="Shape 165"/>
           <p:cNvSpPr/>
           <p:nvPr>
             <p:ph type="sldImg"/>
@@ -783,7 +2239,7 @@
       </p:sp>
       <p:sp>
         <p:nvSpPr>
-          <p:cNvPr id="158" name="Shape 158"/>
+          <p:cNvPr id="166" name="Shape 166"/>
           <p:cNvSpPr/>
           <p:nvPr>
             <p:ph type="body" sz="quarter" idx="1"/>
@@ -852,7 +2308,7 @@
       </p:grpSpPr>
       <p:sp>
         <p:nvSpPr>
-          <p:cNvPr id="162" name="Shape 162"/>
+          <p:cNvPr id="170" name="Shape 170"/>
           <p:cNvSpPr/>
           <p:nvPr>
             <p:ph type="sldImg"/>
@@ -873,7 +2329,7 @@
       </p:sp>
       <p:sp>
         <p:nvSpPr>
-          <p:cNvPr id="163" name="Shape 163"/>
+          <p:cNvPr id="171" name="Shape 171"/>
           <p:cNvSpPr/>
           <p:nvPr>
             <p:ph type="body" sz="quarter" idx="1"/>
@@ -942,7 +2398,7 @@
       </p:grpSpPr>
       <p:sp>
         <p:nvSpPr>
-          <p:cNvPr id="167" name="Shape 167"/>
+          <p:cNvPr id="175" name="Shape 175"/>
           <p:cNvSpPr/>
           <p:nvPr>
             <p:ph type="sldImg"/>
@@ -963,7 +2419,7 @@
       </p:sp>
       <p:sp>
         <p:nvSpPr>
-          <p:cNvPr id="168" name="Shape 168"/>
+          <p:cNvPr id="176" name="Shape 176"/>
           <p:cNvSpPr/>
           <p:nvPr>
             <p:ph type="body" sz="quarter" idx="1"/>
@@ -1032,7 +2488,7 @@
       </p:grpSpPr>
       <p:sp>
         <p:nvSpPr>
-          <p:cNvPr id="172" name="Shape 172"/>
+          <p:cNvPr id="181" name="Shape 181"/>
           <p:cNvSpPr/>
           <p:nvPr>
             <p:ph type="sldImg"/>
@@ -1053,7 +2509,7 @@
       </p:sp>
       <p:sp>
         <p:nvSpPr>
-          <p:cNvPr id="173" name="Shape 173"/>
+          <p:cNvPr id="182" name="Shape 182"/>
           <p:cNvSpPr/>
           <p:nvPr>
             <p:ph type="body" sz="quarter" idx="1"/>
@@ -1122,7 +2578,7 @@
       </p:grpSpPr>
       <p:sp>
         <p:nvSpPr>
-          <p:cNvPr id="176" name="Shape 176"/>
+          <p:cNvPr id="186" name="Shape 186"/>
           <p:cNvSpPr/>
           <p:nvPr>
             <p:ph type="sldImg"/>
@@ -1143,7 +2599,7 @@
       </p:sp>
       <p:sp>
         <p:nvSpPr>
-          <p:cNvPr id="177" name="Shape 177"/>
+          <p:cNvPr id="187" name="Shape 187"/>
           <p:cNvSpPr/>
           <p:nvPr>
             <p:ph type="body" sz="quarter" idx="1"/>
@@ -1212,7 +2668,7 @@
       </p:grpSpPr>
       <p:sp>
         <p:nvSpPr>
-          <p:cNvPr id="180" name="Shape 180"/>
+          <p:cNvPr id="192" name="Shape 192"/>
           <p:cNvSpPr/>
           <p:nvPr>
             <p:ph type="sldImg"/>
@@ -1233,7 +2689,7 @@
       </p:sp>
       <p:sp>
         <p:nvSpPr>
-          <p:cNvPr id="181" name="Shape 181"/>
+          <p:cNvPr id="193" name="Shape 193"/>
           <p:cNvSpPr/>
           <p:nvPr>
             <p:ph type="body" sz="quarter" idx="1"/>
@@ -1302,7 +2758,7 @@
       </p:grpSpPr>
       <p:sp>
         <p:nvSpPr>
-          <p:cNvPr id="186" name="Shape 186"/>
+          <p:cNvPr id="197" name="Shape 197"/>
           <p:cNvSpPr/>
           <p:nvPr>
             <p:ph type="sldImg"/>
@@ -1323,7 +2779,7 @@
       </p:sp>
       <p:sp>
         <p:nvSpPr>
-          <p:cNvPr id="187" name="Shape 187"/>
+          <p:cNvPr id="198" name="Shape 198"/>
           <p:cNvSpPr/>
           <p:nvPr>
             <p:ph type="body" sz="quarter" idx="1"/>
@@ -2533,6 +3989,189 @@
         </p:spPr>
         <p:txBody>
           <a:bodyPr lIns="45718" tIns="45718" rIns="45718" bIns="45718"/>
+          <a:lstStyle>
+            <a:lvl1pPr>
+              <a:defRPr>
+                <a:latin typeface="Calibri"/>
+                <a:ea typeface="Calibri"/>
+                <a:cs typeface="Calibri"/>
+                <a:sym typeface="Calibri"/>
+              </a:defRPr>
+            </a:lvl1pPr>
+          </a:lstStyle>
+          <a:p>
+            <a:pPr/>
+            <a:fld id="{86CB4B4D-7CA3-9044-876B-883B54F8677D}" type="slidenum"/>
+          </a:p>
+        </p:txBody>
+      </p:sp>
+    </p:spTree>
+  </p:cSld>
+  <p:clrMapOvr>
+    <a:masterClrMapping/>
+  </p:clrMapOvr>
+  <p:transition xmlns:p14="http://schemas.microsoft.com/office/powerpoint/2010/main" spd="med" advClick="1"/>
+</p:sldLayout>
+</file>
+
+<file path=ppt/slideLayouts/slideLayout16.xml><?xml version="1.0" encoding="utf-8"?>
+<p:sldLayout xmlns:a="http://schemas.openxmlformats.org/drawingml/2006/main" xmlns:r="http://schemas.openxmlformats.org/officeDocument/2006/relationships" xmlns:p="http://schemas.openxmlformats.org/presentationml/2006/main" xmlns:m="http://schemas.openxmlformats.org/officeDocument/2006/math" xmlns:a14="http://schemas.microsoft.com/office/drawing/2010/main" type="tx" showMasterSp="1" showMasterPhAnim="1">
+  <p:cSld name="标题和内容">
+    <p:spTree>
+      <p:nvGrpSpPr>
+        <p:cNvPr id="1" name=""/>
+        <p:cNvGrpSpPr/>
+        <p:nvPr/>
+      </p:nvGrpSpPr>
+      <p:grpSpPr>
+        <a:xfrm>
+          <a:off x="0" y="0"/>
+          <a:ext cx="0" cy="0"/>
+          <a:chOff x="0" y="0"/>
+          <a:chExt cx="0" cy="0"/>
+        </a:xfrm>
+      </p:grpSpPr>
+      <p:sp>
+        <p:nvSpPr>
+          <p:cNvPr id="144" name="标题文本"/>
+          <p:cNvSpPr txBox="1"/>
+          <p:nvPr>
+            <p:ph type="title"/>
+          </p:nvPr>
+        </p:nvSpPr>
+        <p:spPr>
+          <a:prstGeom prst="rect">
+            <a:avLst/>
+          </a:prstGeom>
+        </p:spPr>
+        <p:txBody>
+          <a:bodyPr lIns="45719" tIns="45719" rIns="45719" bIns="45719"/>
+          <a:lstStyle>
+            <a:lvl1pPr>
+              <a:defRPr>
+                <a:latin typeface="Calibri"/>
+                <a:ea typeface="Calibri"/>
+                <a:cs typeface="Calibri"/>
+                <a:sym typeface="Calibri"/>
+              </a:defRPr>
+            </a:lvl1pPr>
+          </a:lstStyle>
+          <a:p>
+            <a:pPr/>
+            <a:r>
+              <a:t>标题文本</a:t>
+            </a:r>
+          </a:p>
+        </p:txBody>
+      </p:sp>
+      <p:sp>
+        <p:nvSpPr>
+          <p:cNvPr id="145" name="正文级别 1…"/>
+          <p:cNvSpPr txBox="1"/>
+          <p:nvPr>
+            <p:ph type="body" idx="1"/>
+          </p:nvPr>
+        </p:nvSpPr>
+        <p:spPr>
+          <a:prstGeom prst="rect">
+            <a:avLst/>
+          </a:prstGeom>
+        </p:spPr>
+        <p:txBody>
+          <a:bodyPr lIns="45719" tIns="45719" rIns="45719" bIns="45719"/>
+          <a:lstStyle>
+            <a:lvl1pPr>
+              <a:defRPr>
+                <a:latin typeface="Calibri"/>
+                <a:ea typeface="Calibri"/>
+                <a:cs typeface="Calibri"/>
+                <a:sym typeface="Calibri"/>
+              </a:defRPr>
+            </a:lvl1pPr>
+            <a:lvl2pPr>
+              <a:defRPr>
+                <a:latin typeface="Calibri"/>
+                <a:ea typeface="Calibri"/>
+                <a:cs typeface="Calibri"/>
+                <a:sym typeface="Calibri"/>
+              </a:defRPr>
+            </a:lvl2pPr>
+            <a:lvl3pPr marL="1234439" indent="-320039">
+              <a:defRPr>
+                <a:latin typeface="Calibri"/>
+                <a:ea typeface="Calibri"/>
+                <a:cs typeface="Calibri"/>
+                <a:sym typeface="Calibri"/>
+              </a:defRPr>
+            </a:lvl3pPr>
+            <a:lvl4pPr>
+              <a:defRPr>
+                <a:latin typeface="Calibri"/>
+                <a:ea typeface="Calibri"/>
+                <a:cs typeface="Calibri"/>
+                <a:sym typeface="Calibri"/>
+              </a:defRPr>
+            </a:lvl4pPr>
+            <a:lvl5pPr>
+              <a:defRPr>
+                <a:latin typeface="Calibri"/>
+                <a:ea typeface="Calibri"/>
+                <a:cs typeface="Calibri"/>
+                <a:sym typeface="Calibri"/>
+              </a:defRPr>
+            </a:lvl5pPr>
+          </a:lstStyle>
+          <a:p>
+            <a:pPr/>
+            <a:r>
+              <a:t>正文级别 1</a:t>
+            </a:r>
+          </a:p>
+          <a:p>
+            <a:pPr lvl="1"/>
+            <a:r>
+              <a:t>正文级别 2</a:t>
+            </a:r>
+          </a:p>
+          <a:p>
+            <a:pPr lvl="2"/>
+            <a:r>
+              <a:t>正文级别 3</a:t>
+            </a:r>
+          </a:p>
+          <a:p>
+            <a:pPr lvl="3"/>
+            <a:r>
+              <a:t>正文级别 4</a:t>
+            </a:r>
+          </a:p>
+          <a:p>
+            <a:pPr lvl="4"/>
+            <a:r>
+              <a:t>正文级别 5</a:t>
+            </a:r>
+          </a:p>
+        </p:txBody>
+      </p:sp>
+      <p:sp>
+        <p:nvSpPr>
+          <p:cNvPr id="146" name="幻灯片编号"/>
+          <p:cNvSpPr txBox="1"/>
+          <p:nvPr>
+            <p:ph type="sldNum" sz="quarter" idx="2"/>
+          </p:nvPr>
+        </p:nvSpPr>
+        <p:spPr>
+          <a:xfrm>
+            <a:off x="11095176" y="6414760"/>
+            <a:ext cx="258624" cy="248305"/>
+          </a:xfrm>
+          <a:prstGeom prst="rect">
+            <a:avLst/>
+          </a:prstGeom>
+        </p:spPr>
+        <p:txBody>
+          <a:bodyPr lIns="45719" tIns="45719" rIns="45719" bIns="45719"/>
           <a:lstStyle>
             <a:lvl1pPr>
               <a:defRPr>
@@ -3834,6 +5473,7 @@
     <p:sldLayoutId id="2147483661" r:id="rId14"/>
     <p:sldLayoutId id="2147483662" r:id="rId15"/>
     <p:sldLayoutId id="2147483663" r:id="rId16"/>
+    <p:sldLayoutId id="2147483664" r:id="rId17"/>
   </p:sldLayoutIdLst>
   <p:transition xmlns:p14="http://schemas.microsoft.com/office/powerpoint/2010/main" spd="med" advClick="1"/>
   <p:txStyles>
@@ -4568,7 +6208,7 @@
       </p:grpSpPr>
       <p:sp>
         <p:nvSpPr>
-          <p:cNvPr id="146" name="标题 1"/>
+          <p:cNvPr id="155" name="标题 1"/>
           <p:cNvSpPr txBox="1"/>
           <p:nvPr>
             <p:ph type="title"/>
@@ -4626,7 +6266,7 @@
       </p:grpSpPr>
       <p:sp>
         <p:nvSpPr>
-          <p:cNvPr id="189" name="标题 1"/>
+          <p:cNvPr id="200" name="标题 1"/>
           <p:cNvSpPr txBox="1"/>
           <p:nvPr>
             <p:ph type="title"/>
@@ -4647,14 +6287,14 @@
           <a:p>
             <a:pPr/>
             <a:r>
-              <a:t>Current Difficulty</a:t>
-            </a:r>
-          </a:p>
-        </p:txBody>
-      </p:sp>
-      <p:sp>
-        <p:nvSpPr>
-          <p:cNvPr id="190" name="内容占位符 2"/>
+              <a:t>Protection-key-use-after-free in PMP</a:t>
+            </a:r>
+          </a:p>
+        </p:txBody>
+      </p:sp>
+      <p:sp>
+        <p:nvSpPr>
+          <p:cNvPr id="201" name="内容占位符 2"/>
           <p:cNvSpPr txBox="1"/>
           <p:nvPr>
             <p:ph type="body" idx="1"/>
@@ -4662,8 +6302,8 @@
         </p:nvSpPr>
         <p:spPr>
           <a:xfrm>
-            <a:off x="838200" y="751231"/>
-            <a:ext cx="10515600" cy="4351339"/>
+            <a:off x="683707" y="970095"/>
+            <a:ext cx="10515601" cy="4351339"/>
           </a:xfrm>
           <a:prstGeom prst="rect">
             <a:avLst/>
@@ -4672,6 +6312,17 @@
         <p:txBody>
           <a:bodyPr/>
           <a:lstStyle/>
+          <a:p>
+            <a:pPr marL="0" indent="0">
+              <a:buSzTx/>
+              <a:buNone/>
+            </a:pPr>
+          </a:p>
+          <a:p>
+            <a:pPr marL="342900" indent="-342900">
+              <a:defRPr sz="2400"/>
+            </a:pPr>
+          </a:p>
           <a:p>
             <a:pPr marL="342900" indent="-342900">
               <a:defRPr sz="2400">
@@ -4681,7 +6332,188 @@
                 <a:sym typeface="DejaVu Sans Mono Nerd Font Complete"/>
               </a:defRPr>
             </a:pPr>
-          </a:p>
+            <a:r>
+              <a:t>Protection-key-use-after-free </a:t>
+            </a:r>
+            <a:r>
+              <a:rPr>
+                <a:solidFill>
+                  <a:schemeClr val="accent1"/>
+                </a:solidFill>
+              </a:rPr>
+              <a:t>TO BE CONTINUED</a:t>
+            </a:r>
+            <a:endParaRPr>
+              <a:latin typeface="Consolas"/>
+              <a:ea typeface="Consolas"/>
+              <a:cs typeface="Consolas"/>
+              <a:sym typeface="Consolas"/>
+            </a:endParaRPr>
+          </a:p>
+          <a:p>
+            <a:pPr marL="342900" indent="-342900">
+              <a:defRPr sz="2400">
+                <a:latin typeface="Consolas"/>
+                <a:ea typeface="Consolas"/>
+                <a:cs typeface="Consolas"/>
+                <a:sym typeface="Consolas"/>
+              </a:defRPr>
+            </a:pPr>
+          </a:p>
+          <a:p>
+            <a:pPr lvl="1" marL="800100" indent="-342900">
+              <a:defRPr sz="2400">
+                <a:latin typeface="DejaVu Sans Mono Nerd Font Complete"/>
+                <a:ea typeface="DejaVu Sans Mono Nerd Font Complete"/>
+                <a:cs typeface="DejaVu Sans Mono Nerd Font Complete"/>
+                <a:sym typeface="DejaVu Sans Mono Nerd Font Complete"/>
+              </a:defRPr>
+            </a:pPr>
+            <a:r>
+              <a:rPr>
+                <a:latin typeface="Consolas"/>
+                <a:ea typeface="Consolas"/>
+                <a:cs typeface="Consolas"/>
+                <a:sym typeface="Consolas"/>
+              </a:rPr>
+              <a:t>RISC-V PMP uses </a:t>
+            </a:r>
+            <a:r>
+              <a:rPr>
+                <a:latin typeface="Consolas"/>
+                <a:ea typeface="Consolas"/>
+                <a:cs typeface="Consolas"/>
+                <a:sym typeface="Consolas"/>
+              </a:rPr>
+              <a:t>PMP entries</a:t>
+            </a:r>
+            <a:r>
+              <a:rPr>
+                <a:latin typeface="Consolas"/>
+                <a:ea typeface="Consolas"/>
+                <a:cs typeface="Consolas"/>
+                <a:sym typeface="Consolas"/>
+              </a:rPr>
+              <a:t> instead of protection key.</a:t>
+            </a:r>
+            <a:endParaRPr>
+              <a:latin typeface="Consolas"/>
+              <a:ea typeface="Consolas"/>
+              <a:cs typeface="Consolas"/>
+              <a:sym typeface="Consolas"/>
+            </a:endParaRPr>
+          </a:p>
+          <a:p>
+            <a:pPr lvl="1" marL="800100" indent="-342900">
+              <a:defRPr sz="2400">
+                <a:latin typeface="DejaVu Sans Mono Nerd Font Complete"/>
+                <a:ea typeface="DejaVu Sans Mono Nerd Font Complete"/>
+                <a:cs typeface="DejaVu Sans Mono Nerd Font Complete"/>
+                <a:sym typeface="DejaVu Sans Mono Nerd Font Complete"/>
+              </a:defRPr>
+            </a:pPr>
+            <a:endParaRPr>
+              <a:latin typeface="Consolas"/>
+              <a:ea typeface="Consolas"/>
+              <a:cs typeface="Consolas"/>
+              <a:sym typeface="Consolas"/>
+            </a:endParaRPr>
+          </a:p>
+          <a:p>
+            <a:pPr lvl="1" marL="800100" indent="-342900">
+              <a:defRPr sz="2400">
+                <a:latin typeface="DejaVu Sans Mono Nerd Font Complete"/>
+                <a:ea typeface="DejaVu Sans Mono Nerd Font Complete"/>
+                <a:cs typeface="DejaVu Sans Mono Nerd Font Complete"/>
+                <a:sym typeface="DejaVu Sans Mono Nerd Font Complete"/>
+              </a:defRPr>
+            </a:pPr>
+            <a:r>
+              <a:rPr>
+                <a:latin typeface="Consolas"/>
+                <a:ea typeface="Consolas"/>
+                <a:cs typeface="Consolas"/>
+                <a:sym typeface="Consolas"/>
+              </a:rPr>
+              <a:t>No specification on the free for PMP entries, need experiments.</a:t>
+            </a:r>
+          </a:p>
+        </p:txBody>
+      </p:sp>
+    </p:spTree>
+  </p:cSld>
+  <p:clrMapOvr>
+    <a:masterClrMapping/>
+  </p:clrMapOvr>
+  <p:transition xmlns:p14="http://schemas.microsoft.com/office/powerpoint/2010/main" spd="med" advClick="1"/>
+</p:sld>
+</file>
+
+<file path=ppt/slides/slide11.xml><?xml version="1.0" encoding="utf-8"?>
+<p:sld xmlns:a="http://schemas.openxmlformats.org/drawingml/2006/main" xmlns:r="http://schemas.openxmlformats.org/officeDocument/2006/relationships" xmlns:p="http://schemas.openxmlformats.org/presentationml/2006/main" xmlns:m="http://schemas.openxmlformats.org/officeDocument/2006/math" xmlns:a14="http://schemas.microsoft.com/office/drawing/2010/main" showMasterSp="1" showMasterPhAnim="1">
+  <p:cSld>
+    <p:spTree>
+      <p:nvGrpSpPr>
+        <p:cNvPr id="1" name=""/>
+        <p:cNvGrpSpPr/>
+        <p:nvPr/>
+      </p:nvGrpSpPr>
+      <p:grpSpPr>
+        <a:xfrm>
+          <a:off x="0" y="0"/>
+          <a:ext cx="0" cy="0"/>
+          <a:chOff x="0" y="0"/>
+          <a:chExt cx="0" cy="0"/>
+        </a:xfrm>
+      </p:grpSpPr>
+      <p:sp>
+        <p:nvSpPr>
+          <p:cNvPr id="205" name="标题 1"/>
+          <p:cNvSpPr txBox="1"/>
+          <p:nvPr>
+            <p:ph type="title"/>
+          </p:nvPr>
+        </p:nvSpPr>
+        <p:spPr>
+          <a:xfrm>
+            <a:off x="838200" y="217804"/>
+            <a:ext cx="10515600" cy="1325564"/>
+          </a:xfrm>
+          <a:prstGeom prst="rect">
+            <a:avLst/>
+          </a:prstGeom>
+        </p:spPr>
+        <p:txBody>
+          <a:bodyPr/>
+          <a:lstStyle/>
+          <a:p>
+            <a:pPr/>
+            <a:r>
+              <a:t>Protection key limitation in PMP</a:t>
+            </a:r>
+          </a:p>
+        </p:txBody>
+      </p:sp>
+      <p:sp>
+        <p:nvSpPr>
+          <p:cNvPr id="206" name="内容占位符 2"/>
+          <p:cNvSpPr txBox="1"/>
+          <p:nvPr>
+            <p:ph type="body" idx="1"/>
+          </p:nvPr>
+        </p:nvSpPr>
+        <p:spPr>
+          <a:xfrm>
+            <a:off x="838200" y="1253331"/>
+            <a:ext cx="10515600" cy="4351338"/>
+          </a:xfrm>
+          <a:prstGeom prst="rect">
+            <a:avLst/>
+          </a:prstGeom>
+        </p:spPr>
+        <p:txBody>
+          <a:bodyPr/>
+          <a:lstStyle/>
           <a:p>
             <a:pPr marL="342900" indent="-342900">
               <a:defRPr sz="2400">
@@ -4701,6 +6533,53 @@
           <a:p>
             <a:pPr marL="342900" indent="-342900">
               <a:defRPr sz="2400">
+                <a:latin typeface="Consolas"/>
+                <a:ea typeface="Consolas"/>
+                <a:cs typeface="Consolas"/>
+                <a:sym typeface="Consolas"/>
+              </a:defRPr>
+            </a:pPr>
+          </a:p>
+          <a:p>
+            <a:pPr marL="342900" indent="-342900">
+              <a:defRPr sz="2400">
+                <a:latin typeface="DejaVu Sans Mono Nerd Font Complete"/>
+                <a:ea typeface="DejaVu Sans Mono Nerd Font Complete"/>
+                <a:cs typeface="DejaVu Sans Mono Nerd Font Complete"/>
+                <a:sym typeface="DejaVu Sans Mono Nerd Font Complete"/>
+              </a:defRPr>
+            </a:pPr>
+            <a:r>
+              <a:t>Protection key limitation </a:t>
+            </a:r>
+            <a:r>
+              <a:rPr>
+                <a:solidFill>
+                  <a:srgbClr val="FF2600"/>
+                </a:solidFill>
+              </a:rPr>
+              <a:t>EXISTS</a:t>
+            </a:r>
+            <a:endParaRPr>
+              <a:latin typeface="Consolas"/>
+              <a:ea typeface="Consolas"/>
+              <a:cs typeface="Consolas"/>
+              <a:sym typeface="Consolas"/>
+            </a:endParaRPr>
+          </a:p>
+          <a:p>
+            <a:pPr marL="342900" indent="-342900">
+              <a:defRPr sz="2400">
+                <a:latin typeface="Consolas"/>
+                <a:ea typeface="Consolas"/>
+                <a:cs typeface="Consolas"/>
+                <a:sym typeface="Consolas"/>
+              </a:defRPr>
+            </a:pPr>
+          </a:p>
+          <a:p>
+            <a:pPr lvl="1" marL="800100" indent="-342900">
+              <a:defRPr sz="2400">
                 <a:latin typeface="DejaVu Sans Mono Nerd Font Complete"/>
                 <a:ea typeface="DejaVu Sans Mono Nerd Font Complete"/>
                 <a:cs typeface="DejaVu Sans Mono Nerd Font Complete"/>
@@ -4714,7 +6593,7 @@
                 <a:cs typeface="Consolas"/>
                 <a:sym typeface="Consolas"/>
               </a:rPr>
-              <a:t>Cannot get CSR values on riscv-linux-gnu gdb.</a:t>
+              <a:t>Each hart only has 16 PMP entries.</a:t>
             </a:r>
             <a:endParaRPr>
               <a:latin typeface="Consolas"/>
@@ -4724,6 +6603,117 @@
             </a:endParaRPr>
           </a:p>
           <a:p>
+            <a:pPr lvl="1" marL="800100" indent="-342900">
+              <a:defRPr sz="2400">
+                <a:latin typeface="DejaVu Sans Mono Nerd Font Complete"/>
+                <a:ea typeface="DejaVu Sans Mono Nerd Font Complete"/>
+                <a:cs typeface="DejaVu Sans Mono Nerd Font Complete"/>
+                <a:sym typeface="DejaVu Sans Mono Nerd Font Complete"/>
+              </a:defRPr>
+            </a:pPr>
+            <a:endParaRPr>
+              <a:latin typeface="Consolas"/>
+              <a:ea typeface="Consolas"/>
+              <a:cs typeface="Consolas"/>
+              <a:sym typeface="Consolas"/>
+            </a:endParaRPr>
+          </a:p>
+          <a:p>
+            <a:pPr lvl="1" marL="800100" indent="-342900">
+              <a:defRPr sz="2400">
+                <a:latin typeface="DejaVu Sans Mono Nerd Font Complete"/>
+                <a:ea typeface="DejaVu Sans Mono Nerd Font Complete"/>
+                <a:cs typeface="DejaVu Sans Mono Nerd Font Complete"/>
+                <a:sym typeface="DejaVu Sans Mono Nerd Font Complete"/>
+              </a:defRPr>
+            </a:pPr>
+            <a:r>
+              <a:rPr>
+                <a:latin typeface="Consolas"/>
+                <a:ea typeface="Consolas"/>
+                <a:cs typeface="Consolas"/>
+                <a:sym typeface="Consolas"/>
+              </a:rPr>
+              <a:t>If a hart request for 17 memory isolation request, one of the PMP entries will be overwritten.</a:t>
+            </a:r>
+          </a:p>
+        </p:txBody>
+      </p:sp>
+    </p:spTree>
+  </p:cSld>
+  <p:clrMapOvr>
+    <a:masterClrMapping/>
+  </p:clrMapOvr>
+  <p:transition xmlns:p14="http://schemas.microsoft.com/office/powerpoint/2010/main" spd="med" advClick="1"/>
+</p:sld>
+</file>
+
+<file path=ppt/slides/slide12.xml><?xml version="1.0" encoding="utf-8"?>
+<p:sld xmlns:a="http://schemas.openxmlformats.org/drawingml/2006/main" xmlns:r="http://schemas.openxmlformats.org/officeDocument/2006/relationships" xmlns:p="http://schemas.openxmlformats.org/presentationml/2006/main" xmlns:m="http://schemas.openxmlformats.org/officeDocument/2006/math" xmlns:a14="http://schemas.microsoft.com/office/drawing/2010/main" showMasterSp="1" showMasterPhAnim="1">
+  <p:cSld>
+    <p:spTree>
+      <p:nvGrpSpPr>
+        <p:cNvPr id="1" name=""/>
+        <p:cNvGrpSpPr/>
+        <p:nvPr/>
+      </p:nvGrpSpPr>
+      <p:grpSpPr>
+        <a:xfrm>
+          <a:off x="0" y="0"/>
+          <a:ext cx="0" cy="0"/>
+          <a:chOff x="0" y="0"/>
+          <a:chExt cx="0" cy="0"/>
+        </a:xfrm>
+      </p:grpSpPr>
+      <p:sp>
+        <p:nvSpPr>
+          <p:cNvPr id="210" name="标题 1"/>
+          <p:cNvSpPr txBox="1"/>
+          <p:nvPr>
+            <p:ph type="title"/>
+          </p:nvPr>
+        </p:nvSpPr>
+        <p:spPr>
+          <a:xfrm>
+            <a:off x="838200" y="217804"/>
+            <a:ext cx="10515600" cy="1325564"/>
+          </a:xfrm>
+          <a:prstGeom prst="rect">
+            <a:avLst/>
+          </a:prstGeom>
+        </p:spPr>
+        <p:txBody>
+          <a:bodyPr/>
+          <a:lstStyle/>
+          <a:p>
+            <a:pPr/>
+            <a:r>
+              <a:t>Hidden Issues in RISC-V PMP</a:t>
+            </a:r>
+          </a:p>
+        </p:txBody>
+      </p:sp>
+      <p:sp>
+        <p:nvSpPr>
+          <p:cNvPr id="211" name="内容占位符 2"/>
+          <p:cNvSpPr txBox="1"/>
+          <p:nvPr>
+            <p:ph type="body" idx="1"/>
+          </p:nvPr>
+        </p:nvSpPr>
+        <p:spPr>
+          <a:xfrm>
+            <a:off x="838200" y="1253331"/>
+            <a:ext cx="10515600" cy="4351338"/>
+          </a:xfrm>
+          <a:prstGeom prst="rect">
+            <a:avLst/>
+          </a:prstGeom>
+        </p:spPr>
+        <p:txBody>
+          <a:bodyPr/>
+          <a:lstStyle/>
+          <a:p>
             <a:pPr marL="342900" indent="-342900">
               <a:defRPr sz="2400">
                 <a:latin typeface="DejaVu Sans Mono Nerd Font Complete"/>
@@ -4732,6 +6722,16 @@
                 <a:sym typeface="DejaVu Sans Mono Nerd Font Complete"/>
               </a:defRPr>
             </a:pPr>
+          </a:p>
+          <a:p>
+            <a:pPr marL="342900" indent="-342900">
+              <a:defRPr sz="2400">
+                <a:latin typeface="DejaVu Sans Mono Nerd Font Complete"/>
+                <a:ea typeface="DejaVu Sans Mono Nerd Font Complete"/>
+                <a:cs typeface="DejaVu Sans Mono Nerd Font Complete"/>
+                <a:sym typeface="DejaVu Sans Mono Nerd Font Complete"/>
+              </a:defRPr>
+            </a:pPr>
             <a:endParaRPr>
               <a:latin typeface="Consolas"/>
               <a:ea typeface="Consolas"/>
@@ -4748,6 +6748,169 @@
                 <a:sym typeface="DejaVu Sans Mono Nerd Font Complete"/>
               </a:defRPr>
             </a:pPr>
+            <a:r>
+              <a:t>Inter-thread synchronization </a:t>
+            </a:r>
+            <a:r>
+              <a:rPr>
+                <a:solidFill>
+                  <a:srgbClr val="FF2600"/>
+                </a:solidFill>
+              </a:rPr>
+              <a:t>EXISTS</a:t>
+            </a:r>
+            <a:endParaRPr>
+              <a:solidFill>
+                <a:srgbClr val="008F00"/>
+              </a:solidFill>
+            </a:endParaRPr>
+          </a:p>
+          <a:p>
+            <a:pPr marL="342900" indent="-342900">
+              <a:defRPr sz="2400">
+                <a:latin typeface="DejaVu Sans Mono Nerd Font Complete"/>
+                <a:ea typeface="DejaVu Sans Mono Nerd Font Complete"/>
+                <a:cs typeface="DejaVu Sans Mono Nerd Font Complete"/>
+                <a:sym typeface="DejaVu Sans Mono Nerd Font Complete"/>
+              </a:defRPr>
+            </a:pPr>
+            <a:endParaRPr>
+              <a:solidFill>
+                <a:srgbClr val="008F00"/>
+              </a:solidFill>
+            </a:endParaRPr>
+          </a:p>
+          <a:p>
+            <a:pPr lvl="1" marL="800100" indent="-342900">
+              <a:defRPr sz="2400">
+                <a:latin typeface="DejaVu Sans Mono Nerd Font Complete"/>
+                <a:ea typeface="DejaVu Sans Mono Nerd Font Complete"/>
+                <a:cs typeface="DejaVu Sans Mono Nerd Font Complete"/>
+                <a:sym typeface="DejaVu Sans Mono Nerd Font Complete"/>
+              </a:defRPr>
+            </a:pPr>
+            <a:r>
+              <a:t>Each hart has its own 16 PMP entries.</a:t>
+            </a:r>
+          </a:p>
+          <a:p>
+            <a:pPr lvl="1" marL="800100" indent="-342900">
+              <a:defRPr sz="2400">
+                <a:latin typeface="DejaVu Sans Mono Nerd Font Complete"/>
+                <a:ea typeface="DejaVu Sans Mono Nerd Font Complete"/>
+                <a:cs typeface="DejaVu Sans Mono Nerd Font Complete"/>
+                <a:sym typeface="DejaVu Sans Mono Nerd Font Complete"/>
+              </a:defRPr>
+            </a:pPr>
+          </a:p>
+          <a:p>
+            <a:pPr lvl="1" marL="800100" indent="-342900">
+              <a:defRPr sz="2400">
+                <a:latin typeface="DejaVu Sans Mono Nerd Font Complete"/>
+                <a:ea typeface="DejaVu Sans Mono Nerd Font Complete"/>
+                <a:cs typeface="DejaVu Sans Mono Nerd Font Complete"/>
+                <a:sym typeface="DejaVu Sans Mono Nerd Font Complete"/>
+              </a:defRPr>
+            </a:pPr>
+            <a:r>
+              <a:t>One thread on a hart edits PMP entries, the other thread on another hart cannot be synchronized.</a:t>
+            </a:r>
+          </a:p>
+        </p:txBody>
+      </p:sp>
+    </p:spTree>
+  </p:cSld>
+  <p:clrMapOvr>
+    <a:masterClrMapping/>
+  </p:clrMapOvr>
+  <p:transition xmlns:p14="http://schemas.microsoft.com/office/powerpoint/2010/main" spd="med" advClick="1"/>
+</p:sld>
+</file>
+
+<file path=ppt/slides/slide13.xml><?xml version="1.0" encoding="utf-8"?>
+<p:sld xmlns:a="http://schemas.openxmlformats.org/drawingml/2006/main" xmlns:r="http://schemas.openxmlformats.org/officeDocument/2006/relationships" xmlns:p="http://schemas.openxmlformats.org/presentationml/2006/main" xmlns:m="http://schemas.openxmlformats.org/officeDocument/2006/math" xmlns:a14="http://schemas.microsoft.com/office/drawing/2010/main" showMasterSp="1" showMasterPhAnim="1">
+  <p:cSld>
+    <p:spTree>
+      <p:nvGrpSpPr>
+        <p:cNvPr id="1" name=""/>
+        <p:cNvGrpSpPr/>
+        <p:nvPr/>
+      </p:nvGrpSpPr>
+      <p:grpSpPr>
+        <a:xfrm>
+          <a:off x="0" y="0"/>
+          <a:ext cx="0" cy="0"/>
+          <a:chOff x="0" y="0"/>
+          <a:chExt cx="0" cy="0"/>
+        </a:xfrm>
+      </p:grpSpPr>
+      <p:sp>
+        <p:nvSpPr>
+          <p:cNvPr id="215" name="标题 1"/>
+          <p:cNvSpPr txBox="1"/>
+          <p:nvPr>
+            <p:ph type="title"/>
+          </p:nvPr>
+        </p:nvSpPr>
+        <p:spPr>
+          <a:xfrm>
+            <a:off x="838200" y="217804"/>
+            <a:ext cx="10515600" cy="1325564"/>
+          </a:xfrm>
+          <a:prstGeom prst="rect">
+            <a:avLst/>
+          </a:prstGeom>
+        </p:spPr>
+        <p:txBody>
+          <a:bodyPr/>
+          <a:lstStyle/>
+          <a:p>
+            <a:pPr/>
+            <a:r>
+              <a:t>Why it is important?</a:t>
+            </a:r>
+          </a:p>
+        </p:txBody>
+      </p:sp>
+      <p:sp>
+        <p:nvSpPr>
+          <p:cNvPr id="216" name="内容占位符 2"/>
+          <p:cNvSpPr txBox="1"/>
+          <p:nvPr>
+            <p:ph type="body" idx="1"/>
+          </p:nvPr>
+        </p:nvSpPr>
+        <p:spPr>
+          <a:xfrm>
+            <a:off x="838200" y="1253331"/>
+            <a:ext cx="10515600" cy="4351338"/>
+          </a:xfrm>
+          <a:prstGeom prst="rect">
+            <a:avLst/>
+          </a:prstGeom>
+        </p:spPr>
+        <p:txBody>
+          <a:bodyPr/>
+          <a:lstStyle/>
+          <a:p>
+            <a:pPr marL="342900" indent="-342900">
+              <a:defRPr sz="2400">
+                <a:latin typeface="DejaVu Sans Mono Nerd Font Complete"/>
+                <a:ea typeface="DejaVu Sans Mono Nerd Font Complete"/>
+                <a:cs typeface="DejaVu Sans Mono Nerd Font Complete"/>
+                <a:sym typeface="DejaVu Sans Mono Nerd Font Complete"/>
+              </a:defRPr>
+            </a:pPr>
+          </a:p>
+          <a:p>
+            <a:pPr marL="342900" indent="-342900">
+              <a:defRPr sz="2400">
+                <a:latin typeface="DejaVu Sans Mono Nerd Font Complete"/>
+                <a:ea typeface="DejaVu Sans Mono Nerd Font Complete"/>
+                <a:cs typeface="DejaVu Sans Mono Nerd Font Complete"/>
+                <a:sym typeface="DejaVu Sans Mono Nerd Font Complete"/>
+              </a:defRPr>
+            </a:pPr>
             <a:endParaRPr>
               <a:latin typeface="Consolas"/>
               <a:ea typeface="Consolas"/>
@@ -4764,6 +6927,15 @@
                 <a:sym typeface="DejaVu Sans Mono Nerd Font Complete"/>
               </a:defRPr>
             </a:pPr>
+            <a:r>
+              <a:rPr>
+                <a:latin typeface="Consolas"/>
+                <a:ea typeface="Consolas"/>
+                <a:cs typeface="Consolas"/>
+                <a:sym typeface="Consolas"/>
+              </a:rPr>
+              <a:t>Protection key limitation</a:t>
+            </a:r>
             <a:endParaRPr>
               <a:latin typeface="Consolas"/>
               <a:ea typeface="Consolas"/>
@@ -4772,6 +6944,31 @@
             </a:endParaRPr>
           </a:p>
           <a:p>
+            <a:pPr lvl="1" marL="800100" indent="-342900">
+              <a:defRPr sz="2400">
+                <a:latin typeface="DejaVu Sans Mono Nerd Font Complete"/>
+                <a:ea typeface="DejaVu Sans Mono Nerd Font Complete"/>
+                <a:cs typeface="DejaVu Sans Mono Nerd Font Complete"/>
+                <a:sym typeface="DejaVu Sans Mono Nerd Font Complete"/>
+              </a:defRPr>
+            </a:pPr>
+            <a:r>
+              <a:rPr>
+                <a:latin typeface="Consolas"/>
+                <a:ea typeface="Consolas"/>
+                <a:cs typeface="Consolas"/>
+                <a:sym typeface="Consolas"/>
+              </a:rPr>
+              <a:t>If one program issue 17 memory isolation request, current design cannot support it.</a:t>
+            </a:r>
+            <a:endParaRPr>
+              <a:latin typeface="Consolas"/>
+              <a:ea typeface="Consolas"/>
+              <a:cs typeface="Consolas"/>
+              <a:sym typeface="Consolas"/>
+            </a:endParaRPr>
+          </a:p>
+          <a:p>
             <a:pPr marL="342900" indent="-342900">
               <a:defRPr sz="2400">
                 <a:latin typeface="DejaVu Sans Mono Nerd Font Complete"/>
@@ -4803,14 +7000,323 @@
                 <a:cs typeface="Consolas"/>
                 <a:sym typeface="Consolas"/>
               </a:rPr>
-              <a:t>However, on the riscv-linux-gnu gdb manual:</a:t>
+              <a:t>Inter-thread synchronization</a:t>
+            </a:r>
+            <a:endParaRPr>
+              <a:latin typeface="Consolas"/>
+              <a:ea typeface="Consolas"/>
+              <a:cs typeface="Consolas"/>
+              <a:sym typeface="Consolas"/>
+            </a:endParaRPr>
+          </a:p>
+          <a:p>
+            <a:pPr lvl="1" marL="800100" indent="-342900">
+              <a:defRPr sz="2400">
+                <a:latin typeface="DejaVu Sans Mono Nerd Font Complete"/>
+                <a:ea typeface="DejaVu Sans Mono Nerd Font Complete"/>
+                <a:cs typeface="DejaVu Sans Mono Nerd Font Complete"/>
+                <a:sym typeface="DejaVu Sans Mono Nerd Font Complete"/>
+              </a:defRPr>
+            </a:pPr>
+            <a:r>
+              <a:rPr>
+                <a:latin typeface="Consolas"/>
+                <a:ea typeface="Consolas"/>
+                <a:cs typeface="Consolas"/>
+                <a:sym typeface="Consolas"/>
+              </a:rPr>
+              <a:t>Inconsistent behavior between threads in a process: one thread set memory region M to be not readable, if not synced, other thread can read M.</a:t>
+            </a:r>
+          </a:p>
+        </p:txBody>
+      </p:sp>
+    </p:spTree>
+  </p:cSld>
+  <p:clrMapOvr>
+    <a:masterClrMapping/>
+  </p:clrMapOvr>
+  <p:transition xmlns:p14="http://schemas.microsoft.com/office/powerpoint/2010/main" spd="med" advClick="1"/>
+</p:sld>
+</file>
+
+<file path=ppt/slides/slide14.xml><?xml version="1.0" encoding="utf-8"?>
+<p:sld xmlns:a="http://schemas.openxmlformats.org/drawingml/2006/main" xmlns:r="http://schemas.openxmlformats.org/officeDocument/2006/relationships" xmlns:p="http://schemas.openxmlformats.org/presentationml/2006/main" xmlns:m="http://schemas.openxmlformats.org/officeDocument/2006/math" xmlns:a14="http://schemas.microsoft.com/office/drawing/2010/main" showMasterSp="1" showMasterPhAnim="1">
+  <p:cSld>
+    <p:spTree>
+      <p:nvGrpSpPr>
+        <p:cNvPr id="1" name=""/>
+        <p:cNvGrpSpPr/>
+        <p:nvPr/>
+      </p:nvGrpSpPr>
+      <p:grpSpPr>
+        <a:xfrm>
+          <a:off x="0" y="0"/>
+          <a:ext cx="0" cy="0"/>
+          <a:chOff x="0" y="0"/>
+          <a:chExt cx="0" cy="0"/>
+        </a:xfrm>
+      </p:grpSpPr>
+      <p:sp>
+        <p:nvSpPr>
+          <p:cNvPr id="220" name="标题 1"/>
+          <p:cNvSpPr txBox="1"/>
+          <p:nvPr>
+            <p:ph type="title"/>
+          </p:nvPr>
+        </p:nvSpPr>
+        <p:spPr>
+          <a:xfrm>
+            <a:off x="3879227" y="2517667"/>
+            <a:ext cx="11116272" cy="1325567"/>
+          </a:xfrm>
+          <a:prstGeom prst="rect">
+            <a:avLst/>
+          </a:prstGeom>
+        </p:spPr>
+        <p:txBody>
+          <a:bodyPr/>
+          <a:lstStyle>
+            <a:lvl1pPr>
+              <a:defRPr b="1" sz="5300"/>
+            </a:lvl1pPr>
+          </a:lstStyle>
+          <a:p>
+            <a:pPr/>
+            <a:r>
+              <a:t>Related Work</a:t>
+            </a:r>
+          </a:p>
+        </p:txBody>
+      </p:sp>
+    </p:spTree>
+  </p:cSld>
+  <p:clrMapOvr>
+    <a:masterClrMapping/>
+  </p:clrMapOvr>
+  <p:transition xmlns:p14="http://schemas.microsoft.com/office/powerpoint/2010/main" spd="med" advClick="1"/>
+</p:sld>
+</file>
+
+<file path=ppt/slides/slide15.xml><?xml version="1.0" encoding="utf-8"?>
+<p:sld xmlns:a="http://schemas.openxmlformats.org/drawingml/2006/main" xmlns:r="http://schemas.openxmlformats.org/officeDocument/2006/relationships" xmlns:p="http://schemas.openxmlformats.org/presentationml/2006/main" xmlns:m="http://schemas.openxmlformats.org/officeDocument/2006/math" xmlns:a14="http://schemas.microsoft.com/office/drawing/2010/main" showMasterSp="1" showMasterPhAnim="1">
+  <p:cSld>
+    <p:spTree>
+      <p:nvGrpSpPr>
+        <p:cNvPr id="1" name=""/>
+        <p:cNvGrpSpPr/>
+        <p:nvPr/>
+      </p:nvGrpSpPr>
+      <p:grpSpPr>
+        <a:xfrm>
+          <a:off x="0" y="0"/>
+          <a:ext cx="0" cy="0"/>
+          <a:chOff x="0" y="0"/>
+          <a:chExt cx="0" cy="0"/>
+        </a:xfrm>
+      </p:grpSpPr>
+      <p:sp>
+        <p:nvSpPr>
+          <p:cNvPr id="224" name="标题 1"/>
+          <p:cNvSpPr txBox="1"/>
+          <p:nvPr>
+            <p:ph type="title"/>
+          </p:nvPr>
+        </p:nvSpPr>
+        <p:spPr>
+          <a:xfrm>
+            <a:off x="838200" y="217804"/>
+            <a:ext cx="10515600" cy="1325564"/>
+          </a:xfrm>
+          <a:prstGeom prst="rect">
+            <a:avLst/>
+          </a:prstGeom>
+        </p:spPr>
+        <p:txBody>
+          <a:bodyPr/>
+          <a:lstStyle/>
+          <a:p>
+            <a:pPr/>
+            <a:r>
+              <a:t>Protection Key Virtualization</a:t>
+            </a:r>
+          </a:p>
+        </p:txBody>
+      </p:sp>
+      <p:sp>
+        <p:nvSpPr>
+          <p:cNvPr id="225" name="内容占位符 2"/>
+          <p:cNvSpPr txBox="1"/>
+          <p:nvPr>
+            <p:ph type="body" idx="1"/>
+          </p:nvPr>
+        </p:nvSpPr>
+        <p:spPr>
+          <a:xfrm>
+            <a:off x="782955" y="1252855"/>
+            <a:ext cx="10515601" cy="4351339"/>
+          </a:xfrm>
+          <a:prstGeom prst="rect">
+            <a:avLst/>
+          </a:prstGeom>
+        </p:spPr>
+        <p:txBody>
+          <a:bodyPr/>
+          <a:lstStyle/>
+          <a:p>
+            <a:pPr marL="0" indent="0" defTabSz="905255">
+              <a:spcBef>
+                <a:spcPts val="900"/>
+              </a:spcBef>
+              <a:buSzTx/>
+              <a:buNone/>
+              <a:defRPr sz="2772"/>
+            </a:pPr>
+            <a:r>
+              <a:t>create more than 16 page groups</a:t>
+            </a:r>
+          </a:p>
+          <a:p>
+            <a:pPr marL="339470" indent="-339470" defTabSz="905255">
+              <a:spcBef>
+                <a:spcPts val="900"/>
+              </a:spcBef>
+              <a:defRPr sz="2376"/>
+            </a:pPr>
+            <a:r>
+              <a:t>a cache-like structure</a:t>
+            </a:r>
+          </a:p>
+          <a:p>
+            <a:pPr marL="339470" indent="-339470" defTabSz="905255">
+              <a:spcBef>
+                <a:spcPts val="900"/>
+              </a:spcBef>
+              <a:defRPr sz="2376"/>
+            </a:pPr>
+            <a:r>
+              <a:t>2 ways for mapping:</a:t>
+            </a:r>
+          </a:p>
+          <a:p>
+            <a:pPr lvl="1" marL="792098" indent="-339470" defTabSz="905255">
+              <a:spcBef>
+                <a:spcPts val="400"/>
+              </a:spcBef>
+              <a:buFontTx/>
+              <a:buAutoNum type="arabicPeriod" startAt="1"/>
+              <a:defRPr sz="1782"/>
+            </a:pPr>
+            <a:r>
+              <a:t>thread-local</a:t>
+            </a:r>
+          </a:p>
+          <a:p>
+            <a:pPr lvl="2" marL="1131569" indent="-226313" defTabSz="905255">
+              <a:spcBef>
+                <a:spcPts val="400"/>
+              </a:spcBef>
+              <a:defRPr sz="1584"/>
+            </a:pPr>
+            <a:r>
+              <a:t>mpk_begin() &amp; mpk_end() by a calling thread</a:t>
+            </a:r>
+          </a:p>
+          <a:p>
+            <a:pPr lvl="2" marL="1131569" indent="-226313" defTabSz="905255">
+              <a:spcBef>
+                <a:spcPts val="400"/>
+              </a:spcBef>
+              <a:defRPr sz="1584"/>
+            </a:pPr>
+            <a:r>
+              <a:t>sleep when fail</a:t>
+            </a:r>
+          </a:p>
+          <a:p>
+            <a:pPr lvl="2" marL="1131569" indent="-226313" defTabSz="905255">
+              <a:spcBef>
+                <a:spcPts val="400"/>
+              </a:spcBef>
+              <a:defRPr sz="1584"/>
+            </a:pPr>
+            <a:r>
+              <a:t>page not be used -&gt; evict and disable permission</a:t>
+            </a:r>
+          </a:p>
+          <a:p>
+            <a:pPr lvl="1" marL="792098" indent="-339470" defTabSz="905255">
+              <a:spcBef>
+                <a:spcPts val="400"/>
+              </a:spcBef>
+              <a:buFontTx/>
+              <a:buAutoNum type="arabicPeriod" startAt="1"/>
+              <a:defRPr sz="1782"/>
+            </a:pPr>
+            <a:r>
+              <a:t>global</a:t>
+            </a:r>
+            <a:endParaRPr sz="1485"/>
+          </a:p>
+          <a:p>
+            <a:pPr lvl="2" marL="1131569" indent="-226313" defTabSz="905255">
+              <a:spcBef>
+                <a:spcPts val="400"/>
+              </a:spcBef>
+              <a:defRPr sz="1584"/>
+            </a:pPr>
+            <a:r>
+              <a:t>mpk_mprotect() for all threads</a:t>
+            </a:r>
+          </a:p>
+          <a:p>
+            <a:pPr lvl="2" marL="1131569" indent="-226313" defTabSz="905255">
+              <a:spcBef>
+                <a:spcPts val="400"/>
+              </a:spcBef>
+              <a:defRPr sz="1584"/>
+            </a:pPr>
+            <a:r>
+              <a:t>LRU for replacement</a:t>
+            </a:r>
+          </a:p>
+          <a:p>
+            <a:pPr lvl="2" marL="1131569" indent="-226313" defTabSz="905255">
+              <a:spcBef>
+                <a:spcPts val="400"/>
+              </a:spcBef>
+              <a:defRPr sz="1584"/>
+            </a:pPr>
+            <a:r>
+              <a:t>reserves one key for execute-only pages</a:t>
+            </a:r>
+          </a:p>
+          <a:p>
+            <a:pPr lvl="3" marL="1584197" indent="-226313" defTabSz="905255">
+              <a:spcBef>
+                <a:spcPts val="400"/>
+              </a:spcBef>
+              <a:defRPr sz="1386"/>
+            </a:pPr>
+            <a:r>
+              <a:t>merge execute-only pages group</a:t>
+            </a:r>
+          </a:p>
+          <a:p>
+            <a:pPr lvl="3" marL="1584197" indent="-226313" defTabSz="905255">
+              <a:spcBef>
+                <a:spcPts val="400"/>
+              </a:spcBef>
+              <a:defRPr sz="1386"/>
+            </a:pPr>
+            <a:r>
+              <a:t>evicted when execute-only pages</a:t>
             </a:r>
           </a:p>
         </p:txBody>
       </p:sp>
       <p:pic>
         <p:nvPicPr>
-          <p:cNvPr id="191" name="图像" descr="图像"/>
+          <p:cNvPr id="226" name="图片 5" descr="图片 5"/>
           <p:cNvPicPr>
             <a:picLocks noChangeAspect="1"/>
           </p:cNvPicPr>
@@ -4826,8 +7332,8 @@
         </p:blipFill>
         <p:spPr>
           <a:xfrm>
-            <a:off x="1867369" y="2552250"/>
-            <a:ext cx="4775201" cy="749301"/>
+            <a:off x="7263130" y="1105535"/>
+            <a:ext cx="4625976" cy="5427346"/>
           </a:xfrm>
           <a:prstGeom prst="rect">
             <a:avLst/>
@@ -4837,16 +7343,199 @@
           </a:ln>
         </p:spPr>
       </p:pic>
+    </p:spTree>
+  </p:cSld>
+  <p:clrMapOvr>
+    <a:masterClrMapping/>
+  </p:clrMapOvr>
+  <p:transition xmlns:p14="http://schemas.microsoft.com/office/powerpoint/2010/main" spd="med" advClick="1"/>
+</p:sld>
+</file>
+
+<file path=ppt/slides/slide16.xml><?xml version="1.0" encoding="utf-8"?>
+<p:sld xmlns:a="http://schemas.openxmlformats.org/drawingml/2006/main" xmlns:r="http://schemas.openxmlformats.org/officeDocument/2006/relationships" xmlns:p="http://schemas.openxmlformats.org/presentationml/2006/main" xmlns:m="http://schemas.openxmlformats.org/officeDocument/2006/math" xmlns:a14="http://schemas.microsoft.com/office/drawing/2010/main" showMasterSp="1" showMasterPhAnim="1">
+  <p:cSld>
+    <p:spTree>
+      <p:nvGrpSpPr>
+        <p:cNvPr id="1" name=""/>
+        <p:cNvGrpSpPr/>
+        <p:nvPr/>
+      </p:nvGrpSpPr>
+      <p:grpSpPr>
+        <a:xfrm>
+          <a:off x="0" y="0"/>
+          <a:ext cx="0" cy="0"/>
+          <a:chOff x="0" y="0"/>
+          <a:chExt cx="0" cy="0"/>
+        </a:xfrm>
+      </p:grpSpPr>
+      <p:sp>
+        <p:nvSpPr>
+          <p:cNvPr id="230" name="标题 1"/>
+          <p:cNvSpPr txBox="1"/>
+          <p:nvPr>
+            <p:ph type="title"/>
+          </p:nvPr>
+        </p:nvSpPr>
+        <p:spPr>
+          <a:xfrm>
+            <a:off x="838200" y="217804"/>
+            <a:ext cx="10515600" cy="1325564"/>
+          </a:xfrm>
+          <a:prstGeom prst="rect">
+            <a:avLst/>
+          </a:prstGeom>
+        </p:spPr>
+        <p:txBody>
+          <a:bodyPr/>
+          <a:lstStyle/>
+          <a:p>
+            <a:pPr/>
+            <a:r>
+              <a:t>Inter-thread Key Synchronization in MPK</a:t>
+            </a:r>
+          </a:p>
+        </p:txBody>
+      </p:sp>
+      <p:sp>
+        <p:nvSpPr>
+          <p:cNvPr id="231" name="内容占位符 2"/>
+          <p:cNvSpPr txBox="1"/>
+          <p:nvPr>
+            <p:ph type="body" idx="1"/>
+          </p:nvPr>
+        </p:nvSpPr>
+        <p:spPr>
+          <a:xfrm>
+            <a:off x="838200" y="1253331"/>
+            <a:ext cx="10515600" cy="4351338"/>
+          </a:xfrm>
+          <a:prstGeom prst="rect">
+            <a:avLst/>
+          </a:prstGeom>
+        </p:spPr>
+        <p:txBody>
+          <a:bodyPr/>
+          <a:lstStyle/>
+          <a:p>
+            <a:pPr marL="0" indent="0">
+              <a:buSzTx/>
+              <a:buNone/>
+            </a:pPr>
+          </a:p>
+          <a:p>
+            <a:pPr marL="342900" indent="-342900">
+              <a:defRPr sz="2400">
+                <a:latin typeface="Consolas"/>
+                <a:ea typeface="Consolas"/>
+                <a:cs typeface="Consolas"/>
+                <a:sym typeface="Consolas"/>
+              </a:defRPr>
+            </a:pPr>
+            <a:r>
+              <a:t>One thread</a:t>
+            </a:r>
+            <a:r>
+              <a:rPr>
+                <a:latin typeface="Calibri"/>
+                <a:ea typeface="Calibri"/>
+                <a:cs typeface="Calibri"/>
+                <a:sym typeface="Calibri"/>
+              </a:rPr>
+              <a:t> </a:t>
+            </a:r>
+            <a:r>
+              <a:t>calls</a:t>
+            </a:r>
+            <a:r>
+              <a:rPr>
+                <a:latin typeface="Calibri"/>
+                <a:ea typeface="Calibri"/>
+                <a:cs typeface="Calibri"/>
+                <a:sym typeface="Calibri"/>
+              </a:rPr>
+              <a:t> </a:t>
+            </a:r>
+            <a:r>
+              <a:t>mpk_mprotect()</a:t>
+            </a:r>
+          </a:p>
+          <a:p>
+            <a:pPr marL="342900" indent="-342900">
+              <a:defRPr sz="2400"/>
+            </a:pPr>
+          </a:p>
+          <a:p>
+            <a:pPr marL="342900" indent="-342900">
+              <a:defRPr sz="2400">
+                <a:latin typeface="Consolas"/>
+                <a:ea typeface="Consolas"/>
+                <a:cs typeface="Consolas"/>
+                <a:sym typeface="Consolas"/>
+              </a:defRPr>
+            </a:pPr>
+            <a:r>
+              <a:t>mpk_mprotect() calls do_pkey_sync(pkey)</a:t>
+            </a:r>
+          </a:p>
+          <a:p>
+            <a:pPr marL="342900" indent="-342900">
+              <a:defRPr sz="2400">
+                <a:latin typeface="Consolas"/>
+                <a:ea typeface="Consolas"/>
+                <a:cs typeface="Consolas"/>
+                <a:sym typeface="Consolas"/>
+              </a:defRPr>
+            </a:pPr>
+          </a:p>
+          <a:p>
+            <a:pPr marL="342900" indent="-342900">
+              <a:defRPr sz="2400">
+                <a:latin typeface="Consolas"/>
+                <a:ea typeface="Consolas"/>
+                <a:cs typeface="Consolas"/>
+                <a:sym typeface="Consolas"/>
+              </a:defRPr>
+            </a:pPr>
+            <a:r>
+              <a:t>do_pkey_sync(key) sends interrupt to other threads</a:t>
+            </a:r>
+          </a:p>
+          <a:p>
+            <a:pPr marL="342900" indent="-342900">
+              <a:defRPr sz="2400">
+                <a:latin typeface="Consolas"/>
+                <a:ea typeface="Consolas"/>
+                <a:cs typeface="Consolas"/>
+                <a:sym typeface="Consolas"/>
+              </a:defRPr>
+            </a:pPr>
+          </a:p>
+          <a:p>
+            <a:pPr marL="342900" indent="-342900">
+              <a:defRPr sz="2400">
+                <a:latin typeface="Consolas"/>
+                <a:ea typeface="Consolas"/>
+                <a:cs typeface="Consolas"/>
+                <a:sym typeface="Consolas"/>
+              </a:defRPr>
+            </a:pPr>
+            <a:r>
+              <a:t>When other threads are scheduled, update PKRU by calling registered callback functions (callback functions are added by task_work_add())</a:t>
+            </a:r>
+          </a:p>
+        </p:txBody>
+      </p:sp>
       <p:pic>
         <p:nvPicPr>
-          <p:cNvPr id="192" name="图像" descr="图像"/>
+          <p:cNvPr id="232" name="图像" descr="图像"/>
           <p:cNvPicPr>
             <a:picLocks noChangeAspect="1"/>
           </p:cNvPicPr>
           <p:nvPr/>
         </p:nvPicPr>
         <p:blipFill>
-          <a:blip r:embed="rId4">
+          <a:blip r:embed="rId3">
             <a:extLst/>
           </a:blip>
           <a:stretch>
@@ -4855,8 +7544,8 @@
         </p:blipFill>
         <p:spPr>
           <a:xfrm>
-            <a:off x="1814852" y="4528569"/>
-            <a:ext cx="6502401" cy="1409701"/>
+            <a:off x="7830912" y="1089574"/>
+            <a:ext cx="4242400" cy="2323031"/>
           </a:xfrm>
           <a:prstGeom prst="rect">
             <a:avLst/>
@@ -4866,6 +7555,242 @@
           </a:ln>
         </p:spPr>
       </p:pic>
+    </p:spTree>
+  </p:cSld>
+  <p:clrMapOvr>
+    <a:masterClrMapping/>
+  </p:clrMapOvr>
+  <p:transition xmlns:p14="http://schemas.microsoft.com/office/powerpoint/2010/main" spd="med" advClick="1"/>
+</p:sld>
+</file>
+
+<file path=ppt/slides/slide17.xml><?xml version="1.0" encoding="utf-8"?>
+<p:sld xmlns:a="http://schemas.openxmlformats.org/drawingml/2006/main" xmlns:r="http://schemas.openxmlformats.org/officeDocument/2006/relationships" xmlns:p="http://schemas.openxmlformats.org/presentationml/2006/main" xmlns:m="http://schemas.openxmlformats.org/officeDocument/2006/math" xmlns:a14="http://schemas.microsoft.com/office/drawing/2010/main" showMasterSp="1" showMasterPhAnim="1">
+  <p:cSld>
+    <p:spTree>
+      <p:nvGrpSpPr>
+        <p:cNvPr id="1" name=""/>
+        <p:cNvGrpSpPr/>
+        <p:nvPr/>
+      </p:nvGrpSpPr>
+      <p:grpSpPr>
+        <a:xfrm>
+          <a:off x="0" y="0"/>
+          <a:ext cx="0" cy="0"/>
+          <a:chOff x="0" y="0"/>
+          <a:chExt cx="0" cy="0"/>
+        </a:xfrm>
+      </p:grpSpPr>
+      <p:sp>
+        <p:nvSpPr>
+          <p:cNvPr id="236" name="标题 1"/>
+          <p:cNvSpPr txBox="1"/>
+          <p:nvPr>
+            <p:ph type="title"/>
+          </p:nvPr>
+        </p:nvSpPr>
+        <p:spPr>
+          <a:xfrm>
+            <a:off x="838200" y="217804"/>
+            <a:ext cx="10515600" cy="1325564"/>
+          </a:xfrm>
+          <a:prstGeom prst="rect">
+            <a:avLst/>
+          </a:prstGeom>
+        </p:spPr>
+        <p:txBody>
+          <a:bodyPr/>
+          <a:lstStyle/>
+          <a:p>
+            <a:pPr/>
+            <a:r>
+              <a:t>Source Code for Inter-thread sync</a:t>
+            </a:r>
+          </a:p>
+        </p:txBody>
+      </p:sp>
+      <p:pic>
+        <p:nvPicPr>
+          <p:cNvPr id="237" name="图像" descr="图像"/>
+          <p:cNvPicPr>
+            <a:picLocks noChangeAspect="1"/>
+          </p:cNvPicPr>
+          <p:nvPr/>
+        </p:nvPicPr>
+        <p:blipFill>
+          <a:blip r:embed="rId3">
+            <a:extLst/>
+          </a:blip>
+          <a:stretch>
+            <a:fillRect/>
+          </a:stretch>
+        </p:blipFill>
+        <p:spPr>
+          <a:xfrm>
+            <a:off x="602616" y="2251029"/>
+            <a:ext cx="10986767" cy="3018030"/>
+          </a:xfrm>
+          <a:prstGeom prst="rect">
+            <a:avLst/>
+          </a:prstGeom>
+          <a:ln w="12700">
+            <a:miter lim="400000"/>
+          </a:ln>
+        </p:spPr>
+      </p:pic>
+      <p:sp>
+        <p:nvSpPr>
+          <p:cNvPr id="238" name="内容占位符 2"/>
+          <p:cNvSpPr txBox="1"/>
+          <p:nvPr>
+            <p:ph type="body" idx="1"/>
+          </p:nvPr>
+        </p:nvSpPr>
+        <p:spPr>
+          <a:xfrm>
+            <a:off x="672096" y="1098301"/>
+            <a:ext cx="10515601" cy="4351338"/>
+          </a:xfrm>
+          <a:prstGeom prst="rect">
+            <a:avLst/>
+          </a:prstGeom>
+        </p:spPr>
+        <p:txBody>
+          <a:bodyPr/>
+          <a:lstStyle/>
+          <a:p>
+            <a:pPr marL="0" indent="0">
+              <a:buSzTx/>
+              <a:buNone/>
+            </a:pPr>
+          </a:p>
+          <a:p>
+            <a:pPr marL="342900" indent="-342900">
+              <a:defRPr sz="2400">
+                <a:latin typeface="Consolas"/>
+                <a:ea typeface="Consolas"/>
+                <a:cs typeface="Consolas"/>
+                <a:sym typeface="Consolas"/>
+              </a:defRPr>
+            </a:pPr>
+            <a:r>
+              <a:t>In /libmpk/kernel/mm/mprotect.c/do_pkey_sync(val_pkru)</a:t>
+            </a:r>
+          </a:p>
+        </p:txBody>
+      </p:sp>
+    </p:spTree>
+  </p:cSld>
+  <p:clrMapOvr>
+    <a:masterClrMapping/>
+  </p:clrMapOvr>
+  <p:transition xmlns:p14="http://schemas.microsoft.com/office/powerpoint/2010/main" spd="med" advClick="1"/>
+</p:sld>
+</file>
+
+<file path=ppt/slides/slide18.xml><?xml version="1.0" encoding="utf-8"?>
+<p:sld xmlns:a="http://schemas.openxmlformats.org/drawingml/2006/main" xmlns:r="http://schemas.openxmlformats.org/officeDocument/2006/relationships" xmlns:p="http://schemas.openxmlformats.org/presentationml/2006/main" xmlns:m="http://schemas.openxmlformats.org/officeDocument/2006/math" xmlns:a14="http://schemas.microsoft.com/office/drawing/2010/main" showMasterSp="1" showMasterPhAnim="1">
+  <p:cSld>
+    <p:spTree>
+      <p:nvGrpSpPr>
+        <p:cNvPr id="1" name=""/>
+        <p:cNvGrpSpPr/>
+        <p:nvPr/>
+      </p:nvGrpSpPr>
+      <p:grpSpPr>
+        <a:xfrm>
+          <a:off x="0" y="0"/>
+          <a:ext cx="0" cy="0"/>
+          <a:chOff x="0" y="0"/>
+          <a:chExt cx="0" cy="0"/>
+        </a:xfrm>
+      </p:grpSpPr>
+      <p:sp>
+        <p:nvSpPr>
+          <p:cNvPr id="242" name="标题 1"/>
+          <p:cNvSpPr txBox="1"/>
+          <p:nvPr>
+            <p:ph type="title"/>
+          </p:nvPr>
+        </p:nvSpPr>
+        <p:spPr>
+          <a:xfrm>
+            <a:off x="2871948" y="2674646"/>
+            <a:ext cx="11116272" cy="1325567"/>
+          </a:xfrm>
+          <a:prstGeom prst="rect">
+            <a:avLst/>
+          </a:prstGeom>
+        </p:spPr>
+        <p:txBody>
+          <a:bodyPr/>
+          <a:lstStyle>
+            <a:lvl1pPr>
+              <a:defRPr b="1" sz="5300"/>
+            </a:lvl1pPr>
+          </a:lstStyle>
+          <a:p>
+            <a:pPr/>
+            <a:r>
+              <a:t>Propose New Solutions</a:t>
+            </a:r>
+          </a:p>
+        </p:txBody>
+      </p:sp>
+    </p:spTree>
+  </p:cSld>
+  <p:clrMapOvr>
+    <a:masterClrMapping/>
+  </p:clrMapOvr>
+  <p:transition xmlns:p14="http://schemas.microsoft.com/office/powerpoint/2010/main" spd="med" advClick="1"/>
+</p:sld>
+</file>
+
+<file path=ppt/slides/slide19.xml><?xml version="1.0" encoding="utf-8"?>
+<p:sld xmlns:a="http://schemas.openxmlformats.org/drawingml/2006/main" xmlns:r="http://schemas.openxmlformats.org/officeDocument/2006/relationships" xmlns:p="http://schemas.openxmlformats.org/presentationml/2006/main" xmlns:m="http://schemas.openxmlformats.org/officeDocument/2006/math" xmlns:a14="http://schemas.microsoft.com/office/drawing/2010/main" showMasterSp="1" showMasterPhAnim="1">
+  <p:cSld>
+    <p:spTree>
+      <p:nvGrpSpPr>
+        <p:cNvPr id="1" name=""/>
+        <p:cNvGrpSpPr/>
+        <p:nvPr/>
+      </p:nvGrpSpPr>
+      <p:grpSpPr>
+        <a:xfrm>
+          <a:off x="0" y="0"/>
+          <a:ext cx="0" cy="0"/>
+          <a:chOff x="0" y="0"/>
+          <a:chExt cx="0" cy="0"/>
+        </a:xfrm>
+      </p:grpSpPr>
+      <p:sp>
+        <p:nvSpPr>
+          <p:cNvPr id="246" name="标题 1"/>
+          <p:cNvSpPr txBox="1"/>
+          <p:nvPr>
+            <p:ph type="title"/>
+          </p:nvPr>
+        </p:nvSpPr>
+        <p:spPr>
+          <a:xfrm>
+            <a:off x="838200" y="217804"/>
+            <a:ext cx="10515600" cy="1325564"/>
+          </a:xfrm>
+          <a:prstGeom prst="rect">
+            <a:avLst/>
+          </a:prstGeom>
+        </p:spPr>
+        <p:txBody>
+          <a:bodyPr/>
+          <a:lstStyle/>
+          <a:p>
+            <a:pPr/>
+            <a:r>
+              <a:t>New Solution to Protection key limitation</a:t>
+            </a:r>
+          </a:p>
+        </p:txBody>
+      </p:sp>
     </p:spTree>
   </p:cSld>
   <p:clrMapOvr>
@@ -4894,7 +7819,7 @@
       </p:grpSpPr>
       <p:sp>
         <p:nvSpPr>
-          <p:cNvPr id="150" name="标题 1"/>
+          <p:cNvPr id="159" name="标题 1"/>
           <p:cNvSpPr txBox="1"/>
           <p:nvPr>
             <p:ph type="title"/>
@@ -4915,14 +7840,526 @@
           <a:p>
             <a:pPr/>
             <a:r>
-              <a:t>Hidden Issues in Intel MPK</a:t>
-            </a:r>
-          </a:p>
-        </p:txBody>
-      </p:sp>
-      <p:sp>
-        <p:nvSpPr>
-          <p:cNvPr id="151" name="内容占位符 2"/>
+              <a:t>Outline</a:t>
+            </a:r>
+          </a:p>
+        </p:txBody>
+      </p:sp>
+      <p:sp>
+        <p:nvSpPr>
+          <p:cNvPr id="160" name="内容占位符 2"/>
+          <p:cNvSpPr txBox="1"/>
+          <p:nvPr>
+            <p:ph type="body" idx="1"/>
+          </p:nvPr>
+        </p:nvSpPr>
+        <p:spPr>
+          <a:xfrm>
+            <a:off x="1047504" y="1096352"/>
+            <a:ext cx="10515601" cy="5036638"/>
+          </a:xfrm>
+          <a:prstGeom prst="rect">
+            <a:avLst/>
+          </a:prstGeom>
+        </p:spPr>
+        <p:txBody>
+          <a:bodyPr/>
+          <a:lstStyle/>
+          <a:p>
+            <a:pPr marL="0" indent="0" defTabSz="512063">
+              <a:spcBef>
+                <a:spcPts val="500"/>
+              </a:spcBef>
+              <a:buSzTx/>
+              <a:buNone/>
+              <a:defRPr sz="1568"/>
+            </a:pPr>
+          </a:p>
+          <a:p>
+            <a:pPr marL="192023" indent="-192023" defTabSz="512063">
+              <a:spcBef>
+                <a:spcPts val="500"/>
+              </a:spcBef>
+              <a:defRPr sz="1344"/>
+            </a:pPr>
+          </a:p>
+          <a:p>
+            <a:pPr marL="192024" indent="-192024" defTabSz="512063">
+              <a:spcBef>
+                <a:spcPts val="500"/>
+              </a:spcBef>
+              <a:defRPr sz="2520">
+                <a:latin typeface="DejaVu Sans Mono Nerd Font Complete"/>
+                <a:ea typeface="DejaVu Sans Mono Nerd Font Complete"/>
+                <a:cs typeface="DejaVu Sans Mono Nerd Font Complete"/>
+                <a:sym typeface="DejaVu Sans Mono Nerd Font Complete"/>
+              </a:defRPr>
+            </a:pPr>
+            <a:r>
+              <a:t>Problem Statement</a:t>
+            </a:r>
+          </a:p>
+          <a:p>
+            <a:pPr marL="192024" indent="-192024" defTabSz="512063">
+              <a:spcBef>
+                <a:spcPts val="500"/>
+              </a:spcBef>
+              <a:defRPr sz="2520">
+                <a:latin typeface="DejaVu Sans Mono Nerd Font Complete"/>
+                <a:ea typeface="DejaVu Sans Mono Nerd Font Complete"/>
+                <a:cs typeface="DejaVu Sans Mono Nerd Font Complete"/>
+                <a:sym typeface="DejaVu Sans Mono Nerd Font Complete"/>
+              </a:defRPr>
+            </a:pPr>
+          </a:p>
+          <a:p>
+            <a:pPr marL="192024" indent="-192024" defTabSz="512063">
+              <a:spcBef>
+                <a:spcPts val="500"/>
+              </a:spcBef>
+              <a:defRPr sz="2520">
+                <a:latin typeface="DejaVu Sans Mono Nerd Font Complete"/>
+                <a:ea typeface="DejaVu Sans Mono Nerd Font Complete"/>
+                <a:cs typeface="DejaVu Sans Mono Nerd Font Complete"/>
+                <a:sym typeface="DejaVu Sans Mono Nerd Font Complete"/>
+              </a:defRPr>
+            </a:pPr>
+            <a:r>
+              <a:t>Related Work</a:t>
+            </a:r>
+          </a:p>
+          <a:p>
+            <a:pPr marL="192024" indent="-192024" defTabSz="512063">
+              <a:spcBef>
+                <a:spcPts val="500"/>
+              </a:spcBef>
+              <a:defRPr sz="2520">
+                <a:latin typeface="DejaVu Sans Mono Nerd Font Complete"/>
+                <a:ea typeface="DejaVu Sans Mono Nerd Font Complete"/>
+                <a:cs typeface="DejaVu Sans Mono Nerd Font Complete"/>
+                <a:sym typeface="DejaVu Sans Mono Nerd Font Complete"/>
+              </a:defRPr>
+            </a:pPr>
+          </a:p>
+          <a:p>
+            <a:pPr marL="192024" indent="-192024" defTabSz="512063">
+              <a:spcBef>
+                <a:spcPts val="500"/>
+              </a:spcBef>
+              <a:defRPr sz="2520">
+                <a:latin typeface="DejaVu Sans Mono Nerd Font Complete"/>
+                <a:ea typeface="DejaVu Sans Mono Nerd Font Complete"/>
+                <a:cs typeface="DejaVu Sans Mono Nerd Font Complete"/>
+                <a:sym typeface="DejaVu Sans Mono Nerd Font Complete"/>
+              </a:defRPr>
+            </a:pPr>
+            <a:r>
+              <a:t>Proposed New Solutions</a:t>
+            </a:r>
+          </a:p>
+          <a:p>
+            <a:pPr marL="192024" indent="-192024" defTabSz="512063">
+              <a:spcBef>
+                <a:spcPts val="500"/>
+              </a:spcBef>
+              <a:defRPr sz="2520">
+                <a:latin typeface="DejaVu Sans Mono Nerd Font Complete"/>
+                <a:ea typeface="DejaVu Sans Mono Nerd Font Complete"/>
+                <a:cs typeface="DejaVu Sans Mono Nerd Font Complete"/>
+                <a:sym typeface="DejaVu Sans Mono Nerd Font Complete"/>
+              </a:defRPr>
+            </a:pPr>
+          </a:p>
+          <a:p>
+            <a:pPr marL="192024" indent="-192024" defTabSz="512063">
+              <a:spcBef>
+                <a:spcPts val="500"/>
+              </a:spcBef>
+              <a:defRPr sz="2520">
+                <a:latin typeface="DejaVu Sans Mono Nerd Font Complete"/>
+                <a:ea typeface="DejaVu Sans Mono Nerd Font Complete"/>
+                <a:cs typeface="DejaVu Sans Mono Nerd Font Complete"/>
+                <a:sym typeface="DejaVu Sans Mono Nerd Font Complete"/>
+              </a:defRPr>
+            </a:pPr>
+            <a:r>
+              <a:t>Evaluation Plan</a:t>
+            </a:r>
+          </a:p>
+          <a:p>
+            <a:pPr marL="192024" indent="-192024" defTabSz="512063">
+              <a:spcBef>
+                <a:spcPts val="500"/>
+              </a:spcBef>
+              <a:defRPr sz="2520">
+                <a:latin typeface="DejaVu Sans Mono Nerd Font Complete"/>
+                <a:ea typeface="DejaVu Sans Mono Nerd Font Complete"/>
+                <a:cs typeface="DejaVu Sans Mono Nerd Font Complete"/>
+                <a:sym typeface="DejaVu Sans Mono Nerd Font Complete"/>
+              </a:defRPr>
+            </a:pPr>
+          </a:p>
+          <a:p>
+            <a:pPr marL="192024" indent="-192024" defTabSz="512063">
+              <a:spcBef>
+                <a:spcPts val="500"/>
+              </a:spcBef>
+              <a:defRPr sz="2520">
+                <a:latin typeface="DejaVu Sans Mono Nerd Font Complete"/>
+                <a:ea typeface="DejaVu Sans Mono Nerd Font Complete"/>
+                <a:cs typeface="DejaVu Sans Mono Nerd Font Complete"/>
+                <a:sym typeface="DejaVu Sans Mono Nerd Font Complete"/>
+              </a:defRPr>
+            </a:pPr>
+            <a:r>
+              <a:t>Future Research Plan</a:t>
+            </a:r>
+          </a:p>
+          <a:p>
+            <a:pPr marL="192024" indent="-192024" defTabSz="512063">
+              <a:spcBef>
+                <a:spcPts val="500"/>
+              </a:spcBef>
+              <a:defRPr sz="2520">
+                <a:latin typeface="DejaVu Sans Mono Nerd Font Complete"/>
+                <a:ea typeface="DejaVu Sans Mono Nerd Font Complete"/>
+                <a:cs typeface="DejaVu Sans Mono Nerd Font Complete"/>
+                <a:sym typeface="DejaVu Sans Mono Nerd Font Complete"/>
+              </a:defRPr>
+            </a:pPr>
+          </a:p>
+          <a:p>
+            <a:pPr marL="192024" indent="-192024" defTabSz="512063">
+              <a:spcBef>
+                <a:spcPts val="500"/>
+              </a:spcBef>
+              <a:defRPr sz="2520">
+                <a:latin typeface="DejaVu Sans Mono Nerd Font Complete"/>
+                <a:ea typeface="DejaVu Sans Mono Nerd Font Complete"/>
+                <a:cs typeface="DejaVu Sans Mono Nerd Font Complete"/>
+                <a:sym typeface="DejaVu Sans Mono Nerd Font Complete"/>
+              </a:defRPr>
+            </a:pPr>
+            <a:r>
+              <a:t>Current work and difficulty</a:t>
+            </a:r>
+          </a:p>
+        </p:txBody>
+      </p:sp>
+    </p:spTree>
+  </p:cSld>
+  <p:clrMapOvr>
+    <a:masterClrMapping/>
+  </p:clrMapOvr>
+  <p:transition xmlns:p14="http://schemas.microsoft.com/office/powerpoint/2010/main" spd="med" advClick="1"/>
+</p:sld>
+</file>
+
+<file path=ppt/slides/slide20.xml><?xml version="1.0" encoding="utf-8"?>
+<p:sld xmlns:a="http://schemas.openxmlformats.org/drawingml/2006/main" xmlns:r="http://schemas.openxmlformats.org/officeDocument/2006/relationships" xmlns:p="http://schemas.openxmlformats.org/presentationml/2006/main" xmlns:m="http://schemas.openxmlformats.org/officeDocument/2006/math" xmlns:a14="http://schemas.microsoft.com/office/drawing/2010/main" showMasterSp="1" showMasterPhAnim="1">
+  <p:cSld>
+    <p:spTree>
+      <p:nvGrpSpPr>
+        <p:cNvPr id="1" name=""/>
+        <p:cNvGrpSpPr/>
+        <p:nvPr/>
+      </p:nvGrpSpPr>
+      <p:grpSpPr>
+        <a:xfrm>
+          <a:off x="0" y="0"/>
+          <a:ext cx="0" cy="0"/>
+          <a:chOff x="0" y="0"/>
+          <a:chExt cx="0" cy="0"/>
+        </a:xfrm>
+      </p:grpSpPr>
+      <p:sp>
+        <p:nvSpPr>
+          <p:cNvPr id="250" name="标题 1"/>
+          <p:cNvSpPr txBox="1"/>
+          <p:nvPr>
+            <p:ph type="title"/>
+          </p:nvPr>
+        </p:nvSpPr>
+        <p:spPr>
+          <a:xfrm>
+            <a:off x="838200" y="217804"/>
+            <a:ext cx="10515600" cy="1325564"/>
+          </a:xfrm>
+          <a:prstGeom prst="rect">
+            <a:avLst/>
+          </a:prstGeom>
+        </p:spPr>
+        <p:txBody>
+          <a:bodyPr/>
+          <a:lstStyle/>
+          <a:p>
+            <a:pPr/>
+            <a:r>
+              <a:t>New Solution to Inter-thread Sync</a:t>
+            </a:r>
+          </a:p>
+        </p:txBody>
+      </p:sp>
+      <p:sp>
+        <p:nvSpPr>
+          <p:cNvPr id="251" name="内容占位符 2"/>
+          <p:cNvSpPr txBox="1"/>
+          <p:nvPr>
+            <p:ph type="body" sz="half" idx="1"/>
+          </p:nvPr>
+        </p:nvSpPr>
+        <p:spPr>
+          <a:xfrm>
+            <a:off x="838199" y="1737348"/>
+            <a:ext cx="10515601" cy="3148398"/>
+          </a:xfrm>
+          <a:prstGeom prst="rect">
+            <a:avLst/>
+          </a:prstGeom>
+        </p:spPr>
+        <p:txBody>
+          <a:bodyPr lIns="45718" tIns="45718" rIns="45718" bIns="45718"/>
+          <a:lstStyle/>
+          <a:p>
+            <a:pPr marL="0" indent="0">
+              <a:buSzTx/>
+              <a:buNone/>
+            </a:pPr>
+          </a:p>
+          <a:p>
+            <a:pPr marL="342900" indent="-342900">
+              <a:defRPr sz="2400">
+                <a:latin typeface="Consolas"/>
+                <a:ea typeface="Consolas"/>
+                <a:cs typeface="Consolas"/>
+                <a:sym typeface="Consolas"/>
+              </a:defRPr>
+            </a:pPr>
+            <a:r>
+              <a:t>Current Solution: Similar to MPK</a:t>
+            </a:r>
+          </a:p>
+          <a:p>
+            <a:pPr lvl="1" marL="800100" indent="-342900">
+              <a:defRPr sz="2400">
+                <a:latin typeface="Consolas"/>
+                <a:ea typeface="Consolas"/>
+                <a:cs typeface="Consolas"/>
+                <a:sym typeface="Consolas"/>
+              </a:defRPr>
+            </a:pPr>
+          </a:p>
+          <a:p>
+            <a:pPr lvl="1" marL="800100" indent="-342900">
+              <a:defRPr sz="2400">
+                <a:latin typeface="Consolas"/>
+                <a:ea typeface="Consolas"/>
+                <a:cs typeface="Consolas"/>
+                <a:sym typeface="Consolas"/>
+              </a:defRPr>
+            </a:pPr>
+            <a:r>
+              <a:t>Send interrupt to other threads.</a:t>
+            </a:r>
+          </a:p>
+          <a:p>
+            <a:pPr lvl="1" marL="800100" indent="-342900">
+              <a:defRPr sz="2400">
+                <a:latin typeface="Consolas"/>
+                <a:ea typeface="Consolas"/>
+                <a:cs typeface="Consolas"/>
+                <a:sym typeface="Consolas"/>
+              </a:defRPr>
+            </a:pPr>
+          </a:p>
+          <a:p>
+            <a:pPr lvl="1" marL="800100" indent="-342900">
+              <a:defRPr sz="2400">
+                <a:latin typeface="Consolas"/>
+                <a:ea typeface="Consolas"/>
+                <a:cs typeface="Consolas"/>
+                <a:sym typeface="Consolas"/>
+              </a:defRPr>
+            </a:pPr>
+            <a:r>
+              <a:t>Register callback function to sync PMP entries.</a:t>
+            </a:r>
+          </a:p>
+        </p:txBody>
+      </p:sp>
+    </p:spTree>
+  </p:cSld>
+  <p:clrMapOvr>
+    <a:masterClrMapping/>
+  </p:clrMapOvr>
+  <p:transition xmlns:p14="http://schemas.microsoft.com/office/powerpoint/2010/main" spd="med" advClick="1"/>
+</p:sld>
+</file>
+
+<file path=ppt/slides/slide21.xml><?xml version="1.0" encoding="utf-8"?>
+<p:sld xmlns:a="http://schemas.openxmlformats.org/drawingml/2006/main" xmlns:r="http://schemas.openxmlformats.org/officeDocument/2006/relationships" xmlns:p="http://schemas.openxmlformats.org/presentationml/2006/main" xmlns:m="http://schemas.openxmlformats.org/officeDocument/2006/math" xmlns:a14="http://schemas.microsoft.com/office/drawing/2010/main" showMasterSp="1" showMasterPhAnim="1">
+  <p:cSld>
+    <p:spTree>
+      <p:nvGrpSpPr>
+        <p:cNvPr id="1" name=""/>
+        <p:cNvGrpSpPr/>
+        <p:nvPr/>
+      </p:nvGrpSpPr>
+      <p:grpSpPr>
+        <a:xfrm>
+          <a:off x="0" y="0"/>
+          <a:ext cx="0" cy="0"/>
+          <a:chOff x="0" y="0"/>
+          <a:chExt cx="0" cy="0"/>
+        </a:xfrm>
+      </p:grpSpPr>
+      <p:sp>
+        <p:nvSpPr>
+          <p:cNvPr id="255" name="标题 1"/>
+          <p:cNvSpPr txBox="1"/>
+          <p:nvPr>
+            <p:ph type="title"/>
+          </p:nvPr>
+        </p:nvSpPr>
+        <p:spPr>
+          <a:xfrm>
+            <a:off x="3552189" y="2766217"/>
+            <a:ext cx="11116272" cy="1325566"/>
+          </a:xfrm>
+          <a:prstGeom prst="rect">
+            <a:avLst/>
+          </a:prstGeom>
+        </p:spPr>
+        <p:txBody>
+          <a:bodyPr/>
+          <a:lstStyle>
+            <a:lvl1pPr>
+              <a:defRPr b="1" sz="5300"/>
+            </a:lvl1pPr>
+          </a:lstStyle>
+          <a:p>
+            <a:pPr/>
+            <a:r>
+              <a:t>Evaluation Plan</a:t>
+            </a:r>
+          </a:p>
+        </p:txBody>
+      </p:sp>
+    </p:spTree>
+  </p:cSld>
+  <p:clrMapOvr>
+    <a:masterClrMapping/>
+  </p:clrMapOvr>
+  <p:transition xmlns:p14="http://schemas.microsoft.com/office/powerpoint/2010/main" spd="med" advClick="1"/>
+</p:sld>
+</file>
+
+<file path=ppt/slides/slide22.xml><?xml version="1.0" encoding="utf-8"?>
+<p:sld xmlns:a="http://schemas.openxmlformats.org/drawingml/2006/main" xmlns:r="http://schemas.openxmlformats.org/officeDocument/2006/relationships" xmlns:p="http://schemas.openxmlformats.org/presentationml/2006/main" xmlns:m="http://schemas.openxmlformats.org/officeDocument/2006/math" xmlns:a14="http://schemas.microsoft.com/office/drawing/2010/main" showMasterSp="1" showMasterPhAnim="1">
+  <p:cSld>
+    <p:spTree>
+      <p:nvGrpSpPr>
+        <p:cNvPr id="1" name=""/>
+        <p:cNvGrpSpPr/>
+        <p:nvPr/>
+      </p:nvGrpSpPr>
+      <p:grpSpPr>
+        <a:xfrm>
+          <a:off x="0" y="0"/>
+          <a:ext cx="0" cy="0"/>
+          <a:chOff x="0" y="0"/>
+          <a:chExt cx="0" cy="0"/>
+        </a:xfrm>
+      </p:grpSpPr>
+      <p:sp>
+        <p:nvSpPr>
+          <p:cNvPr id="259" name="标题 1"/>
+          <p:cNvSpPr txBox="1"/>
+          <p:nvPr>
+            <p:ph type="title"/>
+          </p:nvPr>
+        </p:nvSpPr>
+        <p:spPr>
+          <a:xfrm>
+            <a:off x="2871948" y="2674646"/>
+            <a:ext cx="11116272" cy="1325567"/>
+          </a:xfrm>
+          <a:prstGeom prst="rect">
+            <a:avLst/>
+          </a:prstGeom>
+        </p:spPr>
+        <p:txBody>
+          <a:bodyPr/>
+          <a:lstStyle>
+            <a:lvl1pPr>
+              <a:defRPr b="1" sz="5300"/>
+            </a:lvl1pPr>
+          </a:lstStyle>
+          <a:p>
+            <a:pPr/>
+            <a:r>
+              <a:t>Future Research Plan</a:t>
+            </a:r>
+          </a:p>
+        </p:txBody>
+      </p:sp>
+    </p:spTree>
+  </p:cSld>
+  <p:clrMapOvr>
+    <a:masterClrMapping/>
+  </p:clrMapOvr>
+  <p:transition xmlns:p14="http://schemas.microsoft.com/office/powerpoint/2010/main" spd="med" advClick="1"/>
+</p:sld>
+</file>
+
+<file path=ppt/slides/slide23.xml><?xml version="1.0" encoding="utf-8"?>
+<p:sld xmlns:a="http://schemas.openxmlformats.org/drawingml/2006/main" xmlns:r="http://schemas.openxmlformats.org/officeDocument/2006/relationships" xmlns:p="http://schemas.openxmlformats.org/presentationml/2006/main" xmlns:m="http://schemas.openxmlformats.org/officeDocument/2006/math" xmlns:a14="http://schemas.microsoft.com/office/drawing/2010/main" showMasterSp="1" showMasterPhAnim="1">
+  <p:cSld>
+    <p:spTree>
+      <p:nvGrpSpPr>
+        <p:cNvPr id="1" name=""/>
+        <p:cNvGrpSpPr/>
+        <p:nvPr/>
+      </p:nvGrpSpPr>
+      <p:grpSpPr>
+        <a:xfrm>
+          <a:off x="0" y="0"/>
+          <a:ext cx="0" cy="0"/>
+          <a:chOff x="0" y="0"/>
+          <a:chExt cx="0" cy="0"/>
+        </a:xfrm>
+      </p:grpSpPr>
+      <p:sp>
+        <p:nvSpPr>
+          <p:cNvPr id="263" name="标题 1"/>
+          <p:cNvSpPr txBox="1"/>
+          <p:nvPr>
+            <p:ph type="title"/>
+          </p:nvPr>
+        </p:nvSpPr>
+        <p:spPr>
+          <a:xfrm>
+            <a:off x="838200" y="217804"/>
+            <a:ext cx="10515600" cy="1325564"/>
+          </a:xfrm>
+          <a:prstGeom prst="rect">
+            <a:avLst/>
+          </a:prstGeom>
+        </p:spPr>
+        <p:txBody>
+          <a:bodyPr/>
+          <a:lstStyle/>
+          <a:p>
+            <a:pPr/>
+            <a:r>
+              <a:t>Future Research Plan</a:t>
+            </a:r>
+          </a:p>
+        </p:txBody>
+      </p:sp>
+      <p:sp>
+        <p:nvSpPr>
+          <p:cNvPr id="264" name="内容占位符 2"/>
           <p:cNvSpPr txBox="1"/>
           <p:nvPr>
             <p:ph type="body" idx="1"/>
@@ -4940,17 +8377,6 @@
         <p:txBody>
           <a:bodyPr/>
           <a:lstStyle/>
-          <a:p>
-            <a:pPr marL="0" indent="0">
-              <a:buSzTx/>
-              <a:buNone/>
-            </a:pPr>
-          </a:p>
-          <a:p>
-            <a:pPr marL="342900" indent="-342900">
-              <a:defRPr sz="2400"/>
-            </a:pPr>
-          </a:p>
           <a:p>
             <a:pPr marL="342900" indent="-342900">
               <a:defRPr sz="2400">
@@ -4960,9 +8386,16 @@
                 <a:sym typeface="DejaVu Sans Mono Nerd Font Complete"/>
               </a:defRPr>
             </a:pPr>
-            <a:r>
-              <a:t>Protection-key-use-after-free</a:t>
-            </a:r>
+          </a:p>
+          <a:p>
+            <a:pPr marL="342900" indent="-342900">
+              <a:defRPr sz="2400">
+                <a:latin typeface="DejaVu Sans Mono Nerd Font Complete"/>
+                <a:ea typeface="DejaVu Sans Mono Nerd Font Complete"/>
+                <a:cs typeface="DejaVu Sans Mono Nerd Font Complete"/>
+                <a:sym typeface="DejaVu Sans Mono Nerd Font Complete"/>
+              </a:defRPr>
+            </a:pPr>
             <a:endParaRPr>
               <a:latin typeface="Consolas"/>
               <a:ea typeface="Consolas"/>
@@ -4973,12 +8406,27 @@
           <a:p>
             <a:pPr marL="342900" indent="-342900">
               <a:defRPr sz="2400">
+                <a:latin typeface="DejaVu Sans Mono Nerd Font Complete"/>
+                <a:ea typeface="DejaVu Sans Mono Nerd Font Complete"/>
+                <a:cs typeface="DejaVu Sans Mono Nerd Font Complete"/>
+                <a:sym typeface="DejaVu Sans Mono Nerd Font Complete"/>
+              </a:defRPr>
+            </a:pPr>
+            <a:r>
+              <a:rPr>
                 <a:latin typeface="Consolas"/>
                 <a:ea typeface="Consolas"/>
                 <a:cs typeface="Consolas"/>
                 <a:sym typeface="Consolas"/>
-              </a:defRPr>
-            </a:pPr>
+              </a:rPr>
+              <a:t>Make a survey on RISC-V TEE: Keystone/Penglai</a:t>
+            </a:r>
+            <a:endParaRPr>
+              <a:latin typeface="Consolas"/>
+              <a:ea typeface="Consolas"/>
+              <a:cs typeface="Consolas"/>
+              <a:sym typeface="Consolas"/>
+            </a:endParaRPr>
           </a:p>
           <a:p>
             <a:pPr marL="342900" indent="-342900">
@@ -4989,9 +8437,6 @@
                 <a:sym typeface="DejaVu Sans Mono Nerd Font Complete"/>
               </a:defRPr>
             </a:pPr>
-            <a:r>
-              <a:t>Protection key limitation</a:t>
-            </a:r>
             <a:endParaRPr>
               <a:latin typeface="Consolas"/>
               <a:ea typeface="Consolas"/>
@@ -5002,12 +8447,27 @@
           <a:p>
             <a:pPr marL="342900" indent="-342900">
               <a:defRPr sz="2400">
+                <a:latin typeface="DejaVu Sans Mono Nerd Font Complete"/>
+                <a:ea typeface="DejaVu Sans Mono Nerd Font Complete"/>
+                <a:cs typeface="DejaVu Sans Mono Nerd Font Complete"/>
+                <a:sym typeface="DejaVu Sans Mono Nerd Font Complete"/>
+              </a:defRPr>
+            </a:pPr>
+            <a:r>
+              <a:rPr>
                 <a:latin typeface="Consolas"/>
                 <a:ea typeface="Consolas"/>
                 <a:cs typeface="Consolas"/>
                 <a:sym typeface="Consolas"/>
-              </a:defRPr>
-            </a:pPr>
+              </a:rPr>
+              <a:t>Explore the hardware extensions to support Unlimited PMP Entries</a:t>
+            </a:r>
+            <a:endParaRPr>
+              <a:latin typeface="Consolas"/>
+              <a:ea typeface="Consolas"/>
+              <a:cs typeface="Consolas"/>
+              <a:sym typeface="Consolas"/>
+            </a:endParaRPr>
           </a:p>
           <a:p>
             <a:pPr marL="342900" indent="-342900">
@@ -5018,12 +8478,510 @@
                 <a:sym typeface="DejaVu Sans Mono Nerd Font Complete"/>
               </a:defRPr>
             </a:pPr>
-            <a:r>
-              <a:t>Inter-thread synchronization for multi-thread programs</a:t>
-            </a:r>
-          </a:p>
-        </p:txBody>
-      </p:sp>
+            <a:endParaRPr>
+              <a:latin typeface="Consolas"/>
+              <a:ea typeface="Consolas"/>
+              <a:cs typeface="Consolas"/>
+              <a:sym typeface="Consolas"/>
+            </a:endParaRPr>
+          </a:p>
+          <a:p>
+            <a:pPr marL="342900" indent="-342900">
+              <a:defRPr sz="2400">
+                <a:latin typeface="DejaVu Sans Mono Nerd Font Complete"/>
+                <a:ea typeface="DejaVu Sans Mono Nerd Font Complete"/>
+                <a:cs typeface="DejaVu Sans Mono Nerd Font Complete"/>
+                <a:sym typeface="DejaVu Sans Mono Nerd Font Complete"/>
+              </a:defRPr>
+            </a:pPr>
+            <a:r>
+              <a:rPr>
+                <a:latin typeface="Consolas"/>
+                <a:ea typeface="Consolas"/>
+                <a:cs typeface="Consolas"/>
+                <a:sym typeface="Consolas"/>
+              </a:rPr>
+              <a:t>Investigate other virtualization techniques.</a:t>
+            </a:r>
+          </a:p>
+        </p:txBody>
+      </p:sp>
+    </p:spTree>
+  </p:cSld>
+  <p:clrMapOvr>
+    <a:masterClrMapping/>
+  </p:clrMapOvr>
+  <p:transition xmlns:p14="http://schemas.microsoft.com/office/powerpoint/2010/main" spd="med" advClick="1"/>
+</p:sld>
+</file>
+
+<file path=ppt/slides/slide24.xml><?xml version="1.0" encoding="utf-8"?>
+<p:sld xmlns:a="http://schemas.openxmlformats.org/drawingml/2006/main" xmlns:r="http://schemas.openxmlformats.org/officeDocument/2006/relationships" xmlns:p="http://schemas.openxmlformats.org/presentationml/2006/main" xmlns:m="http://schemas.openxmlformats.org/officeDocument/2006/math" xmlns:a14="http://schemas.microsoft.com/office/drawing/2010/main" showMasterSp="1" showMasterPhAnim="1">
+  <p:cSld>
+    <p:spTree>
+      <p:nvGrpSpPr>
+        <p:cNvPr id="1" name=""/>
+        <p:cNvGrpSpPr/>
+        <p:nvPr/>
+      </p:nvGrpSpPr>
+      <p:grpSpPr>
+        <a:xfrm>
+          <a:off x="0" y="0"/>
+          <a:ext cx="0" cy="0"/>
+          <a:chOff x="0" y="0"/>
+          <a:chExt cx="0" cy="0"/>
+        </a:xfrm>
+      </p:grpSpPr>
+      <p:sp>
+        <p:nvSpPr>
+          <p:cNvPr id="268" name="标题 1"/>
+          <p:cNvSpPr txBox="1"/>
+          <p:nvPr>
+            <p:ph type="title"/>
+          </p:nvPr>
+        </p:nvSpPr>
+        <p:spPr>
+          <a:xfrm>
+            <a:off x="2165545" y="2648483"/>
+            <a:ext cx="11116272" cy="1325567"/>
+          </a:xfrm>
+          <a:prstGeom prst="rect">
+            <a:avLst/>
+          </a:prstGeom>
+        </p:spPr>
+        <p:txBody>
+          <a:bodyPr/>
+          <a:lstStyle>
+            <a:lvl1pPr>
+              <a:defRPr b="1" sz="5300"/>
+            </a:lvl1pPr>
+          </a:lstStyle>
+          <a:p>
+            <a:pPr/>
+            <a:r>
+              <a:t>Current work and difficulty</a:t>
+            </a:r>
+          </a:p>
+        </p:txBody>
+      </p:sp>
+    </p:spTree>
+  </p:cSld>
+  <p:clrMapOvr>
+    <a:masterClrMapping/>
+  </p:clrMapOvr>
+  <p:transition xmlns:p14="http://schemas.microsoft.com/office/powerpoint/2010/main" spd="med" advClick="1"/>
+</p:sld>
+</file>
+
+<file path=ppt/slides/slide25.xml><?xml version="1.0" encoding="utf-8"?>
+<p:sld xmlns:a="http://schemas.openxmlformats.org/drawingml/2006/main" xmlns:r="http://schemas.openxmlformats.org/officeDocument/2006/relationships" xmlns:p="http://schemas.openxmlformats.org/presentationml/2006/main" xmlns:m="http://schemas.openxmlformats.org/officeDocument/2006/math" xmlns:a14="http://schemas.microsoft.com/office/drawing/2010/main" showMasterSp="1" showMasterPhAnim="1">
+  <p:cSld>
+    <p:spTree>
+      <p:nvGrpSpPr>
+        <p:cNvPr id="1" name=""/>
+        <p:cNvGrpSpPr/>
+        <p:nvPr/>
+      </p:nvGrpSpPr>
+      <p:grpSpPr>
+        <a:xfrm>
+          <a:off x="0" y="0"/>
+          <a:ext cx="0" cy="0"/>
+          <a:chOff x="0" y="0"/>
+          <a:chExt cx="0" cy="0"/>
+        </a:xfrm>
+      </p:grpSpPr>
+      <p:sp>
+        <p:nvSpPr>
+          <p:cNvPr id="272" name="标题 1"/>
+          <p:cNvSpPr txBox="1"/>
+          <p:nvPr>
+            <p:ph type="title"/>
+          </p:nvPr>
+        </p:nvSpPr>
+        <p:spPr>
+          <a:xfrm>
+            <a:off x="838200" y="217804"/>
+            <a:ext cx="10515600" cy="1325564"/>
+          </a:xfrm>
+          <a:prstGeom prst="rect">
+            <a:avLst/>
+          </a:prstGeom>
+        </p:spPr>
+        <p:txBody>
+          <a:bodyPr/>
+          <a:lstStyle/>
+          <a:p>
+            <a:pPr/>
+            <a:r>
+              <a:t>Current Work</a:t>
+            </a:r>
+          </a:p>
+        </p:txBody>
+      </p:sp>
+      <p:sp>
+        <p:nvSpPr>
+          <p:cNvPr id="273" name="内容占位符 2"/>
+          <p:cNvSpPr txBox="1"/>
+          <p:nvPr>
+            <p:ph type="body" idx="1"/>
+          </p:nvPr>
+        </p:nvSpPr>
+        <p:spPr>
+          <a:xfrm>
+            <a:off x="838200" y="751231"/>
+            <a:ext cx="10515600" cy="4351339"/>
+          </a:xfrm>
+          <a:prstGeom prst="rect">
+            <a:avLst/>
+          </a:prstGeom>
+        </p:spPr>
+        <p:txBody>
+          <a:bodyPr/>
+          <a:lstStyle/>
+          <a:p>
+            <a:pPr marL="342900" indent="-342900">
+              <a:defRPr sz="2400">
+                <a:latin typeface="DejaVu Sans Mono Nerd Font Complete"/>
+                <a:ea typeface="DejaVu Sans Mono Nerd Font Complete"/>
+                <a:cs typeface="DejaVu Sans Mono Nerd Font Complete"/>
+                <a:sym typeface="DejaVu Sans Mono Nerd Font Complete"/>
+              </a:defRPr>
+            </a:pPr>
+          </a:p>
+          <a:p>
+            <a:pPr marL="342900" indent="-342900">
+              <a:defRPr sz="2400">
+                <a:latin typeface="DejaVu Sans Mono Nerd Font Complete"/>
+                <a:ea typeface="DejaVu Sans Mono Nerd Font Complete"/>
+                <a:cs typeface="DejaVu Sans Mono Nerd Font Complete"/>
+                <a:sym typeface="DejaVu Sans Mono Nerd Font Complete"/>
+              </a:defRPr>
+            </a:pPr>
+            <a:endParaRPr>
+              <a:latin typeface="Consolas"/>
+              <a:ea typeface="Consolas"/>
+              <a:cs typeface="Consolas"/>
+              <a:sym typeface="Consolas"/>
+            </a:endParaRPr>
+          </a:p>
+          <a:p>
+            <a:pPr marL="342900" indent="-342900">
+              <a:defRPr sz="2400">
+                <a:latin typeface="DejaVu Sans Mono Nerd Font Complete"/>
+                <a:ea typeface="DejaVu Sans Mono Nerd Font Complete"/>
+                <a:cs typeface="DejaVu Sans Mono Nerd Font Complete"/>
+                <a:sym typeface="DejaVu Sans Mono Nerd Font Complete"/>
+              </a:defRPr>
+            </a:pPr>
+            <a:r>
+              <a:rPr>
+                <a:latin typeface="Consolas"/>
+                <a:ea typeface="Consolas"/>
+                <a:cs typeface="Consolas"/>
+                <a:sym typeface="Consolas"/>
+              </a:rPr>
+              <a:t>We have prepared a docker image with RV64 architecture.</a:t>
+            </a:r>
+          </a:p>
+        </p:txBody>
+      </p:sp>
+      <p:pic>
+        <p:nvPicPr>
+          <p:cNvPr id="274" name="图像" descr="图像"/>
+          <p:cNvPicPr>
+            <a:picLocks noChangeAspect="1"/>
+          </p:cNvPicPr>
+          <p:nvPr/>
+        </p:nvPicPr>
+        <p:blipFill>
+          <a:blip r:embed="rId3">
+            <a:extLst/>
+          </a:blip>
+          <a:stretch>
+            <a:fillRect/>
+          </a:stretch>
+        </p:blipFill>
+        <p:spPr>
+          <a:xfrm>
+            <a:off x="1313182" y="2230613"/>
+            <a:ext cx="9097108" cy="4020012"/>
+          </a:xfrm>
+          <a:prstGeom prst="rect">
+            <a:avLst/>
+          </a:prstGeom>
+          <a:ln w="12700">
+            <a:miter lim="400000"/>
+          </a:ln>
+        </p:spPr>
+      </p:pic>
+    </p:spTree>
+  </p:cSld>
+  <p:clrMapOvr>
+    <a:masterClrMapping/>
+  </p:clrMapOvr>
+  <p:transition xmlns:p14="http://schemas.microsoft.com/office/powerpoint/2010/main" spd="med" advClick="1"/>
+</p:sld>
+</file>
+
+<file path=ppt/slides/slide26.xml><?xml version="1.0" encoding="utf-8"?>
+<p:sld xmlns:a="http://schemas.openxmlformats.org/drawingml/2006/main" xmlns:r="http://schemas.openxmlformats.org/officeDocument/2006/relationships" xmlns:p="http://schemas.openxmlformats.org/presentationml/2006/main" xmlns:m="http://schemas.openxmlformats.org/officeDocument/2006/math" xmlns:a14="http://schemas.microsoft.com/office/drawing/2010/main" showMasterSp="1" showMasterPhAnim="1">
+  <p:cSld>
+    <p:spTree>
+      <p:nvGrpSpPr>
+        <p:cNvPr id="1" name=""/>
+        <p:cNvGrpSpPr/>
+        <p:nvPr/>
+      </p:nvGrpSpPr>
+      <p:grpSpPr>
+        <a:xfrm>
+          <a:off x="0" y="0"/>
+          <a:ext cx="0" cy="0"/>
+          <a:chOff x="0" y="0"/>
+          <a:chExt cx="0" cy="0"/>
+        </a:xfrm>
+      </p:grpSpPr>
+      <p:sp>
+        <p:nvSpPr>
+          <p:cNvPr id="278" name="标题 1"/>
+          <p:cNvSpPr txBox="1"/>
+          <p:nvPr>
+            <p:ph type="title"/>
+          </p:nvPr>
+        </p:nvSpPr>
+        <p:spPr>
+          <a:xfrm>
+            <a:off x="838200" y="217804"/>
+            <a:ext cx="10515600" cy="1325564"/>
+          </a:xfrm>
+          <a:prstGeom prst="rect">
+            <a:avLst/>
+          </a:prstGeom>
+        </p:spPr>
+        <p:txBody>
+          <a:bodyPr/>
+          <a:lstStyle/>
+          <a:p>
+            <a:pPr/>
+            <a:r>
+              <a:t>Current Difficulty</a:t>
+            </a:r>
+          </a:p>
+        </p:txBody>
+      </p:sp>
+      <p:sp>
+        <p:nvSpPr>
+          <p:cNvPr id="279" name="内容占位符 2"/>
+          <p:cNvSpPr txBox="1"/>
+          <p:nvPr>
+            <p:ph type="body" idx="1"/>
+          </p:nvPr>
+        </p:nvSpPr>
+        <p:spPr>
+          <a:xfrm>
+            <a:off x="838200" y="751231"/>
+            <a:ext cx="10515600" cy="4351339"/>
+          </a:xfrm>
+          <a:prstGeom prst="rect">
+            <a:avLst/>
+          </a:prstGeom>
+        </p:spPr>
+        <p:txBody>
+          <a:bodyPr/>
+          <a:lstStyle/>
+          <a:p>
+            <a:pPr marL="342900" indent="-342900">
+              <a:defRPr sz="2400">
+                <a:latin typeface="DejaVu Sans Mono Nerd Font Complete"/>
+                <a:ea typeface="DejaVu Sans Mono Nerd Font Complete"/>
+                <a:cs typeface="DejaVu Sans Mono Nerd Font Complete"/>
+                <a:sym typeface="DejaVu Sans Mono Nerd Font Complete"/>
+              </a:defRPr>
+            </a:pPr>
+          </a:p>
+          <a:p>
+            <a:pPr marL="342900" indent="-342900">
+              <a:defRPr sz="2400">
+                <a:latin typeface="DejaVu Sans Mono Nerd Font Complete"/>
+                <a:ea typeface="DejaVu Sans Mono Nerd Font Complete"/>
+                <a:cs typeface="DejaVu Sans Mono Nerd Font Complete"/>
+                <a:sym typeface="DejaVu Sans Mono Nerd Font Complete"/>
+              </a:defRPr>
+            </a:pPr>
+            <a:endParaRPr>
+              <a:latin typeface="Consolas"/>
+              <a:ea typeface="Consolas"/>
+              <a:cs typeface="Consolas"/>
+              <a:sym typeface="Consolas"/>
+            </a:endParaRPr>
+          </a:p>
+          <a:p>
+            <a:pPr marL="342900" indent="-342900">
+              <a:defRPr sz="2400">
+                <a:latin typeface="DejaVu Sans Mono Nerd Font Complete"/>
+                <a:ea typeface="DejaVu Sans Mono Nerd Font Complete"/>
+                <a:cs typeface="DejaVu Sans Mono Nerd Font Complete"/>
+                <a:sym typeface="DejaVu Sans Mono Nerd Font Complete"/>
+              </a:defRPr>
+            </a:pPr>
+            <a:r>
+              <a:rPr>
+                <a:latin typeface="Consolas"/>
+                <a:ea typeface="Consolas"/>
+                <a:cs typeface="Consolas"/>
+                <a:sym typeface="Consolas"/>
+              </a:rPr>
+              <a:t>Cannot get the value of PMP CSRs on riscv-linux-gnu gdb.</a:t>
+            </a:r>
+            <a:endParaRPr>
+              <a:latin typeface="Consolas"/>
+              <a:ea typeface="Consolas"/>
+              <a:cs typeface="Consolas"/>
+              <a:sym typeface="Consolas"/>
+            </a:endParaRPr>
+          </a:p>
+          <a:p>
+            <a:pPr marL="342900" indent="-342900">
+              <a:defRPr sz="2400">
+                <a:latin typeface="DejaVu Sans Mono Nerd Font Complete"/>
+                <a:ea typeface="DejaVu Sans Mono Nerd Font Complete"/>
+                <a:cs typeface="DejaVu Sans Mono Nerd Font Complete"/>
+                <a:sym typeface="DejaVu Sans Mono Nerd Font Complete"/>
+              </a:defRPr>
+            </a:pPr>
+            <a:endParaRPr>
+              <a:latin typeface="Consolas"/>
+              <a:ea typeface="Consolas"/>
+              <a:cs typeface="Consolas"/>
+              <a:sym typeface="Consolas"/>
+            </a:endParaRPr>
+          </a:p>
+          <a:p>
+            <a:pPr marL="342900" indent="-342900">
+              <a:defRPr sz="2400">
+                <a:latin typeface="DejaVu Sans Mono Nerd Font Complete"/>
+                <a:ea typeface="DejaVu Sans Mono Nerd Font Complete"/>
+                <a:cs typeface="DejaVu Sans Mono Nerd Font Complete"/>
+                <a:sym typeface="DejaVu Sans Mono Nerd Font Complete"/>
+              </a:defRPr>
+            </a:pPr>
+            <a:endParaRPr>
+              <a:latin typeface="Consolas"/>
+              <a:ea typeface="Consolas"/>
+              <a:cs typeface="Consolas"/>
+              <a:sym typeface="Consolas"/>
+            </a:endParaRPr>
+          </a:p>
+          <a:p>
+            <a:pPr marL="342900" indent="-342900">
+              <a:defRPr sz="2400">
+                <a:latin typeface="DejaVu Sans Mono Nerd Font Complete"/>
+                <a:ea typeface="DejaVu Sans Mono Nerd Font Complete"/>
+                <a:cs typeface="DejaVu Sans Mono Nerd Font Complete"/>
+                <a:sym typeface="DejaVu Sans Mono Nerd Font Complete"/>
+              </a:defRPr>
+            </a:pPr>
+            <a:endParaRPr>
+              <a:latin typeface="Consolas"/>
+              <a:ea typeface="Consolas"/>
+              <a:cs typeface="Consolas"/>
+              <a:sym typeface="Consolas"/>
+            </a:endParaRPr>
+          </a:p>
+          <a:p>
+            <a:pPr marL="342900" indent="-342900">
+              <a:defRPr sz="2400">
+                <a:latin typeface="DejaVu Sans Mono Nerd Font Complete"/>
+                <a:ea typeface="DejaVu Sans Mono Nerd Font Complete"/>
+                <a:cs typeface="DejaVu Sans Mono Nerd Font Complete"/>
+                <a:sym typeface="DejaVu Sans Mono Nerd Font Complete"/>
+              </a:defRPr>
+            </a:pPr>
+            <a:endParaRPr>
+              <a:latin typeface="Consolas"/>
+              <a:ea typeface="Consolas"/>
+              <a:cs typeface="Consolas"/>
+              <a:sym typeface="Consolas"/>
+            </a:endParaRPr>
+          </a:p>
+          <a:p>
+            <a:pPr marL="342900" indent="-342900">
+              <a:defRPr sz="2400">
+                <a:latin typeface="DejaVu Sans Mono Nerd Font Complete"/>
+                <a:ea typeface="DejaVu Sans Mono Nerd Font Complete"/>
+                <a:cs typeface="DejaVu Sans Mono Nerd Font Complete"/>
+                <a:sym typeface="DejaVu Sans Mono Nerd Font Complete"/>
+              </a:defRPr>
+            </a:pPr>
+            <a:r>
+              <a:rPr>
+                <a:latin typeface="Consolas"/>
+                <a:ea typeface="Consolas"/>
+                <a:cs typeface="Consolas"/>
+                <a:sym typeface="Consolas"/>
+              </a:rPr>
+              <a:t>However, on the riscv-linux-gnu gdb manual:</a:t>
+            </a:r>
+          </a:p>
+        </p:txBody>
+      </p:sp>
+      <p:pic>
+        <p:nvPicPr>
+          <p:cNvPr id="280" name="图像" descr="图像"/>
+          <p:cNvPicPr>
+            <a:picLocks noChangeAspect="1"/>
+          </p:cNvPicPr>
+          <p:nvPr/>
+        </p:nvPicPr>
+        <p:blipFill>
+          <a:blip r:embed="rId3">
+            <a:extLst/>
+          </a:blip>
+          <a:stretch>
+            <a:fillRect/>
+          </a:stretch>
+        </p:blipFill>
+        <p:spPr>
+          <a:xfrm>
+            <a:off x="1867369" y="2552250"/>
+            <a:ext cx="4775201" cy="749301"/>
+          </a:xfrm>
+          <a:prstGeom prst="rect">
+            <a:avLst/>
+          </a:prstGeom>
+          <a:ln w="12700">
+            <a:miter lim="400000"/>
+          </a:ln>
+        </p:spPr>
+      </p:pic>
+      <p:pic>
+        <p:nvPicPr>
+          <p:cNvPr id="281" name="图像" descr="图像"/>
+          <p:cNvPicPr>
+            <a:picLocks noChangeAspect="1"/>
+          </p:cNvPicPr>
+          <p:nvPr/>
+        </p:nvPicPr>
+        <p:blipFill>
+          <a:blip r:embed="rId4">
+            <a:extLst/>
+          </a:blip>
+          <a:stretch>
+            <a:fillRect/>
+          </a:stretch>
+        </p:blipFill>
+        <p:spPr>
+          <a:xfrm>
+            <a:off x="1814852" y="4528569"/>
+            <a:ext cx="6502401" cy="1409701"/>
+          </a:xfrm>
+          <a:prstGeom prst="rect">
+            <a:avLst/>
+          </a:prstGeom>
+          <a:ln w="12700">
+            <a:miter lim="400000"/>
+          </a:ln>
+        </p:spPr>
+      </p:pic>
     </p:spTree>
   </p:cSld>
   <p:clrMapOvr>
@@ -5052,7 +9010,7 @@
       </p:grpSpPr>
       <p:sp>
         <p:nvSpPr>
-          <p:cNvPr id="155" name="标题 1"/>
+          <p:cNvPr id="164" name="标题 1"/>
           <p:cNvSpPr txBox="1"/>
           <p:nvPr>
             <p:ph type="title"/>
@@ -5060,8 +9018,8 @@
         </p:nvSpPr>
         <p:spPr>
           <a:xfrm>
-            <a:off x="838200" y="217804"/>
-            <a:ext cx="10515600" cy="1325564"/>
+            <a:off x="3081253" y="2766217"/>
+            <a:ext cx="11116272" cy="1325566"/>
           </a:xfrm>
           <a:prstGeom prst="rect">
             <a:avLst/>
@@ -5069,139 +9027,15 @@
         </p:spPr>
         <p:txBody>
           <a:bodyPr/>
-          <a:lstStyle/>
+          <a:lstStyle>
+            <a:lvl1pPr>
+              <a:defRPr b="1" sz="5300"/>
+            </a:lvl1pPr>
+          </a:lstStyle>
           <a:p>
             <a:pPr/>
             <a:r>
-              <a:t>Hidden Issues in RISC-V PMP</a:t>
-            </a:r>
-          </a:p>
-        </p:txBody>
-      </p:sp>
-      <p:sp>
-        <p:nvSpPr>
-          <p:cNvPr id="156" name="内容占位符 2"/>
-          <p:cNvSpPr txBox="1"/>
-          <p:nvPr>
-            <p:ph type="body" idx="1"/>
-          </p:nvPr>
-        </p:nvSpPr>
-        <p:spPr>
-          <a:xfrm>
-            <a:off x="838200" y="1253331"/>
-            <a:ext cx="10515600" cy="4351338"/>
-          </a:xfrm>
-          <a:prstGeom prst="rect">
-            <a:avLst/>
-          </a:prstGeom>
-        </p:spPr>
-        <p:txBody>
-          <a:bodyPr/>
-          <a:lstStyle/>
-          <a:p>
-            <a:pPr marL="0" indent="0">
-              <a:buSzTx/>
-              <a:buNone/>
-            </a:pPr>
-          </a:p>
-          <a:p>
-            <a:pPr marL="342900" indent="-342900">
-              <a:defRPr sz="2400"/>
-            </a:pPr>
-          </a:p>
-          <a:p>
-            <a:pPr marL="342900" indent="-342900">
-              <a:defRPr sz="2400">
-                <a:latin typeface="DejaVu Sans Mono Nerd Font Complete"/>
-                <a:ea typeface="DejaVu Sans Mono Nerd Font Complete"/>
-                <a:cs typeface="DejaVu Sans Mono Nerd Font Complete"/>
-                <a:sym typeface="DejaVu Sans Mono Nerd Font Complete"/>
-              </a:defRPr>
-            </a:pPr>
-            <a:r>
-              <a:t>Protection-key-use-after-free </a:t>
-            </a:r>
-            <a:r>
-              <a:rPr>
-                <a:solidFill>
-                  <a:schemeClr val="accent1"/>
-                </a:solidFill>
-              </a:rPr>
-              <a:t>TO BE CONTINUED</a:t>
-            </a:r>
-            <a:endParaRPr>
-              <a:latin typeface="Consolas"/>
-              <a:ea typeface="Consolas"/>
-              <a:cs typeface="Consolas"/>
-              <a:sym typeface="Consolas"/>
-            </a:endParaRPr>
-          </a:p>
-          <a:p>
-            <a:pPr marL="342900" indent="-342900">
-              <a:defRPr sz="2400">
-                <a:latin typeface="Consolas"/>
-                <a:ea typeface="Consolas"/>
-                <a:cs typeface="Consolas"/>
-                <a:sym typeface="Consolas"/>
-              </a:defRPr>
-            </a:pPr>
-          </a:p>
-          <a:p>
-            <a:pPr marL="342900" indent="-342900">
-              <a:defRPr sz="2400">
-                <a:latin typeface="DejaVu Sans Mono Nerd Font Complete"/>
-                <a:ea typeface="DejaVu Sans Mono Nerd Font Complete"/>
-                <a:cs typeface="DejaVu Sans Mono Nerd Font Complete"/>
-                <a:sym typeface="DejaVu Sans Mono Nerd Font Complete"/>
-              </a:defRPr>
-            </a:pPr>
-            <a:r>
-              <a:t>Protection key limitation </a:t>
-            </a:r>
-            <a:r>
-              <a:rPr>
-                <a:solidFill>
-                  <a:srgbClr val="FF2600"/>
-                </a:solidFill>
-              </a:rPr>
-              <a:t>EXISTS</a:t>
-            </a:r>
-            <a:endParaRPr>
-              <a:latin typeface="Consolas"/>
-              <a:ea typeface="Consolas"/>
-              <a:cs typeface="Consolas"/>
-              <a:sym typeface="Consolas"/>
-            </a:endParaRPr>
-          </a:p>
-          <a:p>
-            <a:pPr marL="342900" indent="-342900">
-              <a:defRPr sz="2400">
-                <a:latin typeface="Consolas"/>
-                <a:ea typeface="Consolas"/>
-                <a:cs typeface="Consolas"/>
-                <a:sym typeface="Consolas"/>
-              </a:defRPr>
-            </a:pPr>
-          </a:p>
-          <a:p>
-            <a:pPr marL="342900" indent="-342900">
-              <a:defRPr sz="2400">
-                <a:latin typeface="DejaVu Sans Mono Nerd Font Complete"/>
-                <a:ea typeface="DejaVu Sans Mono Nerd Font Complete"/>
-                <a:cs typeface="DejaVu Sans Mono Nerd Font Complete"/>
-                <a:sym typeface="DejaVu Sans Mono Nerd Font Complete"/>
-              </a:defRPr>
-            </a:pPr>
-            <a:r>
-              <a:t>Inter-thread synchronization </a:t>
-            </a:r>
-            <a:r>
-              <a:rPr>
-                <a:solidFill>
-                  <a:srgbClr val="008F00"/>
-                </a:solidFill>
-              </a:rPr>
-              <a:t>NOT EXIST</a:t>
+              <a:t>Problem Statement</a:t>
             </a:r>
           </a:p>
         </p:txBody>
@@ -5234,7 +9068,7 @@
       </p:grpSpPr>
       <p:sp>
         <p:nvSpPr>
-          <p:cNvPr id="160" name="标题 1"/>
+          <p:cNvPr id="168" name="标题 1"/>
           <p:cNvSpPr txBox="1"/>
           <p:nvPr>
             <p:ph type="title"/>
@@ -5255,14 +9089,14 @@
           <a:p>
             <a:pPr/>
             <a:r>
-              <a:t>Protection-key-use-after-free in PMP</a:t>
-            </a:r>
-          </a:p>
-        </p:txBody>
-      </p:sp>
-      <p:sp>
-        <p:nvSpPr>
-          <p:cNvPr id="161" name="内容占位符 2"/>
+              <a:t>Memory Protection</a:t>
+            </a:r>
+          </a:p>
+        </p:txBody>
+      </p:sp>
+      <p:sp>
+        <p:nvSpPr>
+          <p:cNvPr id="169" name="内容占位符 2"/>
           <p:cNvSpPr txBox="1"/>
           <p:nvPr>
             <p:ph type="body" idx="1"/>
@@ -5270,7 +9104,7 @@
         </p:nvSpPr>
         <p:spPr>
           <a:xfrm>
-            <a:off x="683707" y="970095"/>
+            <a:off x="602732" y="847803"/>
             <a:ext cx="10515601" cy="4351339"/>
           </a:xfrm>
           <a:prstGeom prst="rect">
@@ -5281,29 +9115,19 @@
           <a:bodyPr/>
           <a:lstStyle/>
           <a:p>
-            <a:pPr marL="0" indent="0" defTabSz="896111">
-              <a:spcBef>
-                <a:spcPts val="900"/>
-              </a:spcBef>
+            <a:pPr marL="0" indent="0">
               <a:buSzTx/>
               <a:buNone/>
-              <a:defRPr sz="2744"/>
-            </a:pPr>
-          </a:p>
-          <a:p>
-            <a:pPr marL="336042" indent="-336042" defTabSz="896111">
-              <a:spcBef>
-                <a:spcPts val="900"/>
-              </a:spcBef>
-              <a:defRPr sz="2352"/>
-            </a:pPr>
-          </a:p>
-          <a:p>
-            <a:pPr marL="336042" indent="-336042" defTabSz="896111">
-              <a:spcBef>
-                <a:spcPts val="900"/>
-              </a:spcBef>
-              <a:defRPr sz="2352">
+            </a:pPr>
+          </a:p>
+          <a:p>
+            <a:pPr marL="342900" indent="-342900">
+              <a:defRPr sz="2400"/>
+            </a:pPr>
+          </a:p>
+          <a:p>
+            <a:pPr marL="342900" indent="-342900">
+              <a:defRPr sz="2400">
                 <a:latin typeface="DejaVu Sans Mono Nerd Font Complete"/>
                 <a:ea typeface="DejaVu Sans Mono Nerd Font Complete"/>
                 <a:cs typeface="DejaVu Sans Mono Nerd Font Complete"/>
@@ -5311,168 +9135,53 @@
               </a:defRPr>
             </a:pPr>
             <a:r>
-              <a:t>Protection-key-use-after-free </a:t>
-            </a:r>
-            <a:r>
-              <a:rPr>
-                <a:solidFill>
-                  <a:schemeClr val="accent1"/>
-                </a:solidFill>
-              </a:rPr>
-              <a:t>TO BE CONTINUED</a:t>
-            </a:r>
-            <a:endParaRPr>
-              <a:latin typeface="Consolas"/>
-              <a:ea typeface="Consolas"/>
-              <a:cs typeface="Consolas"/>
-              <a:sym typeface="Consolas"/>
-            </a:endParaRPr>
-          </a:p>
-          <a:p>
-            <a:pPr marL="336042" indent="-336042" defTabSz="896111">
-              <a:spcBef>
-                <a:spcPts val="900"/>
-              </a:spcBef>
-              <a:defRPr sz="2352">
-                <a:latin typeface="Consolas"/>
-                <a:ea typeface="Consolas"/>
-                <a:cs typeface="Consolas"/>
-                <a:sym typeface="Consolas"/>
-              </a:defRPr>
-            </a:pPr>
-          </a:p>
-          <a:p>
-            <a:pPr lvl="1" marL="784098" indent="-336042" defTabSz="896111">
-              <a:spcBef>
-                <a:spcPts val="900"/>
-              </a:spcBef>
-              <a:defRPr sz="2352">
+              <a:t>Provide a mechanism to manage the privilege of memory access.</a:t>
+            </a:r>
+          </a:p>
+          <a:p>
+            <a:pPr marL="342900" indent="-342900">
+              <a:defRPr sz="2400">
                 <a:latin typeface="DejaVu Sans Mono Nerd Font Complete"/>
                 <a:ea typeface="DejaVu Sans Mono Nerd Font Complete"/>
                 <a:cs typeface="DejaVu Sans Mono Nerd Font Complete"/>
                 <a:sym typeface="DejaVu Sans Mono Nerd Font Complete"/>
               </a:defRPr>
             </a:pPr>
-            <a:r>
-              <a:rPr>
-                <a:latin typeface="Consolas"/>
-                <a:ea typeface="Consolas"/>
-                <a:cs typeface="Consolas"/>
-                <a:sym typeface="Consolas"/>
-              </a:rPr>
-              <a:t>RISC-V PMP uses </a:t>
-            </a:r>
-            <a:r>
-              <a:rPr>
-                <a:latin typeface="Consolas"/>
-                <a:ea typeface="Consolas"/>
-                <a:cs typeface="Consolas"/>
-                <a:sym typeface="Consolas"/>
-              </a:rPr>
-              <a:t>PMP entries</a:t>
-            </a:r>
-            <a:r>
-              <a:rPr>
-                <a:latin typeface="Consolas"/>
-                <a:ea typeface="Consolas"/>
-                <a:cs typeface="Consolas"/>
-                <a:sym typeface="Consolas"/>
-              </a:rPr>
-              <a:t> instead of protection key.</a:t>
-            </a:r>
-            <a:endParaRPr>
-              <a:latin typeface="Consolas"/>
-              <a:ea typeface="Consolas"/>
-              <a:cs typeface="Consolas"/>
-              <a:sym typeface="Consolas"/>
-            </a:endParaRPr>
-          </a:p>
-          <a:p>
-            <a:pPr lvl="1" marL="784098" indent="-336042" defTabSz="896111">
-              <a:spcBef>
-                <a:spcPts val="900"/>
-              </a:spcBef>
-              <a:defRPr sz="2352">
+          </a:p>
+          <a:p>
+            <a:pPr marL="342900" indent="-342900">
+              <a:defRPr sz="2400">
                 <a:latin typeface="DejaVu Sans Mono Nerd Font Complete"/>
                 <a:ea typeface="DejaVu Sans Mono Nerd Font Complete"/>
                 <a:cs typeface="DejaVu Sans Mono Nerd Font Complete"/>
                 <a:sym typeface="DejaVu Sans Mono Nerd Font Complete"/>
               </a:defRPr>
             </a:pPr>
-            <a:endParaRPr>
-              <a:latin typeface="Consolas"/>
-              <a:ea typeface="Consolas"/>
-              <a:cs typeface="Consolas"/>
-              <a:sym typeface="Consolas"/>
-            </a:endParaRPr>
-          </a:p>
-          <a:p>
-            <a:pPr lvl="1" marL="784098" indent="-336042" defTabSz="896111">
-              <a:spcBef>
-                <a:spcPts val="900"/>
-              </a:spcBef>
-              <a:defRPr sz="2352">
+            <a:r>
+              <a:t>In Linux, mprotect is used to set access privilege of different memory segments.</a:t>
+            </a:r>
+          </a:p>
+          <a:p>
+            <a:pPr marL="342900" indent="-342900">
+              <a:defRPr sz="2400">
                 <a:latin typeface="DejaVu Sans Mono Nerd Font Complete"/>
                 <a:ea typeface="DejaVu Sans Mono Nerd Font Complete"/>
                 <a:cs typeface="DejaVu Sans Mono Nerd Font Complete"/>
                 <a:sym typeface="DejaVu Sans Mono Nerd Font Complete"/>
               </a:defRPr>
             </a:pPr>
-            <a:r>
-              <a:rPr>
-                <a:latin typeface="Consolas"/>
-                <a:ea typeface="Consolas"/>
-                <a:cs typeface="Consolas"/>
-                <a:sym typeface="Consolas"/>
-              </a:rPr>
-              <a:t>When hart is reset, all PMP entries will be reset.</a:t>
-            </a:r>
-            <a:endParaRPr>
-              <a:latin typeface="Consolas"/>
-              <a:ea typeface="Consolas"/>
-              <a:cs typeface="Consolas"/>
-              <a:sym typeface="Consolas"/>
-            </a:endParaRPr>
-          </a:p>
-          <a:p>
-            <a:pPr lvl="1" marL="784098" indent="-336042" defTabSz="896111">
-              <a:spcBef>
-                <a:spcPts val="900"/>
-              </a:spcBef>
-              <a:defRPr sz="2352">
+          </a:p>
+          <a:p>
+            <a:pPr marL="342900" indent="-342900">
+              <a:defRPr sz="2400">
                 <a:latin typeface="DejaVu Sans Mono Nerd Font Complete"/>
                 <a:ea typeface="DejaVu Sans Mono Nerd Font Complete"/>
                 <a:cs typeface="DejaVu Sans Mono Nerd Font Complete"/>
                 <a:sym typeface="DejaVu Sans Mono Nerd Font Complete"/>
               </a:defRPr>
             </a:pPr>
-            <a:endParaRPr>
-              <a:latin typeface="Consolas"/>
-              <a:ea typeface="Consolas"/>
-              <a:cs typeface="Consolas"/>
-              <a:sym typeface="Consolas"/>
-            </a:endParaRPr>
-          </a:p>
-          <a:p>
-            <a:pPr lvl="1" marL="784098" indent="-336042" defTabSz="896111">
-              <a:spcBef>
-                <a:spcPts val="900"/>
-              </a:spcBef>
-              <a:defRPr sz="2352">
-                <a:latin typeface="DejaVu Sans Mono Nerd Font Complete"/>
-                <a:ea typeface="DejaVu Sans Mono Nerd Font Complete"/>
-                <a:cs typeface="DejaVu Sans Mono Nerd Font Complete"/>
-                <a:sym typeface="DejaVu Sans Mono Nerd Font Complete"/>
-              </a:defRPr>
-            </a:pPr>
-            <a:r>
-              <a:rPr>
-                <a:latin typeface="Consolas"/>
-                <a:ea typeface="Consolas"/>
-                <a:cs typeface="Consolas"/>
-                <a:sym typeface="Consolas"/>
-              </a:rPr>
-              <a:t>No specification on the interaction between PMP entry and PTE, depends on concrete implementation.</a:t>
+            <a:r>
+              <a:t>Usually implemented by set the bits in PTE (low efficiency). </a:t>
             </a:r>
           </a:p>
         </p:txBody>
@@ -5505,7 +9214,7 @@
       </p:grpSpPr>
       <p:sp>
         <p:nvSpPr>
-          <p:cNvPr id="165" name="标题 1"/>
+          <p:cNvPr id="173" name="标题 1"/>
           <p:cNvSpPr txBox="1"/>
           <p:nvPr>
             <p:ph type="title"/>
@@ -5526,14 +9235,14 @@
           <a:p>
             <a:pPr/>
             <a:r>
-              <a:t>Protection key limitation in PMP</a:t>
-            </a:r>
-          </a:p>
-        </p:txBody>
-      </p:sp>
-      <p:sp>
-        <p:nvSpPr>
-          <p:cNvPr id="166" name="内容占位符 2"/>
+              <a:t>Intel MPK</a:t>
+            </a:r>
+          </a:p>
+        </p:txBody>
+      </p:sp>
+      <p:sp>
+        <p:nvSpPr>
+          <p:cNvPr id="174" name="内容占位符 2"/>
           <p:cNvSpPr txBox="1"/>
           <p:nvPr>
             <p:ph type="body" idx="1"/>
@@ -5542,7 +9251,7 @@
         <p:spPr>
           <a:xfrm>
             <a:off x="838200" y="1253331"/>
-            <a:ext cx="10515600" cy="4351338"/>
+            <a:ext cx="10515601" cy="4351338"/>
           </a:xfrm>
           <a:prstGeom prst="rect">
             <a:avLst/>
@@ -5551,6 +9260,17 @@
         <p:txBody>
           <a:bodyPr/>
           <a:lstStyle/>
+          <a:p>
+            <a:pPr marL="0" indent="0">
+              <a:buSzTx/>
+              <a:buNone/>
+            </a:pPr>
+          </a:p>
+          <a:p>
+            <a:pPr marL="342900" indent="-342900">
+              <a:defRPr sz="2400"/>
+            </a:pPr>
+          </a:p>
           <a:p>
             <a:pPr marL="342900" indent="-342900">
               <a:defRPr sz="2400">
@@ -5560,22 +9280,9 @@
                 <a:sym typeface="DejaVu Sans Mono Nerd Font Complete"/>
               </a:defRPr>
             </a:pPr>
-            <a:endParaRPr>
-              <a:latin typeface="Consolas"/>
-              <a:ea typeface="Consolas"/>
-              <a:cs typeface="Consolas"/>
-              <a:sym typeface="Consolas"/>
-            </a:endParaRPr>
-          </a:p>
-          <a:p>
-            <a:pPr marL="342900" indent="-342900">
-              <a:defRPr sz="2400">
-                <a:latin typeface="Consolas"/>
-                <a:ea typeface="Consolas"/>
-                <a:cs typeface="Consolas"/>
-                <a:sym typeface="Consolas"/>
-              </a:defRPr>
-            </a:pPr>
+            <a:r>
+              <a:t>Group several pages into a page group.</a:t>
+            </a:r>
           </a:p>
           <a:p>
             <a:pPr marL="342900" indent="-342900">
@@ -5586,36 +9293,9 @@
                 <a:sym typeface="DejaVu Sans Mono Nerd Font Complete"/>
               </a:defRPr>
             </a:pPr>
-            <a:r>
-              <a:t>Protection key limitation </a:t>
-            </a:r>
-            <a:r>
-              <a:rPr>
-                <a:solidFill>
-                  <a:srgbClr val="FF2600"/>
-                </a:solidFill>
-              </a:rPr>
-              <a:t>EXISTS</a:t>
-            </a:r>
-            <a:endParaRPr>
-              <a:latin typeface="Consolas"/>
-              <a:ea typeface="Consolas"/>
-              <a:cs typeface="Consolas"/>
-              <a:sym typeface="Consolas"/>
-            </a:endParaRPr>
           </a:p>
           <a:p>
             <a:pPr marL="342900" indent="-342900">
-              <a:defRPr sz="2400">
-                <a:latin typeface="Consolas"/>
-                <a:ea typeface="Consolas"/>
-                <a:cs typeface="Consolas"/>
-                <a:sym typeface="Consolas"/>
-              </a:defRPr>
-            </a:pPr>
-          </a:p>
-          <a:p>
-            <a:pPr lvl="1" marL="800100" indent="-342900">
               <a:defRPr sz="2400">
                 <a:latin typeface="DejaVu Sans Mono Nerd Font Complete"/>
                 <a:ea typeface="DejaVu Sans Mono Nerd Font Complete"/>
@@ -5624,54 +9304,7 @@
               </a:defRPr>
             </a:pPr>
             <a:r>
-              <a:rPr>
-                <a:latin typeface="Consolas"/>
-                <a:ea typeface="Consolas"/>
-                <a:cs typeface="Consolas"/>
-                <a:sym typeface="Consolas"/>
-              </a:rPr>
-              <a:t>Each hart only has 16 PMP entries.</a:t>
-            </a:r>
-            <a:endParaRPr>
-              <a:latin typeface="Consolas"/>
-              <a:ea typeface="Consolas"/>
-              <a:cs typeface="Consolas"/>
-              <a:sym typeface="Consolas"/>
-            </a:endParaRPr>
-          </a:p>
-          <a:p>
-            <a:pPr lvl="1" marL="800100" indent="-342900">
-              <a:defRPr sz="2400">
-                <a:latin typeface="DejaVu Sans Mono Nerd Font Complete"/>
-                <a:ea typeface="DejaVu Sans Mono Nerd Font Complete"/>
-                <a:cs typeface="DejaVu Sans Mono Nerd Font Complete"/>
-                <a:sym typeface="DejaVu Sans Mono Nerd Font Complete"/>
-              </a:defRPr>
-            </a:pPr>
-            <a:endParaRPr>
-              <a:latin typeface="Consolas"/>
-              <a:ea typeface="Consolas"/>
-              <a:cs typeface="Consolas"/>
-              <a:sym typeface="Consolas"/>
-            </a:endParaRPr>
-          </a:p>
-          <a:p>
-            <a:pPr lvl="1" marL="800100" indent="-342900">
-              <a:defRPr sz="2400">
-                <a:latin typeface="DejaVu Sans Mono Nerd Font Complete"/>
-                <a:ea typeface="DejaVu Sans Mono Nerd Font Complete"/>
-                <a:cs typeface="DejaVu Sans Mono Nerd Font Complete"/>
-                <a:sym typeface="DejaVu Sans Mono Nerd Font Complete"/>
-              </a:defRPr>
-            </a:pPr>
-            <a:r>
-              <a:rPr>
-                <a:latin typeface="Consolas"/>
-                <a:ea typeface="Consolas"/>
-                <a:cs typeface="Consolas"/>
-                <a:sym typeface="Consolas"/>
-              </a:rPr>
-              <a:t>If a hart request for 17 memory isolation request, one of the PMP entries will be overwritten.</a:t>
+              <a:t>Use 16 memory protection keys (stored in a thread level PKRU register) to encode the privilege of one page group</a:t>
             </a:r>
           </a:p>
         </p:txBody>
@@ -5704,7 +9337,7 @@
       </p:grpSpPr>
       <p:sp>
         <p:nvSpPr>
-          <p:cNvPr id="170" name="标题 1"/>
+          <p:cNvPr id="178" name="标题 1"/>
           <p:cNvSpPr txBox="1"/>
           <p:nvPr>
             <p:ph type="title"/>
@@ -5725,14 +9358,14 @@
           <a:p>
             <a:pPr/>
             <a:r>
-              <a:t>Hidden Issues in RISC-V PMP</a:t>
-            </a:r>
-          </a:p>
-        </p:txBody>
-      </p:sp>
-      <p:sp>
-        <p:nvSpPr>
-          <p:cNvPr id="171" name="内容占位符 2"/>
+              <a:t>Hidden issues in MPK</a:t>
+            </a:r>
+          </a:p>
+        </p:txBody>
+      </p:sp>
+      <p:sp>
+        <p:nvSpPr>
+          <p:cNvPr id="179" name="内容占位符 2"/>
           <p:cNvSpPr txBox="1"/>
           <p:nvPr>
             <p:ph type="body" idx="1"/>
@@ -5750,6 +9383,17 @@
         <p:txBody>
           <a:bodyPr/>
           <a:lstStyle/>
+          <a:p>
+            <a:pPr marL="0" indent="0">
+              <a:buSzTx/>
+              <a:buNone/>
+            </a:pPr>
+          </a:p>
+          <a:p>
+            <a:pPr marL="342900" indent="-342900">
+              <a:defRPr sz="2400"/>
+            </a:pPr>
+          </a:p>
           <a:p>
             <a:pPr marL="342900" indent="-342900">
               <a:defRPr sz="2400">
@@ -5759,6 +9403,25 @@
                 <a:sym typeface="DejaVu Sans Mono Nerd Font Complete"/>
               </a:defRPr>
             </a:pPr>
+            <a:r>
+              <a:t>Protection-key-use-after-free</a:t>
+            </a:r>
+            <a:endParaRPr>
+              <a:latin typeface="Consolas"/>
+              <a:ea typeface="Consolas"/>
+              <a:cs typeface="Consolas"/>
+              <a:sym typeface="Consolas"/>
+            </a:endParaRPr>
+          </a:p>
+          <a:p>
+            <a:pPr marL="342900" indent="-342900">
+              <a:defRPr sz="2400">
+                <a:latin typeface="Consolas"/>
+                <a:ea typeface="Consolas"/>
+                <a:cs typeface="Consolas"/>
+                <a:sym typeface="Consolas"/>
+              </a:defRPr>
+            </a:pPr>
           </a:p>
           <a:p>
             <a:pPr marL="342900" indent="-342900">
@@ -5769,6 +9432,9 @@
                 <a:sym typeface="DejaVu Sans Mono Nerd Font Complete"/>
               </a:defRPr>
             </a:pPr>
+            <a:r>
+              <a:t>Protection key limitation</a:t>
+            </a:r>
             <a:endParaRPr>
               <a:latin typeface="Consolas"/>
               <a:ea typeface="Consolas"/>
@@ -5779,28 +9445,12 @@
           <a:p>
             <a:pPr marL="342900" indent="-342900">
               <a:defRPr sz="2400">
-                <a:latin typeface="DejaVu Sans Mono Nerd Font Complete"/>
-                <a:ea typeface="DejaVu Sans Mono Nerd Font Complete"/>
-                <a:cs typeface="DejaVu Sans Mono Nerd Font Complete"/>
-                <a:sym typeface="DejaVu Sans Mono Nerd Font Complete"/>
-              </a:defRPr>
-            </a:pPr>
-            <a:r>
-              <a:t>Inter-thread synchronization </a:t>
-            </a:r>
-            <a:r>
-              <a:rPr>
-                <a:solidFill>
-                  <a:srgbClr val="008F00"/>
-                </a:solidFill>
-              </a:rPr>
-              <a:t>NOT EXIST</a:t>
-            </a:r>
-            <a:endParaRPr>
-              <a:solidFill>
-                <a:srgbClr val="008F00"/>
-              </a:solidFill>
-            </a:endParaRPr>
+                <a:latin typeface="Consolas"/>
+                <a:ea typeface="Consolas"/>
+                <a:cs typeface="Consolas"/>
+                <a:sym typeface="Consolas"/>
+              </a:defRPr>
+            </a:pPr>
           </a:p>
           <a:p>
             <a:pPr marL="342900" indent="-342900">
@@ -5811,46 +9461,66 @@
                 <a:sym typeface="DejaVu Sans Mono Nerd Font Complete"/>
               </a:defRPr>
             </a:pPr>
-            <a:endParaRPr>
-              <a:solidFill>
-                <a:srgbClr val="008F00"/>
-              </a:solidFill>
-            </a:endParaRPr>
-          </a:p>
-          <a:p>
-            <a:pPr lvl="1" marL="800100" indent="-342900">
-              <a:defRPr sz="2400">
-                <a:latin typeface="DejaVu Sans Mono Nerd Font Complete"/>
-                <a:ea typeface="DejaVu Sans Mono Nerd Font Complete"/>
-                <a:cs typeface="DejaVu Sans Mono Nerd Font Complete"/>
-                <a:sym typeface="DejaVu Sans Mono Nerd Font Complete"/>
-              </a:defRPr>
-            </a:pPr>
-            <a:r>
-              <a:t>Each hart has its own 16 PMP entries.</a:t>
-            </a:r>
-          </a:p>
-          <a:p>
-            <a:pPr lvl="1" marL="800100" indent="-342900">
-              <a:defRPr sz="2400">
-                <a:latin typeface="DejaVu Sans Mono Nerd Font Complete"/>
-                <a:ea typeface="DejaVu Sans Mono Nerd Font Complete"/>
-                <a:cs typeface="DejaVu Sans Mono Nerd Font Complete"/>
-                <a:sym typeface="DejaVu Sans Mono Nerd Font Complete"/>
-              </a:defRPr>
-            </a:pPr>
-          </a:p>
-          <a:p>
-            <a:pPr lvl="1" marL="800100" indent="-342900">
-              <a:defRPr sz="2400">
-                <a:latin typeface="DejaVu Sans Mono Nerd Font Complete"/>
-                <a:ea typeface="DejaVu Sans Mono Nerd Font Complete"/>
-                <a:cs typeface="DejaVu Sans Mono Nerd Font Complete"/>
-                <a:sym typeface="DejaVu Sans Mono Nerd Font Complete"/>
-              </a:defRPr>
-            </a:pPr>
-            <a:r>
-              <a:t>All the software thread shares the same PMP entries.</a:t>
+            <a:r>
+              <a:t>Inter-thread synchronization for multi-thread programs</a:t>
+            </a:r>
+          </a:p>
+        </p:txBody>
+      </p:sp>
+      <p:sp>
+        <p:nvSpPr>
+          <p:cNvPr id="180" name="标题 1"/>
+          <p:cNvSpPr txBox="1"/>
+          <p:nvPr/>
+        </p:nvSpPr>
+        <p:spPr>
+          <a:xfrm>
+            <a:off x="982096" y="4792529"/>
+            <a:ext cx="10515601" cy="1325565"/>
+          </a:xfrm>
+          <a:prstGeom prst="rect">
+            <a:avLst/>
+          </a:prstGeom>
+          <a:ln w="12700">
+            <a:miter lim="400000"/>
+          </a:ln>
+          <a:extLst>
+            <a:ext uri="{C572A759-6A51-4108-AA02-DFA0A04FC94B}">
+              <ma14:wrappingTextBoxFlag xmlns:ma14="http://schemas.microsoft.com/office/mac/drawingml/2011/main" val="1"/>
+            </a:ext>
+          </a:extLst>
+        </p:spPr>
+        <p:txBody>
+          <a:bodyPr lIns="45718" tIns="45718" rIns="45718" bIns="45718" anchor="ctr">
+            <a:normAutofit fontScale="100000" lnSpcReduction="0"/>
+          </a:bodyPr>
+          <a:lstStyle/>
+          <a:p>
+            <a:pPr>
+              <a:lnSpc>
+                <a:spcPct val="90000"/>
+              </a:lnSpc>
+              <a:defRPr sz="4400">
+                <a:latin typeface="Calibri"/>
+                <a:ea typeface="Calibri"/>
+                <a:cs typeface="Calibri"/>
+                <a:sym typeface="Calibri"/>
+              </a:defRPr>
+            </a:pPr>
+            <a:r>
+              <a:t>Those issues have been fixed by </a:t>
+            </a:r>
+            <a:r>
+              <a:rPr>
+                <a:latin typeface="Consolas"/>
+                <a:ea typeface="Consolas"/>
+                <a:cs typeface="Consolas"/>
+                <a:sym typeface="Consolas"/>
+              </a:rPr>
+              <a:t>libmpk</a:t>
+            </a:r>
+            <a:r>
+              <a:t>.</a:t>
             </a:r>
           </a:p>
         </p:txBody>
@@ -5883,7 +9553,7 @@
       </p:grpSpPr>
       <p:sp>
         <p:nvSpPr>
-          <p:cNvPr id="175" name="标题 1"/>
+          <p:cNvPr id="184" name="标题 1"/>
           <p:cNvSpPr txBox="1"/>
           <p:nvPr>
             <p:ph type="title"/>
@@ -5904,7 +9574,153 @@
           <a:p>
             <a:pPr/>
             <a:r>
-              <a:t>Proposed New Solution to PKL</a:t>
+              <a:t>RISC-V Physical Memory Protection (PMP)</a:t>
+            </a:r>
+          </a:p>
+        </p:txBody>
+      </p:sp>
+      <p:sp>
+        <p:nvSpPr>
+          <p:cNvPr id="185" name="内容占位符 2"/>
+          <p:cNvSpPr txBox="1"/>
+          <p:nvPr>
+            <p:ph type="body" idx="1"/>
+          </p:nvPr>
+        </p:nvSpPr>
+        <p:spPr>
+          <a:xfrm>
+            <a:off x="733547" y="939373"/>
+            <a:ext cx="10515601" cy="4351339"/>
+          </a:xfrm>
+          <a:prstGeom prst="rect">
+            <a:avLst/>
+          </a:prstGeom>
+        </p:spPr>
+        <p:txBody>
+          <a:bodyPr/>
+          <a:lstStyle/>
+          <a:p>
+            <a:pPr marL="0" indent="0" defTabSz="841247">
+              <a:spcBef>
+                <a:spcPts val="900"/>
+              </a:spcBef>
+              <a:buSzTx/>
+              <a:buNone/>
+              <a:defRPr sz="2576"/>
+            </a:pPr>
+          </a:p>
+          <a:p>
+            <a:pPr marL="315468" indent="-315468" defTabSz="841247">
+              <a:spcBef>
+                <a:spcPts val="900"/>
+              </a:spcBef>
+              <a:defRPr sz="2208"/>
+            </a:pPr>
+          </a:p>
+          <a:p>
+            <a:pPr marL="315468" indent="-315468" defTabSz="841247">
+              <a:spcBef>
+                <a:spcPts val="900"/>
+              </a:spcBef>
+              <a:defRPr sz="2208">
+                <a:latin typeface="DejaVu Sans Mono Nerd Font Complete"/>
+                <a:ea typeface="DejaVu Sans Mono Nerd Font Complete"/>
+                <a:cs typeface="DejaVu Sans Mono Nerd Font Complete"/>
+                <a:sym typeface="DejaVu Sans Mono Nerd Font Complete"/>
+              </a:defRPr>
+            </a:pPr>
+            <a:r>
+              <a:t>Provide a per-hart level physical memory access privilege.</a:t>
+            </a:r>
+          </a:p>
+          <a:p>
+            <a:pPr marL="315468" indent="-315468" defTabSz="841247">
+              <a:spcBef>
+                <a:spcPts val="900"/>
+              </a:spcBef>
+              <a:defRPr sz="2208">
+                <a:latin typeface="DejaVu Sans Mono Nerd Font Complete"/>
+                <a:ea typeface="DejaVu Sans Mono Nerd Font Complete"/>
+                <a:cs typeface="DejaVu Sans Mono Nerd Font Complete"/>
+                <a:sym typeface="DejaVu Sans Mono Nerd Font Complete"/>
+              </a:defRPr>
+            </a:pPr>
+          </a:p>
+          <a:p>
+            <a:pPr marL="315468" indent="-315468" defTabSz="841247">
+              <a:spcBef>
+                <a:spcPts val="900"/>
+              </a:spcBef>
+              <a:defRPr sz="2208">
+                <a:latin typeface="DejaVu Sans Mono Nerd Font Complete"/>
+                <a:ea typeface="DejaVu Sans Mono Nerd Font Complete"/>
+                <a:cs typeface="DejaVu Sans Mono Nerd Font Complete"/>
+                <a:sym typeface="DejaVu Sans Mono Nerd Font Complete"/>
+              </a:defRPr>
+            </a:pPr>
+            <a:r>
+              <a:t>Use 16 PMP entries instead of protection key.</a:t>
+            </a:r>
+          </a:p>
+          <a:p>
+            <a:pPr marL="315468" indent="-315468" defTabSz="841247">
+              <a:spcBef>
+                <a:spcPts val="900"/>
+              </a:spcBef>
+              <a:defRPr sz="2208">
+                <a:latin typeface="DejaVu Sans Mono Nerd Font Complete"/>
+                <a:ea typeface="DejaVu Sans Mono Nerd Font Complete"/>
+                <a:cs typeface="DejaVu Sans Mono Nerd Font Complete"/>
+                <a:sym typeface="DejaVu Sans Mono Nerd Font Complete"/>
+              </a:defRPr>
+            </a:pPr>
+          </a:p>
+          <a:p>
+            <a:pPr marL="315468" indent="-315468" defTabSz="841247">
+              <a:spcBef>
+                <a:spcPts val="900"/>
+              </a:spcBef>
+              <a:defRPr sz="2208">
+                <a:latin typeface="DejaVu Sans Mono Nerd Font Complete"/>
+                <a:ea typeface="DejaVu Sans Mono Nerd Font Complete"/>
+                <a:cs typeface="DejaVu Sans Mono Nerd Font Complete"/>
+                <a:sym typeface="DejaVu Sans Mono Nerd Font Complete"/>
+              </a:defRPr>
+            </a:pPr>
+            <a:r>
+              <a:t>PMP entries consist of configuration registers and address registers</a:t>
+            </a:r>
+          </a:p>
+          <a:p>
+            <a:pPr lvl="1" marL="736092" indent="-315468" defTabSz="841247">
+              <a:spcBef>
+                <a:spcPts val="900"/>
+              </a:spcBef>
+              <a:defRPr sz="2208">
+                <a:latin typeface="DejaVu Sans Mono Nerd Font Complete"/>
+                <a:ea typeface="DejaVu Sans Mono Nerd Font Complete"/>
+                <a:cs typeface="DejaVu Sans Mono Nerd Font Complete"/>
+                <a:sym typeface="DejaVu Sans Mono Nerd Font Complete"/>
+              </a:defRPr>
+            </a:pPr>
+            <a:r>
+              <a:t>Configuration register: use several bits to encode privilege</a:t>
+            </a:r>
+          </a:p>
+          <a:p>
+            <a:pPr lvl="1" marL="736092" indent="-315468" defTabSz="841247">
+              <a:spcBef>
+                <a:spcPts val="900"/>
+              </a:spcBef>
+              <a:defRPr sz="2208">
+                <a:latin typeface="DejaVu Sans Mono Nerd Font Complete"/>
+                <a:ea typeface="DejaVu Sans Mono Nerd Font Complete"/>
+                <a:cs typeface="DejaVu Sans Mono Nerd Font Complete"/>
+                <a:sym typeface="DejaVu Sans Mono Nerd Font Complete"/>
+              </a:defRPr>
+            </a:pPr>
+            <a:r>
+              <a:t>Address register: Specify the managed memory region</a:t>
             </a:r>
           </a:p>
         </p:txBody>
@@ -5937,7 +9753,7 @@
       </p:grpSpPr>
       <p:sp>
         <p:nvSpPr>
-          <p:cNvPr id="179" name="标题 1"/>
+          <p:cNvPr id="189" name="标题 1"/>
           <p:cNvSpPr txBox="1"/>
           <p:nvPr>
             <p:ph type="title"/>
@@ -5958,11 +9774,69 @@
           <a:p>
             <a:pPr/>
             <a:r>
-              <a:t>Future Research Plan</a:t>
-            </a:r>
-          </a:p>
-        </p:txBody>
-      </p:sp>
+              <a:t>RISC-V Physical Memory Protection (PMP)</a:t>
+            </a:r>
+          </a:p>
+        </p:txBody>
+      </p:sp>
+      <p:pic>
+        <p:nvPicPr>
+          <p:cNvPr id="190" name="图像" descr="图像"/>
+          <p:cNvPicPr>
+            <a:picLocks noChangeAspect="1"/>
+          </p:cNvPicPr>
+          <p:nvPr/>
+        </p:nvPicPr>
+        <p:blipFill>
+          <a:blip r:embed="rId3">
+            <a:extLst/>
+          </a:blip>
+          <a:stretch>
+            <a:fillRect/>
+          </a:stretch>
+        </p:blipFill>
+        <p:spPr>
+          <a:xfrm>
+            <a:off x="641976" y="2154939"/>
+            <a:ext cx="5106925" cy="3125791"/>
+          </a:xfrm>
+          <a:prstGeom prst="rect">
+            <a:avLst/>
+          </a:prstGeom>
+          <a:ln w="12700">
+            <a:miter lim="400000"/>
+          </a:ln>
+        </p:spPr>
+      </p:pic>
+      <p:pic>
+        <p:nvPicPr>
+          <p:cNvPr id="191" name="图像" descr="图像"/>
+          <p:cNvPicPr>
+            <a:picLocks noChangeAspect="1"/>
+          </p:cNvPicPr>
+          <p:nvPr/>
+        </p:nvPicPr>
+        <p:blipFill>
+          <a:blip r:embed="rId4">
+            <a:extLst/>
+          </a:blip>
+          <a:stretch>
+            <a:fillRect/>
+          </a:stretch>
+        </p:blipFill>
+        <p:spPr>
+          <a:xfrm>
+            <a:off x="5997942" y="2882900"/>
+            <a:ext cx="5664201" cy="1092201"/>
+          </a:xfrm>
+          <a:prstGeom prst="rect">
+            <a:avLst/>
+          </a:prstGeom>
+          <a:ln w="12700">
+            <a:miter lim="400000"/>
+          </a:ln>
+        </p:spPr>
+      </p:pic>
     </p:spTree>
   </p:cSld>
   <p:clrMapOvr>
@@ -5991,7 +9865,7 @@
       </p:grpSpPr>
       <p:sp>
         <p:nvSpPr>
-          <p:cNvPr id="183" name="标题 1"/>
+          <p:cNvPr id="195" name="标题 1"/>
           <p:cNvSpPr txBox="1"/>
           <p:nvPr>
             <p:ph type="title"/>
@@ -6012,14 +9886,14 @@
           <a:p>
             <a:pPr/>
             <a:r>
-              <a:t>Current Work</a:t>
-            </a:r>
-          </a:p>
-        </p:txBody>
-      </p:sp>
-      <p:sp>
-        <p:nvSpPr>
-          <p:cNvPr id="184" name="内容占位符 2"/>
+              <a:t>Whether those three issues exist in PMP?</a:t>
+            </a:r>
+          </a:p>
+        </p:txBody>
+      </p:sp>
+      <p:sp>
+        <p:nvSpPr>
+          <p:cNvPr id="196" name="内容占位符 2"/>
           <p:cNvSpPr txBox="1"/>
           <p:nvPr>
             <p:ph type="body" idx="1"/>
@@ -6027,8 +9901,8 @@
         </p:nvSpPr>
         <p:spPr>
           <a:xfrm>
-            <a:off x="838200" y="751231"/>
-            <a:ext cx="10515600" cy="4351339"/>
+            <a:off x="838200" y="1253331"/>
+            <a:ext cx="10515600" cy="4351338"/>
           </a:xfrm>
           <a:prstGeom prst="rect">
             <a:avLst/>
@@ -6037,6 +9911,17 @@
         <p:txBody>
           <a:bodyPr/>
           <a:lstStyle/>
+          <a:p>
+            <a:pPr marL="0" indent="0">
+              <a:buSzTx/>
+              <a:buNone/>
+            </a:pPr>
+          </a:p>
+          <a:p>
+            <a:pPr marL="342900" indent="-342900">
+              <a:defRPr sz="2400"/>
+            </a:pPr>
+          </a:p>
           <a:p>
             <a:pPr marL="342900" indent="-342900">
               <a:defRPr sz="2400">
@@ -6046,6 +9931,33 @@
                 <a:sym typeface="DejaVu Sans Mono Nerd Font Complete"/>
               </a:defRPr>
             </a:pPr>
+            <a:r>
+              <a:t>Protection-key-use-after-free </a:t>
+            </a:r>
+            <a:r>
+              <a:rPr>
+                <a:solidFill>
+                  <a:schemeClr val="accent1"/>
+                </a:solidFill>
+              </a:rPr>
+              <a:t>TO BE CONTINUED</a:t>
+            </a:r>
+            <a:endParaRPr>
+              <a:latin typeface="Consolas"/>
+              <a:ea typeface="Consolas"/>
+              <a:cs typeface="Consolas"/>
+              <a:sym typeface="Consolas"/>
+            </a:endParaRPr>
+          </a:p>
+          <a:p>
+            <a:pPr marL="342900" indent="-342900">
+              <a:defRPr sz="2400">
+                <a:latin typeface="Consolas"/>
+                <a:ea typeface="Consolas"/>
+                <a:cs typeface="Consolas"/>
+                <a:sym typeface="Consolas"/>
+              </a:defRPr>
+            </a:pPr>
           </a:p>
           <a:p>
             <a:pPr marL="342900" indent="-342900">
@@ -6056,6 +9968,17 @@
                 <a:sym typeface="DejaVu Sans Mono Nerd Font Complete"/>
               </a:defRPr>
             </a:pPr>
+            <a:r>
+              <a:t>Protection key limitation </a:t>
+            </a:r>
+            <a:r>
+              <a:rPr>
+                <a:solidFill>
+                  <a:srgbClr val="FF2600"/>
+                </a:solidFill>
+              </a:rPr>
+              <a:t>EXISTS</a:t>
+            </a:r>
             <a:endParaRPr>
               <a:latin typeface="Consolas"/>
               <a:ea typeface="Consolas"/>
@@ -6066,6 +9989,16 @@
           <a:p>
             <a:pPr marL="342900" indent="-342900">
               <a:defRPr sz="2400">
+                <a:latin typeface="Consolas"/>
+                <a:ea typeface="Consolas"/>
+                <a:cs typeface="Consolas"/>
+                <a:sym typeface="Consolas"/>
+              </a:defRPr>
+            </a:pPr>
+          </a:p>
+          <a:p>
+            <a:pPr marL="342900" indent="-342900">
+              <a:defRPr sz="2400">
                 <a:latin typeface="DejaVu Sans Mono Nerd Font Complete"/>
                 <a:ea typeface="DejaVu Sans Mono Nerd Font Complete"/>
                 <a:cs typeface="DejaVu Sans Mono Nerd Font Complete"/>
@@ -6073,46 +10006,19 @@
               </a:defRPr>
             </a:pPr>
             <a:r>
+              <a:t>Inter-thread synchronization </a:t>
+            </a:r>
+            <a:r>
               <a:rPr>
-                <a:latin typeface="Consolas"/>
-                <a:ea typeface="Consolas"/>
-                <a:cs typeface="Consolas"/>
-                <a:sym typeface="Consolas"/>
+                <a:solidFill>
+                  <a:srgbClr val="FF2600"/>
+                </a:solidFill>
               </a:rPr>
-              <a:t>We have prepared a docker image with RV64 architecture.</a:t>
-            </a:r>
-          </a:p>
-        </p:txBody>
-      </p:sp>
-      <p:pic>
-        <p:nvPicPr>
-          <p:cNvPr id="185" name="图像" descr="图像"/>
-          <p:cNvPicPr>
-            <a:picLocks noChangeAspect="1"/>
-          </p:cNvPicPr>
-          <p:nvPr/>
-        </p:nvPicPr>
-        <p:blipFill>
-          <a:blip r:embed="rId3">
-            <a:extLst/>
-          </a:blip>
-          <a:stretch>
-            <a:fillRect/>
-          </a:stretch>
-        </p:blipFill>
-        <p:spPr>
-          <a:xfrm>
-            <a:off x="1313182" y="2230613"/>
-            <a:ext cx="9097108" cy="4020012"/>
-          </a:xfrm>
-          <a:prstGeom prst="rect">
-            <a:avLst/>
-          </a:prstGeom>
-          <a:ln w="12700">
-            <a:miter lim="400000"/>
-          </a:ln>
-        </p:spPr>
-      </p:pic>
+              <a:t>EXISTS</a:t>
+            </a:r>
+          </a:p>
+        </p:txBody>
+      </p:sp>
     </p:spTree>
   </p:cSld>
   <p:clrMapOvr>

--- a/proposal.pptx
+++ b/proposal.pptx
@@ -1,42 +1,48 @@
 
 <file path=ppt/presentation.xml><?xml version="1.0" encoding="utf-8"?>
-<p:presentation xmlns:a="http://schemas.openxmlformats.org/drawingml/2006/main" xmlns:r="http://schemas.openxmlformats.org/officeDocument/2006/relationships" xmlns:p="http://schemas.openxmlformats.org/presentationml/2006/main" xmlns:m="http://schemas.openxmlformats.org/officeDocument/2006/math" xmlns:a14="http://schemas.microsoft.com/office/drawing/2010/main">
+<p:presentation xmlns:a="http://schemas.openxmlformats.org/drawingml/2006/main" xmlns:r="http://schemas.openxmlformats.org/officeDocument/2006/relationships" xmlns:p="http://schemas.openxmlformats.org/presentationml/2006/main">
   <p:sldMasterIdLst>
-    <p:sldMasterId id="2147483648" r:id="rId5"/>
+    <p:sldMasterId id="2147483648" r:id="rId1"/>
   </p:sldMasterIdLst>
   <p:notesMasterIdLst>
-    <p:notesMasterId r:id="rId7"/>
+    <p:notesMasterId r:id="rId4"/>
   </p:notesMasterIdLst>
   <p:sldIdLst>
-    <p:sldId id="256" r:id="rId8"/>
-    <p:sldId id="257" r:id="rId9"/>
-    <p:sldId id="258" r:id="rId10"/>
-    <p:sldId id="259" r:id="rId11"/>
-    <p:sldId id="260" r:id="rId12"/>
-    <p:sldId id="261" r:id="rId13"/>
-    <p:sldId id="262" r:id="rId14"/>
-    <p:sldId id="263" r:id="rId15"/>
-    <p:sldId id="264" r:id="rId16"/>
-    <p:sldId id="265" r:id="rId17"/>
-    <p:sldId id="266" r:id="rId18"/>
-    <p:sldId id="267" r:id="rId19"/>
-    <p:sldId id="268" r:id="rId20"/>
-    <p:sldId id="269" r:id="rId21"/>
-    <p:sldId id="270" r:id="rId22"/>
-    <p:sldId id="271" r:id="rId23"/>
-    <p:sldId id="272" r:id="rId24"/>
-    <p:sldId id="273" r:id="rId25"/>
-    <p:sldId id="274" r:id="rId26"/>
-    <p:sldId id="275" r:id="rId27"/>
-    <p:sldId id="276" r:id="rId28"/>
-    <p:sldId id="277" r:id="rId29"/>
-    <p:sldId id="278" r:id="rId30"/>
-    <p:sldId id="279" r:id="rId31"/>
-    <p:sldId id="280" r:id="rId32"/>
-    <p:sldId id="281" r:id="rId33"/>
+    <p:sldId id="256" r:id="rId3"/>
+    <p:sldId id="257" r:id="rId5"/>
+    <p:sldId id="258" r:id="rId6"/>
+    <p:sldId id="259" r:id="rId7"/>
+    <p:sldId id="260" r:id="rId8"/>
+    <p:sldId id="261" r:id="rId9"/>
+    <p:sldId id="262" r:id="rId10"/>
+    <p:sldId id="263" r:id="rId11"/>
+    <p:sldId id="264" r:id="rId12"/>
+    <p:sldId id="265" r:id="rId13"/>
+    <p:sldId id="266" r:id="rId14"/>
+    <p:sldId id="267" r:id="rId15"/>
+    <p:sldId id="268" r:id="rId16"/>
+    <p:sldId id="269" r:id="rId17"/>
+    <p:sldId id="270" r:id="rId18"/>
+    <p:sldId id="271" r:id="rId19"/>
+    <p:sldId id="272" r:id="rId20"/>
+    <p:sldId id="273" r:id="rId21"/>
+    <p:sldId id="274" r:id="rId22"/>
+    <p:sldId id="275" r:id="rId23"/>
+    <p:sldId id="276" r:id="rId24"/>
+    <p:sldId id="282" r:id="rId25"/>
+    <p:sldId id="283" r:id="rId26"/>
+    <p:sldId id="284" r:id="rId27"/>
+    <p:sldId id="277" r:id="rId28"/>
+    <p:sldId id="278" r:id="rId29"/>
+    <p:sldId id="279" r:id="rId30"/>
+    <p:sldId id="280" r:id="rId31"/>
+    <p:sldId id="281" r:id="rId32"/>
   </p:sldIdLst>
   <p:sldSz cx="12192000" cy="6858000"/>
   <p:notesSz cx="6858000" cy="9144000"/>
+  <p:custDataLst>
+    <p:tags r:id="rId36"/>
+  </p:custDataLst>
   <p:defaultTextStyle>
     <a:defPPr marL="0" marR="0" indent="0" algn="l" defTabSz="914400" rtl="0" fontAlgn="auto" latinLnBrk="1" hangingPunct="0">
       <a:lnSpc>
@@ -52,8 +58,7 @@
       <a:buSzTx/>
       <a:buFontTx/>
       <a:buNone/>
-      <a:tabLst/>
-      <a:defRPr b="0" baseline="0" cap="none" i="0" spc="0" strike="noStrike" sz="1800" u="none" kumimoji="0" normalizeH="0">
+      <a:defRPr kumimoji="0" sz="1800" b="0" i="0" u="none" strike="noStrike" cap="none" spc="0" normalizeH="0" baseline="0">
         <a:ln>
           <a:noFill/>
         </a:ln>
@@ -78,8 +83,7 @@
       <a:buSzTx/>
       <a:buFontTx/>
       <a:buNone/>
-      <a:tabLst/>
-      <a:defRPr b="0" baseline="0" cap="none" i="0" spc="0" strike="noStrike" sz="1800" u="none" kumimoji="0" normalizeH="0">
+      <a:defRPr kumimoji="0" sz="1800" b="0" i="0" u="none" strike="noStrike" cap="none" spc="0" normalizeH="0" baseline="0">
         <a:ln>
           <a:noFill/>
         </a:ln>
@@ -91,7 +95,7 @@
         <a:latin typeface="+mj-lt"/>
         <a:ea typeface="+mj-ea"/>
         <a:cs typeface="+mj-cs"/>
-        <a:sym typeface="等线"/>
+        <a:sym typeface="等线" panose="02010600030101010101" charset="-122"/>
       </a:defRPr>
     </a:lvl1pPr>
     <a:lvl2pPr marL="0" marR="0" indent="0" algn="l" defTabSz="914400" rtl="0" fontAlgn="auto" latinLnBrk="0" hangingPunct="0">
@@ -108,8 +112,7 @@
       <a:buSzTx/>
       <a:buFontTx/>
       <a:buNone/>
-      <a:tabLst/>
-      <a:defRPr b="0" baseline="0" cap="none" i="0" spc="0" strike="noStrike" sz="1800" u="none" kumimoji="0" normalizeH="0">
+      <a:defRPr kumimoji="0" sz="1800" b="0" i="0" u="none" strike="noStrike" cap="none" spc="0" normalizeH="0" baseline="0">
         <a:ln>
           <a:noFill/>
         </a:ln>
@@ -121,7 +124,7 @@
         <a:latin typeface="+mj-lt"/>
         <a:ea typeface="+mj-ea"/>
         <a:cs typeface="+mj-cs"/>
-        <a:sym typeface="等线"/>
+        <a:sym typeface="等线" panose="02010600030101010101" charset="-122"/>
       </a:defRPr>
     </a:lvl2pPr>
     <a:lvl3pPr marL="0" marR="0" indent="0" algn="l" defTabSz="914400" rtl="0" fontAlgn="auto" latinLnBrk="0" hangingPunct="0">
@@ -138,8 +141,7 @@
       <a:buSzTx/>
       <a:buFontTx/>
       <a:buNone/>
-      <a:tabLst/>
-      <a:defRPr b="0" baseline="0" cap="none" i="0" spc="0" strike="noStrike" sz="1800" u="none" kumimoji="0" normalizeH="0">
+      <a:defRPr kumimoji="0" sz="1800" b="0" i="0" u="none" strike="noStrike" cap="none" spc="0" normalizeH="0" baseline="0">
         <a:ln>
           <a:noFill/>
         </a:ln>
@@ -151,7 +153,7 @@
         <a:latin typeface="+mj-lt"/>
         <a:ea typeface="+mj-ea"/>
         <a:cs typeface="+mj-cs"/>
-        <a:sym typeface="等线"/>
+        <a:sym typeface="等线" panose="02010600030101010101" charset="-122"/>
       </a:defRPr>
     </a:lvl3pPr>
     <a:lvl4pPr marL="0" marR="0" indent="0" algn="l" defTabSz="914400" rtl="0" fontAlgn="auto" latinLnBrk="0" hangingPunct="0">
@@ -168,8 +170,7 @@
       <a:buSzTx/>
       <a:buFontTx/>
       <a:buNone/>
-      <a:tabLst/>
-      <a:defRPr b="0" baseline="0" cap="none" i="0" spc="0" strike="noStrike" sz="1800" u="none" kumimoji="0" normalizeH="0">
+      <a:defRPr kumimoji="0" sz="1800" b="0" i="0" u="none" strike="noStrike" cap="none" spc="0" normalizeH="0" baseline="0">
         <a:ln>
           <a:noFill/>
         </a:ln>
@@ -181,7 +182,7 @@
         <a:latin typeface="+mj-lt"/>
         <a:ea typeface="+mj-ea"/>
         <a:cs typeface="+mj-cs"/>
-        <a:sym typeface="等线"/>
+        <a:sym typeface="等线" panose="02010600030101010101" charset="-122"/>
       </a:defRPr>
     </a:lvl4pPr>
     <a:lvl5pPr marL="0" marR="0" indent="0" algn="l" defTabSz="914400" rtl="0" fontAlgn="auto" latinLnBrk="0" hangingPunct="0">
@@ -198,8 +199,7 @@
       <a:buSzTx/>
       <a:buFontTx/>
       <a:buNone/>
-      <a:tabLst/>
-      <a:defRPr b="0" baseline="0" cap="none" i="0" spc="0" strike="noStrike" sz="1800" u="none" kumimoji="0" normalizeH="0">
+      <a:defRPr kumimoji="0" sz="1800" b="0" i="0" u="none" strike="noStrike" cap="none" spc="0" normalizeH="0" baseline="0">
         <a:ln>
           <a:noFill/>
         </a:ln>
@@ -211,7 +211,7 @@
         <a:latin typeface="+mj-lt"/>
         <a:ea typeface="+mj-ea"/>
         <a:cs typeface="+mj-cs"/>
-        <a:sym typeface="等线"/>
+        <a:sym typeface="等线" panose="02010600030101010101" charset="-122"/>
       </a:defRPr>
     </a:lvl5pPr>
     <a:lvl6pPr marL="0" marR="0" indent="0" algn="l" defTabSz="914400" rtl="0" fontAlgn="auto" latinLnBrk="0" hangingPunct="0">
@@ -228,8 +228,7 @@
       <a:buSzTx/>
       <a:buFontTx/>
       <a:buNone/>
-      <a:tabLst/>
-      <a:defRPr b="0" baseline="0" cap="none" i="0" spc="0" strike="noStrike" sz="1800" u="none" kumimoji="0" normalizeH="0">
+      <a:defRPr kumimoji="0" sz="1800" b="0" i="0" u="none" strike="noStrike" cap="none" spc="0" normalizeH="0" baseline="0">
         <a:ln>
           <a:noFill/>
         </a:ln>
@@ -241,7 +240,7 @@
         <a:latin typeface="+mj-lt"/>
         <a:ea typeface="+mj-ea"/>
         <a:cs typeface="+mj-cs"/>
-        <a:sym typeface="等线"/>
+        <a:sym typeface="等线" panose="02010600030101010101" charset="-122"/>
       </a:defRPr>
     </a:lvl6pPr>
     <a:lvl7pPr marL="0" marR="0" indent="0" algn="l" defTabSz="914400" rtl="0" fontAlgn="auto" latinLnBrk="0" hangingPunct="0">
@@ -258,8 +257,7 @@
       <a:buSzTx/>
       <a:buFontTx/>
       <a:buNone/>
-      <a:tabLst/>
-      <a:defRPr b="0" baseline="0" cap="none" i="0" spc="0" strike="noStrike" sz="1800" u="none" kumimoji="0" normalizeH="0">
+      <a:defRPr kumimoji="0" sz="1800" b="0" i="0" u="none" strike="noStrike" cap="none" spc="0" normalizeH="0" baseline="0">
         <a:ln>
           <a:noFill/>
         </a:ln>
@@ -271,7 +269,7 @@
         <a:latin typeface="+mj-lt"/>
         <a:ea typeface="+mj-ea"/>
         <a:cs typeface="+mj-cs"/>
-        <a:sym typeface="等线"/>
+        <a:sym typeface="等线" panose="02010600030101010101" charset="-122"/>
       </a:defRPr>
     </a:lvl7pPr>
     <a:lvl8pPr marL="0" marR="0" indent="0" algn="l" defTabSz="914400" rtl="0" fontAlgn="auto" latinLnBrk="0" hangingPunct="0">
@@ -288,8 +286,7 @@
       <a:buSzTx/>
       <a:buFontTx/>
       <a:buNone/>
-      <a:tabLst/>
-      <a:defRPr b="0" baseline="0" cap="none" i="0" spc="0" strike="noStrike" sz="1800" u="none" kumimoji="0" normalizeH="0">
+      <a:defRPr kumimoji="0" sz="1800" b="0" i="0" u="none" strike="noStrike" cap="none" spc="0" normalizeH="0" baseline="0">
         <a:ln>
           <a:noFill/>
         </a:ln>
@@ -301,7 +298,7 @@
         <a:latin typeface="+mj-lt"/>
         <a:ea typeface="+mj-ea"/>
         <a:cs typeface="+mj-cs"/>
-        <a:sym typeface="等线"/>
+        <a:sym typeface="等线" panose="02010600030101010101" charset="-122"/>
       </a:defRPr>
     </a:lvl8pPr>
     <a:lvl9pPr marL="0" marR="0" indent="0" algn="l" defTabSz="914400" rtl="0" fontAlgn="auto" latinLnBrk="0" hangingPunct="0">
@@ -318,8 +315,7 @@
       <a:buSzTx/>
       <a:buFontTx/>
       <a:buNone/>
-      <a:tabLst/>
-      <a:defRPr b="0" baseline="0" cap="none" i="0" spc="0" strike="noStrike" sz="1800" u="none" kumimoji="0" normalizeH="0">
+      <a:defRPr kumimoji="0" sz="1800" b="0" i="0" u="none" strike="noStrike" cap="none" spc="0" normalizeH="0" baseline="0">
         <a:ln>
           <a:noFill/>
         </a:ln>
@@ -331,19 +327,163 @@
         <a:latin typeface="+mj-lt"/>
         <a:ea typeface="+mj-ea"/>
         <a:cs typeface="+mj-cs"/>
-        <a:sym typeface="等线"/>
+        <a:sym typeface="等线" panose="02010600030101010101" charset="-122"/>
       </a:defRPr>
     </a:lvl9pPr>
   </p:defaultTextStyle>
 </p:presentation>
 </file>
 
-<file path=ppt/commentAuthors.xml><?xml version="1.0" encoding="utf-8"?>
-<p:cmAuthorLst xmlns:a="http://schemas.openxmlformats.org/drawingml/2006/main" xmlns:r="http://schemas.openxmlformats.org/officeDocument/2006/relationships" xmlns:p="http://schemas.openxmlformats.org/presentationml/2006/main" xmlns:m="http://schemas.openxmlformats.org/officeDocument/2006/math" xmlns:a14="http://schemas.microsoft.com/office/drawing/2010/main"/>
+<file path=ppt/notesMasters/notesMaster1.xml><?xml version="1.0" encoding="utf-8"?>
+<p:notesMaster xmlns:a="http://schemas.openxmlformats.org/drawingml/2006/main" xmlns:r="http://schemas.openxmlformats.org/officeDocument/2006/relationships" xmlns:p="http://schemas.openxmlformats.org/presentationml/2006/main">
+  <p:cSld>
+    <p:bg>
+      <p:bgRef idx="1001">
+        <a:schemeClr val="bg1"/>
+      </p:bgRef>
+    </p:bg>
+    <p:spTree>
+      <p:nvGrpSpPr>
+        <p:cNvPr id="1" name=""/>
+        <p:cNvGrpSpPr/>
+        <p:nvPr/>
+      </p:nvGrpSpPr>
+      <p:grpSpPr>
+        <a:xfrm>
+          <a:off x="0" y="0"/>
+          <a:ext cx="0" cy="0"/>
+          <a:chOff x="0" y="0"/>
+          <a:chExt cx="0" cy="0"/>
+        </a:xfrm>
+      </p:grpSpPr>
+      <p:sp>
+        <p:nvSpPr>
+          <p:cNvPr id="152" name="Shape 152"/>
+          <p:cNvSpPr/>
+          <p:nvPr>
+            <p:ph type="sldImg"/>
+          </p:nvPr>
+        </p:nvSpPr>
+        <p:spPr>
+          <a:xfrm>
+            <a:off x="1143000" y="685800"/>
+            <a:ext cx="4572000" cy="3429000"/>
+          </a:xfrm>
+          <a:prstGeom prst="rect">
+            <a:avLst/>
+          </a:prstGeom>
+        </p:spPr>
+        <p:txBody>
+          <a:bodyPr/>
+          <a:lstStyle/>
+          <a:p/>
+        </p:txBody>
+      </p:sp>
+      <p:sp>
+        <p:nvSpPr>
+          <p:cNvPr id="153" name="Shape 153"/>
+          <p:cNvSpPr/>
+          <p:nvPr>
+            <p:ph type="body" sz="quarter" idx="1"/>
+          </p:nvPr>
+        </p:nvSpPr>
+        <p:spPr>
+          <a:xfrm>
+            <a:off x="914400" y="4343400"/>
+            <a:ext cx="5029200" cy="4114800"/>
+          </a:xfrm>
+          <a:prstGeom prst="rect">
+            <a:avLst/>
+          </a:prstGeom>
+        </p:spPr>
+        <p:txBody>
+          <a:bodyPr/>
+          <a:lstStyle/>
+          <a:p/>
+        </p:txBody>
+      </p:sp>
+    </p:spTree>
+  </p:cSld>
+  <p:clrMap bg1="lt1" tx1="dk1" bg2="lt2" tx2="dk2" accent1="accent1" accent2="accent2" accent3="accent3" accent4="accent4" accent5="accent5" accent6="accent6" hlink="hlink" folHlink="folHlink"/>
+  <p:notesStyle>
+    <a:lvl1pPr latinLnBrk="0">
+      <a:defRPr sz="1200">
+        <a:latin typeface="+mj-lt"/>
+        <a:ea typeface="+mj-ea"/>
+        <a:cs typeface="+mj-cs"/>
+        <a:sym typeface="等线" panose="02010600030101010101" charset="-122"/>
+      </a:defRPr>
+    </a:lvl1pPr>
+    <a:lvl2pPr indent="228600" latinLnBrk="0">
+      <a:defRPr sz="1200">
+        <a:latin typeface="+mj-lt"/>
+        <a:ea typeface="+mj-ea"/>
+        <a:cs typeface="+mj-cs"/>
+        <a:sym typeface="等线" panose="02010600030101010101" charset="-122"/>
+      </a:defRPr>
+    </a:lvl2pPr>
+    <a:lvl3pPr indent="457200" latinLnBrk="0">
+      <a:defRPr sz="1200">
+        <a:latin typeface="+mj-lt"/>
+        <a:ea typeface="+mj-ea"/>
+        <a:cs typeface="+mj-cs"/>
+        <a:sym typeface="等线" panose="02010600030101010101" charset="-122"/>
+      </a:defRPr>
+    </a:lvl3pPr>
+    <a:lvl4pPr indent="685800" latinLnBrk="0">
+      <a:defRPr sz="1200">
+        <a:latin typeface="+mj-lt"/>
+        <a:ea typeface="+mj-ea"/>
+        <a:cs typeface="+mj-cs"/>
+        <a:sym typeface="等线" panose="02010600030101010101" charset="-122"/>
+      </a:defRPr>
+    </a:lvl4pPr>
+    <a:lvl5pPr indent="914400" latinLnBrk="0">
+      <a:defRPr sz="1200">
+        <a:latin typeface="+mj-lt"/>
+        <a:ea typeface="+mj-ea"/>
+        <a:cs typeface="+mj-cs"/>
+        <a:sym typeface="等线" panose="02010600030101010101" charset="-122"/>
+      </a:defRPr>
+    </a:lvl5pPr>
+    <a:lvl6pPr indent="1143000" latinLnBrk="0">
+      <a:defRPr sz="1200">
+        <a:latin typeface="+mj-lt"/>
+        <a:ea typeface="+mj-ea"/>
+        <a:cs typeface="+mj-cs"/>
+        <a:sym typeface="等线" panose="02010600030101010101" charset="-122"/>
+      </a:defRPr>
+    </a:lvl6pPr>
+    <a:lvl7pPr indent="1371600" latinLnBrk="0">
+      <a:defRPr sz="1200">
+        <a:latin typeface="+mj-lt"/>
+        <a:ea typeface="+mj-ea"/>
+        <a:cs typeface="+mj-cs"/>
+        <a:sym typeface="等线" panose="02010600030101010101" charset="-122"/>
+      </a:defRPr>
+    </a:lvl7pPr>
+    <a:lvl8pPr indent="1600200" latinLnBrk="0">
+      <a:defRPr sz="1200">
+        <a:latin typeface="+mj-lt"/>
+        <a:ea typeface="+mj-ea"/>
+        <a:cs typeface="+mj-cs"/>
+        <a:sym typeface="等线" panose="02010600030101010101" charset="-122"/>
+      </a:defRPr>
+    </a:lvl8pPr>
+    <a:lvl9pPr indent="1828800" latinLnBrk="0">
+      <a:defRPr sz="1200">
+        <a:latin typeface="+mj-lt"/>
+        <a:ea typeface="+mj-ea"/>
+        <a:cs typeface="+mj-cs"/>
+        <a:sym typeface="等线" panose="02010600030101010101" charset="-122"/>
+      </a:defRPr>
+    </a:lvl9pPr>
+  </p:notesStyle>
+</p:notesMaster>
 </file>
 
-<file path=ppt/notesMasters/notesMaster1.xml><?xml version="1.0" encoding="utf-8"?>
-<p:notesMaster xmlns:a="http://schemas.openxmlformats.org/drawingml/2006/main" xmlns:r="http://schemas.openxmlformats.org/officeDocument/2006/relationships" xmlns:p="http://schemas.openxmlformats.org/presentationml/2006/main" xmlns:m="http://schemas.openxmlformats.org/officeDocument/2006/math" xmlns:a14="http://schemas.microsoft.com/office/drawing/2010/main">
+<file path=ppt/notesSlides/notesSlide1.xml><?xml version="1.0" encoding="utf-8"?>
+<p:notes xmlns:a="http://schemas.openxmlformats.org/drawingml/2006/main" xmlns:r="http://schemas.openxmlformats.org/officeDocument/2006/relationships" xmlns:p="http://schemas.openxmlformats.org/presentationml/2006/main">
   <p:cSld>
     <p:spTree>
       <p:nvGrpSpPr>
@@ -361,17 +501,13 @@
       </p:grpSpPr>
       <p:sp>
         <p:nvSpPr>
-          <p:cNvPr id="152" name="Shape 152"/>
+          <p:cNvPr id="156" name="Shape 156"/>
           <p:cNvSpPr/>
           <p:nvPr>
             <p:ph type="sldImg"/>
           </p:nvPr>
         </p:nvSpPr>
         <p:spPr>
-          <a:xfrm>
-            <a:off x="1143000" y="685800"/>
-            <a:ext cx="4572000" cy="3429000"/>
-          </a:xfrm>
           <a:prstGeom prst="rect">
             <a:avLst/>
           </a:prstGeom>
@@ -379,24 +515,18 @@
         <p:txBody>
           <a:bodyPr/>
           <a:lstStyle/>
-          <a:p>
-            <a:pPr/>
-          </a:p>
-        </p:txBody>
-      </p:sp>
-      <p:sp>
-        <p:nvSpPr>
-          <p:cNvPr id="153" name="Shape 153"/>
+          <a:p/>
+        </p:txBody>
+      </p:sp>
+      <p:sp>
+        <p:nvSpPr>
+          <p:cNvPr id="157" name="Shape 157"/>
           <p:cNvSpPr/>
           <p:nvPr>
             <p:ph type="body" sz="quarter" idx="1"/>
           </p:nvPr>
         </p:nvSpPr>
         <p:spPr>
-          <a:xfrm>
-            <a:off x="914400" y="4343400"/>
-            <a:ext cx="5029200" cy="4114800"/>
-          </a:xfrm>
           <a:prstGeom prst="rect">
             <a:avLst/>
           </a:prstGeom>
@@ -405,92 +535,43 @@
           <a:bodyPr/>
           <a:lstStyle/>
           <a:p>
-            <a:pPr/>
+            <a:pPr>
+              <a:defRPr>
+                <a:latin typeface="Calibri" panose="020F0502020204030204"/>
+                <a:ea typeface="Calibri" panose="020F0502020204030204"/>
+                <a:cs typeface="Calibri" panose="020F0502020204030204"/>
+                <a:sym typeface="Calibri" panose="020F0502020204030204"/>
+              </a:defRPr>
+            </a:pPr>
+            <a:r>
+              <a:t>1. introduction: advantages, structure, how work (hit case)</a:t>
+            </a:r>
+          </a:p>
+          <a:p>
+            <a:pPr>
+              <a:defRPr>
+                <a:latin typeface="Calibri" panose="020F0502020204030204"/>
+                <a:ea typeface="Calibri" panose="020F0502020204030204"/>
+                <a:cs typeface="Calibri" panose="020F0502020204030204"/>
+                <a:sym typeface="Calibri" panose="020F0502020204030204"/>
+              </a:defRPr>
+            </a:pPr>
+            <a:r>
+              <a:t>2. 2 ways </a:t>
+            </a:r>
           </a:p>
         </p:txBody>
       </p:sp>
     </p:spTree>
   </p:cSld>
-  <p:clrMap bg1="lt1" tx1="dk1" bg2="lt2" tx2="dk2" accent1="accent1" accent2="accent2" accent3="accent3" accent4="accent4" accent5="accent5" accent6="accent6" hlink="hlink" folHlink="folHlink"/>
-  <p:notesStyle>
-    <a:lvl1pPr latinLnBrk="0">
-      <a:defRPr sz="1200">
-        <a:latin typeface="+mj-lt"/>
-        <a:ea typeface="+mj-ea"/>
-        <a:cs typeface="+mj-cs"/>
-        <a:sym typeface="等线"/>
-      </a:defRPr>
-    </a:lvl1pPr>
-    <a:lvl2pPr indent="228600" latinLnBrk="0">
-      <a:defRPr sz="1200">
-        <a:latin typeface="+mj-lt"/>
-        <a:ea typeface="+mj-ea"/>
-        <a:cs typeface="+mj-cs"/>
-        <a:sym typeface="等线"/>
-      </a:defRPr>
-    </a:lvl2pPr>
-    <a:lvl3pPr indent="457200" latinLnBrk="0">
-      <a:defRPr sz="1200">
-        <a:latin typeface="+mj-lt"/>
-        <a:ea typeface="+mj-ea"/>
-        <a:cs typeface="+mj-cs"/>
-        <a:sym typeface="等线"/>
-      </a:defRPr>
-    </a:lvl3pPr>
-    <a:lvl4pPr indent="685800" latinLnBrk="0">
-      <a:defRPr sz="1200">
-        <a:latin typeface="+mj-lt"/>
-        <a:ea typeface="+mj-ea"/>
-        <a:cs typeface="+mj-cs"/>
-        <a:sym typeface="等线"/>
-      </a:defRPr>
-    </a:lvl4pPr>
-    <a:lvl5pPr indent="914400" latinLnBrk="0">
-      <a:defRPr sz="1200">
-        <a:latin typeface="+mj-lt"/>
-        <a:ea typeface="+mj-ea"/>
-        <a:cs typeface="+mj-cs"/>
-        <a:sym typeface="等线"/>
-      </a:defRPr>
-    </a:lvl5pPr>
-    <a:lvl6pPr indent="1143000" latinLnBrk="0">
-      <a:defRPr sz="1200">
-        <a:latin typeface="+mj-lt"/>
-        <a:ea typeface="+mj-ea"/>
-        <a:cs typeface="+mj-cs"/>
-        <a:sym typeface="等线"/>
-      </a:defRPr>
-    </a:lvl6pPr>
-    <a:lvl7pPr indent="1371600" latinLnBrk="0">
-      <a:defRPr sz="1200">
-        <a:latin typeface="+mj-lt"/>
-        <a:ea typeface="+mj-ea"/>
-        <a:cs typeface="+mj-cs"/>
-        <a:sym typeface="等线"/>
-      </a:defRPr>
-    </a:lvl7pPr>
-    <a:lvl8pPr indent="1600200" latinLnBrk="0">
-      <a:defRPr sz="1200">
-        <a:latin typeface="+mj-lt"/>
-        <a:ea typeface="+mj-ea"/>
-        <a:cs typeface="+mj-cs"/>
-        <a:sym typeface="等线"/>
-      </a:defRPr>
-    </a:lvl8pPr>
-    <a:lvl9pPr indent="1828800" latinLnBrk="0">
-      <a:defRPr sz="1200">
-        <a:latin typeface="+mj-lt"/>
-        <a:ea typeface="+mj-ea"/>
-        <a:cs typeface="+mj-cs"/>
-        <a:sym typeface="等线"/>
-      </a:defRPr>
-    </a:lvl9pPr>
-  </p:notesStyle>
-</p:notesMaster>
+  <p:clrMapOvr>
+    <a:masterClrMapping/>
+  </p:clrMapOvr>
+</p:notes>
 </file>
 
-<file path=ppt/notesSlides/notesSlide1.xml><?xml version="1.0" encoding="utf-8"?>
-<p:notes xmlns:a="http://schemas.openxmlformats.org/drawingml/2006/main" xmlns:r="http://schemas.openxmlformats.org/officeDocument/2006/relationships" xmlns:p="http://schemas.openxmlformats.org/presentationml/2006/main" xmlns:m="http://schemas.openxmlformats.org/officeDocument/2006/math" xmlns:a14="http://schemas.microsoft.com/office/drawing/2010/main" showMasterSp="1" showMasterPhAnim="1">
+<file path=ppt/notesSlides/notesSlide10.xml><?xml version="1.0" encoding="utf-8"?>
+<p:notes xmlns:a="http://schemas.openxmlformats.org/drawingml/2006/main" xmlns:r="http://schemas.openxmlformats.org/officeDocument/2006/relationships" xmlns:p="http://schemas.openxmlformats.org/presentationml/2006/main">
   <p:cSld>
     <p:spTree>
       <p:nvGrpSpPr>
@@ -508,7 +589,7 @@
       </p:grpSpPr>
       <p:sp>
         <p:nvSpPr>
-          <p:cNvPr id="156" name="Shape 156"/>
+          <p:cNvPr id="202" name="Shape 202"/>
           <p:cNvSpPr/>
           <p:nvPr>
             <p:ph type="sldImg"/>
@@ -522,14 +603,12 @@
         <p:txBody>
           <a:bodyPr/>
           <a:lstStyle/>
-          <a:p>
-            <a:pPr/>
-          </a:p>
-        </p:txBody>
-      </p:sp>
-      <p:sp>
-        <p:nvSpPr>
-          <p:cNvPr id="157" name="Shape 157"/>
+          <a:p/>
+        </p:txBody>
+      </p:sp>
+      <p:sp>
+        <p:nvSpPr>
+          <p:cNvPr id="203" name="Shape 203"/>
           <p:cNvSpPr/>
           <p:nvPr>
             <p:ph type="body" sz="quarter" idx="1"/>
@@ -546,10 +625,10 @@
           <a:p>
             <a:pPr>
               <a:defRPr>
-                <a:latin typeface="Calibri"/>
-                <a:ea typeface="Calibri"/>
-                <a:cs typeface="Calibri"/>
-                <a:sym typeface="Calibri"/>
+                <a:latin typeface="Calibri" panose="020F0502020204030204"/>
+                <a:ea typeface="Calibri" panose="020F0502020204030204"/>
+                <a:cs typeface="Calibri" panose="020F0502020204030204"/>
+                <a:sym typeface="Calibri" panose="020F0502020204030204"/>
               </a:defRPr>
             </a:pPr>
             <a:r>
@@ -559,10 +638,10 @@
           <a:p>
             <a:pPr>
               <a:defRPr>
-                <a:latin typeface="Calibri"/>
-                <a:ea typeface="Calibri"/>
-                <a:cs typeface="Calibri"/>
-                <a:sym typeface="Calibri"/>
+                <a:latin typeface="Calibri" panose="020F0502020204030204"/>
+                <a:ea typeface="Calibri" panose="020F0502020204030204"/>
+                <a:cs typeface="Calibri" panose="020F0502020204030204"/>
+                <a:sym typeface="Calibri" panose="020F0502020204030204"/>
               </a:defRPr>
             </a:pPr>
             <a:r>
@@ -579,8 +658,8 @@
 </p:notes>
 </file>
 
-<file path=ppt/notesSlides/notesSlide10.xml><?xml version="1.0" encoding="utf-8"?>
-<p:notes xmlns:a="http://schemas.openxmlformats.org/drawingml/2006/main" xmlns:r="http://schemas.openxmlformats.org/officeDocument/2006/relationships" xmlns:p="http://schemas.openxmlformats.org/presentationml/2006/main" xmlns:m="http://schemas.openxmlformats.org/officeDocument/2006/math" xmlns:a14="http://schemas.microsoft.com/office/drawing/2010/main" showMasterSp="1" showMasterPhAnim="1">
+<file path=ppt/notesSlides/notesSlide11.xml><?xml version="1.0" encoding="utf-8"?>
+<p:notes xmlns:a="http://schemas.openxmlformats.org/drawingml/2006/main" xmlns:r="http://schemas.openxmlformats.org/officeDocument/2006/relationships" xmlns:p="http://schemas.openxmlformats.org/presentationml/2006/main">
   <p:cSld>
     <p:spTree>
       <p:nvGrpSpPr>
@@ -598,7 +677,7 @@
       </p:grpSpPr>
       <p:sp>
         <p:nvSpPr>
-          <p:cNvPr id="202" name="Shape 202"/>
+          <p:cNvPr id="207" name="Shape 207"/>
           <p:cNvSpPr/>
           <p:nvPr>
             <p:ph type="sldImg"/>
@@ -612,14 +691,12 @@
         <p:txBody>
           <a:bodyPr/>
           <a:lstStyle/>
-          <a:p>
-            <a:pPr/>
-          </a:p>
-        </p:txBody>
-      </p:sp>
-      <p:sp>
-        <p:nvSpPr>
-          <p:cNvPr id="203" name="Shape 203"/>
+          <a:p/>
+        </p:txBody>
+      </p:sp>
+      <p:sp>
+        <p:nvSpPr>
+          <p:cNvPr id="208" name="Shape 208"/>
           <p:cNvSpPr/>
           <p:nvPr>
             <p:ph type="body" sz="quarter" idx="1"/>
@@ -636,10 +713,10 @@
           <a:p>
             <a:pPr>
               <a:defRPr>
-                <a:latin typeface="Calibri"/>
-                <a:ea typeface="Calibri"/>
-                <a:cs typeface="Calibri"/>
-                <a:sym typeface="Calibri"/>
+                <a:latin typeface="Calibri" panose="020F0502020204030204"/>
+                <a:ea typeface="Calibri" panose="020F0502020204030204"/>
+                <a:cs typeface="Calibri" panose="020F0502020204030204"/>
+                <a:sym typeface="Calibri" panose="020F0502020204030204"/>
               </a:defRPr>
             </a:pPr>
             <a:r>
@@ -649,10 +726,10 @@
           <a:p>
             <a:pPr>
               <a:defRPr>
-                <a:latin typeface="Calibri"/>
-                <a:ea typeface="Calibri"/>
-                <a:cs typeface="Calibri"/>
-                <a:sym typeface="Calibri"/>
+                <a:latin typeface="Calibri" panose="020F0502020204030204"/>
+                <a:ea typeface="Calibri" panose="020F0502020204030204"/>
+                <a:cs typeface="Calibri" panose="020F0502020204030204"/>
+                <a:sym typeface="Calibri" panose="020F0502020204030204"/>
               </a:defRPr>
             </a:pPr>
             <a:r>
@@ -669,8 +746,8 @@
 </p:notes>
 </file>
 
-<file path=ppt/notesSlides/notesSlide11.xml><?xml version="1.0" encoding="utf-8"?>
-<p:notes xmlns:a="http://schemas.openxmlformats.org/drawingml/2006/main" xmlns:r="http://schemas.openxmlformats.org/officeDocument/2006/relationships" xmlns:p="http://schemas.openxmlformats.org/presentationml/2006/main" xmlns:m="http://schemas.openxmlformats.org/officeDocument/2006/math" xmlns:a14="http://schemas.microsoft.com/office/drawing/2010/main" showMasterSp="1" showMasterPhAnim="1">
+<file path=ppt/notesSlides/notesSlide12.xml><?xml version="1.0" encoding="utf-8"?>
+<p:notes xmlns:a="http://schemas.openxmlformats.org/drawingml/2006/main" xmlns:r="http://schemas.openxmlformats.org/officeDocument/2006/relationships" xmlns:p="http://schemas.openxmlformats.org/presentationml/2006/main">
   <p:cSld>
     <p:spTree>
       <p:nvGrpSpPr>
@@ -688,7 +765,7 @@
       </p:grpSpPr>
       <p:sp>
         <p:nvSpPr>
-          <p:cNvPr id="207" name="Shape 207"/>
+          <p:cNvPr id="212" name="Shape 212"/>
           <p:cNvSpPr/>
           <p:nvPr>
             <p:ph type="sldImg"/>
@@ -702,14 +779,12 @@
         <p:txBody>
           <a:bodyPr/>
           <a:lstStyle/>
-          <a:p>
-            <a:pPr/>
-          </a:p>
-        </p:txBody>
-      </p:sp>
-      <p:sp>
-        <p:nvSpPr>
-          <p:cNvPr id="208" name="Shape 208"/>
+          <a:p/>
+        </p:txBody>
+      </p:sp>
+      <p:sp>
+        <p:nvSpPr>
+          <p:cNvPr id="213" name="Shape 213"/>
           <p:cNvSpPr/>
           <p:nvPr>
             <p:ph type="body" sz="quarter" idx="1"/>
@@ -726,10 +801,10 @@
           <a:p>
             <a:pPr>
               <a:defRPr>
-                <a:latin typeface="Calibri"/>
-                <a:ea typeface="Calibri"/>
-                <a:cs typeface="Calibri"/>
-                <a:sym typeface="Calibri"/>
+                <a:latin typeface="Calibri" panose="020F0502020204030204"/>
+                <a:ea typeface="Calibri" panose="020F0502020204030204"/>
+                <a:cs typeface="Calibri" panose="020F0502020204030204"/>
+                <a:sym typeface="Calibri" panose="020F0502020204030204"/>
               </a:defRPr>
             </a:pPr>
             <a:r>
@@ -739,10 +814,10 @@
           <a:p>
             <a:pPr>
               <a:defRPr>
-                <a:latin typeface="Calibri"/>
-                <a:ea typeface="Calibri"/>
-                <a:cs typeface="Calibri"/>
-                <a:sym typeface="Calibri"/>
+                <a:latin typeface="Calibri" panose="020F0502020204030204"/>
+                <a:ea typeface="Calibri" panose="020F0502020204030204"/>
+                <a:cs typeface="Calibri" panose="020F0502020204030204"/>
+                <a:sym typeface="Calibri" panose="020F0502020204030204"/>
               </a:defRPr>
             </a:pPr>
             <a:r>
@@ -759,8 +834,8 @@
 </p:notes>
 </file>
 
-<file path=ppt/notesSlides/notesSlide12.xml><?xml version="1.0" encoding="utf-8"?>
-<p:notes xmlns:a="http://schemas.openxmlformats.org/drawingml/2006/main" xmlns:r="http://schemas.openxmlformats.org/officeDocument/2006/relationships" xmlns:p="http://schemas.openxmlformats.org/presentationml/2006/main" xmlns:m="http://schemas.openxmlformats.org/officeDocument/2006/math" xmlns:a14="http://schemas.microsoft.com/office/drawing/2010/main" showMasterSp="1" showMasterPhAnim="1">
+<file path=ppt/notesSlides/notesSlide13.xml><?xml version="1.0" encoding="utf-8"?>
+<p:notes xmlns:a="http://schemas.openxmlformats.org/drawingml/2006/main" xmlns:r="http://schemas.openxmlformats.org/officeDocument/2006/relationships" xmlns:p="http://schemas.openxmlformats.org/presentationml/2006/main">
   <p:cSld>
     <p:spTree>
       <p:nvGrpSpPr>
@@ -778,7 +853,7 @@
       </p:grpSpPr>
       <p:sp>
         <p:nvSpPr>
-          <p:cNvPr id="212" name="Shape 212"/>
+          <p:cNvPr id="217" name="Shape 217"/>
           <p:cNvSpPr/>
           <p:nvPr>
             <p:ph type="sldImg"/>
@@ -792,14 +867,12 @@
         <p:txBody>
           <a:bodyPr/>
           <a:lstStyle/>
-          <a:p>
-            <a:pPr/>
-          </a:p>
-        </p:txBody>
-      </p:sp>
-      <p:sp>
-        <p:nvSpPr>
-          <p:cNvPr id="213" name="Shape 213"/>
+          <a:p/>
+        </p:txBody>
+      </p:sp>
+      <p:sp>
+        <p:nvSpPr>
+          <p:cNvPr id="218" name="Shape 218"/>
           <p:cNvSpPr/>
           <p:nvPr>
             <p:ph type="body" sz="quarter" idx="1"/>
@@ -816,10 +889,10 @@
           <a:p>
             <a:pPr>
               <a:defRPr>
-                <a:latin typeface="Calibri"/>
-                <a:ea typeface="Calibri"/>
-                <a:cs typeface="Calibri"/>
-                <a:sym typeface="Calibri"/>
+                <a:latin typeface="Calibri" panose="020F0502020204030204"/>
+                <a:ea typeface="Calibri" panose="020F0502020204030204"/>
+                <a:cs typeface="Calibri" panose="020F0502020204030204"/>
+                <a:sym typeface="Calibri" panose="020F0502020204030204"/>
               </a:defRPr>
             </a:pPr>
             <a:r>
@@ -829,10 +902,10 @@
           <a:p>
             <a:pPr>
               <a:defRPr>
-                <a:latin typeface="Calibri"/>
-                <a:ea typeface="Calibri"/>
-                <a:cs typeface="Calibri"/>
-                <a:sym typeface="Calibri"/>
+                <a:latin typeface="Calibri" panose="020F0502020204030204"/>
+                <a:ea typeface="Calibri" panose="020F0502020204030204"/>
+                <a:cs typeface="Calibri" panose="020F0502020204030204"/>
+                <a:sym typeface="Calibri" panose="020F0502020204030204"/>
               </a:defRPr>
             </a:pPr>
             <a:r>
@@ -849,8 +922,8 @@
 </p:notes>
 </file>
 
-<file path=ppt/notesSlides/notesSlide13.xml><?xml version="1.0" encoding="utf-8"?>
-<p:notes xmlns:a="http://schemas.openxmlformats.org/drawingml/2006/main" xmlns:r="http://schemas.openxmlformats.org/officeDocument/2006/relationships" xmlns:p="http://schemas.openxmlformats.org/presentationml/2006/main" xmlns:m="http://schemas.openxmlformats.org/officeDocument/2006/math" xmlns:a14="http://schemas.microsoft.com/office/drawing/2010/main" showMasterSp="1" showMasterPhAnim="1">
+<file path=ppt/notesSlides/notesSlide14.xml><?xml version="1.0" encoding="utf-8"?>
+<p:notes xmlns:a="http://schemas.openxmlformats.org/drawingml/2006/main" xmlns:r="http://schemas.openxmlformats.org/officeDocument/2006/relationships" xmlns:p="http://schemas.openxmlformats.org/presentationml/2006/main">
   <p:cSld>
     <p:spTree>
       <p:nvGrpSpPr>
@@ -868,7 +941,7 @@
       </p:grpSpPr>
       <p:sp>
         <p:nvSpPr>
-          <p:cNvPr id="217" name="Shape 217"/>
+          <p:cNvPr id="221" name="Shape 221"/>
           <p:cNvSpPr/>
           <p:nvPr>
             <p:ph type="sldImg"/>
@@ -882,14 +955,12 @@
         <p:txBody>
           <a:bodyPr/>
           <a:lstStyle/>
-          <a:p>
-            <a:pPr/>
-          </a:p>
-        </p:txBody>
-      </p:sp>
-      <p:sp>
-        <p:nvSpPr>
-          <p:cNvPr id="218" name="Shape 218"/>
+          <a:p/>
+        </p:txBody>
+      </p:sp>
+      <p:sp>
+        <p:nvSpPr>
+          <p:cNvPr id="222" name="Shape 222"/>
           <p:cNvSpPr/>
           <p:nvPr>
             <p:ph type="body" sz="quarter" idx="1"/>
@@ -906,10 +977,10 @@
           <a:p>
             <a:pPr>
               <a:defRPr>
-                <a:latin typeface="Calibri"/>
-                <a:ea typeface="Calibri"/>
-                <a:cs typeface="Calibri"/>
-                <a:sym typeface="Calibri"/>
+                <a:latin typeface="Calibri" panose="020F0502020204030204"/>
+                <a:ea typeface="Calibri" panose="020F0502020204030204"/>
+                <a:cs typeface="Calibri" panose="020F0502020204030204"/>
+                <a:sym typeface="Calibri" panose="020F0502020204030204"/>
               </a:defRPr>
             </a:pPr>
             <a:r>
@@ -919,10 +990,10 @@
           <a:p>
             <a:pPr>
               <a:defRPr>
-                <a:latin typeface="Calibri"/>
-                <a:ea typeface="Calibri"/>
-                <a:cs typeface="Calibri"/>
-                <a:sym typeface="Calibri"/>
+                <a:latin typeface="Calibri" panose="020F0502020204030204"/>
+                <a:ea typeface="Calibri" panose="020F0502020204030204"/>
+                <a:cs typeface="Calibri" panose="020F0502020204030204"/>
+                <a:sym typeface="Calibri" panose="020F0502020204030204"/>
               </a:defRPr>
             </a:pPr>
             <a:r>
@@ -939,8 +1010,8 @@
 </p:notes>
 </file>
 
-<file path=ppt/notesSlides/notesSlide14.xml><?xml version="1.0" encoding="utf-8"?>
-<p:notes xmlns:a="http://schemas.openxmlformats.org/drawingml/2006/main" xmlns:r="http://schemas.openxmlformats.org/officeDocument/2006/relationships" xmlns:p="http://schemas.openxmlformats.org/presentationml/2006/main" xmlns:m="http://schemas.openxmlformats.org/officeDocument/2006/math" xmlns:a14="http://schemas.microsoft.com/office/drawing/2010/main" showMasterSp="1" showMasterPhAnim="1">
+<file path=ppt/notesSlides/notesSlide15.xml><?xml version="1.0" encoding="utf-8"?>
+<p:notes xmlns:a="http://schemas.openxmlformats.org/drawingml/2006/main" xmlns:r="http://schemas.openxmlformats.org/officeDocument/2006/relationships" xmlns:p="http://schemas.openxmlformats.org/presentationml/2006/main">
   <p:cSld>
     <p:spTree>
       <p:nvGrpSpPr>
@@ -958,7 +1029,7 @@
       </p:grpSpPr>
       <p:sp>
         <p:nvSpPr>
-          <p:cNvPr id="221" name="Shape 221"/>
+          <p:cNvPr id="227" name="Shape 227"/>
           <p:cNvSpPr/>
           <p:nvPr>
             <p:ph type="sldImg"/>
@@ -972,14 +1043,12 @@
         <p:txBody>
           <a:bodyPr/>
           <a:lstStyle/>
-          <a:p>
-            <a:pPr/>
-          </a:p>
-        </p:txBody>
-      </p:sp>
-      <p:sp>
-        <p:nvSpPr>
-          <p:cNvPr id="222" name="Shape 222"/>
+          <a:p/>
+        </p:txBody>
+      </p:sp>
+      <p:sp>
+        <p:nvSpPr>
+          <p:cNvPr id="228" name="Shape 228"/>
           <p:cNvSpPr/>
           <p:nvPr>
             <p:ph type="body" sz="quarter" idx="1"/>
@@ -996,10 +1065,10 @@
           <a:p>
             <a:pPr>
               <a:defRPr>
-                <a:latin typeface="Calibri"/>
-                <a:ea typeface="Calibri"/>
-                <a:cs typeface="Calibri"/>
-                <a:sym typeface="Calibri"/>
+                <a:latin typeface="Calibri" panose="020F0502020204030204"/>
+                <a:ea typeface="Calibri" panose="020F0502020204030204"/>
+                <a:cs typeface="Calibri" panose="020F0502020204030204"/>
+                <a:sym typeface="Calibri" panose="020F0502020204030204"/>
               </a:defRPr>
             </a:pPr>
             <a:r>
@@ -1009,10 +1078,10 @@
           <a:p>
             <a:pPr>
               <a:defRPr>
-                <a:latin typeface="Calibri"/>
-                <a:ea typeface="Calibri"/>
-                <a:cs typeface="Calibri"/>
-                <a:sym typeface="Calibri"/>
+                <a:latin typeface="Calibri" panose="020F0502020204030204"/>
+                <a:ea typeface="Calibri" panose="020F0502020204030204"/>
+                <a:cs typeface="Calibri" panose="020F0502020204030204"/>
+                <a:sym typeface="Calibri" panose="020F0502020204030204"/>
               </a:defRPr>
             </a:pPr>
             <a:r>
@@ -1029,8 +1098,8 @@
 </p:notes>
 </file>
 
-<file path=ppt/notesSlides/notesSlide15.xml><?xml version="1.0" encoding="utf-8"?>
-<p:notes xmlns:a="http://schemas.openxmlformats.org/drawingml/2006/main" xmlns:r="http://schemas.openxmlformats.org/officeDocument/2006/relationships" xmlns:p="http://schemas.openxmlformats.org/presentationml/2006/main" xmlns:m="http://schemas.openxmlformats.org/officeDocument/2006/math" xmlns:a14="http://schemas.microsoft.com/office/drawing/2010/main" showMasterSp="1" showMasterPhAnim="1">
+<file path=ppt/notesSlides/notesSlide16.xml><?xml version="1.0" encoding="utf-8"?>
+<p:notes xmlns:a="http://schemas.openxmlformats.org/drawingml/2006/main" xmlns:r="http://schemas.openxmlformats.org/officeDocument/2006/relationships" xmlns:p="http://schemas.openxmlformats.org/presentationml/2006/main">
   <p:cSld>
     <p:spTree>
       <p:nvGrpSpPr>
@@ -1048,7 +1117,7 @@
       </p:grpSpPr>
       <p:sp>
         <p:nvSpPr>
-          <p:cNvPr id="227" name="Shape 227"/>
+          <p:cNvPr id="233" name="Shape 233"/>
           <p:cNvSpPr/>
           <p:nvPr>
             <p:ph type="sldImg"/>
@@ -1062,14 +1131,12 @@
         <p:txBody>
           <a:bodyPr/>
           <a:lstStyle/>
-          <a:p>
-            <a:pPr/>
-          </a:p>
-        </p:txBody>
-      </p:sp>
-      <p:sp>
-        <p:nvSpPr>
-          <p:cNvPr id="228" name="Shape 228"/>
+          <a:p/>
+        </p:txBody>
+      </p:sp>
+      <p:sp>
+        <p:nvSpPr>
+          <p:cNvPr id="234" name="Shape 234"/>
           <p:cNvSpPr/>
           <p:nvPr>
             <p:ph type="body" sz="quarter" idx="1"/>
@@ -1086,10 +1153,10 @@
           <a:p>
             <a:pPr>
               <a:defRPr>
-                <a:latin typeface="Calibri"/>
-                <a:ea typeface="Calibri"/>
-                <a:cs typeface="Calibri"/>
-                <a:sym typeface="Calibri"/>
+                <a:latin typeface="Calibri" panose="020F0502020204030204"/>
+                <a:ea typeface="Calibri" panose="020F0502020204030204"/>
+                <a:cs typeface="Calibri" panose="020F0502020204030204"/>
+                <a:sym typeface="Calibri" panose="020F0502020204030204"/>
               </a:defRPr>
             </a:pPr>
             <a:r>
@@ -1099,10 +1166,10 @@
           <a:p>
             <a:pPr>
               <a:defRPr>
-                <a:latin typeface="Calibri"/>
-                <a:ea typeface="Calibri"/>
-                <a:cs typeface="Calibri"/>
-                <a:sym typeface="Calibri"/>
+                <a:latin typeface="Calibri" panose="020F0502020204030204"/>
+                <a:ea typeface="Calibri" panose="020F0502020204030204"/>
+                <a:cs typeface="Calibri" panose="020F0502020204030204"/>
+                <a:sym typeface="Calibri" panose="020F0502020204030204"/>
               </a:defRPr>
             </a:pPr>
             <a:r>
@@ -1119,8 +1186,8 @@
 </p:notes>
 </file>
 
-<file path=ppt/notesSlides/notesSlide16.xml><?xml version="1.0" encoding="utf-8"?>
-<p:notes xmlns:a="http://schemas.openxmlformats.org/drawingml/2006/main" xmlns:r="http://schemas.openxmlformats.org/officeDocument/2006/relationships" xmlns:p="http://schemas.openxmlformats.org/presentationml/2006/main" xmlns:m="http://schemas.openxmlformats.org/officeDocument/2006/math" xmlns:a14="http://schemas.microsoft.com/office/drawing/2010/main" showMasterSp="1" showMasterPhAnim="1">
+<file path=ppt/notesSlides/notesSlide17.xml><?xml version="1.0" encoding="utf-8"?>
+<p:notes xmlns:a="http://schemas.openxmlformats.org/drawingml/2006/main" xmlns:r="http://schemas.openxmlformats.org/officeDocument/2006/relationships" xmlns:p="http://schemas.openxmlformats.org/presentationml/2006/main">
   <p:cSld>
     <p:spTree>
       <p:nvGrpSpPr>
@@ -1138,7 +1205,7 @@
       </p:grpSpPr>
       <p:sp>
         <p:nvSpPr>
-          <p:cNvPr id="233" name="Shape 233"/>
+          <p:cNvPr id="239" name="Shape 239"/>
           <p:cNvSpPr/>
           <p:nvPr>
             <p:ph type="sldImg"/>
@@ -1152,14 +1219,12 @@
         <p:txBody>
           <a:bodyPr/>
           <a:lstStyle/>
-          <a:p>
-            <a:pPr/>
-          </a:p>
-        </p:txBody>
-      </p:sp>
-      <p:sp>
-        <p:nvSpPr>
-          <p:cNvPr id="234" name="Shape 234"/>
+          <a:p/>
+        </p:txBody>
+      </p:sp>
+      <p:sp>
+        <p:nvSpPr>
+          <p:cNvPr id="240" name="Shape 240"/>
           <p:cNvSpPr/>
           <p:nvPr>
             <p:ph type="body" sz="quarter" idx="1"/>
@@ -1176,10 +1241,10 @@
           <a:p>
             <a:pPr>
               <a:defRPr>
-                <a:latin typeface="Calibri"/>
-                <a:ea typeface="Calibri"/>
-                <a:cs typeface="Calibri"/>
-                <a:sym typeface="Calibri"/>
+                <a:latin typeface="Calibri" panose="020F0502020204030204"/>
+                <a:ea typeface="Calibri" panose="020F0502020204030204"/>
+                <a:cs typeface="Calibri" panose="020F0502020204030204"/>
+                <a:sym typeface="Calibri" panose="020F0502020204030204"/>
               </a:defRPr>
             </a:pPr>
             <a:r>
@@ -1189,10 +1254,10 @@
           <a:p>
             <a:pPr>
               <a:defRPr>
-                <a:latin typeface="Calibri"/>
-                <a:ea typeface="Calibri"/>
-                <a:cs typeface="Calibri"/>
-                <a:sym typeface="Calibri"/>
+                <a:latin typeface="Calibri" panose="020F0502020204030204"/>
+                <a:ea typeface="Calibri" panose="020F0502020204030204"/>
+                <a:cs typeface="Calibri" panose="020F0502020204030204"/>
+                <a:sym typeface="Calibri" panose="020F0502020204030204"/>
               </a:defRPr>
             </a:pPr>
             <a:r>
@@ -1209,8 +1274,8 @@
 </p:notes>
 </file>
 
-<file path=ppt/notesSlides/notesSlide17.xml><?xml version="1.0" encoding="utf-8"?>
-<p:notes xmlns:a="http://schemas.openxmlformats.org/drawingml/2006/main" xmlns:r="http://schemas.openxmlformats.org/officeDocument/2006/relationships" xmlns:p="http://schemas.openxmlformats.org/presentationml/2006/main" xmlns:m="http://schemas.openxmlformats.org/officeDocument/2006/math" xmlns:a14="http://schemas.microsoft.com/office/drawing/2010/main" showMasterSp="1" showMasterPhAnim="1">
+<file path=ppt/notesSlides/notesSlide18.xml><?xml version="1.0" encoding="utf-8"?>
+<p:notes xmlns:a="http://schemas.openxmlformats.org/drawingml/2006/main" xmlns:r="http://schemas.openxmlformats.org/officeDocument/2006/relationships" xmlns:p="http://schemas.openxmlformats.org/presentationml/2006/main">
   <p:cSld>
     <p:spTree>
       <p:nvGrpSpPr>
@@ -1228,7 +1293,7 @@
       </p:grpSpPr>
       <p:sp>
         <p:nvSpPr>
-          <p:cNvPr id="239" name="Shape 239"/>
+          <p:cNvPr id="243" name="Shape 243"/>
           <p:cNvSpPr/>
           <p:nvPr>
             <p:ph type="sldImg"/>
@@ -1242,14 +1307,12 @@
         <p:txBody>
           <a:bodyPr/>
           <a:lstStyle/>
-          <a:p>
-            <a:pPr/>
-          </a:p>
-        </p:txBody>
-      </p:sp>
-      <p:sp>
-        <p:nvSpPr>
-          <p:cNvPr id="240" name="Shape 240"/>
+          <a:p/>
+        </p:txBody>
+      </p:sp>
+      <p:sp>
+        <p:nvSpPr>
+          <p:cNvPr id="244" name="Shape 244"/>
           <p:cNvSpPr/>
           <p:nvPr>
             <p:ph type="body" sz="quarter" idx="1"/>
@@ -1266,10 +1329,10 @@
           <a:p>
             <a:pPr>
               <a:defRPr>
-                <a:latin typeface="Calibri"/>
-                <a:ea typeface="Calibri"/>
-                <a:cs typeface="Calibri"/>
-                <a:sym typeface="Calibri"/>
+                <a:latin typeface="Calibri" panose="020F0502020204030204"/>
+                <a:ea typeface="Calibri" panose="020F0502020204030204"/>
+                <a:cs typeface="Calibri" panose="020F0502020204030204"/>
+                <a:sym typeface="Calibri" panose="020F0502020204030204"/>
               </a:defRPr>
             </a:pPr>
             <a:r>
@@ -1279,10 +1342,10 @@
           <a:p>
             <a:pPr>
               <a:defRPr>
-                <a:latin typeface="Calibri"/>
-                <a:ea typeface="Calibri"/>
-                <a:cs typeface="Calibri"/>
-                <a:sym typeface="Calibri"/>
+                <a:latin typeface="Calibri" panose="020F0502020204030204"/>
+                <a:ea typeface="Calibri" panose="020F0502020204030204"/>
+                <a:cs typeface="Calibri" panose="020F0502020204030204"/>
+                <a:sym typeface="Calibri" panose="020F0502020204030204"/>
               </a:defRPr>
             </a:pPr>
             <a:r>
@@ -1299,8 +1362,8 @@
 </p:notes>
 </file>
 
-<file path=ppt/notesSlides/notesSlide18.xml><?xml version="1.0" encoding="utf-8"?>
-<p:notes xmlns:a="http://schemas.openxmlformats.org/drawingml/2006/main" xmlns:r="http://schemas.openxmlformats.org/officeDocument/2006/relationships" xmlns:p="http://schemas.openxmlformats.org/presentationml/2006/main" xmlns:m="http://schemas.openxmlformats.org/officeDocument/2006/math" xmlns:a14="http://schemas.microsoft.com/office/drawing/2010/main" showMasterSp="1" showMasterPhAnim="1">
+<file path=ppt/notesSlides/notesSlide19.xml><?xml version="1.0" encoding="utf-8"?>
+<p:notes xmlns:a="http://schemas.openxmlformats.org/drawingml/2006/main" xmlns:r="http://schemas.openxmlformats.org/officeDocument/2006/relationships" xmlns:p="http://schemas.openxmlformats.org/presentationml/2006/main">
   <p:cSld>
     <p:spTree>
       <p:nvGrpSpPr>
@@ -1318,7 +1381,7 @@
       </p:grpSpPr>
       <p:sp>
         <p:nvSpPr>
-          <p:cNvPr id="243" name="Shape 243"/>
+          <p:cNvPr id="247" name="Shape 247"/>
           <p:cNvSpPr/>
           <p:nvPr>
             <p:ph type="sldImg"/>
@@ -1332,14 +1395,12 @@
         <p:txBody>
           <a:bodyPr/>
           <a:lstStyle/>
-          <a:p>
-            <a:pPr/>
-          </a:p>
-        </p:txBody>
-      </p:sp>
-      <p:sp>
-        <p:nvSpPr>
-          <p:cNvPr id="244" name="Shape 244"/>
+          <a:p/>
+        </p:txBody>
+      </p:sp>
+      <p:sp>
+        <p:nvSpPr>
+          <p:cNvPr id="248" name="Shape 248"/>
           <p:cNvSpPr/>
           <p:nvPr>
             <p:ph type="body" sz="quarter" idx="1"/>
@@ -1356,10 +1417,10 @@
           <a:p>
             <a:pPr>
               <a:defRPr>
-                <a:latin typeface="Calibri"/>
-                <a:ea typeface="Calibri"/>
-                <a:cs typeface="Calibri"/>
-                <a:sym typeface="Calibri"/>
+                <a:latin typeface="Calibri" panose="020F0502020204030204"/>
+                <a:ea typeface="Calibri" panose="020F0502020204030204"/>
+                <a:cs typeface="Calibri" panose="020F0502020204030204"/>
+                <a:sym typeface="Calibri" panose="020F0502020204030204"/>
               </a:defRPr>
             </a:pPr>
             <a:r>
@@ -1369,10 +1430,10 @@
           <a:p>
             <a:pPr>
               <a:defRPr>
-                <a:latin typeface="Calibri"/>
-                <a:ea typeface="Calibri"/>
-                <a:cs typeface="Calibri"/>
-                <a:sym typeface="Calibri"/>
+                <a:latin typeface="Calibri" panose="020F0502020204030204"/>
+                <a:ea typeface="Calibri" panose="020F0502020204030204"/>
+                <a:cs typeface="Calibri" panose="020F0502020204030204"/>
+                <a:sym typeface="Calibri" panose="020F0502020204030204"/>
               </a:defRPr>
             </a:pPr>
             <a:r>
@@ -1389,8 +1450,8 @@
 </p:notes>
 </file>
 
-<file path=ppt/notesSlides/notesSlide19.xml><?xml version="1.0" encoding="utf-8"?>
-<p:notes xmlns:a="http://schemas.openxmlformats.org/drawingml/2006/main" xmlns:r="http://schemas.openxmlformats.org/officeDocument/2006/relationships" xmlns:p="http://schemas.openxmlformats.org/presentationml/2006/main" xmlns:m="http://schemas.openxmlformats.org/officeDocument/2006/math" xmlns:a14="http://schemas.microsoft.com/office/drawing/2010/main" showMasterSp="1" showMasterPhAnim="1">
+<file path=ppt/notesSlides/notesSlide2.xml><?xml version="1.0" encoding="utf-8"?>
+<p:notes xmlns:a="http://schemas.openxmlformats.org/drawingml/2006/main" xmlns:r="http://schemas.openxmlformats.org/officeDocument/2006/relationships" xmlns:p="http://schemas.openxmlformats.org/presentationml/2006/main">
   <p:cSld>
     <p:spTree>
       <p:nvGrpSpPr>
@@ -1408,7 +1469,7 @@
       </p:grpSpPr>
       <p:sp>
         <p:nvSpPr>
-          <p:cNvPr id="247" name="Shape 247"/>
+          <p:cNvPr id="161" name="Shape 161"/>
           <p:cNvSpPr/>
           <p:nvPr>
             <p:ph type="sldImg"/>
@@ -1422,14 +1483,12 @@
         <p:txBody>
           <a:bodyPr/>
           <a:lstStyle/>
-          <a:p>
-            <a:pPr/>
-          </a:p>
-        </p:txBody>
-      </p:sp>
-      <p:sp>
-        <p:nvSpPr>
-          <p:cNvPr id="248" name="Shape 248"/>
+          <a:p/>
+        </p:txBody>
+      </p:sp>
+      <p:sp>
+        <p:nvSpPr>
+          <p:cNvPr id="162" name="Shape 162"/>
           <p:cNvSpPr/>
           <p:nvPr>
             <p:ph type="body" sz="quarter" idx="1"/>
@@ -1446,10 +1505,10 @@
           <a:p>
             <a:pPr>
               <a:defRPr>
-                <a:latin typeface="Calibri"/>
-                <a:ea typeface="Calibri"/>
-                <a:cs typeface="Calibri"/>
-                <a:sym typeface="Calibri"/>
+                <a:latin typeface="Calibri" panose="020F0502020204030204"/>
+                <a:ea typeface="Calibri" panose="020F0502020204030204"/>
+                <a:cs typeface="Calibri" panose="020F0502020204030204"/>
+                <a:sym typeface="Calibri" panose="020F0502020204030204"/>
               </a:defRPr>
             </a:pPr>
             <a:r>
@@ -1459,10 +1518,10 @@
           <a:p>
             <a:pPr>
               <a:defRPr>
-                <a:latin typeface="Calibri"/>
-                <a:ea typeface="Calibri"/>
-                <a:cs typeface="Calibri"/>
-                <a:sym typeface="Calibri"/>
+                <a:latin typeface="Calibri" panose="020F0502020204030204"/>
+                <a:ea typeface="Calibri" panose="020F0502020204030204"/>
+                <a:cs typeface="Calibri" panose="020F0502020204030204"/>
+                <a:sym typeface="Calibri" panose="020F0502020204030204"/>
               </a:defRPr>
             </a:pPr>
             <a:r>
@@ -1479,8 +1538,8 @@
 </p:notes>
 </file>
 
-<file path=ppt/notesSlides/notesSlide2.xml><?xml version="1.0" encoding="utf-8"?>
-<p:notes xmlns:a="http://schemas.openxmlformats.org/drawingml/2006/main" xmlns:r="http://schemas.openxmlformats.org/officeDocument/2006/relationships" xmlns:p="http://schemas.openxmlformats.org/presentationml/2006/main" xmlns:m="http://schemas.openxmlformats.org/officeDocument/2006/math" xmlns:a14="http://schemas.microsoft.com/office/drawing/2010/main" showMasterSp="1" showMasterPhAnim="1">
+<file path=ppt/notesSlides/notesSlide20.xml><?xml version="1.0" encoding="utf-8"?>
+<p:notes xmlns:a="http://schemas.openxmlformats.org/drawingml/2006/main" xmlns:r="http://schemas.openxmlformats.org/officeDocument/2006/relationships" xmlns:p="http://schemas.openxmlformats.org/presentationml/2006/main">
   <p:cSld>
     <p:spTree>
       <p:nvGrpSpPr>
@@ -1498,7 +1557,7 @@
       </p:grpSpPr>
       <p:sp>
         <p:nvSpPr>
-          <p:cNvPr id="161" name="Shape 161"/>
+          <p:cNvPr id="252" name="Shape 252"/>
           <p:cNvSpPr/>
           <p:nvPr>
             <p:ph type="sldImg"/>
@@ -1512,14 +1571,12 @@
         <p:txBody>
           <a:bodyPr/>
           <a:lstStyle/>
-          <a:p>
-            <a:pPr/>
-          </a:p>
-        </p:txBody>
-      </p:sp>
-      <p:sp>
-        <p:nvSpPr>
-          <p:cNvPr id="162" name="Shape 162"/>
+          <a:p/>
+        </p:txBody>
+      </p:sp>
+      <p:sp>
+        <p:nvSpPr>
+          <p:cNvPr id="253" name="Shape 253"/>
           <p:cNvSpPr/>
           <p:nvPr>
             <p:ph type="body" sz="quarter" idx="1"/>
@@ -1536,10 +1593,10 @@
           <a:p>
             <a:pPr>
               <a:defRPr>
-                <a:latin typeface="Calibri"/>
-                <a:ea typeface="Calibri"/>
-                <a:cs typeface="Calibri"/>
-                <a:sym typeface="Calibri"/>
+                <a:latin typeface="Calibri" panose="020F0502020204030204"/>
+                <a:ea typeface="Calibri" panose="020F0502020204030204"/>
+                <a:cs typeface="Calibri" panose="020F0502020204030204"/>
+                <a:sym typeface="Calibri" panose="020F0502020204030204"/>
               </a:defRPr>
             </a:pPr>
             <a:r>
@@ -1549,10 +1606,10 @@
           <a:p>
             <a:pPr>
               <a:defRPr>
-                <a:latin typeface="Calibri"/>
-                <a:ea typeface="Calibri"/>
-                <a:cs typeface="Calibri"/>
-                <a:sym typeface="Calibri"/>
+                <a:latin typeface="Calibri" panose="020F0502020204030204"/>
+                <a:ea typeface="Calibri" panose="020F0502020204030204"/>
+                <a:cs typeface="Calibri" panose="020F0502020204030204"/>
+                <a:sym typeface="Calibri" panose="020F0502020204030204"/>
               </a:defRPr>
             </a:pPr>
             <a:r>
@@ -1569,8 +1626,8 @@
 </p:notes>
 </file>
 
-<file path=ppt/notesSlides/notesSlide20.xml><?xml version="1.0" encoding="utf-8"?>
-<p:notes xmlns:a="http://schemas.openxmlformats.org/drawingml/2006/main" xmlns:r="http://schemas.openxmlformats.org/officeDocument/2006/relationships" xmlns:p="http://schemas.openxmlformats.org/presentationml/2006/main" xmlns:m="http://schemas.openxmlformats.org/officeDocument/2006/math" xmlns:a14="http://schemas.microsoft.com/office/drawing/2010/main" showMasterSp="1" showMasterPhAnim="1">
+<file path=ppt/notesSlides/notesSlide21.xml><?xml version="1.0" encoding="utf-8"?>
+<p:notes xmlns:a="http://schemas.openxmlformats.org/drawingml/2006/main" xmlns:r="http://schemas.openxmlformats.org/officeDocument/2006/relationships" xmlns:p="http://schemas.openxmlformats.org/presentationml/2006/main">
   <p:cSld>
     <p:spTree>
       <p:nvGrpSpPr>
@@ -1588,7 +1645,7 @@
       </p:grpSpPr>
       <p:sp>
         <p:nvSpPr>
-          <p:cNvPr id="252" name="Shape 252"/>
+          <p:cNvPr id="256" name="Shape 256"/>
           <p:cNvSpPr/>
           <p:nvPr>
             <p:ph type="sldImg"/>
@@ -1602,14 +1659,12 @@
         <p:txBody>
           <a:bodyPr/>
           <a:lstStyle/>
-          <a:p>
-            <a:pPr/>
-          </a:p>
-        </p:txBody>
-      </p:sp>
-      <p:sp>
-        <p:nvSpPr>
-          <p:cNvPr id="253" name="Shape 253"/>
+          <a:p/>
+        </p:txBody>
+      </p:sp>
+      <p:sp>
+        <p:nvSpPr>
+          <p:cNvPr id="257" name="Shape 257"/>
           <p:cNvSpPr/>
           <p:nvPr>
             <p:ph type="body" sz="quarter" idx="1"/>
@@ -1626,10 +1681,10 @@
           <a:p>
             <a:pPr>
               <a:defRPr>
-                <a:latin typeface="Calibri"/>
-                <a:ea typeface="Calibri"/>
-                <a:cs typeface="Calibri"/>
-                <a:sym typeface="Calibri"/>
+                <a:latin typeface="Calibri" panose="020F0502020204030204"/>
+                <a:ea typeface="Calibri" panose="020F0502020204030204"/>
+                <a:cs typeface="Calibri" panose="020F0502020204030204"/>
+                <a:sym typeface="Calibri" panose="020F0502020204030204"/>
               </a:defRPr>
             </a:pPr>
             <a:r>
@@ -1639,10 +1694,10 @@
           <a:p>
             <a:pPr>
               <a:defRPr>
-                <a:latin typeface="Calibri"/>
-                <a:ea typeface="Calibri"/>
-                <a:cs typeface="Calibri"/>
-                <a:sym typeface="Calibri"/>
+                <a:latin typeface="Calibri" panose="020F0502020204030204"/>
+                <a:ea typeface="Calibri" panose="020F0502020204030204"/>
+                <a:cs typeface="Calibri" panose="020F0502020204030204"/>
+                <a:sym typeface="Calibri" panose="020F0502020204030204"/>
               </a:defRPr>
             </a:pPr>
             <a:r>
@@ -1659,8 +1714,8 @@
 </p:notes>
 </file>
 
-<file path=ppt/notesSlides/notesSlide21.xml><?xml version="1.0" encoding="utf-8"?>
-<p:notes xmlns:a="http://schemas.openxmlformats.org/drawingml/2006/main" xmlns:r="http://schemas.openxmlformats.org/officeDocument/2006/relationships" xmlns:p="http://schemas.openxmlformats.org/presentationml/2006/main" xmlns:m="http://schemas.openxmlformats.org/officeDocument/2006/math" xmlns:a14="http://schemas.microsoft.com/office/drawing/2010/main" showMasterSp="1" showMasterPhAnim="1">
+<file path=ppt/notesSlides/notesSlide22.xml><?xml version="1.0" encoding="utf-8"?>
+<p:notes xmlns:a="http://schemas.openxmlformats.org/drawingml/2006/main" xmlns:r="http://schemas.openxmlformats.org/officeDocument/2006/relationships" xmlns:p="http://schemas.openxmlformats.org/presentationml/2006/main">
   <p:cSld>
     <p:spTree>
       <p:nvGrpSpPr>
@@ -1678,7 +1733,7 @@
       </p:grpSpPr>
       <p:sp>
         <p:nvSpPr>
-          <p:cNvPr id="256" name="Shape 256"/>
+          <p:cNvPr id="260" name="Shape 260"/>
           <p:cNvSpPr/>
           <p:nvPr>
             <p:ph type="sldImg"/>
@@ -1692,14 +1747,12 @@
         <p:txBody>
           <a:bodyPr/>
           <a:lstStyle/>
-          <a:p>
-            <a:pPr/>
-          </a:p>
-        </p:txBody>
-      </p:sp>
-      <p:sp>
-        <p:nvSpPr>
-          <p:cNvPr id="257" name="Shape 257"/>
+          <a:p/>
+        </p:txBody>
+      </p:sp>
+      <p:sp>
+        <p:nvSpPr>
+          <p:cNvPr id="261" name="Shape 261"/>
           <p:cNvSpPr/>
           <p:nvPr>
             <p:ph type="body" sz="quarter" idx="1"/>
@@ -1716,10 +1769,10 @@
           <a:p>
             <a:pPr>
               <a:defRPr>
-                <a:latin typeface="Calibri"/>
-                <a:ea typeface="Calibri"/>
-                <a:cs typeface="Calibri"/>
-                <a:sym typeface="Calibri"/>
+                <a:latin typeface="Calibri" panose="020F0502020204030204"/>
+                <a:ea typeface="Calibri" panose="020F0502020204030204"/>
+                <a:cs typeface="Calibri" panose="020F0502020204030204"/>
+                <a:sym typeface="Calibri" panose="020F0502020204030204"/>
               </a:defRPr>
             </a:pPr>
             <a:r>
@@ -1729,10 +1782,10 @@
           <a:p>
             <a:pPr>
               <a:defRPr>
-                <a:latin typeface="Calibri"/>
-                <a:ea typeface="Calibri"/>
-                <a:cs typeface="Calibri"/>
-                <a:sym typeface="Calibri"/>
+                <a:latin typeface="Calibri" panose="020F0502020204030204"/>
+                <a:ea typeface="Calibri" panose="020F0502020204030204"/>
+                <a:cs typeface="Calibri" panose="020F0502020204030204"/>
+                <a:sym typeface="Calibri" panose="020F0502020204030204"/>
               </a:defRPr>
             </a:pPr>
             <a:r>
@@ -1749,8 +1802,8 @@
 </p:notes>
 </file>
 
-<file path=ppt/notesSlides/notesSlide22.xml><?xml version="1.0" encoding="utf-8"?>
-<p:notes xmlns:a="http://schemas.openxmlformats.org/drawingml/2006/main" xmlns:r="http://schemas.openxmlformats.org/officeDocument/2006/relationships" xmlns:p="http://schemas.openxmlformats.org/presentationml/2006/main" xmlns:m="http://schemas.openxmlformats.org/officeDocument/2006/math" xmlns:a14="http://schemas.microsoft.com/office/drawing/2010/main" showMasterSp="1" showMasterPhAnim="1">
+<file path=ppt/notesSlides/notesSlide23.xml><?xml version="1.0" encoding="utf-8"?>
+<p:notes xmlns:a="http://schemas.openxmlformats.org/drawingml/2006/main" xmlns:r="http://schemas.openxmlformats.org/officeDocument/2006/relationships" xmlns:p="http://schemas.openxmlformats.org/presentationml/2006/main">
   <p:cSld>
     <p:spTree>
       <p:nvGrpSpPr>
@@ -1768,7 +1821,7 @@
       </p:grpSpPr>
       <p:sp>
         <p:nvSpPr>
-          <p:cNvPr id="260" name="Shape 260"/>
+          <p:cNvPr id="265" name="Shape 265"/>
           <p:cNvSpPr/>
           <p:nvPr>
             <p:ph type="sldImg"/>
@@ -1782,14 +1835,12 @@
         <p:txBody>
           <a:bodyPr/>
           <a:lstStyle/>
-          <a:p>
-            <a:pPr/>
-          </a:p>
-        </p:txBody>
-      </p:sp>
-      <p:sp>
-        <p:nvSpPr>
-          <p:cNvPr id="261" name="Shape 261"/>
+          <a:p/>
+        </p:txBody>
+      </p:sp>
+      <p:sp>
+        <p:nvSpPr>
+          <p:cNvPr id="266" name="Shape 266"/>
           <p:cNvSpPr/>
           <p:nvPr>
             <p:ph type="body" sz="quarter" idx="1"/>
@@ -1806,10 +1857,10 @@
           <a:p>
             <a:pPr>
               <a:defRPr>
-                <a:latin typeface="Calibri"/>
-                <a:ea typeface="Calibri"/>
-                <a:cs typeface="Calibri"/>
-                <a:sym typeface="Calibri"/>
+                <a:latin typeface="Calibri" panose="020F0502020204030204"/>
+                <a:ea typeface="Calibri" panose="020F0502020204030204"/>
+                <a:cs typeface="Calibri" panose="020F0502020204030204"/>
+                <a:sym typeface="Calibri" panose="020F0502020204030204"/>
               </a:defRPr>
             </a:pPr>
             <a:r>
@@ -1819,10 +1870,10 @@
           <a:p>
             <a:pPr>
               <a:defRPr>
-                <a:latin typeface="Calibri"/>
-                <a:ea typeface="Calibri"/>
-                <a:cs typeface="Calibri"/>
-                <a:sym typeface="Calibri"/>
+                <a:latin typeface="Calibri" panose="020F0502020204030204"/>
+                <a:ea typeface="Calibri" panose="020F0502020204030204"/>
+                <a:cs typeface="Calibri" panose="020F0502020204030204"/>
+                <a:sym typeface="Calibri" panose="020F0502020204030204"/>
               </a:defRPr>
             </a:pPr>
             <a:r>
@@ -1839,8 +1890,8 @@
 </p:notes>
 </file>
 
-<file path=ppt/notesSlides/notesSlide23.xml><?xml version="1.0" encoding="utf-8"?>
-<p:notes xmlns:a="http://schemas.openxmlformats.org/drawingml/2006/main" xmlns:r="http://schemas.openxmlformats.org/officeDocument/2006/relationships" xmlns:p="http://schemas.openxmlformats.org/presentationml/2006/main" xmlns:m="http://schemas.openxmlformats.org/officeDocument/2006/math" xmlns:a14="http://schemas.microsoft.com/office/drawing/2010/main" showMasterSp="1" showMasterPhAnim="1">
+<file path=ppt/notesSlides/notesSlide24.xml><?xml version="1.0" encoding="utf-8"?>
+<p:notes xmlns:a="http://schemas.openxmlformats.org/drawingml/2006/main" xmlns:r="http://schemas.openxmlformats.org/officeDocument/2006/relationships" xmlns:p="http://schemas.openxmlformats.org/presentationml/2006/main">
   <p:cSld>
     <p:spTree>
       <p:nvGrpSpPr>
@@ -1858,7 +1909,7 @@
       </p:grpSpPr>
       <p:sp>
         <p:nvSpPr>
-          <p:cNvPr id="265" name="Shape 265"/>
+          <p:cNvPr id="269" name="Shape 269"/>
           <p:cNvSpPr/>
           <p:nvPr>
             <p:ph type="sldImg"/>
@@ -1872,14 +1923,12 @@
         <p:txBody>
           <a:bodyPr/>
           <a:lstStyle/>
-          <a:p>
-            <a:pPr/>
-          </a:p>
-        </p:txBody>
-      </p:sp>
-      <p:sp>
-        <p:nvSpPr>
-          <p:cNvPr id="266" name="Shape 266"/>
+          <a:p/>
+        </p:txBody>
+      </p:sp>
+      <p:sp>
+        <p:nvSpPr>
+          <p:cNvPr id="270" name="Shape 270"/>
           <p:cNvSpPr/>
           <p:nvPr>
             <p:ph type="body" sz="quarter" idx="1"/>
@@ -1896,10 +1945,10 @@
           <a:p>
             <a:pPr>
               <a:defRPr>
-                <a:latin typeface="Calibri"/>
-                <a:ea typeface="Calibri"/>
-                <a:cs typeface="Calibri"/>
-                <a:sym typeface="Calibri"/>
+                <a:latin typeface="Calibri" panose="020F0502020204030204"/>
+                <a:ea typeface="Calibri" panose="020F0502020204030204"/>
+                <a:cs typeface="Calibri" panose="020F0502020204030204"/>
+                <a:sym typeface="Calibri" panose="020F0502020204030204"/>
               </a:defRPr>
             </a:pPr>
             <a:r>
@@ -1909,10 +1958,10 @@
           <a:p>
             <a:pPr>
               <a:defRPr>
-                <a:latin typeface="Calibri"/>
-                <a:ea typeface="Calibri"/>
-                <a:cs typeface="Calibri"/>
-                <a:sym typeface="Calibri"/>
+                <a:latin typeface="Calibri" panose="020F0502020204030204"/>
+                <a:ea typeface="Calibri" panose="020F0502020204030204"/>
+                <a:cs typeface="Calibri" panose="020F0502020204030204"/>
+                <a:sym typeface="Calibri" panose="020F0502020204030204"/>
               </a:defRPr>
             </a:pPr>
             <a:r>
@@ -1929,8 +1978,8 @@
 </p:notes>
 </file>
 
-<file path=ppt/notesSlides/notesSlide24.xml><?xml version="1.0" encoding="utf-8"?>
-<p:notes xmlns:a="http://schemas.openxmlformats.org/drawingml/2006/main" xmlns:r="http://schemas.openxmlformats.org/officeDocument/2006/relationships" xmlns:p="http://schemas.openxmlformats.org/presentationml/2006/main" xmlns:m="http://schemas.openxmlformats.org/officeDocument/2006/math" xmlns:a14="http://schemas.microsoft.com/office/drawing/2010/main" showMasterSp="1" showMasterPhAnim="1">
+<file path=ppt/notesSlides/notesSlide25.xml><?xml version="1.0" encoding="utf-8"?>
+<p:notes xmlns:a="http://schemas.openxmlformats.org/drawingml/2006/main" xmlns:r="http://schemas.openxmlformats.org/officeDocument/2006/relationships" xmlns:p="http://schemas.openxmlformats.org/presentationml/2006/main">
   <p:cSld>
     <p:spTree>
       <p:nvGrpSpPr>
@@ -1948,7 +1997,7 @@
       </p:grpSpPr>
       <p:sp>
         <p:nvSpPr>
-          <p:cNvPr id="269" name="Shape 269"/>
+          <p:cNvPr id="275" name="Shape 275"/>
           <p:cNvSpPr/>
           <p:nvPr>
             <p:ph type="sldImg"/>
@@ -1962,14 +2011,12 @@
         <p:txBody>
           <a:bodyPr/>
           <a:lstStyle/>
-          <a:p>
-            <a:pPr/>
-          </a:p>
-        </p:txBody>
-      </p:sp>
-      <p:sp>
-        <p:nvSpPr>
-          <p:cNvPr id="270" name="Shape 270"/>
+          <a:p/>
+        </p:txBody>
+      </p:sp>
+      <p:sp>
+        <p:nvSpPr>
+          <p:cNvPr id="276" name="Shape 276"/>
           <p:cNvSpPr/>
           <p:nvPr>
             <p:ph type="body" sz="quarter" idx="1"/>
@@ -1986,10 +2033,10 @@
           <a:p>
             <a:pPr>
               <a:defRPr>
-                <a:latin typeface="Calibri"/>
-                <a:ea typeface="Calibri"/>
-                <a:cs typeface="Calibri"/>
-                <a:sym typeface="Calibri"/>
+                <a:latin typeface="Calibri" panose="020F0502020204030204"/>
+                <a:ea typeface="Calibri" panose="020F0502020204030204"/>
+                <a:cs typeface="Calibri" panose="020F0502020204030204"/>
+                <a:sym typeface="Calibri" panose="020F0502020204030204"/>
               </a:defRPr>
             </a:pPr>
             <a:r>
@@ -1999,10 +2046,10 @@
           <a:p>
             <a:pPr>
               <a:defRPr>
-                <a:latin typeface="Calibri"/>
-                <a:ea typeface="Calibri"/>
-                <a:cs typeface="Calibri"/>
-                <a:sym typeface="Calibri"/>
+                <a:latin typeface="Calibri" panose="020F0502020204030204"/>
+                <a:ea typeface="Calibri" panose="020F0502020204030204"/>
+                <a:cs typeface="Calibri" panose="020F0502020204030204"/>
+                <a:sym typeface="Calibri" panose="020F0502020204030204"/>
               </a:defRPr>
             </a:pPr>
             <a:r>
@@ -2019,8 +2066,8 @@
 </p:notes>
 </file>
 
-<file path=ppt/notesSlides/notesSlide25.xml><?xml version="1.0" encoding="utf-8"?>
-<p:notes xmlns:a="http://schemas.openxmlformats.org/drawingml/2006/main" xmlns:r="http://schemas.openxmlformats.org/officeDocument/2006/relationships" xmlns:p="http://schemas.openxmlformats.org/presentationml/2006/main" xmlns:m="http://schemas.openxmlformats.org/officeDocument/2006/math" xmlns:a14="http://schemas.microsoft.com/office/drawing/2010/main" showMasterSp="1" showMasterPhAnim="1">
+<file path=ppt/notesSlides/notesSlide26.xml><?xml version="1.0" encoding="utf-8"?>
+<p:notes xmlns:a="http://schemas.openxmlformats.org/drawingml/2006/main" xmlns:r="http://schemas.openxmlformats.org/officeDocument/2006/relationships" xmlns:p="http://schemas.openxmlformats.org/presentationml/2006/main">
   <p:cSld>
     <p:spTree>
       <p:nvGrpSpPr>
@@ -2038,7 +2085,7 @@
       </p:grpSpPr>
       <p:sp>
         <p:nvSpPr>
-          <p:cNvPr id="275" name="Shape 275"/>
+          <p:cNvPr id="282" name="Shape 282"/>
           <p:cNvSpPr/>
           <p:nvPr>
             <p:ph type="sldImg"/>
@@ -2052,14 +2099,12 @@
         <p:txBody>
           <a:bodyPr/>
           <a:lstStyle/>
-          <a:p>
-            <a:pPr/>
-          </a:p>
-        </p:txBody>
-      </p:sp>
-      <p:sp>
-        <p:nvSpPr>
-          <p:cNvPr id="276" name="Shape 276"/>
+          <a:p/>
+        </p:txBody>
+      </p:sp>
+      <p:sp>
+        <p:nvSpPr>
+          <p:cNvPr id="283" name="Shape 283"/>
           <p:cNvSpPr/>
           <p:nvPr>
             <p:ph type="body" sz="quarter" idx="1"/>
@@ -2076,10 +2121,10 @@
           <a:p>
             <a:pPr>
               <a:defRPr>
-                <a:latin typeface="Calibri"/>
-                <a:ea typeface="Calibri"/>
-                <a:cs typeface="Calibri"/>
-                <a:sym typeface="Calibri"/>
+                <a:latin typeface="Calibri" panose="020F0502020204030204"/>
+                <a:ea typeface="Calibri" panose="020F0502020204030204"/>
+                <a:cs typeface="Calibri" panose="020F0502020204030204"/>
+                <a:sym typeface="Calibri" panose="020F0502020204030204"/>
               </a:defRPr>
             </a:pPr>
             <a:r>
@@ -2089,10 +2134,10 @@
           <a:p>
             <a:pPr>
               <a:defRPr>
-                <a:latin typeface="Calibri"/>
-                <a:ea typeface="Calibri"/>
-                <a:cs typeface="Calibri"/>
-                <a:sym typeface="Calibri"/>
+                <a:latin typeface="Calibri" panose="020F0502020204030204"/>
+                <a:ea typeface="Calibri" panose="020F0502020204030204"/>
+                <a:cs typeface="Calibri" panose="020F0502020204030204"/>
+                <a:sym typeface="Calibri" panose="020F0502020204030204"/>
               </a:defRPr>
             </a:pPr>
             <a:r>
@@ -2109,8 +2154,8 @@
 </p:notes>
 </file>
 
-<file path=ppt/notesSlides/notesSlide26.xml><?xml version="1.0" encoding="utf-8"?>
-<p:notes xmlns:a="http://schemas.openxmlformats.org/drawingml/2006/main" xmlns:r="http://schemas.openxmlformats.org/officeDocument/2006/relationships" xmlns:p="http://schemas.openxmlformats.org/presentationml/2006/main" xmlns:m="http://schemas.openxmlformats.org/officeDocument/2006/math" xmlns:a14="http://schemas.microsoft.com/office/drawing/2010/main" showMasterSp="1" showMasterPhAnim="1">
+<file path=ppt/notesSlides/notesSlide3.xml><?xml version="1.0" encoding="utf-8"?>
+<p:notes xmlns:a="http://schemas.openxmlformats.org/drawingml/2006/main" xmlns:r="http://schemas.openxmlformats.org/officeDocument/2006/relationships" xmlns:p="http://schemas.openxmlformats.org/presentationml/2006/main">
   <p:cSld>
     <p:spTree>
       <p:nvGrpSpPr>
@@ -2128,7 +2173,7 @@
       </p:grpSpPr>
       <p:sp>
         <p:nvSpPr>
-          <p:cNvPr id="282" name="Shape 282"/>
+          <p:cNvPr id="165" name="Shape 165"/>
           <p:cNvSpPr/>
           <p:nvPr>
             <p:ph type="sldImg"/>
@@ -2142,14 +2187,12 @@
         <p:txBody>
           <a:bodyPr/>
           <a:lstStyle/>
-          <a:p>
-            <a:pPr/>
-          </a:p>
-        </p:txBody>
-      </p:sp>
-      <p:sp>
-        <p:nvSpPr>
-          <p:cNvPr id="283" name="Shape 283"/>
+          <a:p/>
+        </p:txBody>
+      </p:sp>
+      <p:sp>
+        <p:nvSpPr>
+          <p:cNvPr id="166" name="Shape 166"/>
           <p:cNvSpPr/>
           <p:nvPr>
             <p:ph type="body" sz="quarter" idx="1"/>
@@ -2166,10 +2209,10 @@
           <a:p>
             <a:pPr>
               <a:defRPr>
-                <a:latin typeface="Calibri"/>
-                <a:ea typeface="Calibri"/>
-                <a:cs typeface="Calibri"/>
-                <a:sym typeface="Calibri"/>
+                <a:latin typeface="Calibri" panose="020F0502020204030204"/>
+                <a:ea typeface="Calibri" panose="020F0502020204030204"/>
+                <a:cs typeface="Calibri" panose="020F0502020204030204"/>
+                <a:sym typeface="Calibri" panose="020F0502020204030204"/>
               </a:defRPr>
             </a:pPr>
             <a:r>
@@ -2179,10 +2222,10 @@
           <a:p>
             <a:pPr>
               <a:defRPr>
-                <a:latin typeface="Calibri"/>
-                <a:ea typeface="Calibri"/>
-                <a:cs typeface="Calibri"/>
-                <a:sym typeface="Calibri"/>
+                <a:latin typeface="Calibri" panose="020F0502020204030204"/>
+                <a:ea typeface="Calibri" panose="020F0502020204030204"/>
+                <a:cs typeface="Calibri" panose="020F0502020204030204"/>
+                <a:sym typeface="Calibri" panose="020F0502020204030204"/>
               </a:defRPr>
             </a:pPr>
             <a:r>
@@ -2199,8 +2242,8 @@
 </p:notes>
 </file>
 
-<file path=ppt/notesSlides/notesSlide3.xml><?xml version="1.0" encoding="utf-8"?>
-<p:notes xmlns:a="http://schemas.openxmlformats.org/drawingml/2006/main" xmlns:r="http://schemas.openxmlformats.org/officeDocument/2006/relationships" xmlns:p="http://schemas.openxmlformats.org/presentationml/2006/main" xmlns:m="http://schemas.openxmlformats.org/officeDocument/2006/math" xmlns:a14="http://schemas.microsoft.com/office/drawing/2010/main" showMasterSp="1" showMasterPhAnim="1">
+<file path=ppt/notesSlides/notesSlide4.xml><?xml version="1.0" encoding="utf-8"?>
+<p:notes xmlns:a="http://schemas.openxmlformats.org/drawingml/2006/main" xmlns:r="http://schemas.openxmlformats.org/officeDocument/2006/relationships" xmlns:p="http://schemas.openxmlformats.org/presentationml/2006/main">
   <p:cSld>
     <p:spTree>
       <p:nvGrpSpPr>
@@ -2218,7 +2261,7 @@
       </p:grpSpPr>
       <p:sp>
         <p:nvSpPr>
-          <p:cNvPr id="165" name="Shape 165"/>
+          <p:cNvPr id="170" name="Shape 170"/>
           <p:cNvSpPr/>
           <p:nvPr>
             <p:ph type="sldImg"/>
@@ -2232,14 +2275,12 @@
         <p:txBody>
           <a:bodyPr/>
           <a:lstStyle/>
-          <a:p>
-            <a:pPr/>
-          </a:p>
-        </p:txBody>
-      </p:sp>
-      <p:sp>
-        <p:nvSpPr>
-          <p:cNvPr id="166" name="Shape 166"/>
+          <a:p/>
+        </p:txBody>
+      </p:sp>
+      <p:sp>
+        <p:nvSpPr>
+          <p:cNvPr id="171" name="Shape 171"/>
           <p:cNvSpPr/>
           <p:nvPr>
             <p:ph type="body" sz="quarter" idx="1"/>
@@ -2256,10 +2297,10 @@
           <a:p>
             <a:pPr>
               <a:defRPr>
-                <a:latin typeface="Calibri"/>
-                <a:ea typeface="Calibri"/>
-                <a:cs typeface="Calibri"/>
-                <a:sym typeface="Calibri"/>
+                <a:latin typeface="Calibri" panose="020F0502020204030204"/>
+                <a:ea typeface="Calibri" panose="020F0502020204030204"/>
+                <a:cs typeface="Calibri" panose="020F0502020204030204"/>
+                <a:sym typeface="Calibri" panose="020F0502020204030204"/>
               </a:defRPr>
             </a:pPr>
             <a:r>
@@ -2269,10 +2310,10 @@
           <a:p>
             <a:pPr>
               <a:defRPr>
-                <a:latin typeface="Calibri"/>
-                <a:ea typeface="Calibri"/>
-                <a:cs typeface="Calibri"/>
-                <a:sym typeface="Calibri"/>
+                <a:latin typeface="Calibri" panose="020F0502020204030204"/>
+                <a:ea typeface="Calibri" panose="020F0502020204030204"/>
+                <a:cs typeface="Calibri" panose="020F0502020204030204"/>
+                <a:sym typeface="Calibri" panose="020F0502020204030204"/>
               </a:defRPr>
             </a:pPr>
             <a:r>
@@ -2289,8 +2330,8 @@
 </p:notes>
 </file>
 
-<file path=ppt/notesSlides/notesSlide4.xml><?xml version="1.0" encoding="utf-8"?>
-<p:notes xmlns:a="http://schemas.openxmlformats.org/drawingml/2006/main" xmlns:r="http://schemas.openxmlformats.org/officeDocument/2006/relationships" xmlns:p="http://schemas.openxmlformats.org/presentationml/2006/main" xmlns:m="http://schemas.openxmlformats.org/officeDocument/2006/math" xmlns:a14="http://schemas.microsoft.com/office/drawing/2010/main" showMasterSp="1" showMasterPhAnim="1">
+<file path=ppt/notesSlides/notesSlide5.xml><?xml version="1.0" encoding="utf-8"?>
+<p:notes xmlns:a="http://schemas.openxmlformats.org/drawingml/2006/main" xmlns:r="http://schemas.openxmlformats.org/officeDocument/2006/relationships" xmlns:p="http://schemas.openxmlformats.org/presentationml/2006/main">
   <p:cSld>
     <p:spTree>
       <p:nvGrpSpPr>
@@ -2308,7 +2349,7 @@
       </p:grpSpPr>
       <p:sp>
         <p:nvSpPr>
-          <p:cNvPr id="170" name="Shape 170"/>
+          <p:cNvPr id="175" name="Shape 175"/>
           <p:cNvSpPr/>
           <p:nvPr>
             <p:ph type="sldImg"/>
@@ -2322,14 +2363,12 @@
         <p:txBody>
           <a:bodyPr/>
           <a:lstStyle/>
-          <a:p>
-            <a:pPr/>
-          </a:p>
-        </p:txBody>
-      </p:sp>
-      <p:sp>
-        <p:nvSpPr>
-          <p:cNvPr id="171" name="Shape 171"/>
+          <a:p/>
+        </p:txBody>
+      </p:sp>
+      <p:sp>
+        <p:nvSpPr>
+          <p:cNvPr id="176" name="Shape 176"/>
           <p:cNvSpPr/>
           <p:nvPr>
             <p:ph type="body" sz="quarter" idx="1"/>
@@ -2346,10 +2385,10 @@
           <a:p>
             <a:pPr>
               <a:defRPr>
-                <a:latin typeface="Calibri"/>
-                <a:ea typeface="Calibri"/>
-                <a:cs typeface="Calibri"/>
-                <a:sym typeface="Calibri"/>
+                <a:latin typeface="Calibri" panose="020F0502020204030204"/>
+                <a:ea typeface="Calibri" panose="020F0502020204030204"/>
+                <a:cs typeface="Calibri" panose="020F0502020204030204"/>
+                <a:sym typeface="Calibri" panose="020F0502020204030204"/>
               </a:defRPr>
             </a:pPr>
             <a:r>
@@ -2359,10 +2398,10 @@
           <a:p>
             <a:pPr>
               <a:defRPr>
-                <a:latin typeface="Calibri"/>
-                <a:ea typeface="Calibri"/>
-                <a:cs typeface="Calibri"/>
-                <a:sym typeface="Calibri"/>
+                <a:latin typeface="Calibri" panose="020F0502020204030204"/>
+                <a:ea typeface="Calibri" panose="020F0502020204030204"/>
+                <a:cs typeface="Calibri" panose="020F0502020204030204"/>
+                <a:sym typeface="Calibri" panose="020F0502020204030204"/>
               </a:defRPr>
             </a:pPr>
             <a:r>
@@ -2379,8 +2418,8 @@
 </p:notes>
 </file>
 
-<file path=ppt/notesSlides/notesSlide5.xml><?xml version="1.0" encoding="utf-8"?>
-<p:notes xmlns:a="http://schemas.openxmlformats.org/drawingml/2006/main" xmlns:r="http://schemas.openxmlformats.org/officeDocument/2006/relationships" xmlns:p="http://schemas.openxmlformats.org/presentationml/2006/main" xmlns:m="http://schemas.openxmlformats.org/officeDocument/2006/math" xmlns:a14="http://schemas.microsoft.com/office/drawing/2010/main" showMasterSp="1" showMasterPhAnim="1">
+<file path=ppt/notesSlides/notesSlide6.xml><?xml version="1.0" encoding="utf-8"?>
+<p:notes xmlns:a="http://schemas.openxmlformats.org/drawingml/2006/main" xmlns:r="http://schemas.openxmlformats.org/officeDocument/2006/relationships" xmlns:p="http://schemas.openxmlformats.org/presentationml/2006/main">
   <p:cSld>
     <p:spTree>
       <p:nvGrpSpPr>
@@ -2398,7 +2437,7 @@
       </p:grpSpPr>
       <p:sp>
         <p:nvSpPr>
-          <p:cNvPr id="175" name="Shape 175"/>
+          <p:cNvPr id="181" name="Shape 181"/>
           <p:cNvSpPr/>
           <p:nvPr>
             <p:ph type="sldImg"/>
@@ -2412,14 +2451,12 @@
         <p:txBody>
           <a:bodyPr/>
           <a:lstStyle/>
-          <a:p>
-            <a:pPr/>
-          </a:p>
-        </p:txBody>
-      </p:sp>
-      <p:sp>
-        <p:nvSpPr>
-          <p:cNvPr id="176" name="Shape 176"/>
+          <a:p/>
+        </p:txBody>
+      </p:sp>
+      <p:sp>
+        <p:nvSpPr>
+          <p:cNvPr id="182" name="Shape 182"/>
           <p:cNvSpPr/>
           <p:nvPr>
             <p:ph type="body" sz="quarter" idx="1"/>
@@ -2436,10 +2473,10 @@
           <a:p>
             <a:pPr>
               <a:defRPr>
-                <a:latin typeface="Calibri"/>
-                <a:ea typeface="Calibri"/>
-                <a:cs typeface="Calibri"/>
-                <a:sym typeface="Calibri"/>
+                <a:latin typeface="Calibri" panose="020F0502020204030204"/>
+                <a:ea typeface="Calibri" panose="020F0502020204030204"/>
+                <a:cs typeface="Calibri" panose="020F0502020204030204"/>
+                <a:sym typeface="Calibri" panose="020F0502020204030204"/>
               </a:defRPr>
             </a:pPr>
             <a:r>
@@ -2449,10 +2486,10 @@
           <a:p>
             <a:pPr>
               <a:defRPr>
-                <a:latin typeface="Calibri"/>
-                <a:ea typeface="Calibri"/>
-                <a:cs typeface="Calibri"/>
-                <a:sym typeface="Calibri"/>
+                <a:latin typeface="Calibri" panose="020F0502020204030204"/>
+                <a:ea typeface="Calibri" panose="020F0502020204030204"/>
+                <a:cs typeface="Calibri" panose="020F0502020204030204"/>
+                <a:sym typeface="Calibri" panose="020F0502020204030204"/>
               </a:defRPr>
             </a:pPr>
             <a:r>
@@ -2469,8 +2506,8 @@
 </p:notes>
 </file>
 
-<file path=ppt/notesSlides/notesSlide6.xml><?xml version="1.0" encoding="utf-8"?>
-<p:notes xmlns:a="http://schemas.openxmlformats.org/drawingml/2006/main" xmlns:r="http://schemas.openxmlformats.org/officeDocument/2006/relationships" xmlns:p="http://schemas.openxmlformats.org/presentationml/2006/main" xmlns:m="http://schemas.openxmlformats.org/officeDocument/2006/math" xmlns:a14="http://schemas.microsoft.com/office/drawing/2010/main" showMasterSp="1" showMasterPhAnim="1">
+<file path=ppt/notesSlides/notesSlide7.xml><?xml version="1.0" encoding="utf-8"?>
+<p:notes xmlns:a="http://schemas.openxmlformats.org/drawingml/2006/main" xmlns:r="http://schemas.openxmlformats.org/officeDocument/2006/relationships" xmlns:p="http://schemas.openxmlformats.org/presentationml/2006/main">
   <p:cSld>
     <p:spTree>
       <p:nvGrpSpPr>
@@ -2488,7 +2525,7 @@
       </p:grpSpPr>
       <p:sp>
         <p:nvSpPr>
-          <p:cNvPr id="181" name="Shape 181"/>
+          <p:cNvPr id="186" name="Shape 186"/>
           <p:cNvSpPr/>
           <p:nvPr>
             <p:ph type="sldImg"/>
@@ -2502,14 +2539,12 @@
         <p:txBody>
           <a:bodyPr/>
           <a:lstStyle/>
-          <a:p>
-            <a:pPr/>
-          </a:p>
-        </p:txBody>
-      </p:sp>
-      <p:sp>
-        <p:nvSpPr>
-          <p:cNvPr id="182" name="Shape 182"/>
+          <a:p/>
+        </p:txBody>
+      </p:sp>
+      <p:sp>
+        <p:nvSpPr>
+          <p:cNvPr id="187" name="Shape 187"/>
           <p:cNvSpPr/>
           <p:nvPr>
             <p:ph type="body" sz="quarter" idx="1"/>
@@ -2526,10 +2561,10 @@
           <a:p>
             <a:pPr>
               <a:defRPr>
-                <a:latin typeface="Calibri"/>
-                <a:ea typeface="Calibri"/>
-                <a:cs typeface="Calibri"/>
-                <a:sym typeface="Calibri"/>
+                <a:latin typeface="Calibri" panose="020F0502020204030204"/>
+                <a:ea typeface="Calibri" panose="020F0502020204030204"/>
+                <a:cs typeface="Calibri" panose="020F0502020204030204"/>
+                <a:sym typeface="Calibri" panose="020F0502020204030204"/>
               </a:defRPr>
             </a:pPr>
             <a:r>
@@ -2539,10 +2574,10 @@
           <a:p>
             <a:pPr>
               <a:defRPr>
-                <a:latin typeface="Calibri"/>
-                <a:ea typeface="Calibri"/>
-                <a:cs typeface="Calibri"/>
-                <a:sym typeface="Calibri"/>
+                <a:latin typeface="Calibri" panose="020F0502020204030204"/>
+                <a:ea typeface="Calibri" panose="020F0502020204030204"/>
+                <a:cs typeface="Calibri" panose="020F0502020204030204"/>
+                <a:sym typeface="Calibri" panose="020F0502020204030204"/>
               </a:defRPr>
             </a:pPr>
             <a:r>
@@ -2559,8 +2594,8 @@
 </p:notes>
 </file>
 
-<file path=ppt/notesSlides/notesSlide7.xml><?xml version="1.0" encoding="utf-8"?>
-<p:notes xmlns:a="http://schemas.openxmlformats.org/drawingml/2006/main" xmlns:r="http://schemas.openxmlformats.org/officeDocument/2006/relationships" xmlns:p="http://schemas.openxmlformats.org/presentationml/2006/main" xmlns:m="http://schemas.openxmlformats.org/officeDocument/2006/math" xmlns:a14="http://schemas.microsoft.com/office/drawing/2010/main" showMasterSp="1" showMasterPhAnim="1">
+<file path=ppt/notesSlides/notesSlide8.xml><?xml version="1.0" encoding="utf-8"?>
+<p:notes xmlns:a="http://schemas.openxmlformats.org/drawingml/2006/main" xmlns:r="http://schemas.openxmlformats.org/officeDocument/2006/relationships" xmlns:p="http://schemas.openxmlformats.org/presentationml/2006/main">
   <p:cSld>
     <p:spTree>
       <p:nvGrpSpPr>
@@ -2578,7 +2613,7 @@
       </p:grpSpPr>
       <p:sp>
         <p:nvSpPr>
-          <p:cNvPr id="186" name="Shape 186"/>
+          <p:cNvPr id="192" name="Shape 192"/>
           <p:cNvSpPr/>
           <p:nvPr>
             <p:ph type="sldImg"/>
@@ -2592,14 +2627,12 @@
         <p:txBody>
           <a:bodyPr/>
           <a:lstStyle/>
-          <a:p>
-            <a:pPr/>
-          </a:p>
-        </p:txBody>
-      </p:sp>
-      <p:sp>
-        <p:nvSpPr>
-          <p:cNvPr id="187" name="Shape 187"/>
+          <a:p/>
+        </p:txBody>
+      </p:sp>
+      <p:sp>
+        <p:nvSpPr>
+          <p:cNvPr id="193" name="Shape 193"/>
           <p:cNvSpPr/>
           <p:nvPr>
             <p:ph type="body" sz="quarter" idx="1"/>
@@ -2616,10 +2649,10 @@
           <a:p>
             <a:pPr>
               <a:defRPr>
-                <a:latin typeface="Calibri"/>
-                <a:ea typeface="Calibri"/>
-                <a:cs typeface="Calibri"/>
-                <a:sym typeface="Calibri"/>
+                <a:latin typeface="Calibri" panose="020F0502020204030204"/>
+                <a:ea typeface="Calibri" panose="020F0502020204030204"/>
+                <a:cs typeface="Calibri" panose="020F0502020204030204"/>
+                <a:sym typeface="Calibri" panose="020F0502020204030204"/>
               </a:defRPr>
             </a:pPr>
             <a:r>
@@ -2629,10 +2662,10 @@
           <a:p>
             <a:pPr>
               <a:defRPr>
-                <a:latin typeface="Calibri"/>
-                <a:ea typeface="Calibri"/>
-                <a:cs typeface="Calibri"/>
-                <a:sym typeface="Calibri"/>
+                <a:latin typeface="Calibri" panose="020F0502020204030204"/>
+                <a:ea typeface="Calibri" panose="020F0502020204030204"/>
+                <a:cs typeface="Calibri" panose="020F0502020204030204"/>
+                <a:sym typeface="Calibri" panose="020F0502020204030204"/>
               </a:defRPr>
             </a:pPr>
             <a:r>
@@ -2649,8 +2682,8 @@
 </p:notes>
 </file>
 
-<file path=ppt/notesSlides/notesSlide8.xml><?xml version="1.0" encoding="utf-8"?>
-<p:notes xmlns:a="http://schemas.openxmlformats.org/drawingml/2006/main" xmlns:r="http://schemas.openxmlformats.org/officeDocument/2006/relationships" xmlns:p="http://schemas.openxmlformats.org/presentationml/2006/main" xmlns:m="http://schemas.openxmlformats.org/officeDocument/2006/math" xmlns:a14="http://schemas.microsoft.com/office/drawing/2010/main" showMasterSp="1" showMasterPhAnim="1">
+<file path=ppt/notesSlides/notesSlide9.xml><?xml version="1.0" encoding="utf-8"?>
+<p:notes xmlns:a="http://schemas.openxmlformats.org/drawingml/2006/main" xmlns:r="http://schemas.openxmlformats.org/officeDocument/2006/relationships" xmlns:p="http://schemas.openxmlformats.org/presentationml/2006/main">
   <p:cSld>
     <p:spTree>
       <p:nvGrpSpPr>
@@ -2668,7 +2701,7 @@
       </p:grpSpPr>
       <p:sp>
         <p:nvSpPr>
-          <p:cNvPr id="192" name="Shape 192"/>
+          <p:cNvPr id="197" name="Shape 197"/>
           <p:cNvSpPr/>
           <p:nvPr>
             <p:ph type="sldImg"/>
@@ -2682,14 +2715,12 @@
         <p:txBody>
           <a:bodyPr/>
           <a:lstStyle/>
-          <a:p>
-            <a:pPr/>
-          </a:p>
-        </p:txBody>
-      </p:sp>
-      <p:sp>
-        <p:nvSpPr>
-          <p:cNvPr id="193" name="Shape 193"/>
+          <a:p/>
+        </p:txBody>
+      </p:sp>
+      <p:sp>
+        <p:nvSpPr>
+          <p:cNvPr id="198" name="Shape 198"/>
           <p:cNvSpPr/>
           <p:nvPr>
             <p:ph type="body" sz="quarter" idx="1"/>
@@ -2706,10 +2737,10 @@
           <a:p>
             <a:pPr>
               <a:defRPr>
-                <a:latin typeface="Calibri"/>
-                <a:ea typeface="Calibri"/>
-                <a:cs typeface="Calibri"/>
-                <a:sym typeface="Calibri"/>
+                <a:latin typeface="Calibri" panose="020F0502020204030204"/>
+                <a:ea typeface="Calibri" panose="020F0502020204030204"/>
+                <a:cs typeface="Calibri" panose="020F0502020204030204"/>
+                <a:sym typeface="Calibri" panose="020F0502020204030204"/>
               </a:defRPr>
             </a:pPr>
             <a:r>
@@ -2719,100 +2750,10 @@
           <a:p>
             <a:pPr>
               <a:defRPr>
-                <a:latin typeface="Calibri"/>
-                <a:ea typeface="Calibri"/>
-                <a:cs typeface="Calibri"/>
-                <a:sym typeface="Calibri"/>
-              </a:defRPr>
-            </a:pPr>
-            <a:r>
-              <a:t>2. 2 ways </a:t>
-            </a:r>
-          </a:p>
-        </p:txBody>
-      </p:sp>
-    </p:spTree>
-  </p:cSld>
-  <p:clrMapOvr>
-    <a:masterClrMapping/>
-  </p:clrMapOvr>
-</p:notes>
-</file>
-
-<file path=ppt/notesSlides/notesSlide9.xml><?xml version="1.0" encoding="utf-8"?>
-<p:notes xmlns:a="http://schemas.openxmlformats.org/drawingml/2006/main" xmlns:r="http://schemas.openxmlformats.org/officeDocument/2006/relationships" xmlns:p="http://schemas.openxmlformats.org/presentationml/2006/main" xmlns:m="http://schemas.openxmlformats.org/officeDocument/2006/math" xmlns:a14="http://schemas.microsoft.com/office/drawing/2010/main" showMasterSp="1" showMasterPhAnim="1">
-  <p:cSld>
-    <p:spTree>
-      <p:nvGrpSpPr>
-        <p:cNvPr id="1" name=""/>
-        <p:cNvGrpSpPr/>
-        <p:nvPr/>
-      </p:nvGrpSpPr>
-      <p:grpSpPr>
-        <a:xfrm>
-          <a:off x="0" y="0"/>
-          <a:ext cx="0" cy="0"/>
-          <a:chOff x="0" y="0"/>
-          <a:chExt cx="0" cy="0"/>
-        </a:xfrm>
-      </p:grpSpPr>
-      <p:sp>
-        <p:nvSpPr>
-          <p:cNvPr id="197" name="Shape 197"/>
-          <p:cNvSpPr/>
-          <p:nvPr>
-            <p:ph type="sldImg"/>
-          </p:nvPr>
-        </p:nvSpPr>
-        <p:spPr>
-          <a:prstGeom prst="rect">
-            <a:avLst/>
-          </a:prstGeom>
-        </p:spPr>
-        <p:txBody>
-          <a:bodyPr/>
-          <a:lstStyle/>
-          <a:p>
-            <a:pPr/>
-          </a:p>
-        </p:txBody>
-      </p:sp>
-      <p:sp>
-        <p:nvSpPr>
-          <p:cNvPr id="198" name="Shape 198"/>
-          <p:cNvSpPr/>
-          <p:nvPr>
-            <p:ph type="body" sz="quarter" idx="1"/>
-          </p:nvPr>
-        </p:nvSpPr>
-        <p:spPr>
-          <a:prstGeom prst="rect">
-            <a:avLst/>
-          </a:prstGeom>
-        </p:spPr>
-        <p:txBody>
-          <a:bodyPr/>
-          <a:lstStyle/>
-          <a:p>
-            <a:pPr>
-              <a:defRPr>
-                <a:latin typeface="Calibri"/>
-                <a:ea typeface="Calibri"/>
-                <a:cs typeface="Calibri"/>
-                <a:sym typeface="Calibri"/>
-              </a:defRPr>
-            </a:pPr>
-            <a:r>
-              <a:t>1. introduction: advantages, structure, how work (hit case)</a:t>
-            </a:r>
-          </a:p>
-          <a:p>
-            <a:pPr>
-              <a:defRPr>
-                <a:latin typeface="Calibri"/>
-                <a:ea typeface="Calibri"/>
-                <a:cs typeface="Calibri"/>
-                <a:sym typeface="Calibri"/>
+                <a:latin typeface="Calibri" panose="020F0502020204030204"/>
+                <a:ea typeface="Calibri" panose="020F0502020204030204"/>
+                <a:cs typeface="Calibri" panose="020F0502020204030204"/>
+                <a:sym typeface="Calibri" panose="020F0502020204030204"/>
               </a:defRPr>
             </a:pPr>
             <a:r>
@@ -2830,7 +2771,7 @@
 </file>
 
 <file path=ppt/slideLayouts/slideLayout1.xml><?xml version="1.0" encoding="utf-8"?>
-<p:sldLayout xmlns:a="http://schemas.openxmlformats.org/drawingml/2006/main" xmlns:r="http://schemas.openxmlformats.org/officeDocument/2006/relationships" xmlns:p="http://schemas.openxmlformats.org/presentationml/2006/main" xmlns:m="http://schemas.openxmlformats.org/officeDocument/2006/math" xmlns:a14="http://schemas.microsoft.com/office/drawing/2010/main" type="title" showMasterSp="1" showMasterPhAnim="1">
+<p:sldLayout xmlns:a="http://schemas.openxmlformats.org/drawingml/2006/main" xmlns:r="http://schemas.openxmlformats.org/officeDocument/2006/relationships" xmlns:p="http://schemas.openxmlformats.org/presentationml/2006/main" type="title">
   <p:cSld name="标题幻灯片">
     <p:spTree>
       <p:nvGrpSpPr>
@@ -2851,7 +2792,7 @@
           <p:cNvPr id="11" name="标题文本"/>
           <p:cNvSpPr txBox="1"/>
           <p:nvPr>
-            <p:ph type="title"/>
+            <p:ph type="title" hasCustomPrompt="1"/>
           </p:nvPr>
         </p:nvSpPr>
         <p:spPr>
@@ -2871,7 +2812,6 @@
             </a:lvl1pPr>
           </a:lstStyle>
           <a:p>
-            <a:pPr/>
             <a:r>
               <a:t>标题文本</a:t>
             </a:r>
@@ -2883,7 +2823,7 @@
           <p:cNvPr id="12" name="正文级别 1…"/>
           <p:cNvSpPr txBox="1"/>
           <p:nvPr>
-            <p:ph type="body" sz="quarter" idx="1"/>
+            <p:ph type="body" sz="quarter" idx="1" hasCustomPrompt="1"/>
           </p:nvPr>
         </p:nvSpPr>
         <p:spPr>
@@ -2930,7 +2870,6 @@
             </a:lvl5pPr>
           </a:lstStyle>
           <a:p>
-            <a:pPr/>
             <a:r>
               <a:t>正文级别 1</a:t>
             </a:r>
@@ -2978,8 +2917,10 @@
           <a:bodyPr/>
           <a:lstStyle/>
           <a:p>
-            <a:pPr/>
-            <a:fld id="{86CB4B4D-7CA3-9044-876B-883B54F8677D}" type="slidenum"/>
+            <a:fld id="{86CB4B4D-7CA3-9044-876B-883B54F8677D}" type="slidenum">
+              <a:rPr/>
+            </a:fld>
+            <a:endParaRPr/>
           </a:p>
         </p:txBody>
       </p:sp>
@@ -2988,12 +2929,12 @@
   <p:clrMapOvr>
     <a:masterClrMapping/>
   </p:clrMapOvr>
-  <p:transition xmlns:p14="http://schemas.microsoft.com/office/powerpoint/2010/main" spd="med" advClick="1"/>
+  <p:transition spd="med"/>
 </p:sldLayout>
 </file>
 
 <file path=ppt/slideLayouts/slideLayout10.xml><?xml version="1.0" encoding="utf-8"?>
-<p:sldLayout xmlns:a="http://schemas.openxmlformats.org/drawingml/2006/main" xmlns:r="http://schemas.openxmlformats.org/officeDocument/2006/relationships" xmlns:p="http://schemas.openxmlformats.org/presentationml/2006/main" xmlns:m="http://schemas.openxmlformats.org/officeDocument/2006/math" xmlns:a14="http://schemas.microsoft.com/office/drawing/2010/main" type="tx" showMasterSp="1" showMasterPhAnim="1">
+<p:sldLayout xmlns:a="http://schemas.openxmlformats.org/drawingml/2006/main" xmlns:r="http://schemas.openxmlformats.org/officeDocument/2006/relationships" xmlns:p="http://schemas.openxmlformats.org/presentationml/2006/main" type="tx">
   <p:cSld name="Title">
     <p:spTree>
       <p:nvGrpSpPr>
@@ -3030,8 +2971,10 @@
           <a:bodyPr/>
           <a:lstStyle/>
           <a:p>
-            <a:pPr/>
-            <a:fld id="{86CB4B4D-7CA3-9044-876B-883B54F8677D}" type="slidenum"/>
+            <a:fld id="{86CB4B4D-7CA3-9044-876B-883B54F8677D}" type="slidenum">
+              <a:rPr/>
+            </a:fld>
+            <a:endParaRPr/>
           </a:p>
         </p:txBody>
       </p:sp>
@@ -3040,12 +2983,12 @@
   <p:clrMapOvr>
     <a:masterClrMapping/>
   </p:clrMapOvr>
-  <p:transition xmlns:p14="http://schemas.microsoft.com/office/powerpoint/2010/main" spd="med" advClick="1"/>
+  <p:transition spd="med"/>
 </p:sldLayout>
 </file>
 
 <file path=ppt/slideLayouts/slideLayout11.xml><?xml version="1.0" encoding="utf-8"?>
-<p:sldLayout xmlns:a="http://schemas.openxmlformats.org/drawingml/2006/main" xmlns:r="http://schemas.openxmlformats.org/officeDocument/2006/relationships" xmlns:p="http://schemas.openxmlformats.org/presentationml/2006/main" xmlns:m="http://schemas.openxmlformats.org/officeDocument/2006/math" xmlns:a14="http://schemas.microsoft.com/office/drawing/2010/main" type="tx" showMasterSp="1" showMasterPhAnim="1">
+<p:sldLayout xmlns:a="http://schemas.openxmlformats.org/drawingml/2006/main" xmlns:r="http://schemas.openxmlformats.org/officeDocument/2006/relationships" xmlns:p="http://schemas.openxmlformats.org/presentationml/2006/main" type="tx">
   <p:cSld name="Title and Content">
     <p:spTree>
       <p:nvGrpSpPr>
@@ -3066,7 +3009,7 @@
           <p:cNvPr id="99" name="标题文本"/>
           <p:cNvSpPr txBox="1"/>
           <p:nvPr>
-            <p:ph type="title"/>
+            <p:ph type="title" hasCustomPrompt="1"/>
           </p:nvPr>
         </p:nvSpPr>
         <p:spPr>
@@ -3084,21 +3027,20 @@
             <a:lvl1pPr>
               <a:defRPr sz="2400">
                 <a:effectLst>
-                  <a:outerShdw sx="100000" sy="100000" kx="0" ky="0" algn="b" rotWithShape="0" blurRad="38100" dist="38100" dir="2700000">
+                  <a:outerShdw blurRad="38100" dist="38100" dir="2700000" rotWithShape="0">
                     <a:srgbClr val="000000">
                       <a:alpha val="43137"/>
                     </a:srgbClr>
                   </a:outerShdw>
                 </a:effectLst>
-                <a:latin typeface="Arial Black"/>
-                <a:ea typeface="Arial Black"/>
-                <a:cs typeface="Arial Black"/>
-                <a:sym typeface="Arial Black"/>
+                <a:latin typeface="Arial Black" panose="020B0A04020102020204"/>
+                <a:ea typeface="Arial Black" panose="020B0A04020102020204"/>
+                <a:cs typeface="Arial Black" panose="020B0A04020102020204"/>
+                <a:sym typeface="Arial Black" panose="020B0A04020102020204"/>
               </a:defRPr>
             </a:lvl1pPr>
           </a:lstStyle>
           <a:p>
-            <a:pPr/>
             <a:r>
               <a:t>标题文本</a:t>
             </a:r>
@@ -3110,7 +3052,7 @@
           <p:cNvPr id="100" name="正文级别 1…"/>
           <p:cNvSpPr txBox="1"/>
           <p:nvPr>
-            <p:ph type="body" idx="1"/>
+            <p:ph type="body" idx="1" hasCustomPrompt="1"/>
           </p:nvPr>
         </p:nvSpPr>
         <p:spPr>
@@ -3130,10 +3072,10 @@
                 <a:solidFill>
                   <a:srgbClr val="404040"/>
                 </a:solidFill>
-                <a:latin typeface="Arial"/>
-                <a:ea typeface="Arial"/>
-                <a:cs typeface="Arial"/>
-                <a:sym typeface="Arial"/>
+                <a:latin typeface="Arial" panose="020B0604020202020204"/>
+                <a:ea typeface="Arial" panose="020B0604020202020204"/>
+                <a:cs typeface="Arial" panose="020B0604020202020204"/>
+                <a:sym typeface="Arial" panose="020B0604020202020204"/>
               </a:defRPr>
             </a:lvl1pPr>
             <a:lvl2pPr marL="711200" indent="-254000">
@@ -3141,10 +3083,10 @@
                 <a:solidFill>
                   <a:srgbClr val="404040"/>
                 </a:solidFill>
-                <a:latin typeface="Arial"/>
-                <a:ea typeface="Arial"/>
-                <a:cs typeface="Arial"/>
-                <a:sym typeface="Arial"/>
+                <a:latin typeface="Arial" panose="020B0604020202020204"/>
+                <a:ea typeface="Arial" panose="020B0604020202020204"/>
+                <a:cs typeface="Arial" panose="020B0604020202020204"/>
+                <a:sym typeface="Arial" panose="020B0604020202020204"/>
               </a:defRPr>
             </a:lvl2pPr>
             <a:lvl3pPr marL="1200150" indent="-285750">
@@ -3152,10 +3094,10 @@
                 <a:solidFill>
                   <a:srgbClr val="404040"/>
                 </a:solidFill>
-                <a:latin typeface="Arial"/>
-                <a:ea typeface="Arial"/>
-                <a:cs typeface="Arial"/>
-                <a:sym typeface="Arial"/>
+                <a:latin typeface="Arial" panose="020B0604020202020204"/>
+                <a:ea typeface="Arial" panose="020B0604020202020204"/>
+                <a:cs typeface="Arial" panose="020B0604020202020204"/>
+                <a:sym typeface="Arial" panose="020B0604020202020204"/>
               </a:defRPr>
             </a:lvl3pPr>
             <a:lvl4pPr marL="1657350" indent="-285750">
@@ -3163,10 +3105,10 @@
                 <a:solidFill>
                   <a:srgbClr val="404040"/>
                 </a:solidFill>
-                <a:latin typeface="Arial"/>
-                <a:ea typeface="Arial"/>
-                <a:cs typeface="Arial"/>
-                <a:sym typeface="Arial"/>
+                <a:latin typeface="Arial" panose="020B0604020202020204"/>
+                <a:ea typeface="Arial" panose="020B0604020202020204"/>
+                <a:cs typeface="Arial" panose="020B0604020202020204"/>
+                <a:sym typeface="Arial" panose="020B0604020202020204"/>
               </a:defRPr>
             </a:lvl4pPr>
             <a:lvl5pPr marL="2114550" indent="-285750">
@@ -3174,15 +3116,14 @@
                 <a:solidFill>
                   <a:srgbClr val="404040"/>
                 </a:solidFill>
-                <a:latin typeface="Arial"/>
-                <a:ea typeface="Arial"/>
-                <a:cs typeface="Arial"/>
-                <a:sym typeface="Arial"/>
+                <a:latin typeface="Arial" panose="020B0604020202020204"/>
+                <a:ea typeface="Arial" panose="020B0604020202020204"/>
+                <a:cs typeface="Arial" panose="020B0604020202020204"/>
+                <a:sym typeface="Arial" panose="020B0604020202020204"/>
               </a:defRPr>
             </a:lvl5pPr>
           </a:lstStyle>
           <a:p>
-            <a:pPr/>
             <a:r>
               <a:t>正文级别 1</a:t>
             </a:r>
@@ -3232,21 +3173,23 @@
         </p:spPr>
         <p:txBody>
           <a:bodyPr>
-            <a:normAutofit fontScale="100000" lnSpcReduction="0"/>
+            <a:normAutofit/>
           </a:bodyPr>
           <a:lstStyle>
             <a:lvl1pPr>
               <a:defRPr>
-                <a:latin typeface="Arial"/>
-                <a:ea typeface="Arial"/>
-                <a:cs typeface="Arial"/>
-                <a:sym typeface="Arial"/>
+                <a:latin typeface="Arial" panose="020B0604020202020204"/>
+                <a:ea typeface="Arial" panose="020B0604020202020204"/>
+                <a:cs typeface="Arial" panose="020B0604020202020204"/>
+                <a:sym typeface="Arial" panose="020B0604020202020204"/>
               </a:defRPr>
             </a:lvl1pPr>
           </a:lstStyle>
           <a:p>
-            <a:pPr/>
-            <a:fld id="{86CB4B4D-7CA3-9044-876B-883B54F8677D}" type="slidenum"/>
+            <a:fld id="{86CB4B4D-7CA3-9044-876B-883B54F8677D}" type="slidenum">
+              <a:rPr/>
+            </a:fld>
+            <a:endParaRPr/>
           </a:p>
         </p:txBody>
       </p:sp>
@@ -3255,12 +3198,12 @@
   <p:clrMapOvr>
     <a:masterClrMapping/>
   </p:clrMapOvr>
-  <p:transition xmlns:p14="http://schemas.microsoft.com/office/powerpoint/2010/main" spd="med" advClick="1"/>
+  <p:transition spd="med"/>
 </p:sldLayout>
 </file>
 
 <file path=ppt/slideLayouts/slideLayout12.xml><?xml version="1.0" encoding="utf-8"?>
-<p:sldLayout xmlns:a="http://schemas.openxmlformats.org/drawingml/2006/main" xmlns:r="http://schemas.openxmlformats.org/officeDocument/2006/relationships" xmlns:p="http://schemas.openxmlformats.org/presentationml/2006/main" xmlns:m="http://schemas.openxmlformats.org/officeDocument/2006/math" xmlns:a14="http://schemas.microsoft.com/office/drawing/2010/main" type="tx" showMasterSp="1" showMasterPhAnim="1">
+<p:sldLayout xmlns:a="http://schemas.openxmlformats.org/drawingml/2006/main" xmlns:r="http://schemas.openxmlformats.org/officeDocument/2006/relationships" xmlns:p="http://schemas.openxmlformats.org/presentationml/2006/main" type="tx">
   <p:cSld name="标题和内容">
     <p:spTree>
       <p:nvGrpSpPr>
@@ -3281,7 +3224,7 @@
           <p:cNvPr id="108" name="标题文本"/>
           <p:cNvSpPr txBox="1"/>
           <p:nvPr>
-            <p:ph type="title"/>
+            <p:ph type="title" hasCustomPrompt="1"/>
           </p:nvPr>
         </p:nvSpPr>
         <p:spPr>
@@ -3294,15 +3237,14 @@
           <a:lstStyle>
             <a:lvl1pPr>
               <a:defRPr>
-                <a:latin typeface="Calibri"/>
-                <a:ea typeface="Calibri"/>
-                <a:cs typeface="Calibri"/>
-                <a:sym typeface="Calibri"/>
+                <a:latin typeface="Calibri" panose="020F0502020204030204"/>
+                <a:ea typeface="Calibri" panose="020F0502020204030204"/>
+                <a:cs typeface="Calibri" panose="020F0502020204030204"/>
+                <a:sym typeface="Calibri" panose="020F0502020204030204"/>
               </a:defRPr>
             </a:lvl1pPr>
           </a:lstStyle>
           <a:p>
-            <a:pPr/>
             <a:r>
               <a:t>标题文本</a:t>
             </a:r>
@@ -3314,7 +3256,7 @@
           <p:cNvPr id="109" name="正文级别 1…"/>
           <p:cNvSpPr txBox="1"/>
           <p:nvPr>
-            <p:ph type="body" idx="1"/>
+            <p:ph type="body" idx="1" hasCustomPrompt="1"/>
           </p:nvPr>
         </p:nvSpPr>
         <p:spPr>
@@ -3327,47 +3269,46 @@
           <a:lstStyle>
             <a:lvl1pPr>
               <a:defRPr>
-                <a:latin typeface="Calibri"/>
-                <a:ea typeface="Calibri"/>
-                <a:cs typeface="Calibri"/>
-                <a:sym typeface="Calibri"/>
+                <a:latin typeface="Calibri" panose="020F0502020204030204"/>
+                <a:ea typeface="Calibri" panose="020F0502020204030204"/>
+                <a:cs typeface="Calibri" panose="020F0502020204030204"/>
+                <a:sym typeface="Calibri" panose="020F0502020204030204"/>
               </a:defRPr>
             </a:lvl1pPr>
             <a:lvl2pPr>
               <a:defRPr>
-                <a:latin typeface="Calibri"/>
-                <a:ea typeface="Calibri"/>
-                <a:cs typeface="Calibri"/>
-                <a:sym typeface="Calibri"/>
+                <a:latin typeface="Calibri" panose="020F0502020204030204"/>
+                <a:ea typeface="Calibri" panose="020F0502020204030204"/>
+                <a:cs typeface="Calibri" panose="020F0502020204030204"/>
+                <a:sym typeface="Calibri" panose="020F0502020204030204"/>
               </a:defRPr>
             </a:lvl2pPr>
             <a:lvl3pPr>
               <a:defRPr>
-                <a:latin typeface="Calibri"/>
-                <a:ea typeface="Calibri"/>
-                <a:cs typeface="Calibri"/>
-                <a:sym typeface="Calibri"/>
+                <a:latin typeface="Calibri" panose="020F0502020204030204"/>
+                <a:ea typeface="Calibri" panose="020F0502020204030204"/>
+                <a:cs typeface="Calibri" panose="020F0502020204030204"/>
+                <a:sym typeface="Calibri" panose="020F0502020204030204"/>
               </a:defRPr>
             </a:lvl3pPr>
             <a:lvl4pPr>
               <a:defRPr>
-                <a:latin typeface="Calibri"/>
-                <a:ea typeface="Calibri"/>
-                <a:cs typeface="Calibri"/>
-                <a:sym typeface="Calibri"/>
+                <a:latin typeface="Calibri" panose="020F0502020204030204"/>
+                <a:ea typeface="Calibri" panose="020F0502020204030204"/>
+                <a:cs typeface="Calibri" panose="020F0502020204030204"/>
+                <a:sym typeface="Calibri" panose="020F0502020204030204"/>
               </a:defRPr>
             </a:lvl4pPr>
             <a:lvl5pPr>
               <a:defRPr>
-                <a:latin typeface="Calibri"/>
-                <a:ea typeface="Calibri"/>
-                <a:cs typeface="Calibri"/>
-                <a:sym typeface="Calibri"/>
+                <a:latin typeface="Calibri" panose="020F0502020204030204"/>
+                <a:ea typeface="Calibri" panose="020F0502020204030204"/>
+                <a:cs typeface="Calibri" panose="020F0502020204030204"/>
+                <a:sym typeface="Calibri" panose="020F0502020204030204"/>
               </a:defRPr>
             </a:lvl5pPr>
           </a:lstStyle>
           <a:p>
-            <a:pPr/>
             <a:r>
               <a:t>正文级别 1</a:t>
             </a:r>
@@ -3420,16 +3361,18 @@
           <a:lstStyle>
             <a:lvl1pPr>
               <a:defRPr>
-                <a:latin typeface="Calibri"/>
-                <a:ea typeface="Calibri"/>
-                <a:cs typeface="Calibri"/>
-                <a:sym typeface="Calibri"/>
+                <a:latin typeface="Calibri" panose="020F0502020204030204"/>
+                <a:ea typeface="Calibri" panose="020F0502020204030204"/>
+                <a:cs typeface="Calibri" panose="020F0502020204030204"/>
+                <a:sym typeface="Calibri" panose="020F0502020204030204"/>
               </a:defRPr>
             </a:lvl1pPr>
           </a:lstStyle>
           <a:p>
-            <a:pPr/>
-            <a:fld id="{86CB4B4D-7CA3-9044-876B-883B54F8677D}" type="slidenum"/>
+            <a:fld id="{86CB4B4D-7CA3-9044-876B-883B54F8677D}" type="slidenum">
+              <a:rPr/>
+            </a:fld>
+            <a:endParaRPr/>
           </a:p>
         </p:txBody>
       </p:sp>
@@ -3438,12 +3381,12 @@
   <p:clrMapOvr>
     <a:masterClrMapping/>
   </p:clrMapOvr>
-  <p:transition xmlns:p14="http://schemas.microsoft.com/office/powerpoint/2010/main" spd="med" advClick="1"/>
+  <p:transition spd="med"/>
 </p:sldLayout>
 </file>
 
 <file path=ppt/slideLayouts/slideLayout13.xml><?xml version="1.0" encoding="utf-8"?>
-<p:sldLayout xmlns:a="http://schemas.openxmlformats.org/drawingml/2006/main" xmlns:r="http://schemas.openxmlformats.org/officeDocument/2006/relationships" xmlns:p="http://schemas.openxmlformats.org/presentationml/2006/main" xmlns:m="http://schemas.openxmlformats.org/officeDocument/2006/math" xmlns:a14="http://schemas.microsoft.com/office/drawing/2010/main" type="tx" showMasterSp="1" showMasterPhAnim="1">
+<p:sldLayout xmlns:a="http://schemas.openxmlformats.org/drawingml/2006/main" xmlns:r="http://schemas.openxmlformats.org/officeDocument/2006/relationships" xmlns:p="http://schemas.openxmlformats.org/presentationml/2006/main" type="tx">
   <p:cSld name="标题和内容">
     <p:spTree>
       <p:nvGrpSpPr>
@@ -3464,7 +3407,7 @@
           <p:cNvPr id="117" name="标题文本"/>
           <p:cNvSpPr txBox="1"/>
           <p:nvPr>
-            <p:ph type="title"/>
+            <p:ph type="title" hasCustomPrompt="1"/>
           </p:nvPr>
         </p:nvSpPr>
         <p:spPr>
@@ -3477,15 +3420,14 @@
           <a:lstStyle>
             <a:lvl1pPr>
               <a:defRPr>
-                <a:latin typeface="Calibri"/>
-                <a:ea typeface="Calibri"/>
-                <a:cs typeface="Calibri"/>
-                <a:sym typeface="Calibri"/>
+                <a:latin typeface="Calibri" panose="020F0502020204030204"/>
+                <a:ea typeface="Calibri" panose="020F0502020204030204"/>
+                <a:cs typeface="Calibri" panose="020F0502020204030204"/>
+                <a:sym typeface="Calibri" panose="020F0502020204030204"/>
               </a:defRPr>
             </a:lvl1pPr>
           </a:lstStyle>
           <a:p>
-            <a:pPr/>
             <a:r>
               <a:t>标题文本</a:t>
             </a:r>
@@ -3497,7 +3439,7 @@
           <p:cNvPr id="118" name="正文级别 1…"/>
           <p:cNvSpPr txBox="1"/>
           <p:nvPr>
-            <p:ph type="body" idx="1"/>
+            <p:ph type="body" idx="1" hasCustomPrompt="1"/>
           </p:nvPr>
         </p:nvSpPr>
         <p:spPr>
@@ -3510,47 +3452,46 @@
           <a:lstStyle>
             <a:lvl1pPr>
               <a:defRPr>
-                <a:latin typeface="Calibri"/>
-                <a:ea typeface="Calibri"/>
-                <a:cs typeface="Calibri"/>
-                <a:sym typeface="Calibri"/>
+                <a:latin typeface="Calibri" panose="020F0502020204030204"/>
+                <a:ea typeface="Calibri" panose="020F0502020204030204"/>
+                <a:cs typeface="Calibri" panose="020F0502020204030204"/>
+                <a:sym typeface="Calibri" panose="020F0502020204030204"/>
               </a:defRPr>
             </a:lvl1pPr>
             <a:lvl2pPr>
               <a:defRPr>
-                <a:latin typeface="Calibri"/>
-                <a:ea typeface="Calibri"/>
-                <a:cs typeface="Calibri"/>
-                <a:sym typeface="Calibri"/>
+                <a:latin typeface="Calibri" panose="020F0502020204030204"/>
+                <a:ea typeface="Calibri" panose="020F0502020204030204"/>
+                <a:cs typeface="Calibri" panose="020F0502020204030204"/>
+                <a:sym typeface="Calibri" panose="020F0502020204030204"/>
               </a:defRPr>
             </a:lvl2pPr>
             <a:lvl3pPr>
               <a:defRPr>
-                <a:latin typeface="Calibri"/>
-                <a:ea typeface="Calibri"/>
-                <a:cs typeface="Calibri"/>
-                <a:sym typeface="Calibri"/>
+                <a:latin typeface="Calibri" panose="020F0502020204030204"/>
+                <a:ea typeface="Calibri" panose="020F0502020204030204"/>
+                <a:cs typeface="Calibri" panose="020F0502020204030204"/>
+                <a:sym typeface="Calibri" panose="020F0502020204030204"/>
               </a:defRPr>
             </a:lvl3pPr>
             <a:lvl4pPr>
               <a:defRPr>
-                <a:latin typeface="Calibri"/>
-                <a:ea typeface="Calibri"/>
-                <a:cs typeface="Calibri"/>
-                <a:sym typeface="Calibri"/>
+                <a:latin typeface="Calibri" panose="020F0502020204030204"/>
+                <a:ea typeface="Calibri" panose="020F0502020204030204"/>
+                <a:cs typeface="Calibri" panose="020F0502020204030204"/>
+                <a:sym typeface="Calibri" panose="020F0502020204030204"/>
               </a:defRPr>
             </a:lvl4pPr>
             <a:lvl5pPr>
               <a:defRPr>
-                <a:latin typeface="Calibri"/>
-                <a:ea typeface="Calibri"/>
-                <a:cs typeface="Calibri"/>
-                <a:sym typeface="Calibri"/>
+                <a:latin typeface="Calibri" panose="020F0502020204030204"/>
+                <a:ea typeface="Calibri" panose="020F0502020204030204"/>
+                <a:cs typeface="Calibri" panose="020F0502020204030204"/>
+                <a:sym typeface="Calibri" panose="020F0502020204030204"/>
               </a:defRPr>
             </a:lvl5pPr>
           </a:lstStyle>
           <a:p>
-            <a:pPr/>
             <a:r>
               <a:t>正文级别 1</a:t>
             </a:r>
@@ -3603,16 +3544,18 @@
           <a:lstStyle>
             <a:lvl1pPr>
               <a:defRPr>
-                <a:latin typeface="Calibri"/>
-                <a:ea typeface="Calibri"/>
-                <a:cs typeface="Calibri"/>
-                <a:sym typeface="Calibri"/>
+                <a:latin typeface="Calibri" panose="020F0502020204030204"/>
+                <a:ea typeface="Calibri" panose="020F0502020204030204"/>
+                <a:cs typeface="Calibri" panose="020F0502020204030204"/>
+                <a:sym typeface="Calibri" panose="020F0502020204030204"/>
               </a:defRPr>
             </a:lvl1pPr>
           </a:lstStyle>
           <a:p>
-            <a:pPr/>
-            <a:fld id="{86CB4B4D-7CA3-9044-876B-883B54F8677D}" type="slidenum"/>
+            <a:fld id="{86CB4B4D-7CA3-9044-876B-883B54F8677D}" type="slidenum">
+              <a:rPr/>
+            </a:fld>
+            <a:endParaRPr/>
           </a:p>
         </p:txBody>
       </p:sp>
@@ -3621,12 +3564,12 @@
   <p:clrMapOvr>
     <a:masterClrMapping/>
   </p:clrMapOvr>
-  <p:transition xmlns:p14="http://schemas.microsoft.com/office/powerpoint/2010/main" spd="med" advClick="1"/>
+  <p:transition spd="med"/>
 </p:sldLayout>
 </file>
 
 <file path=ppt/slideLayouts/slideLayout14.xml><?xml version="1.0" encoding="utf-8"?>
-<p:sldLayout xmlns:a="http://schemas.openxmlformats.org/drawingml/2006/main" xmlns:r="http://schemas.openxmlformats.org/officeDocument/2006/relationships" xmlns:p="http://schemas.openxmlformats.org/presentationml/2006/main" xmlns:m="http://schemas.openxmlformats.org/officeDocument/2006/math" xmlns:a14="http://schemas.microsoft.com/office/drawing/2010/main" type="tx" showMasterSp="1" showMasterPhAnim="1">
+<p:sldLayout xmlns:a="http://schemas.openxmlformats.org/drawingml/2006/main" xmlns:r="http://schemas.openxmlformats.org/officeDocument/2006/relationships" xmlns:p="http://schemas.openxmlformats.org/presentationml/2006/main" type="tx">
   <p:cSld name="标题幻灯片">
     <p:spTree>
       <p:nvGrpSpPr>
@@ -3647,7 +3590,7 @@
           <p:cNvPr id="126" name="标题文本"/>
           <p:cNvSpPr txBox="1"/>
           <p:nvPr>
-            <p:ph type="title"/>
+            <p:ph type="title" hasCustomPrompt="1"/>
           </p:nvPr>
         </p:nvSpPr>
         <p:spPr>
@@ -3664,15 +3607,14 @@
           <a:lstStyle>
             <a:lvl1pPr algn="ctr">
               <a:defRPr sz="6000">
-                <a:latin typeface="Calibri"/>
-                <a:ea typeface="Calibri"/>
-                <a:cs typeface="Calibri"/>
-                <a:sym typeface="Calibri"/>
+                <a:latin typeface="Calibri" panose="020F0502020204030204"/>
+                <a:ea typeface="Calibri" panose="020F0502020204030204"/>
+                <a:cs typeface="Calibri" panose="020F0502020204030204"/>
+                <a:sym typeface="Calibri" panose="020F0502020204030204"/>
               </a:defRPr>
             </a:lvl1pPr>
           </a:lstStyle>
           <a:p>
-            <a:pPr/>
             <a:r>
               <a:t>标题文本</a:t>
             </a:r>
@@ -3684,7 +3626,7 @@
           <p:cNvPr id="127" name="正文级别 1…"/>
           <p:cNvSpPr txBox="1"/>
           <p:nvPr>
-            <p:ph type="body" sz="quarter" idx="1"/>
+            <p:ph type="body" sz="quarter" idx="1" hasCustomPrompt="1"/>
           </p:nvPr>
         </p:nvSpPr>
         <p:spPr>
@@ -3704,10 +3646,10 @@
               <a:buFontTx/>
               <a:buNone/>
               <a:defRPr sz="2400">
-                <a:latin typeface="Calibri"/>
-                <a:ea typeface="Calibri"/>
-                <a:cs typeface="Calibri"/>
-                <a:sym typeface="Calibri"/>
+                <a:latin typeface="Calibri" panose="020F0502020204030204"/>
+                <a:ea typeface="Calibri" panose="020F0502020204030204"/>
+                <a:cs typeface="Calibri" panose="020F0502020204030204"/>
+                <a:sym typeface="Calibri" panose="020F0502020204030204"/>
               </a:defRPr>
             </a:lvl1pPr>
             <a:lvl2pPr marL="0" indent="0" algn="ctr">
@@ -3715,10 +3657,10 @@
               <a:buFontTx/>
               <a:buNone/>
               <a:defRPr sz="2400">
-                <a:latin typeface="Calibri"/>
-                <a:ea typeface="Calibri"/>
-                <a:cs typeface="Calibri"/>
-                <a:sym typeface="Calibri"/>
+                <a:latin typeface="Calibri" panose="020F0502020204030204"/>
+                <a:ea typeface="Calibri" panose="020F0502020204030204"/>
+                <a:cs typeface="Calibri" panose="020F0502020204030204"/>
+                <a:sym typeface="Calibri" panose="020F0502020204030204"/>
               </a:defRPr>
             </a:lvl2pPr>
             <a:lvl3pPr marL="0" indent="0" algn="ctr">
@@ -3726,10 +3668,10 @@
               <a:buFontTx/>
               <a:buNone/>
               <a:defRPr sz="2400">
-                <a:latin typeface="Calibri"/>
-                <a:ea typeface="Calibri"/>
-                <a:cs typeface="Calibri"/>
-                <a:sym typeface="Calibri"/>
+                <a:latin typeface="Calibri" panose="020F0502020204030204"/>
+                <a:ea typeface="Calibri" panose="020F0502020204030204"/>
+                <a:cs typeface="Calibri" panose="020F0502020204030204"/>
+                <a:sym typeface="Calibri" panose="020F0502020204030204"/>
               </a:defRPr>
             </a:lvl3pPr>
             <a:lvl4pPr marL="0" indent="0" algn="ctr">
@@ -3737,10 +3679,10 @@
               <a:buFontTx/>
               <a:buNone/>
               <a:defRPr sz="2400">
-                <a:latin typeface="Calibri"/>
-                <a:ea typeface="Calibri"/>
-                <a:cs typeface="Calibri"/>
-                <a:sym typeface="Calibri"/>
+                <a:latin typeface="Calibri" panose="020F0502020204030204"/>
+                <a:ea typeface="Calibri" panose="020F0502020204030204"/>
+                <a:cs typeface="Calibri" panose="020F0502020204030204"/>
+                <a:sym typeface="Calibri" panose="020F0502020204030204"/>
               </a:defRPr>
             </a:lvl4pPr>
             <a:lvl5pPr marL="0" indent="0" algn="ctr">
@@ -3748,15 +3690,14 @@
               <a:buFontTx/>
               <a:buNone/>
               <a:defRPr sz="2400">
-                <a:latin typeface="Calibri"/>
-                <a:ea typeface="Calibri"/>
-                <a:cs typeface="Calibri"/>
-                <a:sym typeface="Calibri"/>
+                <a:latin typeface="Calibri" panose="020F0502020204030204"/>
+                <a:ea typeface="Calibri" panose="020F0502020204030204"/>
+                <a:cs typeface="Calibri" panose="020F0502020204030204"/>
+                <a:sym typeface="Calibri" panose="020F0502020204030204"/>
               </a:defRPr>
             </a:lvl5pPr>
           </a:lstStyle>
           <a:p>
-            <a:pPr/>
             <a:r>
               <a:t>正文级别 1</a:t>
             </a:r>
@@ -3809,16 +3750,18 @@
           <a:lstStyle>
             <a:lvl1pPr>
               <a:defRPr>
-                <a:latin typeface="Calibri"/>
-                <a:ea typeface="Calibri"/>
-                <a:cs typeface="Calibri"/>
-                <a:sym typeface="Calibri"/>
+                <a:latin typeface="Calibri" panose="020F0502020204030204"/>
+                <a:ea typeface="Calibri" panose="020F0502020204030204"/>
+                <a:cs typeface="Calibri" panose="020F0502020204030204"/>
+                <a:sym typeface="Calibri" panose="020F0502020204030204"/>
               </a:defRPr>
             </a:lvl1pPr>
           </a:lstStyle>
           <a:p>
-            <a:pPr/>
-            <a:fld id="{86CB4B4D-7CA3-9044-876B-883B54F8677D}" type="slidenum"/>
+            <a:fld id="{86CB4B4D-7CA3-9044-876B-883B54F8677D}" type="slidenum">
+              <a:rPr/>
+            </a:fld>
+            <a:endParaRPr/>
           </a:p>
         </p:txBody>
       </p:sp>
@@ -3827,12 +3770,12 @@
   <p:clrMapOvr>
     <a:masterClrMapping/>
   </p:clrMapOvr>
-  <p:transition xmlns:p14="http://schemas.microsoft.com/office/powerpoint/2010/main" spd="med" advClick="1"/>
+  <p:transition spd="med"/>
 </p:sldLayout>
 </file>
 
 <file path=ppt/slideLayouts/slideLayout15.xml><?xml version="1.0" encoding="utf-8"?>
-<p:sldLayout xmlns:a="http://schemas.openxmlformats.org/drawingml/2006/main" xmlns:r="http://schemas.openxmlformats.org/officeDocument/2006/relationships" xmlns:p="http://schemas.openxmlformats.org/presentationml/2006/main" xmlns:m="http://schemas.openxmlformats.org/officeDocument/2006/math" xmlns:a14="http://schemas.microsoft.com/office/drawing/2010/main" type="tx" showMasterSp="1" showMasterPhAnim="1">
+<p:sldLayout xmlns:a="http://schemas.openxmlformats.org/drawingml/2006/main" xmlns:r="http://schemas.openxmlformats.org/officeDocument/2006/relationships" xmlns:p="http://schemas.openxmlformats.org/presentationml/2006/main" type="tx">
   <p:cSld name="标题和内容">
     <p:spTree>
       <p:nvGrpSpPr>
@@ -3853,7 +3796,7 @@
           <p:cNvPr id="135" name="标题文本"/>
           <p:cNvSpPr txBox="1"/>
           <p:nvPr>
-            <p:ph type="title"/>
+            <p:ph type="title" hasCustomPrompt="1"/>
           </p:nvPr>
         </p:nvSpPr>
         <p:spPr>
@@ -3866,15 +3809,14 @@
           <a:lstStyle>
             <a:lvl1pPr>
               <a:defRPr>
-                <a:latin typeface="Calibri"/>
-                <a:ea typeface="Calibri"/>
-                <a:cs typeface="Calibri"/>
-                <a:sym typeface="Calibri"/>
+                <a:latin typeface="Calibri" panose="020F0502020204030204"/>
+                <a:ea typeface="Calibri" panose="020F0502020204030204"/>
+                <a:cs typeface="Calibri" panose="020F0502020204030204"/>
+                <a:sym typeface="Calibri" panose="020F0502020204030204"/>
               </a:defRPr>
             </a:lvl1pPr>
           </a:lstStyle>
           <a:p>
-            <a:pPr/>
             <a:r>
               <a:t>标题文本</a:t>
             </a:r>
@@ -3886,7 +3828,7 @@
           <p:cNvPr id="136" name="正文级别 1…"/>
           <p:cNvSpPr txBox="1"/>
           <p:nvPr>
-            <p:ph type="body" idx="1"/>
+            <p:ph type="body" idx="1" hasCustomPrompt="1"/>
           </p:nvPr>
         </p:nvSpPr>
         <p:spPr>
@@ -3899,47 +3841,46 @@
           <a:lstStyle>
             <a:lvl1pPr>
               <a:defRPr>
-                <a:latin typeface="Calibri"/>
-                <a:ea typeface="Calibri"/>
-                <a:cs typeface="Calibri"/>
-                <a:sym typeface="Calibri"/>
+                <a:latin typeface="Calibri" panose="020F0502020204030204"/>
+                <a:ea typeface="Calibri" panose="020F0502020204030204"/>
+                <a:cs typeface="Calibri" panose="020F0502020204030204"/>
+                <a:sym typeface="Calibri" panose="020F0502020204030204"/>
               </a:defRPr>
             </a:lvl1pPr>
             <a:lvl2pPr>
               <a:defRPr>
-                <a:latin typeface="Calibri"/>
-                <a:ea typeface="Calibri"/>
-                <a:cs typeface="Calibri"/>
-                <a:sym typeface="Calibri"/>
+                <a:latin typeface="Calibri" panose="020F0502020204030204"/>
+                <a:ea typeface="Calibri" panose="020F0502020204030204"/>
+                <a:cs typeface="Calibri" panose="020F0502020204030204"/>
+                <a:sym typeface="Calibri" panose="020F0502020204030204"/>
               </a:defRPr>
             </a:lvl2pPr>
-            <a:lvl3pPr marL="1234438" indent="-320038">
+            <a:lvl3pPr marL="1234440" indent="-320040">
               <a:defRPr>
-                <a:latin typeface="Calibri"/>
-                <a:ea typeface="Calibri"/>
-                <a:cs typeface="Calibri"/>
-                <a:sym typeface="Calibri"/>
+                <a:latin typeface="Calibri" panose="020F0502020204030204"/>
+                <a:ea typeface="Calibri" panose="020F0502020204030204"/>
+                <a:cs typeface="Calibri" panose="020F0502020204030204"/>
+                <a:sym typeface="Calibri" panose="020F0502020204030204"/>
               </a:defRPr>
             </a:lvl3pPr>
             <a:lvl4pPr>
               <a:defRPr>
-                <a:latin typeface="Calibri"/>
-                <a:ea typeface="Calibri"/>
-                <a:cs typeface="Calibri"/>
-                <a:sym typeface="Calibri"/>
+                <a:latin typeface="Calibri" panose="020F0502020204030204"/>
+                <a:ea typeface="Calibri" panose="020F0502020204030204"/>
+                <a:cs typeface="Calibri" panose="020F0502020204030204"/>
+                <a:sym typeface="Calibri" panose="020F0502020204030204"/>
               </a:defRPr>
             </a:lvl4pPr>
             <a:lvl5pPr>
               <a:defRPr>
-                <a:latin typeface="Calibri"/>
-                <a:ea typeface="Calibri"/>
-                <a:cs typeface="Calibri"/>
-                <a:sym typeface="Calibri"/>
+                <a:latin typeface="Calibri" panose="020F0502020204030204"/>
+                <a:ea typeface="Calibri" panose="020F0502020204030204"/>
+                <a:cs typeface="Calibri" panose="020F0502020204030204"/>
+                <a:sym typeface="Calibri" panose="020F0502020204030204"/>
               </a:defRPr>
             </a:lvl5pPr>
           </a:lstStyle>
           <a:p>
-            <a:pPr/>
             <a:r>
               <a:t>正文级别 1</a:t>
             </a:r>
@@ -3992,16 +3933,18 @@
           <a:lstStyle>
             <a:lvl1pPr>
               <a:defRPr>
-                <a:latin typeface="Calibri"/>
-                <a:ea typeface="Calibri"/>
-                <a:cs typeface="Calibri"/>
-                <a:sym typeface="Calibri"/>
+                <a:latin typeface="Calibri" panose="020F0502020204030204"/>
+                <a:ea typeface="Calibri" panose="020F0502020204030204"/>
+                <a:cs typeface="Calibri" panose="020F0502020204030204"/>
+                <a:sym typeface="Calibri" panose="020F0502020204030204"/>
               </a:defRPr>
             </a:lvl1pPr>
           </a:lstStyle>
           <a:p>
-            <a:pPr/>
-            <a:fld id="{86CB4B4D-7CA3-9044-876B-883B54F8677D}" type="slidenum"/>
+            <a:fld id="{86CB4B4D-7CA3-9044-876B-883B54F8677D}" type="slidenum">
+              <a:rPr/>
+            </a:fld>
+            <a:endParaRPr/>
           </a:p>
         </p:txBody>
       </p:sp>
@@ -4010,12 +3953,12 @@
   <p:clrMapOvr>
     <a:masterClrMapping/>
   </p:clrMapOvr>
-  <p:transition xmlns:p14="http://schemas.microsoft.com/office/powerpoint/2010/main" spd="med" advClick="1"/>
+  <p:transition spd="med"/>
 </p:sldLayout>
 </file>
 
 <file path=ppt/slideLayouts/slideLayout16.xml><?xml version="1.0" encoding="utf-8"?>
-<p:sldLayout xmlns:a="http://schemas.openxmlformats.org/drawingml/2006/main" xmlns:r="http://schemas.openxmlformats.org/officeDocument/2006/relationships" xmlns:p="http://schemas.openxmlformats.org/presentationml/2006/main" xmlns:m="http://schemas.openxmlformats.org/officeDocument/2006/math" xmlns:a14="http://schemas.microsoft.com/office/drawing/2010/main" type="tx" showMasterSp="1" showMasterPhAnim="1">
+<p:sldLayout xmlns:a="http://schemas.openxmlformats.org/drawingml/2006/main" xmlns:r="http://schemas.openxmlformats.org/officeDocument/2006/relationships" xmlns:p="http://schemas.openxmlformats.org/presentationml/2006/main" type="tx">
   <p:cSld name="标题和内容">
     <p:spTree>
       <p:nvGrpSpPr>
@@ -4036,7 +3979,7 @@
           <p:cNvPr id="144" name="标题文本"/>
           <p:cNvSpPr txBox="1"/>
           <p:nvPr>
-            <p:ph type="title"/>
+            <p:ph type="title" hasCustomPrompt="1"/>
           </p:nvPr>
         </p:nvSpPr>
         <p:spPr>
@@ -4049,15 +3992,14 @@
           <a:lstStyle>
             <a:lvl1pPr>
               <a:defRPr>
-                <a:latin typeface="Calibri"/>
-                <a:ea typeface="Calibri"/>
-                <a:cs typeface="Calibri"/>
-                <a:sym typeface="Calibri"/>
+                <a:latin typeface="Calibri" panose="020F0502020204030204"/>
+                <a:ea typeface="Calibri" panose="020F0502020204030204"/>
+                <a:cs typeface="Calibri" panose="020F0502020204030204"/>
+                <a:sym typeface="Calibri" panose="020F0502020204030204"/>
               </a:defRPr>
             </a:lvl1pPr>
           </a:lstStyle>
           <a:p>
-            <a:pPr/>
             <a:r>
               <a:t>标题文本</a:t>
             </a:r>
@@ -4069,7 +4011,7 @@
           <p:cNvPr id="145" name="正文级别 1…"/>
           <p:cNvSpPr txBox="1"/>
           <p:nvPr>
-            <p:ph type="body" idx="1"/>
+            <p:ph type="body" idx="1" hasCustomPrompt="1"/>
           </p:nvPr>
         </p:nvSpPr>
         <p:spPr>
@@ -4082,47 +4024,46 @@
           <a:lstStyle>
             <a:lvl1pPr>
               <a:defRPr>
-                <a:latin typeface="Calibri"/>
-                <a:ea typeface="Calibri"/>
-                <a:cs typeface="Calibri"/>
-                <a:sym typeface="Calibri"/>
+                <a:latin typeface="Calibri" panose="020F0502020204030204"/>
+                <a:ea typeface="Calibri" panose="020F0502020204030204"/>
+                <a:cs typeface="Calibri" panose="020F0502020204030204"/>
+                <a:sym typeface="Calibri" panose="020F0502020204030204"/>
               </a:defRPr>
             </a:lvl1pPr>
             <a:lvl2pPr>
               <a:defRPr>
-                <a:latin typeface="Calibri"/>
-                <a:ea typeface="Calibri"/>
-                <a:cs typeface="Calibri"/>
-                <a:sym typeface="Calibri"/>
+                <a:latin typeface="Calibri" panose="020F0502020204030204"/>
+                <a:ea typeface="Calibri" panose="020F0502020204030204"/>
+                <a:cs typeface="Calibri" panose="020F0502020204030204"/>
+                <a:sym typeface="Calibri" panose="020F0502020204030204"/>
               </a:defRPr>
             </a:lvl2pPr>
-            <a:lvl3pPr marL="1234439" indent="-320039">
+            <a:lvl3pPr marL="1234440" indent="-320040">
               <a:defRPr>
-                <a:latin typeface="Calibri"/>
-                <a:ea typeface="Calibri"/>
-                <a:cs typeface="Calibri"/>
-                <a:sym typeface="Calibri"/>
+                <a:latin typeface="Calibri" panose="020F0502020204030204"/>
+                <a:ea typeface="Calibri" panose="020F0502020204030204"/>
+                <a:cs typeface="Calibri" panose="020F0502020204030204"/>
+                <a:sym typeface="Calibri" panose="020F0502020204030204"/>
               </a:defRPr>
             </a:lvl3pPr>
             <a:lvl4pPr>
               <a:defRPr>
-                <a:latin typeface="Calibri"/>
-                <a:ea typeface="Calibri"/>
-                <a:cs typeface="Calibri"/>
-                <a:sym typeface="Calibri"/>
+                <a:latin typeface="Calibri" panose="020F0502020204030204"/>
+                <a:ea typeface="Calibri" panose="020F0502020204030204"/>
+                <a:cs typeface="Calibri" panose="020F0502020204030204"/>
+                <a:sym typeface="Calibri" panose="020F0502020204030204"/>
               </a:defRPr>
             </a:lvl4pPr>
             <a:lvl5pPr>
               <a:defRPr>
-                <a:latin typeface="Calibri"/>
-                <a:ea typeface="Calibri"/>
-                <a:cs typeface="Calibri"/>
-                <a:sym typeface="Calibri"/>
+                <a:latin typeface="Calibri" panose="020F0502020204030204"/>
+                <a:ea typeface="Calibri" panose="020F0502020204030204"/>
+                <a:cs typeface="Calibri" panose="020F0502020204030204"/>
+                <a:sym typeface="Calibri" panose="020F0502020204030204"/>
               </a:defRPr>
             </a:lvl5pPr>
           </a:lstStyle>
           <a:p>
-            <a:pPr/>
             <a:r>
               <a:t>正文级别 1</a:t>
             </a:r>
@@ -4175,16 +4116,18 @@
           <a:lstStyle>
             <a:lvl1pPr>
               <a:defRPr>
-                <a:latin typeface="Calibri"/>
-                <a:ea typeface="Calibri"/>
-                <a:cs typeface="Calibri"/>
-                <a:sym typeface="Calibri"/>
+                <a:latin typeface="Calibri" panose="020F0502020204030204"/>
+                <a:ea typeface="Calibri" panose="020F0502020204030204"/>
+                <a:cs typeface="Calibri" panose="020F0502020204030204"/>
+                <a:sym typeface="Calibri" panose="020F0502020204030204"/>
               </a:defRPr>
             </a:lvl1pPr>
           </a:lstStyle>
           <a:p>
-            <a:pPr/>
-            <a:fld id="{86CB4B4D-7CA3-9044-876B-883B54F8677D}" type="slidenum"/>
+            <a:fld id="{86CB4B4D-7CA3-9044-876B-883B54F8677D}" type="slidenum">
+              <a:rPr/>
+            </a:fld>
+            <a:endParaRPr/>
           </a:p>
         </p:txBody>
       </p:sp>
@@ -4193,12 +4136,12 @@
   <p:clrMapOvr>
     <a:masterClrMapping/>
   </p:clrMapOvr>
-  <p:transition xmlns:p14="http://schemas.microsoft.com/office/powerpoint/2010/main" spd="med" advClick="1"/>
+  <p:transition spd="med"/>
 </p:sldLayout>
 </file>
 
 <file path=ppt/slideLayouts/slideLayout2.xml><?xml version="1.0" encoding="utf-8"?>
-<p:sldLayout xmlns:a="http://schemas.openxmlformats.org/drawingml/2006/main" xmlns:r="http://schemas.openxmlformats.org/officeDocument/2006/relationships" xmlns:p="http://schemas.openxmlformats.org/presentationml/2006/main" xmlns:m="http://schemas.openxmlformats.org/officeDocument/2006/math" xmlns:a14="http://schemas.microsoft.com/office/drawing/2010/main" type="tx" showMasterSp="1" showMasterPhAnim="1">
+<p:sldLayout xmlns:a="http://schemas.openxmlformats.org/drawingml/2006/main" xmlns:r="http://schemas.openxmlformats.org/officeDocument/2006/relationships" xmlns:p="http://schemas.openxmlformats.org/presentationml/2006/main" type="tx">
   <p:cSld name="标题和内容">
     <p:spTree>
       <p:nvGrpSpPr>
@@ -4219,7 +4162,7 @@
           <p:cNvPr id="20" name="标题文本"/>
           <p:cNvSpPr txBox="1"/>
           <p:nvPr>
-            <p:ph type="title"/>
+            <p:ph type="title" hasCustomPrompt="1"/>
           </p:nvPr>
         </p:nvSpPr>
         <p:spPr>
@@ -4231,7 +4174,6 @@
           <a:bodyPr/>
           <a:lstStyle/>
           <a:p>
-            <a:pPr/>
             <a:r>
               <a:t>标题文本</a:t>
             </a:r>
@@ -4243,7 +4185,7 @@
           <p:cNvPr id="21" name="正文级别 1…"/>
           <p:cNvSpPr txBox="1"/>
           <p:nvPr>
-            <p:ph type="body" idx="1"/>
+            <p:ph type="body" idx="1" hasCustomPrompt="1"/>
           </p:nvPr>
         </p:nvSpPr>
         <p:spPr>
@@ -4255,7 +4197,6 @@
           <a:bodyPr/>
           <a:lstStyle/>
           <a:p>
-            <a:pPr/>
             <a:r>
               <a:t>正文级别 1</a:t>
             </a:r>
@@ -4303,8 +4244,10 @@
           <a:bodyPr/>
           <a:lstStyle/>
           <a:p>
-            <a:pPr/>
-            <a:fld id="{86CB4B4D-7CA3-9044-876B-883B54F8677D}" type="slidenum"/>
+            <a:fld id="{86CB4B4D-7CA3-9044-876B-883B54F8677D}" type="slidenum">
+              <a:rPr/>
+            </a:fld>
+            <a:endParaRPr/>
           </a:p>
         </p:txBody>
       </p:sp>
@@ -4313,12 +4256,12 @@
   <p:clrMapOvr>
     <a:masterClrMapping/>
   </p:clrMapOvr>
-  <p:transition xmlns:p14="http://schemas.microsoft.com/office/powerpoint/2010/main" spd="med" advClick="1"/>
+  <p:transition spd="med"/>
 </p:sldLayout>
 </file>
 
 <file path=ppt/slideLayouts/slideLayout3.xml><?xml version="1.0" encoding="utf-8"?>
-<p:sldLayout xmlns:a="http://schemas.openxmlformats.org/drawingml/2006/main" xmlns:r="http://schemas.openxmlformats.org/officeDocument/2006/relationships" xmlns:p="http://schemas.openxmlformats.org/presentationml/2006/main" xmlns:m="http://schemas.openxmlformats.org/officeDocument/2006/math" xmlns:a14="http://schemas.microsoft.com/office/drawing/2010/main" type="tx" showMasterSp="1" showMasterPhAnim="1">
+<p:sldLayout xmlns:a="http://schemas.openxmlformats.org/drawingml/2006/main" xmlns:r="http://schemas.openxmlformats.org/officeDocument/2006/relationships" xmlns:p="http://schemas.openxmlformats.org/presentationml/2006/main" type="tx">
   <p:cSld name="节标题">
     <p:spTree>
       <p:nvGrpSpPr>
@@ -4339,7 +4282,7 @@
           <p:cNvPr id="29" name="标题文本"/>
           <p:cNvSpPr txBox="1"/>
           <p:nvPr>
-            <p:ph type="title"/>
+            <p:ph type="title" hasCustomPrompt="1"/>
           </p:nvPr>
         </p:nvSpPr>
         <p:spPr>
@@ -4359,7 +4302,6 @@
             </a:lvl1pPr>
           </a:lstStyle>
           <a:p>
-            <a:pPr/>
             <a:r>
               <a:t>标题文本</a:t>
             </a:r>
@@ -4371,7 +4313,7 @@
           <p:cNvPr id="30" name="正文级别 1…"/>
           <p:cNvSpPr txBox="1"/>
           <p:nvPr>
-            <p:ph type="body" sz="quarter" idx="1"/>
+            <p:ph type="body" sz="quarter" idx="1" hasCustomPrompt="1"/>
           </p:nvPr>
         </p:nvSpPr>
         <p:spPr>
@@ -4438,7 +4380,6 @@
             </a:lvl5pPr>
           </a:lstStyle>
           <a:p>
-            <a:pPr/>
             <a:r>
               <a:t>正文级别 1</a:t>
             </a:r>
@@ -4486,8 +4427,10 @@
           <a:bodyPr/>
           <a:lstStyle/>
           <a:p>
-            <a:pPr/>
-            <a:fld id="{86CB4B4D-7CA3-9044-876B-883B54F8677D}" type="slidenum"/>
+            <a:fld id="{86CB4B4D-7CA3-9044-876B-883B54F8677D}" type="slidenum">
+              <a:rPr/>
+            </a:fld>
+            <a:endParaRPr/>
           </a:p>
         </p:txBody>
       </p:sp>
@@ -4496,12 +4439,12 @@
   <p:clrMapOvr>
     <a:masterClrMapping/>
   </p:clrMapOvr>
-  <p:transition xmlns:p14="http://schemas.microsoft.com/office/powerpoint/2010/main" spd="med" advClick="1"/>
+  <p:transition spd="med"/>
 </p:sldLayout>
 </file>
 
 <file path=ppt/slideLayouts/slideLayout4.xml><?xml version="1.0" encoding="utf-8"?>
-<p:sldLayout xmlns:a="http://schemas.openxmlformats.org/drawingml/2006/main" xmlns:r="http://schemas.openxmlformats.org/officeDocument/2006/relationships" xmlns:p="http://schemas.openxmlformats.org/presentationml/2006/main" xmlns:m="http://schemas.openxmlformats.org/officeDocument/2006/math" xmlns:a14="http://schemas.microsoft.com/office/drawing/2010/main" type="tx" showMasterSp="1" showMasterPhAnim="1">
+<p:sldLayout xmlns:a="http://schemas.openxmlformats.org/drawingml/2006/main" xmlns:r="http://schemas.openxmlformats.org/officeDocument/2006/relationships" xmlns:p="http://schemas.openxmlformats.org/presentationml/2006/main" type="tx">
   <p:cSld name="两栏内容">
     <p:spTree>
       <p:nvGrpSpPr>
@@ -4522,7 +4465,7 @@
           <p:cNvPr id="38" name="标题文本"/>
           <p:cNvSpPr txBox="1"/>
           <p:nvPr>
-            <p:ph type="title"/>
+            <p:ph type="title" hasCustomPrompt="1"/>
           </p:nvPr>
         </p:nvSpPr>
         <p:spPr>
@@ -4534,7 +4477,6 @@
           <a:bodyPr/>
           <a:lstStyle/>
           <a:p>
-            <a:pPr/>
             <a:r>
               <a:t>标题文本</a:t>
             </a:r>
@@ -4546,7 +4488,7 @@
           <p:cNvPr id="39" name="正文级别 1…"/>
           <p:cNvSpPr txBox="1"/>
           <p:nvPr>
-            <p:ph type="body" sz="half" idx="1"/>
+            <p:ph type="body" sz="half" idx="1" hasCustomPrompt="1"/>
           </p:nvPr>
         </p:nvSpPr>
         <p:spPr>
@@ -4562,7 +4504,6 @@
           <a:bodyPr/>
           <a:lstStyle/>
           <a:p>
-            <a:pPr/>
             <a:r>
               <a:t>正文级别 1</a:t>
             </a:r>
@@ -4610,8 +4551,10 @@
           <a:bodyPr/>
           <a:lstStyle/>
           <a:p>
-            <a:pPr/>
-            <a:fld id="{86CB4B4D-7CA3-9044-876B-883B54F8677D}" type="slidenum"/>
+            <a:fld id="{86CB4B4D-7CA3-9044-876B-883B54F8677D}" type="slidenum">
+              <a:rPr/>
+            </a:fld>
+            <a:endParaRPr/>
           </a:p>
         </p:txBody>
       </p:sp>
@@ -4620,12 +4563,12 @@
   <p:clrMapOvr>
     <a:masterClrMapping/>
   </p:clrMapOvr>
-  <p:transition xmlns:p14="http://schemas.microsoft.com/office/powerpoint/2010/main" spd="med" advClick="1"/>
+  <p:transition spd="med"/>
 </p:sldLayout>
 </file>
 
 <file path=ppt/slideLayouts/slideLayout5.xml><?xml version="1.0" encoding="utf-8"?>
-<p:sldLayout xmlns:a="http://schemas.openxmlformats.org/drawingml/2006/main" xmlns:r="http://schemas.openxmlformats.org/officeDocument/2006/relationships" xmlns:p="http://schemas.openxmlformats.org/presentationml/2006/main" xmlns:m="http://schemas.openxmlformats.org/officeDocument/2006/math" xmlns:a14="http://schemas.microsoft.com/office/drawing/2010/main" type="tx" showMasterSp="1" showMasterPhAnim="1">
+<p:sldLayout xmlns:a="http://schemas.openxmlformats.org/drawingml/2006/main" xmlns:r="http://schemas.openxmlformats.org/officeDocument/2006/relationships" xmlns:p="http://schemas.openxmlformats.org/presentationml/2006/main" type="tx">
   <p:cSld name="比较">
     <p:spTree>
       <p:nvGrpSpPr>
@@ -4646,7 +4589,7 @@
           <p:cNvPr id="47" name="标题文本"/>
           <p:cNvSpPr txBox="1"/>
           <p:nvPr>
-            <p:ph type="title"/>
+            <p:ph type="title" hasCustomPrompt="1"/>
           </p:nvPr>
         </p:nvSpPr>
         <p:spPr>
@@ -4662,7 +4605,6 @@
           <a:bodyPr/>
           <a:lstStyle/>
           <a:p>
-            <a:pPr/>
             <a:r>
               <a:t>标题文本</a:t>
             </a:r>
@@ -4674,7 +4616,7 @@
           <p:cNvPr id="48" name="正文级别 1…"/>
           <p:cNvSpPr txBox="1"/>
           <p:nvPr>
-            <p:ph type="body" sz="quarter" idx="1"/>
+            <p:ph type="body" sz="quarter" idx="1" hasCustomPrompt="1"/>
           </p:nvPr>
         </p:nvSpPr>
         <p:spPr>
@@ -4693,35 +4635,34 @@
               <a:buSzTx/>
               <a:buFontTx/>
               <a:buNone/>
-              <a:defRPr b="1" sz="2400"/>
+              <a:defRPr sz="2400" b="1"/>
             </a:lvl1pPr>
             <a:lvl2pPr marL="0" indent="0">
               <a:buSzTx/>
               <a:buFontTx/>
               <a:buNone/>
-              <a:defRPr b="1" sz="2400"/>
+              <a:defRPr sz="2400" b="1"/>
             </a:lvl2pPr>
             <a:lvl3pPr marL="0" indent="0">
               <a:buSzTx/>
               <a:buFontTx/>
               <a:buNone/>
-              <a:defRPr b="1" sz="2400"/>
+              <a:defRPr sz="2400" b="1"/>
             </a:lvl3pPr>
             <a:lvl4pPr marL="0" indent="0">
               <a:buSzTx/>
               <a:buFontTx/>
               <a:buNone/>
-              <a:defRPr b="1" sz="2400"/>
+              <a:defRPr sz="2400" b="1"/>
             </a:lvl4pPr>
             <a:lvl5pPr marL="0" indent="0">
               <a:buSzTx/>
               <a:buFontTx/>
               <a:buNone/>
-              <a:defRPr b="1" sz="2400"/>
+              <a:defRPr sz="2400" b="1"/>
             </a:lvl5pPr>
           </a:lstStyle>
           <a:p>
-            <a:pPr/>
             <a:r>
               <a:t>正文级别 1</a:t>
             </a:r>
@@ -4772,9 +4713,7 @@
         <p:txBody>
           <a:bodyPr anchor="b"/>
           <a:lstStyle/>
-          <a:p>
-            <a:pPr/>
-          </a:p>
+          <a:p/>
         </p:txBody>
       </p:sp>
       <p:sp>
@@ -4794,8 +4733,10 @@
           <a:bodyPr/>
           <a:lstStyle/>
           <a:p>
-            <a:pPr/>
-            <a:fld id="{86CB4B4D-7CA3-9044-876B-883B54F8677D}" type="slidenum"/>
+            <a:fld id="{86CB4B4D-7CA3-9044-876B-883B54F8677D}" type="slidenum">
+              <a:rPr/>
+            </a:fld>
+            <a:endParaRPr/>
           </a:p>
         </p:txBody>
       </p:sp>
@@ -4804,12 +4745,12 @@
   <p:clrMapOvr>
     <a:masterClrMapping/>
   </p:clrMapOvr>
-  <p:transition xmlns:p14="http://schemas.microsoft.com/office/powerpoint/2010/main" spd="med" advClick="1"/>
+  <p:transition spd="med"/>
 </p:sldLayout>
 </file>
 
 <file path=ppt/slideLayouts/slideLayout6.xml><?xml version="1.0" encoding="utf-8"?>
-<p:sldLayout xmlns:a="http://schemas.openxmlformats.org/drawingml/2006/main" xmlns:r="http://schemas.openxmlformats.org/officeDocument/2006/relationships" xmlns:p="http://schemas.openxmlformats.org/presentationml/2006/main" xmlns:m="http://schemas.openxmlformats.org/officeDocument/2006/math" xmlns:a14="http://schemas.microsoft.com/office/drawing/2010/main" type="tx" showMasterSp="1" showMasterPhAnim="1">
+<p:sldLayout xmlns:a="http://schemas.openxmlformats.org/drawingml/2006/main" xmlns:r="http://schemas.openxmlformats.org/officeDocument/2006/relationships" xmlns:p="http://schemas.openxmlformats.org/presentationml/2006/main" type="tx">
   <p:cSld name="仅标题">
     <p:spTree>
       <p:nvGrpSpPr>
@@ -4830,7 +4771,7 @@
           <p:cNvPr id="57" name="标题文本"/>
           <p:cNvSpPr txBox="1"/>
           <p:nvPr>
-            <p:ph type="title"/>
+            <p:ph type="title" hasCustomPrompt="1"/>
           </p:nvPr>
         </p:nvSpPr>
         <p:spPr>
@@ -4842,7 +4783,6 @@
           <a:bodyPr/>
           <a:lstStyle/>
           <a:p>
-            <a:pPr/>
             <a:r>
               <a:t>标题文本</a:t>
             </a:r>
@@ -4866,8 +4806,10 @@
           <a:bodyPr/>
           <a:lstStyle/>
           <a:p>
-            <a:pPr/>
-            <a:fld id="{86CB4B4D-7CA3-9044-876B-883B54F8677D}" type="slidenum"/>
+            <a:fld id="{86CB4B4D-7CA3-9044-876B-883B54F8677D}" type="slidenum">
+              <a:rPr/>
+            </a:fld>
+            <a:endParaRPr/>
           </a:p>
         </p:txBody>
       </p:sp>
@@ -4876,12 +4818,12 @@
   <p:clrMapOvr>
     <a:masterClrMapping/>
   </p:clrMapOvr>
-  <p:transition xmlns:p14="http://schemas.microsoft.com/office/powerpoint/2010/main" spd="med" advClick="1"/>
+  <p:transition spd="med"/>
 </p:sldLayout>
 </file>
 
 <file path=ppt/slideLayouts/slideLayout7.xml><?xml version="1.0" encoding="utf-8"?>
-<p:sldLayout xmlns:a="http://schemas.openxmlformats.org/drawingml/2006/main" xmlns:r="http://schemas.openxmlformats.org/officeDocument/2006/relationships" xmlns:p="http://schemas.openxmlformats.org/presentationml/2006/main" xmlns:m="http://schemas.openxmlformats.org/officeDocument/2006/math" xmlns:a14="http://schemas.microsoft.com/office/drawing/2010/main" type="tx" showMasterSp="1" showMasterPhAnim="1">
+<p:sldLayout xmlns:a="http://schemas.openxmlformats.org/drawingml/2006/main" xmlns:r="http://schemas.openxmlformats.org/officeDocument/2006/relationships" xmlns:p="http://schemas.openxmlformats.org/presentationml/2006/main" type="tx">
   <p:cSld name="空白">
     <p:spTree>
       <p:nvGrpSpPr>
@@ -4914,8 +4856,10 @@
           <a:bodyPr/>
           <a:lstStyle/>
           <a:p>
-            <a:pPr/>
-            <a:fld id="{86CB4B4D-7CA3-9044-876B-883B54F8677D}" type="slidenum"/>
+            <a:fld id="{86CB4B4D-7CA3-9044-876B-883B54F8677D}" type="slidenum">
+              <a:rPr/>
+            </a:fld>
+            <a:endParaRPr/>
           </a:p>
         </p:txBody>
       </p:sp>
@@ -4924,12 +4868,12 @@
   <p:clrMapOvr>
     <a:masterClrMapping/>
   </p:clrMapOvr>
-  <p:transition xmlns:p14="http://schemas.microsoft.com/office/powerpoint/2010/main" spd="med" advClick="1"/>
+  <p:transition spd="med"/>
 </p:sldLayout>
 </file>
 
 <file path=ppt/slideLayouts/slideLayout8.xml><?xml version="1.0" encoding="utf-8"?>
-<p:sldLayout xmlns:a="http://schemas.openxmlformats.org/drawingml/2006/main" xmlns:r="http://schemas.openxmlformats.org/officeDocument/2006/relationships" xmlns:p="http://schemas.openxmlformats.org/presentationml/2006/main" xmlns:m="http://schemas.openxmlformats.org/officeDocument/2006/math" xmlns:a14="http://schemas.microsoft.com/office/drawing/2010/main" type="tx" showMasterSp="1" showMasterPhAnim="1">
+<p:sldLayout xmlns:a="http://schemas.openxmlformats.org/drawingml/2006/main" xmlns:r="http://schemas.openxmlformats.org/officeDocument/2006/relationships" xmlns:p="http://schemas.openxmlformats.org/presentationml/2006/main" type="tx">
   <p:cSld name="内容与标题">
     <p:spTree>
       <p:nvGrpSpPr>
@@ -4950,7 +4894,7 @@
           <p:cNvPr id="72" name="标题文本"/>
           <p:cNvSpPr txBox="1"/>
           <p:nvPr>
-            <p:ph type="title"/>
+            <p:ph type="title" hasCustomPrompt="1"/>
           </p:nvPr>
         </p:nvSpPr>
         <p:spPr>
@@ -4970,7 +4914,6 @@
             </a:lvl1pPr>
           </a:lstStyle>
           <a:p>
-            <a:pPr/>
             <a:r>
               <a:t>标题文本</a:t>
             </a:r>
@@ -4982,7 +4925,7 @@
           <p:cNvPr id="73" name="正文级别 1…"/>
           <p:cNvSpPr txBox="1"/>
           <p:nvPr>
-            <p:ph type="body" sz="half" idx="1"/>
+            <p:ph type="body" sz="half" idx="1" hasCustomPrompt="1"/>
           </p:nvPr>
         </p:nvSpPr>
         <p:spPr>
@@ -5000,7 +4943,7 @@
             <a:lvl1pPr>
               <a:defRPr sz="3200"/>
             </a:lvl1pPr>
-            <a:lvl2pPr marL="718457" indent="-261257">
+            <a:lvl2pPr marL="718185" indent="-260985">
               <a:defRPr sz="3200"/>
             </a:lvl2pPr>
             <a:lvl3pPr marL="1219200" indent="-304800">
@@ -5014,7 +4957,6 @@
             </a:lvl5pPr>
           </a:lstStyle>
           <a:p>
-            <a:pPr/>
             <a:r>
               <a:t>正文级别 1</a:t>
             </a:r>
@@ -5065,9 +5007,7 @@
         <p:txBody>
           <a:bodyPr/>
           <a:lstStyle/>
-          <a:p>
-            <a:pPr/>
-          </a:p>
+          <a:p/>
         </p:txBody>
       </p:sp>
       <p:sp>
@@ -5087,8 +5027,10 @@
           <a:bodyPr/>
           <a:lstStyle/>
           <a:p>
-            <a:pPr/>
-            <a:fld id="{86CB4B4D-7CA3-9044-876B-883B54F8677D}" type="slidenum"/>
+            <a:fld id="{86CB4B4D-7CA3-9044-876B-883B54F8677D}" type="slidenum">
+              <a:rPr/>
+            </a:fld>
+            <a:endParaRPr/>
           </a:p>
         </p:txBody>
       </p:sp>
@@ -5097,12 +5039,12 @@
   <p:clrMapOvr>
     <a:masterClrMapping/>
   </p:clrMapOvr>
-  <p:transition xmlns:p14="http://schemas.microsoft.com/office/powerpoint/2010/main" spd="med" advClick="1"/>
+  <p:transition spd="med"/>
 </p:sldLayout>
 </file>
 
 <file path=ppt/slideLayouts/slideLayout9.xml><?xml version="1.0" encoding="utf-8"?>
-<p:sldLayout xmlns:a="http://schemas.openxmlformats.org/drawingml/2006/main" xmlns:r="http://schemas.openxmlformats.org/officeDocument/2006/relationships" xmlns:p="http://schemas.openxmlformats.org/presentationml/2006/main" xmlns:m="http://schemas.openxmlformats.org/officeDocument/2006/math" xmlns:a14="http://schemas.microsoft.com/office/drawing/2010/main" type="tx" showMasterSp="1" showMasterPhAnim="1">
+<p:sldLayout xmlns:a="http://schemas.openxmlformats.org/drawingml/2006/main" xmlns:r="http://schemas.openxmlformats.org/officeDocument/2006/relationships" xmlns:p="http://schemas.openxmlformats.org/presentationml/2006/main" type="tx">
   <p:cSld name="图片与标题">
     <p:spTree>
       <p:nvGrpSpPr>
@@ -5123,7 +5065,7 @@
           <p:cNvPr id="82" name="标题文本"/>
           <p:cNvSpPr txBox="1"/>
           <p:nvPr>
-            <p:ph type="title"/>
+            <p:ph type="title" hasCustomPrompt="1"/>
           </p:nvPr>
         </p:nvSpPr>
         <p:spPr>
@@ -5143,7 +5085,6 @@
             </a:lvl1pPr>
           </a:lstStyle>
           <a:p>
-            <a:pPr/>
             <a:r>
               <a:t>标题文本</a:t>
             </a:r>
@@ -5172,9 +5113,7 @@
             <a:noAutofit/>
           </a:bodyPr>
           <a:lstStyle/>
-          <a:p>
-            <a:pPr/>
-          </a:p>
+          <a:p/>
         </p:txBody>
       </p:sp>
       <p:sp>
@@ -5182,7 +5121,7 @@
           <p:cNvPr id="84" name="正文级别 1…"/>
           <p:cNvSpPr txBox="1"/>
           <p:nvPr>
-            <p:ph type="body" sz="quarter" idx="1"/>
+            <p:ph type="body" sz="quarter" idx="1" hasCustomPrompt="1"/>
           </p:nvPr>
         </p:nvSpPr>
         <p:spPr>
@@ -5229,7 +5168,6 @@
             </a:lvl5pPr>
           </a:lstStyle>
           <a:p>
-            <a:pPr/>
             <a:r>
               <a:t>正文级别 1</a:t>
             </a:r>
@@ -5277,8 +5215,10 @@
           <a:bodyPr/>
           <a:lstStyle/>
           <a:p>
-            <a:pPr/>
-            <a:fld id="{86CB4B4D-7CA3-9044-876B-883B54F8677D}" type="slidenum"/>
+            <a:fld id="{86CB4B4D-7CA3-9044-876B-883B54F8677D}" type="slidenum">
+              <a:rPr/>
+            </a:fld>
+            <a:endParaRPr/>
           </a:p>
         </p:txBody>
       </p:sp>
@@ -5287,18 +5227,19 @@
   <p:clrMapOvr>
     <a:masterClrMapping/>
   </p:clrMapOvr>
-  <p:transition xmlns:p14="http://schemas.microsoft.com/office/powerpoint/2010/main" spd="med" advClick="1"/>
+  <p:transition spd="med"/>
 </p:sldLayout>
 </file>
 
 <file path=ppt/slideMasters/slideMaster1.xml><?xml version="1.0" encoding="utf-8"?>
-<p:sldMaster xmlns:a="http://schemas.openxmlformats.org/drawingml/2006/main" xmlns:r="http://schemas.openxmlformats.org/officeDocument/2006/relationships" xmlns:p="http://schemas.openxmlformats.org/presentationml/2006/main" xmlns:m="http://schemas.openxmlformats.org/officeDocument/2006/math" xmlns:a14="http://schemas.microsoft.com/office/drawing/2010/main">
+<p:sldMaster xmlns:a="http://schemas.openxmlformats.org/drawingml/2006/main" xmlns:r="http://schemas.openxmlformats.org/officeDocument/2006/relationships" xmlns:p="http://schemas.openxmlformats.org/presentationml/2006/main">
   <p:cSld>
     <p:bg>
       <p:bgPr>
         <a:solidFill>
           <a:srgbClr val="FFFFFF"/>
         </a:solidFill>
+        <a:effectLst/>
       </p:bgPr>
     </p:bg>
     <p:spTree>
@@ -5334,19 +5275,13 @@
           <a:ln w="12700">
             <a:miter lim="400000"/>
           </a:ln>
-          <a:extLst>
-            <a:ext uri="{C572A759-6A51-4108-AA02-DFA0A04FC94B}">
-              <ma14:wrappingTextBoxFlag xmlns:ma14="http://schemas.microsoft.com/office/mac/drawingml/2011/main" val="1"/>
-            </a:ext>
-          </a:extLst>
         </p:spPr>
         <p:txBody>
           <a:bodyPr lIns="45718" tIns="45718" rIns="45718" bIns="45718" anchor="ctr">
-            <a:normAutofit fontScale="100000" lnSpcReduction="0"/>
+            <a:normAutofit/>
           </a:bodyPr>
           <a:lstStyle/>
           <a:p>
-            <a:pPr/>
             <a:r>
               <a:t>标题文本</a:t>
             </a:r>
@@ -5372,19 +5307,13 @@
           <a:ln w="12700">
             <a:miter lim="400000"/>
           </a:ln>
-          <a:extLst>
-            <a:ext uri="{C572A759-6A51-4108-AA02-DFA0A04FC94B}">
-              <ma14:wrappingTextBoxFlag xmlns:ma14="http://schemas.microsoft.com/office/mac/drawingml/2011/main" val="1"/>
-            </a:ext>
-          </a:extLst>
         </p:spPr>
         <p:txBody>
           <a:bodyPr lIns="45718" tIns="45718" rIns="45718" bIns="45718">
-            <a:normAutofit fontScale="100000" lnSpcReduction="0"/>
+            <a:normAutofit/>
           </a:bodyPr>
           <a:lstStyle/>
           <a:p>
-            <a:pPr/>
             <a:r>
               <a:t>正文级别 1</a:t>
             </a:r>
@@ -5449,8 +5378,10 @@
             </a:lvl1pPr>
           </a:lstStyle>
           <a:p>
-            <a:pPr/>
-            <a:fld id="{86CB4B4D-7CA3-9044-876B-883B54F8677D}" type="slidenum"/>
+            <a:fld id="{86CB4B4D-7CA3-9044-876B-883B54F8677D}" type="slidenum">
+              <a:rPr/>
+            </a:fld>
+            <a:endParaRPr/>
           </a:p>
         </p:txBody>
       </p:sp>
@@ -5458,24 +5389,24 @@
   </p:cSld>
   <p:clrMap bg1="lt1" tx1="dk1" bg2="lt2" tx2="dk2" accent1="accent1" accent2="accent2" accent3="accent3" accent4="accent4" accent5="accent5" accent6="accent6" hlink="hlink" folHlink="folHlink"/>
   <p:sldLayoutIdLst>
-    <p:sldLayoutId id="2147483649" r:id="rId2"/>
-    <p:sldLayoutId id="2147483650" r:id="rId3"/>
-    <p:sldLayoutId id="2147483651" r:id="rId4"/>
-    <p:sldLayoutId id="2147483652" r:id="rId5"/>
-    <p:sldLayoutId id="2147483653" r:id="rId6"/>
-    <p:sldLayoutId id="2147483654" r:id="rId7"/>
-    <p:sldLayoutId id="2147483655" r:id="rId8"/>
-    <p:sldLayoutId id="2147483656" r:id="rId9"/>
-    <p:sldLayoutId id="2147483657" r:id="rId10"/>
-    <p:sldLayoutId id="2147483658" r:id="rId11"/>
-    <p:sldLayoutId id="2147483659" r:id="rId12"/>
-    <p:sldLayoutId id="2147483660" r:id="rId13"/>
-    <p:sldLayoutId id="2147483661" r:id="rId14"/>
-    <p:sldLayoutId id="2147483662" r:id="rId15"/>
-    <p:sldLayoutId id="2147483663" r:id="rId16"/>
-    <p:sldLayoutId id="2147483664" r:id="rId17"/>
+    <p:sldLayoutId id="2147483649" r:id="rId1"/>
+    <p:sldLayoutId id="2147483650" r:id="rId2"/>
+    <p:sldLayoutId id="2147483651" r:id="rId3"/>
+    <p:sldLayoutId id="2147483652" r:id="rId4"/>
+    <p:sldLayoutId id="2147483653" r:id="rId5"/>
+    <p:sldLayoutId id="2147483654" r:id="rId6"/>
+    <p:sldLayoutId id="2147483655" r:id="rId7"/>
+    <p:sldLayoutId id="2147483656" r:id="rId8"/>
+    <p:sldLayoutId id="2147483657" r:id="rId9"/>
+    <p:sldLayoutId id="2147483658" r:id="rId10"/>
+    <p:sldLayoutId id="2147483659" r:id="rId11"/>
+    <p:sldLayoutId id="2147483660" r:id="rId12"/>
+    <p:sldLayoutId id="2147483661" r:id="rId13"/>
+    <p:sldLayoutId id="2147483662" r:id="rId14"/>
+    <p:sldLayoutId id="2147483663" r:id="rId15"/>
+    <p:sldLayoutId id="2147483664" r:id="rId16"/>
   </p:sldLayoutIdLst>
-  <p:transition xmlns:p14="http://schemas.microsoft.com/office/powerpoint/2010/main" spd="med" advClick="1"/>
+  <p:transition spd="med"/>
   <p:txStyles>
     <p:titleStyle>
       <a:lvl1pPr marL="0" marR="0" indent="0" algn="l" defTabSz="914400" rtl="0" latinLnBrk="0">
@@ -5492,16 +5423,15 @@
         <a:buSzTx/>
         <a:buFontTx/>
         <a:buNone/>
-        <a:tabLst/>
-        <a:defRPr b="0" baseline="0" cap="none" i="0" spc="0" strike="noStrike" sz="4400" u="none">
+        <a:defRPr sz="4400" b="0" i="0" u="none" strike="noStrike" cap="none" spc="0" baseline="0">
           <a:solidFill>
             <a:srgbClr val="000000"/>
           </a:solidFill>
           <a:uFillTx/>
-          <a:latin typeface="等线 Light"/>
-          <a:ea typeface="等线 Light"/>
-          <a:cs typeface="等线 Light"/>
-          <a:sym typeface="等线 Light"/>
+          <a:latin typeface="等线 Light" panose="02010600030101010101" charset="-122"/>
+          <a:ea typeface="等线 Light" panose="02010600030101010101" charset="-122"/>
+          <a:cs typeface="等线 Light" panose="02010600030101010101" charset="-122"/>
+          <a:sym typeface="等线 Light" panose="02010600030101010101" charset="-122"/>
         </a:defRPr>
       </a:lvl1pPr>
       <a:lvl2pPr marL="0" marR="0" indent="0" algn="l" defTabSz="914400" rtl="0" latinLnBrk="0">
@@ -5518,16 +5448,15 @@
         <a:buSzTx/>
         <a:buFontTx/>
         <a:buNone/>
-        <a:tabLst/>
-        <a:defRPr b="0" baseline="0" cap="none" i="0" spc="0" strike="noStrike" sz="4400" u="none">
+        <a:defRPr sz="4400" b="0" i="0" u="none" strike="noStrike" cap="none" spc="0" baseline="0">
           <a:solidFill>
             <a:srgbClr val="000000"/>
           </a:solidFill>
           <a:uFillTx/>
-          <a:latin typeface="等线 Light"/>
-          <a:ea typeface="等线 Light"/>
-          <a:cs typeface="等线 Light"/>
-          <a:sym typeface="等线 Light"/>
+          <a:latin typeface="等线 Light" panose="02010600030101010101" charset="-122"/>
+          <a:ea typeface="等线 Light" panose="02010600030101010101" charset="-122"/>
+          <a:cs typeface="等线 Light" panose="02010600030101010101" charset="-122"/>
+          <a:sym typeface="等线 Light" panose="02010600030101010101" charset="-122"/>
         </a:defRPr>
       </a:lvl2pPr>
       <a:lvl3pPr marL="0" marR="0" indent="0" algn="l" defTabSz="914400" rtl="0" latinLnBrk="0">
@@ -5544,16 +5473,15 @@
         <a:buSzTx/>
         <a:buFontTx/>
         <a:buNone/>
-        <a:tabLst/>
-        <a:defRPr b="0" baseline="0" cap="none" i="0" spc="0" strike="noStrike" sz="4400" u="none">
+        <a:defRPr sz="4400" b="0" i="0" u="none" strike="noStrike" cap="none" spc="0" baseline="0">
           <a:solidFill>
             <a:srgbClr val="000000"/>
           </a:solidFill>
           <a:uFillTx/>
-          <a:latin typeface="等线 Light"/>
-          <a:ea typeface="等线 Light"/>
-          <a:cs typeface="等线 Light"/>
-          <a:sym typeface="等线 Light"/>
+          <a:latin typeface="等线 Light" panose="02010600030101010101" charset="-122"/>
+          <a:ea typeface="等线 Light" panose="02010600030101010101" charset="-122"/>
+          <a:cs typeface="等线 Light" panose="02010600030101010101" charset="-122"/>
+          <a:sym typeface="等线 Light" panose="02010600030101010101" charset="-122"/>
         </a:defRPr>
       </a:lvl3pPr>
       <a:lvl4pPr marL="0" marR="0" indent="0" algn="l" defTabSz="914400" rtl="0" latinLnBrk="0">
@@ -5570,16 +5498,15 @@
         <a:buSzTx/>
         <a:buFontTx/>
         <a:buNone/>
-        <a:tabLst/>
-        <a:defRPr b="0" baseline="0" cap="none" i="0" spc="0" strike="noStrike" sz="4400" u="none">
+        <a:defRPr sz="4400" b="0" i="0" u="none" strike="noStrike" cap="none" spc="0" baseline="0">
           <a:solidFill>
             <a:srgbClr val="000000"/>
           </a:solidFill>
           <a:uFillTx/>
-          <a:latin typeface="等线 Light"/>
-          <a:ea typeface="等线 Light"/>
-          <a:cs typeface="等线 Light"/>
-          <a:sym typeface="等线 Light"/>
+          <a:latin typeface="等线 Light" panose="02010600030101010101" charset="-122"/>
+          <a:ea typeface="等线 Light" panose="02010600030101010101" charset="-122"/>
+          <a:cs typeface="等线 Light" panose="02010600030101010101" charset="-122"/>
+          <a:sym typeface="等线 Light" panose="02010600030101010101" charset="-122"/>
         </a:defRPr>
       </a:lvl4pPr>
       <a:lvl5pPr marL="0" marR="0" indent="0" algn="l" defTabSz="914400" rtl="0" latinLnBrk="0">
@@ -5596,16 +5523,15 @@
         <a:buSzTx/>
         <a:buFontTx/>
         <a:buNone/>
-        <a:tabLst/>
-        <a:defRPr b="0" baseline="0" cap="none" i="0" spc="0" strike="noStrike" sz="4400" u="none">
+        <a:defRPr sz="4400" b="0" i="0" u="none" strike="noStrike" cap="none" spc="0" baseline="0">
           <a:solidFill>
             <a:srgbClr val="000000"/>
           </a:solidFill>
           <a:uFillTx/>
-          <a:latin typeface="等线 Light"/>
-          <a:ea typeface="等线 Light"/>
-          <a:cs typeface="等线 Light"/>
-          <a:sym typeface="等线 Light"/>
+          <a:latin typeface="等线 Light" panose="02010600030101010101" charset="-122"/>
+          <a:ea typeface="等线 Light" panose="02010600030101010101" charset="-122"/>
+          <a:cs typeface="等线 Light" panose="02010600030101010101" charset="-122"/>
+          <a:sym typeface="等线 Light" panose="02010600030101010101" charset="-122"/>
         </a:defRPr>
       </a:lvl5pPr>
       <a:lvl6pPr marL="0" marR="0" indent="0" algn="l" defTabSz="914400" rtl="0" latinLnBrk="0">
@@ -5622,16 +5548,15 @@
         <a:buSzTx/>
         <a:buFontTx/>
         <a:buNone/>
-        <a:tabLst/>
-        <a:defRPr b="0" baseline="0" cap="none" i="0" spc="0" strike="noStrike" sz="4400" u="none">
+        <a:defRPr sz="4400" b="0" i="0" u="none" strike="noStrike" cap="none" spc="0" baseline="0">
           <a:solidFill>
             <a:srgbClr val="000000"/>
           </a:solidFill>
           <a:uFillTx/>
-          <a:latin typeface="等线 Light"/>
-          <a:ea typeface="等线 Light"/>
-          <a:cs typeface="等线 Light"/>
-          <a:sym typeface="等线 Light"/>
+          <a:latin typeface="等线 Light" panose="02010600030101010101" charset="-122"/>
+          <a:ea typeface="等线 Light" panose="02010600030101010101" charset="-122"/>
+          <a:cs typeface="等线 Light" panose="02010600030101010101" charset="-122"/>
+          <a:sym typeface="等线 Light" panose="02010600030101010101" charset="-122"/>
         </a:defRPr>
       </a:lvl6pPr>
       <a:lvl7pPr marL="0" marR="0" indent="0" algn="l" defTabSz="914400" rtl="0" latinLnBrk="0">
@@ -5648,16 +5573,15 @@
         <a:buSzTx/>
         <a:buFontTx/>
         <a:buNone/>
-        <a:tabLst/>
-        <a:defRPr b="0" baseline="0" cap="none" i="0" spc="0" strike="noStrike" sz="4400" u="none">
+        <a:defRPr sz="4400" b="0" i="0" u="none" strike="noStrike" cap="none" spc="0" baseline="0">
           <a:solidFill>
             <a:srgbClr val="000000"/>
           </a:solidFill>
           <a:uFillTx/>
-          <a:latin typeface="等线 Light"/>
-          <a:ea typeface="等线 Light"/>
-          <a:cs typeface="等线 Light"/>
-          <a:sym typeface="等线 Light"/>
+          <a:latin typeface="等线 Light" panose="02010600030101010101" charset="-122"/>
+          <a:ea typeface="等线 Light" panose="02010600030101010101" charset="-122"/>
+          <a:cs typeface="等线 Light" panose="02010600030101010101" charset="-122"/>
+          <a:sym typeface="等线 Light" panose="02010600030101010101" charset="-122"/>
         </a:defRPr>
       </a:lvl7pPr>
       <a:lvl8pPr marL="0" marR="0" indent="0" algn="l" defTabSz="914400" rtl="0" latinLnBrk="0">
@@ -5674,16 +5598,15 @@
         <a:buSzTx/>
         <a:buFontTx/>
         <a:buNone/>
-        <a:tabLst/>
-        <a:defRPr b="0" baseline="0" cap="none" i="0" spc="0" strike="noStrike" sz="4400" u="none">
+        <a:defRPr sz="4400" b="0" i="0" u="none" strike="noStrike" cap="none" spc="0" baseline="0">
           <a:solidFill>
             <a:srgbClr val="000000"/>
           </a:solidFill>
           <a:uFillTx/>
-          <a:latin typeface="等线 Light"/>
-          <a:ea typeface="等线 Light"/>
-          <a:cs typeface="等线 Light"/>
-          <a:sym typeface="等线 Light"/>
+          <a:latin typeface="等线 Light" panose="02010600030101010101" charset="-122"/>
+          <a:ea typeface="等线 Light" panose="02010600030101010101" charset="-122"/>
+          <a:cs typeface="等线 Light" panose="02010600030101010101" charset="-122"/>
+          <a:sym typeface="等线 Light" panose="02010600030101010101" charset="-122"/>
         </a:defRPr>
       </a:lvl8pPr>
       <a:lvl9pPr marL="0" marR="0" indent="0" algn="l" defTabSz="914400" rtl="0" latinLnBrk="0">
@@ -5700,16 +5623,15 @@
         <a:buSzTx/>
         <a:buFontTx/>
         <a:buNone/>
-        <a:tabLst/>
-        <a:defRPr b="0" baseline="0" cap="none" i="0" spc="0" strike="noStrike" sz="4400" u="none">
+        <a:defRPr sz="4400" b="0" i="0" u="none" strike="noStrike" cap="none" spc="0" baseline="0">
           <a:solidFill>
             <a:srgbClr val="000000"/>
           </a:solidFill>
           <a:uFillTx/>
-          <a:latin typeface="等线 Light"/>
-          <a:ea typeface="等线 Light"/>
-          <a:cs typeface="等线 Light"/>
-          <a:sym typeface="等线 Light"/>
+          <a:latin typeface="等线 Light" panose="02010600030101010101" charset="-122"/>
+          <a:ea typeface="等线 Light" panose="02010600030101010101" charset="-122"/>
+          <a:cs typeface="等线 Light" panose="02010600030101010101" charset="-122"/>
+          <a:sym typeface="等线 Light" panose="02010600030101010101" charset="-122"/>
         </a:defRPr>
       </a:lvl9pPr>
     </p:titleStyle>
@@ -5726,10 +5648,9 @@
         </a:spcAft>
         <a:buClrTx/>
         <a:buSzPct val="100000"/>
-        <a:buFont typeface="Arial"/>
+        <a:buFont typeface="Arial" panose="020B0604020202020204"/>
         <a:buChar char="•"/>
-        <a:tabLst/>
-        <a:defRPr b="0" baseline="0" cap="none" i="0" spc="0" strike="noStrike" sz="2800" u="none">
+        <a:defRPr sz="2800" b="0" i="0" u="none" strike="noStrike" cap="none" spc="0" baseline="0">
           <a:solidFill>
             <a:srgbClr val="000000"/>
           </a:solidFill>
@@ -5737,7 +5658,7 @@
           <a:latin typeface="+mj-lt"/>
           <a:ea typeface="+mj-ea"/>
           <a:cs typeface="+mj-cs"/>
-          <a:sym typeface="等线"/>
+          <a:sym typeface="等线" panose="02010600030101010101" charset="-122"/>
         </a:defRPr>
       </a:lvl1pPr>
       <a:lvl2pPr marL="723900" marR="0" indent="-266700" algn="l" defTabSz="914400" rtl="0" latinLnBrk="0">
@@ -5752,10 +5673,9 @@
         </a:spcAft>
         <a:buClrTx/>
         <a:buSzPct val="100000"/>
-        <a:buFont typeface="Arial"/>
+        <a:buFont typeface="Arial" panose="020B0604020202020204"/>
         <a:buChar char="•"/>
-        <a:tabLst/>
-        <a:defRPr b="0" baseline="0" cap="none" i="0" spc="0" strike="noStrike" sz="2800" u="none">
+        <a:defRPr sz="2800" b="0" i="0" u="none" strike="noStrike" cap="none" spc="0" baseline="0">
           <a:solidFill>
             <a:srgbClr val="000000"/>
           </a:solidFill>
@@ -5763,10 +5683,10 @@
           <a:latin typeface="+mj-lt"/>
           <a:ea typeface="+mj-ea"/>
           <a:cs typeface="+mj-cs"/>
-          <a:sym typeface="等线"/>
+          <a:sym typeface="等线" panose="02010600030101010101" charset="-122"/>
         </a:defRPr>
       </a:lvl2pPr>
-      <a:lvl3pPr marL="1234438" marR="0" indent="-320038" algn="l" defTabSz="914400" rtl="0" latinLnBrk="0">
+      <a:lvl3pPr marL="1234440" marR="0" indent="-320040" algn="l" defTabSz="914400" rtl="0" latinLnBrk="0">
         <a:lnSpc>
           <a:spcPct val="90000"/>
         </a:lnSpc>
@@ -5778,10 +5698,9 @@
         </a:spcAft>
         <a:buClrTx/>
         <a:buSzPct val="100000"/>
-        <a:buFont typeface="Arial"/>
+        <a:buFont typeface="Arial" panose="020B0604020202020204"/>
         <a:buChar char="•"/>
-        <a:tabLst/>
-        <a:defRPr b="0" baseline="0" cap="none" i="0" spc="0" strike="noStrike" sz="2800" u="none">
+        <a:defRPr sz="2800" b="0" i="0" u="none" strike="noStrike" cap="none" spc="0" baseline="0">
           <a:solidFill>
             <a:srgbClr val="000000"/>
           </a:solidFill>
@@ -5789,7 +5708,7 @@
           <a:latin typeface="+mj-lt"/>
           <a:ea typeface="+mj-ea"/>
           <a:cs typeface="+mj-cs"/>
-          <a:sym typeface="等线"/>
+          <a:sym typeface="等线" panose="02010600030101010101" charset="-122"/>
         </a:defRPr>
       </a:lvl3pPr>
       <a:lvl4pPr marL="1727200" marR="0" indent="-355600" algn="l" defTabSz="914400" rtl="0" latinLnBrk="0">
@@ -5804,10 +5723,9 @@
         </a:spcAft>
         <a:buClrTx/>
         <a:buSzPct val="100000"/>
-        <a:buFont typeface="Arial"/>
+        <a:buFont typeface="Arial" panose="020B0604020202020204"/>
         <a:buChar char="•"/>
-        <a:tabLst/>
-        <a:defRPr b="0" baseline="0" cap="none" i="0" spc="0" strike="noStrike" sz="2800" u="none">
+        <a:defRPr sz="2800" b="0" i="0" u="none" strike="noStrike" cap="none" spc="0" baseline="0">
           <a:solidFill>
             <a:srgbClr val="000000"/>
           </a:solidFill>
@@ -5815,7 +5733,7 @@
           <a:latin typeface="+mj-lt"/>
           <a:ea typeface="+mj-ea"/>
           <a:cs typeface="+mj-cs"/>
-          <a:sym typeface="等线"/>
+          <a:sym typeface="等线" panose="02010600030101010101" charset="-122"/>
         </a:defRPr>
       </a:lvl4pPr>
       <a:lvl5pPr marL="2184400" marR="0" indent="-355600" algn="l" defTabSz="914400" rtl="0" latinLnBrk="0">
@@ -5830,10 +5748,9 @@
         </a:spcAft>
         <a:buClrTx/>
         <a:buSzPct val="100000"/>
-        <a:buFont typeface="Arial"/>
+        <a:buFont typeface="Arial" panose="020B0604020202020204"/>
         <a:buChar char="•"/>
-        <a:tabLst/>
-        <a:defRPr b="0" baseline="0" cap="none" i="0" spc="0" strike="noStrike" sz="2800" u="none">
+        <a:defRPr sz="2800" b="0" i="0" u="none" strike="noStrike" cap="none" spc="0" baseline="0">
           <a:solidFill>
             <a:srgbClr val="000000"/>
           </a:solidFill>
@@ -5841,7 +5758,7 @@
           <a:latin typeface="+mj-lt"/>
           <a:ea typeface="+mj-ea"/>
           <a:cs typeface="+mj-cs"/>
-          <a:sym typeface="等线"/>
+          <a:sym typeface="等线" panose="02010600030101010101" charset="-122"/>
         </a:defRPr>
       </a:lvl5pPr>
       <a:lvl6pPr marL="2641600" marR="0" indent="-355600" algn="l" defTabSz="914400" rtl="0" latinLnBrk="0">
@@ -5856,10 +5773,9 @@
         </a:spcAft>
         <a:buClrTx/>
         <a:buSzPct val="100000"/>
-        <a:buFont typeface="Arial"/>
+        <a:buFont typeface="Arial" panose="020B0604020202020204"/>
         <a:buChar char="•"/>
-        <a:tabLst/>
-        <a:defRPr b="0" baseline="0" cap="none" i="0" spc="0" strike="noStrike" sz="2800" u="none">
+        <a:defRPr sz="2800" b="0" i="0" u="none" strike="noStrike" cap="none" spc="0" baseline="0">
           <a:solidFill>
             <a:srgbClr val="000000"/>
           </a:solidFill>
@@ -5867,7 +5783,7 @@
           <a:latin typeface="+mj-lt"/>
           <a:ea typeface="+mj-ea"/>
           <a:cs typeface="+mj-cs"/>
-          <a:sym typeface="等线"/>
+          <a:sym typeface="等线" panose="02010600030101010101" charset="-122"/>
         </a:defRPr>
       </a:lvl6pPr>
       <a:lvl7pPr marL="3098800" marR="0" indent="-355600" algn="l" defTabSz="914400" rtl="0" latinLnBrk="0">
@@ -5882,10 +5798,9 @@
         </a:spcAft>
         <a:buClrTx/>
         <a:buSzPct val="100000"/>
-        <a:buFont typeface="Arial"/>
+        <a:buFont typeface="Arial" panose="020B0604020202020204"/>
         <a:buChar char="•"/>
-        <a:tabLst/>
-        <a:defRPr b="0" baseline="0" cap="none" i="0" spc="0" strike="noStrike" sz="2800" u="none">
+        <a:defRPr sz="2800" b="0" i="0" u="none" strike="noStrike" cap="none" spc="0" baseline="0">
           <a:solidFill>
             <a:srgbClr val="000000"/>
           </a:solidFill>
@@ -5893,7 +5808,7 @@
           <a:latin typeface="+mj-lt"/>
           <a:ea typeface="+mj-ea"/>
           <a:cs typeface="+mj-cs"/>
-          <a:sym typeface="等线"/>
+          <a:sym typeface="等线" panose="02010600030101010101" charset="-122"/>
         </a:defRPr>
       </a:lvl7pPr>
       <a:lvl8pPr marL="3556000" marR="0" indent="-355600" algn="l" defTabSz="914400" rtl="0" latinLnBrk="0">
@@ -5908,10 +5823,9 @@
         </a:spcAft>
         <a:buClrTx/>
         <a:buSzPct val="100000"/>
-        <a:buFont typeface="Arial"/>
+        <a:buFont typeface="Arial" panose="020B0604020202020204"/>
         <a:buChar char="•"/>
-        <a:tabLst/>
-        <a:defRPr b="0" baseline="0" cap="none" i="0" spc="0" strike="noStrike" sz="2800" u="none">
+        <a:defRPr sz="2800" b="0" i="0" u="none" strike="noStrike" cap="none" spc="0" baseline="0">
           <a:solidFill>
             <a:srgbClr val="000000"/>
           </a:solidFill>
@@ -5919,7 +5833,7 @@
           <a:latin typeface="+mj-lt"/>
           <a:ea typeface="+mj-ea"/>
           <a:cs typeface="+mj-cs"/>
-          <a:sym typeface="等线"/>
+          <a:sym typeface="等线" panose="02010600030101010101" charset="-122"/>
         </a:defRPr>
       </a:lvl8pPr>
       <a:lvl9pPr marL="4013200" marR="0" indent="-355600" algn="l" defTabSz="914400" rtl="0" latinLnBrk="0">
@@ -5934,10 +5848,9 @@
         </a:spcAft>
         <a:buClrTx/>
         <a:buSzPct val="100000"/>
-        <a:buFont typeface="Arial"/>
+        <a:buFont typeface="Arial" panose="020B0604020202020204"/>
         <a:buChar char="•"/>
-        <a:tabLst/>
-        <a:defRPr b="0" baseline="0" cap="none" i="0" spc="0" strike="noStrike" sz="2800" u="none">
+        <a:defRPr sz="2800" b="0" i="0" u="none" strike="noStrike" cap="none" spc="0" baseline="0">
           <a:solidFill>
             <a:srgbClr val="000000"/>
           </a:solidFill>
@@ -5945,7 +5858,7 @@
           <a:latin typeface="+mj-lt"/>
           <a:ea typeface="+mj-ea"/>
           <a:cs typeface="+mj-cs"/>
-          <a:sym typeface="等线"/>
+          <a:sym typeface="等线" panose="02010600030101010101" charset="-122"/>
         </a:defRPr>
       </a:lvl9pPr>
     </p:bodyStyle>
@@ -5964,8 +5877,7 @@
         <a:buSzTx/>
         <a:buFontTx/>
         <a:buNone/>
-        <a:tabLst/>
-        <a:defRPr b="0" baseline="0" cap="none" i="0" spc="0" strike="noStrike" sz="1200" u="none">
+        <a:defRPr sz="1200" b="0" i="0" u="none" strike="noStrike" cap="none" spc="0" baseline="0">
           <a:solidFill>
             <a:schemeClr val="tx1"/>
           </a:solidFill>
@@ -5973,7 +5885,7 @@
           <a:latin typeface="+mn-lt"/>
           <a:ea typeface="+mn-ea"/>
           <a:cs typeface="+mn-cs"/>
-          <a:sym typeface="等线"/>
+          <a:sym typeface="等线" panose="02010600030101010101" charset="-122"/>
         </a:defRPr>
       </a:lvl1pPr>
       <a:lvl2pPr marL="0" marR="0" indent="0" algn="r" defTabSz="914400" rtl="0" latinLnBrk="0">
@@ -5990,8 +5902,7 @@
         <a:buSzTx/>
         <a:buFontTx/>
         <a:buNone/>
-        <a:tabLst/>
-        <a:defRPr b="0" baseline="0" cap="none" i="0" spc="0" strike="noStrike" sz="1200" u="none">
+        <a:defRPr sz="1200" b="0" i="0" u="none" strike="noStrike" cap="none" spc="0" baseline="0">
           <a:solidFill>
             <a:schemeClr val="tx1"/>
           </a:solidFill>
@@ -5999,7 +5910,7 @@
           <a:latin typeface="+mn-lt"/>
           <a:ea typeface="+mn-ea"/>
           <a:cs typeface="+mn-cs"/>
-          <a:sym typeface="等线"/>
+          <a:sym typeface="等线" panose="02010600030101010101" charset="-122"/>
         </a:defRPr>
       </a:lvl2pPr>
       <a:lvl3pPr marL="0" marR="0" indent="0" algn="r" defTabSz="914400" rtl="0" latinLnBrk="0">
@@ -6016,8 +5927,7 @@
         <a:buSzTx/>
         <a:buFontTx/>
         <a:buNone/>
-        <a:tabLst/>
-        <a:defRPr b="0" baseline="0" cap="none" i="0" spc="0" strike="noStrike" sz="1200" u="none">
+        <a:defRPr sz="1200" b="0" i="0" u="none" strike="noStrike" cap="none" spc="0" baseline="0">
           <a:solidFill>
             <a:schemeClr val="tx1"/>
           </a:solidFill>
@@ -6025,7 +5935,7 @@
           <a:latin typeface="+mn-lt"/>
           <a:ea typeface="+mn-ea"/>
           <a:cs typeface="+mn-cs"/>
-          <a:sym typeface="等线"/>
+          <a:sym typeface="等线" panose="02010600030101010101" charset="-122"/>
         </a:defRPr>
       </a:lvl3pPr>
       <a:lvl4pPr marL="0" marR="0" indent="0" algn="r" defTabSz="914400" rtl="0" latinLnBrk="0">
@@ -6042,8 +5952,7 @@
         <a:buSzTx/>
         <a:buFontTx/>
         <a:buNone/>
-        <a:tabLst/>
-        <a:defRPr b="0" baseline="0" cap="none" i="0" spc="0" strike="noStrike" sz="1200" u="none">
+        <a:defRPr sz="1200" b="0" i="0" u="none" strike="noStrike" cap="none" spc="0" baseline="0">
           <a:solidFill>
             <a:schemeClr val="tx1"/>
           </a:solidFill>
@@ -6051,7 +5960,7 @@
           <a:latin typeface="+mn-lt"/>
           <a:ea typeface="+mn-ea"/>
           <a:cs typeface="+mn-cs"/>
-          <a:sym typeface="等线"/>
+          <a:sym typeface="等线" panose="02010600030101010101" charset="-122"/>
         </a:defRPr>
       </a:lvl4pPr>
       <a:lvl5pPr marL="0" marR="0" indent="0" algn="r" defTabSz="914400" rtl="0" latinLnBrk="0">
@@ -6068,8 +5977,7 @@
         <a:buSzTx/>
         <a:buFontTx/>
         <a:buNone/>
-        <a:tabLst/>
-        <a:defRPr b="0" baseline="0" cap="none" i="0" spc="0" strike="noStrike" sz="1200" u="none">
+        <a:defRPr sz="1200" b="0" i="0" u="none" strike="noStrike" cap="none" spc="0" baseline="0">
           <a:solidFill>
             <a:schemeClr val="tx1"/>
           </a:solidFill>
@@ -6077,7 +5985,7 @@
           <a:latin typeface="+mn-lt"/>
           <a:ea typeface="+mn-ea"/>
           <a:cs typeface="+mn-cs"/>
-          <a:sym typeface="等线"/>
+          <a:sym typeface="等线" panose="02010600030101010101" charset="-122"/>
         </a:defRPr>
       </a:lvl5pPr>
       <a:lvl6pPr marL="0" marR="0" indent="0" algn="r" defTabSz="914400" rtl="0" latinLnBrk="0">
@@ -6094,8 +6002,7 @@
         <a:buSzTx/>
         <a:buFontTx/>
         <a:buNone/>
-        <a:tabLst/>
-        <a:defRPr b="0" baseline="0" cap="none" i="0" spc="0" strike="noStrike" sz="1200" u="none">
+        <a:defRPr sz="1200" b="0" i="0" u="none" strike="noStrike" cap="none" spc="0" baseline="0">
           <a:solidFill>
             <a:schemeClr val="tx1"/>
           </a:solidFill>
@@ -6103,7 +6010,7 @@
           <a:latin typeface="+mn-lt"/>
           <a:ea typeface="+mn-ea"/>
           <a:cs typeface="+mn-cs"/>
-          <a:sym typeface="等线"/>
+          <a:sym typeface="等线" panose="02010600030101010101" charset="-122"/>
         </a:defRPr>
       </a:lvl6pPr>
       <a:lvl7pPr marL="0" marR="0" indent="0" algn="r" defTabSz="914400" rtl="0" latinLnBrk="0">
@@ -6120,8 +6027,7 @@
         <a:buSzTx/>
         <a:buFontTx/>
         <a:buNone/>
-        <a:tabLst/>
-        <a:defRPr b="0" baseline="0" cap="none" i="0" spc="0" strike="noStrike" sz="1200" u="none">
+        <a:defRPr sz="1200" b="0" i="0" u="none" strike="noStrike" cap="none" spc="0" baseline="0">
           <a:solidFill>
             <a:schemeClr val="tx1"/>
           </a:solidFill>
@@ -6129,7 +6035,7 @@
           <a:latin typeface="+mn-lt"/>
           <a:ea typeface="+mn-ea"/>
           <a:cs typeface="+mn-cs"/>
-          <a:sym typeface="等线"/>
+          <a:sym typeface="等线" panose="02010600030101010101" charset="-122"/>
         </a:defRPr>
       </a:lvl7pPr>
       <a:lvl8pPr marL="0" marR="0" indent="0" algn="r" defTabSz="914400" rtl="0" latinLnBrk="0">
@@ -6146,8 +6052,7 @@
         <a:buSzTx/>
         <a:buFontTx/>
         <a:buNone/>
-        <a:tabLst/>
-        <a:defRPr b="0" baseline="0" cap="none" i="0" spc="0" strike="noStrike" sz="1200" u="none">
+        <a:defRPr sz="1200" b="0" i="0" u="none" strike="noStrike" cap="none" spc="0" baseline="0">
           <a:solidFill>
             <a:schemeClr val="tx1"/>
           </a:solidFill>
@@ -6155,7 +6060,7 @@
           <a:latin typeface="+mn-lt"/>
           <a:ea typeface="+mn-ea"/>
           <a:cs typeface="+mn-cs"/>
-          <a:sym typeface="等线"/>
+          <a:sym typeface="等线" panose="02010600030101010101" charset="-122"/>
         </a:defRPr>
       </a:lvl8pPr>
       <a:lvl9pPr marL="0" marR="0" indent="0" algn="r" defTabSz="914400" rtl="0" latinLnBrk="0">
@@ -6172,8 +6077,7 @@
         <a:buSzTx/>
         <a:buFontTx/>
         <a:buNone/>
-        <a:tabLst/>
-        <a:defRPr b="0" baseline="0" cap="none" i="0" spc="0" strike="noStrike" sz="1200" u="none">
+        <a:defRPr sz="1200" b="0" i="0" u="none" strike="noStrike" cap="none" spc="0" baseline="0">
           <a:solidFill>
             <a:schemeClr val="tx1"/>
           </a:solidFill>
@@ -6181,7 +6085,7 @@
           <a:latin typeface="+mn-lt"/>
           <a:ea typeface="+mn-ea"/>
           <a:cs typeface="+mn-cs"/>
-          <a:sym typeface="等线"/>
+          <a:sym typeface="等线" panose="02010600030101010101" charset="-122"/>
         </a:defRPr>
       </a:lvl9pPr>
     </p:otherStyle>
@@ -6190,7 +6094,7 @@
 </file>
 
 <file path=ppt/slides/slide1.xml><?xml version="1.0" encoding="utf-8"?>
-<p:sld xmlns:a="http://schemas.openxmlformats.org/drawingml/2006/main" xmlns:r="http://schemas.openxmlformats.org/officeDocument/2006/relationships" xmlns:p="http://schemas.openxmlformats.org/presentationml/2006/main" xmlns:m="http://schemas.openxmlformats.org/officeDocument/2006/math" xmlns:a14="http://schemas.microsoft.com/office/drawing/2010/main" showMasterSp="1" showMasterPhAnim="1">
+<p:sld xmlns:a="http://schemas.openxmlformats.org/drawingml/2006/main" xmlns:r="http://schemas.openxmlformats.org/officeDocument/2006/relationships" xmlns:p="http://schemas.openxmlformats.org/presentationml/2006/main">
   <p:cSld>
     <p:spTree>
       <p:nvGrpSpPr>
@@ -6227,11 +6131,10 @@
           <a:bodyPr/>
           <a:lstStyle>
             <a:lvl1pPr>
-              <a:defRPr b="1" sz="5300"/>
+              <a:defRPr sz="5300" b="1"/>
             </a:lvl1pPr>
           </a:lstStyle>
           <a:p>
-            <a:pPr/>
             <a:r>
               <a:t>CS315 Project Proposal: libpmp</a:t>
             </a:r>
@@ -6243,12 +6146,12 @@
   <p:clrMapOvr>
     <a:masterClrMapping/>
   </p:clrMapOvr>
-  <p:transition xmlns:p14="http://schemas.microsoft.com/office/powerpoint/2010/main" spd="med" advClick="1"/>
+  <p:transition spd="med"/>
 </p:sld>
 </file>
 
 <file path=ppt/slides/slide10.xml><?xml version="1.0" encoding="utf-8"?>
-<p:sld xmlns:a="http://schemas.openxmlformats.org/drawingml/2006/main" xmlns:r="http://schemas.openxmlformats.org/officeDocument/2006/relationships" xmlns:p="http://schemas.openxmlformats.org/presentationml/2006/main" xmlns:m="http://schemas.openxmlformats.org/officeDocument/2006/math" xmlns:a14="http://schemas.microsoft.com/office/drawing/2010/main" showMasterSp="1" showMasterPhAnim="1">
+<p:sld xmlns:a="http://schemas.openxmlformats.org/drawingml/2006/main" xmlns:r="http://schemas.openxmlformats.org/officeDocument/2006/relationships" xmlns:p="http://schemas.openxmlformats.org/presentationml/2006/main">
   <p:cSld>
     <p:spTree>
       <p:nvGrpSpPr>
@@ -6285,7 +6188,6 @@
           <a:bodyPr/>
           <a:lstStyle/>
           <a:p>
-            <a:pPr/>
             <a:r>
               <a:t>Protection-key-use-after-free in PMP</a:t>
             </a:r>
@@ -6344,24 +6246,24 @@
               <a:t>TO BE CONTINUED</a:t>
             </a:r>
             <a:endParaRPr>
-              <a:latin typeface="Consolas"/>
-              <a:ea typeface="Consolas"/>
-              <a:cs typeface="Consolas"/>
-              <a:sym typeface="Consolas"/>
+              <a:latin typeface="Consolas" panose="020B0609020204030204"/>
+              <a:ea typeface="Consolas" panose="020B0609020204030204"/>
+              <a:cs typeface="Consolas" panose="020B0609020204030204"/>
+              <a:sym typeface="Consolas" panose="020B0609020204030204"/>
             </a:endParaRPr>
           </a:p>
           <a:p>
             <a:pPr marL="342900" indent="-342900">
               <a:defRPr sz="2400">
-                <a:latin typeface="Consolas"/>
-                <a:ea typeface="Consolas"/>
-                <a:cs typeface="Consolas"/>
-                <a:sym typeface="Consolas"/>
-              </a:defRPr>
-            </a:pPr>
-          </a:p>
-          <a:p>
-            <a:pPr lvl="1" marL="800100" indent="-342900">
+                <a:latin typeface="Consolas" panose="020B0609020204030204"/>
+                <a:ea typeface="Consolas" panose="020B0609020204030204"/>
+                <a:cs typeface="Consolas" panose="020B0609020204030204"/>
+                <a:sym typeface="Consolas" panose="020B0609020204030204"/>
+              </a:defRPr>
+            </a:pPr>
+          </a:p>
+          <a:p>
+            <a:pPr marL="800100" lvl="1" indent="-342900">
               <a:defRPr sz="2400">
                 <a:latin typeface="DejaVu Sans Mono Nerd Font Complete"/>
                 <a:ea typeface="DejaVu Sans Mono Nerd Font Complete"/>
@@ -6371,40 +6273,40 @@
             </a:pPr>
             <a:r>
               <a:rPr>
-                <a:latin typeface="Consolas"/>
-                <a:ea typeface="Consolas"/>
-                <a:cs typeface="Consolas"/>
-                <a:sym typeface="Consolas"/>
+                <a:latin typeface="Consolas" panose="020B0609020204030204"/>
+                <a:ea typeface="Consolas" panose="020B0609020204030204"/>
+                <a:cs typeface="Consolas" panose="020B0609020204030204"/>
+                <a:sym typeface="Consolas" panose="020B0609020204030204"/>
               </a:rPr>
               <a:t>RISC-V PMP uses </a:t>
             </a:r>
             <a:r>
               <a:rPr>
-                <a:latin typeface="Consolas"/>
-                <a:ea typeface="Consolas"/>
-                <a:cs typeface="Consolas"/>
-                <a:sym typeface="Consolas"/>
+                <a:latin typeface="Consolas" panose="020B0609020204030204"/>
+                <a:ea typeface="Consolas" panose="020B0609020204030204"/>
+                <a:cs typeface="Consolas" panose="020B0609020204030204"/>
+                <a:sym typeface="Consolas" panose="020B0609020204030204"/>
               </a:rPr>
               <a:t>PMP entries</a:t>
             </a:r>
             <a:r>
               <a:rPr>
-                <a:latin typeface="Consolas"/>
-                <a:ea typeface="Consolas"/>
-                <a:cs typeface="Consolas"/>
-                <a:sym typeface="Consolas"/>
+                <a:latin typeface="Consolas" panose="020B0609020204030204"/>
+                <a:ea typeface="Consolas" panose="020B0609020204030204"/>
+                <a:cs typeface="Consolas" panose="020B0609020204030204"/>
+                <a:sym typeface="Consolas" panose="020B0609020204030204"/>
               </a:rPr>
               <a:t> instead of protection key.</a:t>
             </a:r>
             <a:endParaRPr>
-              <a:latin typeface="Consolas"/>
-              <a:ea typeface="Consolas"/>
-              <a:cs typeface="Consolas"/>
-              <a:sym typeface="Consolas"/>
+              <a:latin typeface="Consolas" panose="020B0609020204030204"/>
+              <a:ea typeface="Consolas" panose="020B0609020204030204"/>
+              <a:cs typeface="Consolas" panose="020B0609020204030204"/>
+              <a:sym typeface="Consolas" panose="020B0609020204030204"/>
             </a:endParaRPr>
           </a:p>
           <a:p>
-            <a:pPr lvl="1" marL="800100" indent="-342900">
+            <a:pPr marL="800100" lvl="1" indent="-342900">
               <a:defRPr sz="2400">
                 <a:latin typeface="DejaVu Sans Mono Nerd Font Complete"/>
                 <a:ea typeface="DejaVu Sans Mono Nerd Font Complete"/>
@@ -6413,14 +6315,14 @@
               </a:defRPr>
             </a:pPr>
             <a:endParaRPr>
-              <a:latin typeface="Consolas"/>
-              <a:ea typeface="Consolas"/>
-              <a:cs typeface="Consolas"/>
-              <a:sym typeface="Consolas"/>
+              <a:latin typeface="Consolas" panose="020B0609020204030204"/>
+              <a:ea typeface="Consolas" panose="020B0609020204030204"/>
+              <a:cs typeface="Consolas" panose="020B0609020204030204"/>
+              <a:sym typeface="Consolas" panose="020B0609020204030204"/>
             </a:endParaRPr>
           </a:p>
           <a:p>
-            <a:pPr lvl="1" marL="800100" indent="-342900">
+            <a:pPr marL="800100" lvl="1" indent="-342900">
               <a:defRPr sz="2400">
                 <a:latin typeface="DejaVu Sans Mono Nerd Font Complete"/>
                 <a:ea typeface="DejaVu Sans Mono Nerd Font Complete"/>
@@ -6430,13 +6332,19 @@
             </a:pPr>
             <a:r>
               <a:rPr>
-                <a:latin typeface="Consolas"/>
-                <a:ea typeface="Consolas"/>
-                <a:cs typeface="Consolas"/>
-                <a:sym typeface="Consolas"/>
+                <a:latin typeface="Consolas" panose="020B0609020204030204"/>
+                <a:ea typeface="Consolas" panose="020B0609020204030204"/>
+                <a:cs typeface="Consolas" panose="020B0609020204030204"/>
+                <a:sym typeface="Consolas" panose="020B0609020204030204"/>
               </a:rPr>
               <a:t>No specification on the free for PMP entries, need experiments.</a:t>
             </a:r>
+            <a:endParaRPr>
+              <a:latin typeface="Consolas" panose="020B0609020204030204"/>
+              <a:ea typeface="Consolas" panose="020B0609020204030204"/>
+              <a:cs typeface="Consolas" panose="020B0609020204030204"/>
+              <a:sym typeface="Consolas" panose="020B0609020204030204"/>
+            </a:endParaRPr>
           </a:p>
         </p:txBody>
       </p:sp>
@@ -6445,12 +6353,12 @@
   <p:clrMapOvr>
     <a:masterClrMapping/>
   </p:clrMapOvr>
-  <p:transition xmlns:p14="http://schemas.microsoft.com/office/powerpoint/2010/main" spd="med" advClick="1"/>
+  <p:transition spd="med"/>
 </p:sld>
 </file>
 
 <file path=ppt/slides/slide11.xml><?xml version="1.0" encoding="utf-8"?>
-<p:sld xmlns:a="http://schemas.openxmlformats.org/drawingml/2006/main" xmlns:r="http://schemas.openxmlformats.org/officeDocument/2006/relationships" xmlns:p="http://schemas.openxmlformats.org/presentationml/2006/main" xmlns:m="http://schemas.openxmlformats.org/officeDocument/2006/math" xmlns:a14="http://schemas.microsoft.com/office/drawing/2010/main" showMasterSp="1" showMasterPhAnim="1">
+<p:sld xmlns:a="http://schemas.openxmlformats.org/drawingml/2006/main" xmlns:r="http://schemas.openxmlformats.org/officeDocument/2006/relationships" xmlns:p="http://schemas.openxmlformats.org/presentationml/2006/main">
   <p:cSld>
     <p:spTree>
       <p:nvGrpSpPr>
@@ -6487,7 +6395,6 @@
           <a:bodyPr/>
           <a:lstStyle/>
           <a:p>
-            <a:pPr/>
             <a:r>
               <a:t>Protection key limitation in PMP</a:t>
             </a:r>
@@ -6524,19 +6431,19 @@
               </a:defRPr>
             </a:pPr>
             <a:endParaRPr>
-              <a:latin typeface="Consolas"/>
-              <a:ea typeface="Consolas"/>
-              <a:cs typeface="Consolas"/>
-              <a:sym typeface="Consolas"/>
+              <a:latin typeface="Consolas" panose="020B0609020204030204"/>
+              <a:ea typeface="Consolas" panose="020B0609020204030204"/>
+              <a:cs typeface="Consolas" panose="020B0609020204030204"/>
+              <a:sym typeface="Consolas" panose="020B0609020204030204"/>
             </a:endParaRPr>
           </a:p>
           <a:p>
             <a:pPr marL="342900" indent="-342900">
               <a:defRPr sz="2400">
-                <a:latin typeface="Consolas"/>
-                <a:ea typeface="Consolas"/>
-                <a:cs typeface="Consolas"/>
-                <a:sym typeface="Consolas"/>
+                <a:latin typeface="Consolas" panose="020B0609020204030204"/>
+                <a:ea typeface="Consolas" panose="020B0609020204030204"/>
+                <a:cs typeface="Consolas" panose="020B0609020204030204"/>
+                <a:sym typeface="Consolas" panose="020B0609020204030204"/>
               </a:defRPr>
             </a:pPr>
           </a:p>
@@ -6561,24 +6468,24 @@
               <a:t>EXISTS</a:t>
             </a:r>
             <a:endParaRPr>
-              <a:latin typeface="Consolas"/>
-              <a:ea typeface="Consolas"/>
-              <a:cs typeface="Consolas"/>
-              <a:sym typeface="Consolas"/>
+              <a:latin typeface="Consolas" panose="020B0609020204030204"/>
+              <a:ea typeface="Consolas" panose="020B0609020204030204"/>
+              <a:cs typeface="Consolas" panose="020B0609020204030204"/>
+              <a:sym typeface="Consolas" panose="020B0609020204030204"/>
             </a:endParaRPr>
           </a:p>
           <a:p>
             <a:pPr marL="342900" indent="-342900">
               <a:defRPr sz="2400">
-                <a:latin typeface="Consolas"/>
-                <a:ea typeface="Consolas"/>
-                <a:cs typeface="Consolas"/>
-                <a:sym typeface="Consolas"/>
-              </a:defRPr>
-            </a:pPr>
-          </a:p>
-          <a:p>
-            <a:pPr lvl="1" marL="800100" indent="-342900">
+                <a:latin typeface="Consolas" panose="020B0609020204030204"/>
+                <a:ea typeface="Consolas" panose="020B0609020204030204"/>
+                <a:cs typeface="Consolas" panose="020B0609020204030204"/>
+                <a:sym typeface="Consolas" panose="020B0609020204030204"/>
+              </a:defRPr>
+            </a:pPr>
+          </a:p>
+          <a:p>
+            <a:pPr marL="800100" lvl="1" indent="-342900">
               <a:defRPr sz="2400">
                 <a:latin typeface="DejaVu Sans Mono Nerd Font Complete"/>
                 <a:ea typeface="DejaVu Sans Mono Nerd Font Complete"/>
@@ -6588,22 +6495,22 @@
             </a:pPr>
             <a:r>
               <a:rPr>
-                <a:latin typeface="Consolas"/>
-                <a:ea typeface="Consolas"/>
-                <a:cs typeface="Consolas"/>
-                <a:sym typeface="Consolas"/>
+                <a:latin typeface="Consolas" panose="020B0609020204030204"/>
+                <a:ea typeface="Consolas" panose="020B0609020204030204"/>
+                <a:cs typeface="Consolas" panose="020B0609020204030204"/>
+                <a:sym typeface="Consolas" panose="020B0609020204030204"/>
               </a:rPr>
               <a:t>Each hart only has 16 PMP entries.</a:t>
             </a:r>
             <a:endParaRPr>
-              <a:latin typeface="Consolas"/>
-              <a:ea typeface="Consolas"/>
-              <a:cs typeface="Consolas"/>
-              <a:sym typeface="Consolas"/>
+              <a:latin typeface="Consolas" panose="020B0609020204030204"/>
+              <a:ea typeface="Consolas" panose="020B0609020204030204"/>
+              <a:cs typeface="Consolas" panose="020B0609020204030204"/>
+              <a:sym typeface="Consolas" panose="020B0609020204030204"/>
             </a:endParaRPr>
           </a:p>
           <a:p>
-            <a:pPr lvl="1" marL="800100" indent="-342900">
+            <a:pPr marL="800100" lvl="1" indent="-342900">
               <a:defRPr sz="2400">
                 <a:latin typeface="DejaVu Sans Mono Nerd Font Complete"/>
                 <a:ea typeface="DejaVu Sans Mono Nerd Font Complete"/>
@@ -6612,14 +6519,14 @@
               </a:defRPr>
             </a:pPr>
             <a:endParaRPr>
-              <a:latin typeface="Consolas"/>
-              <a:ea typeface="Consolas"/>
-              <a:cs typeface="Consolas"/>
-              <a:sym typeface="Consolas"/>
+              <a:latin typeface="Consolas" panose="020B0609020204030204"/>
+              <a:ea typeface="Consolas" panose="020B0609020204030204"/>
+              <a:cs typeface="Consolas" panose="020B0609020204030204"/>
+              <a:sym typeface="Consolas" panose="020B0609020204030204"/>
             </a:endParaRPr>
           </a:p>
           <a:p>
-            <a:pPr lvl="1" marL="800100" indent="-342900">
+            <a:pPr marL="800100" lvl="1" indent="-342900">
               <a:defRPr sz="2400">
                 <a:latin typeface="DejaVu Sans Mono Nerd Font Complete"/>
                 <a:ea typeface="DejaVu Sans Mono Nerd Font Complete"/>
@@ -6629,13 +6536,19 @@
             </a:pPr>
             <a:r>
               <a:rPr>
-                <a:latin typeface="Consolas"/>
-                <a:ea typeface="Consolas"/>
-                <a:cs typeface="Consolas"/>
-                <a:sym typeface="Consolas"/>
+                <a:latin typeface="Consolas" panose="020B0609020204030204"/>
+                <a:ea typeface="Consolas" panose="020B0609020204030204"/>
+                <a:cs typeface="Consolas" panose="020B0609020204030204"/>
+                <a:sym typeface="Consolas" panose="020B0609020204030204"/>
               </a:rPr>
               <a:t>If a hart request for 17 memory isolation request, one of the PMP entries will be overwritten.</a:t>
             </a:r>
+            <a:endParaRPr>
+              <a:latin typeface="Consolas" panose="020B0609020204030204"/>
+              <a:ea typeface="Consolas" panose="020B0609020204030204"/>
+              <a:cs typeface="Consolas" panose="020B0609020204030204"/>
+              <a:sym typeface="Consolas" panose="020B0609020204030204"/>
+            </a:endParaRPr>
           </a:p>
         </p:txBody>
       </p:sp>
@@ -6644,12 +6557,12 @@
   <p:clrMapOvr>
     <a:masterClrMapping/>
   </p:clrMapOvr>
-  <p:transition xmlns:p14="http://schemas.microsoft.com/office/powerpoint/2010/main" spd="med" advClick="1"/>
+  <p:transition spd="med"/>
 </p:sld>
 </file>
 
 <file path=ppt/slides/slide12.xml><?xml version="1.0" encoding="utf-8"?>
-<p:sld xmlns:a="http://schemas.openxmlformats.org/drawingml/2006/main" xmlns:r="http://schemas.openxmlformats.org/officeDocument/2006/relationships" xmlns:p="http://schemas.openxmlformats.org/presentationml/2006/main" xmlns:m="http://schemas.openxmlformats.org/officeDocument/2006/math" xmlns:a14="http://schemas.microsoft.com/office/drawing/2010/main" showMasterSp="1" showMasterPhAnim="1">
+<p:sld xmlns:a="http://schemas.openxmlformats.org/drawingml/2006/main" xmlns:r="http://schemas.openxmlformats.org/officeDocument/2006/relationships" xmlns:p="http://schemas.openxmlformats.org/presentationml/2006/main">
   <p:cSld>
     <p:spTree>
       <p:nvGrpSpPr>
@@ -6686,7 +6599,6 @@
           <a:bodyPr/>
           <a:lstStyle/>
           <a:p>
-            <a:pPr/>
             <a:r>
               <a:t>Hidden Issues in RISC-V PMP</a:t>
             </a:r>
@@ -6733,10 +6645,10 @@
               </a:defRPr>
             </a:pPr>
             <a:endParaRPr>
-              <a:latin typeface="Consolas"/>
-              <a:ea typeface="Consolas"/>
-              <a:cs typeface="Consolas"/>
-              <a:sym typeface="Consolas"/>
+              <a:latin typeface="Consolas" panose="020B0609020204030204"/>
+              <a:ea typeface="Consolas" panose="020B0609020204030204"/>
+              <a:cs typeface="Consolas" panose="020B0609020204030204"/>
+              <a:sym typeface="Consolas" panose="020B0609020204030204"/>
             </a:endParaRPr>
           </a:p>
           <a:p>
@@ -6781,7 +6693,7 @@
             </a:endParaRPr>
           </a:p>
           <a:p>
-            <a:pPr lvl="1" marL="800100" indent="-342900">
+            <a:pPr marL="800100" lvl="1" indent="-342900">
               <a:defRPr sz="2400">
                 <a:latin typeface="DejaVu Sans Mono Nerd Font Complete"/>
                 <a:ea typeface="DejaVu Sans Mono Nerd Font Complete"/>
@@ -6794,7 +6706,7 @@
             </a:r>
           </a:p>
           <a:p>
-            <a:pPr lvl="1" marL="800100" indent="-342900">
+            <a:pPr marL="800100" lvl="1" indent="-342900">
               <a:defRPr sz="2400">
                 <a:latin typeface="DejaVu Sans Mono Nerd Font Complete"/>
                 <a:ea typeface="DejaVu Sans Mono Nerd Font Complete"/>
@@ -6804,7 +6716,7 @@
             </a:pPr>
           </a:p>
           <a:p>
-            <a:pPr lvl="1" marL="800100" indent="-342900">
+            <a:pPr marL="800100" lvl="1" indent="-342900">
               <a:defRPr sz="2400">
                 <a:latin typeface="DejaVu Sans Mono Nerd Font Complete"/>
                 <a:ea typeface="DejaVu Sans Mono Nerd Font Complete"/>
@@ -6823,12 +6735,12 @@
   <p:clrMapOvr>
     <a:masterClrMapping/>
   </p:clrMapOvr>
-  <p:transition xmlns:p14="http://schemas.microsoft.com/office/powerpoint/2010/main" spd="med" advClick="1"/>
+  <p:transition spd="med"/>
 </p:sld>
 </file>
 
 <file path=ppt/slides/slide13.xml><?xml version="1.0" encoding="utf-8"?>
-<p:sld xmlns:a="http://schemas.openxmlformats.org/drawingml/2006/main" xmlns:r="http://schemas.openxmlformats.org/officeDocument/2006/relationships" xmlns:p="http://schemas.openxmlformats.org/presentationml/2006/main" xmlns:m="http://schemas.openxmlformats.org/officeDocument/2006/math" xmlns:a14="http://schemas.microsoft.com/office/drawing/2010/main" showMasterSp="1" showMasterPhAnim="1">
+<p:sld xmlns:a="http://schemas.openxmlformats.org/drawingml/2006/main" xmlns:r="http://schemas.openxmlformats.org/officeDocument/2006/relationships" xmlns:p="http://schemas.openxmlformats.org/presentationml/2006/main">
   <p:cSld>
     <p:spTree>
       <p:nvGrpSpPr>
@@ -6865,7 +6777,6 @@
           <a:bodyPr/>
           <a:lstStyle/>
           <a:p>
-            <a:pPr/>
             <a:r>
               <a:t>Why it is important?</a:t>
             </a:r>
@@ -6912,10 +6823,10 @@
               </a:defRPr>
             </a:pPr>
             <a:endParaRPr>
-              <a:latin typeface="Consolas"/>
-              <a:ea typeface="Consolas"/>
-              <a:cs typeface="Consolas"/>
-              <a:sym typeface="Consolas"/>
+              <a:latin typeface="Consolas" panose="020B0609020204030204"/>
+              <a:ea typeface="Consolas" panose="020B0609020204030204"/>
+              <a:cs typeface="Consolas" panose="020B0609020204030204"/>
+              <a:sym typeface="Consolas" panose="020B0609020204030204"/>
             </a:endParaRPr>
           </a:p>
           <a:p>
@@ -6929,22 +6840,22 @@
             </a:pPr>
             <a:r>
               <a:rPr>
-                <a:latin typeface="Consolas"/>
-                <a:ea typeface="Consolas"/>
-                <a:cs typeface="Consolas"/>
-                <a:sym typeface="Consolas"/>
+                <a:latin typeface="Consolas" panose="020B0609020204030204"/>
+                <a:ea typeface="Consolas" panose="020B0609020204030204"/>
+                <a:cs typeface="Consolas" panose="020B0609020204030204"/>
+                <a:sym typeface="Consolas" panose="020B0609020204030204"/>
               </a:rPr>
               <a:t>Protection key limitation</a:t>
             </a:r>
             <a:endParaRPr>
-              <a:latin typeface="Consolas"/>
-              <a:ea typeface="Consolas"/>
-              <a:cs typeface="Consolas"/>
-              <a:sym typeface="Consolas"/>
+              <a:latin typeface="Consolas" panose="020B0609020204030204"/>
+              <a:ea typeface="Consolas" panose="020B0609020204030204"/>
+              <a:cs typeface="Consolas" panose="020B0609020204030204"/>
+              <a:sym typeface="Consolas" panose="020B0609020204030204"/>
             </a:endParaRPr>
           </a:p>
           <a:p>
-            <a:pPr lvl="1" marL="800100" indent="-342900">
+            <a:pPr marL="800100" lvl="1" indent="-342900">
               <a:defRPr sz="2400">
                 <a:latin typeface="DejaVu Sans Mono Nerd Font Complete"/>
                 <a:ea typeface="DejaVu Sans Mono Nerd Font Complete"/>
@@ -6954,18 +6865,18 @@
             </a:pPr>
             <a:r>
               <a:rPr>
-                <a:latin typeface="Consolas"/>
-                <a:ea typeface="Consolas"/>
-                <a:cs typeface="Consolas"/>
-                <a:sym typeface="Consolas"/>
+                <a:latin typeface="Consolas" panose="020B0609020204030204"/>
+                <a:ea typeface="Consolas" panose="020B0609020204030204"/>
+                <a:cs typeface="Consolas" panose="020B0609020204030204"/>
+                <a:sym typeface="Consolas" panose="020B0609020204030204"/>
               </a:rPr>
               <a:t>If one program issue 17 memory isolation request, current design cannot support it.</a:t>
             </a:r>
             <a:endParaRPr>
-              <a:latin typeface="Consolas"/>
-              <a:ea typeface="Consolas"/>
-              <a:cs typeface="Consolas"/>
-              <a:sym typeface="Consolas"/>
+              <a:latin typeface="Consolas" panose="020B0609020204030204"/>
+              <a:ea typeface="Consolas" panose="020B0609020204030204"/>
+              <a:cs typeface="Consolas" panose="020B0609020204030204"/>
+              <a:sym typeface="Consolas" panose="020B0609020204030204"/>
             </a:endParaRPr>
           </a:p>
           <a:p>
@@ -6978,10 +6889,10 @@
               </a:defRPr>
             </a:pPr>
             <a:endParaRPr>
-              <a:latin typeface="Consolas"/>
-              <a:ea typeface="Consolas"/>
-              <a:cs typeface="Consolas"/>
-              <a:sym typeface="Consolas"/>
+              <a:latin typeface="Consolas" panose="020B0609020204030204"/>
+              <a:ea typeface="Consolas" panose="020B0609020204030204"/>
+              <a:cs typeface="Consolas" panose="020B0609020204030204"/>
+              <a:sym typeface="Consolas" panose="020B0609020204030204"/>
             </a:endParaRPr>
           </a:p>
           <a:p>
@@ -6995,22 +6906,22 @@
             </a:pPr>
             <a:r>
               <a:rPr>
-                <a:latin typeface="Consolas"/>
-                <a:ea typeface="Consolas"/>
-                <a:cs typeface="Consolas"/>
-                <a:sym typeface="Consolas"/>
+                <a:latin typeface="Consolas" panose="020B0609020204030204"/>
+                <a:ea typeface="Consolas" panose="020B0609020204030204"/>
+                <a:cs typeface="Consolas" panose="020B0609020204030204"/>
+                <a:sym typeface="Consolas" panose="020B0609020204030204"/>
               </a:rPr>
               <a:t>Inter-thread synchronization</a:t>
             </a:r>
             <a:endParaRPr>
-              <a:latin typeface="Consolas"/>
-              <a:ea typeface="Consolas"/>
-              <a:cs typeface="Consolas"/>
-              <a:sym typeface="Consolas"/>
+              <a:latin typeface="Consolas" panose="020B0609020204030204"/>
+              <a:ea typeface="Consolas" panose="020B0609020204030204"/>
+              <a:cs typeface="Consolas" panose="020B0609020204030204"/>
+              <a:sym typeface="Consolas" panose="020B0609020204030204"/>
             </a:endParaRPr>
           </a:p>
           <a:p>
-            <a:pPr lvl="1" marL="800100" indent="-342900">
+            <a:pPr marL="800100" lvl="1" indent="-342900">
               <a:defRPr sz="2400">
                 <a:latin typeface="DejaVu Sans Mono Nerd Font Complete"/>
                 <a:ea typeface="DejaVu Sans Mono Nerd Font Complete"/>
@@ -7020,13 +6931,19 @@
             </a:pPr>
             <a:r>
               <a:rPr>
-                <a:latin typeface="Consolas"/>
-                <a:ea typeface="Consolas"/>
-                <a:cs typeface="Consolas"/>
-                <a:sym typeface="Consolas"/>
+                <a:latin typeface="Consolas" panose="020B0609020204030204"/>
+                <a:ea typeface="Consolas" panose="020B0609020204030204"/>
+                <a:cs typeface="Consolas" panose="020B0609020204030204"/>
+                <a:sym typeface="Consolas" panose="020B0609020204030204"/>
               </a:rPr>
               <a:t>Inconsistent behavior between threads in a process: one thread set memory region M to be not readable, if not synced, other thread can read M.</a:t>
             </a:r>
+            <a:endParaRPr>
+              <a:latin typeface="Consolas" panose="020B0609020204030204"/>
+              <a:ea typeface="Consolas" panose="020B0609020204030204"/>
+              <a:cs typeface="Consolas" panose="020B0609020204030204"/>
+              <a:sym typeface="Consolas" panose="020B0609020204030204"/>
+            </a:endParaRPr>
           </a:p>
         </p:txBody>
       </p:sp>
@@ -7035,12 +6952,12 @@
   <p:clrMapOvr>
     <a:masterClrMapping/>
   </p:clrMapOvr>
-  <p:transition xmlns:p14="http://schemas.microsoft.com/office/powerpoint/2010/main" spd="med" advClick="1"/>
+  <p:transition spd="med"/>
 </p:sld>
 </file>
 
 <file path=ppt/slides/slide14.xml><?xml version="1.0" encoding="utf-8"?>
-<p:sld xmlns:a="http://schemas.openxmlformats.org/drawingml/2006/main" xmlns:r="http://schemas.openxmlformats.org/officeDocument/2006/relationships" xmlns:p="http://schemas.openxmlformats.org/presentationml/2006/main" xmlns:m="http://schemas.openxmlformats.org/officeDocument/2006/math" xmlns:a14="http://schemas.microsoft.com/office/drawing/2010/main" showMasterSp="1" showMasterPhAnim="1">
+<p:sld xmlns:a="http://schemas.openxmlformats.org/drawingml/2006/main" xmlns:r="http://schemas.openxmlformats.org/officeDocument/2006/relationships" xmlns:p="http://schemas.openxmlformats.org/presentationml/2006/main">
   <p:cSld>
     <p:spTree>
       <p:nvGrpSpPr>
@@ -7077,11 +6994,10 @@
           <a:bodyPr/>
           <a:lstStyle>
             <a:lvl1pPr>
-              <a:defRPr b="1" sz="5300"/>
+              <a:defRPr sz="5300" b="1"/>
             </a:lvl1pPr>
           </a:lstStyle>
           <a:p>
-            <a:pPr/>
             <a:r>
               <a:t>Related Work</a:t>
             </a:r>
@@ -7093,12 +7009,12 @@
   <p:clrMapOvr>
     <a:masterClrMapping/>
   </p:clrMapOvr>
-  <p:transition xmlns:p14="http://schemas.microsoft.com/office/powerpoint/2010/main" spd="med" advClick="1"/>
+  <p:transition spd="med"/>
 </p:sld>
 </file>
 
 <file path=ppt/slides/slide15.xml><?xml version="1.0" encoding="utf-8"?>
-<p:sld xmlns:a="http://schemas.openxmlformats.org/drawingml/2006/main" xmlns:r="http://schemas.openxmlformats.org/officeDocument/2006/relationships" xmlns:p="http://schemas.openxmlformats.org/presentationml/2006/main" xmlns:m="http://schemas.openxmlformats.org/officeDocument/2006/math" xmlns:a14="http://schemas.microsoft.com/office/drawing/2010/main" showMasterSp="1" showMasterPhAnim="1">
+<p:sld xmlns:a="http://schemas.openxmlformats.org/drawingml/2006/main" xmlns:r="http://schemas.openxmlformats.org/officeDocument/2006/relationships" xmlns:p="http://schemas.openxmlformats.org/presentationml/2006/main">
   <p:cSld>
     <p:spTree>
       <p:nvGrpSpPr>
@@ -7135,7 +7051,6 @@
           <a:bodyPr/>
           <a:lstStyle/>
           <a:p>
-            <a:pPr/>
             <a:r>
               <a:t>Protection Key Virtualization</a:t>
             </a:r>
@@ -7163,94 +7078,94 @@
           <a:bodyPr/>
           <a:lstStyle/>
           <a:p>
-            <a:pPr marL="0" indent="0" defTabSz="905255">
+            <a:pPr marL="0" indent="0" defTabSz="905510">
               <a:spcBef>
                 <a:spcPts val="900"/>
               </a:spcBef>
               <a:buSzTx/>
               <a:buNone/>
-              <a:defRPr sz="2772"/>
+              <a:defRPr sz="2770"/>
             </a:pPr>
             <a:r>
               <a:t>create more than 16 page groups</a:t>
             </a:r>
           </a:p>
           <a:p>
-            <a:pPr marL="339470" indent="-339470" defTabSz="905255">
+            <a:pPr marL="339725" indent="-339725" defTabSz="905510">
               <a:spcBef>
                 <a:spcPts val="900"/>
               </a:spcBef>
-              <a:defRPr sz="2376"/>
+              <a:defRPr sz="2375"/>
             </a:pPr>
             <a:r>
               <a:t>a cache-like structure</a:t>
             </a:r>
           </a:p>
           <a:p>
-            <a:pPr marL="339470" indent="-339470" defTabSz="905255">
+            <a:pPr marL="339725" indent="-339725" defTabSz="905510">
               <a:spcBef>
                 <a:spcPts val="900"/>
               </a:spcBef>
-              <a:defRPr sz="2376"/>
+              <a:defRPr sz="2375"/>
             </a:pPr>
             <a:r>
               <a:t>2 ways for mapping:</a:t>
             </a:r>
           </a:p>
           <a:p>
-            <a:pPr lvl="1" marL="792098" indent="-339470" defTabSz="905255">
+            <a:pPr marL="791845" lvl="1" indent="-339725" defTabSz="905510">
               <a:spcBef>
                 <a:spcPts val="400"/>
               </a:spcBef>
               <a:buFontTx/>
-              <a:buAutoNum type="arabicPeriod" startAt="1"/>
-              <a:defRPr sz="1782"/>
+              <a:buAutoNum type="arabicPeriod"/>
+              <a:defRPr sz="1780"/>
             </a:pPr>
             <a:r>
               <a:t>thread-local</a:t>
             </a:r>
           </a:p>
           <a:p>
-            <a:pPr lvl="2" marL="1131569" indent="-226313" defTabSz="905255">
+            <a:pPr marL="1131570" lvl="2" indent="-226060" defTabSz="905510">
               <a:spcBef>
                 <a:spcPts val="400"/>
               </a:spcBef>
-              <a:defRPr sz="1584"/>
+              <a:defRPr sz="1585"/>
             </a:pPr>
             <a:r>
               <a:t>mpk_begin() &amp; mpk_end() by a calling thread</a:t>
             </a:r>
           </a:p>
           <a:p>
-            <a:pPr lvl="2" marL="1131569" indent="-226313" defTabSz="905255">
+            <a:pPr marL="1131570" lvl="2" indent="-226060" defTabSz="905510">
               <a:spcBef>
                 <a:spcPts val="400"/>
               </a:spcBef>
-              <a:defRPr sz="1584"/>
+              <a:defRPr sz="1585"/>
             </a:pPr>
             <a:r>
               <a:t>sleep when fail</a:t>
             </a:r>
           </a:p>
           <a:p>
-            <a:pPr lvl="2" marL="1131569" indent="-226313" defTabSz="905255">
+            <a:pPr marL="1131570" lvl="2" indent="-226060" defTabSz="905510">
               <a:spcBef>
                 <a:spcPts val="400"/>
               </a:spcBef>
-              <a:defRPr sz="1584"/>
+              <a:defRPr sz="1585"/>
             </a:pPr>
             <a:r>
               <a:t>page not be used -&gt; evict and disable permission</a:t>
             </a:r>
           </a:p>
           <a:p>
-            <a:pPr lvl="1" marL="792098" indent="-339470" defTabSz="905255">
+            <a:pPr marL="791845" lvl="1" indent="-339725" defTabSz="905510">
               <a:spcBef>
                 <a:spcPts val="400"/>
               </a:spcBef>
               <a:buFontTx/>
-              <a:buAutoNum type="arabicPeriod" startAt="1"/>
-              <a:defRPr sz="1782"/>
+              <a:buAutoNum type="arabicPeriod"/>
+              <a:defRPr sz="1780"/>
             </a:pPr>
             <a:r>
               <a:t>global</a:t>
@@ -7258,55 +7173,55 @@
             <a:endParaRPr sz="1485"/>
           </a:p>
           <a:p>
-            <a:pPr lvl="2" marL="1131569" indent="-226313" defTabSz="905255">
+            <a:pPr marL="1131570" lvl="2" indent="-226060" defTabSz="905510">
               <a:spcBef>
                 <a:spcPts val="400"/>
               </a:spcBef>
-              <a:defRPr sz="1584"/>
+              <a:defRPr sz="1585"/>
             </a:pPr>
             <a:r>
               <a:t>mpk_mprotect() for all threads</a:t>
             </a:r>
           </a:p>
           <a:p>
-            <a:pPr lvl="2" marL="1131569" indent="-226313" defTabSz="905255">
+            <a:pPr marL="1131570" lvl="2" indent="-226060" defTabSz="905510">
               <a:spcBef>
                 <a:spcPts val="400"/>
               </a:spcBef>
-              <a:defRPr sz="1584"/>
+              <a:defRPr sz="1585"/>
             </a:pPr>
             <a:r>
               <a:t>LRU for replacement</a:t>
             </a:r>
           </a:p>
           <a:p>
-            <a:pPr lvl="2" marL="1131569" indent="-226313" defTabSz="905255">
+            <a:pPr marL="1131570" lvl="2" indent="-226060" defTabSz="905510">
               <a:spcBef>
                 <a:spcPts val="400"/>
               </a:spcBef>
-              <a:defRPr sz="1584"/>
+              <a:defRPr sz="1585"/>
             </a:pPr>
             <a:r>
               <a:t>reserves one key for execute-only pages</a:t>
             </a:r>
           </a:p>
           <a:p>
-            <a:pPr lvl="3" marL="1584197" indent="-226313" defTabSz="905255">
+            <a:pPr marL="1584325" lvl="3" indent="-226060" defTabSz="905510">
               <a:spcBef>
                 <a:spcPts val="400"/>
               </a:spcBef>
-              <a:defRPr sz="1386"/>
+              <a:defRPr sz="1385"/>
             </a:pPr>
             <a:r>
               <a:t>merge execute-only pages group</a:t>
             </a:r>
           </a:p>
           <a:p>
-            <a:pPr lvl="3" marL="1584197" indent="-226313" defTabSz="905255">
+            <a:pPr marL="1584325" lvl="3" indent="-226060" defTabSz="905510">
               <a:spcBef>
                 <a:spcPts val="400"/>
               </a:spcBef>
-              <a:defRPr sz="1386"/>
+              <a:defRPr sz="1385"/>
             </a:pPr>
             <a:r>
               <a:t>evicted when execute-only pages</a:t>
@@ -7323,9 +7238,7 @@
           <p:nvPr/>
         </p:nvPicPr>
         <p:blipFill>
-          <a:blip r:embed="rId3">
-            <a:extLst/>
-          </a:blip>
+          <a:blip r:embed="rId1"/>
           <a:stretch>
             <a:fillRect/>
           </a:stretch>
@@ -7340,6 +7253,8 @@
           </a:prstGeom>
           <a:ln w="12700">
             <a:miter lim="400000"/>
+            <a:headEnd/>
+            <a:tailEnd/>
           </a:ln>
         </p:spPr>
       </p:pic>
@@ -7348,12 +7263,12 @@
   <p:clrMapOvr>
     <a:masterClrMapping/>
   </p:clrMapOvr>
-  <p:transition xmlns:p14="http://schemas.microsoft.com/office/powerpoint/2010/main" spd="med" advClick="1"/>
+  <p:transition spd="med"/>
 </p:sld>
 </file>
 
 <file path=ppt/slides/slide16.xml><?xml version="1.0" encoding="utf-8"?>
-<p:sld xmlns:a="http://schemas.openxmlformats.org/drawingml/2006/main" xmlns:r="http://schemas.openxmlformats.org/officeDocument/2006/relationships" xmlns:p="http://schemas.openxmlformats.org/presentationml/2006/main" xmlns:m="http://schemas.openxmlformats.org/officeDocument/2006/math" xmlns:a14="http://schemas.microsoft.com/office/drawing/2010/main" showMasterSp="1" showMasterPhAnim="1">
+<p:sld xmlns:a="http://schemas.openxmlformats.org/drawingml/2006/main" xmlns:r="http://schemas.openxmlformats.org/officeDocument/2006/relationships" xmlns:p="http://schemas.openxmlformats.org/presentationml/2006/main">
   <p:cSld>
     <p:spTree>
       <p:nvGrpSpPr>
@@ -7390,7 +7305,6 @@
           <a:bodyPr/>
           <a:lstStyle/>
           <a:p>
-            <a:pPr/>
             <a:r>
               <a:t>Inter-thread Key Synchronization in MPK</a:t>
             </a:r>
@@ -7426,10 +7340,10 @@
           <a:p>
             <a:pPr marL="342900" indent="-342900">
               <a:defRPr sz="2400">
-                <a:latin typeface="Consolas"/>
-                <a:ea typeface="Consolas"/>
-                <a:cs typeface="Consolas"/>
-                <a:sym typeface="Consolas"/>
+                <a:latin typeface="Consolas" panose="020B0609020204030204"/>
+                <a:ea typeface="Consolas" panose="020B0609020204030204"/>
+                <a:cs typeface="Consolas" panose="020B0609020204030204"/>
+                <a:sym typeface="Consolas" panose="020B0609020204030204"/>
               </a:defRPr>
             </a:pPr>
             <a:r>
@@ -7437,10 +7351,10 @@
             </a:r>
             <a:r>
               <a:rPr>
-                <a:latin typeface="Calibri"/>
-                <a:ea typeface="Calibri"/>
-                <a:cs typeface="Calibri"/>
-                <a:sym typeface="Calibri"/>
+                <a:latin typeface="Calibri" panose="020F0502020204030204"/>
+                <a:ea typeface="Calibri" panose="020F0502020204030204"/>
+                <a:cs typeface="Calibri" panose="020F0502020204030204"/>
+                <a:sym typeface="Calibri" panose="020F0502020204030204"/>
               </a:rPr>
               <a:t> </a:t>
             </a:r>
@@ -7449,10 +7363,10 @@
             </a:r>
             <a:r>
               <a:rPr>
-                <a:latin typeface="Calibri"/>
-                <a:ea typeface="Calibri"/>
-                <a:cs typeface="Calibri"/>
-                <a:sym typeface="Calibri"/>
+                <a:latin typeface="Calibri" panose="020F0502020204030204"/>
+                <a:ea typeface="Calibri" panose="020F0502020204030204"/>
+                <a:cs typeface="Calibri" panose="020F0502020204030204"/>
+                <a:sym typeface="Calibri" panose="020F0502020204030204"/>
               </a:rPr>
               <a:t> </a:t>
             </a:r>
@@ -7468,10 +7382,10 @@
           <a:p>
             <a:pPr marL="342900" indent="-342900">
               <a:defRPr sz="2400">
-                <a:latin typeface="Consolas"/>
-                <a:ea typeface="Consolas"/>
-                <a:cs typeface="Consolas"/>
-                <a:sym typeface="Consolas"/>
+                <a:latin typeface="Consolas" panose="020B0609020204030204"/>
+                <a:ea typeface="Consolas" panose="020B0609020204030204"/>
+                <a:cs typeface="Consolas" panose="020B0609020204030204"/>
+                <a:sym typeface="Consolas" panose="020B0609020204030204"/>
               </a:defRPr>
             </a:pPr>
             <a:r>
@@ -7481,20 +7395,20 @@
           <a:p>
             <a:pPr marL="342900" indent="-342900">
               <a:defRPr sz="2400">
-                <a:latin typeface="Consolas"/>
-                <a:ea typeface="Consolas"/>
-                <a:cs typeface="Consolas"/>
-                <a:sym typeface="Consolas"/>
+                <a:latin typeface="Consolas" panose="020B0609020204030204"/>
+                <a:ea typeface="Consolas" panose="020B0609020204030204"/>
+                <a:cs typeface="Consolas" panose="020B0609020204030204"/>
+                <a:sym typeface="Consolas" panose="020B0609020204030204"/>
               </a:defRPr>
             </a:pPr>
           </a:p>
           <a:p>
             <a:pPr marL="342900" indent="-342900">
               <a:defRPr sz="2400">
-                <a:latin typeface="Consolas"/>
-                <a:ea typeface="Consolas"/>
-                <a:cs typeface="Consolas"/>
-                <a:sym typeface="Consolas"/>
+                <a:latin typeface="Consolas" panose="020B0609020204030204"/>
+                <a:ea typeface="Consolas" panose="020B0609020204030204"/>
+                <a:cs typeface="Consolas" panose="020B0609020204030204"/>
+                <a:sym typeface="Consolas" panose="020B0609020204030204"/>
               </a:defRPr>
             </a:pPr>
             <a:r>
@@ -7504,20 +7418,20 @@
           <a:p>
             <a:pPr marL="342900" indent="-342900">
               <a:defRPr sz="2400">
-                <a:latin typeface="Consolas"/>
-                <a:ea typeface="Consolas"/>
-                <a:cs typeface="Consolas"/>
-                <a:sym typeface="Consolas"/>
+                <a:latin typeface="Consolas" panose="020B0609020204030204"/>
+                <a:ea typeface="Consolas" panose="020B0609020204030204"/>
+                <a:cs typeface="Consolas" panose="020B0609020204030204"/>
+                <a:sym typeface="Consolas" panose="020B0609020204030204"/>
               </a:defRPr>
             </a:pPr>
           </a:p>
           <a:p>
             <a:pPr marL="342900" indent="-342900">
               <a:defRPr sz="2400">
-                <a:latin typeface="Consolas"/>
-                <a:ea typeface="Consolas"/>
-                <a:cs typeface="Consolas"/>
-                <a:sym typeface="Consolas"/>
+                <a:latin typeface="Consolas" panose="020B0609020204030204"/>
+                <a:ea typeface="Consolas" panose="020B0609020204030204"/>
+                <a:cs typeface="Consolas" panose="020B0609020204030204"/>
+                <a:sym typeface="Consolas" panose="020B0609020204030204"/>
               </a:defRPr>
             </a:pPr>
             <a:r>
@@ -7535,9 +7449,7 @@
           <p:nvPr/>
         </p:nvPicPr>
         <p:blipFill>
-          <a:blip r:embed="rId3">
-            <a:extLst/>
-          </a:blip>
+          <a:blip r:embed="rId1"/>
           <a:stretch>
             <a:fillRect/>
           </a:stretch>
@@ -7552,6 +7464,8 @@
           </a:prstGeom>
           <a:ln w="12700">
             <a:miter lim="400000"/>
+            <a:headEnd/>
+            <a:tailEnd/>
           </a:ln>
         </p:spPr>
       </p:pic>
@@ -7560,12 +7474,12 @@
   <p:clrMapOvr>
     <a:masterClrMapping/>
   </p:clrMapOvr>
-  <p:transition xmlns:p14="http://schemas.microsoft.com/office/powerpoint/2010/main" spd="med" advClick="1"/>
+  <p:transition spd="med"/>
 </p:sld>
 </file>
 
 <file path=ppt/slides/slide17.xml><?xml version="1.0" encoding="utf-8"?>
-<p:sld xmlns:a="http://schemas.openxmlformats.org/drawingml/2006/main" xmlns:r="http://schemas.openxmlformats.org/officeDocument/2006/relationships" xmlns:p="http://schemas.openxmlformats.org/presentationml/2006/main" xmlns:m="http://schemas.openxmlformats.org/officeDocument/2006/math" xmlns:a14="http://schemas.microsoft.com/office/drawing/2010/main" showMasterSp="1" showMasterPhAnim="1">
+<p:sld xmlns:a="http://schemas.openxmlformats.org/drawingml/2006/main" xmlns:r="http://schemas.openxmlformats.org/officeDocument/2006/relationships" xmlns:p="http://schemas.openxmlformats.org/presentationml/2006/main">
   <p:cSld>
     <p:spTree>
       <p:nvGrpSpPr>
@@ -7602,7 +7516,6 @@
           <a:bodyPr/>
           <a:lstStyle/>
           <a:p>
-            <a:pPr/>
             <a:r>
               <a:t>Source Code for Inter-thread sync</a:t>
             </a:r>
@@ -7618,9 +7531,7 @@
           <p:nvPr/>
         </p:nvPicPr>
         <p:blipFill>
-          <a:blip r:embed="rId3">
-            <a:extLst/>
-          </a:blip>
+          <a:blip r:embed="rId1"/>
           <a:stretch>
             <a:fillRect/>
           </a:stretch>
@@ -7635,6 +7546,8 @@
           </a:prstGeom>
           <a:ln w="12700">
             <a:miter lim="400000"/>
+            <a:headEnd/>
+            <a:tailEnd/>
           </a:ln>
         </p:spPr>
       </p:pic>
@@ -7667,10 +7580,10 @@
           <a:p>
             <a:pPr marL="342900" indent="-342900">
               <a:defRPr sz="2400">
-                <a:latin typeface="Consolas"/>
-                <a:ea typeface="Consolas"/>
-                <a:cs typeface="Consolas"/>
-                <a:sym typeface="Consolas"/>
+                <a:latin typeface="Consolas" panose="020B0609020204030204"/>
+                <a:ea typeface="Consolas" panose="020B0609020204030204"/>
+                <a:cs typeface="Consolas" panose="020B0609020204030204"/>
+                <a:sym typeface="Consolas" panose="020B0609020204030204"/>
               </a:defRPr>
             </a:pPr>
             <a:r>
@@ -7684,12 +7597,12 @@
   <p:clrMapOvr>
     <a:masterClrMapping/>
   </p:clrMapOvr>
-  <p:transition xmlns:p14="http://schemas.microsoft.com/office/powerpoint/2010/main" spd="med" advClick="1"/>
+  <p:transition spd="med"/>
 </p:sld>
 </file>
 
 <file path=ppt/slides/slide18.xml><?xml version="1.0" encoding="utf-8"?>
-<p:sld xmlns:a="http://schemas.openxmlformats.org/drawingml/2006/main" xmlns:r="http://schemas.openxmlformats.org/officeDocument/2006/relationships" xmlns:p="http://schemas.openxmlformats.org/presentationml/2006/main" xmlns:m="http://schemas.openxmlformats.org/officeDocument/2006/math" xmlns:a14="http://schemas.microsoft.com/office/drawing/2010/main" showMasterSp="1" showMasterPhAnim="1">
+<p:sld xmlns:a="http://schemas.openxmlformats.org/drawingml/2006/main" xmlns:r="http://schemas.openxmlformats.org/officeDocument/2006/relationships" xmlns:p="http://schemas.openxmlformats.org/presentationml/2006/main">
   <p:cSld>
     <p:spTree>
       <p:nvGrpSpPr>
@@ -7726,11 +7639,10 @@
           <a:bodyPr/>
           <a:lstStyle>
             <a:lvl1pPr>
-              <a:defRPr b="1" sz="5300"/>
+              <a:defRPr sz="5300" b="1"/>
             </a:lvl1pPr>
           </a:lstStyle>
           <a:p>
-            <a:pPr/>
             <a:r>
               <a:t>Propose New Solutions</a:t>
             </a:r>
@@ -7742,12 +7654,12 @@
   <p:clrMapOvr>
     <a:masterClrMapping/>
   </p:clrMapOvr>
-  <p:transition xmlns:p14="http://schemas.microsoft.com/office/powerpoint/2010/main" spd="med" advClick="1"/>
+  <p:transition spd="med"/>
 </p:sld>
 </file>
 
 <file path=ppt/slides/slide19.xml><?xml version="1.0" encoding="utf-8"?>
-<p:sld xmlns:a="http://schemas.openxmlformats.org/drawingml/2006/main" xmlns:r="http://schemas.openxmlformats.org/officeDocument/2006/relationships" xmlns:p="http://schemas.openxmlformats.org/presentationml/2006/main" xmlns:m="http://schemas.openxmlformats.org/officeDocument/2006/math" xmlns:a14="http://schemas.microsoft.com/office/drawing/2010/main" showMasterSp="1" showMasterPhAnim="1">
+<p:sld xmlns:a="http://schemas.openxmlformats.org/drawingml/2006/main" xmlns:r="http://schemas.openxmlformats.org/officeDocument/2006/relationships" xmlns:p="http://schemas.openxmlformats.org/presentationml/2006/main">
   <p:cSld>
     <p:spTree>
       <p:nvGrpSpPr>
@@ -7784,7 +7696,6 @@
           <a:bodyPr/>
           <a:lstStyle/>
           <a:p>
-            <a:pPr/>
             <a:r>
               <a:t>New Solution to Protection key limitation</a:t>
             </a:r>
@@ -7796,12 +7707,12 @@
   <p:clrMapOvr>
     <a:masterClrMapping/>
   </p:clrMapOvr>
-  <p:transition xmlns:p14="http://schemas.microsoft.com/office/powerpoint/2010/main" spd="med" advClick="1"/>
+  <p:transition spd="med"/>
 </p:sld>
 </file>
 
 <file path=ppt/slides/slide2.xml><?xml version="1.0" encoding="utf-8"?>
-<p:sld xmlns:a="http://schemas.openxmlformats.org/drawingml/2006/main" xmlns:r="http://schemas.openxmlformats.org/officeDocument/2006/relationships" xmlns:p="http://schemas.openxmlformats.org/presentationml/2006/main" xmlns:m="http://schemas.openxmlformats.org/officeDocument/2006/math" xmlns:a14="http://schemas.microsoft.com/office/drawing/2010/main" showMasterSp="1" showMasterPhAnim="1">
+<p:sld xmlns:a="http://schemas.openxmlformats.org/drawingml/2006/main" xmlns:r="http://schemas.openxmlformats.org/officeDocument/2006/relationships" xmlns:p="http://schemas.openxmlformats.org/presentationml/2006/main">
   <p:cSld>
     <p:spTree>
       <p:nvGrpSpPr>
@@ -7838,7 +7749,6 @@
           <a:bodyPr/>
           <a:lstStyle/>
           <a:p>
-            <a:pPr/>
             <a:r>
               <a:t>Outline</a:t>
             </a:r>
@@ -7866,25 +7776,25 @@
           <a:bodyPr/>
           <a:lstStyle/>
           <a:p>
-            <a:pPr marL="0" indent="0" defTabSz="512063">
+            <a:pPr marL="0" indent="0" defTabSz="511810">
               <a:spcBef>
                 <a:spcPts val="500"/>
               </a:spcBef>
               <a:buSzTx/>
               <a:buNone/>
-              <a:defRPr sz="1568"/>
-            </a:pPr>
-          </a:p>
-          <a:p>
-            <a:pPr marL="192023" indent="-192023" defTabSz="512063">
+              <a:defRPr sz="1570"/>
+            </a:pPr>
+          </a:p>
+          <a:p>
+            <a:pPr marL="191770" indent="-191770" defTabSz="511810">
               <a:spcBef>
                 <a:spcPts val="500"/>
               </a:spcBef>
-              <a:defRPr sz="1344"/>
-            </a:pPr>
-          </a:p>
-          <a:p>
-            <a:pPr marL="192024" indent="-192024" defTabSz="512063">
+              <a:defRPr sz="1345"/>
+            </a:pPr>
+          </a:p>
+          <a:p>
+            <a:pPr marL="191770" indent="-191770" defTabSz="511810">
               <a:spcBef>
                 <a:spcPts val="500"/>
               </a:spcBef>
@@ -7900,7 +7810,7 @@
             </a:r>
           </a:p>
           <a:p>
-            <a:pPr marL="192024" indent="-192024" defTabSz="512063">
+            <a:pPr marL="191770" indent="-191770" defTabSz="511810">
               <a:spcBef>
                 <a:spcPts val="500"/>
               </a:spcBef>
@@ -7913,7 +7823,7 @@
             </a:pPr>
           </a:p>
           <a:p>
-            <a:pPr marL="192024" indent="-192024" defTabSz="512063">
+            <a:pPr marL="191770" indent="-191770" defTabSz="511810">
               <a:spcBef>
                 <a:spcPts val="500"/>
               </a:spcBef>
@@ -7929,7 +7839,7 @@
             </a:r>
           </a:p>
           <a:p>
-            <a:pPr marL="192024" indent="-192024" defTabSz="512063">
+            <a:pPr marL="191770" indent="-191770" defTabSz="511810">
               <a:spcBef>
                 <a:spcPts val="500"/>
               </a:spcBef>
@@ -7942,7 +7852,7 @@
             </a:pPr>
           </a:p>
           <a:p>
-            <a:pPr marL="192024" indent="-192024" defTabSz="512063">
+            <a:pPr marL="191770" indent="-191770" defTabSz="511810">
               <a:spcBef>
                 <a:spcPts val="500"/>
               </a:spcBef>
@@ -7958,7 +7868,7 @@
             </a:r>
           </a:p>
           <a:p>
-            <a:pPr marL="192024" indent="-192024" defTabSz="512063">
+            <a:pPr marL="191770" indent="-191770" defTabSz="511810">
               <a:spcBef>
                 <a:spcPts val="500"/>
               </a:spcBef>
@@ -7971,7 +7881,7 @@
             </a:pPr>
           </a:p>
           <a:p>
-            <a:pPr marL="192024" indent="-192024" defTabSz="512063">
+            <a:pPr marL="191770" indent="-191770" defTabSz="511810">
               <a:spcBef>
                 <a:spcPts val="500"/>
               </a:spcBef>
@@ -7987,7 +7897,7 @@
             </a:r>
           </a:p>
           <a:p>
-            <a:pPr marL="192024" indent="-192024" defTabSz="512063">
+            <a:pPr marL="191770" indent="-191770" defTabSz="511810">
               <a:spcBef>
                 <a:spcPts val="500"/>
               </a:spcBef>
@@ -8000,7 +7910,7 @@
             </a:pPr>
           </a:p>
           <a:p>
-            <a:pPr marL="192024" indent="-192024" defTabSz="512063">
+            <a:pPr marL="191770" indent="-191770" defTabSz="511810">
               <a:spcBef>
                 <a:spcPts val="500"/>
               </a:spcBef>
@@ -8016,7 +7926,7 @@
             </a:r>
           </a:p>
           <a:p>
-            <a:pPr marL="192024" indent="-192024" defTabSz="512063">
+            <a:pPr marL="191770" indent="-191770" defTabSz="511810">
               <a:spcBef>
                 <a:spcPts val="500"/>
               </a:spcBef>
@@ -8029,7 +7939,7 @@
             </a:pPr>
           </a:p>
           <a:p>
-            <a:pPr marL="192024" indent="-192024" defTabSz="512063">
+            <a:pPr marL="191770" indent="-191770" defTabSz="511810">
               <a:spcBef>
                 <a:spcPts val="500"/>
               </a:spcBef>
@@ -8051,12 +7961,12 @@
   <p:clrMapOvr>
     <a:masterClrMapping/>
   </p:clrMapOvr>
-  <p:transition xmlns:p14="http://schemas.microsoft.com/office/powerpoint/2010/main" spd="med" advClick="1"/>
+  <p:transition spd="med"/>
 </p:sld>
 </file>
 
 <file path=ppt/slides/slide20.xml><?xml version="1.0" encoding="utf-8"?>
-<p:sld xmlns:a="http://schemas.openxmlformats.org/drawingml/2006/main" xmlns:r="http://schemas.openxmlformats.org/officeDocument/2006/relationships" xmlns:p="http://schemas.openxmlformats.org/presentationml/2006/main" xmlns:m="http://schemas.openxmlformats.org/officeDocument/2006/math" xmlns:a14="http://schemas.microsoft.com/office/drawing/2010/main" showMasterSp="1" showMasterPhAnim="1">
+<p:sld xmlns:a="http://schemas.openxmlformats.org/drawingml/2006/main" xmlns:r="http://schemas.openxmlformats.org/officeDocument/2006/relationships" xmlns:p="http://schemas.openxmlformats.org/presentationml/2006/main">
   <p:cSld>
     <p:spTree>
       <p:nvGrpSpPr>
@@ -8093,7 +8003,6 @@
           <a:bodyPr/>
           <a:lstStyle/>
           <a:p>
-            <a:pPr/>
             <a:r>
               <a:t>New Solution to Inter-thread Sync</a:t>
             </a:r>
@@ -8129,10 +8038,10 @@
           <a:p>
             <a:pPr marL="342900" indent="-342900">
               <a:defRPr sz="2400">
-                <a:latin typeface="Consolas"/>
-                <a:ea typeface="Consolas"/>
-                <a:cs typeface="Consolas"/>
-                <a:sym typeface="Consolas"/>
+                <a:latin typeface="Consolas" panose="020B0609020204030204"/>
+                <a:ea typeface="Consolas" panose="020B0609020204030204"/>
+                <a:cs typeface="Consolas" panose="020B0609020204030204"/>
+                <a:sym typeface="Consolas" panose="020B0609020204030204"/>
               </a:defRPr>
             </a:pPr>
             <a:r>
@@ -8140,22 +8049,22 @@
             </a:r>
           </a:p>
           <a:p>
-            <a:pPr lvl="1" marL="800100" indent="-342900">
+            <a:pPr marL="800100" lvl="1" indent="-342900">
               <a:defRPr sz="2400">
-                <a:latin typeface="Consolas"/>
-                <a:ea typeface="Consolas"/>
-                <a:cs typeface="Consolas"/>
-                <a:sym typeface="Consolas"/>
-              </a:defRPr>
-            </a:pPr>
-          </a:p>
-          <a:p>
-            <a:pPr lvl="1" marL="800100" indent="-342900">
+                <a:latin typeface="Consolas" panose="020B0609020204030204"/>
+                <a:ea typeface="Consolas" panose="020B0609020204030204"/>
+                <a:cs typeface="Consolas" panose="020B0609020204030204"/>
+                <a:sym typeface="Consolas" panose="020B0609020204030204"/>
+              </a:defRPr>
+            </a:pPr>
+          </a:p>
+          <a:p>
+            <a:pPr marL="800100" lvl="1" indent="-342900">
               <a:defRPr sz="2400">
-                <a:latin typeface="Consolas"/>
-                <a:ea typeface="Consolas"/>
-                <a:cs typeface="Consolas"/>
-                <a:sym typeface="Consolas"/>
+                <a:latin typeface="Consolas" panose="020B0609020204030204"/>
+                <a:ea typeface="Consolas" panose="020B0609020204030204"/>
+                <a:cs typeface="Consolas" panose="020B0609020204030204"/>
+                <a:sym typeface="Consolas" panose="020B0609020204030204"/>
               </a:defRPr>
             </a:pPr>
             <a:r>
@@ -8163,22 +8072,22 @@
             </a:r>
           </a:p>
           <a:p>
-            <a:pPr lvl="1" marL="800100" indent="-342900">
+            <a:pPr marL="800100" lvl="1" indent="-342900">
               <a:defRPr sz="2400">
-                <a:latin typeface="Consolas"/>
-                <a:ea typeface="Consolas"/>
-                <a:cs typeface="Consolas"/>
-                <a:sym typeface="Consolas"/>
-              </a:defRPr>
-            </a:pPr>
-          </a:p>
-          <a:p>
-            <a:pPr lvl="1" marL="800100" indent="-342900">
+                <a:latin typeface="Consolas" panose="020B0609020204030204"/>
+                <a:ea typeface="Consolas" panose="020B0609020204030204"/>
+                <a:cs typeface="Consolas" panose="020B0609020204030204"/>
+                <a:sym typeface="Consolas" panose="020B0609020204030204"/>
+              </a:defRPr>
+            </a:pPr>
+          </a:p>
+          <a:p>
+            <a:pPr marL="800100" lvl="1" indent="-342900">
               <a:defRPr sz="2400">
-                <a:latin typeface="Consolas"/>
-                <a:ea typeface="Consolas"/>
-                <a:cs typeface="Consolas"/>
-                <a:sym typeface="Consolas"/>
+                <a:latin typeface="Consolas" panose="020B0609020204030204"/>
+                <a:ea typeface="Consolas" panose="020B0609020204030204"/>
+                <a:cs typeface="Consolas" panose="020B0609020204030204"/>
+                <a:sym typeface="Consolas" panose="020B0609020204030204"/>
               </a:defRPr>
             </a:pPr>
             <a:r>
@@ -8192,12 +8101,12 @@
   <p:clrMapOvr>
     <a:masterClrMapping/>
   </p:clrMapOvr>
-  <p:transition xmlns:p14="http://schemas.microsoft.com/office/powerpoint/2010/main" spd="med" advClick="1"/>
+  <p:transition spd="med"/>
 </p:sld>
 </file>
 
 <file path=ppt/slides/slide21.xml><?xml version="1.0" encoding="utf-8"?>
-<p:sld xmlns:a="http://schemas.openxmlformats.org/drawingml/2006/main" xmlns:r="http://schemas.openxmlformats.org/officeDocument/2006/relationships" xmlns:p="http://schemas.openxmlformats.org/presentationml/2006/main" xmlns:m="http://schemas.openxmlformats.org/officeDocument/2006/math" xmlns:a14="http://schemas.microsoft.com/office/drawing/2010/main" showMasterSp="1" showMasterPhAnim="1">
+<p:sld xmlns:a="http://schemas.openxmlformats.org/drawingml/2006/main" xmlns:r="http://schemas.openxmlformats.org/officeDocument/2006/relationships" xmlns:p="http://schemas.openxmlformats.org/presentationml/2006/main">
   <p:cSld>
     <p:spTree>
       <p:nvGrpSpPr>
@@ -8234,11 +8143,10 @@
           <a:bodyPr/>
           <a:lstStyle>
             <a:lvl1pPr>
-              <a:defRPr b="1" sz="5300"/>
+              <a:defRPr sz="5300" b="1"/>
             </a:lvl1pPr>
           </a:lstStyle>
           <a:p>
-            <a:pPr/>
             <a:r>
               <a:t>Evaluation Plan</a:t>
             </a:r>
@@ -8250,12 +8158,483 @@
   <p:clrMapOvr>
     <a:masterClrMapping/>
   </p:clrMapOvr>
-  <p:transition xmlns:p14="http://schemas.microsoft.com/office/powerpoint/2010/main" spd="med" advClick="1"/>
+  <p:transition spd="med"/>
 </p:sld>
 </file>
 
 <file path=ppt/slides/slide22.xml><?xml version="1.0" encoding="utf-8"?>
-<p:sld xmlns:a="http://schemas.openxmlformats.org/drawingml/2006/main" xmlns:r="http://schemas.openxmlformats.org/officeDocument/2006/relationships" xmlns:p="http://schemas.openxmlformats.org/presentationml/2006/main" xmlns:m="http://schemas.openxmlformats.org/officeDocument/2006/math" xmlns:a14="http://schemas.microsoft.com/office/drawing/2010/main" showMasterSp="1" showMasterPhAnim="1">
+<p:sld xmlns:a="http://schemas.openxmlformats.org/drawingml/2006/main" xmlns:r="http://schemas.openxmlformats.org/officeDocument/2006/relationships" xmlns:p="http://schemas.openxmlformats.org/presentationml/2006/main">
+  <p:cSld>
+    <p:spTree>
+      <p:nvGrpSpPr>
+        <p:cNvPr id="1" name=""/>
+        <p:cNvGrpSpPr/>
+        <p:nvPr/>
+      </p:nvGrpSpPr>
+      <p:grpSpPr/>
+      <p:sp>
+        <p:nvSpPr>
+          <p:cNvPr id="2" name="标题 1"/>
+          <p:cNvSpPr/>
+          <p:nvPr>
+            <p:ph type="title"/>
+          </p:nvPr>
+        </p:nvSpPr>
+        <p:spPr/>
+        <p:txBody>
+          <a:bodyPr/>
+          <a:p>
+            <a:r>
+              <a:rPr lang="en-US" altLang="zh-CN">
+                <a:latin typeface="Calibri" panose="020F0502020204030204" charset="0"/>
+                <a:cs typeface="Calibri" panose="020F0502020204030204" charset="0"/>
+              </a:rPr>
+              <a:t>Evaluation Plan</a:t>
+            </a:r>
+            <a:endParaRPr lang="en-US" altLang="zh-CN">
+              <a:latin typeface="Calibri" panose="020F0502020204030204" charset="0"/>
+              <a:cs typeface="Calibri" panose="020F0502020204030204" charset="0"/>
+            </a:endParaRPr>
+          </a:p>
+        </p:txBody>
+      </p:sp>
+      <p:sp>
+        <p:nvSpPr>
+          <p:cNvPr id="3" name="文本占位符 2"/>
+          <p:cNvSpPr/>
+          <p:nvPr>
+            <p:ph type="body" idx="1"/>
+          </p:nvPr>
+        </p:nvSpPr>
+        <p:spPr/>
+        <p:txBody>
+          <a:bodyPr/>
+          <a:p>
+            <a:r>
+              <a:rPr lang="en-US" altLang="zh-CN">
+                <a:latin typeface="Consolas" panose="020B0609020204030204" charset="0"/>
+                <a:cs typeface="Consolas" panose="020B0609020204030204" charset="0"/>
+              </a:rPr>
+              <a:t>Similar to the evaluation plan of libmpk</a:t>
+            </a:r>
+            <a:endParaRPr lang="en-US" altLang="zh-CN">
+              <a:latin typeface="Consolas" panose="020B0609020204030204" charset="0"/>
+              <a:cs typeface="Consolas" panose="020B0609020204030204" charset="0"/>
+            </a:endParaRPr>
+          </a:p>
+          <a:p>
+            <a:r>
+              <a:rPr lang="en-US" altLang="zh-CN">
+                <a:latin typeface="Consolas" panose="020B0609020204030204" charset="0"/>
+                <a:cs typeface="Consolas" panose="020B0609020204030204" charset="0"/>
+              </a:rPr>
+              <a:t>Several aspects:</a:t>
+            </a:r>
+            <a:endParaRPr lang="zh-CN" altLang="en-US">
+              <a:latin typeface="Consolas" panose="020B0609020204030204" charset="0"/>
+              <a:cs typeface="Consolas" panose="020B0609020204030204" charset="0"/>
+            </a:endParaRPr>
+          </a:p>
+          <a:p>
+            <a:pPr lvl="1"/>
+            <a:r>
+              <a:rPr lang="zh-CN" altLang="en-US">
+                <a:latin typeface="Consolas" panose="020B0609020204030204" charset="0"/>
+                <a:cs typeface="Consolas" panose="020B0609020204030204" charset="0"/>
+              </a:rPr>
+              <a:t>Security Evaluation</a:t>
+            </a:r>
+            <a:endParaRPr lang="zh-CN" altLang="en-US">
+              <a:latin typeface="Consolas" panose="020B0609020204030204" charset="0"/>
+              <a:cs typeface="Consolas" panose="020B0609020204030204" charset="0"/>
+            </a:endParaRPr>
+          </a:p>
+          <a:p>
+            <a:pPr lvl="1"/>
+            <a:r>
+              <a:rPr lang="zh-CN" altLang="en-US">
+                <a:latin typeface="Consolas" panose="020B0609020204030204" charset="0"/>
+                <a:cs typeface="Consolas" panose="020B0609020204030204" charset="0"/>
+              </a:rPr>
+              <a:t>Microbenchmark</a:t>
+            </a:r>
+            <a:endParaRPr lang="zh-CN" altLang="en-US">
+              <a:latin typeface="Consolas" panose="020B0609020204030204" charset="0"/>
+              <a:cs typeface="Consolas" panose="020B0609020204030204" charset="0"/>
+            </a:endParaRPr>
+          </a:p>
+          <a:p>
+            <a:pPr lvl="1"/>
+            <a:r>
+              <a:rPr lang="en-US" altLang="zh-CN">
+                <a:latin typeface="Consolas" panose="020B0609020204030204" charset="0"/>
+                <a:cs typeface="Consolas" panose="020B0609020204030204" charset="0"/>
+              </a:rPr>
+              <a:t>Macrobenchmark</a:t>
+            </a:r>
+            <a:endParaRPr lang="en-US" altLang="zh-CN">
+              <a:latin typeface="Consolas" panose="020B0609020204030204" charset="0"/>
+              <a:cs typeface="Consolas" panose="020B0609020204030204" charset="0"/>
+            </a:endParaRPr>
+          </a:p>
+          <a:p>
+            <a:endParaRPr lang="en-US" altLang="zh-CN">
+              <a:latin typeface="Consolas" panose="020B0609020204030204" charset="0"/>
+              <a:cs typeface="Consolas" panose="020B0609020204030204" charset="0"/>
+            </a:endParaRPr>
+          </a:p>
+        </p:txBody>
+      </p:sp>
+    </p:spTree>
+  </p:cSld>
+  <p:clrMapOvr>
+    <a:masterClrMapping/>
+  </p:clrMapOvr>
+  <p:transition spd="med"/>
+</p:sld>
+</file>
+
+<file path=ppt/slides/slide23.xml><?xml version="1.0" encoding="utf-8"?>
+<p:sld xmlns:a="http://schemas.openxmlformats.org/drawingml/2006/main" xmlns:r="http://schemas.openxmlformats.org/officeDocument/2006/relationships" xmlns:p="http://schemas.openxmlformats.org/presentationml/2006/main">
+  <p:cSld>
+    <p:spTree>
+      <p:nvGrpSpPr>
+        <p:cNvPr id="1" name=""/>
+        <p:cNvGrpSpPr/>
+        <p:nvPr/>
+      </p:nvGrpSpPr>
+      <p:grpSpPr/>
+      <p:sp>
+        <p:nvSpPr>
+          <p:cNvPr id="2" name="标题 1"/>
+          <p:cNvSpPr/>
+          <p:nvPr>
+            <p:ph type="title"/>
+          </p:nvPr>
+        </p:nvSpPr>
+        <p:spPr/>
+        <p:txBody>
+          <a:bodyPr/>
+          <a:p>
+            <a:r>
+              <a:rPr lang="en-US" altLang="zh-CN">
+                <a:latin typeface="Calibri" panose="020F0502020204030204" charset="0"/>
+                <a:cs typeface="Calibri" panose="020F0502020204030204" charset="0"/>
+              </a:rPr>
+              <a:t>Security Evaluation</a:t>
+            </a:r>
+            <a:endParaRPr lang="en-US" altLang="zh-CN">
+              <a:latin typeface="Calibri" panose="020F0502020204030204" charset="0"/>
+              <a:cs typeface="Calibri" panose="020F0502020204030204" charset="0"/>
+            </a:endParaRPr>
+          </a:p>
+        </p:txBody>
+      </p:sp>
+      <p:sp>
+        <p:nvSpPr>
+          <p:cNvPr id="3" name="文本占位符 2"/>
+          <p:cNvSpPr/>
+          <p:nvPr>
+            <p:ph type="body" idx="1"/>
+          </p:nvPr>
+        </p:nvSpPr>
+        <p:spPr/>
+        <p:txBody>
+          <a:bodyPr/>
+          <a:p>
+            <a:r>
+              <a:rPr lang="en-US" altLang="zh-CN">
+                <a:latin typeface="Consolas" panose="020B0609020204030204" charset="0"/>
+                <a:cs typeface="Consolas" panose="020B0609020204030204" charset="0"/>
+              </a:rPr>
+              <a:t>PMP: prevent the malicious code from executing privileged instructions</a:t>
+            </a:r>
+            <a:endParaRPr lang="en-US" altLang="zh-CN">
+              <a:latin typeface="Consolas" panose="020B0609020204030204" charset="0"/>
+              <a:cs typeface="Consolas" panose="020B0609020204030204" charset="0"/>
+            </a:endParaRPr>
+          </a:p>
+          <a:p>
+            <a:r>
+              <a:rPr lang="en-US" altLang="zh-CN">
+                <a:latin typeface="Consolas" panose="020B0609020204030204" charset="0"/>
+                <a:cs typeface="Consolas" panose="020B0609020204030204" charset="0"/>
+              </a:rPr>
+              <a:t>libpmp should implement the basic function of protecting the memory space</a:t>
+            </a:r>
+            <a:endParaRPr lang="en-US" altLang="zh-CN">
+              <a:latin typeface="Consolas" panose="020B0609020204030204" charset="0"/>
+              <a:cs typeface="Consolas" panose="020B0609020204030204" charset="0"/>
+            </a:endParaRPr>
+          </a:p>
+        </p:txBody>
+      </p:sp>
+      <p:pic>
+        <p:nvPicPr>
+          <p:cNvPr id="100" name="图片 99"/>
+          <p:cNvPicPr/>
+          <p:nvPr/>
+        </p:nvPicPr>
+        <p:blipFill>
+          <a:blip r:embed="rId1"/>
+          <a:stretch>
+            <a:fillRect/>
+          </a:stretch>
+        </p:blipFill>
+        <p:spPr>
+          <a:xfrm>
+            <a:off x="3662363" y="3861435"/>
+            <a:ext cx="4867275" cy="1847850"/>
+          </a:xfrm>
+          <a:prstGeom prst="rect">
+            <a:avLst/>
+          </a:prstGeom>
+          <a:noFill/>
+          <a:ln w="9525">
+            <a:noFill/>
+          </a:ln>
+        </p:spPr>
+      </p:pic>
+    </p:spTree>
+  </p:cSld>
+  <p:clrMapOvr>
+    <a:masterClrMapping/>
+  </p:clrMapOvr>
+  <p:transition spd="med"/>
+</p:sld>
+</file>
+
+<file path=ppt/slides/slide24.xml><?xml version="1.0" encoding="utf-8"?>
+<p:sld xmlns:a="http://schemas.openxmlformats.org/drawingml/2006/main" xmlns:r="http://schemas.openxmlformats.org/officeDocument/2006/relationships" xmlns:p="http://schemas.openxmlformats.org/presentationml/2006/main">
+  <p:cSld>
+    <p:spTree>
+      <p:nvGrpSpPr>
+        <p:cNvPr id="1" name=""/>
+        <p:cNvGrpSpPr/>
+        <p:nvPr/>
+      </p:nvGrpSpPr>
+      <p:grpSpPr/>
+      <p:sp>
+        <p:nvSpPr>
+          <p:cNvPr id="2" name="标题 1"/>
+          <p:cNvSpPr/>
+          <p:nvPr>
+            <p:ph type="title"/>
+          </p:nvPr>
+        </p:nvSpPr>
+        <p:spPr/>
+        <p:txBody>
+          <a:bodyPr/>
+          <a:p>
+            <a:r>
+              <a:rPr lang="en-US" altLang="zh-CN">
+                <a:latin typeface="Calibri" panose="020F0502020204030204" charset="0"/>
+                <a:cs typeface="Calibri" panose="020F0502020204030204" charset="0"/>
+              </a:rPr>
+              <a:t>Microbenchmark</a:t>
+            </a:r>
+            <a:endParaRPr lang="en-US" altLang="zh-CN">
+              <a:latin typeface="Calibri" panose="020F0502020204030204" charset="0"/>
+              <a:cs typeface="Calibri" panose="020F0502020204030204" charset="0"/>
+            </a:endParaRPr>
+          </a:p>
+        </p:txBody>
+      </p:sp>
+      <p:sp>
+        <p:nvSpPr>
+          <p:cNvPr id="3" name="文本占位符 2"/>
+          <p:cNvSpPr/>
+          <p:nvPr>
+            <p:ph type="body" idx="1"/>
+          </p:nvPr>
+        </p:nvSpPr>
+        <p:spPr/>
+        <p:txBody>
+          <a:bodyPr/>
+          <a:p>
+            <a:r>
+              <a:rPr lang="en-US" altLang="zh-CN">
+                <a:latin typeface="Consolas" panose="020B0609020204030204" charset="0"/>
+                <a:cs typeface="Consolas" panose="020B0609020204030204" charset="0"/>
+              </a:rPr>
+              <a:t>Cache performance</a:t>
+            </a:r>
+            <a:endParaRPr lang="en-US" altLang="zh-CN">
+              <a:latin typeface="Consolas" panose="020B0609020204030204" charset="0"/>
+              <a:cs typeface="Consolas" panose="020B0609020204030204" charset="0"/>
+            </a:endParaRPr>
+          </a:p>
+          <a:p>
+            <a:pPr lvl="1"/>
+            <a:r>
+              <a:rPr lang="en-US" altLang="zh-CN">
+                <a:latin typeface="Consolas" panose="020B0609020204030204" charset="0"/>
+                <a:cs typeface="Consolas" panose="020B0609020204030204" charset="0"/>
+              </a:rPr>
+              <a:t>Determined by cache hit/eviction rate</a:t>
+            </a:r>
+            <a:endParaRPr lang="en-US" altLang="zh-CN">
+              <a:latin typeface="Consolas" panose="020B0609020204030204" charset="0"/>
+              <a:cs typeface="Consolas" panose="020B0609020204030204" charset="0"/>
+            </a:endParaRPr>
+          </a:p>
+          <a:p>
+            <a:r>
+              <a:rPr lang="en-US" altLang="zh-CN">
+                <a:latin typeface="Consolas" panose="020B0609020204030204" charset="0"/>
+                <a:cs typeface="Consolas" panose="020B0609020204030204" charset="0"/>
+              </a:rPr>
+              <a:t>Memory overhead</a:t>
+            </a:r>
+            <a:endParaRPr lang="en-US" altLang="zh-CN">
+              <a:latin typeface="Consolas" panose="020B0609020204030204" charset="0"/>
+              <a:cs typeface="Consolas" panose="020B0609020204030204" charset="0"/>
+            </a:endParaRPr>
+          </a:p>
+          <a:p>
+            <a:pPr lvl="1"/>
+            <a:r>
+              <a:rPr lang="en-US" altLang="zh-CN">
+                <a:latin typeface="Consolas" panose="020B0609020204030204" charset="0"/>
+                <a:cs typeface="Consolas" panose="020B0609020204030204" charset="0"/>
+              </a:rPr>
+              <a:t>Decided by memory space and internal data structure</a:t>
+            </a:r>
+            <a:endParaRPr lang="en-US" altLang="zh-CN">
+              <a:latin typeface="Consolas" panose="020B0609020204030204" charset="0"/>
+              <a:cs typeface="Consolas" panose="020B0609020204030204" charset="0"/>
+            </a:endParaRPr>
+          </a:p>
+          <a:p>
+            <a:r>
+              <a:rPr lang="en-US" altLang="zh-CN">
+                <a:latin typeface="Consolas" panose="020B0609020204030204" charset="0"/>
+                <a:cs typeface="Consolas" panose="020B0609020204030204" charset="0"/>
+              </a:rPr>
+              <a:t>Synchronization</a:t>
+            </a:r>
+            <a:endParaRPr lang="en-US" altLang="zh-CN">
+              <a:latin typeface="Consolas" panose="020B0609020204030204" charset="0"/>
+              <a:cs typeface="Consolas" panose="020B0609020204030204" charset="0"/>
+            </a:endParaRPr>
+          </a:p>
+          <a:p>
+            <a:pPr lvl="1"/>
+            <a:r>
+              <a:rPr lang="en-US" altLang="zh-CN">
+                <a:latin typeface="Consolas" panose="020B0609020204030204" charset="0"/>
+                <a:cs typeface="Consolas" panose="020B0609020204030204" charset="0"/>
+              </a:rPr>
+              <a:t>Affected by context switch</a:t>
+            </a:r>
+            <a:endParaRPr lang="en-US" altLang="zh-CN">
+              <a:latin typeface="Consolas" panose="020B0609020204030204" charset="0"/>
+              <a:cs typeface="Consolas" panose="020B0609020204030204" charset="0"/>
+            </a:endParaRPr>
+          </a:p>
+          <a:p>
+            <a:pPr lvl="1"/>
+            <a:r>
+              <a:rPr lang="en-US" altLang="zh-CN">
+                <a:latin typeface="Consolas" panose="020B0609020204030204" charset="0"/>
+                <a:cs typeface="Consolas" panose="020B0609020204030204" charset="0"/>
+              </a:rPr>
+              <a:t>Compared with original PMP implementation </a:t>
+            </a:r>
+            <a:endParaRPr lang="en-US" altLang="zh-CN">
+              <a:latin typeface="Consolas" panose="020B0609020204030204" charset="0"/>
+              <a:cs typeface="Consolas" panose="020B0609020204030204" charset="0"/>
+            </a:endParaRPr>
+          </a:p>
+        </p:txBody>
+      </p:sp>
+      <p:pic>
+        <p:nvPicPr>
+          <p:cNvPr id="4" name="图片 3"/>
+          <p:cNvPicPr>
+            <a:picLocks noChangeAspect="1"/>
+          </p:cNvPicPr>
+          <p:nvPr>
+            <p:custDataLst>
+              <p:tags r:id="rId1"/>
+            </p:custDataLst>
+          </p:nvPr>
+        </p:nvPicPr>
+        <p:blipFill>
+          <a:blip r:embed="rId2"/>
+          <a:stretch>
+            <a:fillRect/>
+          </a:stretch>
+        </p:blipFill>
+        <p:spPr>
+          <a:xfrm>
+            <a:off x="5167630" y="1697990"/>
+            <a:ext cx="636905" cy="619760"/>
+          </a:xfrm>
+          <a:prstGeom prst="rect">
+            <a:avLst/>
+          </a:prstGeom>
+        </p:spPr>
+      </p:pic>
+      <p:pic>
+        <p:nvPicPr>
+          <p:cNvPr id="5" name="图片 4"/>
+          <p:cNvPicPr>
+            <a:picLocks noChangeAspect="1"/>
+          </p:cNvPicPr>
+          <p:nvPr/>
+        </p:nvPicPr>
+        <p:blipFill>
+          <a:blip r:embed="rId3"/>
+          <a:stretch>
+            <a:fillRect/>
+          </a:stretch>
+        </p:blipFill>
+        <p:spPr>
+          <a:xfrm>
+            <a:off x="5173980" y="2781300"/>
+            <a:ext cx="624205" cy="624205"/>
+          </a:xfrm>
+          <a:prstGeom prst="rect">
+            <a:avLst/>
+          </a:prstGeom>
+        </p:spPr>
+      </p:pic>
+      <p:pic>
+        <p:nvPicPr>
+          <p:cNvPr id="6" name="图片 5"/>
+          <p:cNvPicPr>
+            <a:picLocks noChangeAspect="1"/>
+          </p:cNvPicPr>
+          <p:nvPr/>
+        </p:nvPicPr>
+        <p:blipFill>
+          <a:blip r:embed="rId4"/>
+          <a:stretch>
+            <a:fillRect/>
+          </a:stretch>
+        </p:blipFill>
+        <p:spPr>
+          <a:xfrm>
+            <a:off x="5180330" y="4149090"/>
+            <a:ext cx="624205" cy="624205"/>
+          </a:xfrm>
+          <a:prstGeom prst="rect">
+            <a:avLst/>
+          </a:prstGeom>
+        </p:spPr>
+      </p:pic>
+    </p:spTree>
+  </p:cSld>
+  <p:clrMapOvr>
+    <a:masterClrMapping/>
+  </p:clrMapOvr>
+  <p:transition spd="med"/>
+</p:sld>
+</file>
+
+<file path=ppt/slides/slide25.xml><?xml version="1.0" encoding="utf-8"?>
+<p:sld xmlns:a="http://schemas.openxmlformats.org/drawingml/2006/main" xmlns:r="http://schemas.openxmlformats.org/officeDocument/2006/relationships" xmlns:p="http://schemas.openxmlformats.org/presentationml/2006/main">
   <p:cSld>
     <p:spTree>
       <p:nvGrpSpPr>
@@ -8292,11 +8671,10 @@
           <a:bodyPr/>
           <a:lstStyle>
             <a:lvl1pPr>
-              <a:defRPr b="1" sz="5300"/>
+              <a:defRPr sz="5300" b="1"/>
             </a:lvl1pPr>
           </a:lstStyle>
           <a:p>
-            <a:pPr/>
             <a:r>
               <a:t>Future Research Plan</a:t>
             </a:r>
@@ -8308,12 +8686,12 @@
   <p:clrMapOvr>
     <a:masterClrMapping/>
   </p:clrMapOvr>
-  <p:transition xmlns:p14="http://schemas.microsoft.com/office/powerpoint/2010/main" spd="med" advClick="1"/>
+  <p:transition spd="med"/>
 </p:sld>
 </file>
 
-<file path=ppt/slides/slide23.xml><?xml version="1.0" encoding="utf-8"?>
-<p:sld xmlns:a="http://schemas.openxmlformats.org/drawingml/2006/main" xmlns:r="http://schemas.openxmlformats.org/officeDocument/2006/relationships" xmlns:p="http://schemas.openxmlformats.org/presentationml/2006/main" xmlns:m="http://schemas.openxmlformats.org/officeDocument/2006/math" xmlns:a14="http://schemas.microsoft.com/office/drawing/2010/main" showMasterSp="1" showMasterPhAnim="1">
+<file path=ppt/slides/slide26.xml><?xml version="1.0" encoding="utf-8"?>
+<p:sld xmlns:a="http://schemas.openxmlformats.org/drawingml/2006/main" xmlns:r="http://schemas.openxmlformats.org/officeDocument/2006/relationships" xmlns:p="http://schemas.openxmlformats.org/presentationml/2006/main">
   <p:cSld>
     <p:spTree>
       <p:nvGrpSpPr>
@@ -8350,7 +8728,6 @@
           <a:bodyPr/>
           <a:lstStyle/>
           <a:p>
-            <a:pPr/>
             <a:r>
               <a:t>Future Research Plan</a:t>
             </a:r>
@@ -8397,10 +8774,10 @@
               </a:defRPr>
             </a:pPr>
             <a:endParaRPr>
-              <a:latin typeface="Consolas"/>
-              <a:ea typeface="Consolas"/>
-              <a:cs typeface="Consolas"/>
-              <a:sym typeface="Consolas"/>
+              <a:latin typeface="Consolas" panose="020B0609020204030204"/>
+              <a:ea typeface="Consolas" panose="020B0609020204030204"/>
+              <a:cs typeface="Consolas" panose="020B0609020204030204"/>
+              <a:sym typeface="Consolas" panose="020B0609020204030204"/>
             </a:endParaRPr>
           </a:p>
           <a:p>
@@ -8414,18 +8791,18 @@
             </a:pPr>
             <a:r>
               <a:rPr>
-                <a:latin typeface="Consolas"/>
-                <a:ea typeface="Consolas"/>
-                <a:cs typeface="Consolas"/>
-                <a:sym typeface="Consolas"/>
+                <a:latin typeface="Consolas" panose="020B0609020204030204"/>
+                <a:ea typeface="Consolas" panose="020B0609020204030204"/>
+                <a:cs typeface="Consolas" panose="020B0609020204030204"/>
+                <a:sym typeface="Consolas" panose="020B0609020204030204"/>
               </a:rPr>
               <a:t>Make a survey on RISC-V TEE: Keystone/Penglai</a:t>
             </a:r>
             <a:endParaRPr>
-              <a:latin typeface="Consolas"/>
-              <a:ea typeface="Consolas"/>
-              <a:cs typeface="Consolas"/>
-              <a:sym typeface="Consolas"/>
+              <a:latin typeface="Consolas" panose="020B0609020204030204"/>
+              <a:ea typeface="Consolas" panose="020B0609020204030204"/>
+              <a:cs typeface="Consolas" panose="020B0609020204030204"/>
+              <a:sym typeface="Consolas" panose="020B0609020204030204"/>
             </a:endParaRPr>
           </a:p>
           <a:p>
@@ -8438,10 +8815,10 @@
               </a:defRPr>
             </a:pPr>
             <a:endParaRPr>
-              <a:latin typeface="Consolas"/>
-              <a:ea typeface="Consolas"/>
-              <a:cs typeface="Consolas"/>
-              <a:sym typeface="Consolas"/>
+              <a:latin typeface="Consolas" panose="020B0609020204030204"/>
+              <a:ea typeface="Consolas" panose="020B0609020204030204"/>
+              <a:cs typeface="Consolas" panose="020B0609020204030204"/>
+              <a:sym typeface="Consolas" panose="020B0609020204030204"/>
             </a:endParaRPr>
           </a:p>
           <a:p>
@@ -8455,18 +8832,18 @@
             </a:pPr>
             <a:r>
               <a:rPr>
-                <a:latin typeface="Consolas"/>
-                <a:ea typeface="Consolas"/>
-                <a:cs typeface="Consolas"/>
-                <a:sym typeface="Consolas"/>
+                <a:latin typeface="Consolas" panose="020B0609020204030204"/>
+                <a:ea typeface="Consolas" panose="020B0609020204030204"/>
+                <a:cs typeface="Consolas" panose="020B0609020204030204"/>
+                <a:sym typeface="Consolas" panose="020B0609020204030204"/>
               </a:rPr>
               <a:t>Explore the hardware extensions to support Unlimited PMP Entries</a:t>
             </a:r>
             <a:endParaRPr>
-              <a:latin typeface="Consolas"/>
-              <a:ea typeface="Consolas"/>
-              <a:cs typeface="Consolas"/>
-              <a:sym typeface="Consolas"/>
+              <a:latin typeface="Consolas" panose="020B0609020204030204"/>
+              <a:ea typeface="Consolas" panose="020B0609020204030204"/>
+              <a:cs typeface="Consolas" panose="020B0609020204030204"/>
+              <a:sym typeface="Consolas" panose="020B0609020204030204"/>
             </a:endParaRPr>
           </a:p>
           <a:p>
@@ -8479,10 +8856,10 @@
               </a:defRPr>
             </a:pPr>
             <a:endParaRPr>
-              <a:latin typeface="Consolas"/>
-              <a:ea typeface="Consolas"/>
-              <a:cs typeface="Consolas"/>
-              <a:sym typeface="Consolas"/>
+              <a:latin typeface="Consolas" panose="020B0609020204030204"/>
+              <a:ea typeface="Consolas" panose="020B0609020204030204"/>
+              <a:cs typeface="Consolas" panose="020B0609020204030204"/>
+              <a:sym typeface="Consolas" panose="020B0609020204030204"/>
             </a:endParaRPr>
           </a:p>
           <a:p>
@@ -8496,13 +8873,19 @@
             </a:pPr>
             <a:r>
               <a:rPr>
-                <a:latin typeface="Consolas"/>
-                <a:ea typeface="Consolas"/>
-                <a:cs typeface="Consolas"/>
-                <a:sym typeface="Consolas"/>
+                <a:latin typeface="Consolas" panose="020B0609020204030204"/>
+                <a:ea typeface="Consolas" panose="020B0609020204030204"/>
+                <a:cs typeface="Consolas" panose="020B0609020204030204"/>
+                <a:sym typeface="Consolas" panose="020B0609020204030204"/>
               </a:rPr>
               <a:t>Investigate other virtualization techniques.</a:t>
             </a:r>
+            <a:endParaRPr>
+              <a:latin typeface="Consolas" panose="020B0609020204030204"/>
+              <a:ea typeface="Consolas" panose="020B0609020204030204"/>
+              <a:cs typeface="Consolas" panose="020B0609020204030204"/>
+              <a:sym typeface="Consolas" panose="020B0609020204030204"/>
+            </a:endParaRPr>
           </a:p>
         </p:txBody>
       </p:sp>
@@ -8511,12 +8894,12 @@
   <p:clrMapOvr>
     <a:masterClrMapping/>
   </p:clrMapOvr>
-  <p:transition xmlns:p14="http://schemas.microsoft.com/office/powerpoint/2010/main" spd="med" advClick="1"/>
+  <p:transition spd="med"/>
 </p:sld>
 </file>
 
-<file path=ppt/slides/slide24.xml><?xml version="1.0" encoding="utf-8"?>
-<p:sld xmlns:a="http://schemas.openxmlformats.org/drawingml/2006/main" xmlns:r="http://schemas.openxmlformats.org/officeDocument/2006/relationships" xmlns:p="http://schemas.openxmlformats.org/presentationml/2006/main" xmlns:m="http://schemas.openxmlformats.org/officeDocument/2006/math" xmlns:a14="http://schemas.microsoft.com/office/drawing/2010/main" showMasterSp="1" showMasterPhAnim="1">
+<file path=ppt/slides/slide27.xml><?xml version="1.0" encoding="utf-8"?>
+<p:sld xmlns:a="http://schemas.openxmlformats.org/drawingml/2006/main" xmlns:r="http://schemas.openxmlformats.org/officeDocument/2006/relationships" xmlns:p="http://schemas.openxmlformats.org/presentationml/2006/main">
   <p:cSld>
     <p:spTree>
       <p:nvGrpSpPr>
@@ -8553,11 +8936,10 @@
           <a:bodyPr/>
           <a:lstStyle>
             <a:lvl1pPr>
-              <a:defRPr b="1" sz="5300"/>
+              <a:defRPr sz="5300" b="1"/>
             </a:lvl1pPr>
           </a:lstStyle>
           <a:p>
-            <a:pPr/>
             <a:r>
               <a:t>Current work and difficulty</a:t>
             </a:r>
@@ -8569,12 +8951,12 @@
   <p:clrMapOvr>
     <a:masterClrMapping/>
   </p:clrMapOvr>
-  <p:transition xmlns:p14="http://schemas.microsoft.com/office/powerpoint/2010/main" spd="med" advClick="1"/>
+  <p:transition spd="med"/>
 </p:sld>
 </file>
 
-<file path=ppt/slides/slide25.xml><?xml version="1.0" encoding="utf-8"?>
-<p:sld xmlns:a="http://schemas.openxmlformats.org/drawingml/2006/main" xmlns:r="http://schemas.openxmlformats.org/officeDocument/2006/relationships" xmlns:p="http://schemas.openxmlformats.org/presentationml/2006/main" xmlns:m="http://schemas.openxmlformats.org/officeDocument/2006/math" xmlns:a14="http://schemas.microsoft.com/office/drawing/2010/main" showMasterSp="1" showMasterPhAnim="1">
+<file path=ppt/slides/slide28.xml><?xml version="1.0" encoding="utf-8"?>
+<p:sld xmlns:a="http://schemas.openxmlformats.org/drawingml/2006/main" xmlns:r="http://schemas.openxmlformats.org/officeDocument/2006/relationships" xmlns:p="http://schemas.openxmlformats.org/presentationml/2006/main">
   <p:cSld>
     <p:spTree>
       <p:nvGrpSpPr>
@@ -8611,7 +8993,6 @@
           <a:bodyPr/>
           <a:lstStyle/>
           <a:p>
-            <a:pPr/>
             <a:r>
               <a:t>Current Work</a:t>
             </a:r>
@@ -8658,10 +9039,10 @@
               </a:defRPr>
             </a:pPr>
             <a:endParaRPr>
-              <a:latin typeface="Consolas"/>
-              <a:ea typeface="Consolas"/>
-              <a:cs typeface="Consolas"/>
-              <a:sym typeface="Consolas"/>
+              <a:latin typeface="Consolas" panose="020B0609020204030204"/>
+              <a:ea typeface="Consolas" panose="020B0609020204030204"/>
+              <a:cs typeface="Consolas" panose="020B0609020204030204"/>
+              <a:sym typeface="Consolas" panose="020B0609020204030204"/>
             </a:endParaRPr>
           </a:p>
           <a:p>
@@ -8675,13 +9056,19 @@
             </a:pPr>
             <a:r>
               <a:rPr>
-                <a:latin typeface="Consolas"/>
-                <a:ea typeface="Consolas"/>
-                <a:cs typeface="Consolas"/>
-                <a:sym typeface="Consolas"/>
+                <a:latin typeface="Consolas" panose="020B0609020204030204"/>
+                <a:ea typeface="Consolas" panose="020B0609020204030204"/>
+                <a:cs typeface="Consolas" panose="020B0609020204030204"/>
+                <a:sym typeface="Consolas" panose="020B0609020204030204"/>
               </a:rPr>
               <a:t>We have prepared a docker image with RV64 architecture.</a:t>
             </a:r>
+            <a:endParaRPr>
+              <a:latin typeface="Consolas" panose="020B0609020204030204"/>
+              <a:ea typeface="Consolas" panose="020B0609020204030204"/>
+              <a:cs typeface="Consolas" panose="020B0609020204030204"/>
+              <a:sym typeface="Consolas" panose="020B0609020204030204"/>
+            </a:endParaRPr>
           </a:p>
         </p:txBody>
       </p:sp>
@@ -8694,9 +9081,7 @@
           <p:nvPr/>
         </p:nvPicPr>
         <p:blipFill>
-          <a:blip r:embed="rId3">
-            <a:extLst/>
-          </a:blip>
+          <a:blip r:embed="rId1"/>
           <a:stretch>
             <a:fillRect/>
           </a:stretch>
@@ -8711,6 +9096,8 @@
           </a:prstGeom>
           <a:ln w="12700">
             <a:miter lim="400000"/>
+            <a:headEnd/>
+            <a:tailEnd/>
           </a:ln>
         </p:spPr>
       </p:pic>
@@ -8719,12 +9106,12 @@
   <p:clrMapOvr>
     <a:masterClrMapping/>
   </p:clrMapOvr>
-  <p:transition xmlns:p14="http://schemas.microsoft.com/office/powerpoint/2010/main" spd="med" advClick="1"/>
+  <p:transition spd="med"/>
 </p:sld>
 </file>
 
-<file path=ppt/slides/slide26.xml><?xml version="1.0" encoding="utf-8"?>
-<p:sld xmlns:a="http://schemas.openxmlformats.org/drawingml/2006/main" xmlns:r="http://schemas.openxmlformats.org/officeDocument/2006/relationships" xmlns:p="http://schemas.openxmlformats.org/presentationml/2006/main" xmlns:m="http://schemas.openxmlformats.org/officeDocument/2006/math" xmlns:a14="http://schemas.microsoft.com/office/drawing/2010/main" showMasterSp="1" showMasterPhAnim="1">
+<file path=ppt/slides/slide29.xml><?xml version="1.0" encoding="utf-8"?>
+<p:sld xmlns:a="http://schemas.openxmlformats.org/drawingml/2006/main" xmlns:r="http://schemas.openxmlformats.org/officeDocument/2006/relationships" xmlns:p="http://schemas.openxmlformats.org/presentationml/2006/main">
   <p:cSld>
     <p:spTree>
       <p:nvGrpSpPr>
@@ -8761,7 +9148,6 @@
           <a:bodyPr/>
           <a:lstStyle/>
           <a:p>
-            <a:pPr/>
             <a:r>
               <a:t>Current Difficulty</a:t>
             </a:r>
@@ -8808,10 +9194,10 @@
               </a:defRPr>
             </a:pPr>
             <a:endParaRPr>
-              <a:latin typeface="Consolas"/>
-              <a:ea typeface="Consolas"/>
-              <a:cs typeface="Consolas"/>
-              <a:sym typeface="Consolas"/>
+              <a:latin typeface="Consolas" panose="020B0609020204030204"/>
+              <a:ea typeface="Consolas" panose="020B0609020204030204"/>
+              <a:cs typeface="Consolas" panose="020B0609020204030204"/>
+              <a:sym typeface="Consolas" panose="020B0609020204030204"/>
             </a:endParaRPr>
           </a:p>
           <a:p>
@@ -8825,18 +9211,18 @@
             </a:pPr>
             <a:r>
               <a:rPr>
-                <a:latin typeface="Consolas"/>
-                <a:ea typeface="Consolas"/>
-                <a:cs typeface="Consolas"/>
-                <a:sym typeface="Consolas"/>
+                <a:latin typeface="Consolas" panose="020B0609020204030204"/>
+                <a:ea typeface="Consolas" panose="020B0609020204030204"/>
+                <a:cs typeface="Consolas" panose="020B0609020204030204"/>
+                <a:sym typeface="Consolas" panose="020B0609020204030204"/>
               </a:rPr>
               <a:t>Cannot get the value of PMP CSRs on riscv-linux-gnu gdb.</a:t>
             </a:r>
             <a:endParaRPr>
-              <a:latin typeface="Consolas"/>
-              <a:ea typeface="Consolas"/>
-              <a:cs typeface="Consolas"/>
-              <a:sym typeface="Consolas"/>
+              <a:latin typeface="Consolas" panose="020B0609020204030204"/>
+              <a:ea typeface="Consolas" panose="020B0609020204030204"/>
+              <a:cs typeface="Consolas" panose="020B0609020204030204"/>
+              <a:sym typeface="Consolas" panose="020B0609020204030204"/>
             </a:endParaRPr>
           </a:p>
           <a:p>
@@ -8849,10 +9235,10 @@
               </a:defRPr>
             </a:pPr>
             <a:endParaRPr>
-              <a:latin typeface="Consolas"/>
-              <a:ea typeface="Consolas"/>
-              <a:cs typeface="Consolas"/>
-              <a:sym typeface="Consolas"/>
+              <a:latin typeface="Consolas" panose="020B0609020204030204"/>
+              <a:ea typeface="Consolas" panose="020B0609020204030204"/>
+              <a:cs typeface="Consolas" panose="020B0609020204030204"/>
+              <a:sym typeface="Consolas" panose="020B0609020204030204"/>
             </a:endParaRPr>
           </a:p>
           <a:p>
@@ -8865,10 +9251,10 @@
               </a:defRPr>
             </a:pPr>
             <a:endParaRPr>
-              <a:latin typeface="Consolas"/>
-              <a:ea typeface="Consolas"/>
-              <a:cs typeface="Consolas"/>
-              <a:sym typeface="Consolas"/>
+              <a:latin typeface="Consolas" panose="020B0609020204030204"/>
+              <a:ea typeface="Consolas" panose="020B0609020204030204"/>
+              <a:cs typeface="Consolas" panose="020B0609020204030204"/>
+              <a:sym typeface="Consolas" panose="020B0609020204030204"/>
             </a:endParaRPr>
           </a:p>
           <a:p>
@@ -8881,10 +9267,10 @@
               </a:defRPr>
             </a:pPr>
             <a:endParaRPr>
-              <a:latin typeface="Consolas"/>
-              <a:ea typeface="Consolas"/>
-              <a:cs typeface="Consolas"/>
-              <a:sym typeface="Consolas"/>
+              <a:latin typeface="Consolas" panose="020B0609020204030204"/>
+              <a:ea typeface="Consolas" panose="020B0609020204030204"/>
+              <a:cs typeface="Consolas" panose="020B0609020204030204"/>
+              <a:sym typeface="Consolas" panose="020B0609020204030204"/>
             </a:endParaRPr>
           </a:p>
           <a:p>
@@ -8897,10 +9283,10 @@
               </a:defRPr>
             </a:pPr>
             <a:endParaRPr>
-              <a:latin typeface="Consolas"/>
-              <a:ea typeface="Consolas"/>
-              <a:cs typeface="Consolas"/>
-              <a:sym typeface="Consolas"/>
+              <a:latin typeface="Consolas" panose="020B0609020204030204"/>
+              <a:ea typeface="Consolas" panose="020B0609020204030204"/>
+              <a:cs typeface="Consolas" panose="020B0609020204030204"/>
+              <a:sym typeface="Consolas" panose="020B0609020204030204"/>
             </a:endParaRPr>
           </a:p>
           <a:p>
@@ -8914,13 +9300,19 @@
             </a:pPr>
             <a:r>
               <a:rPr>
-                <a:latin typeface="Consolas"/>
-                <a:ea typeface="Consolas"/>
-                <a:cs typeface="Consolas"/>
-                <a:sym typeface="Consolas"/>
+                <a:latin typeface="Consolas" panose="020B0609020204030204"/>
+                <a:ea typeface="Consolas" panose="020B0609020204030204"/>
+                <a:cs typeface="Consolas" panose="020B0609020204030204"/>
+                <a:sym typeface="Consolas" panose="020B0609020204030204"/>
               </a:rPr>
               <a:t>However, on the riscv-linux-gnu gdb manual:</a:t>
             </a:r>
+            <a:endParaRPr>
+              <a:latin typeface="Consolas" panose="020B0609020204030204"/>
+              <a:ea typeface="Consolas" panose="020B0609020204030204"/>
+              <a:cs typeface="Consolas" panose="020B0609020204030204"/>
+              <a:sym typeface="Consolas" panose="020B0609020204030204"/>
+            </a:endParaRPr>
           </a:p>
         </p:txBody>
       </p:sp>
@@ -8933,9 +9325,7 @@
           <p:nvPr/>
         </p:nvPicPr>
         <p:blipFill>
-          <a:blip r:embed="rId3">
-            <a:extLst/>
-          </a:blip>
+          <a:blip r:embed="rId1"/>
           <a:stretch>
             <a:fillRect/>
           </a:stretch>
@@ -8950,6 +9340,8 @@
           </a:prstGeom>
           <a:ln w="12700">
             <a:miter lim="400000"/>
+            <a:headEnd/>
+            <a:tailEnd/>
           </a:ln>
         </p:spPr>
       </p:pic>
@@ -8962,9 +9354,7 @@
           <p:nvPr/>
         </p:nvPicPr>
         <p:blipFill>
-          <a:blip r:embed="rId4">
-            <a:extLst/>
-          </a:blip>
+          <a:blip r:embed="rId2"/>
           <a:stretch>
             <a:fillRect/>
           </a:stretch>
@@ -8979,6 +9369,8 @@
           </a:prstGeom>
           <a:ln w="12700">
             <a:miter lim="400000"/>
+            <a:headEnd/>
+            <a:tailEnd/>
           </a:ln>
         </p:spPr>
       </p:pic>
@@ -8987,12 +9379,12 @@
   <p:clrMapOvr>
     <a:masterClrMapping/>
   </p:clrMapOvr>
-  <p:transition xmlns:p14="http://schemas.microsoft.com/office/powerpoint/2010/main" spd="med" advClick="1"/>
+  <p:transition spd="med"/>
 </p:sld>
 </file>
 
 <file path=ppt/slides/slide3.xml><?xml version="1.0" encoding="utf-8"?>
-<p:sld xmlns:a="http://schemas.openxmlformats.org/drawingml/2006/main" xmlns:r="http://schemas.openxmlformats.org/officeDocument/2006/relationships" xmlns:p="http://schemas.openxmlformats.org/presentationml/2006/main" xmlns:m="http://schemas.openxmlformats.org/officeDocument/2006/math" xmlns:a14="http://schemas.microsoft.com/office/drawing/2010/main" showMasterSp="1" showMasterPhAnim="1">
+<p:sld xmlns:a="http://schemas.openxmlformats.org/drawingml/2006/main" xmlns:r="http://schemas.openxmlformats.org/officeDocument/2006/relationships" xmlns:p="http://schemas.openxmlformats.org/presentationml/2006/main">
   <p:cSld>
     <p:spTree>
       <p:nvGrpSpPr>
@@ -9029,11 +9421,10 @@
           <a:bodyPr/>
           <a:lstStyle>
             <a:lvl1pPr>
-              <a:defRPr b="1" sz="5300"/>
+              <a:defRPr sz="5300" b="1"/>
             </a:lvl1pPr>
           </a:lstStyle>
           <a:p>
-            <a:pPr/>
             <a:r>
               <a:t>Problem Statement</a:t>
             </a:r>
@@ -9045,12 +9436,12 @@
   <p:clrMapOvr>
     <a:masterClrMapping/>
   </p:clrMapOvr>
-  <p:transition xmlns:p14="http://schemas.microsoft.com/office/powerpoint/2010/main" spd="med" advClick="1"/>
+  <p:transition spd="med"/>
 </p:sld>
 </file>
 
 <file path=ppt/slides/slide4.xml><?xml version="1.0" encoding="utf-8"?>
-<p:sld xmlns:a="http://schemas.openxmlformats.org/drawingml/2006/main" xmlns:r="http://schemas.openxmlformats.org/officeDocument/2006/relationships" xmlns:p="http://schemas.openxmlformats.org/presentationml/2006/main" xmlns:m="http://schemas.openxmlformats.org/officeDocument/2006/math" xmlns:a14="http://schemas.microsoft.com/office/drawing/2010/main" showMasterSp="1" showMasterPhAnim="1">
+<p:sld xmlns:a="http://schemas.openxmlformats.org/drawingml/2006/main" xmlns:r="http://schemas.openxmlformats.org/officeDocument/2006/relationships" xmlns:p="http://schemas.openxmlformats.org/presentationml/2006/main">
   <p:cSld>
     <p:spTree>
       <p:nvGrpSpPr>
@@ -9087,7 +9478,6 @@
           <a:bodyPr/>
           <a:lstStyle/>
           <a:p>
-            <a:pPr/>
             <a:r>
               <a:t>Memory Protection</a:t>
             </a:r>
@@ -9191,12 +9581,12 @@
   <p:clrMapOvr>
     <a:masterClrMapping/>
   </p:clrMapOvr>
-  <p:transition xmlns:p14="http://schemas.microsoft.com/office/powerpoint/2010/main" spd="med" advClick="1"/>
+  <p:transition spd="med"/>
 </p:sld>
 </file>
 
 <file path=ppt/slides/slide5.xml><?xml version="1.0" encoding="utf-8"?>
-<p:sld xmlns:a="http://schemas.openxmlformats.org/drawingml/2006/main" xmlns:r="http://schemas.openxmlformats.org/officeDocument/2006/relationships" xmlns:p="http://schemas.openxmlformats.org/presentationml/2006/main" xmlns:m="http://schemas.openxmlformats.org/officeDocument/2006/math" xmlns:a14="http://schemas.microsoft.com/office/drawing/2010/main" showMasterSp="1" showMasterPhAnim="1">
+<p:sld xmlns:a="http://schemas.openxmlformats.org/drawingml/2006/main" xmlns:r="http://schemas.openxmlformats.org/officeDocument/2006/relationships" xmlns:p="http://schemas.openxmlformats.org/presentationml/2006/main">
   <p:cSld>
     <p:spTree>
       <p:nvGrpSpPr>
@@ -9233,7 +9623,6 @@
           <a:bodyPr/>
           <a:lstStyle/>
           <a:p>
-            <a:pPr/>
             <a:r>
               <a:t>Intel MPK</a:t>
             </a:r>
@@ -9314,12 +9703,12 @@
   <p:clrMapOvr>
     <a:masterClrMapping/>
   </p:clrMapOvr>
-  <p:transition xmlns:p14="http://schemas.microsoft.com/office/powerpoint/2010/main" spd="med" advClick="1"/>
+  <p:transition spd="med"/>
 </p:sld>
 </file>
 
 <file path=ppt/slides/slide6.xml><?xml version="1.0" encoding="utf-8"?>
-<p:sld xmlns:a="http://schemas.openxmlformats.org/drawingml/2006/main" xmlns:r="http://schemas.openxmlformats.org/officeDocument/2006/relationships" xmlns:p="http://schemas.openxmlformats.org/presentationml/2006/main" xmlns:m="http://schemas.openxmlformats.org/officeDocument/2006/math" xmlns:a14="http://schemas.microsoft.com/office/drawing/2010/main" showMasterSp="1" showMasterPhAnim="1">
+<p:sld xmlns:a="http://schemas.openxmlformats.org/drawingml/2006/main" xmlns:r="http://schemas.openxmlformats.org/officeDocument/2006/relationships" xmlns:p="http://schemas.openxmlformats.org/presentationml/2006/main">
   <p:cSld>
     <p:spTree>
       <p:nvGrpSpPr>
@@ -9356,7 +9745,6 @@
           <a:bodyPr/>
           <a:lstStyle/>
           <a:p>
-            <a:pPr/>
             <a:r>
               <a:t>Hidden issues in MPK</a:t>
             </a:r>
@@ -9407,19 +9795,19 @@
               <a:t>Protection-key-use-after-free</a:t>
             </a:r>
             <a:endParaRPr>
-              <a:latin typeface="Consolas"/>
-              <a:ea typeface="Consolas"/>
-              <a:cs typeface="Consolas"/>
-              <a:sym typeface="Consolas"/>
+              <a:latin typeface="Consolas" panose="020B0609020204030204"/>
+              <a:ea typeface="Consolas" panose="020B0609020204030204"/>
+              <a:cs typeface="Consolas" panose="020B0609020204030204"/>
+              <a:sym typeface="Consolas" panose="020B0609020204030204"/>
             </a:endParaRPr>
           </a:p>
           <a:p>
             <a:pPr marL="342900" indent="-342900">
               <a:defRPr sz="2400">
-                <a:latin typeface="Consolas"/>
-                <a:ea typeface="Consolas"/>
-                <a:cs typeface="Consolas"/>
-                <a:sym typeface="Consolas"/>
+                <a:latin typeface="Consolas" panose="020B0609020204030204"/>
+                <a:ea typeface="Consolas" panose="020B0609020204030204"/>
+                <a:cs typeface="Consolas" panose="020B0609020204030204"/>
+                <a:sym typeface="Consolas" panose="020B0609020204030204"/>
               </a:defRPr>
             </a:pPr>
           </a:p>
@@ -9436,19 +9824,19 @@
               <a:t>Protection key limitation</a:t>
             </a:r>
             <a:endParaRPr>
-              <a:latin typeface="Consolas"/>
-              <a:ea typeface="Consolas"/>
-              <a:cs typeface="Consolas"/>
-              <a:sym typeface="Consolas"/>
+              <a:latin typeface="Consolas" panose="020B0609020204030204"/>
+              <a:ea typeface="Consolas" panose="020B0609020204030204"/>
+              <a:cs typeface="Consolas" panose="020B0609020204030204"/>
+              <a:sym typeface="Consolas" panose="020B0609020204030204"/>
             </a:endParaRPr>
           </a:p>
           <a:p>
             <a:pPr marL="342900" indent="-342900">
               <a:defRPr sz="2400">
-                <a:latin typeface="Consolas"/>
-                <a:ea typeface="Consolas"/>
-                <a:cs typeface="Consolas"/>
-                <a:sym typeface="Consolas"/>
+                <a:latin typeface="Consolas" panose="020B0609020204030204"/>
+                <a:ea typeface="Consolas" panose="020B0609020204030204"/>
+                <a:cs typeface="Consolas" panose="020B0609020204030204"/>
+                <a:sym typeface="Consolas" panose="020B0609020204030204"/>
               </a:defRPr>
             </a:pPr>
           </a:p>
@@ -9484,15 +9872,10 @@
           <a:ln w="12700">
             <a:miter lim="400000"/>
           </a:ln>
-          <a:extLst>
-            <a:ext uri="{C572A759-6A51-4108-AA02-DFA0A04FC94B}">
-              <ma14:wrappingTextBoxFlag xmlns:ma14="http://schemas.microsoft.com/office/mac/drawingml/2011/main" val="1"/>
-            </a:ext>
-          </a:extLst>
         </p:spPr>
         <p:txBody>
           <a:bodyPr lIns="45718" tIns="45718" rIns="45718" bIns="45718" anchor="ctr">
-            <a:normAutofit fontScale="100000" lnSpcReduction="0"/>
+            <a:normAutofit/>
           </a:bodyPr>
           <a:lstStyle/>
           <a:p>
@@ -9501,10 +9884,10 @@
                 <a:spcPct val="90000"/>
               </a:lnSpc>
               <a:defRPr sz="4400">
-                <a:latin typeface="Calibri"/>
-                <a:ea typeface="Calibri"/>
-                <a:cs typeface="Calibri"/>
-                <a:sym typeface="Calibri"/>
+                <a:latin typeface="Calibri" panose="020F0502020204030204"/>
+                <a:ea typeface="Calibri" panose="020F0502020204030204"/>
+                <a:cs typeface="Calibri" panose="020F0502020204030204"/>
+                <a:sym typeface="Calibri" panose="020F0502020204030204"/>
               </a:defRPr>
             </a:pPr>
             <a:r>
@@ -9512,10 +9895,10 @@
             </a:r>
             <a:r>
               <a:rPr>
-                <a:latin typeface="Consolas"/>
-                <a:ea typeface="Consolas"/>
-                <a:cs typeface="Consolas"/>
-                <a:sym typeface="Consolas"/>
+                <a:latin typeface="Consolas" panose="020B0609020204030204"/>
+                <a:ea typeface="Consolas" panose="020B0609020204030204"/>
+                <a:cs typeface="Consolas" panose="020B0609020204030204"/>
+                <a:sym typeface="Consolas" panose="020B0609020204030204"/>
               </a:rPr>
               <a:t>libmpk</a:t>
             </a:r>
@@ -9530,12 +9913,12 @@
   <p:clrMapOvr>
     <a:masterClrMapping/>
   </p:clrMapOvr>
-  <p:transition xmlns:p14="http://schemas.microsoft.com/office/powerpoint/2010/main" spd="med" advClick="1"/>
+  <p:transition spd="med"/>
 </p:sld>
 </file>
 
 <file path=ppt/slides/slide7.xml><?xml version="1.0" encoding="utf-8"?>
-<p:sld xmlns:a="http://schemas.openxmlformats.org/drawingml/2006/main" xmlns:r="http://schemas.openxmlformats.org/officeDocument/2006/relationships" xmlns:p="http://schemas.openxmlformats.org/presentationml/2006/main" xmlns:m="http://schemas.openxmlformats.org/officeDocument/2006/math" xmlns:a14="http://schemas.microsoft.com/office/drawing/2010/main" showMasterSp="1" showMasterPhAnim="1">
+<p:sld xmlns:a="http://schemas.openxmlformats.org/drawingml/2006/main" xmlns:r="http://schemas.openxmlformats.org/officeDocument/2006/relationships" xmlns:p="http://schemas.openxmlformats.org/presentationml/2006/main">
   <p:cSld>
     <p:spTree>
       <p:nvGrpSpPr>
@@ -9572,7 +9955,6 @@
           <a:bodyPr/>
           <a:lstStyle/>
           <a:p>
-            <a:pPr/>
             <a:r>
               <a:t>RISC-V Physical Memory Protection (PMP)</a:t>
             </a:r>
@@ -9600,29 +9982,29 @@
           <a:bodyPr/>
           <a:lstStyle/>
           <a:p>
-            <a:pPr marL="0" indent="0" defTabSz="841247">
+            <a:pPr marL="0" indent="0" defTabSz="841375">
               <a:spcBef>
                 <a:spcPts val="900"/>
               </a:spcBef>
               <a:buSzTx/>
               <a:buNone/>
-              <a:defRPr sz="2576"/>
-            </a:pPr>
-          </a:p>
-          <a:p>
-            <a:pPr marL="315468" indent="-315468" defTabSz="841247">
+              <a:defRPr sz="2575"/>
+            </a:pPr>
+          </a:p>
+          <a:p>
+            <a:pPr marL="315595" indent="-315595" defTabSz="841375">
               <a:spcBef>
                 <a:spcPts val="900"/>
               </a:spcBef>
-              <a:defRPr sz="2208"/>
-            </a:pPr>
-          </a:p>
-          <a:p>
-            <a:pPr marL="315468" indent="-315468" defTabSz="841247">
+              <a:defRPr sz="2210"/>
+            </a:pPr>
+          </a:p>
+          <a:p>
+            <a:pPr marL="315595" indent="-315595" defTabSz="841375">
               <a:spcBef>
                 <a:spcPts val="900"/>
               </a:spcBef>
-              <a:defRPr sz="2208">
+              <a:defRPr sz="2210">
                 <a:latin typeface="DejaVu Sans Mono Nerd Font Complete"/>
                 <a:ea typeface="DejaVu Sans Mono Nerd Font Complete"/>
                 <a:cs typeface="DejaVu Sans Mono Nerd Font Complete"/>
@@ -9634,11 +10016,11 @@
             </a:r>
           </a:p>
           <a:p>
-            <a:pPr marL="315468" indent="-315468" defTabSz="841247">
+            <a:pPr marL="315595" indent="-315595" defTabSz="841375">
               <a:spcBef>
                 <a:spcPts val="900"/>
               </a:spcBef>
-              <a:defRPr sz="2208">
+              <a:defRPr sz="2210">
                 <a:latin typeface="DejaVu Sans Mono Nerd Font Complete"/>
                 <a:ea typeface="DejaVu Sans Mono Nerd Font Complete"/>
                 <a:cs typeface="DejaVu Sans Mono Nerd Font Complete"/>
@@ -9647,11 +10029,11 @@
             </a:pPr>
           </a:p>
           <a:p>
-            <a:pPr marL="315468" indent="-315468" defTabSz="841247">
+            <a:pPr marL="315595" indent="-315595" defTabSz="841375">
               <a:spcBef>
                 <a:spcPts val="900"/>
               </a:spcBef>
-              <a:defRPr sz="2208">
+              <a:defRPr sz="2210">
                 <a:latin typeface="DejaVu Sans Mono Nerd Font Complete"/>
                 <a:ea typeface="DejaVu Sans Mono Nerd Font Complete"/>
                 <a:cs typeface="DejaVu Sans Mono Nerd Font Complete"/>
@@ -9663,11 +10045,11 @@
             </a:r>
           </a:p>
           <a:p>
-            <a:pPr marL="315468" indent="-315468" defTabSz="841247">
+            <a:pPr marL="315595" indent="-315595" defTabSz="841375">
               <a:spcBef>
                 <a:spcPts val="900"/>
               </a:spcBef>
-              <a:defRPr sz="2208">
+              <a:defRPr sz="2210">
                 <a:latin typeface="DejaVu Sans Mono Nerd Font Complete"/>
                 <a:ea typeface="DejaVu Sans Mono Nerd Font Complete"/>
                 <a:cs typeface="DejaVu Sans Mono Nerd Font Complete"/>
@@ -9676,11 +10058,11 @@
             </a:pPr>
           </a:p>
           <a:p>
-            <a:pPr marL="315468" indent="-315468" defTabSz="841247">
+            <a:pPr marL="315595" indent="-315595" defTabSz="841375">
               <a:spcBef>
                 <a:spcPts val="900"/>
               </a:spcBef>
-              <a:defRPr sz="2208">
+              <a:defRPr sz="2210">
                 <a:latin typeface="DejaVu Sans Mono Nerd Font Complete"/>
                 <a:ea typeface="DejaVu Sans Mono Nerd Font Complete"/>
                 <a:cs typeface="DejaVu Sans Mono Nerd Font Complete"/>
@@ -9692,11 +10074,11 @@
             </a:r>
           </a:p>
           <a:p>
-            <a:pPr lvl="1" marL="736092" indent="-315468" defTabSz="841247">
+            <a:pPr marL="735965" lvl="1" indent="-315595" defTabSz="841375">
               <a:spcBef>
                 <a:spcPts val="900"/>
               </a:spcBef>
-              <a:defRPr sz="2208">
+              <a:defRPr sz="2210">
                 <a:latin typeface="DejaVu Sans Mono Nerd Font Complete"/>
                 <a:ea typeface="DejaVu Sans Mono Nerd Font Complete"/>
                 <a:cs typeface="DejaVu Sans Mono Nerd Font Complete"/>
@@ -9708,11 +10090,11 @@
             </a:r>
           </a:p>
           <a:p>
-            <a:pPr lvl="1" marL="736092" indent="-315468" defTabSz="841247">
+            <a:pPr marL="735965" lvl="1" indent="-315595" defTabSz="841375">
               <a:spcBef>
                 <a:spcPts val="900"/>
               </a:spcBef>
-              <a:defRPr sz="2208">
+              <a:defRPr sz="2210">
                 <a:latin typeface="DejaVu Sans Mono Nerd Font Complete"/>
                 <a:ea typeface="DejaVu Sans Mono Nerd Font Complete"/>
                 <a:cs typeface="DejaVu Sans Mono Nerd Font Complete"/>
@@ -9730,12 +10112,12 @@
   <p:clrMapOvr>
     <a:masterClrMapping/>
   </p:clrMapOvr>
-  <p:transition xmlns:p14="http://schemas.microsoft.com/office/powerpoint/2010/main" spd="med" advClick="1"/>
+  <p:transition spd="med"/>
 </p:sld>
 </file>
 
 <file path=ppt/slides/slide8.xml><?xml version="1.0" encoding="utf-8"?>
-<p:sld xmlns:a="http://schemas.openxmlformats.org/drawingml/2006/main" xmlns:r="http://schemas.openxmlformats.org/officeDocument/2006/relationships" xmlns:p="http://schemas.openxmlformats.org/presentationml/2006/main" xmlns:m="http://schemas.openxmlformats.org/officeDocument/2006/math" xmlns:a14="http://schemas.microsoft.com/office/drawing/2010/main" showMasterSp="1" showMasterPhAnim="1">
+<p:sld xmlns:a="http://schemas.openxmlformats.org/drawingml/2006/main" xmlns:r="http://schemas.openxmlformats.org/officeDocument/2006/relationships" xmlns:p="http://schemas.openxmlformats.org/presentationml/2006/main">
   <p:cSld>
     <p:spTree>
       <p:nvGrpSpPr>
@@ -9772,7 +10154,6 @@
           <a:bodyPr/>
           <a:lstStyle/>
           <a:p>
-            <a:pPr/>
             <a:r>
               <a:t>RISC-V Physical Memory Protection (PMP)</a:t>
             </a:r>
@@ -9788,9 +10169,7 @@
           <p:nvPr/>
         </p:nvPicPr>
         <p:blipFill>
-          <a:blip r:embed="rId3">
-            <a:extLst/>
-          </a:blip>
+          <a:blip r:embed="rId1"/>
           <a:stretch>
             <a:fillRect/>
           </a:stretch>
@@ -9805,6 +10184,8 @@
           </a:prstGeom>
           <a:ln w="12700">
             <a:miter lim="400000"/>
+            <a:headEnd/>
+            <a:tailEnd/>
           </a:ln>
         </p:spPr>
       </p:pic>
@@ -9817,9 +10198,7 @@
           <p:nvPr/>
         </p:nvPicPr>
         <p:blipFill>
-          <a:blip r:embed="rId4">
-            <a:extLst/>
-          </a:blip>
+          <a:blip r:embed="rId2"/>
           <a:stretch>
             <a:fillRect/>
           </a:stretch>
@@ -9834,6 +10213,8 @@
           </a:prstGeom>
           <a:ln w="12700">
             <a:miter lim="400000"/>
+            <a:headEnd/>
+            <a:tailEnd/>
           </a:ln>
         </p:spPr>
       </p:pic>
@@ -9842,12 +10223,12 @@
   <p:clrMapOvr>
     <a:masterClrMapping/>
   </p:clrMapOvr>
-  <p:transition xmlns:p14="http://schemas.microsoft.com/office/powerpoint/2010/main" spd="med" advClick="1"/>
+  <p:transition spd="med"/>
 </p:sld>
 </file>
 
 <file path=ppt/slides/slide9.xml><?xml version="1.0" encoding="utf-8"?>
-<p:sld xmlns:a="http://schemas.openxmlformats.org/drawingml/2006/main" xmlns:r="http://schemas.openxmlformats.org/officeDocument/2006/relationships" xmlns:p="http://schemas.openxmlformats.org/presentationml/2006/main" xmlns:m="http://schemas.openxmlformats.org/officeDocument/2006/math" xmlns:a14="http://schemas.microsoft.com/office/drawing/2010/main" showMasterSp="1" showMasterPhAnim="1">
+<p:sld xmlns:a="http://schemas.openxmlformats.org/drawingml/2006/main" xmlns:r="http://schemas.openxmlformats.org/officeDocument/2006/relationships" xmlns:p="http://schemas.openxmlformats.org/presentationml/2006/main">
   <p:cSld>
     <p:spTree>
       <p:nvGrpSpPr>
@@ -9884,7 +10265,6 @@
           <a:bodyPr/>
           <a:lstStyle/>
           <a:p>
-            <a:pPr/>
             <a:r>
               <a:t>Whether those three issues exist in PMP?</a:t>
             </a:r>
@@ -9943,19 +10323,19 @@
               <a:t>TO BE CONTINUED</a:t>
             </a:r>
             <a:endParaRPr>
-              <a:latin typeface="Consolas"/>
-              <a:ea typeface="Consolas"/>
-              <a:cs typeface="Consolas"/>
-              <a:sym typeface="Consolas"/>
+              <a:latin typeface="Consolas" panose="020B0609020204030204"/>
+              <a:ea typeface="Consolas" panose="020B0609020204030204"/>
+              <a:cs typeface="Consolas" panose="020B0609020204030204"/>
+              <a:sym typeface="Consolas" panose="020B0609020204030204"/>
             </a:endParaRPr>
           </a:p>
           <a:p>
             <a:pPr marL="342900" indent="-342900">
               <a:defRPr sz="2400">
-                <a:latin typeface="Consolas"/>
-                <a:ea typeface="Consolas"/>
-                <a:cs typeface="Consolas"/>
-                <a:sym typeface="Consolas"/>
+                <a:latin typeface="Consolas" panose="020B0609020204030204"/>
+                <a:ea typeface="Consolas" panose="020B0609020204030204"/>
+                <a:cs typeface="Consolas" panose="020B0609020204030204"/>
+                <a:sym typeface="Consolas" panose="020B0609020204030204"/>
               </a:defRPr>
             </a:pPr>
           </a:p>
@@ -9980,19 +10360,19 @@
               <a:t>EXISTS</a:t>
             </a:r>
             <a:endParaRPr>
-              <a:latin typeface="Consolas"/>
-              <a:ea typeface="Consolas"/>
-              <a:cs typeface="Consolas"/>
-              <a:sym typeface="Consolas"/>
+              <a:latin typeface="Consolas" panose="020B0609020204030204"/>
+              <a:ea typeface="Consolas" panose="020B0609020204030204"/>
+              <a:cs typeface="Consolas" panose="020B0609020204030204"/>
+              <a:sym typeface="Consolas" panose="020B0609020204030204"/>
             </a:endParaRPr>
           </a:p>
           <a:p>
             <a:pPr marL="342900" indent="-342900">
               <a:defRPr sz="2400">
-                <a:latin typeface="Consolas"/>
-                <a:ea typeface="Consolas"/>
-                <a:cs typeface="Consolas"/>
-                <a:sym typeface="Consolas"/>
+                <a:latin typeface="Consolas" panose="020B0609020204030204"/>
+                <a:ea typeface="Consolas" panose="020B0609020204030204"/>
+                <a:cs typeface="Consolas" panose="020B0609020204030204"/>
+                <a:sym typeface="Consolas" panose="020B0609020204030204"/>
               </a:defRPr>
             </a:pPr>
           </a:p>
@@ -10016,6 +10396,11 @@
               </a:rPr>
               <a:t>EXISTS</a:t>
             </a:r>
+            <a:endParaRPr>
+              <a:solidFill>
+                <a:srgbClr val="FF2600"/>
+              </a:solidFill>
+            </a:endParaRPr>
           </a:p>
         </p:txBody>
       </p:sp>
@@ -10024,12 +10409,24 @@
   <p:clrMapOvr>
     <a:masterClrMapping/>
   </p:clrMapOvr>
-  <p:transition xmlns:p14="http://schemas.microsoft.com/office/powerpoint/2010/main" spd="med" advClick="1"/>
+  <p:transition spd="med"/>
 </p:sld>
 </file>
 
+<file path=ppt/tags/tag1.xml><?xml version="1.0" encoding="utf-8"?>
+<p:tagLst xmlns:p="http://schemas.openxmlformats.org/presentationml/2006/main">
+  <p:tag name="KSO_WM_UNIT_PLACING_PICTURE_USER_VIEWPORT" val="{&quot;height&quot;:2532,&quot;width&quot;:2604}"/>
+</p:tagLst>
+</file>
+
+<file path=ppt/tags/tag2.xml><?xml version="1.0" encoding="utf-8"?>
+<p:tagLst xmlns:p="http://schemas.openxmlformats.org/presentationml/2006/main">
+  <p:tag name="COMMONDATA" val="eyJoZGlkIjoiMjU5NWIwMDFkOGE1ZDUxYWJiZGY5Y2Q5YzFhZTUwYTYifQ=="/>
+</p:tagLst>
+</file>
+
 <file path=ppt/theme/theme1.xml><?xml version="1.0" encoding="utf-8"?>
-<a:theme xmlns:a="http://schemas.openxmlformats.org/drawingml/2006/main" xmlns:r="http://schemas.openxmlformats.org/officeDocument/2006/relationships" name="Office 主题​​">
+<a:theme xmlns:a="http://schemas.openxmlformats.org/drawingml/2006/main" name="Office 主题​​">
   <a:themeElements>
     <a:clrScheme name="Office 主题​​">
       <a:dk1>
@@ -10228,8 +10625,6 @@
           <a:prstDash val="solid"/>
           <a:round/>
         </a:ln>
-        <a:effectLst/>
-        <a:sp3d/>
       </a:spPr>
       <a:bodyPr rot="0" spcFirstLastPara="1" vertOverflow="overflow" horzOverflow="overflow" vert="horz" wrap="square" lIns="45718" tIns="45718" rIns="45718" bIns="45718" numCol="1" spcCol="38100" rtlCol="0" anchor="ctr" upright="0">
         <a:spAutoFit/>
@@ -10249,8 +10644,7 @@
           <a:buSzTx/>
           <a:buFontTx/>
           <a:buNone/>
-          <a:tabLst/>
-          <a:defRPr b="0" baseline="0" cap="none" i="0" spc="0" strike="noStrike" sz="1800" u="none" kumimoji="0" normalizeH="0">
+          <a:defRPr kumimoji="0" sz="1800" b="0" i="0" u="none" strike="noStrike" cap="none" spc="0" normalizeH="0" baseline="0">
             <a:ln>
               <a:noFill/>
             </a:ln>
@@ -10262,7 +10656,7 @@
             <a:latin typeface="+mj-lt"/>
             <a:ea typeface="+mj-ea"/>
             <a:cs typeface="+mj-cs"/>
-            <a:sym typeface="等线"/>
+            <a:sym typeface="等线" panose="02010600030101010101" charset="-122"/>
           </a:defRPr>
         </a:defPPr>
         <a:lvl1pPr marL="0" marR="0" indent="0" algn="l" defTabSz="914400" rtl="0" fontAlgn="auto" latinLnBrk="1" hangingPunct="0">
@@ -10279,8 +10673,7 @@
           <a:buSzTx/>
           <a:buFontTx/>
           <a:buNone/>
-          <a:tabLst/>
-          <a:defRPr b="0" baseline="0" cap="none" i="0" spc="0" strike="noStrike" sz="1800" u="none" kumimoji="0" normalizeH="0">
+          <a:defRPr kumimoji="0" sz="1800" b="0" i="0" u="none" strike="noStrike" cap="none" spc="0" normalizeH="0" baseline="0">
             <a:ln>
               <a:noFill/>
             </a:ln>
@@ -10305,8 +10698,7 @@
           <a:buSzTx/>
           <a:buFontTx/>
           <a:buNone/>
-          <a:tabLst/>
-          <a:defRPr b="0" baseline="0" cap="none" i="0" spc="0" strike="noStrike" sz="1800" u="none" kumimoji="0" normalizeH="0">
+          <a:defRPr kumimoji="0" sz="1800" b="0" i="0" u="none" strike="noStrike" cap="none" spc="0" normalizeH="0" baseline="0">
             <a:ln>
               <a:noFill/>
             </a:ln>
@@ -10331,8 +10723,7 @@
           <a:buSzTx/>
           <a:buFontTx/>
           <a:buNone/>
-          <a:tabLst/>
-          <a:defRPr b="0" baseline="0" cap="none" i="0" spc="0" strike="noStrike" sz="1800" u="none" kumimoji="0" normalizeH="0">
+          <a:defRPr kumimoji="0" sz="1800" b="0" i="0" u="none" strike="noStrike" cap="none" spc="0" normalizeH="0" baseline="0">
             <a:ln>
               <a:noFill/>
             </a:ln>
@@ -10357,8 +10748,7 @@
           <a:buSzTx/>
           <a:buFontTx/>
           <a:buNone/>
-          <a:tabLst/>
-          <a:defRPr b="0" baseline="0" cap="none" i="0" spc="0" strike="noStrike" sz="1800" u="none" kumimoji="0" normalizeH="0">
+          <a:defRPr kumimoji="0" sz="1800" b="0" i="0" u="none" strike="noStrike" cap="none" spc="0" normalizeH="0" baseline="0">
             <a:ln>
               <a:noFill/>
             </a:ln>
@@ -10383,8 +10773,7 @@
           <a:buSzTx/>
           <a:buFontTx/>
           <a:buNone/>
-          <a:tabLst/>
-          <a:defRPr b="0" baseline="0" cap="none" i="0" spc="0" strike="noStrike" sz="1800" u="none" kumimoji="0" normalizeH="0">
+          <a:defRPr kumimoji="0" sz="1800" b="0" i="0" u="none" strike="noStrike" cap="none" spc="0" normalizeH="0" baseline="0">
             <a:ln>
               <a:noFill/>
             </a:ln>
@@ -10409,8 +10798,7 @@
           <a:buSzTx/>
           <a:buFontTx/>
           <a:buNone/>
-          <a:tabLst/>
-          <a:defRPr b="0" baseline="0" cap="none" i="0" spc="0" strike="noStrike" sz="1800" u="none" kumimoji="0" normalizeH="0">
+          <a:defRPr kumimoji="0" sz="1800" b="0" i="0" u="none" strike="noStrike" cap="none" spc="0" normalizeH="0" baseline="0">
             <a:ln>
               <a:noFill/>
             </a:ln>
@@ -10435,8 +10823,7 @@
           <a:buSzTx/>
           <a:buFontTx/>
           <a:buNone/>
-          <a:tabLst/>
-          <a:defRPr b="0" baseline="0" cap="none" i="0" spc="0" strike="noStrike" sz="1800" u="none" kumimoji="0" normalizeH="0">
+          <a:defRPr kumimoji="0" sz="1800" b="0" i="0" u="none" strike="noStrike" cap="none" spc="0" normalizeH="0" baseline="0">
             <a:ln>
               <a:noFill/>
             </a:ln>
@@ -10461,8 +10848,7 @@
           <a:buSzTx/>
           <a:buFontTx/>
           <a:buNone/>
-          <a:tabLst/>
-          <a:defRPr b="0" baseline="0" cap="none" i="0" spc="0" strike="noStrike" sz="1800" u="none" kumimoji="0" normalizeH="0">
+          <a:defRPr kumimoji="0" sz="1800" b="0" i="0" u="none" strike="noStrike" cap="none" spc="0" normalizeH="0" baseline="0">
             <a:ln>
               <a:noFill/>
             </a:ln>
@@ -10487,8 +10873,7 @@
           <a:buSzTx/>
           <a:buFontTx/>
           <a:buNone/>
-          <a:tabLst/>
-          <a:defRPr b="0" baseline="0" cap="none" i="0" spc="0" strike="noStrike" sz="1800" u="none" kumimoji="0" normalizeH="0">
+          <a:defRPr kumimoji="0" sz="1800" b="0" i="0" u="none" strike="noStrike" cap="none" spc="0" normalizeH="0" baseline="0">
             <a:ln>
               <a:noFill/>
             </a:ln>
@@ -10501,9 +10886,15 @@
         </a:lvl9pPr>
       </a:lstStyle>
       <a:style>
-        <a:lnRef idx="0"/>
-        <a:fillRef idx="0"/>
-        <a:effectRef idx="0"/>
+        <a:lnRef idx="0">
+          <a:srgbClr val="FFFFFF"/>
+        </a:lnRef>
+        <a:fillRef idx="0">
+          <a:srgbClr val="FFFFFF"/>
+        </a:fillRef>
+        <a:effectRef idx="0">
+          <a:srgbClr val="FFFFFF"/>
+        </a:effectRef>
         <a:fontRef idx="none"/>
       </a:style>
     </a:spDef>
@@ -10517,8 +10908,6 @@
           <a:prstDash val="solid"/>
           <a:round/>
         </a:ln>
-        <a:effectLst/>
-        <a:sp3d/>
       </a:spPr>
       <a:bodyPr rot="0" spcFirstLastPara="1" vertOverflow="overflow" horzOverflow="overflow" vert="horz" wrap="square" lIns="91439" tIns="45719" rIns="91439" bIns="45719" numCol="1" spcCol="38100" rtlCol="0" anchor="t" upright="0">
         <a:noAutofit/>
@@ -10538,8 +10927,7 @@
           <a:buSzTx/>
           <a:buFontTx/>
           <a:buNone/>
-          <a:tabLst/>
-          <a:defRPr b="0" baseline="0" cap="none" i="0" spc="0" strike="noStrike" sz="1800" u="none" kumimoji="0" normalizeH="0">
+          <a:defRPr kumimoji="0" sz="1800" b="0" i="0" u="none" strike="noStrike" cap="none" spc="0" normalizeH="0" baseline="0">
             <a:ln>
               <a:noFill/>
             </a:ln>
@@ -10564,8 +10952,7 @@
           <a:buSzTx/>
           <a:buFontTx/>
           <a:buNone/>
-          <a:tabLst/>
-          <a:defRPr b="0" baseline="0" cap="none" i="0" spc="0" strike="noStrike" sz="1800" u="none" kumimoji="0" normalizeH="0">
+          <a:defRPr kumimoji="0" sz="1800" b="0" i="0" u="none" strike="noStrike" cap="none" spc="0" normalizeH="0" baseline="0">
             <a:ln>
               <a:noFill/>
             </a:ln>
@@ -10590,8 +10977,7 @@
           <a:buSzTx/>
           <a:buFontTx/>
           <a:buNone/>
-          <a:tabLst/>
-          <a:defRPr b="0" baseline="0" cap="none" i="0" spc="0" strike="noStrike" sz="1800" u="none" kumimoji="0" normalizeH="0">
+          <a:defRPr kumimoji="0" sz="1800" b="0" i="0" u="none" strike="noStrike" cap="none" spc="0" normalizeH="0" baseline="0">
             <a:ln>
               <a:noFill/>
             </a:ln>
@@ -10616,8 +11002,7 @@
           <a:buSzTx/>
           <a:buFontTx/>
           <a:buNone/>
-          <a:tabLst/>
-          <a:defRPr b="0" baseline="0" cap="none" i="0" spc="0" strike="noStrike" sz="1800" u="none" kumimoji="0" normalizeH="0">
+          <a:defRPr kumimoji="0" sz="1800" b="0" i="0" u="none" strike="noStrike" cap="none" spc="0" normalizeH="0" baseline="0">
             <a:ln>
               <a:noFill/>
             </a:ln>
@@ -10642,8 +11027,7 @@
           <a:buSzTx/>
           <a:buFontTx/>
           <a:buNone/>
-          <a:tabLst/>
-          <a:defRPr b="0" baseline="0" cap="none" i="0" spc="0" strike="noStrike" sz="1800" u="none" kumimoji="0" normalizeH="0">
+          <a:defRPr kumimoji="0" sz="1800" b="0" i="0" u="none" strike="noStrike" cap="none" spc="0" normalizeH="0" baseline="0">
             <a:ln>
               <a:noFill/>
             </a:ln>
@@ -10668,8 +11052,7 @@
           <a:buSzTx/>
           <a:buFontTx/>
           <a:buNone/>
-          <a:tabLst/>
-          <a:defRPr b="0" baseline="0" cap="none" i="0" spc="0" strike="noStrike" sz="1800" u="none" kumimoji="0" normalizeH="0">
+          <a:defRPr kumimoji="0" sz="1800" b="0" i="0" u="none" strike="noStrike" cap="none" spc="0" normalizeH="0" baseline="0">
             <a:ln>
               <a:noFill/>
             </a:ln>
@@ -10694,8 +11077,7 @@
           <a:buSzTx/>
           <a:buFontTx/>
           <a:buNone/>
-          <a:tabLst/>
-          <a:defRPr b="0" baseline="0" cap="none" i="0" spc="0" strike="noStrike" sz="1800" u="none" kumimoji="0" normalizeH="0">
+          <a:defRPr kumimoji="0" sz="1800" b="0" i="0" u="none" strike="noStrike" cap="none" spc="0" normalizeH="0" baseline="0">
             <a:ln>
               <a:noFill/>
             </a:ln>
@@ -10720,8 +11102,7 @@
           <a:buSzTx/>
           <a:buFontTx/>
           <a:buNone/>
-          <a:tabLst/>
-          <a:defRPr b="0" baseline="0" cap="none" i="0" spc="0" strike="noStrike" sz="1800" u="none" kumimoji="0" normalizeH="0">
+          <a:defRPr kumimoji="0" sz="1800" b="0" i="0" u="none" strike="noStrike" cap="none" spc="0" normalizeH="0" baseline="0">
             <a:ln>
               <a:noFill/>
             </a:ln>
@@ -10746,8 +11127,7 @@
           <a:buSzTx/>
           <a:buFontTx/>
           <a:buNone/>
-          <a:tabLst/>
-          <a:defRPr b="0" baseline="0" cap="none" i="0" spc="0" strike="noStrike" sz="1800" u="none" kumimoji="0" normalizeH="0">
+          <a:defRPr kumimoji="0" sz="1800" b="0" i="0" u="none" strike="noStrike" cap="none" spc="0" normalizeH="0" baseline="0">
             <a:ln>
               <a:noFill/>
             </a:ln>
@@ -10772,8 +11152,7 @@
           <a:buSzTx/>
           <a:buFontTx/>
           <a:buNone/>
-          <a:tabLst/>
-          <a:defRPr b="0" baseline="0" cap="none" i="0" spc="0" strike="noStrike" sz="1800" u="none" kumimoji="0" normalizeH="0">
+          <a:defRPr kumimoji="0" sz="1800" b="0" i="0" u="none" strike="noStrike" cap="none" spc="0" normalizeH="0" baseline="0">
             <a:ln>
               <a:noFill/>
             </a:ln>
@@ -10786,9 +11165,15 @@
         </a:lvl9pPr>
       </a:lstStyle>
       <a:style>
-        <a:lnRef idx="0"/>
-        <a:fillRef idx="0"/>
-        <a:effectRef idx="0"/>
+        <a:lnRef idx="0">
+          <a:srgbClr val="FFFFFF"/>
+        </a:lnRef>
+        <a:fillRef idx="0">
+          <a:srgbClr val="FFFFFF"/>
+        </a:fillRef>
+        <a:effectRef idx="0">
+          <a:srgbClr val="FFFFFF"/>
+        </a:effectRef>
         <a:fontRef idx="none"/>
       </a:style>
     </a:lnDef>
@@ -10799,8 +11184,6 @@
           <a:noFill/>
           <a:miter lim="400000"/>
         </a:ln>
-        <a:effectLst/>
-        <a:sp3d/>
       </a:spPr>
       <a:bodyPr rot="0" spcFirstLastPara="1" vertOverflow="overflow" horzOverflow="overflow" vert="horz" wrap="square" lIns="45718" tIns="45718" rIns="45718" bIns="45718" numCol="1" spcCol="38100" rtlCol="0" anchor="t" upright="0">
         <a:spAutoFit/>
@@ -10820,8 +11203,7 @@
           <a:buSzTx/>
           <a:buFontTx/>
           <a:buNone/>
-          <a:tabLst/>
-          <a:defRPr b="0" baseline="0" cap="none" i="0" spc="0" strike="noStrike" sz="1800" u="none" kumimoji="0" normalizeH="0">
+          <a:defRPr kumimoji="0" sz="1800" b="0" i="0" u="none" strike="noStrike" cap="none" spc="0" normalizeH="0" baseline="0">
             <a:ln>
               <a:noFill/>
             </a:ln>
@@ -10833,7 +11215,7 @@
             <a:latin typeface="+mj-lt"/>
             <a:ea typeface="+mj-ea"/>
             <a:cs typeface="+mj-cs"/>
-            <a:sym typeface="等线"/>
+            <a:sym typeface="等线" panose="02010600030101010101" charset="-122"/>
           </a:defRPr>
         </a:defPPr>
         <a:lvl1pPr marL="0" marR="0" indent="0" algn="l" defTabSz="914400" rtl="0" fontAlgn="auto" latinLnBrk="1" hangingPunct="0">
@@ -10850,8 +11232,7 @@
           <a:buSzTx/>
           <a:buFontTx/>
           <a:buNone/>
-          <a:tabLst/>
-          <a:defRPr b="0" baseline="0" cap="none" i="0" spc="0" strike="noStrike" sz="1800" u="none" kumimoji="0" normalizeH="0">
+          <a:defRPr kumimoji="0" sz="1800" b="0" i="0" u="none" strike="noStrike" cap="none" spc="0" normalizeH="0" baseline="0">
             <a:ln>
               <a:noFill/>
             </a:ln>
@@ -10876,8 +11257,7 @@
           <a:buSzTx/>
           <a:buFontTx/>
           <a:buNone/>
-          <a:tabLst/>
-          <a:defRPr b="0" baseline="0" cap="none" i="0" spc="0" strike="noStrike" sz="1800" u="none" kumimoji="0" normalizeH="0">
+          <a:defRPr kumimoji="0" sz="1800" b="0" i="0" u="none" strike="noStrike" cap="none" spc="0" normalizeH="0" baseline="0">
             <a:ln>
               <a:noFill/>
             </a:ln>
@@ -10902,8 +11282,7 @@
           <a:buSzTx/>
           <a:buFontTx/>
           <a:buNone/>
-          <a:tabLst/>
-          <a:defRPr b="0" baseline="0" cap="none" i="0" spc="0" strike="noStrike" sz="1800" u="none" kumimoji="0" normalizeH="0">
+          <a:defRPr kumimoji="0" sz="1800" b="0" i="0" u="none" strike="noStrike" cap="none" spc="0" normalizeH="0" baseline="0">
             <a:ln>
               <a:noFill/>
             </a:ln>
@@ -10928,8 +11307,7 @@
           <a:buSzTx/>
           <a:buFontTx/>
           <a:buNone/>
-          <a:tabLst/>
-          <a:defRPr b="0" baseline="0" cap="none" i="0" spc="0" strike="noStrike" sz="1800" u="none" kumimoji="0" normalizeH="0">
+          <a:defRPr kumimoji="0" sz="1800" b="0" i="0" u="none" strike="noStrike" cap="none" spc="0" normalizeH="0" baseline="0">
             <a:ln>
               <a:noFill/>
             </a:ln>
@@ -10954,8 +11332,7 @@
           <a:buSzTx/>
           <a:buFontTx/>
           <a:buNone/>
-          <a:tabLst/>
-          <a:defRPr b="0" baseline="0" cap="none" i="0" spc="0" strike="noStrike" sz="1800" u="none" kumimoji="0" normalizeH="0">
+          <a:defRPr kumimoji="0" sz="1800" b="0" i="0" u="none" strike="noStrike" cap="none" spc="0" normalizeH="0" baseline="0">
             <a:ln>
               <a:noFill/>
             </a:ln>
@@ -10980,8 +11357,7 @@
           <a:buSzTx/>
           <a:buFontTx/>
           <a:buNone/>
-          <a:tabLst/>
-          <a:defRPr b="0" baseline="0" cap="none" i="0" spc="0" strike="noStrike" sz="1800" u="none" kumimoji="0" normalizeH="0">
+          <a:defRPr kumimoji="0" sz="1800" b="0" i="0" u="none" strike="noStrike" cap="none" spc="0" normalizeH="0" baseline="0">
             <a:ln>
               <a:noFill/>
             </a:ln>
@@ -11006,8 +11382,7 @@
           <a:buSzTx/>
           <a:buFontTx/>
           <a:buNone/>
-          <a:tabLst/>
-          <a:defRPr b="0" baseline="0" cap="none" i="0" spc="0" strike="noStrike" sz="1800" u="none" kumimoji="0" normalizeH="0">
+          <a:defRPr kumimoji="0" sz="1800" b="0" i="0" u="none" strike="noStrike" cap="none" spc="0" normalizeH="0" baseline="0">
             <a:ln>
               <a:noFill/>
             </a:ln>
@@ -11032,8 +11407,7 @@
           <a:buSzTx/>
           <a:buFontTx/>
           <a:buNone/>
-          <a:tabLst/>
-          <a:defRPr b="0" baseline="0" cap="none" i="0" spc="0" strike="noStrike" sz="1800" u="none" kumimoji="0" normalizeH="0">
+          <a:defRPr kumimoji="0" sz="1800" b="0" i="0" u="none" strike="noStrike" cap="none" spc="0" normalizeH="0" baseline="0">
             <a:ln>
               <a:noFill/>
             </a:ln>
@@ -11058,8 +11432,7 @@
           <a:buSzTx/>
           <a:buFontTx/>
           <a:buNone/>
-          <a:tabLst/>
-          <a:defRPr b="0" baseline="0" cap="none" i="0" spc="0" strike="noStrike" sz="1800" u="none" kumimoji="0" normalizeH="0">
+          <a:defRPr kumimoji="0" sz="1800" b="0" i="0" u="none" strike="noStrike" cap="none" spc="0" normalizeH="0" baseline="0">
             <a:ln>
               <a:noFill/>
             </a:ln>
@@ -11072,18 +11445,29 @@
         </a:lvl9pPr>
       </a:lstStyle>
       <a:style>
-        <a:lnRef idx="0"/>
-        <a:fillRef idx="0"/>
-        <a:effectRef idx="0"/>
+        <a:lnRef idx="0">
+          <a:srgbClr val="FFFFFF"/>
+        </a:lnRef>
+        <a:fillRef idx="0">
+          <a:srgbClr val="FFFFFF"/>
+        </a:fillRef>
+        <a:effectRef idx="0">
+          <a:srgbClr val="FFFFFF"/>
+        </a:effectRef>
         <a:fontRef idx="none"/>
       </a:style>
     </a:txDef>
   </a:objectDefaults>
+  <a:extLst>
+    <a:ext uri="{05A4C25C-085E-4340-85A3-A5531E510DB2}">
+      <thm15:themeFamily xmlns:thm15="http://schemas.microsoft.com/office/thememl/2012/main" name="Office Theme" id="{62F939B6-93AF-4DB8-9C6B-D6C7DFDC589F}" vid="{4A3C46E8-61CC-4603-A589-7422A47A8E4A}"/>
+    </a:ext>
+  </a:extLst>
 </a:theme>
 </file>
 
 <file path=ppt/theme/theme2.xml><?xml version="1.0" encoding="utf-8"?>
-<a:theme xmlns:a="http://schemas.openxmlformats.org/drawingml/2006/main" xmlns:r="http://schemas.openxmlformats.org/officeDocument/2006/relationships" name="Office 主题​​">
+<a:theme xmlns:a="http://schemas.openxmlformats.org/drawingml/2006/main" name="Office 主题​​">
   <a:themeElements>
     <a:clrScheme name="Office 主题​​">
       <a:dk1>
@@ -11282,8 +11666,6 @@
           <a:prstDash val="solid"/>
           <a:round/>
         </a:ln>
-        <a:effectLst/>
-        <a:sp3d/>
       </a:spPr>
       <a:bodyPr rot="0" spcFirstLastPara="1" vertOverflow="overflow" horzOverflow="overflow" vert="horz" wrap="square" lIns="45718" tIns="45718" rIns="45718" bIns="45718" numCol="1" spcCol="38100" rtlCol="0" anchor="ctr" upright="0">
         <a:spAutoFit/>
@@ -11303,8 +11685,7 @@
           <a:buSzTx/>
           <a:buFontTx/>
           <a:buNone/>
-          <a:tabLst/>
-          <a:defRPr b="0" baseline="0" cap="none" i="0" spc="0" strike="noStrike" sz="1800" u="none" kumimoji="0" normalizeH="0">
+          <a:defRPr kumimoji="0" sz="1800" b="0" i="0" u="none" strike="noStrike" cap="none" spc="0" normalizeH="0" baseline="0">
             <a:ln>
               <a:noFill/>
             </a:ln>
@@ -11316,7 +11697,7 @@
             <a:latin typeface="+mj-lt"/>
             <a:ea typeface="+mj-ea"/>
             <a:cs typeface="+mj-cs"/>
-            <a:sym typeface="等线"/>
+            <a:sym typeface="等线" panose="02010600030101010101" charset="-122"/>
           </a:defRPr>
         </a:defPPr>
         <a:lvl1pPr marL="0" marR="0" indent="0" algn="l" defTabSz="914400" rtl="0" fontAlgn="auto" latinLnBrk="1" hangingPunct="0">
@@ -11333,8 +11714,7 @@
           <a:buSzTx/>
           <a:buFontTx/>
           <a:buNone/>
-          <a:tabLst/>
-          <a:defRPr b="0" baseline="0" cap="none" i="0" spc="0" strike="noStrike" sz="1800" u="none" kumimoji="0" normalizeH="0">
+          <a:defRPr kumimoji="0" sz="1800" b="0" i="0" u="none" strike="noStrike" cap="none" spc="0" normalizeH="0" baseline="0">
             <a:ln>
               <a:noFill/>
             </a:ln>
@@ -11359,8 +11739,7 @@
           <a:buSzTx/>
           <a:buFontTx/>
           <a:buNone/>
-          <a:tabLst/>
-          <a:defRPr b="0" baseline="0" cap="none" i="0" spc="0" strike="noStrike" sz="1800" u="none" kumimoji="0" normalizeH="0">
+          <a:defRPr kumimoji="0" sz="1800" b="0" i="0" u="none" strike="noStrike" cap="none" spc="0" normalizeH="0" baseline="0">
             <a:ln>
               <a:noFill/>
             </a:ln>
@@ -11385,8 +11764,7 @@
           <a:buSzTx/>
           <a:buFontTx/>
           <a:buNone/>
-          <a:tabLst/>
-          <a:defRPr b="0" baseline="0" cap="none" i="0" spc="0" strike="noStrike" sz="1800" u="none" kumimoji="0" normalizeH="0">
+          <a:defRPr kumimoji="0" sz="1800" b="0" i="0" u="none" strike="noStrike" cap="none" spc="0" normalizeH="0" baseline="0">
             <a:ln>
               <a:noFill/>
             </a:ln>
@@ -11411,8 +11789,7 @@
           <a:buSzTx/>
           <a:buFontTx/>
           <a:buNone/>
-          <a:tabLst/>
-          <a:defRPr b="0" baseline="0" cap="none" i="0" spc="0" strike="noStrike" sz="1800" u="none" kumimoji="0" normalizeH="0">
+          <a:defRPr kumimoji="0" sz="1800" b="0" i="0" u="none" strike="noStrike" cap="none" spc="0" normalizeH="0" baseline="0">
             <a:ln>
               <a:noFill/>
             </a:ln>
@@ -11437,8 +11814,7 @@
           <a:buSzTx/>
           <a:buFontTx/>
           <a:buNone/>
-          <a:tabLst/>
-          <a:defRPr b="0" baseline="0" cap="none" i="0" spc="0" strike="noStrike" sz="1800" u="none" kumimoji="0" normalizeH="0">
+          <a:defRPr kumimoji="0" sz="1800" b="0" i="0" u="none" strike="noStrike" cap="none" spc="0" normalizeH="0" baseline="0">
             <a:ln>
               <a:noFill/>
             </a:ln>
@@ -11463,8 +11839,7 @@
           <a:buSzTx/>
           <a:buFontTx/>
           <a:buNone/>
-          <a:tabLst/>
-          <a:defRPr b="0" baseline="0" cap="none" i="0" spc="0" strike="noStrike" sz="1800" u="none" kumimoji="0" normalizeH="0">
+          <a:defRPr kumimoji="0" sz="1800" b="0" i="0" u="none" strike="noStrike" cap="none" spc="0" normalizeH="0" baseline="0">
             <a:ln>
               <a:noFill/>
             </a:ln>
@@ -11489,8 +11864,7 @@
           <a:buSzTx/>
           <a:buFontTx/>
           <a:buNone/>
-          <a:tabLst/>
-          <a:defRPr b="0" baseline="0" cap="none" i="0" spc="0" strike="noStrike" sz="1800" u="none" kumimoji="0" normalizeH="0">
+          <a:defRPr kumimoji="0" sz="1800" b="0" i="0" u="none" strike="noStrike" cap="none" spc="0" normalizeH="0" baseline="0">
             <a:ln>
               <a:noFill/>
             </a:ln>
@@ -11515,8 +11889,7 @@
           <a:buSzTx/>
           <a:buFontTx/>
           <a:buNone/>
-          <a:tabLst/>
-          <a:defRPr b="0" baseline="0" cap="none" i="0" spc="0" strike="noStrike" sz="1800" u="none" kumimoji="0" normalizeH="0">
+          <a:defRPr kumimoji="0" sz="1800" b="0" i="0" u="none" strike="noStrike" cap="none" spc="0" normalizeH="0" baseline="0">
             <a:ln>
               <a:noFill/>
             </a:ln>
@@ -11541,8 +11914,7 @@
           <a:buSzTx/>
           <a:buFontTx/>
           <a:buNone/>
-          <a:tabLst/>
-          <a:defRPr b="0" baseline="0" cap="none" i="0" spc="0" strike="noStrike" sz="1800" u="none" kumimoji="0" normalizeH="0">
+          <a:defRPr kumimoji="0" sz="1800" b="0" i="0" u="none" strike="noStrike" cap="none" spc="0" normalizeH="0" baseline="0">
             <a:ln>
               <a:noFill/>
             </a:ln>
@@ -11555,9 +11927,15 @@
         </a:lvl9pPr>
       </a:lstStyle>
       <a:style>
-        <a:lnRef idx="0"/>
-        <a:fillRef idx="0"/>
-        <a:effectRef idx="0"/>
+        <a:lnRef idx="0">
+          <a:srgbClr val="FFFFFF"/>
+        </a:lnRef>
+        <a:fillRef idx="0">
+          <a:srgbClr val="FFFFFF"/>
+        </a:fillRef>
+        <a:effectRef idx="0">
+          <a:srgbClr val="FFFFFF"/>
+        </a:effectRef>
         <a:fontRef idx="none"/>
       </a:style>
     </a:spDef>
@@ -11571,8 +11949,6 @@
           <a:prstDash val="solid"/>
           <a:round/>
         </a:ln>
-        <a:effectLst/>
-        <a:sp3d/>
       </a:spPr>
       <a:bodyPr rot="0" spcFirstLastPara="1" vertOverflow="overflow" horzOverflow="overflow" vert="horz" wrap="square" lIns="91439" tIns="45719" rIns="91439" bIns="45719" numCol="1" spcCol="38100" rtlCol="0" anchor="t" upright="0">
         <a:noAutofit/>
@@ -11592,8 +11968,7 @@
           <a:buSzTx/>
           <a:buFontTx/>
           <a:buNone/>
-          <a:tabLst/>
-          <a:defRPr b="0" baseline="0" cap="none" i="0" spc="0" strike="noStrike" sz="1800" u="none" kumimoji="0" normalizeH="0">
+          <a:defRPr kumimoji="0" sz="1800" b="0" i="0" u="none" strike="noStrike" cap="none" spc="0" normalizeH="0" baseline="0">
             <a:ln>
               <a:noFill/>
             </a:ln>
@@ -11618,8 +11993,7 @@
           <a:buSzTx/>
           <a:buFontTx/>
           <a:buNone/>
-          <a:tabLst/>
-          <a:defRPr b="0" baseline="0" cap="none" i="0" spc="0" strike="noStrike" sz="1800" u="none" kumimoji="0" normalizeH="0">
+          <a:defRPr kumimoji="0" sz="1800" b="0" i="0" u="none" strike="noStrike" cap="none" spc="0" normalizeH="0" baseline="0">
             <a:ln>
               <a:noFill/>
             </a:ln>
@@ -11644,8 +12018,7 @@
           <a:buSzTx/>
           <a:buFontTx/>
           <a:buNone/>
-          <a:tabLst/>
-          <a:defRPr b="0" baseline="0" cap="none" i="0" spc="0" strike="noStrike" sz="1800" u="none" kumimoji="0" normalizeH="0">
+          <a:defRPr kumimoji="0" sz="1800" b="0" i="0" u="none" strike="noStrike" cap="none" spc="0" normalizeH="0" baseline="0">
             <a:ln>
               <a:noFill/>
             </a:ln>
@@ -11670,8 +12043,7 @@
           <a:buSzTx/>
           <a:buFontTx/>
           <a:buNone/>
-          <a:tabLst/>
-          <a:defRPr b="0" baseline="0" cap="none" i="0" spc="0" strike="noStrike" sz="1800" u="none" kumimoji="0" normalizeH="0">
+          <a:defRPr kumimoji="0" sz="1800" b="0" i="0" u="none" strike="noStrike" cap="none" spc="0" normalizeH="0" baseline="0">
             <a:ln>
               <a:noFill/>
             </a:ln>
@@ -11696,8 +12068,7 @@
           <a:buSzTx/>
           <a:buFontTx/>
           <a:buNone/>
-          <a:tabLst/>
-          <a:defRPr b="0" baseline="0" cap="none" i="0" spc="0" strike="noStrike" sz="1800" u="none" kumimoji="0" normalizeH="0">
+          <a:defRPr kumimoji="0" sz="1800" b="0" i="0" u="none" strike="noStrike" cap="none" spc="0" normalizeH="0" baseline="0">
             <a:ln>
               <a:noFill/>
             </a:ln>
@@ -11722,8 +12093,7 @@
           <a:buSzTx/>
           <a:buFontTx/>
           <a:buNone/>
-          <a:tabLst/>
-          <a:defRPr b="0" baseline="0" cap="none" i="0" spc="0" strike="noStrike" sz="1800" u="none" kumimoji="0" normalizeH="0">
+          <a:defRPr kumimoji="0" sz="1800" b="0" i="0" u="none" strike="noStrike" cap="none" spc="0" normalizeH="0" baseline="0">
             <a:ln>
               <a:noFill/>
             </a:ln>
@@ -11748,8 +12118,7 @@
           <a:buSzTx/>
           <a:buFontTx/>
           <a:buNone/>
-          <a:tabLst/>
-          <a:defRPr b="0" baseline="0" cap="none" i="0" spc="0" strike="noStrike" sz="1800" u="none" kumimoji="0" normalizeH="0">
+          <a:defRPr kumimoji="0" sz="1800" b="0" i="0" u="none" strike="noStrike" cap="none" spc="0" normalizeH="0" baseline="0">
             <a:ln>
               <a:noFill/>
             </a:ln>
@@ -11774,8 +12143,7 @@
           <a:buSzTx/>
           <a:buFontTx/>
           <a:buNone/>
-          <a:tabLst/>
-          <a:defRPr b="0" baseline="0" cap="none" i="0" spc="0" strike="noStrike" sz="1800" u="none" kumimoji="0" normalizeH="0">
+          <a:defRPr kumimoji="0" sz="1800" b="0" i="0" u="none" strike="noStrike" cap="none" spc="0" normalizeH="0" baseline="0">
             <a:ln>
               <a:noFill/>
             </a:ln>
@@ -11800,8 +12168,7 @@
           <a:buSzTx/>
           <a:buFontTx/>
           <a:buNone/>
-          <a:tabLst/>
-          <a:defRPr b="0" baseline="0" cap="none" i="0" spc="0" strike="noStrike" sz="1800" u="none" kumimoji="0" normalizeH="0">
+          <a:defRPr kumimoji="0" sz="1800" b="0" i="0" u="none" strike="noStrike" cap="none" spc="0" normalizeH="0" baseline="0">
             <a:ln>
               <a:noFill/>
             </a:ln>
@@ -11826,8 +12193,7 @@
           <a:buSzTx/>
           <a:buFontTx/>
           <a:buNone/>
-          <a:tabLst/>
-          <a:defRPr b="0" baseline="0" cap="none" i="0" spc="0" strike="noStrike" sz="1800" u="none" kumimoji="0" normalizeH="0">
+          <a:defRPr kumimoji="0" sz="1800" b="0" i="0" u="none" strike="noStrike" cap="none" spc="0" normalizeH="0" baseline="0">
             <a:ln>
               <a:noFill/>
             </a:ln>
@@ -11840,9 +12206,15 @@
         </a:lvl9pPr>
       </a:lstStyle>
       <a:style>
-        <a:lnRef idx="0"/>
-        <a:fillRef idx="0"/>
-        <a:effectRef idx="0"/>
+        <a:lnRef idx="0">
+          <a:srgbClr val="FFFFFF"/>
+        </a:lnRef>
+        <a:fillRef idx="0">
+          <a:srgbClr val="FFFFFF"/>
+        </a:fillRef>
+        <a:effectRef idx="0">
+          <a:srgbClr val="FFFFFF"/>
+        </a:effectRef>
         <a:fontRef idx="none"/>
       </a:style>
     </a:lnDef>
@@ -11853,8 +12225,6 @@
           <a:noFill/>
           <a:miter lim="400000"/>
         </a:ln>
-        <a:effectLst/>
-        <a:sp3d/>
       </a:spPr>
       <a:bodyPr rot="0" spcFirstLastPara="1" vertOverflow="overflow" horzOverflow="overflow" vert="horz" wrap="square" lIns="45718" tIns="45718" rIns="45718" bIns="45718" numCol="1" spcCol="38100" rtlCol="0" anchor="t" upright="0">
         <a:spAutoFit/>
@@ -11874,8 +12244,7 @@
           <a:buSzTx/>
           <a:buFontTx/>
           <a:buNone/>
-          <a:tabLst/>
-          <a:defRPr b="0" baseline="0" cap="none" i="0" spc="0" strike="noStrike" sz="1800" u="none" kumimoji="0" normalizeH="0">
+          <a:defRPr kumimoji="0" sz="1800" b="0" i="0" u="none" strike="noStrike" cap="none" spc="0" normalizeH="0" baseline="0">
             <a:ln>
               <a:noFill/>
             </a:ln>
@@ -11887,7 +12256,7 @@
             <a:latin typeface="+mj-lt"/>
             <a:ea typeface="+mj-ea"/>
             <a:cs typeface="+mj-cs"/>
-            <a:sym typeface="等线"/>
+            <a:sym typeface="等线" panose="02010600030101010101" charset="-122"/>
           </a:defRPr>
         </a:defPPr>
         <a:lvl1pPr marL="0" marR="0" indent="0" algn="l" defTabSz="914400" rtl="0" fontAlgn="auto" latinLnBrk="1" hangingPunct="0">
@@ -11904,8 +12273,7 @@
           <a:buSzTx/>
           <a:buFontTx/>
           <a:buNone/>
-          <a:tabLst/>
-          <a:defRPr b="0" baseline="0" cap="none" i="0" spc="0" strike="noStrike" sz="1800" u="none" kumimoji="0" normalizeH="0">
+          <a:defRPr kumimoji="0" sz="1800" b="0" i="0" u="none" strike="noStrike" cap="none" spc="0" normalizeH="0" baseline="0">
             <a:ln>
               <a:noFill/>
             </a:ln>
@@ -11930,8 +12298,7 @@
           <a:buSzTx/>
           <a:buFontTx/>
           <a:buNone/>
-          <a:tabLst/>
-          <a:defRPr b="0" baseline="0" cap="none" i="0" spc="0" strike="noStrike" sz="1800" u="none" kumimoji="0" normalizeH="0">
+          <a:defRPr kumimoji="0" sz="1800" b="0" i="0" u="none" strike="noStrike" cap="none" spc="0" normalizeH="0" baseline="0">
             <a:ln>
               <a:noFill/>
             </a:ln>
@@ -11956,8 +12323,7 @@
           <a:buSzTx/>
           <a:buFontTx/>
           <a:buNone/>
-          <a:tabLst/>
-          <a:defRPr b="0" baseline="0" cap="none" i="0" spc="0" strike="noStrike" sz="1800" u="none" kumimoji="0" normalizeH="0">
+          <a:defRPr kumimoji="0" sz="1800" b="0" i="0" u="none" strike="noStrike" cap="none" spc="0" normalizeH="0" baseline="0">
             <a:ln>
               <a:noFill/>
             </a:ln>
@@ -11982,8 +12348,7 @@
           <a:buSzTx/>
           <a:buFontTx/>
           <a:buNone/>
-          <a:tabLst/>
-          <a:defRPr b="0" baseline="0" cap="none" i="0" spc="0" strike="noStrike" sz="1800" u="none" kumimoji="0" normalizeH="0">
+          <a:defRPr kumimoji="0" sz="1800" b="0" i="0" u="none" strike="noStrike" cap="none" spc="0" normalizeH="0" baseline="0">
             <a:ln>
               <a:noFill/>
             </a:ln>
@@ -12008,8 +12373,7 @@
           <a:buSzTx/>
           <a:buFontTx/>
           <a:buNone/>
-          <a:tabLst/>
-          <a:defRPr b="0" baseline="0" cap="none" i="0" spc="0" strike="noStrike" sz="1800" u="none" kumimoji="0" normalizeH="0">
+          <a:defRPr kumimoji="0" sz="1800" b="0" i="0" u="none" strike="noStrike" cap="none" spc="0" normalizeH="0" baseline="0">
             <a:ln>
               <a:noFill/>
             </a:ln>
@@ -12034,8 +12398,7 @@
           <a:buSzTx/>
           <a:buFontTx/>
           <a:buNone/>
-          <a:tabLst/>
-          <a:defRPr b="0" baseline="0" cap="none" i="0" spc="0" strike="noStrike" sz="1800" u="none" kumimoji="0" normalizeH="0">
+          <a:defRPr kumimoji="0" sz="1800" b="0" i="0" u="none" strike="noStrike" cap="none" spc="0" normalizeH="0" baseline="0">
             <a:ln>
               <a:noFill/>
             </a:ln>
@@ -12060,8 +12423,7 @@
           <a:buSzTx/>
           <a:buFontTx/>
           <a:buNone/>
-          <a:tabLst/>
-          <a:defRPr b="0" baseline="0" cap="none" i="0" spc="0" strike="noStrike" sz="1800" u="none" kumimoji="0" normalizeH="0">
+          <a:defRPr kumimoji="0" sz="1800" b="0" i="0" u="none" strike="noStrike" cap="none" spc="0" normalizeH="0" baseline="0">
             <a:ln>
               <a:noFill/>
             </a:ln>
@@ -12086,8 +12448,7 @@
           <a:buSzTx/>
           <a:buFontTx/>
           <a:buNone/>
-          <a:tabLst/>
-          <a:defRPr b="0" baseline="0" cap="none" i="0" spc="0" strike="noStrike" sz="1800" u="none" kumimoji="0" normalizeH="0">
+          <a:defRPr kumimoji="0" sz="1800" b="0" i="0" u="none" strike="noStrike" cap="none" spc="0" normalizeH="0" baseline="0">
             <a:ln>
               <a:noFill/>
             </a:ln>
@@ -12112,8 +12473,7 @@
           <a:buSzTx/>
           <a:buFontTx/>
           <a:buNone/>
-          <a:tabLst/>
-          <a:defRPr b="0" baseline="0" cap="none" i="0" spc="0" strike="noStrike" sz="1800" u="none" kumimoji="0" normalizeH="0">
+          <a:defRPr kumimoji="0" sz="1800" b="0" i="0" u="none" strike="noStrike" cap="none" spc="0" normalizeH="0" baseline="0">
             <a:ln>
               <a:noFill/>
             </a:ln>
@@ -12126,12 +12486,23 @@
         </a:lvl9pPr>
       </a:lstStyle>
       <a:style>
-        <a:lnRef idx="0"/>
-        <a:fillRef idx="0"/>
-        <a:effectRef idx="0"/>
+        <a:lnRef idx="0">
+          <a:srgbClr val="FFFFFF"/>
+        </a:lnRef>
+        <a:fillRef idx="0">
+          <a:srgbClr val="FFFFFF"/>
+        </a:fillRef>
+        <a:effectRef idx="0">
+          <a:srgbClr val="FFFFFF"/>
+        </a:effectRef>
         <a:fontRef idx="none"/>
       </a:style>
     </a:txDef>
   </a:objectDefaults>
+  <a:extLst>
+    <a:ext uri="{05A4C25C-085E-4340-85A3-A5531E510DB2}">
+      <thm15:themeFamily xmlns:thm15="http://schemas.microsoft.com/office/thememl/2012/main" name="Office Theme" id="{62F939B6-93AF-4DB8-9C6B-D6C7DFDC589F}" vid="{4A3C46E8-61CC-4603-A589-7422A47A8E4A}"/>
+    </a:ext>
+  </a:extLst>
 </a:theme>
 </file>
--- a/proposal.pptx
+++ b/proposal.pptx
@@ -7699,6 +7699,205 @@
             <a:r>
               <a:t>New Solution to Protection key limitation</a:t>
             </a:r>
+          </a:p>
+        </p:txBody>
+      </p:sp>
+      <p:sp>
+        <p:nvSpPr>
+          <p:cNvPr id="231" name="内容占位符 2"/>
+          <p:cNvSpPr txBox="1"/>
+          <p:nvPr>
+            <p:ph type="body" idx="1"/>
+          </p:nvPr>
+        </p:nvSpPr>
+        <p:spPr>
+          <a:xfrm>
+            <a:off x="839470" y="1412875"/>
+            <a:ext cx="10515600" cy="5255260"/>
+          </a:xfrm>
+          <a:prstGeom prst="rect">
+            <a:avLst/>
+          </a:prstGeom>
+        </p:spPr>
+        <p:txBody>
+          <a:bodyPr>
+            <a:normAutofit lnSpcReduction="10000"/>
+          </a:bodyPr>
+          <a:p>
+            <a:pPr marL="342900" indent="-342900">
+              <a:defRPr sz="2400">
+                <a:latin typeface="Consolas" panose="020B0609020204030204"/>
+                <a:ea typeface="Consolas" panose="020B0609020204030204"/>
+                <a:cs typeface="Consolas" panose="020B0609020204030204"/>
+                <a:sym typeface="Consolas" panose="020B0609020204030204"/>
+              </a:defRPr>
+            </a:pPr>
+            <a:r>
+              <a:rPr>
+                <a:sym typeface="+mn-ea"/>
+              </a:rPr>
+              <a:t>Protection key limitation</a:t>
+            </a:r>
+            <a:endParaRPr>
+              <a:sym typeface="+mn-ea"/>
+            </a:endParaRPr>
+          </a:p>
+          <a:p>
+            <a:pPr marL="800100" lvl="1" indent="-342900">
+              <a:defRPr sz="2400">
+                <a:latin typeface="Consolas" panose="020B0609020204030204"/>
+                <a:ea typeface="Consolas" panose="020B0609020204030204"/>
+                <a:cs typeface="Consolas" panose="020B0609020204030204"/>
+                <a:sym typeface="Consolas" panose="020B0609020204030204"/>
+              </a:defRPr>
+            </a:pPr>
+            <a:r>
+              <a:rPr>
+                <a:sym typeface="+mn-ea"/>
+              </a:rPr>
+              <a:t>Virtual key -&gt; Hardware key -&gt; page group</a:t>
+            </a:r>
+            <a:endParaRPr>
+              <a:sym typeface="+mn-ea"/>
+            </a:endParaRPr>
+          </a:p>
+          <a:p>
+            <a:pPr marL="800100" lvl="1" indent="-342900">
+              <a:defRPr sz="2400">
+                <a:latin typeface="Consolas" panose="020B0609020204030204"/>
+                <a:ea typeface="Consolas" panose="020B0609020204030204"/>
+                <a:cs typeface="Consolas" panose="020B0609020204030204"/>
+                <a:sym typeface="Consolas" panose="020B0609020204030204"/>
+              </a:defRPr>
+            </a:pPr>
+            <a:r>
+              <a:rPr>
+                <a:sym typeface="+mn-ea"/>
+              </a:rPr>
+              <a:t>Cache-like structure is used to map the virtual key to hardware key</a:t>
+            </a:r>
+            <a:endParaRPr>
+              <a:sym typeface="+mn-ea"/>
+            </a:endParaRPr>
+          </a:p>
+          <a:p>
+            <a:pPr marL="800100" lvl="1" indent="-342900">
+              <a:defRPr sz="2400">
+                <a:latin typeface="Consolas" panose="020B0609020204030204"/>
+                <a:ea typeface="Consolas" panose="020B0609020204030204"/>
+                <a:cs typeface="Consolas" panose="020B0609020204030204"/>
+                <a:sym typeface="Consolas" panose="020B0609020204030204"/>
+              </a:defRPr>
+            </a:pPr>
+            <a:r>
+              <a:rPr>
+                <a:sym typeface="+mn-ea"/>
+              </a:rPr>
+              <a:t>The frequently updated virtual key will mapped to the hardare key, the limitation is hidden by the virtual key</a:t>
+            </a:r>
+            <a:endParaRPr>
+              <a:sym typeface="+mn-ea"/>
+            </a:endParaRPr>
+          </a:p>
+          <a:p>
+            <a:pPr marL="342900" indent="-342900">
+              <a:defRPr sz="2400"/>
+            </a:pPr>
+          </a:p>
+          <a:p>
+            <a:pPr marL="342900" indent="-342900">
+              <a:defRPr sz="2400">
+                <a:latin typeface="Consolas" panose="020B0609020204030204"/>
+                <a:ea typeface="Consolas" panose="020B0609020204030204"/>
+                <a:cs typeface="Consolas" panose="020B0609020204030204"/>
+                <a:sym typeface="Consolas" panose="020B0609020204030204"/>
+              </a:defRPr>
+            </a:pPr>
+            <a:r>
+              <a:rPr>
+                <a:sym typeface="+mn-ea"/>
+              </a:rPr>
+              <a:t>Inter-thread synchronization</a:t>
+            </a:r>
+            <a:endParaRPr>
+              <a:sym typeface="+mn-ea"/>
+            </a:endParaRPr>
+          </a:p>
+          <a:p>
+            <a:pPr marL="800100" lvl="1" indent="-342900">
+              <a:defRPr sz="2400">
+                <a:latin typeface="Consolas" panose="020B0609020204030204"/>
+                <a:ea typeface="Consolas" panose="020B0609020204030204"/>
+                <a:cs typeface="Consolas" panose="020B0609020204030204"/>
+                <a:sym typeface="Consolas" panose="020B0609020204030204"/>
+              </a:defRPr>
+            </a:pPr>
+            <a:r>
+              <a:rPr>
+                <a:sym typeface="+mn-ea"/>
+              </a:rPr>
+              <a:t>calling thread --interrupt (callback is to change the PKRU value)</a:t>
+            </a:r>
+            <a:r>
+              <a:rPr lang="en-US">
+                <a:sym typeface="+mn-ea"/>
+              </a:rPr>
+              <a:t> </a:t>
+            </a:r>
+            <a:r>
+              <a:rPr>
+                <a:sym typeface="+mn-ea"/>
+              </a:rPr>
+              <a:t>-&gt; other threads</a:t>
+            </a:r>
+            <a:endParaRPr>
+              <a:sym typeface="+mn-ea"/>
+            </a:endParaRPr>
+          </a:p>
+          <a:p>
+            <a:pPr marL="800100" lvl="1" indent="-342900">
+              <a:defRPr sz="2400">
+                <a:latin typeface="Consolas" panose="020B0609020204030204"/>
+                <a:ea typeface="Consolas" panose="020B0609020204030204"/>
+                <a:cs typeface="Consolas" panose="020B0609020204030204"/>
+                <a:sym typeface="Consolas" panose="020B0609020204030204"/>
+              </a:defRPr>
+            </a:pPr>
+            <a:r>
+              <a:rPr>
+                <a:sym typeface="+mn-ea"/>
+              </a:rPr>
+              <a:t>other threads are scheduled -&gt; respond to the interrupt </a:t>
+            </a:r>
+            <a:endParaRPr>
+              <a:sym typeface="+mn-ea"/>
+            </a:endParaRPr>
+          </a:p>
+          <a:p>
+            <a:pPr marL="457200" lvl="1" indent="0">
+              <a:buNone/>
+              <a:defRPr sz="2400">
+                <a:latin typeface="Consolas" panose="020B0609020204030204"/>
+                <a:ea typeface="Consolas" panose="020B0609020204030204"/>
+                <a:cs typeface="Consolas" panose="020B0609020204030204"/>
+                <a:sym typeface="Consolas" panose="020B0609020204030204"/>
+              </a:defRPr>
+            </a:pPr>
+            <a:r>
+              <a:rPr>
+                <a:sym typeface="+mn-ea"/>
+              </a:rPr>
+              <a:t>-&gt; synchronize PKRU</a:t>
+            </a:r>
+            <a:endParaRPr>
+              <a:sym typeface="+mn-ea"/>
+            </a:endParaRPr>
+          </a:p>
+          <a:p>
+            <a:pPr marL="0" indent="0">
+              <a:buSzTx/>
+              <a:buNone/>
+            </a:pPr>
           </a:p>
         </p:txBody>
       </p:sp>

--- a/proposal.pptx
+++ b/proposal.pptx
@@ -5,43 +5,43 @@
     <p:sldMasterId id="2147483648" r:id="rId1"/>
   </p:sldMasterIdLst>
   <p:notesMasterIdLst>
-    <p:notesMasterId r:id="rId4"/>
+    <p:notesMasterId r:id="rId31"/>
   </p:notesMasterIdLst>
   <p:sldIdLst>
-    <p:sldId id="256" r:id="rId3"/>
-    <p:sldId id="257" r:id="rId5"/>
-    <p:sldId id="258" r:id="rId6"/>
-    <p:sldId id="259" r:id="rId7"/>
-    <p:sldId id="260" r:id="rId8"/>
-    <p:sldId id="261" r:id="rId9"/>
-    <p:sldId id="262" r:id="rId10"/>
-    <p:sldId id="263" r:id="rId11"/>
-    <p:sldId id="264" r:id="rId12"/>
-    <p:sldId id="265" r:id="rId13"/>
-    <p:sldId id="266" r:id="rId14"/>
-    <p:sldId id="267" r:id="rId15"/>
-    <p:sldId id="268" r:id="rId16"/>
-    <p:sldId id="269" r:id="rId17"/>
-    <p:sldId id="270" r:id="rId18"/>
-    <p:sldId id="271" r:id="rId19"/>
-    <p:sldId id="272" r:id="rId20"/>
-    <p:sldId id="273" r:id="rId21"/>
-    <p:sldId id="274" r:id="rId22"/>
-    <p:sldId id="275" r:id="rId23"/>
-    <p:sldId id="276" r:id="rId24"/>
-    <p:sldId id="282" r:id="rId25"/>
-    <p:sldId id="283" r:id="rId26"/>
-    <p:sldId id="284" r:id="rId27"/>
-    <p:sldId id="277" r:id="rId28"/>
-    <p:sldId id="278" r:id="rId29"/>
-    <p:sldId id="279" r:id="rId30"/>
-    <p:sldId id="280" r:id="rId31"/>
-    <p:sldId id="281" r:id="rId32"/>
+    <p:sldId id="256" r:id="rId2"/>
+    <p:sldId id="257" r:id="rId3"/>
+    <p:sldId id="258" r:id="rId4"/>
+    <p:sldId id="259" r:id="rId5"/>
+    <p:sldId id="260" r:id="rId6"/>
+    <p:sldId id="261" r:id="rId7"/>
+    <p:sldId id="262" r:id="rId8"/>
+    <p:sldId id="263" r:id="rId9"/>
+    <p:sldId id="264" r:id="rId10"/>
+    <p:sldId id="265" r:id="rId11"/>
+    <p:sldId id="266" r:id="rId12"/>
+    <p:sldId id="267" r:id="rId13"/>
+    <p:sldId id="268" r:id="rId14"/>
+    <p:sldId id="269" r:id="rId15"/>
+    <p:sldId id="270" r:id="rId16"/>
+    <p:sldId id="271" r:id="rId17"/>
+    <p:sldId id="272" r:id="rId18"/>
+    <p:sldId id="273" r:id="rId19"/>
+    <p:sldId id="274" r:id="rId20"/>
+    <p:sldId id="275" r:id="rId21"/>
+    <p:sldId id="276" r:id="rId22"/>
+    <p:sldId id="282" r:id="rId23"/>
+    <p:sldId id="283" r:id="rId24"/>
+    <p:sldId id="284" r:id="rId25"/>
+    <p:sldId id="277" r:id="rId26"/>
+    <p:sldId id="278" r:id="rId27"/>
+    <p:sldId id="279" r:id="rId28"/>
+    <p:sldId id="280" r:id="rId29"/>
+    <p:sldId id="281" r:id="rId30"/>
   </p:sldIdLst>
   <p:sldSz cx="12192000" cy="6858000"/>
   <p:notesSz cx="6858000" cy="9144000"/>
   <p:custDataLst>
-    <p:tags r:id="rId36"/>
+    <p:tags r:id="rId32"/>
   </p:custDataLst>
   <p:defaultTextStyle>
     <a:defPPr marL="0" marR="0" indent="0" algn="l" defTabSz="914400" rtl="0" fontAlgn="auto" latinLnBrk="1" hangingPunct="0">
@@ -359,7 +359,9 @@
       <p:sp>
         <p:nvSpPr>
           <p:cNvPr id="152" name="Shape 152"/>
-          <p:cNvSpPr/>
+          <p:cNvSpPr>
+            <a:spLocks noGrp="1" noRot="1" noChangeAspect="1"/>
+          </p:cNvSpPr>
           <p:nvPr>
             <p:ph type="sldImg"/>
           </p:nvPr>
@@ -376,13 +378,17 @@
         <p:txBody>
           <a:bodyPr/>
           <a:lstStyle/>
-          <a:p/>
+          <a:p>
+            <a:endParaRPr/>
+          </a:p>
         </p:txBody>
       </p:sp>
       <p:sp>
         <p:nvSpPr>
           <p:cNvPr id="153" name="Shape 153"/>
-          <p:cNvSpPr/>
+          <p:cNvSpPr>
+            <a:spLocks noGrp="1"/>
+          </p:cNvSpPr>
           <p:nvPr>
             <p:ph type="body" sz="quarter" idx="1"/>
           </p:nvPr>
@@ -399,7 +405,9 @@
         <p:txBody>
           <a:bodyPr/>
           <a:lstStyle/>
-          <a:p/>
+          <a:p>
+            <a:endParaRPr/>
+          </a:p>
         </p:txBody>
       </p:sp>
     </p:spTree>
@@ -502,7 +510,9 @@
       <p:sp>
         <p:nvSpPr>
           <p:cNvPr id="156" name="Shape 156"/>
-          <p:cNvSpPr/>
+          <p:cNvSpPr>
+            <a:spLocks noGrp="1" noRot="1" noChangeAspect="1"/>
+          </p:cNvSpPr>
           <p:nvPr>
             <p:ph type="sldImg"/>
           </p:nvPr>
@@ -515,13 +525,17 @@
         <p:txBody>
           <a:bodyPr/>
           <a:lstStyle/>
-          <a:p/>
+          <a:p>
+            <a:endParaRPr/>
+          </a:p>
         </p:txBody>
       </p:sp>
       <p:sp>
         <p:nvSpPr>
           <p:cNvPr id="157" name="Shape 157"/>
-          <p:cNvSpPr/>
+          <p:cNvSpPr>
+            <a:spLocks noGrp="1"/>
+          </p:cNvSpPr>
           <p:nvPr>
             <p:ph type="body" sz="quarter" idx="1"/>
           </p:nvPr>
@@ -590,7 +604,9 @@
       <p:sp>
         <p:nvSpPr>
           <p:cNvPr id="202" name="Shape 202"/>
-          <p:cNvSpPr/>
+          <p:cNvSpPr>
+            <a:spLocks noGrp="1" noRot="1" noChangeAspect="1"/>
+          </p:cNvSpPr>
           <p:nvPr>
             <p:ph type="sldImg"/>
           </p:nvPr>
@@ -603,13 +619,17 @@
         <p:txBody>
           <a:bodyPr/>
           <a:lstStyle/>
-          <a:p/>
+          <a:p>
+            <a:endParaRPr/>
+          </a:p>
         </p:txBody>
       </p:sp>
       <p:sp>
         <p:nvSpPr>
           <p:cNvPr id="203" name="Shape 203"/>
-          <p:cNvSpPr/>
+          <p:cNvSpPr>
+            <a:spLocks noGrp="1"/>
+          </p:cNvSpPr>
           <p:nvPr>
             <p:ph type="body" sz="quarter" idx="1"/>
           </p:nvPr>
@@ -678,7 +698,9 @@
       <p:sp>
         <p:nvSpPr>
           <p:cNvPr id="207" name="Shape 207"/>
-          <p:cNvSpPr/>
+          <p:cNvSpPr>
+            <a:spLocks noGrp="1" noRot="1" noChangeAspect="1"/>
+          </p:cNvSpPr>
           <p:nvPr>
             <p:ph type="sldImg"/>
           </p:nvPr>
@@ -691,13 +713,17 @@
         <p:txBody>
           <a:bodyPr/>
           <a:lstStyle/>
-          <a:p/>
+          <a:p>
+            <a:endParaRPr/>
+          </a:p>
         </p:txBody>
       </p:sp>
       <p:sp>
         <p:nvSpPr>
           <p:cNvPr id="208" name="Shape 208"/>
-          <p:cNvSpPr/>
+          <p:cNvSpPr>
+            <a:spLocks noGrp="1"/>
+          </p:cNvSpPr>
           <p:nvPr>
             <p:ph type="body" sz="quarter" idx="1"/>
           </p:nvPr>
@@ -766,7 +792,9 @@
       <p:sp>
         <p:nvSpPr>
           <p:cNvPr id="212" name="Shape 212"/>
-          <p:cNvSpPr/>
+          <p:cNvSpPr>
+            <a:spLocks noGrp="1" noRot="1" noChangeAspect="1"/>
+          </p:cNvSpPr>
           <p:nvPr>
             <p:ph type="sldImg"/>
           </p:nvPr>
@@ -779,13 +807,17 @@
         <p:txBody>
           <a:bodyPr/>
           <a:lstStyle/>
-          <a:p/>
+          <a:p>
+            <a:endParaRPr/>
+          </a:p>
         </p:txBody>
       </p:sp>
       <p:sp>
         <p:nvSpPr>
           <p:cNvPr id="213" name="Shape 213"/>
-          <p:cNvSpPr/>
+          <p:cNvSpPr>
+            <a:spLocks noGrp="1"/>
+          </p:cNvSpPr>
           <p:nvPr>
             <p:ph type="body" sz="quarter" idx="1"/>
           </p:nvPr>
@@ -854,7 +886,9 @@
       <p:sp>
         <p:nvSpPr>
           <p:cNvPr id="217" name="Shape 217"/>
-          <p:cNvSpPr/>
+          <p:cNvSpPr>
+            <a:spLocks noGrp="1" noRot="1" noChangeAspect="1"/>
+          </p:cNvSpPr>
           <p:nvPr>
             <p:ph type="sldImg"/>
           </p:nvPr>
@@ -867,13 +901,17 @@
         <p:txBody>
           <a:bodyPr/>
           <a:lstStyle/>
-          <a:p/>
+          <a:p>
+            <a:endParaRPr/>
+          </a:p>
         </p:txBody>
       </p:sp>
       <p:sp>
         <p:nvSpPr>
           <p:cNvPr id="218" name="Shape 218"/>
-          <p:cNvSpPr/>
+          <p:cNvSpPr>
+            <a:spLocks noGrp="1"/>
+          </p:cNvSpPr>
           <p:nvPr>
             <p:ph type="body" sz="quarter" idx="1"/>
           </p:nvPr>
@@ -942,7 +980,9 @@
       <p:sp>
         <p:nvSpPr>
           <p:cNvPr id="221" name="Shape 221"/>
-          <p:cNvSpPr/>
+          <p:cNvSpPr>
+            <a:spLocks noGrp="1" noRot="1" noChangeAspect="1"/>
+          </p:cNvSpPr>
           <p:nvPr>
             <p:ph type="sldImg"/>
           </p:nvPr>
@@ -955,13 +995,17 @@
         <p:txBody>
           <a:bodyPr/>
           <a:lstStyle/>
-          <a:p/>
+          <a:p>
+            <a:endParaRPr/>
+          </a:p>
         </p:txBody>
       </p:sp>
       <p:sp>
         <p:nvSpPr>
           <p:cNvPr id="222" name="Shape 222"/>
-          <p:cNvSpPr/>
+          <p:cNvSpPr>
+            <a:spLocks noGrp="1"/>
+          </p:cNvSpPr>
           <p:nvPr>
             <p:ph type="body" sz="quarter" idx="1"/>
           </p:nvPr>
@@ -1030,12 +1074,18 @@
       <p:sp>
         <p:nvSpPr>
           <p:cNvPr id="227" name="Shape 227"/>
-          <p:cNvSpPr/>
+          <p:cNvSpPr>
+            <a:spLocks noGrp="1" noRot="1" noChangeAspect="1"/>
+          </p:cNvSpPr>
           <p:nvPr>
             <p:ph type="sldImg"/>
           </p:nvPr>
         </p:nvSpPr>
         <p:spPr>
+          <a:xfrm>
+            <a:off x="381000" y="685800"/>
+            <a:ext cx="6096000" cy="3429000"/>
+          </a:xfrm>
           <a:prstGeom prst="rect">
             <a:avLst/>
           </a:prstGeom>
@@ -1043,13 +1093,17 @@
         <p:txBody>
           <a:bodyPr/>
           <a:lstStyle/>
-          <a:p/>
+          <a:p>
+            <a:endParaRPr/>
+          </a:p>
         </p:txBody>
       </p:sp>
       <p:sp>
         <p:nvSpPr>
           <p:cNvPr id="228" name="Shape 228"/>
-          <p:cNvSpPr/>
+          <p:cNvSpPr>
+            <a:spLocks noGrp="1"/>
+          </p:cNvSpPr>
           <p:nvPr>
             <p:ph type="body" sz="quarter" idx="1"/>
           </p:nvPr>
@@ -1118,7 +1172,9 @@
       <p:sp>
         <p:nvSpPr>
           <p:cNvPr id="233" name="Shape 233"/>
-          <p:cNvSpPr/>
+          <p:cNvSpPr>
+            <a:spLocks noGrp="1" noRot="1" noChangeAspect="1"/>
+          </p:cNvSpPr>
           <p:nvPr>
             <p:ph type="sldImg"/>
           </p:nvPr>
@@ -1131,13 +1187,17 @@
         <p:txBody>
           <a:bodyPr/>
           <a:lstStyle/>
-          <a:p/>
+          <a:p>
+            <a:endParaRPr/>
+          </a:p>
         </p:txBody>
       </p:sp>
       <p:sp>
         <p:nvSpPr>
           <p:cNvPr id="234" name="Shape 234"/>
-          <p:cNvSpPr/>
+          <p:cNvSpPr>
+            <a:spLocks noGrp="1"/>
+          </p:cNvSpPr>
           <p:nvPr>
             <p:ph type="body" sz="quarter" idx="1"/>
           </p:nvPr>
@@ -1206,7 +1266,9 @@
       <p:sp>
         <p:nvSpPr>
           <p:cNvPr id="239" name="Shape 239"/>
-          <p:cNvSpPr/>
+          <p:cNvSpPr>
+            <a:spLocks noGrp="1" noRot="1" noChangeAspect="1"/>
+          </p:cNvSpPr>
           <p:nvPr>
             <p:ph type="sldImg"/>
           </p:nvPr>
@@ -1219,13 +1281,17 @@
         <p:txBody>
           <a:bodyPr/>
           <a:lstStyle/>
-          <a:p/>
+          <a:p>
+            <a:endParaRPr/>
+          </a:p>
         </p:txBody>
       </p:sp>
       <p:sp>
         <p:nvSpPr>
           <p:cNvPr id="240" name="Shape 240"/>
-          <p:cNvSpPr/>
+          <p:cNvSpPr>
+            <a:spLocks noGrp="1"/>
+          </p:cNvSpPr>
           <p:nvPr>
             <p:ph type="body" sz="quarter" idx="1"/>
           </p:nvPr>
@@ -1294,7 +1360,9 @@
       <p:sp>
         <p:nvSpPr>
           <p:cNvPr id="243" name="Shape 243"/>
-          <p:cNvSpPr/>
+          <p:cNvSpPr>
+            <a:spLocks noGrp="1" noRot="1" noChangeAspect="1"/>
+          </p:cNvSpPr>
           <p:nvPr>
             <p:ph type="sldImg"/>
           </p:nvPr>
@@ -1307,13 +1375,17 @@
         <p:txBody>
           <a:bodyPr/>
           <a:lstStyle/>
-          <a:p/>
+          <a:p>
+            <a:endParaRPr/>
+          </a:p>
         </p:txBody>
       </p:sp>
       <p:sp>
         <p:nvSpPr>
           <p:cNvPr id="244" name="Shape 244"/>
-          <p:cNvSpPr/>
+          <p:cNvSpPr>
+            <a:spLocks noGrp="1"/>
+          </p:cNvSpPr>
           <p:nvPr>
             <p:ph type="body" sz="quarter" idx="1"/>
           </p:nvPr>
@@ -1382,12 +1454,18 @@
       <p:sp>
         <p:nvSpPr>
           <p:cNvPr id="247" name="Shape 247"/>
-          <p:cNvSpPr/>
+          <p:cNvSpPr>
+            <a:spLocks noGrp="1" noRot="1" noChangeAspect="1"/>
+          </p:cNvSpPr>
           <p:nvPr>
             <p:ph type="sldImg"/>
           </p:nvPr>
         </p:nvSpPr>
         <p:spPr>
+          <a:xfrm>
+            <a:off x="381000" y="685800"/>
+            <a:ext cx="6096000" cy="3429000"/>
+          </a:xfrm>
           <a:prstGeom prst="rect">
             <a:avLst/>
           </a:prstGeom>
@@ -1395,13 +1473,17 @@
         <p:txBody>
           <a:bodyPr/>
           <a:lstStyle/>
-          <a:p/>
+          <a:p>
+            <a:endParaRPr/>
+          </a:p>
         </p:txBody>
       </p:sp>
       <p:sp>
         <p:nvSpPr>
           <p:cNvPr id="248" name="Shape 248"/>
-          <p:cNvSpPr/>
+          <p:cNvSpPr>
+            <a:spLocks noGrp="1"/>
+          </p:cNvSpPr>
           <p:nvPr>
             <p:ph type="body" sz="quarter" idx="1"/>
           </p:nvPr>
@@ -1470,12 +1552,18 @@
       <p:sp>
         <p:nvSpPr>
           <p:cNvPr id="161" name="Shape 161"/>
-          <p:cNvSpPr/>
+          <p:cNvSpPr>
+            <a:spLocks noGrp="1" noRot="1" noChangeAspect="1"/>
+          </p:cNvSpPr>
           <p:nvPr>
             <p:ph type="sldImg"/>
           </p:nvPr>
         </p:nvSpPr>
         <p:spPr>
+          <a:xfrm>
+            <a:off x="381000" y="685800"/>
+            <a:ext cx="6096000" cy="3429000"/>
+          </a:xfrm>
           <a:prstGeom prst="rect">
             <a:avLst/>
           </a:prstGeom>
@@ -1483,13 +1571,17 @@
         <p:txBody>
           <a:bodyPr/>
           <a:lstStyle/>
-          <a:p/>
+          <a:p>
+            <a:endParaRPr/>
+          </a:p>
         </p:txBody>
       </p:sp>
       <p:sp>
         <p:nvSpPr>
           <p:cNvPr id="162" name="Shape 162"/>
-          <p:cNvSpPr/>
+          <p:cNvSpPr>
+            <a:spLocks noGrp="1"/>
+          </p:cNvSpPr>
           <p:nvPr>
             <p:ph type="body" sz="quarter" idx="1"/>
           </p:nvPr>
@@ -1558,7 +1650,9 @@
       <p:sp>
         <p:nvSpPr>
           <p:cNvPr id="252" name="Shape 252"/>
-          <p:cNvSpPr/>
+          <p:cNvSpPr>
+            <a:spLocks noGrp="1" noRot="1" noChangeAspect="1"/>
+          </p:cNvSpPr>
           <p:nvPr>
             <p:ph type="sldImg"/>
           </p:nvPr>
@@ -1571,13 +1665,17 @@
         <p:txBody>
           <a:bodyPr/>
           <a:lstStyle/>
-          <a:p/>
+          <a:p>
+            <a:endParaRPr/>
+          </a:p>
         </p:txBody>
       </p:sp>
       <p:sp>
         <p:nvSpPr>
           <p:cNvPr id="253" name="Shape 253"/>
-          <p:cNvSpPr/>
+          <p:cNvSpPr>
+            <a:spLocks noGrp="1"/>
+          </p:cNvSpPr>
           <p:nvPr>
             <p:ph type="body" sz="quarter" idx="1"/>
           </p:nvPr>
@@ -1646,7 +1744,9 @@
       <p:sp>
         <p:nvSpPr>
           <p:cNvPr id="256" name="Shape 256"/>
-          <p:cNvSpPr/>
+          <p:cNvSpPr>
+            <a:spLocks noGrp="1" noRot="1" noChangeAspect="1"/>
+          </p:cNvSpPr>
           <p:nvPr>
             <p:ph type="sldImg"/>
           </p:nvPr>
@@ -1659,13 +1759,17 @@
         <p:txBody>
           <a:bodyPr/>
           <a:lstStyle/>
-          <a:p/>
+          <a:p>
+            <a:endParaRPr/>
+          </a:p>
         </p:txBody>
       </p:sp>
       <p:sp>
         <p:nvSpPr>
           <p:cNvPr id="257" name="Shape 257"/>
-          <p:cNvSpPr/>
+          <p:cNvSpPr>
+            <a:spLocks noGrp="1"/>
+          </p:cNvSpPr>
           <p:nvPr>
             <p:ph type="body" sz="quarter" idx="1"/>
           </p:nvPr>
@@ -1734,7 +1838,9 @@
       <p:sp>
         <p:nvSpPr>
           <p:cNvPr id="260" name="Shape 260"/>
-          <p:cNvSpPr/>
+          <p:cNvSpPr>
+            <a:spLocks noGrp="1" noRot="1" noChangeAspect="1"/>
+          </p:cNvSpPr>
           <p:nvPr>
             <p:ph type="sldImg"/>
           </p:nvPr>
@@ -1747,13 +1853,17 @@
         <p:txBody>
           <a:bodyPr/>
           <a:lstStyle/>
-          <a:p/>
+          <a:p>
+            <a:endParaRPr/>
+          </a:p>
         </p:txBody>
       </p:sp>
       <p:sp>
         <p:nvSpPr>
           <p:cNvPr id="261" name="Shape 261"/>
-          <p:cNvSpPr/>
+          <p:cNvSpPr>
+            <a:spLocks noGrp="1"/>
+          </p:cNvSpPr>
           <p:nvPr>
             <p:ph type="body" sz="quarter" idx="1"/>
           </p:nvPr>
@@ -1822,7 +1932,9 @@
       <p:sp>
         <p:nvSpPr>
           <p:cNvPr id="265" name="Shape 265"/>
-          <p:cNvSpPr/>
+          <p:cNvSpPr>
+            <a:spLocks noGrp="1" noRot="1" noChangeAspect="1"/>
+          </p:cNvSpPr>
           <p:nvPr>
             <p:ph type="sldImg"/>
           </p:nvPr>
@@ -1835,13 +1947,17 @@
         <p:txBody>
           <a:bodyPr/>
           <a:lstStyle/>
-          <a:p/>
+          <a:p>
+            <a:endParaRPr/>
+          </a:p>
         </p:txBody>
       </p:sp>
       <p:sp>
         <p:nvSpPr>
           <p:cNvPr id="266" name="Shape 266"/>
-          <p:cNvSpPr/>
+          <p:cNvSpPr>
+            <a:spLocks noGrp="1"/>
+          </p:cNvSpPr>
           <p:nvPr>
             <p:ph type="body" sz="quarter" idx="1"/>
           </p:nvPr>
@@ -1910,7 +2026,9 @@
       <p:sp>
         <p:nvSpPr>
           <p:cNvPr id="269" name="Shape 269"/>
-          <p:cNvSpPr/>
+          <p:cNvSpPr>
+            <a:spLocks noGrp="1" noRot="1" noChangeAspect="1"/>
+          </p:cNvSpPr>
           <p:nvPr>
             <p:ph type="sldImg"/>
           </p:nvPr>
@@ -1923,13 +2041,17 @@
         <p:txBody>
           <a:bodyPr/>
           <a:lstStyle/>
-          <a:p/>
+          <a:p>
+            <a:endParaRPr/>
+          </a:p>
         </p:txBody>
       </p:sp>
       <p:sp>
         <p:nvSpPr>
           <p:cNvPr id="270" name="Shape 270"/>
-          <p:cNvSpPr/>
+          <p:cNvSpPr>
+            <a:spLocks noGrp="1"/>
+          </p:cNvSpPr>
           <p:nvPr>
             <p:ph type="body" sz="quarter" idx="1"/>
           </p:nvPr>
@@ -1998,7 +2120,9 @@
       <p:sp>
         <p:nvSpPr>
           <p:cNvPr id="275" name="Shape 275"/>
-          <p:cNvSpPr/>
+          <p:cNvSpPr>
+            <a:spLocks noGrp="1" noRot="1" noChangeAspect="1"/>
+          </p:cNvSpPr>
           <p:nvPr>
             <p:ph type="sldImg"/>
           </p:nvPr>
@@ -2011,13 +2135,17 @@
         <p:txBody>
           <a:bodyPr/>
           <a:lstStyle/>
-          <a:p/>
+          <a:p>
+            <a:endParaRPr/>
+          </a:p>
         </p:txBody>
       </p:sp>
       <p:sp>
         <p:nvSpPr>
           <p:cNvPr id="276" name="Shape 276"/>
-          <p:cNvSpPr/>
+          <p:cNvSpPr>
+            <a:spLocks noGrp="1"/>
+          </p:cNvSpPr>
           <p:nvPr>
             <p:ph type="body" sz="quarter" idx="1"/>
           </p:nvPr>
@@ -2086,7 +2214,9 @@
       <p:sp>
         <p:nvSpPr>
           <p:cNvPr id="282" name="Shape 282"/>
-          <p:cNvSpPr/>
+          <p:cNvSpPr>
+            <a:spLocks noGrp="1" noRot="1" noChangeAspect="1"/>
+          </p:cNvSpPr>
           <p:nvPr>
             <p:ph type="sldImg"/>
           </p:nvPr>
@@ -2099,13 +2229,17 @@
         <p:txBody>
           <a:bodyPr/>
           <a:lstStyle/>
-          <a:p/>
+          <a:p>
+            <a:endParaRPr/>
+          </a:p>
         </p:txBody>
       </p:sp>
       <p:sp>
         <p:nvSpPr>
           <p:cNvPr id="283" name="Shape 283"/>
-          <p:cNvSpPr/>
+          <p:cNvSpPr>
+            <a:spLocks noGrp="1"/>
+          </p:cNvSpPr>
           <p:nvPr>
             <p:ph type="body" sz="quarter" idx="1"/>
           </p:nvPr>
@@ -2174,7 +2308,9 @@
       <p:sp>
         <p:nvSpPr>
           <p:cNvPr id="165" name="Shape 165"/>
-          <p:cNvSpPr/>
+          <p:cNvSpPr>
+            <a:spLocks noGrp="1" noRot="1" noChangeAspect="1"/>
+          </p:cNvSpPr>
           <p:nvPr>
             <p:ph type="sldImg"/>
           </p:nvPr>
@@ -2187,13 +2323,17 @@
         <p:txBody>
           <a:bodyPr/>
           <a:lstStyle/>
-          <a:p/>
+          <a:p>
+            <a:endParaRPr/>
+          </a:p>
         </p:txBody>
       </p:sp>
       <p:sp>
         <p:nvSpPr>
           <p:cNvPr id="166" name="Shape 166"/>
-          <p:cNvSpPr/>
+          <p:cNvSpPr>
+            <a:spLocks noGrp="1"/>
+          </p:cNvSpPr>
           <p:nvPr>
             <p:ph type="body" sz="quarter" idx="1"/>
           </p:nvPr>
@@ -2262,7 +2402,9 @@
       <p:sp>
         <p:nvSpPr>
           <p:cNvPr id="170" name="Shape 170"/>
-          <p:cNvSpPr/>
+          <p:cNvSpPr>
+            <a:spLocks noGrp="1" noRot="1" noChangeAspect="1"/>
+          </p:cNvSpPr>
           <p:nvPr>
             <p:ph type="sldImg"/>
           </p:nvPr>
@@ -2275,13 +2417,17 @@
         <p:txBody>
           <a:bodyPr/>
           <a:lstStyle/>
-          <a:p/>
+          <a:p>
+            <a:endParaRPr/>
+          </a:p>
         </p:txBody>
       </p:sp>
       <p:sp>
         <p:nvSpPr>
           <p:cNvPr id="171" name="Shape 171"/>
-          <p:cNvSpPr/>
+          <p:cNvSpPr>
+            <a:spLocks noGrp="1"/>
+          </p:cNvSpPr>
           <p:nvPr>
             <p:ph type="body" sz="quarter" idx="1"/>
           </p:nvPr>
@@ -2350,7 +2496,9 @@
       <p:sp>
         <p:nvSpPr>
           <p:cNvPr id="175" name="Shape 175"/>
-          <p:cNvSpPr/>
+          <p:cNvSpPr>
+            <a:spLocks noGrp="1" noRot="1" noChangeAspect="1"/>
+          </p:cNvSpPr>
           <p:nvPr>
             <p:ph type="sldImg"/>
           </p:nvPr>
@@ -2363,13 +2511,17 @@
         <p:txBody>
           <a:bodyPr/>
           <a:lstStyle/>
-          <a:p/>
+          <a:p>
+            <a:endParaRPr/>
+          </a:p>
         </p:txBody>
       </p:sp>
       <p:sp>
         <p:nvSpPr>
           <p:cNvPr id="176" name="Shape 176"/>
-          <p:cNvSpPr/>
+          <p:cNvSpPr>
+            <a:spLocks noGrp="1"/>
+          </p:cNvSpPr>
           <p:nvPr>
             <p:ph type="body" sz="quarter" idx="1"/>
           </p:nvPr>
@@ -2438,7 +2590,9 @@
       <p:sp>
         <p:nvSpPr>
           <p:cNvPr id="181" name="Shape 181"/>
-          <p:cNvSpPr/>
+          <p:cNvSpPr>
+            <a:spLocks noGrp="1" noRot="1" noChangeAspect="1"/>
+          </p:cNvSpPr>
           <p:nvPr>
             <p:ph type="sldImg"/>
           </p:nvPr>
@@ -2451,13 +2605,17 @@
         <p:txBody>
           <a:bodyPr/>
           <a:lstStyle/>
-          <a:p/>
+          <a:p>
+            <a:endParaRPr/>
+          </a:p>
         </p:txBody>
       </p:sp>
       <p:sp>
         <p:nvSpPr>
           <p:cNvPr id="182" name="Shape 182"/>
-          <p:cNvSpPr/>
+          <p:cNvSpPr>
+            <a:spLocks noGrp="1"/>
+          </p:cNvSpPr>
           <p:nvPr>
             <p:ph type="body" sz="quarter" idx="1"/>
           </p:nvPr>
@@ -2526,7 +2684,9 @@
       <p:sp>
         <p:nvSpPr>
           <p:cNvPr id="186" name="Shape 186"/>
-          <p:cNvSpPr/>
+          <p:cNvSpPr>
+            <a:spLocks noGrp="1" noRot="1" noChangeAspect="1"/>
+          </p:cNvSpPr>
           <p:nvPr>
             <p:ph type="sldImg"/>
           </p:nvPr>
@@ -2539,13 +2699,17 @@
         <p:txBody>
           <a:bodyPr/>
           <a:lstStyle/>
-          <a:p/>
+          <a:p>
+            <a:endParaRPr/>
+          </a:p>
         </p:txBody>
       </p:sp>
       <p:sp>
         <p:nvSpPr>
           <p:cNvPr id="187" name="Shape 187"/>
-          <p:cNvSpPr/>
+          <p:cNvSpPr>
+            <a:spLocks noGrp="1"/>
+          </p:cNvSpPr>
           <p:nvPr>
             <p:ph type="body" sz="quarter" idx="1"/>
           </p:nvPr>
@@ -2614,7 +2778,9 @@
       <p:sp>
         <p:nvSpPr>
           <p:cNvPr id="192" name="Shape 192"/>
-          <p:cNvSpPr/>
+          <p:cNvSpPr>
+            <a:spLocks noGrp="1" noRot="1" noChangeAspect="1"/>
+          </p:cNvSpPr>
           <p:nvPr>
             <p:ph type="sldImg"/>
           </p:nvPr>
@@ -2627,13 +2793,17 @@
         <p:txBody>
           <a:bodyPr/>
           <a:lstStyle/>
-          <a:p/>
+          <a:p>
+            <a:endParaRPr/>
+          </a:p>
         </p:txBody>
       </p:sp>
       <p:sp>
         <p:nvSpPr>
           <p:cNvPr id="193" name="Shape 193"/>
-          <p:cNvSpPr/>
+          <p:cNvSpPr>
+            <a:spLocks noGrp="1"/>
+          </p:cNvSpPr>
           <p:nvPr>
             <p:ph type="body" sz="quarter" idx="1"/>
           </p:nvPr>
@@ -2702,7 +2872,9 @@
       <p:sp>
         <p:nvSpPr>
           <p:cNvPr id="197" name="Shape 197"/>
-          <p:cNvSpPr/>
+          <p:cNvSpPr>
+            <a:spLocks noGrp="1" noRot="1" noChangeAspect="1"/>
+          </p:cNvSpPr>
           <p:nvPr>
             <p:ph type="sldImg"/>
           </p:nvPr>
@@ -2715,13 +2887,17 @@
         <p:txBody>
           <a:bodyPr/>
           <a:lstStyle/>
-          <a:p/>
+          <a:p>
+            <a:endParaRPr/>
+          </a:p>
         </p:txBody>
       </p:sp>
       <p:sp>
         <p:nvSpPr>
           <p:cNvPr id="198" name="Shape 198"/>
-          <p:cNvSpPr/>
+          <p:cNvSpPr>
+            <a:spLocks noGrp="1"/>
+          </p:cNvSpPr>
           <p:nvPr>
             <p:ph type="body" sz="quarter" idx="1"/>
           </p:nvPr>
@@ -2790,7 +2966,9 @@
       <p:sp>
         <p:nvSpPr>
           <p:cNvPr id="11" name="标题文本"/>
-          <p:cNvSpPr txBox="1"/>
+          <p:cNvSpPr txBox="1">
+            <a:spLocks noGrp="1"/>
+          </p:cNvSpPr>
           <p:nvPr>
             <p:ph type="title" hasCustomPrompt="1"/>
           </p:nvPr>
@@ -2821,7 +2999,9 @@
       <p:sp>
         <p:nvSpPr>
           <p:cNvPr id="12" name="正文级别 1…"/>
-          <p:cNvSpPr txBox="1"/>
+          <p:cNvSpPr txBox="1">
+            <a:spLocks noGrp="1"/>
+          </p:cNvSpPr>
           <p:nvPr>
             <p:ph type="body" sz="quarter" idx="1" hasCustomPrompt="1"/>
           </p:nvPr>
@@ -2903,7 +3083,9 @@
       <p:sp>
         <p:nvSpPr>
           <p:cNvPr id="13" name="幻灯片编号"/>
-          <p:cNvSpPr txBox="1"/>
+          <p:cNvSpPr txBox="1">
+            <a:spLocks noGrp="1"/>
+          </p:cNvSpPr>
           <p:nvPr>
             <p:ph type="sldNum" sz="quarter" idx="2"/>
           </p:nvPr>
@@ -2919,6 +3101,7 @@
           <a:p>
             <a:fld id="{86CB4B4D-7CA3-9044-876B-883B54F8677D}" type="slidenum">
               <a:rPr/>
+              <a:t>‹#›</a:t>
             </a:fld>
             <a:endParaRPr/>
           </a:p>
@@ -2953,7 +3136,9 @@
       <p:sp>
         <p:nvSpPr>
           <p:cNvPr id="92" name="幻灯片编号"/>
-          <p:cNvSpPr txBox="1"/>
+          <p:cNvSpPr txBox="1">
+            <a:spLocks noGrp="1"/>
+          </p:cNvSpPr>
           <p:nvPr>
             <p:ph type="sldNum" sz="quarter" idx="2"/>
           </p:nvPr>
@@ -2973,6 +3158,7 @@
           <a:p>
             <a:fld id="{86CB4B4D-7CA3-9044-876B-883B54F8677D}" type="slidenum">
               <a:rPr/>
+              <a:t>‹#›</a:t>
             </a:fld>
             <a:endParaRPr/>
           </a:p>
@@ -3007,7 +3193,9 @@
       <p:sp>
         <p:nvSpPr>
           <p:cNvPr id="99" name="标题文本"/>
-          <p:cNvSpPr txBox="1"/>
+          <p:cNvSpPr txBox="1">
+            <a:spLocks noGrp="1"/>
+          </p:cNvSpPr>
           <p:nvPr>
             <p:ph type="title" hasCustomPrompt="1"/>
           </p:nvPr>
@@ -3050,7 +3238,9 @@
       <p:sp>
         <p:nvSpPr>
           <p:cNvPr id="100" name="正文级别 1…"/>
-          <p:cNvSpPr txBox="1"/>
+          <p:cNvSpPr txBox="1">
+            <a:spLocks noGrp="1"/>
+          </p:cNvSpPr>
           <p:nvPr>
             <p:ph type="body" idx="1" hasCustomPrompt="1"/>
           </p:nvPr>
@@ -3157,7 +3347,9 @@
       <p:sp>
         <p:nvSpPr>
           <p:cNvPr id="101" name="幻灯片编号"/>
-          <p:cNvSpPr txBox="1"/>
+          <p:cNvSpPr txBox="1">
+            <a:spLocks noGrp="1"/>
+          </p:cNvSpPr>
           <p:nvPr>
             <p:ph type="sldNum" sz="quarter" idx="2"/>
           </p:nvPr>
@@ -3188,6 +3380,7 @@
           <a:p>
             <a:fld id="{86CB4B4D-7CA3-9044-876B-883B54F8677D}" type="slidenum">
               <a:rPr/>
+              <a:t>‹#›</a:t>
             </a:fld>
             <a:endParaRPr/>
           </a:p>
@@ -3222,7 +3415,9 @@
       <p:sp>
         <p:nvSpPr>
           <p:cNvPr id="108" name="标题文本"/>
-          <p:cNvSpPr txBox="1"/>
+          <p:cNvSpPr txBox="1">
+            <a:spLocks noGrp="1"/>
+          </p:cNvSpPr>
           <p:nvPr>
             <p:ph type="title" hasCustomPrompt="1"/>
           </p:nvPr>
@@ -3254,7 +3449,9 @@
       <p:sp>
         <p:nvSpPr>
           <p:cNvPr id="109" name="正文级别 1…"/>
-          <p:cNvSpPr txBox="1"/>
+          <p:cNvSpPr txBox="1">
+            <a:spLocks noGrp="1"/>
+          </p:cNvSpPr>
           <p:nvPr>
             <p:ph type="body" idx="1" hasCustomPrompt="1"/>
           </p:nvPr>
@@ -3342,7 +3539,9 @@
       <p:sp>
         <p:nvSpPr>
           <p:cNvPr id="110" name="幻灯片编号"/>
-          <p:cNvSpPr txBox="1"/>
+          <p:cNvSpPr txBox="1">
+            <a:spLocks noGrp="1"/>
+          </p:cNvSpPr>
           <p:nvPr>
             <p:ph type="sldNum" sz="quarter" idx="2"/>
           </p:nvPr>
@@ -3371,6 +3570,7 @@
           <a:p>
             <a:fld id="{86CB4B4D-7CA3-9044-876B-883B54F8677D}" type="slidenum">
               <a:rPr/>
+              <a:t>‹#›</a:t>
             </a:fld>
             <a:endParaRPr/>
           </a:p>
@@ -3405,7 +3605,9 @@
       <p:sp>
         <p:nvSpPr>
           <p:cNvPr id="117" name="标题文本"/>
-          <p:cNvSpPr txBox="1"/>
+          <p:cNvSpPr txBox="1">
+            <a:spLocks noGrp="1"/>
+          </p:cNvSpPr>
           <p:nvPr>
             <p:ph type="title" hasCustomPrompt="1"/>
           </p:nvPr>
@@ -3437,7 +3639,9 @@
       <p:sp>
         <p:nvSpPr>
           <p:cNvPr id="118" name="正文级别 1…"/>
-          <p:cNvSpPr txBox="1"/>
+          <p:cNvSpPr txBox="1">
+            <a:spLocks noGrp="1"/>
+          </p:cNvSpPr>
           <p:nvPr>
             <p:ph type="body" idx="1" hasCustomPrompt="1"/>
           </p:nvPr>
@@ -3525,7 +3729,9 @@
       <p:sp>
         <p:nvSpPr>
           <p:cNvPr id="119" name="幻灯片编号"/>
-          <p:cNvSpPr txBox="1"/>
+          <p:cNvSpPr txBox="1">
+            <a:spLocks noGrp="1"/>
+          </p:cNvSpPr>
           <p:nvPr>
             <p:ph type="sldNum" sz="quarter" idx="2"/>
           </p:nvPr>
@@ -3554,6 +3760,7 @@
           <a:p>
             <a:fld id="{86CB4B4D-7CA3-9044-876B-883B54F8677D}" type="slidenum">
               <a:rPr/>
+              <a:t>‹#›</a:t>
             </a:fld>
             <a:endParaRPr/>
           </a:p>
@@ -3588,7 +3795,9 @@
       <p:sp>
         <p:nvSpPr>
           <p:cNvPr id="126" name="标题文本"/>
-          <p:cNvSpPr txBox="1"/>
+          <p:cNvSpPr txBox="1">
+            <a:spLocks noGrp="1"/>
+          </p:cNvSpPr>
           <p:nvPr>
             <p:ph type="title" hasCustomPrompt="1"/>
           </p:nvPr>
@@ -3624,7 +3833,9 @@
       <p:sp>
         <p:nvSpPr>
           <p:cNvPr id="127" name="正文级别 1…"/>
-          <p:cNvSpPr txBox="1"/>
+          <p:cNvSpPr txBox="1">
+            <a:spLocks noGrp="1"/>
+          </p:cNvSpPr>
           <p:nvPr>
             <p:ph type="body" sz="quarter" idx="1" hasCustomPrompt="1"/>
           </p:nvPr>
@@ -3731,7 +3942,9 @@
       <p:sp>
         <p:nvSpPr>
           <p:cNvPr id="128" name="幻灯片编号"/>
-          <p:cNvSpPr txBox="1"/>
+          <p:cNvSpPr txBox="1">
+            <a:spLocks noGrp="1"/>
+          </p:cNvSpPr>
           <p:nvPr>
             <p:ph type="sldNum" sz="quarter" idx="2"/>
           </p:nvPr>
@@ -3760,6 +3973,7 @@
           <a:p>
             <a:fld id="{86CB4B4D-7CA3-9044-876B-883B54F8677D}" type="slidenum">
               <a:rPr/>
+              <a:t>‹#›</a:t>
             </a:fld>
             <a:endParaRPr/>
           </a:p>
@@ -3794,7 +4008,9 @@
       <p:sp>
         <p:nvSpPr>
           <p:cNvPr id="135" name="标题文本"/>
-          <p:cNvSpPr txBox="1"/>
+          <p:cNvSpPr txBox="1">
+            <a:spLocks noGrp="1"/>
+          </p:cNvSpPr>
           <p:nvPr>
             <p:ph type="title" hasCustomPrompt="1"/>
           </p:nvPr>
@@ -3826,7 +4042,9 @@
       <p:sp>
         <p:nvSpPr>
           <p:cNvPr id="136" name="正文级别 1…"/>
-          <p:cNvSpPr txBox="1"/>
+          <p:cNvSpPr txBox="1">
+            <a:spLocks noGrp="1"/>
+          </p:cNvSpPr>
           <p:nvPr>
             <p:ph type="body" idx="1" hasCustomPrompt="1"/>
           </p:nvPr>
@@ -3914,7 +4132,9 @@
       <p:sp>
         <p:nvSpPr>
           <p:cNvPr id="137" name="幻灯片编号"/>
-          <p:cNvSpPr txBox="1"/>
+          <p:cNvSpPr txBox="1">
+            <a:spLocks noGrp="1"/>
+          </p:cNvSpPr>
           <p:nvPr>
             <p:ph type="sldNum" sz="quarter" idx="2"/>
           </p:nvPr>
@@ -3943,6 +4163,7 @@
           <a:p>
             <a:fld id="{86CB4B4D-7CA3-9044-876B-883B54F8677D}" type="slidenum">
               <a:rPr/>
+              <a:t>‹#›</a:t>
             </a:fld>
             <a:endParaRPr/>
           </a:p>
@@ -3977,7 +4198,9 @@
       <p:sp>
         <p:nvSpPr>
           <p:cNvPr id="144" name="标题文本"/>
-          <p:cNvSpPr txBox="1"/>
+          <p:cNvSpPr txBox="1">
+            <a:spLocks noGrp="1"/>
+          </p:cNvSpPr>
           <p:nvPr>
             <p:ph type="title" hasCustomPrompt="1"/>
           </p:nvPr>
@@ -4009,7 +4232,9 @@
       <p:sp>
         <p:nvSpPr>
           <p:cNvPr id="145" name="正文级别 1…"/>
-          <p:cNvSpPr txBox="1"/>
+          <p:cNvSpPr txBox="1">
+            <a:spLocks noGrp="1"/>
+          </p:cNvSpPr>
           <p:nvPr>
             <p:ph type="body" idx="1" hasCustomPrompt="1"/>
           </p:nvPr>
@@ -4097,7 +4322,9 @@
       <p:sp>
         <p:nvSpPr>
           <p:cNvPr id="146" name="幻灯片编号"/>
-          <p:cNvSpPr txBox="1"/>
+          <p:cNvSpPr txBox="1">
+            <a:spLocks noGrp="1"/>
+          </p:cNvSpPr>
           <p:nvPr>
             <p:ph type="sldNum" sz="quarter" idx="2"/>
           </p:nvPr>
@@ -4126,6 +4353,7 @@
           <a:p>
             <a:fld id="{86CB4B4D-7CA3-9044-876B-883B54F8677D}" type="slidenum">
               <a:rPr/>
+              <a:t>‹#›</a:t>
             </a:fld>
             <a:endParaRPr/>
           </a:p>
@@ -4160,7 +4388,9 @@
       <p:sp>
         <p:nvSpPr>
           <p:cNvPr id="20" name="标题文本"/>
-          <p:cNvSpPr txBox="1"/>
+          <p:cNvSpPr txBox="1">
+            <a:spLocks noGrp="1"/>
+          </p:cNvSpPr>
           <p:nvPr>
             <p:ph type="title" hasCustomPrompt="1"/>
           </p:nvPr>
@@ -4183,7 +4413,9 @@
       <p:sp>
         <p:nvSpPr>
           <p:cNvPr id="21" name="正文级别 1…"/>
-          <p:cNvSpPr txBox="1"/>
+          <p:cNvSpPr txBox="1">
+            <a:spLocks noGrp="1"/>
+          </p:cNvSpPr>
           <p:nvPr>
             <p:ph type="body" idx="1" hasCustomPrompt="1"/>
           </p:nvPr>
@@ -4230,7 +4462,9 @@
       <p:sp>
         <p:nvSpPr>
           <p:cNvPr id="22" name="幻灯片编号"/>
-          <p:cNvSpPr txBox="1"/>
+          <p:cNvSpPr txBox="1">
+            <a:spLocks noGrp="1"/>
+          </p:cNvSpPr>
           <p:nvPr>
             <p:ph type="sldNum" sz="quarter" idx="2"/>
           </p:nvPr>
@@ -4246,6 +4480,7 @@
           <a:p>
             <a:fld id="{86CB4B4D-7CA3-9044-876B-883B54F8677D}" type="slidenum">
               <a:rPr/>
+              <a:t>‹#›</a:t>
             </a:fld>
             <a:endParaRPr/>
           </a:p>
@@ -4280,7 +4515,9 @@
       <p:sp>
         <p:nvSpPr>
           <p:cNvPr id="29" name="标题文本"/>
-          <p:cNvSpPr txBox="1"/>
+          <p:cNvSpPr txBox="1">
+            <a:spLocks noGrp="1"/>
+          </p:cNvSpPr>
           <p:nvPr>
             <p:ph type="title" hasCustomPrompt="1"/>
           </p:nvPr>
@@ -4311,7 +4548,9 @@
       <p:sp>
         <p:nvSpPr>
           <p:cNvPr id="30" name="正文级别 1…"/>
-          <p:cNvSpPr txBox="1"/>
+          <p:cNvSpPr txBox="1">
+            <a:spLocks noGrp="1"/>
+          </p:cNvSpPr>
           <p:nvPr>
             <p:ph type="body" sz="quarter" idx="1" hasCustomPrompt="1"/>
           </p:nvPr>
@@ -4413,7 +4652,9 @@
       <p:sp>
         <p:nvSpPr>
           <p:cNvPr id="31" name="幻灯片编号"/>
-          <p:cNvSpPr txBox="1"/>
+          <p:cNvSpPr txBox="1">
+            <a:spLocks noGrp="1"/>
+          </p:cNvSpPr>
           <p:nvPr>
             <p:ph type="sldNum" sz="quarter" idx="2"/>
           </p:nvPr>
@@ -4429,6 +4670,7 @@
           <a:p>
             <a:fld id="{86CB4B4D-7CA3-9044-876B-883B54F8677D}" type="slidenum">
               <a:rPr/>
+              <a:t>‹#›</a:t>
             </a:fld>
             <a:endParaRPr/>
           </a:p>
@@ -4463,7 +4705,9 @@
       <p:sp>
         <p:nvSpPr>
           <p:cNvPr id="38" name="标题文本"/>
-          <p:cNvSpPr txBox="1"/>
+          <p:cNvSpPr txBox="1">
+            <a:spLocks noGrp="1"/>
+          </p:cNvSpPr>
           <p:nvPr>
             <p:ph type="title" hasCustomPrompt="1"/>
           </p:nvPr>
@@ -4486,7 +4730,9 @@
       <p:sp>
         <p:nvSpPr>
           <p:cNvPr id="39" name="正文级别 1…"/>
-          <p:cNvSpPr txBox="1"/>
+          <p:cNvSpPr txBox="1">
+            <a:spLocks noGrp="1"/>
+          </p:cNvSpPr>
           <p:nvPr>
             <p:ph type="body" sz="half" idx="1" hasCustomPrompt="1"/>
           </p:nvPr>
@@ -4537,7 +4783,9 @@
       <p:sp>
         <p:nvSpPr>
           <p:cNvPr id="40" name="幻灯片编号"/>
-          <p:cNvSpPr txBox="1"/>
+          <p:cNvSpPr txBox="1">
+            <a:spLocks noGrp="1"/>
+          </p:cNvSpPr>
           <p:nvPr>
             <p:ph type="sldNum" sz="quarter" idx="2"/>
           </p:nvPr>
@@ -4553,6 +4801,7 @@
           <a:p>
             <a:fld id="{86CB4B4D-7CA3-9044-876B-883B54F8677D}" type="slidenum">
               <a:rPr/>
+              <a:t>‹#›</a:t>
             </a:fld>
             <a:endParaRPr/>
           </a:p>
@@ -4587,7 +4836,9 @@
       <p:sp>
         <p:nvSpPr>
           <p:cNvPr id="47" name="标题文本"/>
-          <p:cNvSpPr txBox="1"/>
+          <p:cNvSpPr txBox="1">
+            <a:spLocks noGrp="1"/>
+          </p:cNvSpPr>
           <p:nvPr>
             <p:ph type="title" hasCustomPrompt="1"/>
           </p:nvPr>
@@ -4614,7 +4865,9 @@
       <p:sp>
         <p:nvSpPr>
           <p:cNvPr id="48" name="正文级别 1…"/>
-          <p:cNvSpPr txBox="1"/>
+          <p:cNvSpPr txBox="1">
+            <a:spLocks noGrp="1"/>
+          </p:cNvSpPr>
           <p:nvPr>
             <p:ph type="body" sz="quarter" idx="1" hasCustomPrompt="1"/>
           </p:nvPr>
@@ -4696,7 +4949,9 @@
       <p:sp>
         <p:nvSpPr>
           <p:cNvPr id="49" name="文本占位符 4"/>
-          <p:cNvSpPr/>
+          <p:cNvSpPr>
+            <a:spLocks noGrp="1"/>
+          </p:cNvSpPr>
           <p:nvPr>
             <p:ph type="body" sz="quarter" idx="21"/>
           </p:nvPr>
@@ -4713,13 +4968,17 @@
         <p:txBody>
           <a:bodyPr anchor="b"/>
           <a:lstStyle/>
-          <a:p/>
+          <a:p>
+            <a:endParaRPr/>
+          </a:p>
         </p:txBody>
       </p:sp>
       <p:sp>
         <p:nvSpPr>
           <p:cNvPr id="50" name="幻灯片编号"/>
-          <p:cNvSpPr txBox="1"/>
+          <p:cNvSpPr txBox="1">
+            <a:spLocks noGrp="1"/>
+          </p:cNvSpPr>
           <p:nvPr>
             <p:ph type="sldNum" sz="quarter" idx="2"/>
           </p:nvPr>
@@ -4735,6 +4994,7 @@
           <a:p>
             <a:fld id="{86CB4B4D-7CA3-9044-876B-883B54F8677D}" type="slidenum">
               <a:rPr/>
+              <a:t>‹#›</a:t>
             </a:fld>
             <a:endParaRPr/>
           </a:p>
@@ -4769,7 +5029,9 @@
       <p:sp>
         <p:nvSpPr>
           <p:cNvPr id="57" name="标题文本"/>
-          <p:cNvSpPr txBox="1"/>
+          <p:cNvSpPr txBox="1">
+            <a:spLocks noGrp="1"/>
+          </p:cNvSpPr>
           <p:nvPr>
             <p:ph type="title" hasCustomPrompt="1"/>
           </p:nvPr>
@@ -4792,7 +5054,9 @@
       <p:sp>
         <p:nvSpPr>
           <p:cNvPr id="58" name="幻灯片编号"/>
-          <p:cNvSpPr txBox="1"/>
+          <p:cNvSpPr txBox="1">
+            <a:spLocks noGrp="1"/>
+          </p:cNvSpPr>
           <p:nvPr>
             <p:ph type="sldNum" sz="quarter" idx="2"/>
           </p:nvPr>
@@ -4808,6 +5072,7 @@
           <a:p>
             <a:fld id="{86CB4B4D-7CA3-9044-876B-883B54F8677D}" type="slidenum">
               <a:rPr/>
+              <a:t>‹#›</a:t>
             </a:fld>
             <a:endParaRPr/>
           </a:p>
@@ -4842,7 +5107,9 @@
       <p:sp>
         <p:nvSpPr>
           <p:cNvPr id="65" name="幻灯片编号"/>
-          <p:cNvSpPr txBox="1"/>
+          <p:cNvSpPr txBox="1">
+            <a:spLocks noGrp="1"/>
+          </p:cNvSpPr>
           <p:nvPr>
             <p:ph type="sldNum" sz="quarter" idx="2"/>
           </p:nvPr>
@@ -4858,6 +5125,7 @@
           <a:p>
             <a:fld id="{86CB4B4D-7CA3-9044-876B-883B54F8677D}" type="slidenum">
               <a:rPr/>
+              <a:t>‹#›</a:t>
             </a:fld>
             <a:endParaRPr/>
           </a:p>
@@ -4892,7 +5160,9 @@
       <p:sp>
         <p:nvSpPr>
           <p:cNvPr id="72" name="标题文本"/>
-          <p:cNvSpPr txBox="1"/>
+          <p:cNvSpPr txBox="1">
+            <a:spLocks noGrp="1"/>
+          </p:cNvSpPr>
           <p:nvPr>
             <p:ph type="title" hasCustomPrompt="1"/>
           </p:nvPr>
@@ -4923,7 +5193,9 @@
       <p:sp>
         <p:nvSpPr>
           <p:cNvPr id="73" name="正文级别 1…"/>
-          <p:cNvSpPr txBox="1"/>
+          <p:cNvSpPr txBox="1">
+            <a:spLocks noGrp="1"/>
+          </p:cNvSpPr>
           <p:nvPr>
             <p:ph type="body" sz="half" idx="1" hasCustomPrompt="1"/>
           </p:nvPr>
@@ -4990,7 +5262,9 @@
       <p:sp>
         <p:nvSpPr>
           <p:cNvPr id="74" name="文本占位符 3"/>
-          <p:cNvSpPr/>
+          <p:cNvSpPr>
+            <a:spLocks noGrp="1"/>
+          </p:cNvSpPr>
           <p:nvPr>
             <p:ph type="body" sz="quarter" idx="21"/>
           </p:nvPr>
@@ -5007,13 +5281,17 @@
         <p:txBody>
           <a:bodyPr/>
           <a:lstStyle/>
-          <a:p/>
+          <a:p>
+            <a:endParaRPr/>
+          </a:p>
         </p:txBody>
       </p:sp>
       <p:sp>
         <p:nvSpPr>
           <p:cNvPr id="75" name="幻灯片编号"/>
-          <p:cNvSpPr txBox="1"/>
+          <p:cNvSpPr txBox="1">
+            <a:spLocks noGrp="1"/>
+          </p:cNvSpPr>
           <p:nvPr>
             <p:ph type="sldNum" sz="quarter" idx="2"/>
           </p:nvPr>
@@ -5029,6 +5307,7 @@
           <a:p>
             <a:fld id="{86CB4B4D-7CA3-9044-876B-883B54F8677D}" type="slidenum">
               <a:rPr/>
+              <a:t>‹#›</a:t>
             </a:fld>
             <a:endParaRPr/>
           </a:p>
@@ -5063,7 +5342,9 @@
       <p:sp>
         <p:nvSpPr>
           <p:cNvPr id="82" name="标题文本"/>
-          <p:cNvSpPr txBox="1"/>
+          <p:cNvSpPr txBox="1">
+            <a:spLocks noGrp="1"/>
+          </p:cNvSpPr>
           <p:nvPr>
             <p:ph type="title" hasCustomPrompt="1"/>
           </p:nvPr>
@@ -5094,7 +5375,9 @@
       <p:sp>
         <p:nvSpPr>
           <p:cNvPr id="83" name="图片占位符 2"/>
-          <p:cNvSpPr/>
+          <p:cNvSpPr>
+            <a:spLocks noGrp="1"/>
+          </p:cNvSpPr>
           <p:nvPr>
             <p:ph type="pic" sz="half" idx="21"/>
           </p:nvPr>
@@ -5113,13 +5396,17 @@
             <a:noAutofit/>
           </a:bodyPr>
           <a:lstStyle/>
-          <a:p/>
+          <a:p>
+            <a:endParaRPr/>
+          </a:p>
         </p:txBody>
       </p:sp>
       <p:sp>
         <p:nvSpPr>
           <p:cNvPr id="84" name="正文级别 1…"/>
-          <p:cNvSpPr txBox="1"/>
+          <p:cNvSpPr txBox="1">
+            <a:spLocks noGrp="1"/>
+          </p:cNvSpPr>
           <p:nvPr>
             <p:ph type="body" sz="quarter" idx="1" hasCustomPrompt="1"/>
           </p:nvPr>
@@ -5201,7 +5488,9 @@
       <p:sp>
         <p:nvSpPr>
           <p:cNvPr id="85" name="幻灯片编号"/>
-          <p:cNvSpPr txBox="1"/>
+          <p:cNvSpPr txBox="1">
+            <a:spLocks noGrp="1"/>
+          </p:cNvSpPr>
           <p:nvPr>
             <p:ph type="sldNum" sz="quarter" idx="2"/>
           </p:nvPr>
@@ -5217,6 +5506,7 @@
           <a:p>
             <a:fld id="{86CB4B4D-7CA3-9044-876B-883B54F8677D}" type="slidenum">
               <a:rPr/>
+              <a:t>‹#›</a:t>
             </a:fld>
             <a:endParaRPr/>
           </a:p>
@@ -5259,7 +5549,9 @@
       <p:sp>
         <p:nvSpPr>
           <p:cNvPr id="2" name="标题文本"/>
-          <p:cNvSpPr txBox="1"/>
+          <p:cNvSpPr txBox="1">
+            <a:spLocks noGrp="1"/>
+          </p:cNvSpPr>
           <p:nvPr>
             <p:ph type="title"/>
           </p:nvPr>
@@ -5291,7 +5583,9 @@
       <p:sp>
         <p:nvSpPr>
           <p:cNvPr id="3" name="正文级别 1…"/>
-          <p:cNvSpPr txBox="1"/>
+          <p:cNvSpPr txBox="1">
+            <a:spLocks noGrp="1"/>
+          </p:cNvSpPr>
           <p:nvPr>
             <p:ph type="body" idx="1"/>
           </p:nvPr>
@@ -5347,7 +5641,9 @@
       <p:sp>
         <p:nvSpPr>
           <p:cNvPr id="4" name="幻灯片编号"/>
-          <p:cNvSpPr txBox="1"/>
+          <p:cNvSpPr txBox="1">
+            <a:spLocks noGrp="1"/>
+          </p:cNvSpPr>
           <p:nvPr>
             <p:ph type="sldNum" sz="quarter" idx="2"/>
           </p:nvPr>
@@ -5380,6 +5676,7 @@
           <a:p>
             <a:fld id="{86CB4B4D-7CA3-9044-876B-883B54F8677D}" type="slidenum">
               <a:rPr/>
+              <a:t>‹#›</a:t>
             </a:fld>
             <a:endParaRPr/>
           </a:p>
@@ -6113,7 +6410,9 @@
       <p:sp>
         <p:nvSpPr>
           <p:cNvPr id="155" name="标题 1"/>
-          <p:cNvSpPr txBox="1"/>
+          <p:cNvSpPr txBox="1">
+            <a:spLocks noGrp="1"/>
+          </p:cNvSpPr>
           <p:nvPr>
             <p:ph type="title"/>
           </p:nvPr>
@@ -6170,7 +6469,9 @@
       <p:sp>
         <p:nvSpPr>
           <p:cNvPr id="200" name="标题 1"/>
-          <p:cNvSpPr txBox="1"/>
+          <p:cNvSpPr txBox="1">
+            <a:spLocks noGrp="1"/>
+          </p:cNvSpPr>
           <p:nvPr>
             <p:ph type="title"/>
           </p:nvPr>
@@ -6197,7 +6498,9 @@
       <p:sp>
         <p:nvSpPr>
           <p:cNvPr id="201" name="内容占位符 2"/>
-          <p:cNvSpPr txBox="1"/>
+          <p:cNvSpPr txBox="1">
+            <a:spLocks noGrp="1"/>
+          </p:cNvSpPr>
           <p:nvPr>
             <p:ph type="body" idx="1"/>
           </p:nvPr>
@@ -6219,11 +6522,13 @@
               <a:buSzTx/>
               <a:buNone/>
             </a:pPr>
+            <a:endParaRPr/>
           </a:p>
           <a:p>
             <a:pPr marL="342900" indent="-342900">
               <a:defRPr sz="2400"/>
             </a:pPr>
+            <a:endParaRPr/>
           </a:p>
           <a:p>
             <a:pPr marL="342900" indent="-342900">
@@ -6261,6 +6566,12 @@
                 <a:sym typeface="Consolas" panose="020B0609020204030204"/>
               </a:defRPr>
             </a:pPr>
+            <a:endParaRPr>
+              <a:latin typeface="Consolas" panose="020B0609020204030204"/>
+              <a:ea typeface="Consolas" panose="020B0609020204030204"/>
+              <a:cs typeface="Consolas" panose="020B0609020204030204"/>
+              <a:sym typeface="Consolas" panose="020B0609020204030204"/>
+            </a:endParaRPr>
           </a:p>
           <a:p>
             <a:pPr marL="800100" lvl="1" indent="-342900">
@@ -6278,32 +6589,8 @@
                 <a:cs typeface="Consolas" panose="020B0609020204030204"/>
                 <a:sym typeface="Consolas" panose="020B0609020204030204"/>
               </a:rPr>
-              <a:t>RISC-V PMP uses </a:t>
-            </a:r>
-            <a:r>
-              <a:rPr>
-                <a:latin typeface="Consolas" panose="020B0609020204030204"/>
-                <a:ea typeface="Consolas" panose="020B0609020204030204"/>
-                <a:cs typeface="Consolas" panose="020B0609020204030204"/>
-                <a:sym typeface="Consolas" panose="020B0609020204030204"/>
-              </a:rPr>
-              <a:t>PMP entries</a:t>
-            </a:r>
-            <a:r>
-              <a:rPr>
-                <a:latin typeface="Consolas" panose="020B0609020204030204"/>
-                <a:ea typeface="Consolas" panose="020B0609020204030204"/>
-                <a:cs typeface="Consolas" panose="020B0609020204030204"/>
-                <a:sym typeface="Consolas" panose="020B0609020204030204"/>
-              </a:rPr>
-              <a:t> instead of protection key.</a:t>
-            </a:r>
-            <a:endParaRPr>
-              <a:latin typeface="Consolas" panose="020B0609020204030204"/>
-              <a:ea typeface="Consolas" panose="020B0609020204030204"/>
-              <a:cs typeface="Consolas" panose="020B0609020204030204"/>
-              <a:sym typeface="Consolas" panose="020B0609020204030204"/>
-            </a:endParaRPr>
+              <a:t>RISC-V PMP uses PMP entries instead of protection key.</a:t>
+            </a:r>
           </a:p>
           <a:p>
             <a:pPr marL="800100" lvl="1" indent="-342900">
@@ -6339,12 +6626,6 @@
               </a:rPr>
               <a:t>No specification on the free for PMP entries, need experiments.</a:t>
             </a:r>
-            <a:endParaRPr>
-              <a:latin typeface="Consolas" panose="020B0609020204030204"/>
-              <a:ea typeface="Consolas" panose="020B0609020204030204"/>
-              <a:cs typeface="Consolas" panose="020B0609020204030204"/>
-              <a:sym typeface="Consolas" panose="020B0609020204030204"/>
-            </a:endParaRPr>
           </a:p>
         </p:txBody>
       </p:sp>
@@ -6377,7 +6658,9 @@
       <p:sp>
         <p:nvSpPr>
           <p:cNvPr id="205" name="标题 1"/>
-          <p:cNvSpPr txBox="1"/>
+          <p:cNvSpPr txBox="1">
+            <a:spLocks noGrp="1"/>
+          </p:cNvSpPr>
           <p:nvPr>
             <p:ph type="title"/>
           </p:nvPr>
@@ -6404,7 +6687,9 @@
       <p:sp>
         <p:nvSpPr>
           <p:cNvPr id="206" name="内容占位符 2"/>
-          <p:cNvSpPr txBox="1"/>
+          <p:cNvSpPr txBox="1">
+            <a:spLocks noGrp="1"/>
+          </p:cNvSpPr>
           <p:nvPr>
             <p:ph type="body" idx="1"/>
           </p:nvPr>
@@ -6446,6 +6731,12 @@
                 <a:sym typeface="Consolas" panose="020B0609020204030204"/>
               </a:defRPr>
             </a:pPr>
+            <a:endParaRPr>
+              <a:latin typeface="Consolas" panose="020B0609020204030204"/>
+              <a:ea typeface="Consolas" panose="020B0609020204030204"/>
+              <a:cs typeface="Consolas" panose="020B0609020204030204"/>
+              <a:sym typeface="Consolas" panose="020B0609020204030204"/>
+            </a:endParaRPr>
           </a:p>
           <a:p>
             <a:pPr marL="342900" indent="-342900">
@@ -6483,6 +6774,12 @@
                 <a:sym typeface="Consolas" panose="020B0609020204030204"/>
               </a:defRPr>
             </a:pPr>
+            <a:endParaRPr>
+              <a:latin typeface="Consolas" panose="020B0609020204030204"/>
+              <a:ea typeface="Consolas" panose="020B0609020204030204"/>
+              <a:cs typeface="Consolas" panose="020B0609020204030204"/>
+              <a:sym typeface="Consolas" panose="020B0609020204030204"/>
+            </a:endParaRPr>
           </a:p>
           <a:p>
             <a:pPr marL="800100" lvl="1" indent="-342900">
@@ -6502,12 +6799,6 @@
               </a:rPr>
               <a:t>Each hart only has 16 PMP entries.</a:t>
             </a:r>
-            <a:endParaRPr>
-              <a:latin typeface="Consolas" panose="020B0609020204030204"/>
-              <a:ea typeface="Consolas" panose="020B0609020204030204"/>
-              <a:cs typeface="Consolas" panose="020B0609020204030204"/>
-              <a:sym typeface="Consolas" panose="020B0609020204030204"/>
-            </a:endParaRPr>
           </a:p>
           <a:p>
             <a:pPr marL="800100" lvl="1" indent="-342900">
@@ -6543,12 +6834,6 @@
               </a:rPr>
               <a:t>If a hart request for 17 memory isolation request, one of the PMP entries will be overwritten.</a:t>
             </a:r>
-            <a:endParaRPr>
-              <a:latin typeface="Consolas" panose="020B0609020204030204"/>
-              <a:ea typeface="Consolas" panose="020B0609020204030204"/>
-              <a:cs typeface="Consolas" panose="020B0609020204030204"/>
-              <a:sym typeface="Consolas" panose="020B0609020204030204"/>
-            </a:endParaRPr>
           </a:p>
         </p:txBody>
       </p:sp>
@@ -6581,7 +6866,9 @@
       <p:sp>
         <p:nvSpPr>
           <p:cNvPr id="210" name="标题 1"/>
-          <p:cNvSpPr txBox="1"/>
+          <p:cNvSpPr txBox="1">
+            <a:spLocks noGrp="1"/>
+          </p:cNvSpPr>
           <p:nvPr>
             <p:ph type="title"/>
           </p:nvPr>
@@ -6608,7 +6895,9 @@
       <p:sp>
         <p:nvSpPr>
           <p:cNvPr id="211" name="内容占位符 2"/>
-          <p:cNvSpPr txBox="1"/>
+          <p:cNvSpPr txBox="1">
+            <a:spLocks noGrp="1"/>
+          </p:cNvSpPr>
           <p:nvPr>
             <p:ph type="body" idx="1"/>
           </p:nvPr>
@@ -6634,6 +6923,7 @@
                 <a:sym typeface="DejaVu Sans Mono Nerd Font Complete"/>
               </a:defRPr>
             </a:pPr>
+            <a:endParaRPr/>
           </a:p>
           <a:p>
             <a:pPr marL="342900" indent="-342900">
@@ -6714,6 +7004,7 @@
                 <a:sym typeface="DejaVu Sans Mono Nerd Font Complete"/>
               </a:defRPr>
             </a:pPr>
+            <a:endParaRPr/>
           </a:p>
           <a:p>
             <a:pPr marL="800100" lvl="1" indent="-342900">
@@ -6759,7 +7050,9 @@
       <p:sp>
         <p:nvSpPr>
           <p:cNvPr id="215" name="标题 1"/>
-          <p:cNvSpPr txBox="1"/>
+          <p:cNvSpPr txBox="1">
+            <a:spLocks noGrp="1"/>
+          </p:cNvSpPr>
           <p:nvPr>
             <p:ph type="title"/>
           </p:nvPr>
@@ -6786,7 +7079,9 @@
       <p:sp>
         <p:nvSpPr>
           <p:cNvPr id="216" name="内容占位符 2"/>
-          <p:cNvSpPr txBox="1"/>
+          <p:cNvSpPr txBox="1">
+            <a:spLocks noGrp="1"/>
+          </p:cNvSpPr>
           <p:nvPr>
             <p:ph type="body" idx="1"/>
           </p:nvPr>
@@ -6812,6 +7107,7 @@
                 <a:sym typeface="DejaVu Sans Mono Nerd Font Complete"/>
               </a:defRPr>
             </a:pPr>
+            <a:endParaRPr/>
           </a:p>
           <a:p>
             <a:pPr marL="342900" indent="-342900">
@@ -6847,12 +7143,6 @@
               </a:rPr>
               <a:t>Protection key limitation</a:t>
             </a:r>
-            <a:endParaRPr>
-              <a:latin typeface="Consolas" panose="020B0609020204030204"/>
-              <a:ea typeface="Consolas" panose="020B0609020204030204"/>
-              <a:cs typeface="Consolas" panose="020B0609020204030204"/>
-              <a:sym typeface="Consolas" panose="020B0609020204030204"/>
-            </a:endParaRPr>
           </a:p>
           <a:p>
             <a:pPr marL="800100" lvl="1" indent="-342900">
@@ -6872,12 +7162,6 @@
               </a:rPr>
               <a:t>If one program issue 17 memory isolation request, current design cannot support it.</a:t>
             </a:r>
-            <a:endParaRPr>
-              <a:latin typeface="Consolas" panose="020B0609020204030204"/>
-              <a:ea typeface="Consolas" panose="020B0609020204030204"/>
-              <a:cs typeface="Consolas" panose="020B0609020204030204"/>
-              <a:sym typeface="Consolas" panose="020B0609020204030204"/>
-            </a:endParaRPr>
           </a:p>
           <a:p>
             <a:pPr marL="342900" indent="-342900">
@@ -6913,12 +7197,6 @@
               </a:rPr>
               <a:t>Inter-thread synchronization</a:t>
             </a:r>
-            <a:endParaRPr>
-              <a:latin typeface="Consolas" panose="020B0609020204030204"/>
-              <a:ea typeface="Consolas" panose="020B0609020204030204"/>
-              <a:cs typeface="Consolas" panose="020B0609020204030204"/>
-              <a:sym typeface="Consolas" panose="020B0609020204030204"/>
-            </a:endParaRPr>
           </a:p>
           <a:p>
             <a:pPr marL="800100" lvl="1" indent="-342900">
@@ -6938,12 +7216,6 @@
               </a:rPr>
               <a:t>Inconsistent behavior between threads in a process: one thread set memory region M to be not readable, if not synced, other thread can read M.</a:t>
             </a:r>
-            <a:endParaRPr>
-              <a:latin typeface="Consolas" panose="020B0609020204030204"/>
-              <a:ea typeface="Consolas" panose="020B0609020204030204"/>
-              <a:cs typeface="Consolas" panose="020B0609020204030204"/>
-              <a:sym typeface="Consolas" panose="020B0609020204030204"/>
-            </a:endParaRPr>
           </a:p>
         </p:txBody>
       </p:sp>
@@ -6976,7 +7248,9 @@
       <p:sp>
         <p:nvSpPr>
           <p:cNvPr id="220" name="标题 1"/>
-          <p:cNvSpPr txBox="1"/>
+          <p:cNvSpPr txBox="1">
+            <a:spLocks noGrp="1"/>
+          </p:cNvSpPr>
           <p:nvPr>
             <p:ph type="title"/>
           </p:nvPr>
@@ -7032,8 +7306,16 @@
       </p:grpSpPr>
       <p:sp>
         <p:nvSpPr>
-          <p:cNvPr id="224" name="标题 1"/>
-          <p:cNvSpPr txBox="1"/>
+          <p:cNvPr id="9" name="标题 1">
+            <a:extLst>
+              <a:ext uri="{FF2B5EF4-FFF2-40B4-BE49-F238E27FC236}">
+                <a16:creationId xmlns:a16="http://schemas.microsoft.com/office/drawing/2014/main" id="{4BDB19C9-097E-799B-5D5C-3C32B70897A2}"/>
+              </a:ext>
+            </a:extLst>
+          </p:cNvPr>
+          <p:cNvSpPr txBox="1">
+            <a:spLocks noGrp="1"/>
+          </p:cNvSpPr>
           <p:nvPr>
             <p:ph type="title"/>
           </p:nvPr>
@@ -7059,8 +7341,16 @@
       </p:sp>
       <p:sp>
         <p:nvSpPr>
-          <p:cNvPr id="225" name="内容占位符 2"/>
-          <p:cNvSpPr txBox="1"/>
+          <p:cNvPr id="10" name="内容占位符 2">
+            <a:extLst>
+              <a:ext uri="{FF2B5EF4-FFF2-40B4-BE49-F238E27FC236}">
+                <a16:creationId xmlns:a16="http://schemas.microsoft.com/office/drawing/2014/main" id="{816E784B-F235-FC11-0244-1128F0B51815}"/>
+              </a:ext>
+            </a:extLst>
+          </p:cNvPr>
+          <p:cNvSpPr txBox="1">
+            <a:spLocks noGrp="1"/>
+          </p:cNvSpPr>
           <p:nvPr>
             <p:ph type="body" idx="1"/>
           </p:nvPr>
@@ -7087,6 +7377,7 @@
               <a:defRPr sz="2770"/>
             </a:pPr>
             <a:r>
+              <a:rPr dirty="0"/>
               <a:t>create more than 16 page groups</a:t>
             </a:r>
           </a:p>
@@ -7098,6 +7389,7 @@
               <a:defRPr sz="2375"/>
             </a:pPr>
             <a:r>
+              <a:rPr dirty="0"/>
               <a:t>a cache-like structure</a:t>
             </a:r>
           </a:p>
@@ -7109,7 +7401,19 @@
               <a:defRPr sz="2375"/>
             </a:pPr>
             <a:r>
-              <a:t>2 ways for mapping:</a:t>
+              <a:t>2 </a:t>
+            </a:r>
+            <a:r>
+              <a:rPr lang="en-US" altLang="zh-CN"/>
+              <a:t>kinds of </a:t>
+            </a:r>
+            <a:r>
+              <a:rPr lang="en-US" altLang="zh-CN" dirty="0"/>
+              <a:t>missing</a:t>
+            </a:r>
+            <a:r>
+              <a:rPr dirty="0"/>
+              <a:t>:</a:t>
             </a:r>
           </a:p>
           <a:p>
@@ -7122,6 +7426,7 @@
               <a:defRPr sz="1780"/>
             </a:pPr>
             <a:r>
+              <a:rPr dirty="0"/>
               <a:t>thread-local</a:t>
             </a:r>
           </a:p>
@@ -7133,7 +7438,20 @@
               <a:defRPr sz="1585"/>
             </a:pPr>
             <a:r>
-              <a:t>mpk_begin() &amp; mpk_end() by a calling thread</a:t>
+              <a:rPr dirty="0" err="1"/>
+              <a:t>mpk_begin</a:t>
+            </a:r>
+            <a:r>
+              <a:rPr dirty="0"/>
+              <a:t>() &amp; </a:t>
+            </a:r>
+            <a:r>
+              <a:rPr dirty="0" err="1"/>
+              <a:t>mpk_end</a:t>
+            </a:r>
+            <a:r>
+              <a:rPr dirty="0"/>
+              <a:t>() by a calling thread</a:t>
             </a:r>
           </a:p>
           <a:p>
@@ -7144,6 +7462,7 @@
               <a:defRPr sz="1585"/>
             </a:pPr>
             <a:r>
+              <a:rPr dirty="0"/>
               <a:t>sleep when fail</a:t>
             </a:r>
           </a:p>
@@ -7155,6 +7474,7 @@
               <a:defRPr sz="1585"/>
             </a:pPr>
             <a:r>
+              <a:rPr dirty="0"/>
               <a:t>page not be used -&gt; evict and disable permission</a:t>
             </a:r>
           </a:p>
@@ -7168,9 +7488,10 @@
               <a:defRPr sz="1780"/>
             </a:pPr>
             <a:r>
+              <a:rPr dirty="0"/>
               <a:t>global</a:t>
             </a:r>
-            <a:endParaRPr sz="1485"/>
+            <a:endParaRPr sz="1485" dirty="0"/>
           </a:p>
           <a:p>
             <a:pPr marL="1131570" lvl="2" indent="-226060" defTabSz="905510">
@@ -7180,7 +7501,12 @@
               <a:defRPr sz="1585"/>
             </a:pPr>
             <a:r>
-              <a:t>mpk_mprotect() for all threads</a:t>
+              <a:rPr dirty="0" err="1"/>
+              <a:t>mpk_mprotect</a:t>
+            </a:r>
+            <a:r>
+              <a:rPr dirty="0"/>
+              <a:t>() for all threads</a:t>
             </a:r>
           </a:p>
           <a:p>
@@ -7191,6 +7517,7 @@
               <a:defRPr sz="1585"/>
             </a:pPr>
             <a:r>
+              <a:rPr dirty="0"/>
               <a:t>LRU for replacement</a:t>
             </a:r>
           </a:p>
@@ -7202,6 +7529,7 @@
               <a:defRPr sz="1585"/>
             </a:pPr>
             <a:r>
+              <a:rPr dirty="0"/>
               <a:t>reserves one key for execute-only pages</a:t>
             </a:r>
           </a:p>
@@ -7213,6 +7541,7 @@
               <a:defRPr sz="1385"/>
             </a:pPr>
             <a:r>
+              <a:rPr dirty="0"/>
               <a:t>merge execute-only pages group</a:t>
             </a:r>
           </a:p>
@@ -7224,6 +7553,7 @@
               <a:defRPr sz="1385"/>
             </a:pPr>
             <a:r>
+              <a:rPr dirty="0"/>
               <a:t>evicted when execute-only pages</a:t>
             </a:r>
           </a:p>
@@ -7231,31 +7561,32 @@
       </p:sp>
       <p:pic>
         <p:nvPicPr>
-          <p:cNvPr id="226" name="图片 5" descr="图片 5"/>
+          <p:cNvPr id="11" name="图片 10">
+            <a:extLst>
+              <a:ext uri="{FF2B5EF4-FFF2-40B4-BE49-F238E27FC236}">
+                <a16:creationId xmlns:a16="http://schemas.microsoft.com/office/drawing/2014/main" id="{E0288262-FD9B-1E1C-B9C1-516268504D75}"/>
+              </a:ext>
+            </a:extLst>
+          </p:cNvPr>
           <p:cNvPicPr>
             <a:picLocks noChangeAspect="1"/>
           </p:cNvPicPr>
           <p:nvPr/>
         </p:nvPicPr>
         <p:blipFill>
-          <a:blip r:embed="rId1"/>
+          <a:blip r:embed="rId3"/>
           <a:stretch>
             <a:fillRect/>
           </a:stretch>
         </p:blipFill>
         <p:spPr>
           <a:xfrm>
-            <a:off x="7263130" y="1105535"/>
-            <a:ext cx="4625976" cy="5427346"/>
+            <a:off x="7062782" y="1365823"/>
+            <a:ext cx="4474222" cy="3645663"/>
           </a:xfrm>
           <a:prstGeom prst="rect">
             <a:avLst/>
           </a:prstGeom>
-          <a:ln w="12700">
-            <a:miter lim="400000"/>
-            <a:headEnd/>
-            <a:tailEnd/>
-          </a:ln>
         </p:spPr>
       </p:pic>
     </p:spTree>
@@ -7287,7 +7618,9 @@
       <p:sp>
         <p:nvSpPr>
           <p:cNvPr id="230" name="标题 1"/>
-          <p:cNvSpPr txBox="1"/>
+          <p:cNvSpPr txBox="1">
+            <a:spLocks noGrp="1"/>
+          </p:cNvSpPr>
           <p:nvPr>
             <p:ph type="title"/>
           </p:nvPr>
@@ -7314,7 +7647,9 @@
       <p:sp>
         <p:nvSpPr>
           <p:cNvPr id="231" name="内容占位符 2"/>
-          <p:cNvSpPr txBox="1"/>
+          <p:cNvSpPr txBox="1">
+            <a:spLocks noGrp="1"/>
+          </p:cNvSpPr>
           <p:nvPr>
             <p:ph type="body" idx="1"/>
           </p:nvPr>
@@ -7336,6 +7671,7 @@
               <a:buSzTx/>
               <a:buNone/>
             </a:pPr>
+            <a:endParaRPr/>
           </a:p>
           <a:p>
             <a:pPr marL="342900" indent="-342900">
@@ -7378,6 +7714,7 @@
             <a:pPr marL="342900" indent="-342900">
               <a:defRPr sz="2400"/>
             </a:pPr>
+            <a:endParaRPr/>
           </a:p>
           <a:p>
             <a:pPr marL="342900" indent="-342900">
@@ -7401,6 +7738,7 @@
                 <a:sym typeface="Consolas" panose="020B0609020204030204"/>
               </a:defRPr>
             </a:pPr>
+            <a:endParaRPr/>
           </a:p>
           <a:p>
             <a:pPr marL="342900" indent="-342900">
@@ -7424,6 +7762,7 @@
                 <a:sym typeface="Consolas" panose="020B0609020204030204"/>
               </a:defRPr>
             </a:pPr>
+            <a:endParaRPr/>
           </a:p>
           <a:p>
             <a:pPr marL="342900" indent="-342900">
@@ -7449,7 +7788,7 @@
           <p:nvPr/>
         </p:nvPicPr>
         <p:blipFill>
-          <a:blip r:embed="rId1"/>
+          <a:blip r:embed="rId3"/>
           <a:stretch>
             <a:fillRect/>
           </a:stretch>
@@ -7498,7 +7837,9 @@
       <p:sp>
         <p:nvSpPr>
           <p:cNvPr id="236" name="标题 1"/>
-          <p:cNvSpPr txBox="1"/>
+          <p:cNvSpPr txBox="1">
+            <a:spLocks noGrp="1"/>
+          </p:cNvSpPr>
           <p:nvPr>
             <p:ph type="title"/>
           </p:nvPr>
@@ -7531,7 +7872,7 @@
           <p:nvPr/>
         </p:nvPicPr>
         <p:blipFill>
-          <a:blip r:embed="rId1"/>
+          <a:blip r:embed="rId3"/>
           <a:stretch>
             <a:fillRect/>
           </a:stretch>
@@ -7554,7 +7895,9 @@
       <p:sp>
         <p:nvSpPr>
           <p:cNvPr id="238" name="内容占位符 2"/>
-          <p:cNvSpPr txBox="1"/>
+          <p:cNvSpPr txBox="1">
+            <a:spLocks noGrp="1"/>
+          </p:cNvSpPr>
           <p:nvPr>
             <p:ph type="body" idx="1"/>
           </p:nvPr>
@@ -7576,6 +7919,7 @@
               <a:buSzTx/>
               <a:buNone/>
             </a:pPr>
+            <a:endParaRPr/>
           </a:p>
           <a:p>
             <a:pPr marL="342900" indent="-342900">
@@ -7621,7 +7965,9 @@
       <p:sp>
         <p:nvSpPr>
           <p:cNvPr id="242" name="标题 1"/>
-          <p:cNvSpPr txBox="1"/>
+          <p:cNvSpPr txBox="1">
+            <a:spLocks noGrp="1"/>
+          </p:cNvSpPr>
           <p:nvPr>
             <p:ph type="title"/>
           </p:nvPr>
@@ -7678,7 +8024,9 @@
       <p:sp>
         <p:nvSpPr>
           <p:cNvPr id="246" name="标题 1"/>
-          <p:cNvSpPr txBox="1"/>
+          <p:cNvSpPr txBox="1">
+            <a:spLocks noGrp="1"/>
+          </p:cNvSpPr>
           <p:nvPr>
             <p:ph type="title"/>
           </p:nvPr>
@@ -7705,7 +8053,9 @@
       <p:sp>
         <p:nvSpPr>
           <p:cNvPr id="231" name="内容占位符 2"/>
-          <p:cNvSpPr txBox="1"/>
+          <p:cNvSpPr txBox="1">
+            <a:spLocks noGrp="1"/>
+          </p:cNvSpPr>
           <p:nvPr>
             <p:ph type="body" idx="1"/>
           </p:nvPr>
@@ -7721,8 +8071,9 @@
         </p:spPr>
         <p:txBody>
           <a:bodyPr>
-            <a:normAutofit lnSpcReduction="10000"/>
+            <a:normAutofit/>
           </a:bodyPr>
+          <a:lstStyle/>
           <a:p>
             <a:pPr marL="342900" indent="-342900">
               <a:defRPr sz="2400">
@@ -7738,9 +8089,6 @@
               </a:rPr>
               <a:t>Protection key limitation</a:t>
             </a:r>
-            <a:endParaRPr>
-              <a:sym typeface="+mn-ea"/>
-            </a:endParaRPr>
           </a:p>
           <a:p>
             <a:pPr marL="800100" lvl="1" indent="-342900">
@@ -7757,9 +8105,6 @@
               </a:rPr>
               <a:t>Virtual key -&gt; Hardware key -&gt; page group</a:t>
             </a:r>
-            <a:endParaRPr>
-              <a:sym typeface="+mn-ea"/>
-            </a:endParaRPr>
           </a:p>
           <a:p>
             <a:pPr marL="800100" lvl="1" indent="-342900">
@@ -7776,9 +8121,6 @@
               </a:rPr>
               <a:t>Cache-like structure is used to map the virtual key to hardware key</a:t>
             </a:r>
-            <a:endParaRPr>
-              <a:sym typeface="+mn-ea"/>
-            </a:endParaRPr>
           </a:p>
           <a:p>
             <a:pPr marL="800100" lvl="1" indent="-342900">
@@ -7795,14 +8137,14 @@
               </a:rPr>
               <a:t>The frequently updated virtual key will mapped to the hardare key, the limitation is hidden by the virtual key</a:t>
             </a:r>
+          </a:p>
+          <a:p>
+            <a:pPr marL="342900" indent="-342900">
+              <a:defRPr sz="2400"/>
+            </a:pPr>
             <a:endParaRPr>
               <a:sym typeface="+mn-ea"/>
             </a:endParaRPr>
-          </a:p>
-          <a:p>
-            <a:pPr marL="342900" indent="-342900">
-              <a:defRPr sz="2400"/>
-            </a:pPr>
           </a:p>
           <a:p>
             <a:pPr marL="342900" indent="-342900">
@@ -7819,9 +8161,6 @@
               </a:rPr>
               <a:t>Inter-thread synchronization</a:t>
             </a:r>
-            <a:endParaRPr>
-              <a:sym typeface="+mn-ea"/>
-            </a:endParaRPr>
           </a:p>
           <a:p>
             <a:pPr marL="800100" lvl="1" indent="-342900">
@@ -7850,9 +8189,6 @@
               </a:rPr>
               <a:t>-&gt; other threads</a:t>
             </a:r>
-            <a:endParaRPr>
-              <a:sym typeface="+mn-ea"/>
-            </a:endParaRPr>
           </a:p>
           <a:p>
             <a:pPr marL="800100" lvl="1" indent="-342900">
@@ -7869,9 +8205,6 @@
               </a:rPr>
               <a:t>other threads are scheduled -&gt; respond to the interrupt </a:t>
             </a:r>
-            <a:endParaRPr>
-              <a:sym typeface="+mn-ea"/>
-            </a:endParaRPr>
           </a:p>
           <a:p>
             <a:pPr marL="457200" lvl="1" indent="0">
@@ -7889,15 +8222,15 @@
               </a:rPr>
               <a:t>-&gt; synchronize PKRU</a:t>
             </a:r>
+          </a:p>
+          <a:p>
+            <a:pPr marL="0" indent="0">
+              <a:buSzTx/>
+              <a:buNone/>
+            </a:pPr>
             <a:endParaRPr>
               <a:sym typeface="+mn-ea"/>
             </a:endParaRPr>
-          </a:p>
-          <a:p>
-            <a:pPr marL="0" indent="0">
-              <a:buSzTx/>
-              <a:buNone/>
-            </a:pPr>
           </a:p>
         </p:txBody>
       </p:sp>
@@ -7930,7 +8263,9 @@
       <p:sp>
         <p:nvSpPr>
           <p:cNvPr id="159" name="标题 1"/>
-          <p:cNvSpPr txBox="1"/>
+          <p:cNvSpPr txBox="1">
+            <a:spLocks noGrp="1"/>
+          </p:cNvSpPr>
           <p:nvPr>
             <p:ph type="title"/>
           </p:nvPr>
@@ -7957,7 +8292,9 @@
       <p:sp>
         <p:nvSpPr>
           <p:cNvPr id="160" name="内容占位符 2"/>
-          <p:cNvSpPr txBox="1"/>
+          <p:cNvSpPr txBox="1">
+            <a:spLocks noGrp="1"/>
+          </p:cNvSpPr>
           <p:nvPr>
             <p:ph type="body" idx="1"/>
           </p:nvPr>
@@ -7972,7 +8309,9 @@
           </a:prstGeom>
         </p:spPr>
         <p:txBody>
-          <a:bodyPr/>
+          <a:bodyPr>
+            <a:normAutofit lnSpcReduction="10000"/>
+          </a:bodyPr>
           <a:lstStyle/>
           <a:p>
             <a:pPr marL="0" indent="0" defTabSz="511810">
@@ -7983,6 +8322,7 @@
               <a:buNone/>
               <a:defRPr sz="1570"/>
             </a:pPr>
+            <a:endParaRPr/>
           </a:p>
           <a:p>
             <a:pPr marL="191770" indent="-191770" defTabSz="511810">
@@ -7991,6 +8331,7 @@
               </a:spcBef>
               <a:defRPr sz="1345"/>
             </a:pPr>
+            <a:endParaRPr/>
           </a:p>
           <a:p>
             <a:pPr marL="191770" indent="-191770" defTabSz="511810">
@@ -8020,6 +8361,7 @@
                 <a:sym typeface="DejaVu Sans Mono Nerd Font Complete"/>
               </a:defRPr>
             </a:pPr>
+            <a:endParaRPr/>
           </a:p>
           <a:p>
             <a:pPr marL="191770" indent="-191770" defTabSz="511810">
@@ -8049,6 +8391,7 @@
                 <a:sym typeface="DejaVu Sans Mono Nerd Font Complete"/>
               </a:defRPr>
             </a:pPr>
+            <a:endParaRPr/>
           </a:p>
           <a:p>
             <a:pPr marL="191770" indent="-191770" defTabSz="511810">
@@ -8078,6 +8421,7 @@
                 <a:sym typeface="DejaVu Sans Mono Nerd Font Complete"/>
               </a:defRPr>
             </a:pPr>
+            <a:endParaRPr/>
           </a:p>
           <a:p>
             <a:pPr marL="191770" indent="-191770" defTabSz="511810">
@@ -8107,6 +8451,7 @@
                 <a:sym typeface="DejaVu Sans Mono Nerd Font Complete"/>
               </a:defRPr>
             </a:pPr>
+            <a:endParaRPr/>
           </a:p>
           <a:p>
             <a:pPr marL="191770" indent="-191770" defTabSz="511810">
@@ -8136,6 +8481,7 @@
                 <a:sym typeface="DejaVu Sans Mono Nerd Font Complete"/>
               </a:defRPr>
             </a:pPr>
+            <a:endParaRPr/>
           </a:p>
           <a:p>
             <a:pPr marL="191770" indent="-191770" defTabSz="511810">
@@ -8184,7 +8530,9 @@
       <p:sp>
         <p:nvSpPr>
           <p:cNvPr id="250" name="标题 1"/>
-          <p:cNvSpPr txBox="1"/>
+          <p:cNvSpPr txBox="1">
+            <a:spLocks noGrp="1"/>
+          </p:cNvSpPr>
           <p:nvPr>
             <p:ph type="title"/>
           </p:nvPr>
@@ -8211,7 +8559,9 @@
       <p:sp>
         <p:nvSpPr>
           <p:cNvPr id="251" name="内容占位符 2"/>
-          <p:cNvSpPr txBox="1"/>
+          <p:cNvSpPr txBox="1">
+            <a:spLocks noGrp="1"/>
+          </p:cNvSpPr>
           <p:nvPr>
             <p:ph type="body" sz="half" idx="1"/>
           </p:nvPr>
@@ -8233,6 +8583,7 @@
               <a:buSzTx/>
               <a:buNone/>
             </a:pPr>
+            <a:endParaRPr/>
           </a:p>
           <a:p>
             <a:pPr marL="342900" indent="-342900">
@@ -8256,6 +8607,7 @@
                 <a:sym typeface="Consolas" panose="020B0609020204030204"/>
               </a:defRPr>
             </a:pPr>
+            <a:endParaRPr/>
           </a:p>
           <a:p>
             <a:pPr marL="800100" lvl="1" indent="-342900">
@@ -8279,6 +8631,7 @@
                 <a:sym typeface="Consolas" panose="020B0609020204030204"/>
               </a:defRPr>
             </a:pPr>
+            <a:endParaRPr/>
           </a:p>
           <a:p>
             <a:pPr marL="800100" lvl="1" indent="-342900">
@@ -8324,7 +8677,9 @@
       <p:sp>
         <p:nvSpPr>
           <p:cNvPr id="255" name="标题 1"/>
-          <p:cNvSpPr txBox="1"/>
+          <p:cNvSpPr txBox="1">
+            <a:spLocks noGrp="1"/>
+          </p:cNvSpPr>
           <p:nvPr>
             <p:ph type="title"/>
           </p:nvPr>
@@ -8370,11 +8725,20 @@
         <p:cNvGrpSpPr/>
         <p:nvPr/>
       </p:nvGrpSpPr>
-      <p:grpSpPr/>
+      <p:grpSpPr>
+        <a:xfrm>
+          <a:off x="0" y="0"/>
+          <a:ext cx="0" cy="0"/>
+          <a:chOff x="0" y="0"/>
+          <a:chExt cx="0" cy="0"/>
+        </a:xfrm>
+      </p:grpSpPr>
       <p:sp>
         <p:nvSpPr>
           <p:cNvPr id="2" name="标题 1"/>
-          <p:cNvSpPr/>
+          <p:cNvSpPr>
+            <a:spLocks noGrp="1"/>
+          </p:cNvSpPr>
           <p:nvPr>
             <p:ph type="title"/>
           </p:nvPr>
@@ -8382,6 +8746,7 @@
         <p:spPr/>
         <p:txBody>
           <a:bodyPr/>
+          <a:lstStyle/>
           <a:p>
             <a:r>
               <a:rPr lang="en-US" altLang="zh-CN">
@@ -8390,17 +8755,15 @@
               </a:rPr>
               <a:t>Evaluation Plan</a:t>
             </a:r>
-            <a:endParaRPr lang="en-US" altLang="zh-CN">
-              <a:latin typeface="Calibri" panose="020F0502020204030204" charset="0"/>
-              <a:cs typeface="Calibri" panose="020F0502020204030204" charset="0"/>
-            </a:endParaRPr>
           </a:p>
         </p:txBody>
       </p:sp>
       <p:sp>
         <p:nvSpPr>
           <p:cNvPr id="3" name="文本占位符 2"/>
-          <p:cNvSpPr/>
+          <p:cNvSpPr>
+            <a:spLocks noGrp="1"/>
+          </p:cNvSpPr>
           <p:nvPr>
             <p:ph type="body" idx="1"/>
           </p:nvPr>
@@ -8408,6 +8771,7 @@
         <p:spPr/>
         <p:txBody>
           <a:bodyPr/>
+          <a:lstStyle/>
           <a:p>
             <a:r>
               <a:rPr lang="en-US" altLang="zh-CN">
@@ -8416,10 +8780,6 @@
               </a:rPr>
               <a:t>Similar to the evaluation plan of libmpk</a:t>
             </a:r>
-            <a:endParaRPr lang="en-US" altLang="zh-CN">
-              <a:latin typeface="Consolas" panose="020B0609020204030204" charset="0"/>
-              <a:cs typeface="Consolas" panose="020B0609020204030204" charset="0"/>
-            </a:endParaRPr>
           </a:p>
           <a:p>
             <a:r>
@@ -8443,10 +8803,6 @@
               </a:rPr>
               <a:t>Security Evaluation</a:t>
             </a:r>
-            <a:endParaRPr lang="zh-CN" altLang="en-US">
-              <a:latin typeface="Consolas" panose="020B0609020204030204" charset="0"/>
-              <a:cs typeface="Consolas" panose="020B0609020204030204" charset="0"/>
-            </a:endParaRPr>
           </a:p>
           <a:p>
             <a:pPr lvl="1"/>
@@ -8457,10 +8813,6 @@
               </a:rPr>
               <a:t>Microbenchmark</a:t>
             </a:r>
-            <a:endParaRPr lang="zh-CN" altLang="en-US">
-              <a:latin typeface="Consolas" panose="020B0609020204030204" charset="0"/>
-              <a:cs typeface="Consolas" panose="020B0609020204030204" charset="0"/>
-            </a:endParaRPr>
           </a:p>
           <a:p>
             <a:pPr lvl="1"/>
@@ -8471,10 +8823,6 @@
               </a:rPr>
               <a:t>Macrobenchmark</a:t>
             </a:r>
-            <a:endParaRPr lang="en-US" altLang="zh-CN">
-              <a:latin typeface="Consolas" panose="020B0609020204030204" charset="0"/>
-              <a:cs typeface="Consolas" panose="020B0609020204030204" charset="0"/>
-            </a:endParaRPr>
           </a:p>
           <a:p>
             <a:endParaRPr lang="en-US" altLang="zh-CN">
@@ -8502,11 +8850,20 @@
         <p:cNvGrpSpPr/>
         <p:nvPr/>
       </p:nvGrpSpPr>
-      <p:grpSpPr/>
+      <p:grpSpPr>
+        <a:xfrm>
+          <a:off x="0" y="0"/>
+          <a:ext cx="0" cy="0"/>
+          <a:chOff x="0" y="0"/>
+          <a:chExt cx="0" cy="0"/>
+        </a:xfrm>
+      </p:grpSpPr>
       <p:sp>
         <p:nvSpPr>
           <p:cNvPr id="2" name="标题 1"/>
-          <p:cNvSpPr/>
+          <p:cNvSpPr>
+            <a:spLocks noGrp="1"/>
+          </p:cNvSpPr>
           <p:nvPr>
             <p:ph type="title"/>
           </p:nvPr>
@@ -8514,6 +8871,7 @@
         <p:spPr/>
         <p:txBody>
           <a:bodyPr/>
+          <a:lstStyle/>
           <a:p>
             <a:r>
               <a:rPr lang="en-US" altLang="zh-CN">
@@ -8522,17 +8880,15 @@
               </a:rPr>
               <a:t>Security Evaluation</a:t>
             </a:r>
-            <a:endParaRPr lang="en-US" altLang="zh-CN">
-              <a:latin typeface="Calibri" panose="020F0502020204030204" charset="0"/>
-              <a:cs typeface="Calibri" panose="020F0502020204030204" charset="0"/>
-            </a:endParaRPr>
           </a:p>
         </p:txBody>
       </p:sp>
       <p:sp>
         <p:nvSpPr>
           <p:cNvPr id="3" name="文本占位符 2"/>
-          <p:cNvSpPr/>
+          <p:cNvSpPr>
+            <a:spLocks noGrp="1"/>
+          </p:cNvSpPr>
           <p:nvPr>
             <p:ph type="body" idx="1"/>
           </p:nvPr>
@@ -8540,6 +8896,7 @@
         <p:spPr/>
         <p:txBody>
           <a:bodyPr/>
+          <a:lstStyle/>
           <a:p>
             <a:r>
               <a:rPr lang="en-US" altLang="zh-CN">
@@ -8548,10 +8905,6 @@
               </a:rPr>
               <a:t>PMP: prevent the malicious code from executing privileged instructions</a:t>
             </a:r>
-            <a:endParaRPr lang="en-US" altLang="zh-CN">
-              <a:latin typeface="Consolas" panose="020B0609020204030204" charset="0"/>
-              <a:cs typeface="Consolas" panose="020B0609020204030204" charset="0"/>
-            </a:endParaRPr>
           </a:p>
           <a:p>
             <a:r>
@@ -8561,10 +8914,6 @@
               </a:rPr>
               <a:t>libpmp should implement the basic function of protecting the memory space</a:t>
             </a:r>
-            <a:endParaRPr lang="en-US" altLang="zh-CN">
-              <a:latin typeface="Consolas" panose="020B0609020204030204" charset="0"/>
-              <a:cs typeface="Consolas" panose="020B0609020204030204" charset="0"/>
-            </a:endParaRPr>
           </a:p>
         </p:txBody>
       </p:sp>
@@ -8575,7 +8924,7 @@
           <p:nvPr/>
         </p:nvPicPr>
         <p:blipFill>
-          <a:blip r:embed="rId1"/>
+          <a:blip r:embed="rId2"/>
           <a:stretch>
             <a:fillRect/>
           </a:stretch>
@@ -8612,11 +8961,20 @@
         <p:cNvGrpSpPr/>
         <p:nvPr/>
       </p:nvGrpSpPr>
-      <p:grpSpPr/>
+      <p:grpSpPr>
+        <a:xfrm>
+          <a:off x="0" y="0"/>
+          <a:ext cx="0" cy="0"/>
+          <a:chOff x="0" y="0"/>
+          <a:chExt cx="0" cy="0"/>
+        </a:xfrm>
+      </p:grpSpPr>
       <p:sp>
         <p:nvSpPr>
           <p:cNvPr id="2" name="标题 1"/>
-          <p:cNvSpPr/>
+          <p:cNvSpPr>
+            <a:spLocks noGrp="1"/>
+          </p:cNvSpPr>
           <p:nvPr>
             <p:ph type="title"/>
           </p:nvPr>
@@ -8624,6 +8982,7 @@
         <p:spPr/>
         <p:txBody>
           <a:bodyPr/>
+          <a:lstStyle/>
           <a:p>
             <a:r>
               <a:rPr lang="en-US" altLang="zh-CN">
@@ -8632,17 +8991,15 @@
               </a:rPr>
               <a:t>Microbenchmark</a:t>
             </a:r>
-            <a:endParaRPr lang="en-US" altLang="zh-CN">
-              <a:latin typeface="Calibri" panose="020F0502020204030204" charset="0"/>
-              <a:cs typeface="Calibri" panose="020F0502020204030204" charset="0"/>
-            </a:endParaRPr>
           </a:p>
         </p:txBody>
       </p:sp>
       <p:sp>
         <p:nvSpPr>
           <p:cNvPr id="3" name="文本占位符 2"/>
-          <p:cNvSpPr/>
+          <p:cNvSpPr>
+            <a:spLocks noGrp="1"/>
+          </p:cNvSpPr>
           <p:nvPr>
             <p:ph type="body" idx="1"/>
           </p:nvPr>
@@ -8650,6 +9007,7 @@
         <p:spPr/>
         <p:txBody>
           <a:bodyPr/>
+          <a:lstStyle/>
           <a:p>
             <a:r>
               <a:rPr lang="en-US" altLang="zh-CN">
@@ -8658,10 +9016,6 @@
               </a:rPr>
               <a:t>Cache performance</a:t>
             </a:r>
-            <a:endParaRPr lang="en-US" altLang="zh-CN">
-              <a:latin typeface="Consolas" panose="020B0609020204030204" charset="0"/>
-              <a:cs typeface="Consolas" panose="020B0609020204030204" charset="0"/>
-            </a:endParaRPr>
           </a:p>
           <a:p>
             <a:pPr lvl="1"/>
@@ -8672,10 +9026,6 @@
               </a:rPr>
               <a:t>Determined by cache hit/eviction rate</a:t>
             </a:r>
-            <a:endParaRPr lang="en-US" altLang="zh-CN">
-              <a:latin typeface="Consolas" panose="020B0609020204030204" charset="0"/>
-              <a:cs typeface="Consolas" panose="020B0609020204030204" charset="0"/>
-            </a:endParaRPr>
           </a:p>
           <a:p>
             <a:r>
@@ -8685,10 +9035,6 @@
               </a:rPr>
               <a:t>Memory overhead</a:t>
             </a:r>
-            <a:endParaRPr lang="en-US" altLang="zh-CN">
-              <a:latin typeface="Consolas" panose="020B0609020204030204" charset="0"/>
-              <a:cs typeface="Consolas" panose="020B0609020204030204" charset="0"/>
-            </a:endParaRPr>
           </a:p>
           <a:p>
             <a:pPr lvl="1"/>
@@ -8699,10 +9045,6 @@
               </a:rPr>
               <a:t>Decided by memory space and internal data structure</a:t>
             </a:r>
-            <a:endParaRPr lang="en-US" altLang="zh-CN">
-              <a:latin typeface="Consolas" panose="020B0609020204030204" charset="0"/>
-              <a:cs typeface="Consolas" panose="020B0609020204030204" charset="0"/>
-            </a:endParaRPr>
           </a:p>
           <a:p>
             <a:r>
@@ -8712,10 +9054,6 @@
               </a:rPr>
               <a:t>Synchronization</a:t>
             </a:r>
-            <a:endParaRPr lang="en-US" altLang="zh-CN">
-              <a:latin typeface="Consolas" panose="020B0609020204030204" charset="0"/>
-              <a:cs typeface="Consolas" panose="020B0609020204030204" charset="0"/>
-            </a:endParaRPr>
           </a:p>
           <a:p>
             <a:pPr lvl="1"/>
@@ -8726,10 +9064,6 @@
               </a:rPr>
               <a:t>Affected by context switch</a:t>
             </a:r>
-            <a:endParaRPr lang="en-US" altLang="zh-CN">
-              <a:latin typeface="Consolas" panose="020B0609020204030204" charset="0"/>
-              <a:cs typeface="Consolas" panose="020B0609020204030204" charset="0"/>
-            </a:endParaRPr>
           </a:p>
           <a:p>
             <a:pPr lvl="1"/>
@@ -8740,10 +9074,6 @@
               </a:rPr>
               <a:t>Compared with original PMP implementation </a:t>
             </a:r>
-            <a:endParaRPr lang="en-US" altLang="zh-CN">
-              <a:latin typeface="Consolas" panose="020B0609020204030204" charset="0"/>
-              <a:cs typeface="Consolas" panose="020B0609020204030204" charset="0"/>
-            </a:endParaRPr>
           </a:p>
         </p:txBody>
       </p:sp>
@@ -8760,7 +9090,7 @@
           </p:nvPr>
         </p:nvPicPr>
         <p:blipFill>
-          <a:blip r:embed="rId2"/>
+          <a:blip r:embed="rId3"/>
           <a:stretch>
             <a:fillRect/>
           </a:stretch>
@@ -8784,7 +9114,7 @@
           <p:nvPr/>
         </p:nvPicPr>
         <p:blipFill>
-          <a:blip r:embed="rId3"/>
+          <a:blip r:embed="rId4"/>
           <a:stretch>
             <a:fillRect/>
           </a:stretch>
@@ -8808,7 +9138,7 @@
           <p:nvPr/>
         </p:nvPicPr>
         <p:blipFill>
-          <a:blip r:embed="rId4"/>
+          <a:blip r:embed="rId5"/>
           <a:stretch>
             <a:fillRect/>
           </a:stretch>
@@ -8852,7 +9182,9 @@
       <p:sp>
         <p:nvSpPr>
           <p:cNvPr id="259" name="标题 1"/>
-          <p:cNvSpPr txBox="1"/>
+          <p:cNvSpPr txBox="1">
+            <a:spLocks noGrp="1"/>
+          </p:cNvSpPr>
           <p:nvPr>
             <p:ph type="title"/>
           </p:nvPr>
@@ -8909,7 +9241,9 @@
       <p:sp>
         <p:nvSpPr>
           <p:cNvPr id="263" name="标题 1"/>
-          <p:cNvSpPr txBox="1"/>
+          <p:cNvSpPr txBox="1">
+            <a:spLocks noGrp="1"/>
+          </p:cNvSpPr>
           <p:nvPr>
             <p:ph type="title"/>
           </p:nvPr>
@@ -8936,7 +9270,9 @@
       <p:sp>
         <p:nvSpPr>
           <p:cNvPr id="264" name="内容占位符 2"/>
-          <p:cNvSpPr txBox="1"/>
+          <p:cNvSpPr txBox="1">
+            <a:spLocks noGrp="1"/>
+          </p:cNvSpPr>
           <p:nvPr>
             <p:ph type="body" idx="1"/>
           </p:nvPr>
@@ -8962,6 +9298,7 @@
                 <a:sym typeface="DejaVu Sans Mono Nerd Font Complete"/>
               </a:defRPr>
             </a:pPr>
+            <a:endParaRPr/>
           </a:p>
           <a:p>
             <a:pPr marL="342900" indent="-342900">
@@ -8997,12 +9334,6 @@
               </a:rPr>
               <a:t>Make a survey on RISC-V TEE: Keystone/Penglai</a:t>
             </a:r>
-            <a:endParaRPr>
-              <a:latin typeface="Consolas" panose="020B0609020204030204"/>
-              <a:ea typeface="Consolas" panose="020B0609020204030204"/>
-              <a:cs typeface="Consolas" panose="020B0609020204030204"/>
-              <a:sym typeface="Consolas" panose="020B0609020204030204"/>
-            </a:endParaRPr>
           </a:p>
           <a:p>
             <a:pPr marL="342900" indent="-342900">
@@ -9038,12 +9369,6 @@
               </a:rPr>
               <a:t>Explore the hardware extensions to support Unlimited PMP Entries</a:t>
             </a:r>
-            <a:endParaRPr>
-              <a:latin typeface="Consolas" panose="020B0609020204030204"/>
-              <a:ea typeface="Consolas" panose="020B0609020204030204"/>
-              <a:cs typeface="Consolas" panose="020B0609020204030204"/>
-              <a:sym typeface="Consolas" panose="020B0609020204030204"/>
-            </a:endParaRPr>
           </a:p>
           <a:p>
             <a:pPr marL="342900" indent="-342900">
@@ -9079,12 +9404,6 @@
               </a:rPr>
               <a:t>Investigate other virtualization techniques.</a:t>
             </a:r>
-            <a:endParaRPr>
-              <a:latin typeface="Consolas" panose="020B0609020204030204"/>
-              <a:ea typeface="Consolas" panose="020B0609020204030204"/>
-              <a:cs typeface="Consolas" panose="020B0609020204030204"/>
-              <a:sym typeface="Consolas" panose="020B0609020204030204"/>
-            </a:endParaRPr>
           </a:p>
         </p:txBody>
       </p:sp>
@@ -9117,7 +9436,9 @@
       <p:sp>
         <p:nvSpPr>
           <p:cNvPr id="268" name="标题 1"/>
-          <p:cNvSpPr txBox="1"/>
+          <p:cNvSpPr txBox="1">
+            <a:spLocks noGrp="1"/>
+          </p:cNvSpPr>
           <p:nvPr>
             <p:ph type="title"/>
           </p:nvPr>
@@ -9174,7 +9495,9 @@
       <p:sp>
         <p:nvSpPr>
           <p:cNvPr id="272" name="标题 1"/>
-          <p:cNvSpPr txBox="1"/>
+          <p:cNvSpPr txBox="1">
+            <a:spLocks noGrp="1"/>
+          </p:cNvSpPr>
           <p:nvPr>
             <p:ph type="title"/>
           </p:nvPr>
@@ -9201,7 +9524,9 @@
       <p:sp>
         <p:nvSpPr>
           <p:cNvPr id="273" name="内容占位符 2"/>
-          <p:cNvSpPr txBox="1"/>
+          <p:cNvSpPr txBox="1">
+            <a:spLocks noGrp="1"/>
+          </p:cNvSpPr>
           <p:nvPr>
             <p:ph type="body" idx="1"/>
           </p:nvPr>
@@ -9227,6 +9552,7 @@
                 <a:sym typeface="DejaVu Sans Mono Nerd Font Complete"/>
               </a:defRPr>
             </a:pPr>
+            <a:endParaRPr/>
           </a:p>
           <a:p>
             <a:pPr marL="342900" indent="-342900">
@@ -9262,12 +9588,6 @@
               </a:rPr>
               <a:t>We have prepared a docker image with RV64 architecture.</a:t>
             </a:r>
-            <a:endParaRPr>
-              <a:latin typeface="Consolas" panose="020B0609020204030204"/>
-              <a:ea typeface="Consolas" panose="020B0609020204030204"/>
-              <a:cs typeface="Consolas" panose="020B0609020204030204"/>
-              <a:sym typeface="Consolas" panose="020B0609020204030204"/>
-            </a:endParaRPr>
           </a:p>
         </p:txBody>
       </p:sp>
@@ -9280,7 +9600,7 @@
           <p:nvPr/>
         </p:nvPicPr>
         <p:blipFill>
-          <a:blip r:embed="rId1"/>
+          <a:blip r:embed="rId3"/>
           <a:stretch>
             <a:fillRect/>
           </a:stretch>
@@ -9329,7 +9649,9 @@
       <p:sp>
         <p:nvSpPr>
           <p:cNvPr id="278" name="标题 1"/>
-          <p:cNvSpPr txBox="1"/>
+          <p:cNvSpPr txBox="1">
+            <a:spLocks noGrp="1"/>
+          </p:cNvSpPr>
           <p:nvPr>
             <p:ph type="title"/>
           </p:nvPr>
@@ -9356,7 +9678,9 @@
       <p:sp>
         <p:nvSpPr>
           <p:cNvPr id="279" name="内容占位符 2"/>
-          <p:cNvSpPr txBox="1"/>
+          <p:cNvSpPr txBox="1">
+            <a:spLocks noGrp="1"/>
+          </p:cNvSpPr>
           <p:nvPr>
             <p:ph type="body" idx="1"/>
           </p:nvPr>
@@ -9382,6 +9706,7 @@
                 <a:sym typeface="DejaVu Sans Mono Nerd Font Complete"/>
               </a:defRPr>
             </a:pPr>
+            <a:endParaRPr/>
           </a:p>
           <a:p>
             <a:pPr marL="342900" indent="-342900">
@@ -9417,12 +9742,6 @@
               </a:rPr>
               <a:t>Cannot get the value of PMP CSRs on riscv-linux-gnu gdb.</a:t>
             </a:r>
-            <a:endParaRPr>
-              <a:latin typeface="Consolas" panose="020B0609020204030204"/>
-              <a:ea typeface="Consolas" panose="020B0609020204030204"/>
-              <a:cs typeface="Consolas" panose="020B0609020204030204"/>
-              <a:sym typeface="Consolas" panose="020B0609020204030204"/>
-            </a:endParaRPr>
           </a:p>
           <a:p>
             <a:pPr marL="342900" indent="-342900">
@@ -9506,12 +9825,6 @@
               </a:rPr>
               <a:t>However, on the riscv-linux-gnu gdb manual:</a:t>
             </a:r>
-            <a:endParaRPr>
-              <a:latin typeface="Consolas" panose="020B0609020204030204"/>
-              <a:ea typeface="Consolas" panose="020B0609020204030204"/>
-              <a:cs typeface="Consolas" panose="020B0609020204030204"/>
-              <a:sym typeface="Consolas" panose="020B0609020204030204"/>
-            </a:endParaRPr>
           </a:p>
         </p:txBody>
       </p:sp>
@@ -9524,7 +9837,7 @@
           <p:nvPr/>
         </p:nvPicPr>
         <p:blipFill>
-          <a:blip r:embed="rId1"/>
+          <a:blip r:embed="rId3"/>
           <a:stretch>
             <a:fillRect/>
           </a:stretch>
@@ -9553,7 +9866,7 @@
           <p:nvPr/>
         </p:nvPicPr>
         <p:blipFill>
-          <a:blip r:embed="rId2"/>
+          <a:blip r:embed="rId4"/>
           <a:stretch>
             <a:fillRect/>
           </a:stretch>
@@ -9602,7 +9915,9 @@
       <p:sp>
         <p:nvSpPr>
           <p:cNvPr id="164" name="标题 1"/>
-          <p:cNvSpPr txBox="1"/>
+          <p:cNvSpPr txBox="1">
+            <a:spLocks noGrp="1"/>
+          </p:cNvSpPr>
           <p:nvPr>
             <p:ph type="title"/>
           </p:nvPr>
@@ -9659,7 +9974,9 @@
       <p:sp>
         <p:nvSpPr>
           <p:cNvPr id="168" name="标题 1"/>
-          <p:cNvSpPr txBox="1"/>
+          <p:cNvSpPr txBox="1">
+            <a:spLocks noGrp="1"/>
+          </p:cNvSpPr>
           <p:nvPr>
             <p:ph type="title"/>
           </p:nvPr>
@@ -9686,7 +10003,9 @@
       <p:sp>
         <p:nvSpPr>
           <p:cNvPr id="169" name="内容占位符 2"/>
-          <p:cNvSpPr txBox="1"/>
+          <p:cNvSpPr txBox="1">
+            <a:spLocks noGrp="1"/>
+          </p:cNvSpPr>
           <p:nvPr>
             <p:ph type="body" idx="1"/>
           </p:nvPr>
@@ -9708,11 +10027,13 @@
               <a:buSzTx/>
               <a:buNone/>
             </a:pPr>
+            <a:endParaRPr/>
           </a:p>
           <a:p>
             <a:pPr marL="342900" indent="-342900">
               <a:defRPr sz="2400"/>
             </a:pPr>
+            <a:endParaRPr/>
           </a:p>
           <a:p>
             <a:pPr marL="342900" indent="-342900">
@@ -9736,6 +10057,7 @@
                 <a:sym typeface="DejaVu Sans Mono Nerd Font Complete"/>
               </a:defRPr>
             </a:pPr>
+            <a:endParaRPr/>
           </a:p>
           <a:p>
             <a:pPr marL="342900" indent="-342900">
@@ -9759,6 +10081,7 @@
                 <a:sym typeface="DejaVu Sans Mono Nerd Font Complete"/>
               </a:defRPr>
             </a:pPr>
+            <a:endParaRPr/>
           </a:p>
           <a:p>
             <a:pPr marL="342900" indent="-342900">
@@ -9804,7 +10127,9 @@
       <p:sp>
         <p:nvSpPr>
           <p:cNvPr id="173" name="标题 1"/>
-          <p:cNvSpPr txBox="1"/>
+          <p:cNvSpPr txBox="1">
+            <a:spLocks noGrp="1"/>
+          </p:cNvSpPr>
           <p:nvPr>
             <p:ph type="title"/>
           </p:nvPr>
@@ -9831,7 +10156,9 @@
       <p:sp>
         <p:nvSpPr>
           <p:cNvPr id="174" name="内容占位符 2"/>
-          <p:cNvSpPr txBox="1"/>
+          <p:cNvSpPr txBox="1">
+            <a:spLocks noGrp="1"/>
+          </p:cNvSpPr>
           <p:nvPr>
             <p:ph type="body" idx="1"/>
           </p:nvPr>
@@ -9853,11 +10180,13 @@
               <a:buSzTx/>
               <a:buNone/>
             </a:pPr>
+            <a:endParaRPr/>
           </a:p>
           <a:p>
             <a:pPr marL="342900" indent="-342900">
               <a:defRPr sz="2400"/>
             </a:pPr>
+            <a:endParaRPr/>
           </a:p>
           <a:p>
             <a:pPr marL="342900" indent="-342900">
@@ -9881,6 +10210,7 @@
                 <a:sym typeface="DejaVu Sans Mono Nerd Font Complete"/>
               </a:defRPr>
             </a:pPr>
+            <a:endParaRPr/>
           </a:p>
           <a:p>
             <a:pPr marL="342900" indent="-342900">
@@ -9926,7 +10256,9 @@
       <p:sp>
         <p:nvSpPr>
           <p:cNvPr id="178" name="标题 1"/>
-          <p:cNvSpPr txBox="1"/>
+          <p:cNvSpPr txBox="1">
+            <a:spLocks noGrp="1"/>
+          </p:cNvSpPr>
           <p:nvPr>
             <p:ph type="title"/>
           </p:nvPr>
@@ -9953,7 +10285,9 @@
       <p:sp>
         <p:nvSpPr>
           <p:cNvPr id="179" name="内容占位符 2"/>
-          <p:cNvSpPr txBox="1"/>
+          <p:cNvSpPr txBox="1">
+            <a:spLocks noGrp="1"/>
+          </p:cNvSpPr>
           <p:nvPr>
             <p:ph type="body" idx="1"/>
           </p:nvPr>
@@ -9975,11 +10309,13 @@
               <a:buSzTx/>
               <a:buNone/>
             </a:pPr>
+            <a:endParaRPr/>
           </a:p>
           <a:p>
             <a:pPr marL="342900" indent="-342900">
               <a:defRPr sz="2400"/>
             </a:pPr>
+            <a:endParaRPr/>
           </a:p>
           <a:p>
             <a:pPr marL="342900" indent="-342900">
@@ -10009,6 +10345,12 @@
                 <a:sym typeface="Consolas" panose="020B0609020204030204"/>
               </a:defRPr>
             </a:pPr>
+            <a:endParaRPr>
+              <a:latin typeface="Consolas" panose="020B0609020204030204"/>
+              <a:ea typeface="Consolas" panose="020B0609020204030204"/>
+              <a:cs typeface="Consolas" panose="020B0609020204030204"/>
+              <a:sym typeface="Consolas" panose="020B0609020204030204"/>
+            </a:endParaRPr>
           </a:p>
           <a:p>
             <a:pPr marL="342900" indent="-342900">
@@ -10038,6 +10380,12 @@
                 <a:sym typeface="Consolas" panose="020B0609020204030204"/>
               </a:defRPr>
             </a:pPr>
+            <a:endParaRPr>
+              <a:latin typeface="Consolas" panose="020B0609020204030204"/>
+              <a:ea typeface="Consolas" panose="020B0609020204030204"/>
+              <a:cs typeface="Consolas" panose="020B0609020204030204"/>
+              <a:sym typeface="Consolas" panose="020B0609020204030204"/>
+            </a:endParaRPr>
           </a:p>
           <a:p>
             <a:pPr marL="342900" indent="-342900">
@@ -10136,7 +10484,9 @@
       <p:sp>
         <p:nvSpPr>
           <p:cNvPr id="184" name="标题 1"/>
-          <p:cNvSpPr txBox="1"/>
+          <p:cNvSpPr txBox="1">
+            <a:spLocks noGrp="1"/>
+          </p:cNvSpPr>
           <p:nvPr>
             <p:ph type="title"/>
           </p:nvPr>
@@ -10163,7 +10513,9 @@
       <p:sp>
         <p:nvSpPr>
           <p:cNvPr id="185" name="内容占位符 2"/>
-          <p:cNvSpPr txBox="1"/>
+          <p:cNvSpPr txBox="1">
+            <a:spLocks noGrp="1"/>
+          </p:cNvSpPr>
           <p:nvPr>
             <p:ph type="body" idx="1"/>
           </p:nvPr>
@@ -10189,6 +10541,7 @@
               <a:buNone/>
               <a:defRPr sz="2575"/>
             </a:pPr>
+            <a:endParaRPr/>
           </a:p>
           <a:p>
             <a:pPr marL="315595" indent="-315595" defTabSz="841375">
@@ -10197,6 +10550,7 @@
               </a:spcBef>
               <a:defRPr sz="2210"/>
             </a:pPr>
+            <a:endParaRPr/>
           </a:p>
           <a:p>
             <a:pPr marL="315595" indent="-315595" defTabSz="841375">
@@ -10226,6 +10580,7 @@
                 <a:sym typeface="DejaVu Sans Mono Nerd Font Complete"/>
               </a:defRPr>
             </a:pPr>
+            <a:endParaRPr/>
           </a:p>
           <a:p>
             <a:pPr marL="315595" indent="-315595" defTabSz="841375">
@@ -10255,6 +10610,7 @@
                 <a:sym typeface="DejaVu Sans Mono Nerd Font Complete"/>
               </a:defRPr>
             </a:pPr>
+            <a:endParaRPr/>
           </a:p>
           <a:p>
             <a:pPr marL="315595" indent="-315595" defTabSz="841375">
@@ -10335,7 +10691,9 @@
       <p:sp>
         <p:nvSpPr>
           <p:cNvPr id="189" name="标题 1"/>
-          <p:cNvSpPr txBox="1"/>
+          <p:cNvSpPr txBox="1">
+            <a:spLocks noGrp="1"/>
+          </p:cNvSpPr>
           <p:nvPr>
             <p:ph type="title"/>
           </p:nvPr>
@@ -10368,7 +10726,7 @@
           <p:nvPr/>
         </p:nvPicPr>
         <p:blipFill>
-          <a:blip r:embed="rId1"/>
+          <a:blip r:embed="rId3"/>
           <a:stretch>
             <a:fillRect/>
           </a:stretch>
@@ -10397,7 +10755,7 @@
           <p:nvPr/>
         </p:nvPicPr>
         <p:blipFill>
-          <a:blip r:embed="rId2"/>
+          <a:blip r:embed="rId4"/>
           <a:stretch>
             <a:fillRect/>
           </a:stretch>
@@ -10446,7 +10804,9 @@
       <p:sp>
         <p:nvSpPr>
           <p:cNvPr id="195" name="标题 1"/>
-          <p:cNvSpPr txBox="1"/>
+          <p:cNvSpPr txBox="1">
+            <a:spLocks noGrp="1"/>
+          </p:cNvSpPr>
           <p:nvPr>
             <p:ph type="title"/>
           </p:nvPr>
@@ -10473,7 +10833,9 @@
       <p:sp>
         <p:nvSpPr>
           <p:cNvPr id="196" name="内容占位符 2"/>
-          <p:cNvSpPr txBox="1"/>
+          <p:cNvSpPr txBox="1">
+            <a:spLocks noGrp="1"/>
+          </p:cNvSpPr>
           <p:nvPr>
             <p:ph type="body" idx="1"/>
           </p:nvPr>
@@ -10495,11 +10857,13 @@
               <a:buSzTx/>
               <a:buNone/>
             </a:pPr>
+            <a:endParaRPr/>
           </a:p>
           <a:p>
             <a:pPr marL="342900" indent="-342900">
               <a:defRPr sz="2400"/>
             </a:pPr>
+            <a:endParaRPr/>
           </a:p>
           <a:p>
             <a:pPr marL="342900" indent="-342900">
@@ -10537,6 +10901,12 @@
                 <a:sym typeface="Consolas" panose="020B0609020204030204"/>
               </a:defRPr>
             </a:pPr>
+            <a:endParaRPr>
+              <a:latin typeface="Consolas" panose="020B0609020204030204"/>
+              <a:ea typeface="Consolas" panose="020B0609020204030204"/>
+              <a:cs typeface="Consolas" panose="020B0609020204030204"/>
+              <a:sym typeface="Consolas" panose="020B0609020204030204"/>
+            </a:endParaRPr>
           </a:p>
           <a:p>
             <a:pPr marL="342900" indent="-342900">
@@ -10574,6 +10944,12 @@
                 <a:sym typeface="Consolas" panose="020B0609020204030204"/>
               </a:defRPr>
             </a:pPr>
+            <a:endParaRPr>
+              <a:latin typeface="Consolas" panose="020B0609020204030204"/>
+              <a:ea typeface="Consolas" panose="020B0609020204030204"/>
+              <a:cs typeface="Consolas" panose="020B0609020204030204"/>
+              <a:sym typeface="Consolas" panose="020B0609020204030204"/>
+            </a:endParaRPr>
           </a:p>
           <a:p>
             <a:pPr marL="342900" indent="-342900">
@@ -10595,11 +10971,6 @@
               </a:rPr>
               <a:t>EXISTS</a:t>
             </a:r>
-            <a:endParaRPr>
-              <a:solidFill>
-                <a:srgbClr val="FF2600"/>
-              </a:solidFill>
-            </a:endParaRPr>
           </a:p>
         </p:txBody>
       </p:sp>
@@ -10613,14 +10984,14 @@
 </file>
 
 <file path=ppt/tags/tag1.xml><?xml version="1.0" encoding="utf-8"?>
-<p:tagLst xmlns:p="http://schemas.openxmlformats.org/presentationml/2006/main">
-  <p:tag name="KSO_WM_UNIT_PLACING_PICTURE_USER_VIEWPORT" val="{&quot;height&quot;:2532,&quot;width&quot;:2604}"/>
+<p:tagLst xmlns:a="http://schemas.openxmlformats.org/drawingml/2006/main" xmlns:r="http://schemas.openxmlformats.org/officeDocument/2006/relationships" xmlns:p="http://schemas.openxmlformats.org/presentationml/2006/main">
+  <p:tag name="COMMONDATA" val="eyJoZGlkIjoiMjU5NWIwMDFkOGE1ZDUxYWJiZGY5Y2Q5YzFhZTUwYTYifQ=="/>
 </p:tagLst>
 </file>
 
 <file path=ppt/tags/tag2.xml><?xml version="1.0" encoding="utf-8"?>
-<p:tagLst xmlns:p="http://schemas.openxmlformats.org/presentationml/2006/main">
-  <p:tag name="COMMONDATA" val="eyJoZGlkIjoiMjU5NWIwMDFkOGE1ZDUxYWJiZGY5Y2Q5YzFhZTUwYTYifQ=="/>
+<p:tagLst xmlns:a="http://schemas.openxmlformats.org/drawingml/2006/main" xmlns:r="http://schemas.openxmlformats.org/officeDocument/2006/relationships" xmlns:p="http://schemas.openxmlformats.org/presentationml/2006/main">
+  <p:tag name="KSO_WM_UNIT_PLACING_PICTURE_USER_VIEWPORT" val="{&quot;height&quot;:2532,&quot;width&quot;:2604}"/>
 </p:tagLst>
 </file>
 
@@ -10825,7 +11196,7 @@
           <a:round/>
         </a:ln>
       </a:spPr>
-      <a:bodyPr rot="0" spcFirstLastPara="1" vertOverflow="overflow" horzOverflow="overflow" vert="horz" wrap="square" lIns="45718" tIns="45718" rIns="45718" bIns="45718" numCol="1" spcCol="38100" rtlCol="0" anchor="ctr" upright="0">
+      <a:bodyPr rot="0" spcFirstLastPara="1" vertOverflow="overflow" horzOverflow="overflow" vert="horz" wrap="square" lIns="45718" tIns="45718" rIns="45718" bIns="45718" numCol="1" spcCol="38100" rtlCol="0" anchor="ctr">
         <a:spAutoFit/>
       </a:bodyPr>
       <a:lstStyle>
@@ -11108,7 +11479,7 @@
           <a:round/>
         </a:ln>
       </a:spPr>
-      <a:bodyPr rot="0" spcFirstLastPara="1" vertOverflow="overflow" horzOverflow="overflow" vert="horz" wrap="square" lIns="91439" tIns="45719" rIns="91439" bIns="45719" numCol="1" spcCol="38100" rtlCol="0" anchor="t" upright="0">
+      <a:bodyPr rot="0" spcFirstLastPara="1" vertOverflow="overflow" horzOverflow="overflow" vert="horz" wrap="square" lIns="91439" tIns="45719" rIns="91439" bIns="45719" numCol="1" spcCol="38100" rtlCol="0" anchor="t">
         <a:noAutofit/>
       </a:bodyPr>
       <a:lstStyle>
@@ -11384,7 +11755,7 @@
           <a:miter lim="400000"/>
         </a:ln>
       </a:spPr>
-      <a:bodyPr rot="0" spcFirstLastPara="1" vertOverflow="overflow" horzOverflow="overflow" vert="horz" wrap="square" lIns="45718" tIns="45718" rIns="45718" bIns="45718" numCol="1" spcCol="38100" rtlCol="0" anchor="t" upright="0">
+      <a:bodyPr rot="0" spcFirstLastPara="1" vertOverflow="overflow" horzOverflow="overflow" vert="horz" wrap="square" lIns="45718" tIns="45718" rIns="45718" bIns="45718" numCol="1" spcCol="38100" rtlCol="0" anchor="t">
         <a:spAutoFit/>
       </a:bodyPr>
       <a:lstStyle>
@@ -11657,6 +12028,7 @@
       </a:style>
     </a:txDef>
   </a:objectDefaults>
+  <a:extraClrSchemeLst/>
   <a:extLst>
     <a:ext uri="{05A4C25C-085E-4340-85A3-A5531E510DB2}">
       <thm15:themeFamily xmlns:thm15="http://schemas.microsoft.com/office/thememl/2012/main" name="Office Theme" id="{62F939B6-93AF-4DB8-9C6B-D6C7DFDC589F}" vid="{4A3C46E8-61CC-4603-A589-7422A47A8E4A}"/>
@@ -11866,7 +12238,7 @@
           <a:round/>
         </a:ln>
       </a:spPr>
-      <a:bodyPr rot="0" spcFirstLastPara="1" vertOverflow="overflow" horzOverflow="overflow" vert="horz" wrap="square" lIns="45718" tIns="45718" rIns="45718" bIns="45718" numCol="1" spcCol="38100" rtlCol="0" anchor="ctr" upright="0">
+      <a:bodyPr rot="0" spcFirstLastPara="1" vertOverflow="overflow" horzOverflow="overflow" vert="horz" wrap="square" lIns="45718" tIns="45718" rIns="45718" bIns="45718" numCol="1" spcCol="38100" rtlCol="0" anchor="ctr">
         <a:spAutoFit/>
       </a:bodyPr>
       <a:lstStyle>
@@ -12149,7 +12521,7 @@
           <a:round/>
         </a:ln>
       </a:spPr>
-      <a:bodyPr rot="0" spcFirstLastPara="1" vertOverflow="overflow" horzOverflow="overflow" vert="horz" wrap="square" lIns="91439" tIns="45719" rIns="91439" bIns="45719" numCol="1" spcCol="38100" rtlCol="0" anchor="t" upright="0">
+      <a:bodyPr rot="0" spcFirstLastPara="1" vertOverflow="overflow" horzOverflow="overflow" vert="horz" wrap="square" lIns="91439" tIns="45719" rIns="91439" bIns="45719" numCol="1" spcCol="38100" rtlCol="0" anchor="t">
         <a:noAutofit/>
       </a:bodyPr>
       <a:lstStyle>
@@ -12425,7 +12797,7 @@
           <a:miter lim="400000"/>
         </a:ln>
       </a:spPr>
-      <a:bodyPr rot="0" spcFirstLastPara="1" vertOverflow="overflow" horzOverflow="overflow" vert="horz" wrap="square" lIns="45718" tIns="45718" rIns="45718" bIns="45718" numCol="1" spcCol="38100" rtlCol="0" anchor="t" upright="0">
+      <a:bodyPr rot="0" spcFirstLastPara="1" vertOverflow="overflow" horzOverflow="overflow" vert="horz" wrap="square" lIns="45718" tIns="45718" rIns="45718" bIns="45718" numCol="1" spcCol="38100" rtlCol="0" anchor="t">
         <a:spAutoFit/>
       </a:bodyPr>
       <a:lstStyle>
@@ -12698,6 +13070,7 @@
       </a:style>
     </a:txDef>
   </a:objectDefaults>
+  <a:extraClrSchemeLst/>
   <a:extLst>
     <a:ext uri="{05A4C25C-085E-4340-85A3-A5531E510DB2}">
       <thm15:themeFamily xmlns:thm15="http://schemas.microsoft.com/office/thememl/2012/main" name="Office Theme" id="{62F939B6-93AF-4DB8-9C6B-D6C7DFDC589F}" vid="{4A3C46E8-61CC-4603-A589-7422A47A8E4A}"/>

--- a/proposal.pptx
+++ b/proposal.pptx
@@ -32,16 +32,17 @@
     <p:sldId id="282" r:id="rId25"/>
     <p:sldId id="283" r:id="rId26"/>
     <p:sldId id="284" r:id="rId27"/>
-    <p:sldId id="277" r:id="rId28"/>
-    <p:sldId id="278" r:id="rId29"/>
-    <p:sldId id="279" r:id="rId30"/>
-    <p:sldId id="280" r:id="rId31"/>
-    <p:sldId id="281" r:id="rId32"/>
+    <p:sldId id="291" r:id="rId28"/>
+    <p:sldId id="277" r:id="rId29"/>
+    <p:sldId id="278" r:id="rId30"/>
+    <p:sldId id="279" r:id="rId31"/>
+    <p:sldId id="280" r:id="rId32"/>
+    <p:sldId id="281" r:id="rId33"/>
   </p:sldIdLst>
   <p:sldSz cx="12192000" cy="6858000"/>
   <p:notesSz cx="6858000" cy="9144000"/>
   <p:custDataLst>
-    <p:tags r:id="rId36"/>
+    <p:tags r:id="rId37"/>
   </p:custDataLst>
   <p:defaultTextStyle>
     <a:defPPr marL="0" marR="0" indent="0" algn="l" defTabSz="914400" rtl="0" fontAlgn="auto" latinLnBrk="1" hangingPunct="0">
@@ -6219,11 +6220,19 @@
               <a:buSzTx/>
               <a:buNone/>
             </a:pPr>
+            <a:endParaRPr>
+              <a:latin typeface="Calibri" panose="020F0502020204030204" charset="0"/>
+              <a:cs typeface="Calibri" panose="020F0502020204030204" charset="0"/>
+            </a:endParaRPr>
           </a:p>
           <a:p>
             <a:pPr marL="342900" indent="-342900">
               <a:defRPr sz="2400"/>
             </a:pPr>
+            <a:endParaRPr>
+              <a:latin typeface="Calibri" panose="020F0502020204030204" charset="0"/>
+              <a:cs typeface="Calibri" panose="020F0502020204030204" charset="0"/>
+            </a:endParaRPr>
           </a:p>
           <a:p>
             <a:pPr marL="342900" indent="-342900">
@@ -6235,6 +6244,10 @@
               </a:defRPr>
             </a:pPr>
             <a:r>
+              <a:rPr>
+                <a:latin typeface="Calibri" panose="020F0502020204030204" charset="0"/>
+                <a:cs typeface="Calibri" panose="020F0502020204030204" charset="0"/>
+              </a:rPr>
               <a:t>Protection-key-use-after-free </a:t>
             </a:r>
             <a:r>
@@ -6242,13 +6255,15 @@
                 <a:solidFill>
                   <a:schemeClr val="accent1"/>
                 </a:solidFill>
+                <a:latin typeface="Calibri" panose="020F0502020204030204" charset="0"/>
+                <a:cs typeface="Calibri" panose="020F0502020204030204" charset="0"/>
               </a:rPr>
               <a:t>TO BE CONTINUED</a:t>
             </a:r>
             <a:endParaRPr>
-              <a:latin typeface="Consolas" panose="020B0609020204030204"/>
+              <a:latin typeface="Calibri" panose="020F0502020204030204" charset="0"/>
               <a:ea typeface="Consolas" panose="020B0609020204030204"/>
-              <a:cs typeface="Consolas" panose="020B0609020204030204"/>
+              <a:cs typeface="Calibri" panose="020F0502020204030204" charset="0"/>
               <a:sym typeface="Consolas" panose="020B0609020204030204"/>
             </a:endParaRPr>
           </a:p>
@@ -6261,6 +6276,10 @@
                 <a:sym typeface="Consolas" panose="020B0609020204030204"/>
               </a:defRPr>
             </a:pPr>
+            <a:endParaRPr>
+              <a:latin typeface="Calibri" panose="020F0502020204030204" charset="0"/>
+              <a:cs typeface="Calibri" panose="020F0502020204030204" charset="0"/>
+            </a:endParaRPr>
           </a:p>
           <a:p>
             <a:pPr marL="800100" lvl="1" indent="-342900">
@@ -6273,35 +6292,17 @@
             </a:pPr>
             <a:r>
               <a:rPr>
-                <a:latin typeface="Consolas" panose="020B0609020204030204"/>
+                <a:latin typeface="Calibri" panose="020F0502020204030204" charset="0"/>
                 <a:ea typeface="Consolas" panose="020B0609020204030204"/>
-                <a:cs typeface="Consolas" panose="020B0609020204030204"/>
+                <a:cs typeface="Calibri" panose="020F0502020204030204" charset="0"/>
                 <a:sym typeface="Consolas" panose="020B0609020204030204"/>
               </a:rPr>
-              <a:t>RISC-V PMP uses </a:t>
-            </a:r>
-            <a:r>
-              <a:rPr>
-                <a:latin typeface="Consolas" panose="020B0609020204030204"/>
-                <a:ea typeface="Consolas" panose="020B0609020204030204"/>
-                <a:cs typeface="Consolas" panose="020B0609020204030204"/>
-                <a:sym typeface="Consolas" panose="020B0609020204030204"/>
-              </a:rPr>
-              <a:t>PMP entries</a:t>
-            </a:r>
-            <a:r>
-              <a:rPr>
-                <a:latin typeface="Consolas" panose="020B0609020204030204"/>
-                <a:ea typeface="Consolas" panose="020B0609020204030204"/>
-                <a:cs typeface="Consolas" panose="020B0609020204030204"/>
-                <a:sym typeface="Consolas" panose="020B0609020204030204"/>
-              </a:rPr>
-              <a:t> instead of protection key.</a:t>
+              <a:t>RISC-V PMP uses PMP entries instead of protection key.</a:t>
             </a:r>
             <a:endParaRPr>
-              <a:latin typeface="Consolas" panose="020B0609020204030204"/>
+              <a:latin typeface="Calibri" panose="020F0502020204030204" charset="0"/>
               <a:ea typeface="Consolas" panose="020B0609020204030204"/>
-              <a:cs typeface="Consolas" panose="020B0609020204030204"/>
+              <a:cs typeface="Calibri" panose="020F0502020204030204" charset="0"/>
               <a:sym typeface="Consolas" panose="020B0609020204030204"/>
             </a:endParaRPr>
           </a:p>
@@ -6315,9 +6316,9 @@
               </a:defRPr>
             </a:pPr>
             <a:endParaRPr>
-              <a:latin typeface="Consolas" panose="020B0609020204030204"/>
+              <a:latin typeface="Calibri" panose="020F0502020204030204" charset="0"/>
               <a:ea typeface="Consolas" panose="020B0609020204030204"/>
-              <a:cs typeface="Consolas" panose="020B0609020204030204"/>
+              <a:cs typeface="Calibri" panose="020F0502020204030204" charset="0"/>
               <a:sym typeface="Consolas" panose="020B0609020204030204"/>
             </a:endParaRPr>
           </a:p>
@@ -6332,17 +6333,17 @@
             </a:pPr>
             <a:r>
               <a:rPr>
-                <a:latin typeface="Consolas" panose="020B0609020204030204"/>
+                <a:latin typeface="Calibri" panose="020F0502020204030204" charset="0"/>
                 <a:ea typeface="Consolas" panose="020B0609020204030204"/>
-                <a:cs typeface="Consolas" panose="020B0609020204030204"/>
+                <a:cs typeface="Calibri" panose="020F0502020204030204" charset="0"/>
                 <a:sym typeface="Consolas" panose="020B0609020204030204"/>
               </a:rPr>
               <a:t>No specification on the free for PMP entries, need experiments.</a:t>
             </a:r>
             <a:endParaRPr>
-              <a:latin typeface="Consolas" panose="020B0609020204030204"/>
+              <a:latin typeface="Calibri" panose="020F0502020204030204" charset="0"/>
               <a:ea typeface="Consolas" panose="020B0609020204030204"/>
-              <a:cs typeface="Consolas" panose="020B0609020204030204"/>
+              <a:cs typeface="Calibri" panose="020F0502020204030204" charset="0"/>
               <a:sym typeface="Consolas" panose="020B0609020204030204"/>
             </a:endParaRPr>
           </a:p>
@@ -6431,9 +6432,9 @@
               </a:defRPr>
             </a:pPr>
             <a:endParaRPr>
-              <a:latin typeface="Consolas" panose="020B0609020204030204"/>
+              <a:latin typeface="Calibri" panose="020F0502020204030204" charset="0"/>
               <a:ea typeface="Consolas" panose="020B0609020204030204"/>
-              <a:cs typeface="Consolas" panose="020B0609020204030204"/>
+              <a:cs typeface="Calibri" panose="020F0502020204030204" charset="0"/>
               <a:sym typeface="Consolas" panose="020B0609020204030204"/>
             </a:endParaRPr>
           </a:p>
@@ -6446,6 +6447,10 @@
                 <a:sym typeface="Consolas" panose="020B0609020204030204"/>
               </a:defRPr>
             </a:pPr>
+            <a:endParaRPr>
+              <a:latin typeface="Calibri" panose="020F0502020204030204" charset="0"/>
+              <a:cs typeface="Calibri" panose="020F0502020204030204" charset="0"/>
+            </a:endParaRPr>
           </a:p>
           <a:p>
             <a:pPr marL="342900" indent="-342900">
@@ -6457,6 +6462,10 @@
               </a:defRPr>
             </a:pPr>
             <a:r>
+              <a:rPr>
+                <a:latin typeface="Calibri" panose="020F0502020204030204" charset="0"/>
+                <a:cs typeface="Calibri" panose="020F0502020204030204" charset="0"/>
+              </a:rPr>
               <a:t>Protection key limitation </a:t>
             </a:r>
             <a:r>
@@ -6464,13 +6473,15 @@
                 <a:solidFill>
                   <a:srgbClr val="FF2600"/>
                 </a:solidFill>
+                <a:latin typeface="Calibri" panose="020F0502020204030204" charset="0"/>
+                <a:cs typeface="Calibri" panose="020F0502020204030204" charset="0"/>
               </a:rPr>
               <a:t>EXISTS</a:t>
             </a:r>
             <a:endParaRPr>
-              <a:latin typeface="Consolas" panose="020B0609020204030204"/>
+              <a:latin typeface="Calibri" panose="020F0502020204030204" charset="0"/>
               <a:ea typeface="Consolas" panose="020B0609020204030204"/>
-              <a:cs typeface="Consolas" panose="020B0609020204030204"/>
+              <a:cs typeface="Calibri" panose="020F0502020204030204" charset="0"/>
               <a:sym typeface="Consolas" panose="020B0609020204030204"/>
             </a:endParaRPr>
           </a:p>
@@ -6483,6 +6494,10 @@
                 <a:sym typeface="Consolas" panose="020B0609020204030204"/>
               </a:defRPr>
             </a:pPr>
+            <a:endParaRPr>
+              <a:latin typeface="Calibri" panose="020F0502020204030204" charset="0"/>
+              <a:cs typeface="Calibri" panose="020F0502020204030204" charset="0"/>
+            </a:endParaRPr>
           </a:p>
           <a:p>
             <a:pPr marL="800100" lvl="1" indent="-342900">
@@ -6495,17 +6510,17 @@
             </a:pPr>
             <a:r>
               <a:rPr>
-                <a:latin typeface="Consolas" panose="020B0609020204030204"/>
+                <a:latin typeface="Calibri" panose="020F0502020204030204" charset="0"/>
                 <a:ea typeface="Consolas" panose="020B0609020204030204"/>
-                <a:cs typeface="Consolas" panose="020B0609020204030204"/>
+                <a:cs typeface="Calibri" panose="020F0502020204030204" charset="0"/>
                 <a:sym typeface="Consolas" panose="020B0609020204030204"/>
               </a:rPr>
               <a:t>Each hart only has 16 PMP entries.</a:t>
             </a:r>
             <a:endParaRPr>
-              <a:latin typeface="Consolas" panose="020B0609020204030204"/>
+              <a:latin typeface="Calibri" panose="020F0502020204030204" charset="0"/>
               <a:ea typeface="Consolas" panose="020B0609020204030204"/>
-              <a:cs typeface="Consolas" panose="020B0609020204030204"/>
+              <a:cs typeface="Calibri" panose="020F0502020204030204" charset="0"/>
               <a:sym typeface="Consolas" panose="020B0609020204030204"/>
             </a:endParaRPr>
           </a:p>
@@ -6519,9 +6534,9 @@
               </a:defRPr>
             </a:pPr>
             <a:endParaRPr>
-              <a:latin typeface="Consolas" panose="020B0609020204030204"/>
+              <a:latin typeface="Calibri" panose="020F0502020204030204" charset="0"/>
               <a:ea typeface="Consolas" panose="020B0609020204030204"/>
-              <a:cs typeface="Consolas" panose="020B0609020204030204"/>
+              <a:cs typeface="Calibri" panose="020F0502020204030204" charset="0"/>
               <a:sym typeface="Consolas" panose="020B0609020204030204"/>
             </a:endParaRPr>
           </a:p>
@@ -6536,17 +6551,17 @@
             </a:pPr>
             <a:r>
               <a:rPr>
-                <a:latin typeface="Consolas" panose="020B0609020204030204"/>
+                <a:latin typeface="Calibri" panose="020F0502020204030204" charset="0"/>
                 <a:ea typeface="Consolas" panose="020B0609020204030204"/>
-                <a:cs typeface="Consolas" panose="020B0609020204030204"/>
+                <a:cs typeface="Calibri" panose="020F0502020204030204" charset="0"/>
                 <a:sym typeface="Consolas" panose="020B0609020204030204"/>
               </a:rPr>
               <a:t>If a hart request for 17 memory isolation request, one of the PMP entries will be overwritten.</a:t>
             </a:r>
             <a:endParaRPr>
-              <a:latin typeface="Consolas" panose="020B0609020204030204"/>
+              <a:latin typeface="Calibri" panose="020F0502020204030204" charset="0"/>
               <a:ea typeface="Consolas" panose="020B0609020204030204"/>
-              <a:cs typeface="Consolas" panose="020B0609020204030204"/>
+              <a:cs typeface="Calibri" panose="020F0502020204030204" charset="0"/>
               <a:sym typeface="Consolas" panose="020B0609020204030204"/>
             </a:endParaRPr>
           </a:p>
@@ -6634,6 +6649,10 @@
                 <a:sym typeface="DejaVu Sans Mono Nerd Font Complete"/>
               </a:defRPr>
             </a:pPr>
+            <a:endParaRPr>
+              <a:latin typeface="Calibri" panose="020F0502020204030204" charset="0"/>
+              <a:cs typeface="Calibri" panose="020F0502020204030204" charset="0"/>
+            </a:endParaRPr>
           </a:p>
           <a:p>
             <a:pPr marL="342900" indent="-342900">
@@ -6645,9 +6664,9 @@
               </a:defRPr>
             </a:pPr>
             <a:endParaRPr>
-              <a:latin typeface="Consolas" panose="020B0609020204030204"/>
+              <a:latin typeface="Calibri" panose="020F0502020204030204" charset="0"/>
               <a:ea typeface="Consolas" panose="020B0609020204030204"/>
-              <a:cs typeface="Consolas" panose="020B0609020204030204"/>
+              <a:cs typeface="Calibri" panose="020F0502020204030204" charset="0"/>
               <a:sym typeface="Consolas" panose="020B0609020204030204"/>
             </a:endParaRPr>
           </a:p>
@@ -6661,6 +6680,10 @@
               </a:defRPr>
             </a:pPr>
             <a:r>
+              <a:rPr>
+                <a:latin typeface="Calibri" panose="020F0502020204030204" charset="0"/>
+                <a:cs typeface="Calibri" panose="020F0502020204030204" charset="0"/>
+              </a:rPr>
               <a:t>Inter-thread synchronization </a:t>
             </a:r>
             <a:r>
@@ -6668,6 +6691,8 @@
                 <a:solidFill>
                   <a:srgbClr val="FF2600"/>
                 </a:solidFill>
+                <a:latin typeface="Calibri" panose="020F0502020204030204" charset="0"/>
+                <a:cs typeface="Calibri" panose="020F0502020204030204" charset="0"/>
               </a:rPr>
               <a:t>EXISTS</a:t>
             </a:r>
@@ -6675,6 +6700,8 @@
               <a:solidFill>
                 <a:srgbClr val="008F00"/>
               </a:solidFill>
+              <a:latin typeface="Calibri" panose="020F0502020204030204" charset="0"/>
+              <a:cs typeface="Calibri" panose="020F0502020204030204" charset="0"/>
             </a:endParaRPr>
           </a:p>
           <a:p>
@@ -6690,6 +6717,8 @@
               <a:solidFill>
                 <a:srgbClr val="008F00"/>
               </a:solidFill>
+              <a:latin typeface="Calibri" panose="020F0502020204030204" charset="0"/>
+              <a:cs typeface="Calibri" panose="020F0502020204030204" charset="0"/>
             </a:endParaRPr>
           </a:p>
           <a:p>
@@ -6702,8 +6731,16 @@
               </a:defRPr>
             </a:pPr>
             <a:r>
+              <a:rPr>
+                <a:latin typeface="Calibri" panose="020F0502020204030204" charset="0"/>
+                <a:cs typeface="Calibri" panose="020F0502020204030204" charset="0"/>
+              </a:rPr>
               <a:t>Each hart has its own 16 PMP entries.</a:t>
             </a:r>
+            <a:endParaRPr>
+              <a:latin typeface="Calibri" panose="020F0502020204030204" charset="0"/>
+              <a:cs typeface="Calibri" panose="020F0502020204030204" charset="0"/>
+            </a:endParaRPr>
           </a:p>
           <a:p>
             <a:pPr marL="800100" lvl="1" indent="-342900">
@@ -6714,6 +6751,10 @@
                 <a:sym typeface="DejaVu Sans Mono Nerd Font Complete"/>
               </a:defRPr>
             </a:pPr>
+            <a:endParaRPr>
+              <a:latin typeface="Calibri" panose="020F0502020204030204" charset="0"/>
+              <a:cs typeface="Calibri" panose="020F0502020204030204" charset="0"/>
+            </a:endParaRPr>
           </a:p>
           <a:p>
             <a:pPr marL="800100" lvl="1" indent="-342900">
@@ -6725,8 +6766,16 @@
               </a:defRPr>
             </a:pPr>
             <a:r>
+              <a:rPr>
+                <a:latin typeface="Calibri" panose="020F0502020204030204" charset="0"/>
+                <a:cs typeface="Calibri" panose="020F0502020204030204" charset="0"/>
+              </a:rPr>
               <a:t>One thread on a hart edits PMP entries, the other thread on another hart cannot be synchronized.</a:t>
             </a:r>
+            <a:endParaRPr>
+              <a:latin typeface="Calibri" panose="020F0502020204030204" charset="0"/>
+              <a:cs typeface="Calibri" panose="020F0502020204030204" charset="0"/>
+            </a:endParaRPr>
           </a:p>
         </p:txBody>
       </p:sp>
@@ -6778,7 +6827,14 @@
           <a:lstStyle/>
           <a:p>
             <a:r>
-              <a:t>Why it is important?</a:t>
+              <a:t>Why it is </a:t>
+            </a:r>
+            <a:r>
+              <a:rPr lang="en-US"/>
+              <a:t>I</a:t>
+            </a:r>
+            <a:r>
+              <a:t>mportant?</a:t>
             </a:r>
           </a:p>
         </p:txBody>
@@ -6812,6 +6868,10 @@
                 <a:sym typeface="DejaVu Sans Mono Nerd Font Complete"/>
               </a:defRPr>
             </a:pPr>
+            <a:endParaRPr>
+              <a:latin typeface="Calibri" panose="020F0502020204030204" charset="0"/>
+              <a:cs typeface="Calibri" panose="020F0502020204030204" charset="0"/>
+            </a:endParaRPr>
           </a:p>
           <a:p>
             <a:pPr marL="342900" indent="-342900">
@@ -6823,9 +6883,9 @@
               </a:defRPr>
             </a:pPr>
             <a:endParaRPr>
-              <a:latin typeface="Consolas" panose="020B0609020204030204"/>
+              <a:latin typeface="Calibri" panose="020F0502020204030204" charset="0"/>
               <a:ea typeface="Consolas" panose="020B0609020204030204"/>
-              <a:cs typeface="Consolas" panose="020B0609020204030204"/>
+              <a:cs typeface="Calibri" panose="020F0502020204030204" charset="0"/>
               <a:sym typeface="Consolas" panose="020B0609020204030204"/>
             </a:endParaRPr>
           </a:p>
@@ -6840,17 +6900,17 @@
             </a:pPr>
             <a:r>
               <a:rPr>
-                <a:latin typeface="Consolas" panose="020B0609020204030204"/>
+                <a:latin typeface="Calibri" panose="020F0502020204030204" charset="0"/>
                 <a:ea typeface="Consolas" panose="020B0609020204030204"/>
-                <a:cs typeface="Consolas" panose="020B0609020204030204"/>
+                <a:cs typeface="Calibri" panose="020F0502020204030204" charset="0"/>
                 <a:sym typeface="Consolas" panose="020B0609020204030204"/>
               </a:rPr>
               <a:t>Protection key limitation</a:t>
             </a:r>
             <a:endParaRPr>
-              <a:latin typeface="Consolas" panose="020B0609020204030204"/>
+              <a:latin typeface="Calibri" panose="020F0502020204030204" charset="0"/>
               <a:ea typeface="Consolas" panose="020B0609020204030204"/>
-              <a:cs typeface="Consolas" panose="020B0609020204030204"/>
+              <a:cs typeface="Calibri" panose="020F0502020204030204" charset="0"/>
               <a:sym typeface="Consolas" panose="020B0609020204030204"/>
             </a:endParaRPr>
           </a:p>
@@ -6865,17 +6925,17 @@
             </a:pPr>
             <a:r>
               <a:rPr>
-                <a:latin typeface="Consolas" panose="020B0609020204030204"/>
+                <a:latin typeface="Calibri" panose="020F0502020204030204" charset="0"/>
                 <a:ea typeface="Consolas" panose="020B0609020204030204"/>
-                <a:cs typeface="Consolas" panose="020B0609020204030204"/>
+                <a:cs typeface="Calibri" panose="020F0502020204030204" charset="0"/>
                 <a:sym typeface="Consolas" panose="020B0609020204030204"/>
               </a:rPr>
               <a:t>If one program issue 17 memory isolation request, current design cannot support it.</a:t>
             </a:r>
             <a:endParaRPr>
-              <a:latin typeface="Consolas" panose="020B0609020204030204"/>
+              <a:latin typeface="Calibri" panose="020F0502020204030204" charset="0"/>
               <a:ea typeface="Consolas" panose="020B0609020204030204"/>
-              <a:cs typeface="Consolas" panose="020B0609020204030204"/>
+              <a:cs typeface="Calibri" panose="020F0502020204030204" charset="0"/>
               <a:sym typeface="Consolas" panose="020B0609020204030204"/>
             </a:endParaRPr>
           </a:p>
@@ -6889,9 +6949,9 @@
               </a:defRPr>
             </a:pPr>
             <a:endParaRPr>
-              <a:latin typeface="Consolas" panose="020B0609020204030204"/>
+              <a:latin typeface="Calibri" panose="020F0502020204030204" charset="0"/>
               <a:ea typeface="Consolas" panose="020B0609020204030204"/>
-              <a:cs typeface="Consolas" panose="020B0609020204030204"/>
+              <a:cs typeface="Calibri" panose="020F0502020204030204" charset="0"/>
               <a:sym typeface="Consolas" panose="020B0609020204030204"/>
             </a:endParaRPr>
           </a:p>
@@ -6906,17 +6966,17 @@
             </a:pPr>
             <a:r>
               <a:rPr>
-                <a:latin typeface="Consolas" panose="020B0609020204030204"/>
+                <a:latin typeface="Calibri" panose="020F0502020204030204" charset="0"/>
                 <a:ea typeface="Consolas" panose="020B0609020204030204"/>
-                <a:cs typeface="Consolas" panose="020B0609020204030204"/>
+                <a:cs typeface="Calibri" panose="020F0502020204030204" charset="0"/>
                 <a:sym typeface="Consolas" panose="020B0609020204030204"/>
               </a:rPr>
               <a:t>Inter-thread synchronization</a:t>
             </a:r>
             <a:endParaRPr>
-              <a:latin typeface="Consolas" panose="020B0609020204030204"/>
+              <a:latin typeface="Calibri" panose="020F0502020204030204" charset="0"/>
               <a:ea typeface="Consolas" panose="020B0609020204030204"/>
-              <a:cs typeface="Consolas" panose="020B0609020204030204"/>
+              <a:cs typeface="Calibri" panose="020F0502020204030204" charset="0"/>
               <a:sym typeface="Consolas" panose="020B0609020204030204"/>
             </a:endParaRPr>
           </a:p>
@@ -6931,17 +6991,17 @@
             </a:pPr>
             <a:r>
               <a:rPr>
-                <a:latin typeface="Consolas" panose="020B0609020204030204"/>
+                <a:latin typeface="Calibri" panose="020F0502020204030204" charset="0"/>
                 <a:ea typeface="Consolas" panose="020B0609020204030204"/>
-                <a:cs typeface="Consolas" panose="020B0609020204030204"/>
+                <a:cs typeface="Calibri" panose="020F0502020204030204" charset="0"/>
                 <a:sym typeface="Consolas" panose="020B0609020204030204"/>
               </a:rPr>
               <a:t>Inconsistent behavior between threads in a process: one thread set memory region M to be not readable, if not synced, other thread can read M.</a:t>
             </a:r>
             <a:endParaRPr>
-              <a:latin typeface="Consolas" panose="020B0609020204030204"/>
+              <a:latin typeface="Calibri" panose="020F0502020204030204" charset="0"/>
               <a:ea typeface="Consolas" panose="020B0609020204030204"/>
-              <a:cs typeface="Consolas" panose="020B0609020204030204"/>
+              <a:cs typeface="Calibri" panose="020F0502020204030204" charset="0"/>
               <a:sym typeface="Consolas" panose="020B0609020204030204"/>
             </a:endParaRPr>
           </a:p>
@@ -7087,7 +7147,11 @@
               <a:defRPr sz="2770"/>
             </a:pPr>
             <a:r>
-              <a:t>create more than 16 page groups</a:t>
+              <a:rPr lang="en-US"/>
+              <a:t>C</a:t>
+            </a:r>
+            <a:r>
+              <a:t>reate more than 16 page groups</a:t>
             </a:r>
           </a:p>
           <a:p>
@@ -7336,6 +7400,10 @@
               <a:buSzTx/>
               <a:buNone/>
             </a:pPr>
+            <a:endParaRPr>
+              <a:latin typeface="Calibri" panose="020F0502020204030204" charset="0"/>
+              <a:cs typeface="Calibri" panose="020F0502020204030204" charset="0"/>
+            </a:endParaRPr>
           </a:p>
           <a:p>
             <a:pPr marL="342900" indent="-342900">
@@ -7347,37 +7415,57 @@
               </a:defRPr>
             </a:pPr>
             <a:r>
+              <a:rPr>
+                <a:latin typeface="Calibri" panose="020F0502020204030204" charset="0"/>
+                <a:cs typeface="Calibri" panose="020F0502020204030204" charset="0"/>
+              </a:rPr>
               <a:t>One thread</a:t>
             </a:r>
             <a:r>
               <a:rPr>
-                <a:latin typeface="Calibri" panose="020F0502020204030204"/>
+                <a:latin typeface="Calibri" panose="020F0502020204030204" charset="0"/>
                 <a:ea typeface="Calibri" panose="020F0502020204030204"/>
-                <a:cs typeface="Calibri" panose="020F0502020204030204"/>
+                <a:cs typeface="Calibri" panose="020F0502020204030204" charset="0"/>
                 <a:sym typeface="Calibri" panose="020F0502020204030204"/>
               </a:rPr>
               <a:t> </a:t>
             </a:r>
             <a:r>
+              <a:rPr>
+                <a:latin typeface="Calibri" panose="020F0502020204030204" charset="0"/>
+                <a:cs typeface="Calibri" panose="020F0502020204030204" charset="0"/>
+              </a:rPr>
               <a:t>calls</a:t>
             </a:r>
             <a:r>
               <a:rPr>
-                <a:latin typeface="Calibri" panose="020F0502020204030204"/>
+                <a:latin typeface="Calibri" panose="020F0502020204030204" charset="0"/>
                 <a:ea typeface="Calibri" panose="020F0502020204030204"/>
-                <a:cs typeface="Calibri" panose="020F0502020204030204"/>
+                <a:cs typeface="Calibri" panose="020F0502020204030204" charset="0"/>
                 <a:sym typeface="Calibri" panose="020F0502020204030204"/>
               </a:rPr>
               <a:t> </a:t>
             </a:r>
             <a:r>
+              <a:rPr>
+                <a:latin typeface="Calibri" panose="020F0502020204030204" charset="0"/>
+                <a:cs typeface="Calibri" panose="020F0502020204030204" charset="0"/>
+              </a:rPr>
               <a:t>mpk_mprotect()</a:t>
             </a:r>
+            <a:endParaRPr>
+              <a:latin typeface="Calibri" panose="020F0502020204030204" charset="0"/>
+              <a:cs typeface="Calibri" panose="020F0502020204030204" charset="0"/>
+            </a:endParaRPr>
           </a:p>
           <a:p>
             <a:pPr marL="342900" indent="-342900">
               <a:defRPr sz="2400"/>
             </a:pPr>
+            <a:endParaRPr>
+              <a:latin typeface="Calibri" panose="020F0502020204030204" charset="0"/>
+              <a:cs typeface="Calibri" panose="020F0502020204030204" charset="0"/>
+            </a:endParaRPr>
           </a:p>
           <a:p>
             <a:pPr marL="342900" indent="-342900">
@@ -7389,8 +7477,16 @@
               </a:defRPr>
             </a:pPr>
             <a:r>
+              <a:rPr>
+                <a:latin typeface="Calibri" panose="020F0502020204030204" charset="0"/>
+                <a:cs typeface="Calibri" panose="020F0502020204030204" charset="0"/>
+              </a:rPr>
               <a:t>mpk_mprotect() calls do_pkey_sync(pkey)</a:t>
             </a:r>
+            <a:endParaRPr>
+              <a:latin typeface="Calibri" panose="020F0502020204030204" charset="0"/>
+              <a:cs typeface="Calibri" panose="020F0502020204030204" charset="0"/>
+            </a:endParaRPr>
           </a:p>
           <a:p>
             <a:pPr marL="342900" indent="-342900">
@@ -7401,6 +7497,10 @@
                 <a:sym typeface="Consolas" panose="020B0609020204030204"/>
               </a:defRPr>
             </a:pPr>
+            <a:endParaRPr>
+              <a:latin typeface="Calibri" panose="020F0502020204030204" charset="0"/>
+              <a:cs typeface="Calibri" panose="020F0502020204030204" charset="0"/>
+            </a:endParaRPr>
           </a:p>
           <a:p>
             <a:pPr marL="342900" indent="-342900">
@@ -7412,8 +7512,16 @@
               </a:defRPr>
             </a:pPr>
             <a:r>
+              <a:rPr>
+                <a:latin typeface="Calibri" panose="020F0502020204030204" charset="0"/>
+                <a:cs typeface="Calibri" panose="020F0502020204030204" charset="0"/>
+              </a:rPr>
               <a:t>do_pkey_sync(key) sends interrupt to other threads</a:t>
             </a:r>
+            <a:endParaRPr>
+              <a:latin typeface="Calibri" panose="020F0502020204030204" charset="0"/>
+              <a:cs typeface="Calibri" panose="020F0502020204030204" charset="0"/>
+            </a:endParaRPr>
           </a:p>
           <a:p>
             <a:pPr marL="342900" indent="-342900">
@@ -7424,6 +7532,10 @@
                 <a:sym typeface="Consolas" panose="020B0609020204030204"/>
               </a:defRPr>
             </a:pPr>
+            <a:endParaRPr>
+              <a:latin typeface="Calibri" panose="020F0502020204030204" charset="0"/>
+              <a:cs typeface="Calibri" panose="020F0502020204030204" charset="0"/>
+            </a:endParaRPr>
           </a:p>
           <a:p>
             <a:pPr marL="342900" indent="-342900">
@@ -7435,8 +7547,16 @@
               </a:defRPr>
             </a:pPr>
             <a:r>
+              <a:rPr>
+                <a:latin typeface="Calibri" panose="020F0502020204030204" charset="0"/>
+                <a:cs typeface="Calibri" panose="020F0502020204030204" charset="0"/>
+              </a:rPr>
               <a:t>When other threads are scheduled, update PKRU by calling registered callback functions (callback functions are added by task_work_add())</a:t>
             </a:r>
+            <a:endParaRPr>
+              <a:latin typeface="Calibri" panose="020F0502020204030204" charset="0"/>
+              <a:cs typeface="Calibri" panose="020F0502020204030204" charset="0"/>
+            </a:endParaRPr>
           </a:p>
         </p:txBody>
       </p:sp>
@@ -7576,6 +7696,10 @@
               <a:buSzTx/>
               <a:buNone/>
             </a:pPr>
+            <a:endParaRPr>
+              <a:latin typeface="Calibri" panose="020F0502020204030204" charset="0"/>
+              <a:cs typeface="Calibri" panose="020F0502020204030204" charset="0"/>
+            </a:endParaRPr>
           </a:p>
           <a:p>
             <a:pPr marL="342900" indent="-342900">
@@ -7587,8 +7711,16 @@
               </a:defRPr>
             </a:pPr>
             <a:r>
+              <a:rPr>
+                <a:latin typeface="Calibri" panose="020F0502020204030204" charset="0"/>
+                <a:cs typeface="Calibri" panose="020F0502020204030204" charset="0"/>
+              </a:rPr>
               <a:t>In /libmpk/kernel/mm/mprotect.c/do_pkey_sync(val_pkru)</a:t>
             </a:r>
+            <a:endParaRPr>
+              <a:latin typeface="Calibri" panose="020F0502020204030204" charset="0"/>
+              <a:cs typeface="Calibri" panose="020F0502020204030204" charset="0"/>
+            </a:endParaRPr>
           </a:p>
         </p:txBody>
       </p:sp>
@@ -7697,7 +7829,21 @@
           <a:lstStyle/>
           <a:p>
             <a:r>
-              <a:t>New Solution to Protection key limitation</a:t>
+              <a:t>New Solution to Protection </a:t>
+            </a:r>
+            <a:r>
+              <a:rPr lang="en-US"/>
+              <a:t>K</a:t>
+            </a:r>
+            <a:r>
+              <a:t>ey </a:t>
+            </a:r>
+            <a:r>
+              <a:rPr lang="en-US"/>
+              <a:t>L</a:t>
+            </a:r>
+            <a:r>
+              <a:t>imitation</a:t>
             </a:r>
           </a:p>
         </p:txBody>
@@ -7734,11 +7880,15 @@
             </a:pPr>
             <a:r>
               <a:rPr>
+                <a:latin typeface="Calibri" panose="020F0502020204030204" charset="0"/>
+                <a:cs typeface="Calibri" panose="020F0502020204030204" charset="0"/>
                 <a:sym typeface="+mn-ea"/>
               </a:rPr>
               <a:t>Protection key limitation</a:t>
             </a:r>
             <a:endParaRPr>
+              <a:latin typeface="Calibri" panose="020F0502020204030204" charset="0"/>
+              <a:cs typeface="Calibri" panose="020F0502020204030204" charset="0"/>
               <a:sym typeface="+mn-ea"/>
             </a:endParaRPr>
           </a:p>
@@ -7753,11 +7903,31 @@
             </a:pPr>
             <a:r>
               <a:rPr>
+                <a:latin typeface="Calibri" panose="020F0502020204030204" charset="0"/>
+                <a:cs typeface="Calibri" panose="020F0502020204030204" charset="0"/>
                 <a:sym typeface="+mn-ea"/>
               </a:rPr>
-              <a:t>Virtual key -&gt; Hardware key -&gt; page group</a:t>
+              <a:t>Virtual key -&gt; Hardware key -&gt; </a:t>
+            </a:r>
+            <a:r>
+              <a:rPr lang="en-US">
+                <a:latin typeface="Calibri" panose="020F0502020204030204" charset="0"/>
+                <a:cs typeface="Calibri" panose="020F0502020204030204" charset="0"/>
+                <a:sym typeface="+mn-ea"/>
+              </a:rPr>
+              <a:t>P</a:t>
+            </a:r>
+            <a:r>
+              <a:rPr>
+                <a:latin typeface="Calibri" panose="020F0502020204030204" charset="0"/>
+                <a:cs typeface="Calibri" panose="020F0502020204030204" charset="0"/>
+                <a:sym typeface="+mn-ea"/>
+              </a:rPr>
+              <a:t>age group</a:t>
             </a:r>
             <a:endParaRPr>
+              <a:latin typeface="Calibri" panose="020F0502020204030204" charset="0"/>
+              <a:cs typeface="Calibri" panose="020F0502020204030204" charset="0"/>
               <a:sym typeface="+mn-ea"/>
             </a:endParaRPr>
           </a:p>
@@ -7772,11 +7942,15 @@
             </a:pPr>
             <a:r>
               <a:rPr>
+                <a:latin typeface="Calibri" panose="020F0502020204030204" charset="0"/>
+                <a:cs typeface="Calibri" panose="020F0502020204030204" charset="0"/>
                 <a:sym typeface="+mn-ea"/>
               </a:rPr>
               <a:t>Cache-like structure is used to map the virtual key to hardware key</a:t>
             </a:r>
             <a:endParaRPr>
+              <a:latin typeface="Calibri" panose="020F0502020204030204" charset="0"/>
+              <a:cs typeface="Calibri" panose="020F0502020204030204" charset="0"/>
               <a:sym typeface="+mn-ea"/>
             </a:endParaRPr>
           </a:p>
@@ -7791,11 +7965,15 @@
             </a:pPr>
             <a:r>
               <a:rPr>
+                <a:latin typeface="Calibri" panose="020F0502020204030204" charset="0"/>
+                <a:cs typeface="Calibri" panose="020F0502020204030204" charset="0"/>
                 <a:sym typeface="+mn-ea"/>
               </a:rPr>
               <a:t>The frequently updated virtual key will mapped to the hardare key, the limitation is hidden by the virtual key</a:t>
             </a:r>
             <a:endParaRPr>
+              <a:latin typeface="Calibri" panose="020F0502020204030204" charset="0"/>
+              <a:cs typeface="Calibri" panose="020F0502020204030204" charset="0"/>
               <a:sym typeface="+mn-ea"/>
             </a:endParaRPr>
           </a:p>
@@ -7803,6 +7981,10 @@
             <a:pPr marL="342900" indent="-342900">
               <a:defRPr sz="2400"/>
             </a:pPr>
+            <a:endParaRPr>
+              <a:latin typeface="Calibri" panose="020F0502020204030204" charset="0"/>
+              <a:cs typeface="Calibri" panose="020F0502020204030204" charset="0"/>
+            </a:endParaRPr>
           </a:p>
           <a:p>
             <a:pPr marL="342900" indent="-342900">
@@ -7815,11 +7997,15 @@
             </a:pPr>
             <a:r>
               <a:rPr>
+                <a:latin typeface="Calibri" panose="020F0502020204030204" charset="0"/>
+                <a:cs typeface="Calibri" panose="020F0502020204030204" charset="0"/>
                 <a:sym typeface="+mn-ea"/>
               </a:rPr>
               <a:t>Inter-thread synchronization</a:t>
             </a:r>
             <a:endParaRPr>
+              <a:latin typeface="Calibri" panose="020F0502020204030204" charset="0"/>
+              <a:cs typeface="Calibri" panose="020F0502020204030204" charset="0"/>
               <a:sym typeface="+mn-ea"/>
             </a:endParaRPr>
           </a:p>
@@ -7834,23 +8020,31 @@
             </a:pPr>
             <a:r>
               <a:rPr>
+                <a:latin typeface="Calibri" panose="020F0502020204030204" charset="0"/>
+                <a:cs typeface="Calibri" panose="020F0502020204030204" charset="0"/>
                 <a:sym typeface="+mn-ea"/>
               </a:rPr>
               <a:t>calling thread --interrupt (callback is to change the PKRU value)</a:t>
             </a:r>
             <a:r>
               <a:rPr lang="en-US">
+                <a:latin typeface="Calibri" panose="020F0502020204030204" charset="0"/>
+                <a:cs typeface="Calibri" panose="020F0502020204030204" charset="0"/>
                 <a:sym typeface="+mn-ea"/>
               </a:rPr>
               <a:t> </a:t>
             </a:r>
             <a:r>
               <a:rPr>
+                <a:latin typeface="Calibri" panose="020F0502020204030204" charset="0"/>
+                <a:cs typeface="Calibri" panose="020F0502020204030204" charset="0"/>
                 <a:sym typeface="+mn-ea"/>
               </a:rPr>
               <a:t>-&gt; other threads</a:t>
             </a:r>
             <a:endParaRPr>
+              <a:latin typeface="Calibri" panose="020F0502020204030204" charset="0"/>
+              <a:cs typeface="Calibri" panose="020F0502020204030204" charset="0"/>
               <a:sym typeface="+mn-ea"/>
             </a:endParaRPr>
           </a:p>
@@ -7865,11 +8059,15 @@
             </a:pPr>
             <a:r>
               <a:rPr>
+                <a:latin typeface="Calibri" panose="020F0502020204030204" charset="0"/>
+                <a:cs typeface="Calibri" panose="020F0502020204030204" charset="0"/>
                 <a:sym typeface="+mn-ea"/>
               </a:rPr>
               <a:t>other threads are scheduled -&gt; respond to the interrupt </a:t>
             </a:r>
             <a:endParaRPr>
+              <a:latin typeface="Calibri" panose="020F0502020204030204" charset="0"/>
+              <a:cs typeface="Calibri" panose="020F0502020204030204" charset="0"/>
               <a:sym typeface="+mn-ea"/>
             </a:endParaRPr>
           </a:p>
@@ -7885,11 +8083,15 @@
             </a:pPr>
             <a:r>
               <a:rPr>
+                <a:latin typeface="Calibri" panose="020F0502020204030204" charset="0"/>
+                <a:cs typeface="Calibri" panose="020F0502020204030204" charset="0"/>
                 <a:sym typeface="+mn-ea"/>
               </a:rPr>
               <a:t>-&gt; synchronize PKRU</a:t>
             </a:r>
             <a:endParaRPr>
+              <a:latin typeface="Calibri" panose="020F0502020204030204" charset="0"/>
+              <a:cs typeface="Calibri" panose="020F0502020204030204" charset="0"/>
               <a:sym typeface="+mn-ea"/>
             </a:endParaRPr>
           </a:p>
@@ -7898,6 +8100,10 @@
               <a:buSzTx/>
               <a:buNone/>
             </a:pPr>
+            <a:endParaRPr>
+              <a:latin typeface="Calibri" panose="020F0502020204030204" charset="0"/>
+              <a:cs typeface="Calibri" panose="020F0502020204030204" charset="0"/>
+            </a:endParaRPr>
           </a:p>
         </p:txBody>
       </p:sp>
@@ -7964,7 +8170,7 @@
         </p:nvSpPr>
         <p:spPr>
           <a:xfrm>
-            <a:off x="1047504" y="1096352"/>
+            <a:off x="837954" y="1124927"/>
             <a:ext cx="10515601" cy="5036638"/>
           </a:xfrm>
           <a:prstGeom prst="rect">
@@ -7972,7 +8178,9 @@
           </a:prstGeom>
         </p:spPr>
         <p:txBody>
-          <a:bodyPr/>
+          <a:bodyPr>
+            <a:normAutofit lnSpcReduction="10000"/>
+          </a:bodyPr>
           <a:lstStyle/>
           <a:p>
             <a:pPr marL="0" indent="0" defTabSz="511810">
@@ -7983,6 +8191,10 @@
               <a:buNone/>
               <a:defRPr sz="1570"/>
             </a:pPr>
+            <a:endParaRPr>
+              <a:latin typeface="Calibri" panose="020F0502020204030204" charset="0"/>
+              <a:cs typeface="Calibri" panose="020F0502020204030204" charset="0"/>
+            </a:endParaRPr>
           </a:p>
           <a:p>
             <a:pPr marL="191770" indent="-191770" defTabSz="511810">
@@ -7991,6 +8203,10 @@
               </a:spcBef>
               <a:defRPr sz="1345"/>
             </a:pPr>
+            <a:endParaRPr>
+              <a:latin typeface="Calibri" panose="020F0502020204030204" charset="0"/>
+              <a:cs typeface="Calibri" panose="020F0502020204030204" charset="0"/>
+            </a:endParaRPr>
           </a:p>
           <a:p>
             <a:pPr marL="191770" indent="-191770" defTabSz="511810">
@@ -8005,8 +8221,16 @@
               </a:defRPr>
             </a:pPr>
             <a:r>
+              <a:rPr>
+                <a:latin typeface="Calibri" panose="020F0502020204030204" charset="0"/>
+                <a:cs typeface="Calibri" panose="020F0502020204030204" charset="0"/>
+              </a:rPr>
               <a:t>Problem Statement</a:t>
             </a:r>
+            <a:endParaRPr>
+              <a:latin typeface="Calibri" panose="020F0502020204030204" charset="0"/>
+              <a:cs typeface="Calibri" panose="020F0502020204030204" charset="0"/>
+            </a:endParaRPr>
           </a:p>
           <a:p>
             <a:pPr marL="191770" indent="-191770" defTabSz="511810">
@@ -8020,6 +8244,10 @@
                 <a:sym typeface="DejaVu Sans Mono Nerd Font Complete"/>
               </a:defRPr>
             </a:pPr>
+            <a:endParaRPr>
+              <a:latin typeface="Calibri" panose="020F0502020204030204" charset="0"/>
+              <a:cs typeface="Calibri" panose="020F0502020204030204" charset="0"/>
+            </a:endParaRPr>
           </a:p>
           <a:p>
             <a:pPr marL="191770" indent="-191770" defTabSz="511810">
@@ -8034,8 +8262,16 @@
               </a:defRPr>
             </a:pPr>
             <a:r>
+              <a:rPr>
+                <a:latin typeface="Calibri" panose="020F0502020204030204" charset="0"/>
+                <a:cs typeface="Calibri" panose="020F0502020204030204" charset="0"/>
+              </a:rPr>
               <a:t>Related Work</a:t>
             </a:r>
+            <a:endParaRPr>
+              <a:latin typeface="Calibri" panose="020F0502020204030204" charset="0"/>
+              <a:cs typeface="Calibri" panose="020F0502020204030204" charset="0"/>
+            </a:endParaRPr>
           </a:p>
           <a:p>
             <a:pPr marL="191770" indent="-191770" defTabSz="511810">
@@ -8049,6 +8285,10 @@
                 <a:sym typeface="DejaVu Sans Mono Nerd Font Complete"/>
               </a:defRPr>
             </a:pPr>
+            <a:endParaRPr>
+              <a:latin typeface="Calibri" panose="020F0502020204030204" charset="0"/>
+              <a:cs typeface="Calibri" panose="020F0502020204030204" charset="0"/>
+            </a:endParaRPr>
           </a:p>
           <a:p>
             <a:pPr marL="191770" indent="-191770" defTabSz="511810">
@@ -8063,8 +8303,16 @@
               </a:defRPr>
             </a:pPr>
             <a:r>
+              <a:rPr>
+                <a:latin typeface="Calibri" panose="020F0502020204030204" charset="0"/>
+                <a:cs typeface="Calibri" panose="020F0502020204030204" charset="0"/>
+              </a:rPr>
               <a:t>Proposed New Solutions</a:t>
             </a:r>
+            <a:endParaRPr>
+              <a:latin typeface="Calibri" panose="020F0502020204030204" charset="0"/>
+              <a:cs typeface="Calibri" panose="020F0502020204030204" charset="0"/>
+            </a:endParaRPr>
           </a:p>
           <a:p>
             <a:pPr marL="191770" indent="-191770" defTabSz="511810">
@@ -8078,6 +8326,10 @@
                 <a:sym typeface="DejaVu Sans Mono Nerd Font Complete"/>
               </a:defRPr>
             </a:pPr>
+            <a:endParaRPr>
+              <a:latin typeface="Calibri" panose="020F0502020204030204" charset="0"/>
+              <a:cs typeface="Calibri" panose="020F0502020204030204" charset="0"/>
+            </a:endParaRPr>
           </a:p>
           <a:p>
             <a:pPr marL="191770" indent="-191770" defTabSz="511810">
@@ -8092,8 +8344,16 @@
               </a:defRPr>
             </a:pPr>
             <a:r>
+              <a:rPr>
+                <a:latin typeface="Calibri" panose="020F0502020204030204" charset="0"/>
+                <a:cs typeface="Calibri" panose="020F0502020204030204" charset="0"/>
+              </a:rPr>
               <a:t>Evaluation Plan</a:t>
             </a:r>
+            <a:endParaRPr>
+              <a:latin typeface="Calibri" panose="020F0502020204030204" charset="0"/>
+              <a:cs typeface="Calibri" panose="020F0502020204030204" charset="0"/>
+            </a:endParaRPr>
           </a:p>
           <a:p>
             <a:pPr marL="191770" indent="-191770" defTabSz="511810">
@@ -8107,6 +8367,10 @@
                 <a:sym typeface="DejaVu Sans Mono Nerd Font Complete"/>
               </a:defRPr>
             </a:pPr>
+            <a:endParaRPr>
+              <a:latin typeface="Calibri" panose="020F0502020204030204" charset="0"/>
+              <a:cs typeface="Calibri" panose="020F0502020204030204" charset="0"/>
+            </a:endParaRPr>
           </a:p>
           <a:p>
             <a:pPr marL="191770" indent="-191770" defTabSz="511810">
@@ -8121,8 +8385,16 @@
               </a:defRPr>
             </a:pPr>
             <a:r>
+              <a:rPr>
+                <a:latin typeface="Calibri" panose="020F0502020204030204" charset="0"/>
+                <a:cs typeface="Calibri" panose="020F0502020204030204" charset="0"/>
+              </a:rPr>
               <a:t>Future Research Plan</a:t>
             </a:r>
+            <a:endParaRPr>
+              <a:latin typeface="Calibri" panose="020F0502020204030204" charset="0"/>
+              <a:cs typeface="Calibri" panose="020F0502020204030204" charset="0"/>
+            </a:endParaRPr>
           </a:p>
           <a:p>
             <a:pPr marL="191770" indent="-191770" defTabSz="511810">
@@ -8136,6 +8408,10 @@
                 <a:sym typeface="DejaVu Sans Mono Nerd Font Complete"/>
               </a:defRPr>
             </a:pPr>
+            <a:endParaRPr>
+              <a:latin typeface="Calibri" panose="020F0502020204030204" charset="0"/>
+              <a:cs typeface="Calibri" panose="020F0502020204030204" charset="0"/>
+            </a:endParaRPr>
           </a:p>
           <a:p>
             <a:pPr marL="191770" indent="-191770" defTabSz="511810">
@@ -8150,8 +8426,16 @@
               </a:defRPr>
             </a:pPr>
             <a:r>
+              <a:rPr>
+                <a:latin typeface="Calibri" panose="020F0502020204030204" charset="0"/>
+                <a:cs typeface="Calibri" panose="020F0502020204030204" charset="0"/>
+              </a:rPr>
               <a:t>Current work and difficulty</a:t>
             </a:r>
+            <a:endParaRPr>
+              <a:latin typeface="Calibri" panose="020F0502020204030204" charset="0"/>
+              <a:cs typeface="Calibri" panose="020F0502020204030204" charset="0"/>
+            </a:endParaRPr>
           </a:p>
         </p:txBody>
       </p:sp>
@@ -8233,6 +8517,10 @@
               <a:buSzTx/>
               <a:buNone/>
             </a:pPr>
+            <a:endParaRPr>
+              <a:latin typeface="Calibri" panose="020F0502020204030204" charset="0"/>
+              <a:cs typeface="Calibri" panose="020F0502020204030204" charset="0"/>
+            </a:endParaRPr>
           </a:p>
           <a:p>
             <a:pPr marL="342900" indent="-342900">
@@ -8244,8 +8532,16 @@
               </a:defRPr>
             </a:pPr>
             <a:r>
+              <a:rPr>
+                <a:latin typeface="Calibri" panose="020F0502020204030204" charset="0"/>
+                <a:cs typeface="Calibri" panose="020F0502020204030204" charset="0"/>
+              </a:rPr>
               <a:t>Current Solution: Similar to MPK</a:t>
             </a:r>
+            <a:endParaRPr>
+              <a:latin typeface="Calibri" panose="020F0502020204030204" charset="0"/>
+              <a:cs typeface="Calibri" panose="020F0502020204030204" charset="0"/>
+            </a:endParaRPr>
           </a:p>
           <a:p>
             <a:pPr marL="800100" lvl="1" indent="-342900">
@@ -8256,6 +8552,10 @@
                 <a:sym typeface="Consolas" panose="020B0609020204030204"/>
               </a:defRPr>
             </a:pPr>
+            <a:endParaRPr>
+              <a:latin typeface="Calibri" panose="020F0502020204030204" charset="0"/>
+              <a:cs typeface="Calibri" panose="020F0502020204030204" charset="0"/>
+            </a:endParaRPr>
           </a:p>
           <a:p>
             <a:pPr marL="800100" lvl="1" indent="-342900">
@@ -8267,8 +8567,16 @@
               </a:defRPr>
             </a:pPr>
             <a:r>
+              <a:rPr>
+                <a:latin typeface="Calibri" panose="020F0502020204030204" charset="0"/>
+                <a:cs typeface="Calibri" panose="020F0502020204030204" charset="0"/>
+              </a:rPr>
               <a:t>Send interrupt to other threads.</a:t>
             </a:r>
+            <a:endParaRPr>
+              <a:latin typeface="Calibri" panose="020F0502020204030204" charset="0"/>
+              <a:cs typeface="Calibri" panose="020F0502020204030204" charset="0"/>
+            </a:endParaRPr>
           </a:p>
           <a:p>
             <a:pPr marL="800100" lvl="1" indent="-342900">
@@ -8279,6 +8587,10 @@
                 <a:sym typeface="Consolas" panose="020B0609020204030204"/>
               </a:defRPr>
             </a:pPr>
+            <a:endParaRPr>
+              <a:latin typeface="Calibri" panose="020F0502020204030204" charset="0"/>
+              <a:cs typeface="Calibri" panose="020F0502020204030204" charset="0"/>
+            </a:endParaRPr>
           </a:p>
           <a:p>
             <a:pPr marL="800100" lvl="1" indent="-342900">
@@ -8290,8 +8602,16 @@
               </a:defRPr>
             </a:pPr>
             <a:r>
+              <a:rPr>
+                <a:latin typeface="Calibri" panose="020F0502020204030204" charset="0"/>
+                <a:cs typeface="Calibri" panose="020F0502020204030204" charset="0"/>
+              </a:rPr>
               <a:t>Register callback function to sync PMP entries.</a:t>
             </a:r>
+            <a:endParaRPr>
+              <a:latin typeface="Calibri" panose="020F0502020204030204" charset="0"/>
+              <a:cs typeface="Calibri" panose="020F0502020204030204" charset="0"/>
+            </a:endParaRPr>
           </a:p>
         </p:txBody>
       </p:sp>
@@ -8411,75 +8731,75 @@
           <a:p>
             <a:r>
               <a:rPr lang="en-US" altLang="zh-CN">
-                <a:latin typeface="Consolas" panose="020B0609020204030204" charset="0"/>
-                <a:cs typeface="Consolas" panose="020B0609020204030204" charset="0"/>
+                <a:latin typeface="Calibri" panose="020F0502020204030204" charset="0"/>
+                <a:cs typeface="Calibri" panose="020F0502020204030204" charset="0"/>
               </a:rPr>
               <a:t>Similar to the evaluation plan of libmpk</a:t>
             </a:r>
             <a:endParaRPr lang="en-US" altLang="zh-CN">
-              <a:latin typeface="Consolas" panose="020B0609020204030204" charset="0"/>
-              <a:cs typeface="Consolas" panose="020B0609020204030204" charset="0"/>
+              <a:latin typeface="Calibri" panose="020F0502020204030204" charset="0"/>
+              <a:cs typeface="Calibri" panose="020F0502020204030204" charset="0"/>
             </a:endParaRPr>
           </a:p>
           <a:p>
             <a:r>
               <a:rPr lang="en-US" altLang="zh-CN">
-                <a:latin typeface="Consolas" panose="020B0609020204030204" charset="0"/>
-                <a:cs typeface="Consolas" panose="020B0609020204030204" charset="0"/>
+                <a:latin typeface="Calibri" panose="020F0502020204030204" charset="0"/>
+                <a:cs typeface="Calibri" panose="020F0502020204030204" charset="0"/>
               </a:rPr>
               <a:t>Several aspects:</a:t>
             </a:r>
             <a:endParaRPr lang="zh-CN" altLang="en-US">
-              <a:latin typeface="Consolas" panose="020B0609020204030204" charset="0"/>
-              <a:cs typeface="Consolas" panose="020B0609020204030204" charset="0"/>
+              <a:latin typeface="Calibri" panose="020F0502020204030204" charset="0"/>
+              <a:cs typeface="Calibri" panose="020F0502020204030204" charset="0"/>
             </a:endParaRPr>
           </a:p>
           <a:p>
             <a:pPr lvl="1"/>
             <a:r>
               <a:rPr lang="zh-CN" altLang="en-US">
-                <a:latin typeface="Consolas" panose="020B0609020204030204" charset="0"/>
-                <a:cs typeface="Consolas" panose="020B0609020204030204" charset="0"/>
+                <a:latin typeface="Calibri" panose="020F0502020204030204" charset="0"/>
+                <a:cs typeface="Calibri" panose="020F0502020204030204" charset="0"/>
               </a:rPr>
               <a:t>Security Evaluation</a:t>
             </a:r>
             <a:endParaRPr lang="zh-CN" altLang="en-US">
-              <a:latin typeface="Consolas" panose="020B0609020204030204" charset="0"/>
-              <a:cs typeface="Consolas" panose="020B0609020204030204" charset="0"/>
+              <a:latin typeface="Calibri" panose="020F0502020204030204" charset="0"/>
+              <a:cs typeface="Calibri" panose="020F0502020204030204" charset="0"/>
             </a:endParaRPr>
           </a:p>
           <a:p>
             <a:pPr lvl="1"/>
             <a:r>
               <a:rPr lang="zh-CN" altLang="en-US">
-                <a:latin typeface="Consolas" panose="020B0609020204030204" charset="0"/>
-                <a:cs typeface="Consolas" panose="020B0609020204030204" charset="0"/>
+                <a:latin typeface="Calibri" panose="020F0502020204030204" charset="0"/>
+                <a:cs typeface="Calibri" panose="020F0502020204030204" charset="0"/>
               </a:rPr>
               <a:t>Microbenchmark</a:t>
             </a:r>
             <a:endParaRPr lang="zh-CN" altLang="en-US">
-              <a:latin typeface="Consolas" panose="020B0609020204030204" charset="0"/>
-              <a:cs typeface="Consolas" panose="020B0609020204030204" charset="0"/>
+              <a:latin typeface="Calibri" panose="020F0502020204030204" charset="0"/>
+              <a:cs typeface="Calibri" panose="020F0502020204030204" charset="0"/>
             </a:endParaRPr>
           </a:p>
           <a:p>
             <a:pPr lvl="1"/>
             <a:r>
               <a:rPr lang="en-US" altLang="zh-CN">
-                <a:latin typeface="Consolas" panose="020B0609020204030204" charset="0"/>
-                <a:cs typeface="Consolas" panose="020B0609020204030204" charset="0"/>
+                <a:latin typeface="Calibri" panose="020F0502020204030204" charset="0"/>
+                <a:cs typeface="Calibri" panose="020F0502020204030204" charset="0"/>
               </a:rPr>
               <a:t>Macrobenchmark</a:t>
             </a:r>
             <a:endParaRPr lang="en-US" altLang="zh-CN">
-              <a:latin typeface="Consolas" panose="020B0609020204030204" charset="0"/>
-              <a:cs typeface="Consolas" panose="020B0609020204030204" charset="0"/>
+              <a:latin typeface="Calibri" panose="020F0502020204030204" charset="0"/>
+              <a:cs typeface="Calibri" panose="020F0502020204030204" charset="0"/>
             </a:endParaRPr>
           </a:p>
           <a:p>
             <a:endParaRPr lang="en-US" altLang="zh-CN">
-              <a:latin typeface="Consolas" panose="020B0609020204030204" charset="0"/>
-              <a:cs typeface="Consolas" panose="020B0609020204030204" charset="0"/>
+              <a:latin typeface="Calibri" panose="020F0502020204030204" charset="0"/>
+              <a:cs typeface="Calibri" panose="020F0502020204030204" charset="0"/>
             </a:endParaRPr>
           </a:p>
         </p:txBody>
@@ -8543,27 +8863,27 @@
           <a:p>
             <a:r>
               <a:rPr lang="en-US" altLang="zh-CN">
-                <a:latin typeface="Consolas" panose="020B0609020204030204" charset="0"/>
-                <a:cs typeface="Consolas" panose="020B0609020204030204" charset="0"/>
+                <a:latin typeface="Calibri" panose="020F0502020204030204" charset="0"/>
+                <a:cs typeface="Calibri" panose="020F0502020204030204" charset="0"/>
               </a:rPr>
               <a:t>PMP: prevent the malicious code from executing privileged instructions</a:t>
             </a:r>
             <a:endParaRPr lang="en-US" altLang="zh-CN">
-              <a:latin typeface="Consolas" panose="020B0609020204030204" charset="0"/>
-              <a:cs typeface="Consolas" panose="020B0609020204030204" charset="0"/>
+              <a:latin typeface="Calibri" panose="020F0502020204030204" charset="0"/>
+              <a:cs typeface="Calibri" panose="020F0502020204030204" charset="0"/>
             </a:endParaRPr>
           </a:p>
           <a:p>
             <a:r>
               <a:rPr lang="en-US" altLang="zh-CN">
-                <a:latin typeface="Consolas" panose="020B0609020204030204" charset="0"/>
-                <a:cs typeface="Consolas" panose="020B0609020204030204" charset="0"/>
+                <a:latin typeface="Calibri" panose="020F0502020204030204" charset="0"/>
+                <a:cs typeface="Calibri" panose="020F0502020204030204" charset="0"/>
               </a:rPr>
               <a:t>libpmp should implement the basic function of protecting the memory space</a:t>
             </a:r>
             <a:endParaRPr lang="en-US" altLang="zh-CN">
-              <a:latin typeface="Consolas" panose="020B0609020204030204" charset="0"/>
-              <a:cs typeface="Consolas" panose="020B0609020204030204" charset="0"/>
+              <a:latin typeface="Calibri" panose="020F0502020204030204" charset="0"/>
+              <a:cs typeface="Calibri" panose="020F0502020204030204" charset="0"/>
             </a:endParaRPr>
           </a:p>
         </p:txBody>
@@ -8653,96 +8973,96 @@
           <a:p>
             <a:r>
               <a:rPr lang="en-US" altLang="zh-CN">
-                <a:latin typeface="Consolas" panose="020B0609020204030204" charset="0"/>
-                <a:cs typeface="Consolas" panose="020B0609020204030204" charset="0"/>
+                <a:latin typeface="Calibri" panose="020F0502020204030204" charset="0"/>
+                <a:cs typeface="Calibri" panose="020F0502020204030204" charset="0"/>
               </a:rPr>
               <a:t>Cache performance</a:t>
             </a:r>
             <a:endParaRPr lang="en-US" altLang="zh-CN">
-              <a:latin typeface="Consolas" panose="020B0609020204030204" charset="0"/>
-              <a:cs typeface="Consolas" panose="020B0609020204030204" charset="0"/>
+              <a:latin typeface="Calibri" panose="020F0502020204030204" charset="0"/>
+              <a:cs typeface="Calibri" panose="020F0502020204030204" charset="0"/>
             </a:endParaRPr>
           </a:p>
           <a:p>
             <a:pPr lvl="1"/>
             <a:r>
               <a:rPr lang="en-US" altLang="zh-CN">
-                <a:latin typeface="Consolas" panose="020B0609020204030204" charset="0"/>
-                <a:cs typeface="Consolas" panose="020B0609020204030204" charset="0"/>
+                <a:latin typeface="Calibri" panose="020F0502020204030204" charset="0"/>
+                <a:cs typeface="Calibri" panose="020F0502020204030204" charset="0"/>
               </a:rPr>
               <a:t>Determined by cache hit/eviction rate</a:t>
             </a:r>
             <a:endParaRPr lang="en-US" altLang="zh-CN">
-              <a:latin typeface="Consolas" panose="020B0609020204030204" charset="0"/>
-              <a:cs typeface="Consolas" panose="020B0609020204030204" charset="0"/>
+              <a:latin typeface="Calibri" panose="020F0502020204030204" charset="0"/>
+              <a:cs typeface="Calibri" panose="020F0502020204030204" charset="0"/>
             </a:endParaRPr>
           </a:p>
           <a:p>
             <a:r>
               <a:rPr lang="en-US" altLang="zh-CN">
-                <a:latin typeface="Consolas" panose="020B0609020204030204" charset="0"/>
-                <a:cs typeface="Consolas" panose="020B0609020204030204" charset="0"/>
+                <a:latin typeface="Calibri" panose="020F0502020204030204" charset="0"/>
+                <a:cs typeface="Calibri" panose="020F0502020204030204" charset="0"/>
               </a:rPr>
               <a:t>Memory overhead</a:t>
             </a:r>
             <a:endParaRPr lang="en-US" altLang="zh-CN">
-              <a:latin typeface="Consolas" panose="020B0609020204030204" charset="0"/>
-              <a:cs typeface="Consolas" panose="020B0609020204030204" charset="0"/>
+              <a:latin typeface="Calibri" panose="020F0502020204030204" charset="0"/>
+              <a:cs typeface="Calibri" panose="020F0502020204030204" charset="0"/>
             </a:endParaRPr>
           </a:p>
           <a:p>
             <a:pPr lvl="1"/>
             <a:r>
               <a:rPr lang="en-US" altLang="zh-CN">
-                <a:latin typeface="Consolas" panose="020B0609020204030204" charset="0"/>
-                <a:cs typeface="Consolas" panose="020B0609020204030204" charset="0"/>
+                <a:latin typeface="Calibri" panose="020F0502020204030204" charset="0"/>
+                <a:cs typeface="Calibri" panose="020F0502020204030204" charset="0"/>
               </a:rPr>
               <a:t>Decided by memory space and internal data structure</a:t>
             </a:r>
             <a:endParaRPr lang="en-US" altLang="zh-CN">
-              <a:latin typeface="Consolas" panose="020B0609020204030204" charset="0"/>
-              <a:cs typeface="Consolas" panose="020B0609020204030204" charset="0"/>
+              <a:latin typeface="Calibri" panose="020F0502020204030204" charset="0"/>
+              <a:cs typeface="Calibri" panose="020F0502020204030204" charset="0"/>
             </a:endParaRPr>
           </a:p>
           <a:p>
             <a:r>
               <a:rPr lang="en-US" altLang="zh-CN">
-                <a:latin typeface="Consolas" panose="020B0609020204030204" charset="0"/>
-                <a:cs typeface="Consolas" panose="020B0609020204030204" charset="0"/>
+                <a:latin typeface="Calibri" panose="020F0502020204030204" charset="0"/>
+                <a:cs typeface="Calibri" panose="020F0502020204030204" charset="0"/>
               </a:rPr>
               <a:t>Synchronization</a:t>
             </a:r>
             <a:endParaRPr lang="en-US" altLang="zh-CN">
-              <a:latin typeface="Consolas" panose="020B0609020204030204" charset="0"/>
-              <a:cs typeface="Consolas" panose="020B0609020204030204" charset="0"/>
+              <a:latin typeface="Calibri" panose="020F0502020204030204" charset="0"/>
+              <a:cs typeface="Calibri" panose="020F0502020204030204" charset="0"/>
             </a:endParaRPr>
           </a:p>
           <a:p>
             <a:pPr lvl="1"/>
             <a:r>
               <a:rPr lang="en-US" altLang="zh-CN">
-                <a:latin typeface="Consolas" panose="020B0609020204030204" charset="0"/>
-                <a:cs typeface="Consolas" panose="020B0609020204030204" charset="0"/>
+                <a:latin typeface="Calibri" panose="020F0502020204030204" charset="0"/>
+                <a:cs typeface="Calibri" panose="020F0502020204030204" charset="0"/>
               </a:rPr>
               <a:t>Affected by context switch</a:t>
             </a:r>
             <a:endParaRPr lang="en-US" altLang="zh-CN">
-              <a:latin typeface="Consolas" panose="020B0609020204030204" charset="0"/>
-              <a:cs typeface="Consolas" panose="020B0609020204030204" charset="0"/>
+              <a:latin typeface="Calibri" panose="020F0502020204030204" charset="0"/>
+              <a:cs typeface="Calibri" panose="020F0502020204030204" charset="0"/>
             </a:endParaRPr>
           </a:p>
           <a:p>
             <a:pPr lvl="1"/>
             <a:r>
               <a:rPr lang="en-US" altLang="zh-CN">
-                <a:latin typeface="Consolas" panose="020B0609020204030204" charset="0"/>
-                <a:cs typeface="Consolas" panose="020B0609020204030204" charset="0"/>
+                <a:latin typeface="Calibri" panose="020F0502020204030204" charset="0"/>
+                <a:cs typeface="Calibri" panose="020F0502020204030204" charset="0"/>
               </a:rPr>
               <a:t>Compared with original PMP implementation </a:t>
             </a:r>
             <a:endParaRPr lang="en-US" altLang="zh-CN">
-              <a:latin typeface="Consolas" panose="020B0609020204030204" charset="0"/>
-              <a:cs typeface="Consolas" panose="020B0609020204030204" charset="0"/>
+              <a:latin typeface="Calibri" panose="020F0502020204030204" charset="0"/>
+              <a:cs typeface="Calibri" panose="020F0502020204030204" charset="0"/>
             </a:endParaRPr>
           </a:p>
         </p:txBody>
@@ -8767,7 +9087,7 @@
         </p:blipFill>
         <p:spPr>
           <a:xfrm>
-            <a:off x="5167630" y="1697990"/>
+            <a:off x="4871720" y="1629410"/>
             <a:ext cx="636905" cy="619760"/>
           </a:xfrm>
           <a:prstGeom prst="rect">
@@ -8841,42 +9161,111 @@
         <p:cNvGrpSpPr/>
         <p:nvPr/>
       </p:nvGrpSpPr>
-      <p:grpSpPr>
-        <a:xfrm>
-          <a:off x="0" y="0"/>
-          <a:ext cx="0" cy="0"/>
-          <a:chOff x="0" y="0"/>
-          <a:chExt cx="0" cy="0"/>
-        </a:xfrm>
-      </p:grpSpPr>
-      <p:sp>
-        <p:nvSpPr>
-          <p:cNvPr id="259" name="标题 1"/>
-          <p:cNvSpPr txBox="1"/>
+      <p:grpSpPr/>
+      <p:sp>
+        <p:nvSpPr>
+          <p:cNvPr id="2" name="标题 1"/>
+          <p:cNvSpPr/>
           <p:nvPr>
             <p:ph type="title"/>
           </p:nvPr>
         </p:nvSpPr>
-        <p:spPr>
-          <a:xfrm>
-            <a:off x="2871948" y="2674646"/>
-            <a:ext cx="11116272" cy="1325567"/>
-          </a:xfrm>
-          <a:prstGeom prst="rect">
-            <a:avLst/>
-          </a:prstGeom>
-        </p:spPr>
+        <p:spPr/>
         <p:txBody>
           <a:bodyPr/>
-          <a:lstStyle>
-            <a:lvl1pPr>
-              <a:defRPr sz="5300" b="1"/>
-            </a:lvl1pPr>
-          </a:lstStyle>
-          <a:p>
-            <a:r>
-              <a:t>Future Research Plan</a:t>
-            </a:r>
+          <a:p>
+            <a:r>
+              <a:rPr lang="en-US" altLang="zh-CN">
+                <a:latin typeface="Calibri" panose="020F0502020204030204" charset="0"/>
+                <a:cs typeface="Calibri" panose="020F0502020204030204" charset="0"/>
+              </a:rPr>
+              <a:t>Macrobenchmark</a:t>
+            </a:r>
+            <a:endParaRPr lang="en-US" altLang="zh-CN">
+              <a:latin typeface="Calibri" panose="020F0502020204030204" charset="0"/>
+              <a:cs typeface="Calibri" panose="020F0502020204030204" charset="0"/>
+            </a:endParaRPr>
+          </a:p>
+        </p:txBody>
+      </p:sp>
+      <p:sp>
+        <p:nvSpPr>
+          <p:cNvPr id="3" name="文本占位符 2"/>
+          <p:cNvSpPr/>
+          <p:nvPr>
+            <p:ph type="body" idx="1"/>
+          </p:nvPr>
+        </p:nvSpPr>
+        <p:spPr/>
+        <p:txBody>
+          <a:bodyPr/>
+          <a:p>
+            <a:r>
+              <a:rPr lang="en-US" altLang="zh-CN">
+                <a:latin typeface="Calibri" panose="020F0502020204030204" charset="0"/>
+                <a:cs typeface="Calibri" panose="020F0502020204030204" charset="0"/>
+              </a:rPr>
+              <a:t>Measure performance in several applications like libmpk</a:t>
+            </a:r>
+            <a:endParaRPr lang="en-US" altLang="zh-CN">
+              <a:latin typeface="Calibri" panose="020F0502020204030204" charset="0"/>
+              <a:cs typeface="Calibri" panose="020F0502020204030204" charset="0"/>
+            </a:endParaRPr>
+          </a:p>
+          <a:p>
+            <a:r>
+              <a:rPr lang="en-US" altLang="zh-CN">
+                <a:latin typeface="Calibri" panose="020F0502020204030204" charset="0"/>
+                <a:cs typeface="Calibri" panose="020F0502020204030204" charset="0"/>
+              </a:rPr>
+              <a:t>libmpk application benchmarks:</a:t>
+            </a:r>
+            <a:endParaRPr lang="en-US" altLang="zh-CN">
+              <a:latin typeface="Calibri" panose="020F0502020204030204" charset="0"/>
+              <a:cs typeface="Calibri" panose="020F0502020204030204" charset="0"/>
+            </a:endParaRPr>
+          </a:p>
+          <a:p>
+            <a:pPr lvl="1"/>
+            <a:r>
+              <a:rPr lang="en-US" altLang="zh-CN">
+                <a:latin typeface="Calibri" panose="020F0502020204030204" charset="0"/>
+                <a:cs typeface="Calibri" panose="020F0502020204030204" charset="0"/>
+              </a:rPr>
+              <a:t>OpenSSL</a:t>
+            </a:r>
+            <a:endParaRPr lang="en-US" altLang="zh-CN">
+              <a:latin typeface="Calibri" panose="020F0502020204030204" charset="0"/>
+              <a:cs typeface="Calibri" panose="020F0502020204030204" charset="0"/>
+            </a:endParaRPr>
+          </a:p>
+          <a:p>
+            <a:pPr lvl="1"/>
+            <a:r>
+              <a:rPr lang="en-US" altLang="zh-CN">
+                <a:latin typeface="Calibri" panose="020F0502020204030204" charset="0"/>
+                <a:cs typeface="Calibri" panose="020F0502020204030204" charset="0"/>
+              </a:rPr>
+              <a:t>JavaScript JIT Compilers</a:t>
+            </a:r>
+            <a:endParaRPr lang="en-US" altLang="zh-CN">
+              <a:latin typeface="Calibri" panose="020F0502020204030204" charset="0"/>
+              <a:cs typeface="Calibri" panose="020F0502020204030204" charset="0"/>
+            </a:endParaRPr>
+          </a:p>
+          <a:p>
+            <a:pPr lvl="1"/>
+            <a:r>
+              <a:rPr lang="en-US" altLang="zh-CN">
+                <a:latin typeface="Calibri" panose="020F0502020204030204" charset="0"/>
+                <a:cs typeface="Calibri" panose="020F0502020204030204" charset="0"/>
+              </a:rPr>
+              <a:t>In-Memory Key-Value Store</a:t>
+            </a:r>
+            <a:endParaRPr lang="en-US" altLang="zh-CN">
+              <a:latin typeface="Calibri" panose="020F0502020204030204" charset="0"/>
+              <a:cs typeface="Calibri" panose="020F0502020204030204" charset="0"/>
+            </a:endParaRPr>
           </a:p>
         </p:txBody>
       </p:sp>
@@ -8908,7 +9297,7 @@
       </p:grpSpPr>
       <p:sp>
         <p:nvSpPr>
-          <p:cNvPr id="263" name="标题 1"/>
+          <p:cNvPr id="259" name="标题 1"/>
           <p:cNvSpPr txBox="1"/>
           <p:nvPr>
             <p:ph type="title"/>
@@ -8916,8 +9305,8 @@
         </p:nvSpPr>
         <p:spPr>
           <a:xfrm>
-            <a:off x="838200" y="217804"/>
-            <a:ext cx="10515600" cy="1325564"/>
+            <a:off x="2871948" y="2674646"/>
+            <a:ext cx="11116272" cy="1325567"/>
           </a:xfrm>
           <a:prstGeom prst="rect">
             <a:avLst/>
@@ -8925,166 +9314,15 @@
         </p:spPr>
         <p:txBody>
           <a:bodyPr/>
-          <a:lstStyle/>
+          <a:lstStyle>
+            <a:lvl1pPr>
+              <a:defRPr sz="5300" b="1"/>
+            </a:lvl1pPr>
+          </a:lstStyle>
           <a:p>
             <a:r>
               <a:t>Future Research Plan</a:t>
             </a:r>
-          </a:p>
-        </p:txBody>
-      </p:sp>
-      <p:sp>
-        <p:nvSpPr>
-          <p:cNvPr id="264" name="内容占位符 2"/>
-          <p:cNvSpPr txBox="1"/>
-          <p:nvPr>
-            <p:ph type="body" idx="1"/>
-          </p:nvPr>
-        </p:nvSpPr>
-        <p:spPr>
-          <a:xfrm>
-            <a:off x="838200" y="1253331"/>
-            <a:ext cx="10515600" cy="4351338"/>
-          </a:xfrm>
-          <a:prstGeom prst="rect">
-            <a:avLst/>
-          </a:prstGeom>
-        </p:spPr>
-        <p:txBody>
-          <a:bodyPr/>
-          <a:lstStyle/>
-          <a:p>
-            <a:pPr marL="342900" indent="-342900">
-              <a:defRPr sz="2400">
-                <a:latin typeface="DejaVu Sans Mono Nerd Font Complete"/>
-                <a:ea typeface="DejaVu Sans Mono Nerd Font Complete"/>
-                <a:cs typeface="DejaVu Sans Mono Nerd Font Complete"/>
-                <a:sym typeface="DejaVu Sans Mono Nerd Font Complete"/>
-              </a:defRPr>
-            </a:pPr>
-          </a:p>
-          <a:p>
-            <a:pPr marL="342900" indent="-342900">
-              <a:defRPr sz="2400">
-                <a:latin typeface="DejaVu Sans Mono Nerd Font Complete"/>
-                <a:ea typeface="DejaVu Sans Mono Nerd Font Complete"/>
-                <a:cs typeface="DejaVu Sans Mono Nerd Font Complete"/>
-                <a:sym typeface="DejaVu Sans Mono Nerd Font Complete"/>
-              </a:defRPr>
-            </a:pPr>
-            <a:endParaRPr>
-              <a:latin typeface="Consolas" panose="020B0609020204030204"/>
-              <a:ea typeface="Consolas" panose="020B0609020204030204"/>
-              <a:cs typeface="Consolas" panose="020B0609020204030204"/>
-              <a:sym typeface="Consolas" panose="020B0609020204030204"/>
-            </a:endParaRPr>
-          </a:p>
-          <a:p>
-            <a:pPr marL="342900" indent="-342900">
-              <a:defRPr sz="2400">
-                <a:latin typeface="DejaVu Sans Mono Nerd Font Complete"/>
-                <a:ea typeface="DejaVu Sans Mono Nerd Font Complete"/>
-                <a:cs typeface="DejaVu Sans Mono Nerd Font Complete"/>
-                <a:sym typeface="DejaVu Sans Mono Nerd Font Complete"/>
-              </a:defRPr>
-            </a:pPr>
-            <a:r>
-              <a:rPr>
-                <a:latin typeface="Consolas" panose="020B0609020204030204"/>
-                <a:ea typeface="Consolas" panose="020B0609020204030204"/>
-                <a:cs typeface="Consolas" panose="020B0609020204030204"/>
-                <a:sym typeface="Consolas" panose="020B0609020204030204"/>
-              </a:rPr>
-              <a:t>Make a survey on RISC-V TEE: Keystone/Penglai</a:t>
-            </a:r>
-            <a:endParaRPr>
-              <a:latin typeface="Consolas" panose="020B0609020204030204"/>
-              <a:ea typeface="Consolas" panose="020B0609020204030204"/>
-              <a:cs typeface="Consolas" panose="020B0609020204030204"/>
-              <a:sym typeface="Consolas" panose="020B0609020204030204"/>
-            </a:endParaRPr>
-          </a:p>
-          <a:p>
-            <a:pPr marL="342900" indent="-342900">
-              <a:defRPr sz="2400">
-                <a:latin typeface="DejaVu Sans Mono Nerd Font Complete"/>
-                <a:ea typeface="DejaVu Sans Mono Nerd Font Complete"/>
-                <a:cs typeface="DejaVu Sans Mono Nerd Font Complete"/>
-                <a:sym typeface="DejaVu Sans Mono Nerd Font Complete"/>
-              </a:defRPr>
-            </a:pPr>
-            <a:endParaRPr>
-              <a:latin typeface="Consolas" panose="020B0609020204030204"/>
-              <a:ea typeface="Consolas" panose="020B0609020204030204"/>
-              <a:cs typeface="Consolas" panose="020B0609020204030204"/>
-              <a:sym typeface="Consolas" panose="020B0609020204030204"/>
-            </a:endParaRPr>
-          </a:p>
-          <a:p>
-            <a:pPr marL="342900" indent="-342900">
-              <a:defRPr sz="2400">
-                <a:latin typeface="DejaVu Sans Mono Nerd Font Complete"/>
-                <a:ea typeface="DejaVu Sans Mono Nerd Font Complete"/>
-                <a:cs typeface="DejaVu Sans Mono Nerd Font Complete"/>
-                <a:sym typeface="DejaVu Sans Mono Nerd Font Complete"/>
-              </a:defRPr>
-            </a:pPr>
-            <a:r>
-              <a:rPr>
-                <a:latin typeface="Consolas" panose="020B0609020204030204"/>
-                <a:ea typeface="Consolas" panose="020B0609020204030204"/>
-                <a:cs typeface="Consolas" panose="020B0609020204030204"/>
-                <a:sym typeface="Consolas" panose="020B0609020204030204"/>
-              </a:rPr>
-              <a:t>Explore the hardware extensions to support Unlimited PMP Entries</a:t>
-            </a:r>
-            <a:endParaRPr>
-              <a:latin typeface="Consolas" panose="020B0609020204030204"/>
-              <a:ea typeface="Consolas" panose="020B0609020204030204"/>
-              <a:cs typeface="Consolas" panose="020B0609020204030204"/>
-              <a:sym typeface="Consolas" panose="020B0609020204030204"/>
-            </a:endParaRPr>
-          </a:p>
-          <a:p>
-            <a:pPr marL="342900" indent="-342900">
-              <a:defRPr sz="2400">
-                <a:latin typeface="DejaVu Sans Mono Nerd Font Complete"/>
-                <a:ea typeface="DejaVu Sans Mono Nerd Font Complete"/>
-                <a:cs typeface="DejaVu Sans Mono Nerd Font Complete"/>
-                <a:sym typeface="DejaVu Sans Mono Nerd Font Complete"/>
-              </a:defRPr>
-            </a:pPr>
-            <a:endParaRPr>
-              <a:latin typeface="Consolas" panose="020B0609020204030204"/>
-              <a:ea typeface="Consolas" panose="020B0609020204030204"/>
-              <a:cs typeface="Consolas" panose="020B0609020204030204"/>
-              <a:sym typeface="Consolas" panose="020B0609020204030204"/>
-            </a:endParaRPr>
-          </a:p>
-          <a:p>
-            <a:pPr marL="342900" indent="-342900">
-              <a:defRPr sz="2400">
-                <a:latin typeface="DejaVu Sans Mono Nerd Font Complete"/>
-                <a:ea typeface="DejaVu Sans Mono Nerd Font Complete"/>
-                <a:cs typeface="DejaVu Sans Mono Nerd Font Complete"/>
-                <a:sym typeface="DejaVu Sans Mono Nerd Font Complete"/>
-              </a:defRPr>
-            </a:pPr>
-            <a:r>
-              <a:rPr>
-                <a:latin typeface="Consolas" panose="020B0609020204030204"/>
-                <a:ea typeface="Consolas" panose="020B0609020204030204"/>
-                <a:cs typeface="Consolas" panose="020B0609020204030204"/>
-                <a:sym typeface="Consolas" panose="020B0609020204030204"/>
-              </a:rPr>
-              <a:t>Investigate other virtualization techniques.</a:t>
-            </a:r>
-            <a:endParaRPr>
-              <a:latin typeface="Consolas" panose="020B0609020204030204"/>
-              <a:ea typeface="Consolas" panose="020B0609020204030204"/>
-              <a:cs typeface="Consolas" panose="020B0609020204030204"/>
-              <a:sym typeface="Consolas" panose="020B0609020204030204"/>
-            </a:endParaRPr>
           </a:p>
         </p:txBody>
       </p:sp>
@@ -9116,7 +9354,7 @@
       </p:grpSpPr>
       <p:sp>
         <p:nvSpPr>
-          <p:cNvPr id="268" name="标题 1"/>
+          <p:cNvPr id="263" name="标题 1"/>
           <p:cNvSpPr txBox="1"/>
           <p:nvPr>
             <p:ph type="title"/>
@@ -9124,8 +9362,8 @@
         </p:nvSpPr>
         <p:spPr>
           <a:xfrm>
-            <a:off x="2165545" y="2648483"/>
-            <a:ext cx="11116272" cy="1325567"/>
+            <a:off x="838200" y="217804"/>
+            <a:ext cx="10515600" cy="1325564"/>
           </a:xfrm>
           <a:prstGeom prst="rect">
             <a:avLst/>
@@ -9133,15 +9371,170 @@
         </p:spPr>
         <p:txBody>
           <a:bodyPr/>
-          <a:lstStyle>
-            <a:lvl1pPr>
-              <a:defRPr sz="5300" b="1"/>
-            </a:lvl1pPr>
-          </a:lstStyle>
-          <a:p>
-            <a:r>
-              <a:t>Current work and difficulty</a:t>
-            </a:r>
+          <a:lstStyle/>
+          <a:p>
+            <a:r>
+              <a:t>Future Research Plan</a:t>
+            </a:r>
+          </a:p>
+        </p:txBody>
+      </p:sp>
+      <p:sp>
+        <p:nvSpPr>
+          <p:cNvPr id="264" name="内容占位符 2"/>
+          <p:cNvSpPr txBox="1"/>
+          <p:nvPr>
+            <p:ph type="body" idx="1"/>
+          </p:nvPr>
+        </p:nvSpPr>
+        <p:spPr>
+          <a:xfrm>
+            <a:off x="838200" y="1253331"/>
+            <a:ext cx="10515600" cy="4351338"/>
+          </a:xfrm>
+          <a:prstGeom prst="rect">
+            <a:avLst/>
+          </a:prstGeom>
+        </p:spPr>
+        <p:txBody>
+          <a:bodyPr/>
+          <a:lstStyle/>
+          <a:p>
+            <a:pPr marL="342900" indent="-342900">
+              <a:defRPr sz="2400">
+                <a:latin typeface="DejaVu Sans Mono Nerd Font Complete"/>
+                <a:ea typeface="DejaVu Sans Mono Nerd Font Complete"/>
+                <a:cs typeface="DejaVu Sans Mono Nerd Font Complete"/>
+                <a:sym typeface="DejaVu Sans Mono Nerd Font Complete"/>
+              </a:defRPr>
+            </a:pPr>
+            <a:endParaRPr>
+              <a:latin typeface="Calibri" panose="020F0502020204030204" charset="0"/>
+              <a:cs typeface="Calibri" panose="020F0502020204030204" charset="0"/>
+            </a:endParaRPr>
+          </a:p>
+          <a:p>
+            <a:pPr marL="342900" indent="-342900">
+              <a:defRPr sz="2400">
+                <a:latin typeface="DejaVu Sans Mono Nerd Font Complete"/>
+                <a:ea typeface="DejaVu Sans Mono Nerd Font Complete"/>
+                <a:cs typeface="DejaVu Sans Mono Nerd Font Complete"/>
+                <a:sym typeface="DejaVu Sans Mono Nerd Font Complete"/>
+              </a:defRPr>
+            </a:pPr>
+            <a:endParaRPr>
+              <a:latin typeface="Calibri" panose="020F0502020204030204" charset="0"/>
+              <a:ea typeface="Consolas" panose="020B0609020204030204"/>
+              <a:cs typeface="Calibri" panose="020F0502020204030204" charset="0"/>
+              <a:sym typeface="Consolas" panose="020B0609020204030204"/>
+            </a:endParaRPr>
+          </a:p>
+          <a:p>
+            <a:pPr marL="342900" indent="-342900">
+              <a:defRPr sz="2400">
+                <a:latin typeface="DejaVu Sans Mono Nerd Font Complete"/>
+                <a:ea typeface="DejaVu Sans Mono Nerd Font Complete"/>
+                <a:cs typeface="DejaVu Sans Mono Nerd Font Complete"/>
+                <a:sym typeface="DejaVu Sans Mono Nerd Font Complete"/>
+              </a:defRPr>
+            </a:pPr>
+            <a:r>
+              <a:rPr>
+                <a:latin typeface="Calibri" panose="020F0502020204030204" charset="0"/>
+                <a:ea typeface="Consolas" panose="020B0609020204030204"/>
+                <a:cs typeface="Calibri" panose="020F0502020204030204" charset="0"/>
+                <a:sym typeface="Consolas" panose="020B0609020204030204"/>
+              </a:rPr>
+              <a:t>Make a survey on RISC-V TEE: Keystone/Penglai</a:t>
+            </a:r>
+            <a:endParaRPr>
+              <a:latin typeface="Calibri" panose="020F0502020204030204" charset="0"/>
+              <a:ea typeface="Consolas" panose="020B0609020204030204"/>
+              <a:cs typeface="Calibri" panose="020F0502020204030204" charset="0"/>
+              <a:sym typeface="Consolas" panose="020B0609020204030204"/>
+            </a:endParaRPr>
+          </a:p>
+          <a:p>
+            <a:pPr marL="342900" indent="-342900">
+              <a:defRPr sz="2400">
+                <a:latin typeface="DejaVu Sans Mono Nerd Font Complete"/>
+                <a:ea typeface="DejaVu Sans Mono Nerd Font Complete"/>
+                <a:cs typeface="DejaVu Sans Mono Nerd Font Complete"/>
+                <a:sym typeface="DejaVu Sans Mono Nerd Font Complete"/>
+              </a:defRPr>
+            </a:pPr>
+            <a:endParaRPr>
+              <a:latin typeface="Calibri" panose="020F0502020204030204" charset="0"/>
+              <a:ea typeface="Consolas" panose="020B0609020204030204"/>
+              <a:cs typeface="Calibri" panose="020F0502020204030204" charset="0"/>
+              <a:sym typeface="Consolas" panose="020B0609020204030204"/>
+            </a:endParaRPr>
+          </a:p>
+          <a:p>
+            <a:pPr marL="342900" indent="-342900">
+              <a:defRPr sz="2400">
+                <a:latin typeface="DejaVu Sans Mono Nerd Font Complete"/>
+                <a:ea typeface="DejaVu Sans Mono Nerd Font Complete"/>
+                <a:cs typeface="DejaVu Sans Mono Nerd Font Complete"/>
+                <a:sym typeface="DejaVu Sans Mono Nerd Font Complete"/>
+              </a:defRPr>
+            </a:pPr>
+            <a:r>
+              <a:rPr>
+                <a:latin typeface="Calibri" panose="020F0502020204030204" charset="0"/>
+                <a:ea typeface="Consolas" panose="020B0609020204030204"/>
+                <a:cs typeface="Calibri" panose="020F0502020204030204" charset="0"/>
+                <a:sym typeface="Consolas" panose="020B0609020204030204"/>
+              </a:rPr>
+              <a:t>Explore the hardware extensions to support Unlimited PMP Entries</a:t>
+            </a:r>
+            <a:endParaRPr>
+              <a:latin typeface="Calibri" panose="020F0502020204030204" charset="0"/>
+              <a:ea typeface="Consolas" panose="020B0609020204030204"/>
+              <a:cs typeface="Calibri" panose="020F0502020204030204" charset="0"/>
+              <a:sym typeface="Consolas" panose="020B0609020204030204"/>
+            </a:endParaRPr>
+          </a:p>
+          <a:p>
+            <a:pPr marL="342900" indent="-342900">
+              <a:defRPr sz="2400">
+                <a:latin typeface="DejaVu Sans Mono Nerd Font Complete"/>
+                <a:ea typeface="DejaVu Sans Mono Nerd Font Complete"/>
+                <a:cs typeface="DejaVu Sans Mono Nerd Font Complete"/>
+                <a:sym typeface="DejaVu Sans Mono Nerd Font Complete"/>
+              </a:defRPr>
+            </a:pPr>
+            <a:endParaRPr>
+              <a:latin typeface="Calibri" panose="020F0502020204030204" charset="0"/>
+              <a:ea typeface="Consolas" panose="020B0609020204030204"/>
+              <a:cs typeface="Calibri" panose="020F0502020204030204" charset="0"/>
+              <a:sym typeface="Consolas" panose="020B0609020204030204"/>
+            </a:endParaRPr>
+          </a:p>
+          <a:p>
+            <a:pPr marL="342900" indent="-342900">
+              <a:defRPr sz="2400">
+                <a:latin typeface="DejaVu Sans Mono Nerd Font Complete"/>
+                <a:ea typeface="DejaVu Sans Mono Nerd Font Complete"/>
+                <a:cs typeface="DejaVu Sans Mono Nerd Font Complete"/>
+                <a:sym typeface="DejaVu Sans Mono Nerd Font Complete"/>
+              </a:defRPr>
+            </a:pPr>
+            <a:r>
+              <a:rPr>
+                <a:latin typeface="Calibri" panose="020F0502020204030204" charset="0"/>
+                <a:ea typeface="Consolas" panose="020B0609020204030204"/>
+                <a:cs typeface="Calibri" panose="020F0502020204030204" charset="0"/>
+                <a:sym typeface="Consolas" panose="020B0609020204030204"/>
+              </a:rPr>
+              <a:t>Investigate other virtualization techniques.</a:t>
+            </a:r>
+            <a:endParaRPr>
+              <a:latin typeface="Calibri" panose="020F0502020204030204" charset="0"/>
+              <a:ea typeface="Consolas" panose="020B0609020204030204"/>
+              <a:cs typeface="Calibri" panose="020F0502020204030204" charset="0"/>
+              <a:sym typeface="Consolas" panose="020B0609020204030204"/>
+            </a:endParaRPr>
           </a:p>
         </p:txBody>
       </p:sp>
@@ -9173,7 +9566,7 @@
       </p:grpSpPr>
       <p:sp>
         <p:nvSpPr>
-          <p:cNvPr id="272" name="标题 1"/>
+          <p:cNvPr id="268" name="标题 1"/>
           <p:cNvSpPr txBox="1"/>
           <p:nvPr>
             <p:ph type="title"/>
@@ -9181,8 +9574,8 @@
         </p:nvSpPr>
         <p:spPr>
           <a:xfrm>
-            <a:off x="838200" y="217804"/>
-            <a:ext cx="10515600" cy="1325564"/>
+            <a:off x="2165545" y="2648483"/>
+            <a:ext cx="11116272" cy="1325567"/>
           </a:xfrm>
           <a:prstGeom prst="rect">
             <a:avLst/>
@@ -9190,116 +9583,32 @@
         </p:spPr>
         <p:txBody>
           <a:bodyPr/>
-          <a:lstStyle/>
-          <a:p>
-            <a:r>
-              <a:t>Current Work</a:t>
-            </a:r>
-          </a:p>
-        </p:txBody>
-      </p:sp>
-      <p:sp>
-        <p:nvSpPr>
-          <p:cNvPr id="273" name="内容占位符 2"/>
-          <p:cNvSpPr txBox="1"/>
-          <p:nvPr>
-            <p:ph type="body" idx="1"/>
-          </p:nvPr>
-        </p:nvSpPr>
-        <p:spPr>
-          <a:xfrm>
-            <a:off x="838200" y="751231"/>
-            <a:ext cx="10515600" cy="4351339"/>
-          </a:xfrm>
-          <a:prstGeom prst="rect">
-            <a:avLst/>
-          </a:prstGeom>
-        </p:spPr>
-        <p:txBody>
-          <a:bodyPr/>
-          <a:lstStyle/>
-          <a:p>
-            <a:pPr marL="342900" indent="-342900">
-              <a:defRPr sz="2400">
-                <a:latin typeface="DejaVu Sans Mono Nerd Font Complete"/>
-                <a:ea typeface="DejaVu Sans Mono Nerd Font Complete"/>
-                <a:cs typeface="DejaVu Sans Mono Nerd Font Complete"/>
-                <a:sym typeface="DejaVu Sans Mono Nerd Font Complete"/>
-              </a:defRPr>
-            </a:pPr>
-          </a:p>
-          <a:p>
-            <a:pPr marL="342900" indent="-342900">
-              <a:defRPr sz="2400">
-                <a:latin typeface="DejaVu Sans Mono Nerd Font Complete"/>
-                <a:ea typeface="DejaVu Sans Mono Nerd Font Complete"/>
-                <a:cs typeface="DejaVu Sans Mono Nerd Font Complete"/>
-                <a:sym typeface="DejaVu Sans Mono Nerd Font Complete"/>
-              </a:defRPr>
-            </a:pPr>
-            <a:endParaRPr>
-              <a:latin typeface="Consolas" panose="020B0609020204030204"/>
-              <a:ea typeface="Consolas" panose="020B0609020204030204"/>
-              <a:cs typeface="Consolas" panose="020B0609020204030204"/>
-              <a:sym typeface="Consolas" panose="020B0609020204030204"/>
-            </a:endParaRPr>
-          </a:p>
-          <a:p>
-            <a:pPr marL="342900" indent="-342900">
-              <a:defRPr sz="2400">
-                <a:latin typeface="DejaVu Sans Mono Nerd Font Complete"/>
-                <a:ea typeface="DejaVu Sans Mono Nerd Font Complete"/>
-                <a:cs typeface="DejaVu Sans Mono Nerd Font Complete"/>
-                <a:sym typeface="DejaVu Sans Mono Nerd Font Complete"/>
-              </a:defRPr>
-            </a:pPr>
-            <a:r>
-              <a:rPr>
-                <a:latin typeface="Consolas" panose="020B0609020204030204"/>
-                <a:ea typeface="Consolas" panose="020B0609020204030204"/>
-                <a:cs typeface="Consolas" panose="020B0609020204030204"/>
-                <a:sym typeface="Consolas" panose="020B0609020204030204"/>
-              </a:rPr>
-              <a:t>We have prepared a docker image with RV64 architecture.</a:t>
-            </a:r>
-            <a:endParaRPr>
-              <a:latin typeface="Consolas" panose="020B0609020204030204"/>
-              <a:ea typeface="Consolas" panose="020B0609020204030204"/>
-              <a:cs typeface="Consolas" panose="020B0609020204030204"/>
-              <a:sym typeface="Consolas" panose="020B0609020204030204"/>
-            </a:endParaRPr>
-          </a:p>
-        </p:txBody>
-      </p:sp>
-      <p:pic>
-        <p:nvPicPr>
-          <p:cNvPr id="274" name="图像" descr="图像"/>
-          <p:cNvPicPr>
-            <a:picLocks noChangeAspect="1"/>
-          </p:cNvPicPr>
-          <p:nvPr/>
-        </p:nvPicPr>
-        <p:blipFill>
-          <a:blip r:embed="rId1"/>
-          <a:stretch>
-            <a:fillRect/>
-          </a:stretch>
-        </p:blipFill>
-        <p:spPr>
-          <a:xfrm>
-            <a:off x="1313182" y="2230613"/>
-            <a:ext cx="9097108" cy="4020012"/>
-          </a:xfrm>
-          <a:prstGeom prst="rect">
-            <a:avLst/>
-          </a:prstGeom>
-          <a:ln w="12700">
-            <a:miter lim="400000"/>
-            <a:headEnd/>
-            <a:tailEnd/>
-          </a:ln>
-        </p:spPr>
-      </p:pic>
+          <a:lstStyle>
+            <a:lvl1pPr>
+              <a:defRPr sz="5300" b="1"/>
+            </a:lvl1pPr>
+          </a:lstStyle>
+          <a:p>
+            <a:r>
+              <a:t>Current </a:t>
+            </a:r>
+            <a:r>
+              <a:rPr lang="en-US"/>
+              <a:t>W</a:t>
+            </a:r>
+            <a:r>
+              <a:t>ork and </a:t>
+            </a:r>
+            <a:r>
+              <a:rPr lang="en-US"/>
+              <a:t>D</a:t>
+            </a:r>
+            <a:r>
+              <a:t>ifficulty</a:t>
+            </a:r>
+          </a:p>
+        </p:txBody>
+      </p:sp>
     </p:spTree>
   </p:cSld>
   <p:clrMapOvr>
@@ -9328,7 +9637,7 @@
       </p:grpSpPr>
       <p:sp>
         <p:nvSpPr>
-          <p:cNvPr id="278" name="标题 1"/>
+          <p:cNvPr id="272" name="标题 1"/>
           <p:cNvSpPr txBox="1"/>
           <p:nvPr>
             <p:ph type="title"/>
@@ -9348,14 +9657,14 @@
           <a:lstStyle/>
           <a:p>
             <a:r>
-              <a:t>Current Difficulty</a:t>
-            </a:r>
-          </a:p>
-        </p:txBody>
-      </p:sp>
-      <p:sp>
-        <p:nvSpPr>
-          <p:cNvPr id="279" name="内容占位符 2"/>
+              <a:t>Current Work</a:t>
+            </a:r>
+          </a:p>
+        </p:txBody>
+      </p:sp>
+      <p:sp>
+        <p:nvSpPr>
+          <p:cNvPr id="273" name="内容占位符 2"/>
           <p:cNvSpPr txBox="1"/>
           <p:nvPr>
             <p:ph type="body" idx="1"/>
@@ -9382,6 +9691,10 @@
                 <a:sym typeface="DejaVu Sans Mono Nerd Font Complete"/>
               </a:defRPr>
             </a:pPr>
+            <a:endParaRPr>
+              <a:latin typeface="Calibri" panose="020F0502020204030204" charset="0"/>
+              <a:cs typeface="Calibri" panose="020F0502020204030204" charset="0"/>
+            </a:endParaRPr>
           </a:p>
           <a:p>
             <a:pPr marL="342900" indent="-342900">
@@ -9393,9 +9706,9 @@
               </a:defRPr>
             </a:pPr>
             <a:endParaRPr>
-              <a:latin typeface="Consolas" panose="020B0609020204030204"/>
+              <a:latin typeface="Calibri" panose="020F0502020204030204" charset="0"/>
               <a:ea typeface="Consolas" panose="020B0609020204030204"/>
-              <a:cs typeface="Consolas" panose="020B0609020204030204"/>
+              <a:cs typeface="Calibri" panose="020F0502020204030204" charset="0"/>
               <a:sym typeface="Consolas" panose="020B0609020204030204"/>
             </a:endParaRPr>
           </a:p>
@@ -9410,106 +9723,17 @@
             </a:pPr>
             <a:r>
               <a:rPr>
-                <a:latin typeface="Consolas" panose="020B0609020204030204"/>
+                <a:latin typeface="Calibri" panose="020F0502020204030204" charset="0"/>
                 <a:ea typeface="Consolas" panose="020B0609020204030204"/>
-                <a:cs typeface="Consolas" panose="020B0609020204030204"/>
+                <a:cs typeface="Calibri" panose="020F0502020204030204" charset="0"/>
                 <a:sym typeface="Consolas" panose="020B0609020204030204"/>
               </a:rPr>
-              <a:t>Cannot get the value of PMP CSRs on riscv-linux-gnu gdb.</a:t>
+              <a:t>We have prepared a docker image with RV64 architecture.</a:t>
             </a:r>
             <a:endParaRPr>
-              <a:latin typeface="Consolas" panose="020B0609020204030204"/>
+              <a:latin typeface="Calibri" panose="020F0502020204030204" charset="0"/>
               <a:ea typeface="Consolas" panose="020B0609020204030204"/>
-              <a:cs typeface="Consolas" panose="020B0609020204030204"/>
-              <a:sym typeface="Consolas" panose="020B0609020204030204"/>
-            </a:endParaRPr>
-          </a:p>
-          <a:p>
-            <a:pPr marL="342900" indent="-342900">
-              <a:defRPr sz="2400">
-                <a:latin typeface="DejaVu Sans Mono Nerd Font Complete"/>
-                <a:ea typeface="DejaVu Sans Mono Nerd Font Complete"/>
-                <a:cs typeface="DejaVu Sans Mono Nerd Font Complete"/>
-                <a:sym typeface="DejaVu Sans Mono Nerd Font Complete"/>
-              </a:defRPr>
-            </a:pPr>
-            <a:endParaRPr>
-              <a:latin typeface="Consolas" panose="020B0609020204030204"/>
-              <a:ea typeface="Consolas" panose="020B0609020204030204"/>
-              <a:cs typeface="Consolas" panose="020B0609020204030204"/>
-              <a:sym typeface="Consolas" panose="020B0609020204030204"/>
-            </a:endParaRPr>
-          </a:p>
-          <a:p>
-            <a:pPr marL="342900" indent="-342900">
-              <a:defRPr sz="2400">
-                <a:latin typeface="DejaVu Sans Mono Nerd Font Complete"/>
-                <a:ea typeface="DejaVu Sans Mono Nerd Font Complete"/>
-                <a:cs typeface="DejaVu Sans Mono Nerd Font Complete"/>
-                <a:sym typeface="DejaVu Sans Mono Nerd Font Complete"/>
-              </a:defRPr>
-            </a:pPr>
-            <a:endParaRPr>
-              <a:latin typeface="Consolas" panose="020B0609020204030204"/>
-              <a:ea typeface="Consolas" panose="020B0609020204030204"/>
-              <a:cs typeface="Consolas" panose="020B0609020204030204"/>
-              <a:sym typeface="Consolas" panose="020B0609020204030204"/>
-            </a:endParaRPr>
-          </a:p>
-          <a:p>
-            <a:pPr marL="342900" indent="-342900">
-              <a:defRPr sz="2400">
-                <a:latin typeface="DejaVu Sans Mono Nerd Font Complete"/>
-                <a:ea typeface="DejaVu Sans Mono Nerd Font Complete"/>
-                <a:cs typeface="DejaVu Sans Mono Nerd Font Complete"/>
-                <a:sym typeface="DejaVu Sans Mono Nerd Font Complete"/>
-              </a:defRPr>
-            </a:pPr>
-            <a:endParaRPr>
-              <a:latin typeface="Consolas" panose="020B0609020204030204"/>
-              <a:ea typeface="Consolas" panose="020B0609020204030204"/>
-              <a:cs typeface="Consolas" panose="020B0609020204030204"/>
-              <a:sym typeface="Consolas" panose="020B0609020204030204"/>
-            </a:endParaRPr>
-          </a:p>
-          <a:p>
-            <a:pPr marL="342900" indent="-342900">
-              <a:defRPr sz="2400">
-                <a:latin typeface="DejaVu Sans Mono Nerd Font Complete"/>
-                <a:ea typeface="DejaVu Sans Mono Nerd Font Complete"/>
-                <a:cs typeface="DejaVu Sans Mono Nerd Font Complete"/>
-                <a:sym typeface="DejaVu Sans Mono Nerd Font Complete"/>
-              </a:defRPr>
-            </a:pPr>
-            <a:endParaRPr>
-              <a:latin typeface="Consolas" panose="020B0609020204030204"/>
-              <a:ea typeface="Consolas" panose="020B0609020204030204"/>
-              <a:cs typeface="Consolas" panose="020B0609020204030204"/>
-              <a:sym typeface="Consolas" panose="020B0609020204030204"/>
-            </a:endParaRPr>
-          </a:p>
-          <a:p>
-            <a:pPr marL="342900" indent="-342900">
-              <a:defRPr sz="2400">
-                <a:latin typeface="DejaVu Sans Mono Nerd Font Complete"/>
-                <a:ea typeface="DejaVu Sans Mono Nerd Font Complete"/>
-                <a:cs typeface="DejaVu Sans Mono Nerd Font Complete"/>
-                <a:sym typeface="DejaVu Sans Mono Nerd Font Complete"/>
-              </a:defRPr>
-            </a:pPr>
-            <a:r>
-              <a:rPr>
-                <a:latin typeface="Consolas" panose="020B0609020204030204"/>
-                <a:ea typeface="Consolas" panose="020B0609020204030204"/>
-                <a:cs typeface="Consolas" panose="020B0609020204030204"/>
-                <a:sym typeface="Consolas" panose="020B0609020204030204"/>
-              </a:rPr>
-              <a:t>However, on the riscv-linux-gnu gdb manual:</a:t>
-            </a:r>
-            <a:endParaRPr>
-              <a:latin typeface="Consolas" panose="020B0609020204030204"/>
-              <a:ea typeface="Consolas" panose="020B0609020204030204"/>
-              <a:cs typeface="Consolas" panose="020B0609020204030204"/>
+              <a:cs typeface="Calibri" panose="020F0502020204030204" charset="0"/>
               <a:sym typeface="Consolas" panose="020B0609020204030204"/>
             </a:endParaRPr>
           </a:p>
@@ -9517,7 +9741,7 @@
       </p:sp>
       <p:pic>
         <p:nvPicPr>
-          <p:cNvPr id="280" name="图像" descr="图像"/>
+          <p:cNvPr id="274" name="图像" descr="图像"/>
           <p:cNvPicPr>
             <a:picLocks noChangeAspect="1"/>
           </p:cNvPicPr>
@@ -9531,37 +9755,8 @@
         </p:blipFill>
         <p:spPr>
           <a:xfrm>
-            <a:off x="1867369" y="2552250"/>
-            <a:ext cx="4775201" cy="749301"/>
-          </a:xfrm>
-          <a:prstGeom prst="rect">
-            <a:avLst/>
-          </a:prstGeom>
-          <a:ln w="12700">
-            <a:miter lim="400000"/>
-            <a:headEnd/>
-            <a:tailEnd/>
-          </a:ln>
-        </p:spPr>
-      </p:pic>
-      <p:pic>
-        <p:nvPicPr>
-          <p:cNvPr id="281" name="图像" descr="图像"/>
-          <p:cNvPicPr>
-            <a:picLocks noChangeAspect="1"/>
-          </p:cNvPicPr>
-          <p:nvPr/>
-        </p:nvPicPr>
-        <p:blipFill>
-          <a:blip r:embed="rId2"/>
-          <a:stretch>
-            <a:fillRect/>
-          </a:stretch>
-        </p:blipFill>
-        <p:spPr>
-          <a:xfrm>
-            <a:off x="1814852" y="4528569"/>
-            <a:ext cx="6502401" cy="1409701"/>
+            <a:off x="1313182" y="2230613"/>
+            <a:ext cx="9097108" cy="4020012"/>
           </a:xfrm>
           <a:prstGeom prst="rect">
             <a:avLst/>
@@ -9639,6 +9834,283 @@
 </p:sld>
 </file>
 
+<file path=ppt/slides/slide30.xml><?xml version="1.0" encoding="utf-8"?>
+<p:sld xmlns:a="http://schemas.openxmlformats.org/drawingml/2006/main" xmlns:r="http://schemas.openxmlformats.org/officeDocument/2006/relationships" xmlns:p="http://schemas.openxmlformats.org/presentationml/2006/main">
+  <p:cSld>
+    <p:spTree>
+      <p:nvGrpSpPr>
+        <p:cNvPr id="1" name=""/>
+        <p:cNvGrpSpPr/>
+        <p:nvPr/>
+      </p:nvGrpSpPr>
+      <p:grpSpPr>
+        <a:xfrm>
+          <a:off x="0" y="0"/>
+          <a:ext cx="0" cy="0"/>
+          <a:chOff x="0" y="0"/>
+          <a:chExt cx="0" cy="0"/>
+        </a:xfrm>
+      </p:grpSpPr>
+      <p:sp>
+        <p:nvSpPr>
+          <p:cNvPr id="278" name="标题 1"/>
+          <p:cNvSpPr txBox="1"/>
+          <p:nvPr>
+            <p:ph type="title"/>
+          </p:nvPr>
+        </p:nvSpPr>
+        <p:spPr>
+          <a:xfrm>
+            <a:off x="838200" y="217804"/>
+            <a:ext cx="10515600" cy="1325564"/>
+          </a:xfrm>
+          <a:prstGeom prst="rect">
+            <a:avLst/>
+          </a:prstGeom>
+        </p:spPr>
+        <p:txBody>
+          <a:bodyPr/>
+          <a:lstStyle/>
+          <a:p>
+            <a:r>
+              <a:t>Current Difficulty</a:t>
+            </a:r>
+          </a:p>
+        </p:txBody>
+      </p:sp>
+      <p:sp>
+        <p:nvSpPr>
+          <p:cNvPr id="279" name="内容占位符 2"/>
+          <p:cNvSpPr txBox="1"/>
+          <p:nvPr>
+            <p:ph type="body" idx="1"/>
+          </p:nvPr>
+        </p:nvSpPr>
+        <p:spPr>
+          <a:xfrm>
+            <a:off x="838200" y="751231"/>
+            <a:ext cx="10515600" cy="4351339"/>
+          </a:xfrm>
+          <a:prstGeom prst="rect">
+            <a:avLst/>
+          </a:prstGeom>
+        </p:spPr>
+        <p:txBody>
+          <a:bodyPr/>
+          <a:lstStyle/>
+          <a:p>
+            <a:pPr marL="342900" indent="-342900">
+              <a:defRPr sz="2400">
+                <a:latin typeface="DejaVu Sans Mono Nerd Font Complete"/>
+                <a:ea typeface="DejaVu Sans Mono Nerd Font Complete"/>
+                <a:cs typeface="DejaVu Sans Mono Nerd Font Complete"/>
+                <a:sym typeface="DejaVu Sans Mono Nerd Font Complete"/>
+              </a:defRPr>
+            </a:pPr>
+            <a:endParaRPr>
+              <a:latin typeface="Calibri" panose="020F0502020204030204" charset="0"/>
+              <a:cs typeface="Calibri" panose="020F0502020204030204" charset="0"/>
+            </a:endParaRPr>
+          </a:p>
+          <a:p>
+            <a:pPr marL="342900" indent="-342900">
+              <a:defRPr sz="2400">
+                <a:latin typeface="DejaVu Sans Mono Nerd Font Complete"/>
+                <a:ea typeface="DejaVu Sans Mono Nerd Font Complete"/>
+                <a:cs typeface="DejaVu Sans Mono Nerd Font Complete"/>
+                <a:sym typeface="DejaVu Sans Mono Nerd Font Complete"/>
+              </a:defRPr>
+            </a:pPr>
+            <a:endParaRPr>
+              <a:latin typeface="Calibri" panose="020F0502020204030204" charset="0"/>
+              <a:ea typeface="Consolas" panose="020B0609020204030204"/>
+              <a:cs typeface="Calibri" panose="020F0502020204030204" charset="0"/>
+              <a:sym typeface="Consolas" panose="020B0609020204030204"/>
+            </a:endParaRPr>
+          </a:p>
+          <a:p>
+            <a:pPr marL="342900" indent="-342900">
+              <a:defRPr sz="2400">
+                <a:latin typeface="DejaVu Sans Mono Nerd Font Complete"/>
+                <a:ea typeface="DejaVu Sans Mono Nerd Font Complete"/>
+                <a:cs typeface="DejaVu Sans Mono Nerd Font Complete"/>
+                <a:sym typeface="DejaVu Sans Mono Nerd Font Complete"/>
+              </a:defRPr>
+            </a:pPr>
+            <a:r>
+              <a:rPr>
+                <a:latin typeface="Calibri" panose="020F0502020204030204" charset="0"/>
+                <a:ea typeface="Consolas" panose="020B0609020204030204"/>
+                <a:cs typeface="Calibri" panose="020F0502020204030204" charset="0"/>
+                <a:sym typeface="Consolas" panose="020B0609020204030204"/>
+              </a:rPr>
+              <a:t>Cannot get the value of PMP CSRs on riscv-linux-gnu gdb.</a:t>
+            </a:r>
+            <a:endParaRPr>
+              <a:latin typeface="Calibri" panose="020F0502020204030204" charset="0"/>
+              <a:ea typeface="Consolas" panose="020B0609020204030204"/>
+              <a:cs typeface="Calibri" panose="020F0502020204030204" charset="0"/>
+              <a:sym typeface="Consolas" panose="020B0609020204030204"/>
+            </a:endParaRPr>
+          </a:p>
+          <a:p>
+            <a:pPr marL="342900" indent="-342900">
+              <a:defRPr sz="2400">
+                <a:latin typeface="DejaVu Sans Mono Nerd Font Complete"/>
+                <a:ea typeface="DejaVu Sans Mono Nerd Font Complete"/>
+                <a:cs typeface="DejaVu Sans Mono Nerd Font Complete"/>
+                <a:sym typeface="DejaVu Sans Mono Nerd Font Complete"/>
+              </a:defRPr>
+            </a:pPr>
+            <a:endParaRPr>
+              <a:latin typeface="Calibri" panose="020F0502020204030204" charset="0"/>
+              <a:ea typeface="Consolas" panose="020B0609020204030204"/>
+              <a:cs typeface="Calibri" panose="020F0502020204030204" charset="0"/>
+              <a:sym typeface="Consolas" panose="020B0609020204030204"/>
+            </a:endParaRPr>
+          </a:p>
+          <a:p>
+            <a:pPr marL="342900" indent="-342900">
+              <a:defRPr sz="2400">
+                <a:latin typeface="DejaVu Sans Mono Nerd Font Complete"/>
+                <a:ea typeface="DejaVu Sans Mono Nerd Font Complete"/>
+                <a:cs typeface="DejaVu Sans Mono Nerd Font Complete"/>
+                <a:sym typeface="DejaVu Sans Mono Nerd Font Complete"/>
+              </a:defRPr>
+            </a:pPr>
+            <a:endParaRPr>
+              <a:latin typeface="Calibri" panose="020F0502020204030204" charset="0"/>
+              <a:ea typeface="Consolas" panose="020B0609020204030204"/>
+              <a:cs typeface="Calibri" panose="020F0502020204030204" charset="0"/>
+              <a:sym typeface="Consolas" panose="020B0609020204030204"/>
+            </a:endParaRPr>
+          </a:p>
+          <a:p>
+            <a:pPr marL="342900" indent="-342900">
+              <a:defRPr sz="2400">
+                <a:latin typeface="DejaVu Sans Mono Nerd Font Complete"/>
+                <a:ea typeface="DejaVu Sans Mono Nerd Font Complete"/>
+                <a:cs typeface="DejaVu Sans Mono Nerd Font Complete"/>
+                <a:sym typeface="DejaVu Sans Mono Nerd Font Complete"/>
+              </a:defRPr>
+            </a:pPr>
+            <a:endParaRPr>
+              <a:latin typeface="Calibri" panose="020F0502020204030204" charset="0"/>
+              <a:ea typeface="Consolas" panose="020B0609020204030204"/>
+              <a:cs typeface="Calibri" panose="020F0502020204030204" charset="0"/>
+              <a:sym typeface="Consolas" panose="020B0609020204030204"/>
+            </a:endParaRPr>
+          </a:p>
+          <a:p>
+            <a:pPr marL="342900" indent="-342900">
+              <a:defRPr sz="2400">
+                <a:latin typeface="DejaVu Sans Mono Nerd Font Complete"/>
+                <a:ea typeface="DejaVu Sans Mono Nerd Font Complete"/>
+                <a:cs typeface="DejaVu Sans Mono Nerd Font Complete"/>
+                <a:sym typeface="DejaVu Sans Mono Nerd Font Complete"/>
+              </a:defRPr>
+            </a:pPr>
+            <a:endParaRPr>
+              <a:latin typeface="Calibri" panose="020F0502020204030204" charset="0"/>
+              <a:ea typeface="Consolas" panose="020B0609020204030204"/>
+              <a:cs typeface="Calibri" panose="020F0502020204030204" charset="0"/>
+              <a:sym typeface="Consolas" panose="020B0609020204030204"/>
+            </a:endParaRPr>
+          </a:p>
+          <a:p>
+            <a:pPr marL="342900" indent="-342900">
+              <a:defRPr sz="2400">
+                <a:latin typeface="DejaVu Sans Mono Nerd Font Complete"/>
+                <a:ea typeface="DejaVu Sans Mono Nerd Font Complete"/>
+                <a:cs typeface="DejaVu Sans Mono Nerd Font Complete"/>
+                <a:sym typeface="DejaVu Sans Mono Nerd Font Complete"/>
+              </a:defRPr>
+            </a:pPr>
+            <a:r>
+              <a:rPr>
+                <a:latin typeface="Calibri" panose="020F0502020204030204" charset="0"/>
+                <a:ea typeface="Consolas" panose="020B0609020204030204"/>
+                <a:cs typeface="Calibri" panose="020F0502020204030204" charset="0"/>
+                <a:sym typeface="Consolas" panose="020B0609020204030204"/>
+              </a:rPr>
+              <a:t>However, on the riscv-linux-gnu gdb manual:</a:t>
+            </a:r>
+            <a:endParaRPr>
+              <a:latin typeface="Calibri" panose="020F0502020204030204" charset="0"/>
+              <a:ea typeface="Consolas" panose="020B0609020204030204"/>
+              <a:cs typeface="Calibri" panose="020F0502020204030204" charset="0"/>
+              <a:sym typeface="Consolas" panose="020B0609020204030204"/>
+            </a:endParaRPr>
+          </a:p>
+        </p:txBody>
+      </p:sp>
+      <p:pic>
+        <p:nvPicPr>
+          <p:cNvPr id="280" name="图像" descr="图像"/>
+          <p:cNvPicPr>
+            <a:picLocks noChangeAspect="1"/>
+          </p:cNvPicPr>
+          <p:nvPr/>
+        </p:nvPicPr>
+        <p:blipFill>
+          <a:blip r:embed="rId1"/>
+          <a:stretch>
+            <a:fillRect/>
+          </a:stretch>
+        </p:blipFill>
+        <p:spPr>
+          <a:xfrm>
+            <a:off x="1867369" y="2552250"/>
+            <a:ext cx="4775201" cy="749301"/>
+          </a:xfrm>
+          <a:prstGeom prst="rect">
+            <a:avLst/>
+          </a:prstGeom>
+          <a:ln w="12700">
+            <a:miter lim="400000"/>
+            <a:headEnd/>
+            <a:tailEnd/>
+          </a:ln>
+        </p:spPr>
+      </p:pic>
+      <p:pic>
+        <p:nvPicPr>
+          <p:cNvPr id="281" name="图像" descr="图像"/>
+          <p:cNvPicPr>
+            <a:picLocks noChangeAspect="1"/>
+          </p:cNvPicPr>
+          <p:nvPr/>
+        </p:nvPicPr>
+        <p:blipFill>
+          <a:blip r:embed="rId2"/>
+          <a:stretch>
+            <a:fillRect/>
+          </a:stretch>
+        </p:blipFill>
+        <p:spPr>
+          <a:xfrm>
+            <a:off x="1814852" y="4528569"/>
+            <a:ext cx="6502401" cy="1409701"/>
+          </a:xfrm>
+          <a:prstGeom prst="rect">
+            <a:avLst/>
+          </a:prstGeom>
+          <a:ln w="12700">
+            <a:miter lim="400000"/>
+            <a:headEnd/>
+            <a:tailEnd/>
+          </a:ln>
+        </p:spPr>
+      </p:pic>
+    </p:spTree>
+  </p:cSld>
+  <p:clrMapOvr>
+    <a:masterClrMapping/>
+  </p:clrMapOvr>
+  <p:transition spd="med"/>
+</p:sld>
+</file>
+
 <file path=ppt/slides/slide4.xml><?xml version="1.0" encoding="utf-8"?>
 <p:sld xmlns:a="http://schemas.openxmlformats.org/drawingml/2006/main" xmlns:r="http://schemas.openxmlformats.org/officeDocument/2006/relationships" xmlns:p="http://schemas.openxmlformats.org/presentationml/2006/main">
   <p:cSld>
@@ -9708,11 +10180,19 @@
               <a:buSzTx/>
               <a:buNone/>
             </a:pPr>
+            <a:endParaRPr>
+              <a:latin typeface="Calibri" panose="020F0502020204030204" charset="0"/>
+              <a:cs typeface="Calibri" panose="020F0502020204030204" charset="0"/>
+            </a:endParaRPr>
           </a:p>
           <a:p>
             <a:pPr marL="342900" indent="-342900">
               <a:defRPr sz="2400"/>
             </a:pPr>
+            <a:endParaRPr>
+              <a:latin typeface="Calibri" panose="020F0502020204030204" charset="0"/>
+              <a:cs typeface="Calibri" panose="020F0502020204030204" charset="0"/>
+            </a:endParaRPr>
           </a:p>
           <a:p>
             <a:pPr marL="342900" indent="-342900">
@@ -9724,8 +10204,16 @@
               </a:defRPr>
             </a:pPr>
             <a:r>
+              <a:rPr>
+                <a:latin typeface="Calibri" panose="020F0502020204030204" charset="0"/>
+                <a:cs typeface="Calibri" panose="020F0502020204030204" charset="0"/>
+              </a:rPr>
               <a:t>Provide a mechanism to manage the privilege of memory access.</a:t>
             </a:r>
+            <a:endParaRPr>
+              <a:latin typeface="Calibri" panose="020F0502020204030204" charset="0"/>
+              <a:cs typeface="Calibri" panose="020F0502020204030204" charset="0"/>
+            </a:endParaRPr>
           </a:p>
           <a:p>
             <a:pPr marL="342900" indent="-342900">
@@ -9736,6 +10224,10 @@
                 <a:sym typeface="DejaVu Sans Mono Nerd Font Complete"/>
               </a:defRPr>
             </a:pPr>
+            <a:endParaRPr>
+              <a:latin typeface="Calibri" panose="020F0502020204030204" charset="0"/>
+              <a:cs typeface="Calibri" panose="020F0502020204030204" charset="0"/>
+            </a:endParaRPr>
           </a:p>
           <a:p>
             <a:pPr marL="342900" indent="-342900">
@@ -9747,8 +10239,16 @@
               </a:defRPr>
             </a:pPr>
             <a:r>
+              <a:rPr>
+                <a:latin typeface="Calibri" panose="020F0502020204030204" charset="0"/>
+                <a:cs typeface="Calibri" panose="020F0502020204030204" charset="0"/>
+              </a:rPr>
               <a:t>In Linux, mprotect is used to set access privilege of different memory segments.</a:t>
             </a:r>
+            <a:endParaRPr>
+              <a:latin typeface="Calibri" panose="020F0502020204030204" charset="0"/>
+              <a:cs typeface="Calibri" panose="020F0502020204030204" charset="0"/>
+            </a:endParaRPr>
           </a:p>
           <a:p>
             <a:pPr marL="342900" indent="-342900">
@@ -9759,6 +10259,10 @@
                 <a:sym typeface="DejaVu Sans Mono Nerd Font Complete"/>
               </a:defRPr>
             </a:pPr>
+            <a:endParaRPr>
+              <a:latin typeface="Calibri" panose="020F0502020204030204" charset="0"/>
+              <a:cs typeface="Calibri" panose="020F0502020204030204" charset="0"/>
+            </a:endParaRPr>
           </a:p>
           <a:p>
             <a:pPr marL="342900" indent="-342900">
@@ -9770,8 +10274,16 @@
               </a:defRPr>
             </a:pPr>
             <a:r>
+              <a:rPr>
+                <a:latin typeface="Calibri" panose="020F0502020204030204" charset="0"/>
+                <a:cs typeface="Calibri" panose="020F0502020204030204" charset="0"/>
+              </a:rPr>
               <a:t>Usually implemented by set the bits in PTE (low efficiency). </a:t>
             </a:r>
+            <a:endParaRPr>
+              <a:latin typeface="Calibri" panose="020F0502020204030204" charset="0"/>
+              <a:cs typeface="Calibri" panose="020F0502020204030204" charset="0"/>
+            </a:endParaRPr>
           </a:p>
         </p:txBody>
       </p:sp>
@@ -9853,11 +10365,19 @@
               <a:buSzTx/>
               <a:buNone/>
             </a:pPr>
+            <a:endParaRPr>
+              <a:latin typeface="Calibri" panose="020F0502020204030204" charset="0"/>
+              <a:cs typeface="Calibri" panose="020F0502020204030204" charset="0"/>
+            </a:endParaRPr>
           </a:p>
           <a:p>
             <a:pPr marL="342900" indent="-342900">
               <a:defRPr sz="2400"/>
             </a:pPr>
+            <a:endParaRPr>
+              <a:latin typeface="Calibri" panose="020F0502020204030204" charset="0"/>
+              <a:cs typeface="Calibri" panose="020F0502020204030204" charset="0"/>
+            </a:endParaRPr>
           </a:p>
           <a:p>
             <a:pPr marL="342900" indent="-342900">
@@ -9869,8 +10389,16 @@
               </a:defRPr>
             </a:pPr>
             <a:r>
+              <a:rPr>
+                <a:latin typeface="Calibri" panose="020F0502020204030204" charset="0"/>
+                <a:cs typeface="Calibri" panose="020F0502020204030204" charset="0"/>
+              </a:rPr>
               <a:t>Group several pages into a page group.</a:t>
             </a:r>
+            <a:endParaRPr>
+              <a:latin typeface="Calibri" panose="020F0502020204030204" charset="0"/>
+              <a:cs typeface="Calibri" panose="020F0502020204030204" charset="0"/>
+            </a:endParaRPr>
           </a:p>
           <a:p>
             <a:pPr marL="342900" indent="-342900">
@@ -9881,6 +10409,10 @@
                 <a:sym typeface="DejaVu Sans Mono Nerd Font Complete"/>
               </a:defRPr>
             </a:pPr>
+            <a:endParaRPr>
+              <a:latin typeface="Calibri" panose="020F0502020204030204" charset="0"/>
+              <a:cs typeface="Calibri" panose="020F0502020204030204" charset="0"/>
+            </a:endParaRPr>
           </a:p>
           <a:p>
             <a:pPr marL="342900" indent="-342900">
@@ -9892,8 +10424,16 @@
               </a:defRPr>
             </a:pPr>
             <a:r>
+              <a:rPr>
+                <a:latin typeface="Calibri" panose="020F0502020204030204" charset="0"/>
+                <a:cs typeface="Calibri" panose="020F0502020204030204" charset="0"/>
+              </a:rPr>
               <a:t>Use 16 memory protection keys (stored in a thread level PKRU register) to encode the privilege of one page group</a:t>
             </a:r>
+            <a:endParaRPr>
+              <a:latin typeface="Calibri" panose="020F0502020204030204" charset="0"/>
+              <a:cs typeface="Calibri" panose="020F0502020204030204" charset="0"/>
+            </a:endParaRPr>
           </a:p>
         </p:txBody>
       </p:sp>
@@ -9975,11 +10515,19 @@
               <a:buSzTx/>
               <a:buNone/>
             </a:pPr>
+            <a:endParaRPr>
+              <a:latin typeface="Consolas" panose="020B0609020204030204" charset="0"/>
+              <a:cs typeface="Consolas" panose="020B0609020204030204" charset="0"/>
+            </a:endParaRPr>
           </a:p>
           <a:p>
             <a:pPr marL="342900" indent="-342900">
               <a:defRPr sz="2400"/>
             </a:pPr>
+            <a:endParaRPr>
+              <a:latin typeface="Consolas" panose="020B0609020204030204" charset="0"/>
+              <a:cs typeface="Consolas" panose="020B0609020204030204" charset="0"/>
+            </a:endParaRPr>
           </a:p>
           <a:p>
             <a:pPr marL="342900" indent="-342900">
@@ -9991,12 +10539,16 @@
               </a:defRPr>
             </a:pPr>
             <a:r>
+              <a:rPr>
+                <a:latin typeface="Consolas" panose="020B0609020204030204" charset="0"/>
+                <a:cs typeface="Consolas" panose="020B0609020204030204" charset="0"/>
+              </a:rPr>
               <a:t>Protection-key-use-after-free</a:t>
             </a:r>
             <a:endParaRPr>
-              <a:latin typeface="Consolas" panose="020B0609020204030204"/>
+              <a:latin typeface="Consolas" panose="020B0609020204030204" charset="0"/>
               <a:ea typeface="Consolas" panose="020B0609020204030204"/>
-              <a:cs typeface="Consolas" panose="020B0609020204030204"/>
+              <a:cs typeface="Consolas" panose="020B0609020204030204" charset="0"/>
               <a:sym typeface="Consolas" panose="020B0609020204030204"/>
             </a:endParaRPr>
           </a:p>
@@ -10009,6 +10561,10 @@
                 <a:sym typeface="Consolas" panose="020B0609020204030204"/>
               </a:defRPr>
             </a:pPr>
+            <a:endParaRPr>
+              <a:latin typeface="Consolas" panose="020B0609020204030204" charset="0"/>
+              <a:cs typeface="Consolas" panose="020B0609020204030204" charset="0"/>
+            </a:endParaRPr>
           </a:p>
           <a:p>
             <a:pPr marL="342900" indent="-342900">
@@ -10020,12 +10576,16 @@
               </a:defRPr>
             </a:pPr>
             <a:r>
+              <a:rPr>
+                <a:latin typeface="Consolas" panose="020B0609020204030204" charset="0"/>
+                <a:cs typeface="Consolas" panose="020B0609020204030204" charset="0"/>
+              </a:rPr>
               <a:t>Protection key limitation</a:t>
             </a:r>
             <a:endParaRPr>
-              <a:latin typeface="Consolas" panose="020B0609020204030204"/>
+              <a:latin typeface="Consolas" panose="020B0609020204030204" charset="0"/>
               <a:ea typeface="Consolas" panose="020B0609020204030204"/>
-              <a:cs typeface="Consolas" panose="020B0609020204030204"/>
+              <a:cs typeface="Consolas" panose="020B0609020204030204" charset="0"/>
               <a:sym typeface="Consolas" panose="020B0609020204030204"/>
             </a:endParaRPr>
           </a:p>
@@ -10038,6 +10598,10 @@
                 <a:sym typeface="Consolas" panose="020B0609020204030204"/>
               </a:defRPr>
             </a:pPr>
+            <a:endParaRPr>
+              <a:latin typeface="Consolas" panose="020B0609020204030204" charset="0"/>
+              <a:cs typeface="Consolas" panose="020B0609020204030204" charset="0"/>
+            </a:endParaRPr>
           </a:p>
           <a:p>
             <a:pPr marL="342900" indent="-342900">
@@ -10049,8 +10613,16 @@
               </a:defRPr>
             </a:pPr>
             <a:r>
+              <a:rPr>
+                <a:latin typeface="Consolas" panose="020B0609020204030204" charset="0"/>
+                <a:cs typeface="Consolas" panose="020B0609020204030204" charset="0"/>
+              </a:rPr>
               <a:t>Inter-thread synchronization for multi-thread programs</a:t>
             </a:r>
+            <a:endParaRPr>
+              <a:latin typeface="Consolas" panose="020B0609020204030204" charset="0"/>
+              <a:cs typeface="Consolas" panose="020B0609020204030204" charset="0"/>
+            </a:endParaRPr>
           </a:p>
         </p:txBody>
       </p:sp>
@@ -10189,6 +10761,10 @@
               <a:buNone/>
               <a:defRPr sz="2575"/>
             </a:pPr>
+            <a:endParaRPr>
+              <a:latin typeface="Calibri" panose="020F0502020204030204" charset="0"/>
+              <a:cs typeface="Calibri" panose="020F0502020204030204" charset="0"/>
+            </a:endParaRPr>
           </a:p>
           <a:p>
             <a:pPr marL="315595" indent="-315595" defTabSz="841375">
@@ -10197,6 +10773,10 @@
               </a:spcBef>
               <a:defRPr sz="2210"/>
             </a:pPr>
+            <a:endParaRPr>
+              <a:latin typeface="Calibri" panose="020F0502020204030204" charset="0"/>
+              <a:cs typeface="Calibri" panose="020F0502020204030204" charset="0"/>
+            </a:endParaRPr>
           </a:p>
           <a:p>
             <a:pPr marL="315595" indent="-315595" defTabSz="841375">
@@ -10211,8 +10791,16 @@
               </a:defRPr>
             </a:pPr>
             <a:r>
+              <a:rPr>
+                <a:latin typeface="Calibri" panose="020F0502020204030204" charset="0"/>
+                <a:cs typeface="Calibri" panose="020F0502020204030204" charset="0"/>
+              </a:rPr>
               <a:t>Provide a per-hart level physical memory access privilege.</a:t>
             </a:r>
+            <a:endParaRPr>
+              <a:latin typeface="Calibri" panose="020F0502020204030204" charset="0"/>
+              <a:cs typeface="Calibri" panose="020F0502020204030204" charset="0"/>
+            </a:endParaRPr>
           </a:p>
           <a:p>
             <a:pPr marL="315595" indent="-315595" defTabSz="841375">
@@ -10226,6 +10814,10 @@
                 <a:sym typeface="DejaVu Sans Mono Nerd Font Complete"/>
               </a:defRPr>
             </a:pPr>
+            <a:endParaRPr>
+              <a:latin typeface="Calibri" panose="020F0502020204030204" charset="0"/>
+              <a:cs typeface="Calibri" panose="020F0502020204030204" charset="0"/>
+            </a:endParaRPr>
           </a:p>
           <a:p>
             <a:pPr marL="315595" indent="-315595" defTabSz="841375">
@@ -10240,8 +10832,16 @@
               </a:defRPr>
             </a:pPr>
             <a:r>
+              <a:rPr>
+                <a:latin typeface="Calibri" panose="020F0502020204030204" charset="0"/>
+                <a:cs typeface="Calibri" panose="020F0502020204030204" charset="0"/>
+              </a:rPr>
               <a:t>Use 16 PMP entries instead of protection key.</a:t>
             </a:r>
+            <a:endParaRPr>
+              <a:latin typeface="Calibri" panose="020F0502020204030204" charset="0"/>
+              <a:cs typeface="Calibri" panose="020F0502020204030204" charset="0"/>
+            </a:endParaRPr>
           </a:p>
           <a:p>
             <a:pPr marL="315595" indent="-315595" defTabSz="841375">
@@ -10255,6 +10855,10 @@
                 <a:sym typeface="DejaVu Sans Mono Nerd Font Complete"/>
               </a:defRPr>
             </a:pPr>
+            <a:endParaRPr>
+              <a:latin typeface="Calibri" panose="020F0502020204030204" charset="0"/>
+              <a:cs typeface="Calibri" panose="020F0502020204030204" charset="0"/>
+            </a:endParaRPr>
           </a:p>
           <a:p>
             <a:pPr marL="315595" indent="-315595" defTabSz="841375">
@@ -10269,8 +10873,16 @@
               </a:defRPr>
             </a:pPr>
             <a:r>
+              <a:rPr>
+                <a:latin typeface="Calibri" panose="020F0502020204030204" charset="0"/>
+                <a:cs typeface="Calibri" panose="020F0502020204030204" charset="0"/>
+              </a:rPr>
               <a:t>PMP entries consist of configuration registers and address registers</a:t>
             </a:r>
+            <a:endParaRPr>
+              <a:latin typeface="Calibri" panose="020F0502020204030204" charset="0"/>
+              <a:cs typeface="Calibri" panose="020F0502020204030204" charset="0"/>
+            </a:endParaRPr>
           </a:p>
           <a:p>
             <a:pPr marL="735965" lvl="1" indent="-315595" defTabSz="841375">
@@ -10285,8 +10897,16 @@
               </a:defRPr>
             </a:pPr>
             <a:r>
+              <a:rPr>
+                <a:latin typeface="Calibri" panose="020F0502020204030204" charset="0"/>
+                <a:cs typeface="Calibri" panose="020F0502020204030204" charset="0"/>
+              </a:rPr>
               <a:t>Configuration register: use several bits to encode privilege</a:t>
             </a:r>
+            <a:endParaRPr>
+              <a:latin typeface="Calibri" panose="020F0502020204030204" charset="0"/>
+              <a:cs typeface="Calibri" panose="020F0502020204030204" charset="0"/>
+            </a:endParaRPr>
           </a:p>
           <a:p>
             <a:pPr marL="735965" lvl="1" indent="-315595" defTabSz="841375">
@@ -10301,8 +10921,16 @@
               </a:defRPr>
             </a:pPr>
             <a:r>
+              <a:rPr>
+                <a:latin typeface="Calibri" panose="020F0502020204030204" charset="0"/>
+                <a:cs typeface="Calibri" panose="020F0502020204030204" charset="0"/>
+              </a:rPr>
               <a:t>Address register: Specify the managed memory region</a:t>
             </a:r>
+            <a:endParaRPr>
+              <a:latin typeface="Calibri" panose="020F0502020204030204" charset="0"/>
+              <a:cs typeface="Calibri" panose="020F0502020204030204" charset="0"/>
+            </a:endParaRPr>
           </a:p>
         </p:txBody>
       </p:sp>
@@ -10495,11 +11123,19 @@
               <a:buSzTx/>
               <a:buNone/>
             </a:pPr>
+            <a:endParaRPr>
+              <a:latin typeface="Calibri" panose="020F0502020204030204" charset="0"/>
+              <a:cs typeface="Calibri" panose="020F0502020204030204" charset="0"/>
+            </a:endParaRPr>
           </a:p>
           <a:p>
             <a:pPr marL="342900" indent="-342900">
               <a:defRPr sz="2400"/>
             </a:pPr>
+            <a:endParaRPr>
+              <a:latin typeface="Calibri" panose="020F0502020204030204" charset="0"/>
+              <a:cs typeface="Calibri" panose="020F0502020204030204" charset="0"/>
+            </a:endParaRPr>
           </a:p>
           <a:p>
             <a:pPr marL="342900" indent="-342900">
@@ -10511,6 +11147,10 @@
               </a:defRPr>
             </a:pPr>
             <a:r>
+              <a:rPr>
+                <a:latin typeface="Calibri" panose="020F0502020204030204" charset="0"/>
+                <a:cs typeface="Calibri" panose="020F0502020204030204" charset="0"/>
+              </a:rPr>
               <a:t>Protection-key-use-after-free </a:t>
             </a:r>
             <a:r>
@@ -10518,13 +11158,15 @@
                 <a:solidFill>
                   <a:schemeClr val="accent1"/>
                 </a:solidFill>
+                <a:latin typeface="Calibri" panose="020F0502020204030204" charset="0"/>
+                <a:cs typeface="Calibri" panose="020F0502020204030204" charset="0"/>
               </a:rPr>
               <a:t>TO BE CONTINUED</a:t>
             </a:r>
             <a:endParaRPr>
-              <a:latin typeface="Consolas" panose="020B0609020204030204"/>
+              <a:latin typeface="Calibri" panose="020F0502020204030204" charset="0"/>
               <a:ea typeface="Consolas" panose="020B0609020204030204"/>
-              <a:cs typeface="Consolas" panose="020B0609020204030204"/>
+              <a:cs typeface="Calibri" panose="020F0502020204030204" charset="0"/>
               <a:sym typeface="Consolas" panose="020B0609020204030204"/>
             </a:endParaRPr>
           </a:p>
@@ -10537,6 +11179,10 @@
                 <a:sym typeface="Consolas" panose="020B0609020204030204"/>
               </a:defRPr>
             </a:pPr>
+            <a:endParaRPr>
+              <a:latin typeface="Calibri" panose="020F0502020204030204" charset="0"/>
+              <a:cs typeface="Calibri" panose="020F0502020204030204" charset="0"/>
+            </a:endParaRPr>
           </a:p>
           <a:p>
             <a:pPr marL="342900" indent="-342900">
@@ -10548,6 +11194,10 @@
               </a:defRPr>
             </a:pPr>
             <a:r>
+              <a:rPr>
+                <a:latin typeface="Calibri" panose="020F0502020204030204" charset="0"/>
+                <a:cs typeface="Calibri" panose="020F0502020204030204" charset="0"/>
+              </a:rPr>
               <a:t>Protection key limitation </a:t>
             </a:r>
             <a:r>
@@ -10555,13 +11205,15 @@
                 <a:solidFill>
                   <a:srgbClr val="FF2600"/>
                 </a:solidFill>
+                <a:latin typeface="Calibri" panose="020F0502020204030204" charset="0"/>
+                <a:cs typeface="Calibri" panose="020F0502020204030204" charset="0"/>
               </a:rPr>
               <a:t>EXISTS</a:t>
             </a:r>
             <a:endParaRPr>
-              <a:latin typeface="Consolas" panose="020B0609020204030204"/>
+              <a:latin typeface="Calibri" panose="020F0502020204030204" charset="0"/>
               <a:ea typeface="Consolas" panose="020B0609020204030204"/>
-              <a:cs typeface="Consolas" panose="020B0609020204030204"/>
+              <a:cs typeface="Calibri" panose="020F0502020204030204" charset="0"/>
               <a:sym typeface="Consolas" panose="020B0609020204030204"/>
             </a:endParaRPr>
           </a:p>
@@ -10574,6 +11226,10 @@
                 <a:sym typeface="Consolas" panose="020B0609020204030204"/>
               </a:defRPr>
             </a:pPr>
+            <a:endParaRPr>
+              <a:latin typeface="Calibri" panose="020F0502020204030204" charset="0"/>
+              <a:cs typeface="Calibri" panose="020F0502020204030204" charset="0"/>
+            </a:endParaRPr>
           </a:p>
           <a:p>
             <a:pPr marL="342900" indent="-342900">
@@ -10585,6 +11241,10 @@
               </a:defRPr>
             </a:pPr>
             <a:r>
+              <a:rPr>
+                <a:latin typeface="Calibri" panose="020F0502020204030204" charset="0"/>
+                <a:cs typeface="Calibri" panose="020F0502020204030204" charset="0"/>
+              </a:rPr>
               <a:t>Inter-thread synchronization </a:t>
             </a:r>
             <a:r>
@@ -10592,6 +11252,8 @@
                 <a:solidFill>
                   <a:srgbClr val="FF2600"/>
                 </a:solidFill>
+                <a:latin typeface="Calibri" panose="020F0502020204030204" charset="0"/>
+                <a:cs typeface="Calibri" panose="020F0502020204030204" charset="0"/>
               </a:rPr>
               <a:t>EXISTS</a:t>
             </a:r>
@@ -10599,6 +11261,8 @@
               <a:solidFill>
                 <a:srgbClr val="FF2600"/>
               </a:solidFill>
+              <a:latin typeface="Calibri" panose="020F0502020204030204" charset="0"/>
+              <a:cs typeface="Calibri" panose="020F0502020204030204" charset="0"/>
             </a:endParaRPr>
           </a:p>
         </p:txBody>

--- a/proposal.pptx
+++ b/proposal.pptx
@@ -331,6 +331,11 @@
       </a:defRPr>
     </a:lvl9pPr>
   </p:defaultTextStyle>
+  <p:extLst>
+    <p:ext uri="{EFAFB233-063F-42B5-8137-9DF3F51BA10A}">
+      <p15:sldGuideLst xmlns:p15="http://schemas.microsoft.com/office/powerpoint/2012/main"/>
+    </p:ext>
+  </p:extLst>
 </p:presentation>
 </file>
 
@@ -7390,26 +7395,11 @@
             </a:pPr>
             <a:r>
               <a:rPr dirty="0"/>
-              <a:t>a cache-like structure</a:t>
-            </a:r>
-          </a:p>
-          <a:p>
-            <a:pPr marL="339725" indent="-339725" defTabSz="905510">
-              <a:spcBef>
-                <a:spcPts val="900"/>
-              </a:spcBef>
-              <a:defRPr sz="2375"/>
-            </a:pPr>
-            <a:r>
               <a:t>2 </a:t>
             </a:r>
             <a:r>
-              <a:rPr lang="en-US" altLang="zh-CN"/>
-              <a:t>kinds of </a:t>
-            </a:r>
-            <a:r>
               <a:rPr lang="en-US" altLang="zh-CN" dirty="0"/>
-              <a:t>missing</a:t>
+              <a:t>kinds of missing</a:t>
             </a:r>
             <a:r>
               <a:rPr dirty="0"/>

--- a/proposal.pptx
+++ b/proposal.pptx
@@ -5,43 +5,44 @@
     <p:sldMasterId id="2147483648" r:id="rId1"/>
   </p:sldMasterIdLst>
   <p:notesMasterIdLst>
-    <p:notesMasterId r:id="rId31"/>
+    <p:notesMasterId r:id="rId4"/>
   </p:notesMasterIdLst>
   <p:sldIdLst>
-    <p:sldId id="256" r:id="rId2"/>
-    <p:sldId id="257" r:id="rId3"/>
-    <p:sldId id="258" r:id="rId4"/>
-    <p:sldId id="259" r:id="rId5"/>
-    <p:sldId id="260" r:id="rId6"/>
-    <p:sldId id="261" r:id="rId7"/>
-    <p:sldId id="262" r:id="rId8"/>
-    <p:sldId id="263" r:id="rId9"/>
-    <p:sldId id="264" r:id="rId10"/>
-    <p:sldId id="265" r:id="rId11"/>
-    <p:sldId id="266" r:id="rId12"/>
-    <p:sldId id="267" r:id="rId13"/>
-    <p:sldId id="268" r:id="rId14"/>
-    <p:sldId id="269" r:id="rId15"/>
-    <p:sldId id="270" r:id="rId16"/>
-    <p:sldId id="271" r:id="rId17"/>
-    <p:sldId id="272" r:id="rId18"/>
-    <p:sldId id="273" r:id="rId19"/>
-    <p:sldId id="274" r:id="rId20"/>
-    <p:sldId id="275" r:id="rId21"/>
-    <p:sldId id="276" r:id="rId22"/>
-    <p:sldId id="282" r:id="rId23"/>
-    <p:sldId id="283" r:id="rId24"/>
-    <p:sldId id="284" r:id="rId25"/>
-    <p:sldId id="277" r:id="rId26"/>
-    <p:sldId id="278" r:id="rId27"/>
-    <p:sldId id="279" r:id="rId28"/>
-    <p:sldId id="280" r:id="rId29"/>
-    <p:sldId id="281" r:id="rId30"/>
+    <p:sldId id="256" r:id="rId3"/>
+    <p:sldId id="257" r:id="rId5"/>
+    <p:sldId id="258" r:id="rId6"/>
+    <p:sldId id="259" r:id="rId7"/>
+    <p:sldId id="260" r:id="rId8"/>
+    <p:sldId id="261" r:id="rId9"/>
+    <p:sldId id="262" r:id="rId10"/>
+    <p:sldId id="263" r:id="rId11"/>
+    <p:sldId id="264" r:id="rId12"/>
+    <p:sldId id="265" r:id="rId13"/>
+    <p:sldId id="266" r:id="rId14"/>
+    <p:sldId id="267" r:id="rId15"/>
+    <p:sldId id="268" r:id="rId16"/>
+    <p:sldId id="269" r:id="rId17"/>
+    <p:sldId id="297" r:id="rId18"/>
+    <p:sldId id="271" r:id="rId19"/>
+    <p:sldId id="272" r:id="rId20"/>
+    <p:sldId id="273" r:id="rId21"/>
+    <p:sldId id="274" r:id="rId22"/>
+    <p:sldId id="275" r:id="rId23"/>
+    <p:sldId id="276" r:id="rId24"/>
+    <p:sldId id="282" r:id="rId25"/>
+    <p:sldId id="283" r:id="rId26"/>
+    <p:sldId id="284" r:id="rId27"/>
+    <p:sldId id="291" r:id="rId28"/>
+    <p:sldId id="277" r:id="rId29"/>
+    <p:sldId id="278" r:id="rId30"/>
+    <p:sldId id="279" r:id="rId31"/>
+    <p:sldId id="280" r:id="rId32"/>
+    <p:sldId id="281" r:id="rId33"/>
   </p:sldIdLst>
   <p:sldSz cx="12192000" cy="6858000"/>
   <p:notesSz cx="6858000" cy="9144000"/>
   <p:custDataLst>
-    <p:tags r:id="rId32"/>
+    <p:tags r:id="rId37"/>
   </p:custDataLst>
   <p:defaultTextStyle>
     <a:defPPr marL="0" marR="0" indent="0" algn="l" defTabSz="914400" rtl="0" fontAlgn="auto" latinLnBrk="1" hangingPunct="0">
@@ -331,11 +332,6 @@
       </a:defRPr>
     </a:lvl9pPr>
   </p:defaultTextStyle>
-  <p:extLst>
-    <p:ext uri="{EFAFB233-063F-42B5-8137-9DF3F51BA10A}">
-      <p15:sldGuideLst xmlns:p15="http://schemas.microsoft.com/office/powerpoint/2012/main"/>
-    </p:ext>
-  </p:extLst>
 </p:presentation>
 </file>
 
@@ -364,9 +360,7 @@
       <p:sp>
         <p:nvSpPr>
           <p:cNvPr id="152" name="Shape 152"/>
-          <p:cNvSpPr>
-            <a:spLocks noGrp="1" noRot="1" noChangeAspect="1"/>
-          </p:cNvSpPr>
+          <p:cNvSpPr/>
           <p:nvPr>
             <p:ph type="sldImg"/>
           </p:nvPr>
@@ -383,17 +377,13 @@
         <p:txBody>
           <a:bodyPr/>
           <a:lstStyle/>
-          <a:p>
-            <a:endParaRPr/>
-          </a:p>
+          <a:p/>
         </p:txBody>
       </p:sp>
       <p:sp>
         <p:nvSpPr>
           <p:cNvPr id="153" name="Shape 153"/>
-          <p:cNvSpPr>
-            <a:spLocks noGrp="1"/>
-          </p:cNvSpPr>
+          <p:cNvSpPr/>
           <p:nvPr>
             <p:ph type="body" sz="quarter" idx="1"/>
           </p:nvPr>
@@ -410,9 +400,7 @@
         <p:txBody>
           <a:bodyPr/>
           <a:lstStyle/>
-          <a:p>
-            <a:endParaRPr/>
-          </a:p>
+          <a:p/>
         </p:txBody>
       </p:sp>
     </p:spTree>
@@ -515,9 +503,7 @@
       <p:sp>
         <p:nvSpPr>
           <p:cNvPr id="156" name="Shape 156"/>
-          <p:cNvSpPr>
-            <a:spLocks noGrp="1" noRot="1" noChangeAspect="1"/>
-          </p:cNvSpPr>
+          <p:cNvSpPr/>
           <p:nvPr>
             <p:ph type="sldImg"/>
           </p:nvPr>
@@ -530,17 +516,13 @@
         <p:txBody>
           <a:bodyPr/>
           <a:lstStyle/>
-          <a:p>
-            <a:endParaRPr/>
-          </a:p>
+          <a:p/>
         </p:txBody>
       </p:sp>
       <p:sp>
         <p:nvSpPr>
           <p:cNvPr id="157" name="Shape 157"/>
-          <p:cNvSpPr>
-            <a:spLocks noGrp="1"/>
-          </p:cNvSpPr>
+          <p:cNvSpPr/>
           <p:nvPr>
             <p:ph type="body" sz="quarter" idx="1"/>
           </p:nvPr>
@@ -609,9 +591,7 @@
       <p:sp>
         <p:nvSpPr>
           <p:cNvPr id="202" name="Shape 202"/>
-          <p:cNvSpPr>
-            <a:spLocks noGrp="1" noRot="1" noChangeAspect="1"/>
-          </p:cNvSpPr>
+          <p:cNvSpPr/>
           <p:nvPr>
             <p:ph type="sldImg"/>
           </p:nvPr>
@@ -624,17 +604,13 @@
         <p:txBody>
           <a:bodyPr/>
           <a:lstStyle/>
-          <a:p>
-            <a:endParaRPr/>
-          </a:p>
+          <a:p/>
         </p:txBody>
       </p:sp>
       <p:sp>
         <p:nvSpPr>
           <p:cNvPr id="203" name="Shape 203"/>
-          <p:cNvSpPr>
-            <a:spLocks noGrp="1"/>
-          </p:cNvSpPr>
+          <p:cNvSpPr/>
           <p:nvPr>
             <p:ph type="body" sz="quarter" idx="1"/>
           </p:nvPr>
@@ -703,9 +679,7 @@
       <p:sp>
         <p:nvSpPr>
           <p:cNvPr id="207" name="Shape 207"/>
-          <p:cNvSpPr>
-            <a:spLocks noGrp="1" noRot="1" noChangeAspect="1"/>
-          </p:cNvSpPr>
+          <p:cNvSpPr/>
           <p:nvPr>
             <p:ph type="sldImg"/>
           </p:nvPr>
@@ -718,17 +692,13 @@
         <p:txBody>
           <a:bodyPr/>
           <a:lstStyle/>
-          <a:p>
-            <a:endParaRPr/>
-          </a:p>
+          <a:p/>
         </p:txBody>
       </p:sp>
       <p:sp>
         <p:nvSpPr>
           <p:cNvPr id="208" name="Shape 208"/>
-          <p:cNvSpPr>
-            <a:spLocks noGrp="1"/>
-          </p:cNvSpPr>
+          <p:cNvSpPr/>
           <p:nvPr>
             <p:ph type="body" sz="quarter" idx="1"/>
           </p:nvPr>
@@ -797,9 +767,7 @@
       <p:sp>
         <p:nvSpPr>
           <p:cNvPr id="212" name="Shape 212"/>
-          <p:cNvSpPr>
-            <a:spLocks noGrp="1" noRot="1" noChangeAspect="1"/>
-          </p:cNvSpPr>
+          <p:cNvSpPr/>
           <p:nvPr>
             <p:ph type="sldImg"/>
           </p:nvPr>
@@ -812,17 +780,13 @@
         <p:txBody>
           <a:bodyPr/>
           <a:lstStyle/>
-          <a:p>
-            <a:endParaRPr/>
-          </a:p>
+          <a:p/>
         </p:txBody>
       </p:sp>
       <p:sp>
         <p:nvSpPr>
           <p:cNvPr id="213" name="Shape 213"/>
-          <p:cNvSpPr>
-            <a:spLocks noGrp="1"/>
-          </p:cNvSpPr>
+          <p:cNvSpPr/>
           <p:nvPr>
             <p:ph type="body" sz="quarter" idx="1"/>
           </p:nvPr>
@@ -891,9 +855,7 @@
       <p:sp>
         <p:nvSpPr>
           <p:cNvPr id="217" name="Shape 217"/>
-          <p:cNvSpPr>
-            <a:spLocks noGrp="1" noRot="1" noChangeAspect="1"/>
-          </p:cNvSpPr>
+          <p:cNvSpPr/>
           <p:nvPr>
             <p:ph type="sldImg"/>
           </p:nvPr>
@@ -906,17 +868,13 @@
         <p:txBody>
           <a:bodyPr/>
           <a:lstStyle/>
-          <a:p>
-            <a:endParaRPr/>
-          </a:p>
+          <a:p/>
         </p:txBody>
       </p:sp>
       <p:sp>
         <p:nvSpPr>
           <p:cNvPr id="218" name="Shape 218"/>
-          <p:cNvSpPr>
-            <a:spLocks noGrp="1"/>
-          </p:cNvSpPr>
+          <p:cNvSpPr/>
           <p:nvPr>
             <p:ph type="body" sz="quarter" idx="1"/>
           </p:nvPr>
@@ -985,9 +943,7 @@
       <p:sp>
         <p:nvSpPr>
           <p:cNvPr id="221" name="Shape 221"/>
-          <p:cNvSpPr>
-            <a:spLocks noGrp="1" noRot="1" noChangeAspect="1"/>
-          </p:cNvSpPr>
+          <p:cNvSpPr/>
           <p:nvPr>
             <p:ph type="sldImg"/>
           </p:nvPr>
@@ -1000,17 +956,13 @@
         <p:txBody>
           <a:bodyPr/>
           <a:lstStyle/>
-          <a:p>
-            <a:endParaRPr/>
-          </a:p>
+          <a:p/>
         </p:txBody>
       </p:sp>
       <p:sp>
         <p:nvSpPr>
           <p:cNvPr id="222" name="Shape 222"/>
-          <p:cNvSpPr>
-            <a:spLocks noGrp="1"/>
-          </p:cNvSpPr>
+          <p:cNvSpPr/>
           <p:nvPr>
             <p:ph type="body" sz="quarter" idx="1"/>
           </p:nvPr>
@@ -1098,9 +1050,7 @@
         <p:txBody>
           <a:bodyPr/>
           <a:lstStyle/>
-          <a:p>
-            <a:endParaRPr/>
-          </a:p>
+          <a:p/>
         </p:txBody>
       </p:sp>
       <p:sp>
@@ -1177,9 +1127,7 @@
       <p:sp>
         <p:nvSpPr>
           <p:cNvPr id="233" name="Shape 233"/>
-          <p:cNvSpPr>
-            <a:spLocks noGrp="1" noRot="1" noChangeAspect="1"/>
-          </p:cNvSpPr>
+          <p:cNvSpPr/>
           <p:nvPr>
             <p:ph type="sldImg"/>
           </p:nvPr>
@@ -1192,17 +1140,13 @@
         <p:txBody>
           <a:bodyPr/>
           <a:lstStyle/>
-          <a:p>
-            <a:endParaRPr/>
-          </a:p>
+          <a:p/>
         </p:txBody>
       </p:sp>
       <p:sp>
         <p:nvSpPr>
           <p:cNvPr id="234" name="Shape 234"/>
-          <p:cNvSpPr>
-            <a:spLocks noGrp="1"/>
-          </p:cNvSpPr>
+          <p:cNvSpPr/>
           <p:nvPr>
             <p:ph type="body" sz="quarter" idx="1"/>
           </p:nvPr>
@@ -1271,9 +1215,7 @@
       <p:sp>
         <p:nvSpPr>
           <p:cNvPr id="239" name="Shape 239"/>
-          <p:cNvSpPr>
-            <a:spLocks noGrp="1" noRot="1" noChangeAspect="1"/>
-          </p:cNvSpPr>
+          <p:cNvSpPr/>
           <p:nvPr>
             <p:ph type="sldImg"/>
           </p:nvPr>
@@ -1286,17 +1228,13 @@
         <p:txBody>
           <a:bodyPr/>
           <a:lstStyle/>
-          <a:p>
-            <a:endParaRPr/>
-          </a:p>
+          <a:p/>
         </p:txBody>
       </p:sp>
       <p:sp>
         <p:nvSpPr>
           <p:cNvPr id="240" name="Shape 240"/>
-          <p:cNvSpPr>
-            <a:spLocks noGrp="1"/>
-          </p:cNvSpPr>
+          <p:cNvSpPr/>
           <p:nvPr>
             <p:ph type="body" sz="quarter" idx="1"/>
           </p:nvPr>
@@ -1365,9 +1303,7 @@
       <p:sp>
         <p:nvSpPr>
           <p:cNvPr id="243" name="Shape 243"/>
-          <p:cNvSpPr>
-            <a:spLocks noGrp="1" noRot="1" noChangeAspect="1"/>
-          </p:cNvSpPr>
+          <p:cNvSpPr/>
           <p:nvPr>
             <p:ph type="sldImg"/>
           </p:nvPr>
@@ -1380,17 +1316,13 @@
         <p:txBody>
           <a:bodyPr/>
           <a:lstStyle/>
-          <a:p>
-            <a:endParaRPr/>
-          </a:p>
+          <a:p/>
         </p:txBody>
       </p:sp>
       <p:sp>
         <p:nvSpPr>
           <p:cNvPr id="244" name="Shape 244"/>
-          <p:cNvSpPr>
-            <a:spLocks noGrp="1"/>
-          </p:cNvSpPr>
+          <p:cNvSpPr/>
           <p:nvPr>
             <p:ph type="body" sz="quarter" idx="1"/>
           </p:nvPr>
@@ -1459,18 +1391,12 @@
       <p:sp>
         <p:nvSpPr>
           <p:cNvPr id="247" name="Shape 247"/>
-          <p:cNvSpPr>
-            <a:spLocks noGrp="1" noRot="1" noChangeAspect="1"/>
-          </p:cNvSpPr>
+          <p:cNvSpPr/>
           <p:nvPr>
             <p:ph type="sldImg"/>
           </p:nvPr>
         </p:nvSpPr>
         <p:spPr>
-          <a:xfrm>
-            <a:off x="381000" y="685800"/>
-            <a:ext cx="6096000" cy="3429000"/>
-          </a:xfrm>
           <a:prstGeom prst="rect">
             <a:avLst/>
           </a:prstGeom>
@@ -1478,17 +1404,13 @@
         <p:txBody>
           <a:bodyPr/>
           <a:lstStyle/>
-          <a:p>
-            <a:endParaRPr/>
-          </a:p>
+          <a:p/>
         </p:txBody>
       </p:sp>
       <p:sp>
         <p:nvSpPr>
           <p:cNvPr id="248" name="Shape 248"/>
-          <p:cNvSpPr>
-            <a:spLocks noGrp="1"/>
-          </p:cNvSpPr>
+          <p:cNvSpPr/>
           <p:nvPr>
             <p:ph type="body" sz="quarter" idx="1"/>
           </p:nvPr>
@@ -1557,18 +1479,12 @@
       <p:sp>
         <p:nvSpPr>
           <p:cNvPr id="161" name="Shape 161"/>
-          <p:cNvSpPr>
-            <a:spLocks noGrp="1" noRot="1" noChangeAspect="1"/>
-          </p:cNvSpPr>
+          <p:cNvSpPr/>
           <p:nvPr>
             <p:ph type="sldImg"/>
           </p:nvPr>
         </p:nvSpPr>
         <p:spPr>
-          <a:xfrm>
-            <a:off x="381000" y="685800"/>
-            <a:ext cx="6096000" cy="3429000"/>
-          </a:xfrm>
           <a:prstGeom prst="rect">
             <a:avLst/>
           </a:prstGeom>
@@ -1576,17 +1492,13 @@
         <p:txBody>
           <a:bodyPr/>
           <a:lstStyle/>
-          <a:p>
-            <a:endParaRPr/>
-          </a:p>
+          <a:p/>
         </p:txBody>
       </p:sp>
       <p:sp>
         <p:nvSpPr>
           <p:cNvPr id="162" name="Shape 162"/>
-          <p:cNvSpPr>
-            <a:spLocks noGrp="1"/>
-          </p:cNvSpPr>
+          <p:cNvSpPr/>
           <p:nvPr>
             <p:ph type="body" sz="quarter" idx="1"/>
           </p:nvPr>
@@ -1655,9 +1567,7 @@
       <p:sp>
         <p:nvSpPr>
           <p:cNvPr id="252" name="Shape 252"/>
-          <p:cNvSpPr>
-            <a:spLocks noGrp="1" noRot="1" noChangeAspect="1"/>
-          </p:cNvSpPr>
+          <p:cNvSpPr/>
           <p:nvPr>
             <p:ph type="sldImg"/>
           </p:nvPr>
@@ -1670,17 +1580,13 @@
         <p:txBody>
           <a:bodyPr/>
           <a:lstStyle/>
-          <a:p>
-            <a:endParaRPr/>
-          </a:p>
+          <a:p/>
         </p:txBody>
       </p:sp>
       <p:sp>
         <p:nvSpPr>
           <p:cNvPr id="253" name="Shape 253"/>
-          <p:cNvSpPr>
-            <a:spLocks noGrp="1"/>
-          </p:cNvSpPr>
+          <p:cNvSpPr/>
           <p:nvPr>
             <p:ph type="body" sz="quarter" idx="1"/>
           </p:nvPr>
@@ -1749,9 +1655,7 @@
       <p:sp>
         <p:nvSpPr>
           <p:cNvPr id="256" name="Shape 256"/>
-          <p:cNvSpPr>
-            <a:spLocks noGrp="1" noRot="1" noChangeAspect="1"/>
-          </p:cNvSpPr>
+          <p:cNvSpPr/>
           <p:nvPr>
             <p:ph type="sldImg"/>
           </p:nvPr>
@@ -1764,17 +1668,13 @@
         <p:txBody>
           <a:bodyPr/>
           <a:lstStyle/>
-          <a:p>
-            <a:endParaRPr/>
-          </a:p>
+          <a:p/>
         </p:txBody>
       </p:sp>
       <p:sp>
         <p:nvSpPr>
           <p:cNvPr id="257" name="Shape 257"/>
-          <p:cNvSpPr>
-            <a:spLocks noGrp="1"/>
-          </p:cNvSpPr>
+          <p:cNvSpPr/>
           <p:nvPr>
             <p:ph type="body" sz="quarter" idx="1"/>
           </p:nvPr>
@@ -1843,9 +1743,7 @@
       <p:sp>
         <p:nvSpPr>
           <p:cNvPr id="260" name="Shape 260"/>
-          <p:cNvSpPr>
-            <a:spLocks noGrp="1" noRot="1" noChangeAspect="1"/>
-          </p:cNvSpPr>
+          <p:cNvSpPr/>
           <p:nvPr>
             <p:ph type="sldImg"/>
           </p:nvPr>
@@ -1858,17 +1756,13 @@
         <p:txBody>
           <a:bodyPr/>
           <a:lstStyle/>
-          <a:p>
-            <a:endParaRPr/>
-          </a:p>
+          <a:p/>
         </p:txBody>
       </p:sp>
       <p:sp>
         <p:nvSpPr>
           <p:cNvPr id="261" name="Shape 261"/>
-          <p:cNvSpPr>
-            <a:spLocks noGrp="1"/>
-          </p:cNvSpPr>
+          <p:cNvSpPr/>
           <p:nvPr>
             <p:ph type="body" sz="quarter" idx="1"/>
           </p:nvPr>
@@ -1937,9 +1831,7 @@
       <p:sp>
         <p:nvSpPr>
           <p:cNvPr id="265" name="Shape 265"/>
-          <p:cNvSpPr>
-            <a:spLocks noGrp="1" noRot="1" noChangeAspect="1"/>
-          </p:cNvSpPr>
+          <p:cNvSpPr/>
           <p:nvPr>
             <p:ph type="sldImg"/>
           </p:nvPr>
@@ -1952,17 +1844,13 @@
         <p:txBody>
           <a:bodyPr/>
           <a:lstStyle/>
-          <a:p>
-            <a:endParaRPr/>
-          </a:p>
+          <a:p/>
         </p:txBody>
       </p:sp>
       <p:sp>
         <p:nvSpPr>
           <p:cNvPr id="266" name="Shape 266"/>
-          <p:cNvSpPr>
-            <a:spLocks noGrp="1"/>
-          </p:cNvSpPr>
+          <p:cNvSpPr/>
           <p:nvPr>
             <p:ph type="body" sz="quarter" idx="1"/>
           </p:nvPr>
@@ -2031,9 +1919,7 @@
       <p:sp>
         <p:nvSpPr>
           <p:cNvPr id="269" name="Shape 269"/>
-          <p:cNvSpPr>
-            <a:spLocks noGrp="1" noRot="1" noChangeAspect="1"/>
-          </p:cNvSpPr>
+          <p:cNvSpPr/>
           <p:nvPr>
             <p:ph type="sldImg"/>
           </p:nvPr>
@@ -2046,17 +1932,13 @@
         <p:txBody>
           <a:bodyPr/>
           <a:lstStyle/>
-          <a:p>
-            <a:endParaRPr/>
-          </a:p>
+          <a:p/>
         </p:txBody>
       </p:sp>
       <p:sp>
         <p:nvSpPr>
           <p:cNvPr id="270" name="Shape 270"/>
-          <p:cNvSpPr>
-            <a:spLocks noGrp="1"/>
-          </p:cNvSpPr>
+          <p:cNvSpPr/>
           <p:nvPr>
             <p:ph type="body" sz="quarter" idx="1"/>
           </p:nvPr>
@@ -2125,9 +2007,7 @@
       <p:sp>
         <p:nvSpPr>
           <p:cNvPr id="275" name="Shape 275"/>
-          <p:cNvSpPr>
-            <a:spLocks noGrp="1" noRot="1" noChangeAspect="1"/>
-          </p:cNvSpPr>
+          <p:cNvSpPr/>
           <p:nvPr>
             <p:ph type="sldImg"/>
           </p:nvPr>
@@ -2140,17 +2020,13 @@
         <p:txBody>
           <a:bodyPr/>
           <a:lstStyle/>
-          <a:p>
-            <a:endParaRPr/>
-          </a:p>
+          <a:p/>
         </p:txBody>
       </p:sp>
       <p:sp>
         <p:nvSpPr>
           <p:cNvPr id="276" name="Shape 276"/>
-          <p:cNvSpPr>
-            <a:spLocks noGrp="1"/>
-          </p:cNvSpPr>
+          <p:cNvSpPr/>
           <p:nvPr>
             <p:ph type="body" sz="quarter" idx="1"/>
           </p:nvPr>
@@ -2219,9 +2095,7 @@
       <p:sp>
         <p:nvSpPr>
           <p:cNvPr id="282" name="Shape 282"/>
-          <p:cNvSpPr>
-            <a:spLocks noGrp="1" noRot="1" noChangeAspect="1"/>
-          </p:cNvSpPr>
+          <p:cNvSpPr/>
           <p:nvPr>
             <p:ph type="sldImg"/>
           </p:nvPr>
@@ -2234,17 +2108,13 @@
         <p:txBody>
           <a:bodyPr/>
           <a:lstStyle/>
-          <a:p>
-            <a:endParaRPr/>
-          </a:p>
+          <a:p/>
         </p:txBody>
       </p:sp>
       <p:sp>
         <p:nvSpPr>
           <p:cNvPr id="283" name="Shape 283"/>
-          <p:cNvSpPr>
-            <a:spLocks noGrp="1"/>
-          </p:cNvSpPr>
+          <p:cNvSpPr/>
           <p:nvPr>
             <p:ph type="body" sz="quarter" idx="1"/>
           </p:nvPr>
@@ -2313,9 +2183,7 @@
       <p:sp>
         <p:nvSpPr>
           <p:cNvPr id="165" name="Shape 165"/>
-          <p:cNvSpPr>
-            <a:spLocks noGrp="1" noRot="1" noChangeAspect="1"/>
-          </p:cNvSpPr>
+          <p:cNvSpPr/>
           <p:nvPr>
             <p:ph type="sldImg"/>
           </p:nvPr>
@@ -2328,17 +2196,13 @@
         <p:txBody>
           <a:bodyPr/>
           <a:lstStyle/>
-          <a:p>
-            <a:endParaRPr/>
-          </a:p>
+          <a:p/>
         </p:txBody>
       </p:sp>
       <p:sp>
         <p:nvSpPr>
           <p:cNvPr id="166" name="Shape 166"/>
-          <p:cNvSpPr>
-            <a:spLocks noGrp="1"/>
-          </p:cNvSpPr>
+          <p:cNvSpPr/>
           <p:nvPr>
             <p:ph type="body" sz="quarter" idx="1"/>
           </p:nvPr>
@@ -2407,9 +2271,7 @@
       <p:sp>
         <p:nvSpPr>
           <p:cNvPr id="170" name="Shape 170"/>
-          <p:cNvSpPr>
-            <a:spLocks noGrp="1" noRot="1" noChangeAspect="1"/>
-          </p:cNvSpPr>
+          <p:cNvSpPr/>
           <p:nvPr>
             <p:ph type="sldImg"/>
           </p:nvPr>
@@ -2422,17 +2284,13 @@
         <p:txBody>
           <a:bodyPr/>
           <a:lstStyle/>
-          <a:p>
-            <a:endParaRPr/>
-          </a:p>
+          <a:p/>
         </p:txBody>
       </p:sp>
       <p:sp>
         <p:nvSpPr>
           <p:cNvPr id="171" name="Shape 171"/>
-          <p:cNvSpPr>
-            <a:spLocks noGrp="1"/>
-          </p:cNvSpPr>
+          <p:cNvSpPr/>
           <p:nvPr>
             <p:ph type="body" sz="quarter" idx="1"/>
           </p:nvPr>
@@ -2501,9 +2359,7 @@
       <p:sp>
         <p:nvSpPr>
           <p:cNvPr id="175" name="Shape 175"/>
-          <p:cNvSpPr>
-            <a:spLocks noGrp="1" noRot="1" noChangeAspect="1"/>
-          </p:cNvSpPr>
+          <p:cNvSpPr/>
           <p:nvPr>
             <p:ph type="sldImg"/>
           </p:nvPr>
@@ -2516,17 +2372,13 @@
         <p:txBody>
           <a:bodyPr/>
           <a:lstStyle/>
-          <a:p>
-            <a:endParaRPr/>
-          </a:p>
+          <a:p/>
         </p:txBody>
       </p:sp>
       <p:sp>
         <p:nvSpPr>
           <p:cNvPr id="176" name="Shape 176"/>
-          <p:cNvSpPr>
-            <a:spLocks noGrp="1"/>
-          </p:cNvSpPr>
+          <p:cNvSpPr/>
           <p:nvPr>
             <p:ph type="body" sz="quarter" idx="1"/>
           </p:nvPr>
@@ -2595,9 +2447,7 @@
       <p:sp>
         <p:nvSpPr>
           <p:cNvPr id="181" name="Shape 181"/>
-          <p:cNvSpPr>
-            <a:spLocks noGrp="1" noRot="1" noChangeAspect="1"/>
-          </p:cNvSpPr>
+          <p:cNvSpPr/>
           <p:nvPr>
             <p:ph type="sldImg"/>
           </p:nvPr>
@@ -2610,17 +2460,13 @@
         <p:txBody>
           <a:bodyPr/>
           <a:lstStyle/>
-          <a:p>
-            <a:endParaRPr/>
-          </a:p>
+          <a:p/>
         </p:txBody>
       </p:sp>
       <p:sp>
         <p:nvSpPr>
           <p:cNvPr id="182" name="Shape 182"/>
-          <p:cNvSpPr>
-            <a:spLocks noGrp="1"/>
-          </p:cNvSpPr>
+          <p:cNvSpPr/>
           <p:nvPr>
             <p:ph type="body" sz="quarter" idx="1"/>
           </p:nvPr>
@@ -2689,9 +2535,7 @@
       <p:sp>
         <p:nvSpPr>
           <p:cNvPr id="186" name="Shape 186"/>
-          <p:cNvSpPr>
-            <a:spLocks noGrp="1" noRot="1" noChangeAspect="1"/>
-          </p:cNvSpPr>
+          <p:cNvSpPr/>
           <p:nvPr>
             <p:ph type="sldImg"/>
           </p:nvPr>
@@ -2704,17 +2548,13 @@
         <p:txBody>
           <a:bodyPr/>
           <a:lstStyle/>
-          <a:p>
-            <a:endParaRPr/>
-          </a:p>
+          <a:p/>
         </p:txBody>
       </p:sp>
       <p:sp>
         <p:nvSpPr>
           <p:cNvPr id="187" name="Shape 187"/>
-          <p:cNvSpPr>
-            <a:spLocks noGrp="1"/>
-          </p:cNvSpPr>
+          <p:cNvSpPr/>
           <p:nvPr>
             <p:ph type="body" sz="quarter" idx="1"/>
           </p:nvPr>
@@ -2783,9 +2623,7 @@
       <p:sp>
         <p:nvSpPr>
           <p:cNvPr id="192" name="Shape 192"/>
-          <p:cNvSpPr>
-            <a:spLocks noGrp="1" noRot="1" noChangeAspect="1"/>
-          </p:cNvSpPr>
+          <p:cNvSpPr/>
           <p:nvPr>
             <p:ph type="sldImg"/>
           </p:nvPr>
@@ -2798,17 +2636,13 @@
         <p:txBody>
           <a:bodyPr/>
           <a:lstStyle/>
-          <a:p>
-            <a:endParaRPr/>
-          </a:p>
+          <a:p/>
         </p:txBody>
       </p:sp>
       <p:sp>
         <p:nvSpPr>
           <p:cNvPr id="193" name="Shape 193"/>
-          <p:cNvSpPr>
-            <a:spLocks noGrp="1"/>
-          </p:cNvSpPr>
+          <p:cNvSpPr/>
           <p:nvPr>
             <p:ph type="body" sz="quarter" idx="1"/>
           </p:nvPr>
@@ -2877,9 +2711,7 @@
       <p:sp>
         <p:nvSpPr>
           <p:cNvPr id="197" name="Shape 197"/>
-          <p:cNvSpPr>
-            <a:spLocks noGrp="1" noRot="1" noChangeAspect="1"/>
-          </p:cNvSpPr>
+          <p:cNvSpPr/>
           <p:nvPr>
             <p:ph type="sldImg"/>
           </p:nvPr>
@@ -2892,17 +2724,13 @@
         <p:txBody>
           <a:bodyPr/>
           <a:lstStyle/>
-          <a:p>
-            <a:endParaRPr/>
-          </a:p>
+          <a:p/>
         </p:txBody>
       </p:sp>
       <p:sp>
         <p:nvSpPr>
           <p:cNvPr id="198" name="Shape 198"/>
-          <p:cNvSpPr>
-            <a:spLocks noGrp="1"/>
-          </p:cNvSpPr>
+          <p:cNvSpPr/>
           <p:nvPr>
             <p:ph type="body" sz="quarter" idx="1"/>
           </p:nvPr>
@@ -2971,9 +2799,7 @@
       <p:sp>
         <p:nvSpPr>
           <p:cNvPr id="11" name="标题文本"/>
-          <p:cNvSpPr txBox="1">
-            <a:spLocks noGrp="1"/>
-          </p:cNvSpPr>
+          <p:cNvSpPr txBox="1"/>
           <p:nvPr>
             <p:ph type="title" hasCustomPrompt="1"/>
           </p:nvPr>
@@ -3004,9 +2830,7 @@
       <p:sp>
         <p:nvSpPr>
           <p:cNvPr id="12" name="正文级别 1…"/>
-          <p:cNvSpPr txBox="1">
-            <a:spLocks noGrp="1"/>
-          </p:cNvSpPr>
+          <p:cNvSpPr txBox="1"/>
           <p:nvPr>
             <p:ph type="body" sz="quarter" idx="1" hasCustomPrompt="1"/>
           </p:nvPr>
@@ -3088,9 +2912,7 @@
       <p:sp>
         <p:nvSpPr>
           <p:cNvPr id="13" name="幻灯片编号"/>
-          <p:cNvSpPr txBox="1">
-            <a:spLocks noGrp="1"/>
-          </p:cNvSpPr>
+          <p:cNvSpPr txBox="1"/>
           <p:nvPr>
             <p:ph type="sldNum" sz="quarter" idx="2"/>
           </p:nvPr>
@@ -3106,7 +2928,6 @@
           <a:p>
             <a:fld id="{86CB4B4D-7CA3-9044-876B-883B54F8677D}" type="slidenum">
               <a:rPr/>
-              <a:t>‹#›</a:t>
             </a:fld>
             <a:endParaRPr/>
           </a:p>
@@ -3141,9 +2962,7 @@
       <p:sp>
         <p:nvSpPr>
           <p:cNvPr id="92" name="幻灯片编号"/>
-          <p:cNvSpPr txBox="1">
-            <a:spLocks noGrp="1"/>
-          </p:cNvSpPr>
+          <p:cNvSpPr txBox="1"/>
           <p:nvPr>
             <p:ph type="sldNum" sz="quarter" idx="2"/>
           </p:nvPr>
@@ -3163,7 +2982,6 @@
           <a:p>
             <a:fld id="{86CB4B4D-7CA3-9044-876B-883B54F8677D}" type="slidenum">
               <a:rPr/>
-              <a:t>‹#›</a:t>
             </a:fld>
             <a:endParaRPr/>
           </a:p>
@@ -3198,9 +3016,7 @@
       <p:sp>
         <p:nvSpPr>
           <p:cNvPr id="99" name="标题文本"/>
-          <p:cNvSpPr txBox="1">
-            <a:spLocks noGrp="1"/>
-          </p:cNvSpPr>
+          <p:cNvSpPr txBox="1"/>
           <p:nvPr>
             <p:ph type="title" hasCustomPrompt="1"/>
           </p:nvPr>
@@ -3243,9 +3059,7 @@
       <p:sp>
         <p:nvSpPr>
           <p:cNvPr id="100" name="正文级别 1…"/>
-          <p:cNvSpPr txBox="1">
-            <a:spLocks noGrp="1"/>
-          </p:cNvSpPr>
+          <p:cNvSpPr txBox="1"/>
           <p:nvPr>
             <p:ph type="body" idx="1" hasCustomPrompt="1"/>
           </p:nvPr>
@@ -3352,9 +3166,7 @@
       <p:sp>
         <p:nvSpPr>
           <p:cNvPr id="101" name="幻灯片编号"/>
-          <p:cNvSpPr txBox="1">
-            <a:spLocks noGrp="1"/>
-          </p:cNvSpPr>
+          <p:cNvSpPr txBox="1"/>
           <p:nvPr>
             <p:ph type="sldNum" sz="quarter" idx="2"/>
           </p:nvPr>
@@ -3385,7 +3197,6 @@
           <a:p>
             <a:fld id="{86CB4B4D-7CA3-9044-876B-883B54F8677D}" type="slidenum">
               <a:rPr/>
-              <a:t>‹#›</a:t>
             </a:fld>
             <a:endParaRPr/>
           </a:p>
@@ -3420,9 +3231,7 @@
       <p:sp>
         <p:nvSpPr>
           <p:cNvPr id="108" name="标题文本"/>
-          <p:cNvSpPr txBox="1">
-            <a:spLocks noGrp="1"/>
-          </p:cNvSpPr>
+          <p:cNvSpPr txBox="1"/>
           <p:nvPr>
             <p:ph type="title" hasCustomPrompt="1"/>
           </p:nvPr>
@@ -3454,9 +3263,7 @@
       <p:sp>
         <p:nvSpPr>
           <p:cNvPr id="109" name="正文级别 1…"/>
-          <p:cNvSpPr txBox="1">
-            <a:spLocks noGrp="1"/>
-          </p:cNvSpPr>
+          <p:cNvSpPr txBox="1"/>
           <p:nvPr>
             <p:ph type="body" idx="1" hasCustomPrompt="1"/>
           </p:nvPr>
@@ -3544,9 +3351,7 @@
       <p:sp>
         <p:nvSpPr>
           <p:cNvPr id="110" name="幻灯片编号"/>
-          <p:cNvSpPr txBox="1">
-            <a:spLocks noGrp="1"/>
-          </p:cNvSpPr>
+          <p:cNvSpPr txBox="1"/>
           <p:nvPr>
             <p:ph type="sldNum" sz="quarter" idx="2"/>
           </p:nvPr>
@@ -3575,7 +3380,6 @@
           <a:p>
             <a:fld id="{86CB4B4D-7CA3-9044-876B-883B54F8677D}" type="slidenum">
               <a:rPr/>
-              <a:t>‹#›</a:t>
             </a:fld>
             <a:endParaRPr/>
           </a:p>
@@ -3610,9 +3414,7 @@
       <p:sp>
         <p:nvSpPr>
           <p:cNvPr id="117" name="标题文本"/>
-          <p:cNvSpPr txBox="1">
-            <a:spLocks noGrp="1"/>
-          </p:cNvSpPr>
+          <p:cNvSpPr txBox="1"/>
           <p:nvPr>
             <p:ph type="title" hasCustomPrompt="1"/>
           </p:nvPr>
@@ -3644,9 +3446,7 @@
       <p:sp>
         <p:nvSpPr>
           <p:cNvPr id="118" name="正文级别 1…"/>
-          <p:cNvSpPr txBox="1">
-            <a:spLocks noGrp="1"/>
-          </p:cNvSpPr>
+          <p:cNvSpPr txBox="1"/>
           <p:nvPr>
             <p:ph type="body" idx="1" hasCustomPrompt="1"/>
           </p:nvPr>
@@ -3734,9 +3534,7 @@
       <p:sp>
         <p:nvSpPr>
           <p:cNvPr id="119" name="幻灯片编号"/>
-          <p:cNvSpPr txBox="1">
-            <a:spLocks noGrp="1"/>
-          </p:cNvSpPr>
+          <p:cNvSpPr txBox="1"/>
           <p:nvPr>
             <p:ph type="sldNum" sz="quarter" idx="2"/>
           </p:nvPr>
@@ -3765,7 +3563,6 @@
           <a:p>
             <a:fld id="{86CB4B4D-7CA3-9044-876B-883B54F8677D}" type="slidenum">
               <a:rPr/>
-              <a:t>‹#›</a:t>
             </a:fld>
             <a:endParaRPr/>
           </a:p>
@@ -3800,9 +3597,7 @@
       <p:sp>
         <p:nvSpPr>
           <p:cNvPr id="126" name="标题文本"/>
-          <p:cNvSpPr txBox="1">
-            <a:spLocks noGrp="1"/>
-          </p:cNvSpPr>
+          <p:cNvSpPr txBox="1"/>
           <p:nvPr>
             <p:ph type="title" hasCustomPrompt="1"/>
           </p:nvPr>
@@ -3838,9 +3633,7 @@
       <p:sp>
         <p:nvSpPr>
           <p:cNvPr id="127" name="正文级别 1…"/>
-          <p:cNvSpPr txBox="1">
-            <a:spLocks noGrp="1"/>
-          </p:cNvSpPr>
+          <p:cNvSpPr txBox="1"/>
           <p:nvPr>
             <p:ph type="body" sz="quarter" idx="1" hasCustomPrompt="1"/>
           </p:nvPr>
@@ -3947,9 +3740,7 @@
       <p:sp>
         <p:nvSpPr>
           <p:cNvPr id="128" name="幻灯片编号"/>
-          <p:cNvSpPr txBox="1">
-            <a:spLocks noGrp="1"/>
-          </p:cNvSpPr>
+          <p:cNvSpPr txBox="1"/>
           <p:nvPr>
             <p:ph type="sldNum" sz="quarter" idx="2"/>
           </p:nvPr>
@@ -3978,7 +3769,6 @@
           <a:p>
             <a:fld id="{86CB4B4D-7CA3-9044-876B-883B54F8677D}" type="slidenum">
               <a:rPr/>
-              <a:t>‹#›</a:t>
             </a:fld>
             <a:endParaRPr/>
           </a:p>
@@ -4013,9 +3803,7 @@
       <p:sp>
         <p:nvSpPr>
           <p:cNvPr id="135" name="标题文本"/>
-          <p:cNvSpPr txBox="1">
-            <a:spLocks noGrp="1"/>
-          </p:cNvSpPr>
+          <p:cNvSpPr txBox="1"/>
           <p:nvPr>
             <p:ph type="title" hasCustomPrompt="1"/>
           </p:nvPr>
@@ -4047,9 +3835,7 @@
       <p:sp>
         <p:nvSpPr>
           <p:cNvPr id="136" name="正文级别 1…"/>
-          <p:cNvSpPr txBox="1">
-            <a:spLocks noGrp="1"/>
-          </p:cNvSpPr>
+          <p:cNvSpPr txBox="1"/>
           <p:nvPr>
             <p:ph type="body" idx="1" hasCustomPrompt="1"/>
           </p:nvPr>
@@ -4137,9 +3923,7 @@
       <p:sp>
         <p:nvSpPr>
           <p:cNvPr id="137" name="幻灯片编号"/>
-          <p:cNvSpPr txBox="1">
-            <a:spLocks noGrp="1"/>
-          </p:cNvSpPr>
+          <p:cNvSpPr txBox="1"/>
           <p:nvPr>
             <p:ph type="sldNum" sz="quarter" idx="2"/>
           </p:nvPr>
@@ -4168,7 +3952,6 @@
           <a:p>
             <a:fld id="{86CB4B4D-7CA3-9044-876B-883B54F8677D}" type="slidenum">
               <a:rPr/>
-              <a:t>‹#›</a:t>
             </a:fld>
             <a:endParaRPr/>
           </a:p>
@@ -4203,9 +3986,7 @@
       <p:sp>
         <p:nvSpPr>
           <p:cNvPr id="144" name="标题文本"/>
-          <p:cNvSpPr txBox="1">
-            <a:spLocks noGrp="1"/>
-          </p:cNvSpPr>
+          <p:cNvSpPr txBox="1"/>
           <p:nvPr>
             <p:ph type="title" hasCustomPrompt="1"/>
           </p:nvPr>
@@ -4237,9 +4018,7 @@
       <p:sp>
         <p:nvSpPr>
           <p:cNvPr id="145" name="正文级别 1…"/>
-          <p:cNvSpPr txBox="1">
-            <a:spLocks noGrp="1"/>
-          </p:cNvSpPr>
+          <p:cNvSpPr txBox="1"/>
           <p:nvPr>
             <p:ph type="body" idx="1" hasCustomPrompt="1"/>
           </p:nvPr>
@@ -4327,9 +4106,7 @@
       <p:sp>
         <p:nvSpPr>
           <p:cNvPr id="146" name="幻灯片编号"/>
-          <p:cNvSpPr txBox="1">
-            <a:spLocks noGrp="1"/>
-          </p:cNvSpPr>
+          <p:cNvSpPr txBox="1"/>
           <p:nvPr>
             <p:ph type="sldNum" sz="quarter" idx="2"/>
           </p:nvPr>
@@ -4358,7 +4135,6 @@
           <a:p>
             <a:fld id="{86CB4B4D-7CA3-9044-876B-883B54F8677D}" type="slidenum">
               <a:rPr/>
-              <a:t>‹#›</a:t>
             </a:fld>
             <a:endParaRPr/>
           </a:p>
@@ -4393,9 +4169,7 @@
       <p:sp>
         <p:nvSpPr>
           <p:cNvPr id="20" name="标题文本"/>
-          <p:cNvSpPr txBox="1">
-            <a:spLocks noGrp="1"/>
-          </p:cNvSpPr>
+          <p:cNvSpPr txBox="1"/>
           <p:nvPr>
             <p:ph type="title" hasCustomPrompt="1"/>
           </p:nvPr>
@@ -4418,9 +4192,7 @@
       <p:sp>
         <p:nvSpPr>
           <p:cNvPr id="21" name="正文级别 1…"/>
-          <p:cNvSpPr txBox="1">
-            <a:spLocks noGrp="1"/>
-          </p:cNvSpPr>
+          <p:cNvSpPr txBox="1"/>
           <p:nvPr>
             <p:ph type="body" idx="1" hasCustomPrompt="1"/>
           </p:nvPr>
@@ -4467,9 +4239,7 @@
       <p:sp>
         <p:nvSpPr>
           <p:cNvPr id="22" name="幻灯片编号"/>
-          <p:cNvSpPr txBox="1">
-            <a:spLocks noGrp="1"/>
-          </p:cNvSpPr>
+          <p:cNvSpPr txBox="1"/>
           <p:nvPr>
             <p:ph type="sldNum" sz="quarter" idx="2"/>
           </p:nvPr>
@@ -4485,7 +4255,6 @@
           <a:p>
             <a:fld id="{86CB4B4D-7CA3-9044-876B-883B54F8677D}" type="slidenum">
               <a:rPr/>
-              <a:t>‹#›</a:t>
             </a:fld>
             <a:endParaRPr/>
           </a:p>
@@ -4520,9 +4289,7 @@
       <p:sp>
         <p:nvSpPr>
           <p:cNvPr id="29" name="标题文本"/>
-          <p:cNvSpPr txBox="1">
-            <a:spLocks noGrp="1"/>
-          </p:cNvSpPr>
+          <p:cNvSpPr txBox="1"/>
           <p:nvPr>
             <p:ph type="title" hasCustomPrompt="1"/>
           </p:nvPr>
@@ -4553,9 +4320,7 @@
       <p:sp>
         <p:nvSpPr>
           <p:cNvPr id="30" name="正文级别 1…"/>
-          <p:cNvSpPr txBox="1">
-            <a:spLocks noGrp="1"/>
-          </p:cNvSpPr>
+          <p:cNvSpPr txBox="1"/>
           <p:nvPr>
             <p:ph type="body" sz="quarter" idx="1" hasCustomPrompt="1"/>
           </p:nvPr>
@@ -4657,9 +4422,7 @@
       <p:sp>
         <p:nvSpPr>
           <p:cNvPr id="31" name="幻灯片编号"/>
-          <p:cNvSpPr txBox="1">
-            <a:spLocks noGrp="1"/>
-          </p:cNvSpPr>
+          <p:cNvSpPr txBox="1"/>
           <p:nvPr>
             <p:ph type="sldNum" sz="quarter" idx="2"/>
           </p:nvPr>
@@ -4675,7 +4438,6 @@
           <a:p>
             <a:fld id="{86CB4B4D-7CA3-9044-876B-883B54F8677D}" type="slidenum">
               <a:rPr/>
-              <a:t>‹#›</a:t>
             </a:fld>
             <a:endParaRPr/>
           </a:p>
@@ -4710,9 +4472,7 @@
       <p:sp>
         <p:nvSpPr>
           <p:cNvPr id="38" name="标题文本"/>
-          <p:cNvSpPr txBox="1">
-            <a:spLocks noGrp="1"/>
-          </p:cNvSpPr>
+          <p:cNvSpPr txBox="1"/>
           <p:nvPr>
             <p:ph type="title" hasCustomPrompt="1"/>
           </p:nvPr>
@@ -4735,9 +4495,7 @@
       <p:sp>
         <p:nvSpPr>
           <p:cNvPr id="39" name="正文级别 1…"/>
-          <p:cNvSpPr txBox="1">
-            <a:spLocks noGrp="1"/>
-          </p:cNvSpPr>
+          <p:cNvSpPr txBox="1"/>
           <p:nvPr>
             <p:ph type="body" sz="half" idx="1" hasCustomPrompt="1"/>
           </p:nvPr>
@@ -4788,9 +4546,7 @@
       <p:sp>
         <p:nvSpPr>
           <p:cNvPr id="40" name="幻灯片编号"/>
-          <p:cNvSpPr txBox="1">
-            <a:spLocks noGrp="1"/>
-          </p:cNvSpPr>
+          <p:cNvSpPr txBox="1"/>
           <p:nvPr>
             <p:ph type="sldNum" sz="quarter" idx="2"/>
           </p:nvPr>
@@ -4806,7 +4562,6 @@
           <a:p>
             <a:fld id="{86CB4B4D-7CA3-9044-876B-883B54F8677D}" type="slidenum">
               <a:rPr/>
-              <a:t>‹#›</a:t>
             </a:fld>
             <a:endParaRPr/>
           </a:p>
@@ -4841,9 +4596,7 @@
       <p:sp>
         <p:nvSpPr>
           <p:cNvPr id="47" name="标题文本"/>
-          <p:cNvSpPr txBox="1">
-            <a:spLocks noGrp="1"/>
-          </p:cNvSpPr>
+          <p:cNvSpPr txBox="1"/>
           <p:nvPr>
             <p:ph type="title" hasCustomPrompt="1"/>
           </p:nvPr>
@@ -4870,9 +4623,7 @@
       <p:sp>
         <p:nvSpPr>
           <p:cNvPr id="48" name="正文级别 1…"/>
-          <p:cNvSpPr txBox="1">
-            <a:spLocks noGrp="1"/>
-          </p:cNvSpPr>
+          <p:cNvSpPr txBox="1"/>
           <p:nvPr>
             <p:ph type="body" sz="quarter" idx="1" hasCustomPrompt="1"/>
           </p:nvPr>
@@ -4954,9 +4705,7 @@
       <p:sp>
         <p:nvSpPr>
           <p:cNvPr id="49" name="文本占位符 4"/>
-          <p:cNvSpPr>
-            <a:spLocks noGrp="1"/>
-          </p:cNvSpPr>
+          <p:cNvSpPr/>
           <p:nvPr>
             <p:ph type="body" sz="quarter" idx="21"/>
           </p:nvPr>
@@ -4973,17 +4722,13 @@
         <p:txBody>
           <a:bodyPr anchor="b"/>
           <a:lstStyle/>
-          <a:p>
-            <a:endParaRPr/>
-          </a:p>
+          <a:p/>
         </p:txBody>
       </p:sp>
       <p:sp>
         <p:nvSpPr>
           <p:cNvPr id="50" name="幻灯片编号"/>
-          <p:cNvSpPr txBox="1">
-            <a:spLocks noGrp="1"/>
-          </p:cNvSpPr>
+          <p:cNvSpPr txBox="1"/>
           <p:nvPr>
             <p:ph type="sldNum" sz="quarter" idx="2"/>
           </p:nvPr>
@@ -4999,7 +4744,6 @@
           <a:p>
             <a:fld id="{86CB4B4D-7CA3-9044-876B-883B54F8677D}" type="slidenum">
               <a:rPr/>
-              <a:t>‹#›</a:t>
             </a:fld>
             <a:endParaRPr/>
           </a:p>
@@ -5034,9 +4778,7 @@
       <p:sp>
         <p:nvSpPr>
           <p:cNvPr id="57" name="标题文本"/>
-          <p:cNvSpPr txBox="1">
-            <a:spLocks noGrp="1"/>
-          </p:cNvSpPr>
+          <p:cNvSpPr txBox="1"/>
           <p:nvPr>
             <p:ph type="title" hasCustomPrompt="1"/>
           </p:nvPr>
@@ -5059,9 +4801,7 @@
       <p:sp>
         <p:nvSpPr>
           <p:cNvPr id="58" name="幻灯片编号"/>
-          <p:cNvSpPr txBox="1">
-            <a:spLocks noGrp="1"/>
-          </p:cNvSpPr>
+          <p:cNvSpPr txBox="1"/>
           <p:nvPr>
             <p:ph type="sldNum" sz="quarter" idx="2"/>
           </p:nvPr>
@@ -5077,7 +4817,6 @@
           <a:p>
             <a:fld id="{86CB4B4D-7CA3-9044-876B-883B54F8677D}" type="slidenum">
               <a:rPr/>
-              <a:t>‹#›</a:t>
             </a:fld>
             <a:endParaRPr/>
           </a:p>
@@ -5112,9 +4851,7 @@
       <p:sp>
         <p:nvSpPr>
           <p:cNvPr id="65" name="幻灯片编号"/>
-          <p:cNvSpPr txBox="1">
-            <a:spLocks noGrp="1"/>
-          </p:cNvSpPr>
+          <p:cNvSpPr txBox="1"/>
           <p:nvPr>
             <p:ph type="sldNum" sz="quarter" idx="2"/>
           </p:nvPr>
@@ -5130,7 +4867,6 @@
           <a:p>
             <a:fld id="{86CB4B4D-7CA3-9044-876B-883B54F8677D}" type="slidenum">
               <a:rPr/>
-              <a:t>‹#›</a:t>
             </a:fld>
             <a:endParaRPr/>
           </a:p>
@@ -5165,9 +4901,7 @@
       <p:sp>
         <p:nvSpPr>
           <p:cNvPr id="72" name="标题文本"/>
-          <p:cNvSpPr txBox="1">
-            <a:spLocks noGrp="1"/>
-          </p:cNvSpPr>
+          <p:cNvSpPr txBox="1"/>
           <p:nvPr>
             <p:ph type="title" hasCustomPrompt="1"/>
           </p:nvPr>
@@ -5198,9 +4932,7 @@
       <p:sp>
         <p:nvSpPr>
           <p:cNvPr id="73" name="正文级别 1…"/>
-          <p:cNvSpPr txBox="1">
-            <a:spLocks noGrp="1"/>
-          </p:cNvSpPr>
+          <p:cNvSpPr txBox="1"/>
           <p:nvPr>
             <p:ph type="body" sz="half" idx="1" hasCustomPrompt="1"/>
           </p:nvPr>
@@ -5267,9 +4999,7 @@
       <p:sp>
         <p:nvSpPr>
           <p:cNvPr id="74" name="文本占位符 3"/>
-          <p:cNvSpPr>
-            <a:spLocks noGrp="1"/>
-          </p:cNvSpPr>
+          <p:cNvSpPr/>
           <p:nvPr>
             <p:ph type="body" sz="quarter" idx="21"/>
           </p:nvPr>
@@ -5286,17 +5016,13 @@
         <p:txBody>
           <a:bodyPr/>
           <a:lstStyle/>
-          <a:p>
-            <a:endParaRPr/>
-          </a:p>
+          <a:p/>
         </p:txBody>
       </p:sp>
       <p:sp>
         <p:nvSpPr>
           <p:cNvPr id="75" name="幻灯片编号"/>
-          <p:cNvSpPr txBox="1">
-            <a:spLocks noGrp="1"/>
-          </p:cNvSpPr>
+          <p:cNvSpPr txBox="1"/>
           <p:nvPr>
             <p:ph type="sldNum" sz="quarter" idx="2"/>
           </p:nvPr>
@@ -5312,7 +5038,6 @@
           <a:p>
             <a:fld id="{86CB4B4D-7CA3-9044-876B-883B54F8677D}" type="slidenum">
               <a:rPr/>
-              <a:t>‹#›</a:t>
             </a:fld>
             <a:endParaRPr/>
           </a:p>
@@ -5347,9 +5072,7 @@
       <p:sp>
         <p:nvSpPr>
           <p:cNvPr id="82" name="标题文本"/>
-          <p:cNvSpPr txBox="1">
-            <a:spLocks noGrp="1"/>
-          </p:cNvSpPr>
+          <p:cNvSpPr txBox="1"/>
           <p:nvPr>
             <p:ph type="title" hasCustomPrompt="1"/>
           </p:nvPr>
@@ -5380,9 +5103,7 @@
       <p:sp>
         <p:nvSpPr>
           <p:cNvPr id="83" name="图片占位符 2"/>
-          <p:cNvSpPr>
-            <a:spLocks noGrp="1"/>
-          </p:cNvSpPr>
+          <p:cNvSpPr/>
           <p:nvPr>
             <p:ph type="pic" sz="half" idx="21"/>
           </p:nvPr>
@@ -5401,17 +5122,13 @@
             <a:noAutofit/>
           </a:bodyPr>
           <a:lstStyle/>
-          <a:p>
-            <a:endParaRPr/>
-          </a:p>
+          <a:p/>
         </p:txBody>
       </p:sp>
       <p:sp>
         <p:nvSpPr>
           <p:cNvPr id="84" name="正文级别 1…"/>
-          <p:cNvSpPr txBox="1">
-            <a:spLocks noGrp="1"/>
-          </p:cNvSpPr>
+          <p:cNvSpPr txBox="1"/>
           <p:nvPr>
             <p:ph type="body" sz="quarter" idx="1" hasCustomPrompt="1"/>
           </p:nvPr>
@@ -5493,9 +5210,7 @@
       <p:sp>
         <p:nvSpPr>
           <p:cNvPr id="85" name="幻灯片编号"/>
-          <p:cNvSpPr txBox="1">
-            <a:spLocks noGrp="1"/>
-          </p:cNvSpPr>
+          <p:cNvSpPr txBox="1"/>
           <p:nvPr>
             <p:ph type="sldNum" sz="quarter" idx="2"/>
           </p:nvPr>
@@ -5511,7 +5226,6 @@
           <a:p>
             <a:fld id="{86CB4B4D-7CA3-9044-876B-883B54F8677D}" type="slidenum">
               <a:rPr/>
-              <a:t>‹#›</a:t>
             </a:fld>
             <a:endParaRPr/>
           </a:p>
@@ -5554,9 +5268,7 @@
       <p:sp>
         <p:nvSpPr>
           <p:cNvPr id="2" name="标题文本"/>
-          <p:cNvSpPr txBox="1">
-            <a:spLocks noGrp="1"/>
-          </p:cNvSpPr>
+          <p:cNvSpPr txBox="1"/>
           <p:nvPr>
             <p:ph type="title"/>
           </p:nvPr>
@@ -5588,9 +5300,7 @@
       <p:sp>
         <p:nvSpPr>
           <p:cNvPr id="3" name="正文级别 1…"/>
-          <p:cNvSpPr txBox="1">
-            <a:spLocks noGrp="1"/>
-          </p:cNvSpPr>
+          <p:cNvSpPr txBox="1"/>
           <p:nvPr>
             <p:ph type="body" idx="1"/>
           </p:nvPr>
@@ -5646,9 +5356,7 @@
       <p:sp>
         <p:nvSpPr>
           <p:cNvPr id="4" name="幻灯片编号"/>
-          <p:cNvSpPr txBox="1">
-            <a:spLocks noGrp="1"/>
-          </p:cNvSpPr>
+          <p:cNvSpPr txBox="1"/>
           <p:nvPr>
             <p:ph type="sldNum" sz="quarter" idx="2"/>
           </p:nvPr>
@@ -5681,7 +5389,6 @@
           <a:p>
             <a:fld id="{86CB4B4D-7CA3-9044-876B-883B54F8677D}" type="slidenum">
               <a:rPr/>
-              <a:t>‹#›</a:t>
             </a:fld>
             <a:endParaRPr/>
           </a:p>
@@ -6415,9 +6122,7 @@
       <p:sp>
         <p:nvSpPr>
           <p:cNvPr id="155" name="标题 1"/>
-          <p:cNvSpPr txBox="1">
-            <a:spLocks noGrp="1"/>
-          </p:cNvSpPr>
+          <p:cNvSpPr txBox="1"/>
           <p:nvPr>
             <p:ph type="title"/>
           </p:nvPr>
@@ -6474,9 +6179,7 @@
       <p:sp>
         <p:nvSpPr>
           <p:cNvPr id="200" name="标题 1"/>
-          <p:cNvSpPr txBox="1">
-            <a:spLocks noGrp="1"/>
-          </p:cNvSpPr>
+          <p:cNvSpPr txBox="1"/>
           <p:nvPr>
             <p:ph type="title"/>
           </p:nvPr>
@@ -6503,9 +6206,7 @@
       <p:sp>
         <p:nvSpPr>
           <p:cNvPr id="201" name="内容占位符 2"/>
-          <p:cNvSpPr txBox="1">
-            <a:spLocks noGrp="1"/>
-          </p:cNvSpPr>
+          <p:cNvSpPr txBox="1"/>
           <p:nvPr>
             <p:ph type="body" idx="1"/>
           </p:nvPr>
@@ -6527,13 +6228,19 @@
               <a:buSzTx/>
               <a:buNone/>
             </a:pPr>
-            <a:endParaRPr/>
+            <a:endParaRPr>
+              <a:latin typeface="Calibri" panose="020F0502020204030204" charset="0"/>
+              <a:cs typeface="Calibri" panose="020F0502020204030204" charset="0"/>
+            </a:endParaRPr>
           </a:p>
           <a:p>
             <a:pPr marL="342900" indent="-342900">
               <a:defRPr sz="2400"/>
             </a:pPr>
-            <a:endParaRPr/>
+            <a:endParaRPr>
+              <a:latin typeface="Calibri" panose="020F0502020204030204" charset="0"/>
+              <a:cs typeface="Calibri" panose="020F0502020204030204" charset="0"/>
+            </a:endParaRPr>
           </a:p>
           <a:p>
             <a:pPr marL="342900" indent="-342900">
@@ -6545,6 +6252,10 @@
               </a:defRPr>
             </a:pPr>
             <a:r>
+              <a:rPr>
+                <a:latin typeface="Calibri" panose="020F0502020204030204" charset="0"/>
+                <a:cs typeface="Calibri" panose="020F0502020204030204" charset="0"/>
+              </a:rPr>
               <a:t>Protection-key-use-after-free </a:t>
             </a:r>
             <a:r>
@@ -6552,13 +6263,15 @@
                 <a:solidFill>
                   <a:schemeClr val="accent1"/>
                 </a:solidFill>
+                <a:latin typeface="Calibri" panose="020F0502020204030204" charset="0"/>
+                <a:cs typeface="Calibri" panose="020F0502020204030204" charset="0"/>
               </a:rPr>
               <a:t>TO BE CONTINUED</a:t>
             </a:r>
             <a:endParaRPr>
-              <a:latin typeface="Consolas" panose="020B0609020204030204"/>
+              <a:latin typeface="Calibri" panose="020F0502020204030204" charset="0"/>
               <a:ea typeface="Consolas" panose="020B0609020204030204"/>
-              <a:cs typeface="Consolas" panose="020B0609020204030204"/>
+              <a:cs typeface="Calibri" panose="020F0502020204030204" charset="0"/>
               <a:sym typeface="Consolas" panose="020B0609020204030204"/>
             </a:endParaRPr>
           </a:p>
@@ -6572,10 +6285,8 @@
               </a:defRPr>
             </a:pPr>
             <a:endParaRPr>
-              <a:latin typeface="Consolas" panose="020B0609020204030204"/>
-              <a:ea typeface="Consolas" panose="020B0609020204030204"/>
-              <a:cs typeface="Consolas" panose="020B0609020204030204"/>
-              <a:sym typeface="Consolas" panose="020B0609020204030204"/>
+              <a:latin typeface="Calibri" panose="020F0502020204030204" charset="0"/>
+              <a:cs typeface="Calibri" panose="020F0502020204030204" charset="0"/>
             </a:endParaRPr>
           </a:p>
           <a:p>
@@ -6589,13 +6300,19 @@
             </a:pPr>
             <a:r>
               <a:rPr>
-                <a:latin typeface="Consolas" panose="020B0609020204030204"/>
+                <a:latin typeface="Calibri" panose="020F0502020204030204" charset="0"/>
                 <a:ea typeface="Consolas" panose="020B0609020204030204"/>
-                <a:cs typeface="Consolas" panose="020B0609020204030204"/>
+                <a:cs typeface="Calibri" panose="020F0502020204030204" charset="0"/>
                 <a:sym typeface="Consolas" panose="020B0609020204030204"/>
               </a:rPr>
               <a:t>RISC-V PMP uses PMP entries instead of protection key.</a:t>
             </a:r>
+            <a:endParaRPr>
+              <a:latin typeface="Calibri" panose="020F0502020204030204" charset="0"/>
+              <a:ea typeface="Consolas" panose="020B0609020204030204"/>
+              <a:cs typeface="Calibri" panose="020F0502020204030204" charset="0"/>
+              <a:sym typeface="Consolas" panose="020B0609020204030204"/>
+            </a:endParaRPr>
           </a:p>
           <a:p>
             <a:pPr marL="800100" lvl="1" indent="-342900">
@@ -6607,9 +6324,9 @@
               </a:defRPr>
             </a:pPr>
             <a:endParaRPr>
-              <a:latin typeface="Consolas" panose="020B0609020204030204"/>
+              <a:latin typeface="Calibri" panose="020F0502020204030204" charset="0"/>
               <a:ea typeface="Consolas" panose="020B0609020204030204"/>
-              <a:cs typeface="Consolas" panose="020B0609020204030204"/>
+              <a:cs typeface="Calibri" panose="020F0502020204030204" charset="0"/>
               <a:sym typeface="Consolas" panose="020B0609020204030204"/>
             </a:endParaRPr>
           </a:p>
@@ -6624,13 +6341,19 @@
             </a:pPr>
             <a:r>
               <a:rPr>
-                <a:latin typeface="Consolas" panose="020B0609020204030204"/>
+                <a:latin typeface="Calibri" panose="020F0502020204030204" charset="0"/>
                 <a:ea typeface="Consolas" panose="020B0609020204030204"/>
-                <a:cs typeface="Consolas" panose="020B0609020204030204"/>
+                <a:cs typeface="Calibri" panose="020F0502020204030204" charset="0"/>
                 <a:sym typeface="Consolas" panose="020B0609020204030204"/>
               </a:rPr>
               <a:t>No specification on the free for PMP entries, need experiments.</a:t>
             </a:r>
+            <a:endParaRPr>
+              <a:latin typeface="Calibri" panose="020F0502020204030204" charset="0"/>
+              <a:ea typeface="Consolas" panose="020B0609020204030204"/>
+              <a:cs typeface="Calibri" panose="020F0502020204030204" charset="0"/>
+              <a:sym typeface="Consolas" panose="020B0609020204030204"/>
+            </a:endParaRPr>
           </a:p>
         </p:txBody>
       </p:sp>
@@ -6663,9 +6386,7 @@
       <p:sp>
         <p:nvSpPr>
           <p:cNvPr id="205" name="标题 1"/>
-          <p:cNvSpPr txBox="1">
-            <a:spLocks noGrp="1"/>
-          </p:cNvSpPr>
+          <p:cNvSpPr txBox="1"/>
           <p:nvPr>
             <p:ph type="title"/>
           </p:nvPr>
@@ -6684,7 +6405,21 @@
           <a:lstStyle/>
           <a:p>
             <a:r>
-              <a:t>Protection key limitation in PMP</a:t>
+              <a:t>Protection </a:t>
+            </a:r>
+            <a:r>
+              <a:rPr lang="en-US"/>
+              <a:t>K</a:t>
+            </a:r>
+            <a:r>
+              <a:t>ey </a:t>
+            </a:r>
+            <a:r>
+              <a:rPr lang="en-US"/>
+              <a:t>L</a:t>
+            </a:r>
+            <a:r>
+              <a:t>imitation in PMP</a:t>
             </a:r>
           </a:p>
         </p:txBody>
@@ -6692,9 +6427,7 @@
       <p:sp>
         <p:nvSpPr>
           <p:cNvPr id="206" name="内容占位符 2"/>
-          <p:cNvSpPr txBox="1">
-            <a:spLocks noGrp="1"/>
-          </p:cNvSpPr>
+          <p:cNvSpPr txBox="1"/>
           <p:nvPr>
             <p:ph type="body" idx="1"/>
           </p:nvPr>
@@ -6721,9 +6454,9 @@
               </a:defRPr>
             </a:pPr>
             <a:endParaRPr>
-              <a:latin typeface="Consolas" panose="020B0609020204030204"/>
+              <a:latin typeface="Calibri" panose="020F0502020204030204" charset="0"/>
               <a:ea typeface="Consolas" panose="020B0609020204030204"/>
-              <a:cs typeface="Consolas" panose="020B0609020204030204"/>
+              <a:cs typeface="Calibri" panose="020F0502020204030204" charset="0"/>
               <a:sym typeface="Consolas" panose="020B0609020204030204"/>
             </a:endParaRPr>
           </a:p>
@@ -6737,10 +6470,8 @@
               </a:defRPr>
             </a:pPr>
             <a:endParaRPr>
-              <a:latin typeface="Consolas" panose="020B0609020204030204"/>
-              <a:ea typeface="Consolas" panose="020B0609020204030204"/>
-              <a:cs typeface="Consolas" panose="020B0609020204030204"/>
-              <a:sym typeface="Consolas" panose="020B0609020204030204"/>
+              <a:latin typeface="Calibri" panose="020F0502020204030204" charset="0"/>
+              <a:cs typeface="Calibri" panose="020F0502020204030204" charset="0"/>
             </a:endParaRPr>
           </a:p>
           <a:p>
@@ -6753,6 +6484,10 @@
               </a:defRPr>
             </a:pPr>
             <a:r>
+              <a:rPr>
+                <a:latin typeface="Calibri" panose="020F0502020204030204" charset="0"/>
+                <a:cs typeface="Calibri" panose="020F0502020204030204" charset="0"/>
+              </a:rPr>
               <a:t>Protection key limitation </a:t>
             </a:r>
             <a:r>
@@ -6760,13 +6495,15 @@
                 <a:solidFill>
                   <a:srgbClr val="FF2600"/>
                 </a:solidFill>
+                <a:latin typeface="Calibri" panose="020F0502020204030204" charset="0"/>
+                <a:cs typeface="Calibri" panose="020F0502020204030204" charset="0"/>
               </a:rPr>
               <a:t>EXISTS</a:t>
             </a:r>
             <a:endParaRPr>
-              <a:latin typeface="Consolas" panose="020B0609020204030204"/>
+              <a:latin typeface="Calibri" panose="020F0502020204030204" charset="0"/>
               <a:ea typeface="Consolas" panose="020B0609020204030204"/>
-              <a:cs typeface="Consolas" panose="020B0609020204030204"/>
+              <a:cs typeface="Calibri" panose="020F0502020204030204" charset="0"/>
               <a:sym typeface="Consolas" panose="020B0609020204030204"/>
             </a:endParaRPr>
           </a:p>
@@ -6780,10 +6517,8 @@
               </a:defRPr>
             </a:pPr>
             <a:endParaRPr>
-              <a:latin typeface="Consolas" panose="020B0609020204030204"/>
-              <a:ea typeface="Consolas" panose="020B0609020204030204"/>
-              <a:cs typeface="Consolas" panose="020B0609020204030204"/>
-              <a:sym typeface="Consolas" panose="020B0609020204030204"/>
+              <a:latin typeface="Calibri" panose="020F0502020204030204" charset="0"/>
+              <a:cs typeface="Calibri" panose="020F0502020204030204" charset="0"/>
             </a:endParaRPr>
           </a:p>
           <a:p>
@@ -6797,13 +6532,19 @@
             </a:pPr>
             <a:r>
               <a:rPr>
-                <a:latin typeface="Consolas" panose="020B0609020204030204"/>
+                <a:latin typeface="Calibri" panose="020F0502020204030204" charset="0"/>
                 <a:ea typeface="Consolas" panose="020B0609020204030204"/>
-                <a:cs typeface="Consolas" panose="020B0609020204030204"/>
+                <a:cs typeface="Calibri" panose="020F0502020204030204" charset="0"/>
                 <a:sym typeface="Consolas" panose="020B0609020204030204"/>
               </a:rPr>
               <a:t>Each hart only has 16 PMP entries.</a:t>
             </a:r>
+            <a:endParaRPr>
+              <a:latin typeface="Calibri" panose="020F0502020204030204" charset="0"/>
+              <a:ea typeface="Consolas" panose="020B0609020204030204"/>
+              <a:cs typeface="Calibri" panose="020F0502020204030204" charset="0"/>
+              <a:sym typeface="Consolas" panose="020B0609020204030204"/>
+            </a:endParaRPr>
           </a:p>
           <a:p>
             <a:pPr marL="800100" lvl="1" indent="-342900">
@@ -6815,9 +6556,9 @@
               </a:defRPr>
             </a:pPr>
             <a:endParaRPr>
-              <a:latin typeface="Consolas" panose="020B0609020204030204"/>
+              <a:latin typeface="Calibri" panose="020F0502020204030204" charset="0"/>
               <a:ea typeface="Consolas" panose="020B0609020204030204"/>
-              <a:cs typeface="Consolas" panose="020B0609020204030204"/>
+              <a:cs typeface="Calibri" panose="020F0502020204030204" charset="0"/>
               <a:sym typeface="Consolas" panose="020B0609020204030204"/>
             </a:endParaRPr>
           </a:p>
@@ -6832,13 +6573,19 @@
             </a:pPr>
             <a:r>
               <a:rPr>
-                <a:latin typeface="Consolas" panose="020B0609020204030204"/>
+                <a:latin typeface="Calibri" panose="020F0502020204030204" charset="0"/>
                 <a:ea typeface="Consolas" panose="020B0609020204030204"/>
-                <a:cs typeface="Consolas" panose="020B0609020204030204"/>
+                <a:cs typeface="Calibri" panose="020F0502020204030204" charset="0"/>
                 <a:sym typeface="Consolas" panose="020B0609020204030204"/>
               </a:rPr>
               <a:t>If a hart request for 17 memory isolation request, one of the PMP entries will be overwritten.</a:t>
             </a:r>
+            <a:endParaRPr>
+              <a:latin typeface="Calibri" panose="020F0502020204030204" charset="0"/>
+              <a:ea typeface="Consolas" panose="020B0609020204030204"/>
+              <a:cs typeface="Calibri" panose="020F0502020204030204" charset="0"/>
+              <a:sym typeface="Consolas" panose="020B0609020204030204"/>
+            </a:endParaRPr>
           </a:p>
         </p:txBody>
       </p:sp>
@@ -6871,9 +6618,7 @@
       <p:sp>
         <p:nvSpPr>
           <p:cNvPr id="210" name="标题 1"/>
-          <p:cNvSpPr txBox="1">
-            <a:spLocks noGrp="1"/>
-          </p:cNvSpPr>
+          <p:cNvSpPr txBox="1"/>
           <p:nvPr>
             <p:ph type="title"/>
           </p:nvPr>
@@ -6900,9 +6645,7 @@
       <p:sp>
         <p:nvSpPr>
           <p:cNvPr id="211" name="内容占位符 2"/>
-          <p:cNvSpPr txBox="1">
-            <a:spLocks noGrp="1"/>
-          </p:cNvSpPr>
+          <p:cNvSpPr txBox="1"/>
           <p:nvPr>
             <p:ph type="body" idx="1"/>
           </p:nvPr>
@@ -6928,7 +6671,10 @@
                 <a:sym typeface="DejaVu Sans Mono Nerd Font Complete"/>
               </a:defRPr>
             </a:pPr>
-            <a:endParaRPr/>
+            <a:endParaRPr>
+              <a:latin typeface="Calibri" panose="020F0502020204030204" charset="0"/>
+              <a:cs typeface="Calibri" panose="020F0502020204030204" charset="0"/>
+            </a:endParaRPr>
           </a:p>
           <a:p>
             <a:pPr marL="342900" indent="-342900">
@@ -6940,9 +6686,9 @@
               </a:defRPr>
             </a:pPr>
             <a:endParaRPr>
-              <a:latin typeface="Consolas" panose="020B0609020204030204"/>
+              <a:latin typeface="Calibri" panose="020F0502020204030204" charset="0"/>
               <a:ea typeface="Consolas" panose="020B0609020204030204"/>
-              <a:cs typeface="Consolas" panose="020B0609020204030204"/>
+              <a:cs typeface="Calibri" panose="020F0502020204030204" charset="0"/>
               <a:sym typeface="Consolas" panose="020B0609020204030204"/>
             </a:endParaRPr>
           </a:p>
@@ -6956,6 +6702,10 @@
               </a:defRPr>
             </a:pPr>
             <a:r>
+              <a:rPr>
+                <a:latin typeface="Calibri" panose="020F0502020204030204" charset="0"/>
+                <a:cs typeface="Calibri" panose="020F0502020204030204" charset="0"/>
+              </a:rPr>
               <a:t>Inter-thread synchronization </a:t>
             </a:r>
             <a:r>
@@ -6963,6 +6713,8 @@
                 <a:solidFill>
                   <a:srgbClr val="FF2600"/>
                 </a:solidFill>
+                <a:latin typeface="Calibri" panose="020F0502020204030204" charset="0"/>
+                <a:cs typeface="Calibri" panose="020F0502020204030204" charset="0"/>
               </a:rPr>
               <a:t>EXISTS</a:t>
             </a:r>
@@ -6970,6 +6722,8 @@
               <a:solidFill>
                 <a:srgbClr val="008F00"/>
               </a:solidFill>
+              <a:latin typeface="Calibri" panose="020F0502020204030204" charset="0"/>
+              <a:cs typeface="Calibri" panose="020F0502020204030204" charset="0"/>
             </a:endParaRPr>
           </a:p>
           <a:p>
@@ -6985,6 +6739,8 @@
               <a:solidFill>
                 <a:srgbClr val="008F00"/>
               </a:solidFill>
+              <a:latin typeface="Calibri" panose="020F0502020204030204" charset="0"/>
+              <a:cs typeface="Calibri" panose="020F0502020204030204" charset="0"/>
             </a:endParaRPr>
           </a:p>
           <a:p>
@@ -6997,8 +6753,16 @@
               </a:defRPr>
             </a:pPr>
             <a:r>
+              <a:rPr>
+                <a:latin typeface="Calibri" panose="020F0502020204030204" charset="0"/>
+                <a:cs typeface="Calibri" panose="020F0502020204030204" charset="0"/>
+              </a:rPr>
               <a:t>Each hart has its own 16 PMP entries.</a:t>
             </a:r>
+            <a:endParaRPr>
+              <a:latin typeface="Calibri" panose="020F0502020204030204" charset="0"/>
+              <a:cs typeface="Calibri" panose="020F0502020204030204" charset="0"/>
+            </a:endParaRPr>
           </a:p>
           <a:p>
             <a:pPr marL="800100" lvl="1" indent="-342900">
@@ -7009,7 +6773,10 @@
                 <a:sym typeface="DejaVu Sans Mono Nerd Font Complete"/>
               </a:defRPr>
             </a:pPr>
-            <a:endParaRPr/>
+            <a:endParaRPr>
+              <a:latin typeface="Calibri" panose="020F0502020204030204" charset="0"/>
+              <a:cs typeface="Calibri" panose="020F0502020204030204" charset="0"/>
+            </a:endParaRPr>
           </a:p>
           <a:p>
             <a:pPr marL="800100" lvl="1" indent="-342900">
@@ -7021,8 +6788,16 @@
               </a:defRPr>
             </a:pPr>
             <a:r>
+              <a:rPr>
+                <a:latin typeface="Calibri" panose="020F0502020204030204" charset="0"/>
+                <a:cs typeface="Calibri" panose="020F0502020204030204" charset="0"/>
+              </a:rPr>
               <a:t>One thread on a hart edits PMP entries, the other thread on another hart cannot be synchronized.</a:t>
             </a:r>
+            <a:endParaRPr>
+              <a:latin typeface="Calibri" panose="020F0502020204030204" charset="0"/>
+              <a:cs typeface="Calibri" panose="020F0502020204030204" charset="0"/>
+            </a:endParaRPr>
           </a:p>
         </p:txBody>
       </p:sp>
@@ -7055,9 +6830,7 @@
       <p:sp>
         <p:nvSpPr>
           <p:cNvPr id="215" name="标题 1"/>
-          <p:cNvSpPr txBox="1">
-            <a:spLocks noGrp="1"/>
-          </p:cNvSpPr>
+          <p:cNvSpPr txBox="1"/>
           <p:nvPr>
             <p:ph type="title"/>
           </p:nvPr>
@@ -7076,7 +6849,14 @@
           <a:lstStyle/>
           <a:p>
             <a:r>
-              <a:t>Why it is important?</a:t>
+              <a:t>Why it is </a:t>
+            </a:r>
+            <a:r>
+              <a:rPr lang="en-US"/>
+              <a:t>I</a:t>
+            </a:r>
+            <a:r>
+              <a:t>mportant?</a:t>
             </a:r>
           </a:p>
         </p:txBody>
@@ -7084,9 +6864,7 @@
       <p:sp>
         <p:nvSpPr>
           <p:cNvPr id="216" name="内容占位符 2"/>
-          <p:cNvSpPr txBox="1">
-            <a:spLocks noGrp="1"/>
-          </p:cNvSpPr>
+          <p:cNvSpPr txBox="1"/>
           <p:nvPr>
             <p:ph type="body" idx="1"/>
           </p:nvPr>
@@ -7112,7 +6890,10 @@
                 <a:sym typeface="DejaVu Sans Mono Nerd Font Complete"/>
               </a:defRPr>
             </a:pPr>
-            <a:endParaRPr/>
+            <a:endParaRPr>
+              <a:latin typeface="Calibri" panose="020F0502020204030204" charset="0"/>
+              <a:cs typeface="Calibri" panose="020F0502020204030204" charset="0"/>
+            </a:endParaRPr>
           </a:p>
           <a:p>
             <a:pPr marL="342900" indent="-342900">
@@ -7124,9 +6905,9 @@
               </a:defRPr>
             </a:pPr>
             <a:endParaRPr>
-              <a:latin typeface="Consolas" panose="020B0609020204030204"/>
+              <a:latin typeface="Calibri" panose="020F0502020204030204" charset="0"/>
               <a:ea typeface="Consolas" panose="020B0609020204030204"/>
-              <a:cs typeface="Consolas" panose="020B0609020204030204"/>
+              <a:cs typeface="Calibri" panose="020F0502020204030204" charset="0"/>
               <a:sym typeface="Consolas" panose="020B0609020204030204"/>
             </a:endParaRPr>
           </a:p>
@@ -7141,13 +6922,19 @@
             </a:pPr>
             <a:r>
               <a:rPr>
-                <a:latin typeface="Consolas" panose="020B0609020204030204"/>
+                <a:latin typeface="Calibri" panose="020F0502020204030204" charset="0"/>
                 <a:ea typeface="Consolas" panose="020B0609020204030204"/>
-                <a:cs typeface="Consolas" panose="020B0609020204030204"/>
+                <a:cs typeface="Calibri" panose="020F0502020204030204" charset="0"/>
                 <a:sym typeface="Consolas" panose="020B0609020204030204"/>
               </a:rPr>
               <a:t>Protection key limitation</a:t>
             </a:r>
+            <a:endParaRPr>
+              <a:latin typeface="Calibri" panose="020F0502020204030204" charset="0"/>
+              <a:ea typeface="Consolas" panose="020B0609020204030204"/>
+              <a:cs typeface="Calibri" panose="020F0502020204030204" charset="0"/>
+              <a:sym typeface="Consolas" panose="020B0609020204030204"/>
+            </a:endParaRPr>
           </a:p>
           <a:p>
             <a:pPr marL="800100" lvl="1" indent="-342900">
@@ -7160,13 +6947,19 @@
             </a:pPr>
             <a:r>
               <a:rPr>
-                <a:latin typeface="Consolas" panose="020B0609020204030204"/>
+                <a:latin typeface="Calibri" panose="020F0502020204030204" charset="0"/>
                 <a:ea typeface="Consolas" panose="020B0609020204030204"/>
-                <a:cs typeface="Consolas" panose="020B0609020204030204"/>
+                <a:cs typeface="Calibri" panose="020F0502020204030204" charset="0"/>
                 <a:sym typeface="Consolas" panose="020B0609020204030204"/>
               </a:rPr>
               <a:t>If one program issue 17 memory isolation request, current design cannot support it.</a:t>
             </a:r>
+            <a:endParaRPr>
+              <a:latin typeface="Calibri" panose="020F0502020204030204" charset="0"/>
+              <a:ea typeface="Consolas" panose="020B0609020204030204"/>
+              <a:cs typeface="Calibri" panose="020F0502020204030204" charset="0"/>
+              <a:sym typeface="Consolas" panose="020B0609020204030204"/>
+            </a:endParaRPr>
           </a:p>
           <a:p>
             <a:pPr marL="342900" indent="-342900">
@@ -7178,9 +6971,9 @@
               </a:defRPr>
             </a:pPr>
             <a:endParaRPr>
-              <a:latin typeface="Consolas" panose="020B0609020204030204"/>
+              <a:latin typeface="Calibri" panose="020F0502020204030204" charset="0"/>
               <a:ea typeface="Consolas" panose="020B0609020204030204"/>
-              <a:cs typeface="Consolas" panose="020B0609020204030204"/>
+              <a:cs typeface="Calibri" panose="020F0502020204030204" charset="0"/>
               <a:sym typeface="Consolas" panose="020B0609020204030204"/>
             </a:endParaRPr>
           </a:p>
@@ -7195,13 +6988,19 @@
             </a:pPr>
             <a:r>
               <a:rPr>
-                <a:latin typeface="Consolas" panose="020B0609020204030204"/>
+                <a:latin typeface="Calibri" panose="020F0502020204030204" charset="0"/>
                 <a:ea typeface="Consolas" panose="020B0609020204030204"/>
-                <a:cs typeface="Consolas" panose="020B0609020204030204"/>
+                <a:cs typeface="Calibri" panose="020F0502020204030204" charset="0"/>
                 <a:sym typeface="Consolas" panose="020B0609020204030204"/>
               </a:rPr>
               <a:t>Inter-thread synchronization</a:t>
             </a:r>
+            <a:endParaRPr>
+              <a:latin typeface="Calibri" panose="020F0502020204030204" charset="0"/>
+              <a:ea typeface="Consolas" panose="020B0609020204030204"/>
+              <a:cs typeface="Calibri" panose="020F0502020204030204" charset="0"/>
+              <a:sym typeface="Consolas" panose="020B0609020204030204"/>
+            </a:endParaRPr>
           </a:p>
           <a:p>
             <a:pPr marL="800100" lvl="1" indent="-342900">
@@ -7214,13 +7013,19 @@
             </a:pPr>
             <a:r>
               <a:rPr>
-                <a:latin typeface="Consolas" panose="020B0609020204030204"/>
+                <a:latin typeface="Calibri" panose="020F0502020204030204" charset="0"/>
                 <a:ea typeface="Consolas" panose="020B0609020204030204"/>
-                <a:cs typeface="Consolas" panose="020B0609020204030204"/>
+                <a:cs typeface="Calibri" panose="020F0502020204030204" charset="0"/>
                 <a:sym typeface="Consolas" panose="020B0609020204030204"/>
               </a:rPr>
               <a:t>Inconsistent behavior between threads in a process: one thread set memory region M to be not readable, if not synced, other thread can read M.</a:t>
             </a:r>
+            <a:endParaRPr>
+              <a:latin typeface="Calibri" panose="020F0502020204030204" charset="0"/>
+              <a:ea typeface="Consolas" panose="020B0609020204030204"/>
+              <a:cs typeface="Calibri" panose="020F0502020204030204" charset="0"/>
+              <a:sym typeface="Consolas" panose="020B0609020204030204"/>
+            </a:endParaRPr>
           </a:p>
         </p:txBody>
       </p:sp>
@@ -7253,9 +7058,7 @@
       <p:sp>
         <p:nvSpPr>
           <p:cNvPr id="220" name="标题 1"/>
-          <p:cNvSpPr txBox="1">
-            <a:spLocks noGrp="1"/>
-          </p:cNvSpPr>
+          <p:cNvSpPr txBox="1"/>
           <p:nvPr>
             <p:ph type="title"/>
           </p:nvPr>
@@ -7311,13 +7114,7 @@
       </p:grpSpPr>
       <p:sp>
         <p:nvSpPr>
-          <p:cNvPr id="9" name="标题 1">
-            <a:extLst>
-              <a:ext uri="{FF2B5EF4-FFF2-40B4-BE49-F238E27FC236}">
-                <a16:creationId xmlns:a16="http://schemas.microsoft.com/office/drawing/2014/main" id="{4BDB19C9-097E-799B-5D5C-3C32B70897A2}"/>
-              </a:ext>
-            </a:extLst>
-          </p:cNvPr>
+          <p:cNvPr id="9" name="标题 1"/>
           <p:cNvSpPr txBox="1">
             <a:spLocks noGrp="1"/>
           </p:cNvSpPr>
@@ -7339,20 +7136,22 @@
           <a:lstStyle/>
           <a:p>
             <a:r>
+              <a:rPr>
+                <a:latin typeface="Calibri" panose="020F0502020204030204" charset="0"/>
+                <a:cs typeface="Calibri" panose="020F0502020204030204" charset="0"/>
+              </a:rPr>
               <a:t>Protection Key Virtualization</a:t>
             </a:r>
-          </a:p>
-        </p:txBody>
-      </p:sp>
-      <p:sp>
-        <p:nvSpPr>
-          <p:cNvPr id="10" name="内容占位符 2">
-            <a:extLst>
-              <a:ext uri="{FF2B5EF4-FFF2-40B4-BE49-F238E27FC236}">
-                <a16:creationId xmlns:a16="http://schemas.microsoft.com/office/drawing/2014/main" id="{816E784B-F235-FC11-0244-1128F0B51815}"/>
-              </a:ext>
-            </a:extLst>
-          </p:cNvPr>
+            <a:endParaRPr>
+              <a:latin typeface="Calibri" panose="020F0502020204030204" charset="0"/>
+              <a:cs typeface="Calibri" panose="020F0502020204030204" charset="0"/>
+            </a:endParaRPr>
+          </a:p>
+        </p:txBody>
+      </p:sp>
+      <p:sp>
+        <p:nvSpPr>
+          <p:cNvPr id="10" name="内容占位符 2"/>
           <p:cNvSpPr txBox="1">
             <a:spLocks noGrp="1"/>
           </p:cNvSpPr>
@@ -7382,9 +7181,23 @@
               <a:defRPr sz="2770"/>
             </a:pPr>
             <a:r>
-              <a:rPr dirty="0"/>
-              <a:t>create more than 16 page groups</a:t>
-            </a:r>
+              <a:rPr lang="en-US" dirty="0">
+                <a:latin typeface="Calibri" panose="020F0502020204030204" charset="0"/>
+                <a:cs typeface="Calibri" panose="020F0502020204030204" charset="0"/>
+              </a:rPr>
+              <a:t>C</a:t>
+            </a:r>
+            <a:r>
+              <a:rPr dirty="0">
+                <a:latin typeface="Calibri" panose="020F0502020204030204" charset="0"/>
+                <a:cs typeface="Calibri" panose="020F0502020204030204" charset="0"/>
+              </a:rPr>
+              <a:t>reate more than 16 page groups</a:t>
+            </a:r>
+            <a:endParaRPr dirty="0">
+              <a:latin typeface="Calibri" panose="020F0502020204030204" charset="0"/>
+              <a:cs typeface="Calibri" panose="020F0502020204030204" charset="0"/>
+            </a:endParaRPr>
           </a:p>
           <a:p>
             <a:pPr marL="339725" indent="-339725" defTabSz="905510">
@@ -7394,17 +7207,30 @@
               <a:defRPr sz="2375"/>
             </a:pPr>
             <a:r>
-              <a:rPr dirty="0"/>
+              <a:rPr dirty="0">
+                <a:latin typeface="Calibri" panose="020F0502020204030204" charset="0"/>
+                <a:cs typeface="Calibri" panose="020F0502020204030204" charset="0"/>
+              </a:rPr>
               <a:t>2 </a:t>
             </a:r>
             <a:r>
-              <a:rPr lang="en-US" altLang="zh-CN" dirty="0"/>
+              <a:rPr lang="en-US" altLang="zh-CN" dirty="0">
+                <a:latin typeface="Calibri" panose="020F0502020204030204" charset="0"/>
+                <a:cs typeface="Calibri" panose="020F0502020204030204" charset="0"/>
+              </a:rPr>
               <a:t>kinds of missing</a:t>
             </a:r>
             <a:r>
-              <a:rPr dirty="0"/>
+              <a:rPr dirty="0">
+                <a:latin typeface="Calibri" panose="020F0502020204030204" charset="0"/>
+                <a:cs typeface="Calibri" panose="020F0502020204030204" charset="0"/>
+              </a:rPr>
               <a:t>:</a:t>
             </a:r>
+            <a:endParaRPr dirty="0">
+              <a:latin typeface="Calibri" panose="020F0502020204030204" charset="0"/>
+              <a:cs typeface="Calibri" panose="020F0502020204030204" charset="0"/>
+            </a:endParaRPr>
           </a:p>
           <a:p>
             <a:pPr marL="791845" lvl="1" indent="-339725" defTabSz="905510">
@@ -7416,9 +7242,16 @@
               <a:defRPr sz="1780"/>
             </a:pPr>
             <a:r>
-              <a:rPr dirty="0"/>
+              <a:rPr dirty="0">
+                <a:latin typeface="Calibri" panose="020F0502020204030204" charset="0"/>
+                <a:cs typeface="Calibri" panose="020F0502020204030204" charset="0"/>
+              </a:rPr>
               <a:t>thread-local</a:t>
             </a:r>
+            <a:endParaRPr dirty="0">
+              <a:latin typeface="Calibri" panose="020F0502020204030204" charset="0"/>
+              <a:cs typeface="Calibri" panose="020F0502020204030204" charset="0"/>
+            </a:endParaRPr>
           </a:p>
           <a:p>
             <a:pPr marL="1131570" lvl="2" indent="-226060" defTabSz="905510">
@@ -7428,21 +7261,37 @@
               <a:defRPr sz="1585"/>
             </a:pPr>
             <a:r>
-              <a:rPr dirty="0" err="1"/>
+              <a:rPr dirty="0" err="1">
+                <a:latin typeface="Calibri" panose="020F0502020204030204" charset="0"/>
+                <a:cs typeface="Calibri" panose="020F0502020204030204" charset="0"/>
+              </a:rPr>
               <a:t>mpk_begin</a:t>
             </a:r>
             <a:r>
-              <a:rPr dirty="0"/>
+              <a:rPr dirty="0">
+                <a:latin typeface="Calibri" panose="020F0502020204030204" charset="0"/>
+                <a:cs typeface="Calibri" panose="020F0502020204030204" charset="0"/>
+              </a:rPr>
               <a:t>() &amp; </a:t>
             </a:r>
             <a:r>
-              <a:rPr dirty="0" err="1"/>
+              <a:rPr dirty="0" err="1">
+                <a:latin typeface="Calibri" panose="020F0502020204030204" charset="0"/>
+                <a:cs typeface="Calibri" panose="020F0502020204030204" charset="0"/>
+              </a:rPr>
               <a:t>mpk_end</a:t>
             </a:r>
             <a:r>
-              <a:rPr dirty="0"/>
+              <a:rPr dirty="0">
+                <a:latin typeface="Calibri" panose="020F0502020204030204" charset="0"/>
+                <a:cs typeface="Calibri" panose="020F0502020204030204" charset="0"/>
+              </a:rPr>
               <a:t>() by a calling thread</a:t>
             </a:r>
+            <a:endParaRPr dirty="0">
+              <a:latin typeface="Calibri" panose="020F0502020204030204" charset="0"/>
+              <a:cs typeface="Calibri" panose="020F0502020204030204" charset="0"/>
+            </a:endParaRPr>
           </a:p>
           <a:p>
             <a:pPr marL="1131570" lvl="2" indent="-226060" defTabSz="905510">
@@ -7452,9 +7301,16 @@
               <a:defRPr sz="1585"/>
             </a:pPr>
             <a:r>
-              <a:rPr dirty="0"/>
+              <a:rPr dirty="0">
+                <a:latin typeface="Calibri" panose="020F0502020204030204" charset="0"/>
+                <a:cs typeface="Calibri" panose="020F0502020204030204" charset="0"/>
+              </a:rPr>
               <a:t>sleep when fail</a:t>
             </a:r>
+            <a:endParaRPr dirty="0">
+              <a:latin typeface="Calibri" panose="020F0502020204030204" charset="0"/>
+              <a:cs typeface="Calibri" panose="020F0502020204030204" charset="0"/>
+            </a:endParaRPr>
           </a:p>
           <a:p>
             <a:pPr marL="1131570" lvl="2" indent="-226060" defTabSz="905510">
@@ -7464,9 +7320,16 @@
               <a:defRPr sz="1585"/>
             </a:pPr>
             <a:r>
-              <a:rPr dirty="0"/>
+              <a:rPr dirty="0">
+                <a:latin typeface="Calibri" panose="020F0502020204030204" charset="0"/>
+                <a:cs typeface="Calibri" panose="020F0502020204030204" charset="0"/>
+              </a:rPr>
               <a:t>page not be used -&gt; evict and disable permission</a:t>
             </a:r>
+            <a:endParaRPr dirty="0">
+              <a:latin typeface="Calibri" panose="020F0502020204030204" charset="0"/>
+              <a:cs typeface="Calibri" panose="020F0502020204030204" charset="0"/>
+            </a:endParaRPr>
           </a:p>
           <a:p>
             <a:pPr marL="791845" lvl="1" indent="-339725" defTabSz="905510">
@@ -7478,10 +7341,16 @@
               <a:defRPr sz="1780"/>
             </a:pPr>
             <a:r>
-              <a:rPr dirty="0"/>
+              <a:rPr dirty="0">
+                <a:latin typeface="Calibri" panose="020F0502020204030204" charset="0"/>
+                <a:cs typeface="Calibri" panose="020F0502020204030204" charset="0"/>
+              </a:rPr>
               <a:t>global</a:t>
             </a:r>
-            <a:endParaRPr sz="1485" dirty="0"/>
+            <a:endParaRPr sz="1485" dirty="0">
+              <a:latin typeface="Calibri" panose="020F0502020204030204" charset="0"/>
+              <a:cs typeface="Calibri" panose="020F0502020204030204" charset="0"/>
+            </a:endParaRPr>
           </a:p>
           <a:p>
             <a:pPr marL="1131570" lvl="2" indent="-226060" defTabSz="905510">
@@ -7491,13 +7360,23 @@
               <a:defRPr sz="1585"/>
             </a:pPr>
             <a:r>
-              <a:rPr dirty="0" err="1"/>
+              <a:rPr dirty="0" err="1">
+                <a:latin typeface="Calibri" panose="020F0502020204030204" charset="0"/>
+                <a:cs typeface="Calibri" panose="020F0502020204030204" charset="0"/>
+              </a:rPr>
               <a:t>mpk_mprotect</a:t>
             </a:r>
             <a:r>
-              <a:rPr dirty="0"/>
+              <a:rPr dirty="0">
+                <a:latin typeface="Calibri" panose="020F0502020204030204" charset="0"/>
+                <a:cs typeface="Calibri" panose="020F0502020204030204" charset="0"/>
+              </a:rPr>
               <a:t>() for all threads</a:t>
             </a:r>
+            <a:endParaRPr dirty="0">
+              <a:latin typeface="Calibri" panose="020F0502020204030204" charset="0"/>
+              <a:cs typeface="Calibri" panose="020F0502020204030204" charset="0"/>
+            </a:endParaRPr>
           </a:p>
           <a:p>
             <a:pPr marL="1131570" lvl="2" indent="-226060" defTabSz="905510">
@@ -7507,9 +7386,16 @@
               <a:defRPr sz="1585"/>
             </a:pPr>
             <a:r>
-              <a:rPr dirty="0"/>
+              <a:rPr dirty="0">
+                <a:latin typeface="Calibri" panose="020F0502020204030204" charset="0"/>
+                <a:cs typeface="Calibri" panose="020F0502020204030204" charset="0"/>
+              </a:rPr>
               <a:t>LRU for replacement</a:t>
             </a:r>
+            <a:endParaRPr dirty="0">
+              <a:latin typeface="Calibri" panose="020F0502020204030204" charset="0"/>
+              <a:cs typeface="Calibri" panose="020F0502020204030204" charset="0"/>
+            </a:endParaRPr>
           </a:p>
           <a:p>
             <a:pPr marL="1131570" lvl="2" indent="-226060" defTabSz="905510">
@@ -7519,9 +7405,16 @@
               <a:defRPr sz="1585"/>
             </a:pPr>
             <a:r>
-              <a:rPr dirty="0"/>
+              <a:rPr dirty="0">
+                <a:latin typeface="Calibri" panose="020F0502020204030204" charset="0"/>
+                <a:cs typeface="Calibri" panose="020F0502020204030204" charset="0"/>
+              </a:rPr>
               <a:t>reserves one key for execute-only pages</a:t>
             </a:r>
+            <a:endParaRPr dirty="0">
+              <a:latin typeface="Calibri" panose="020F0502020204030204" charset="0"/>
+              <a:cs typeface="Calibri" panose="020F0502020204030204" charset="0"/>
+            </a:endParaRPr>
           </a:p>
           <a:p>
             <a:pPr marL="1584325" lvl="3" indent="-226060" defTabSz="905510">
@@ -7531,9 +7424,16 @@
               <a:defRPr sz="1385"/>
             </a:pPr>
             <a:r>
-              <a:rPr dirty="0"/>
+              <a:rPr dirty="0">
+                <a:latin typeface="Calibri" panose="020F0502020204030204" charset="0"/>
+                <a:cs typeface="Calibri" panose="020F0502020204030204" charset="0"/>
+              </a:rPr>
               <a:t>merge execute-only pages group</a:t>
             </a:r>
+            <a:endParaRPr dirty="0">
+              <a:latin typeface="Calibri" panose="020F0502020204030204" charset="0"/>
+              <a:cs typeface="Calibri" panose="020F0502020204030204" charset="0"/>
+            </a:endParaRPr>
           </a:p>
           <a:p>
             <a:pPr marL="1584325" lvl="3" indent="-226060" defTabSz="905510">
@@ -7543,28 +7443,29 @@
               <a:defRPr sz="1385"/>
             </a:pPr>
             <a:r>
-              <a:rPr dirty="0"/>
+              <a:rPr dirty="0">
+                <a:latin typeface="Calibri" panose="020F0502020204030204" charset="0"/>
+                <a:cs typeface="Calibri" panose="020F0502020204030204" charset="0"/>
+              </a:rPr>
               <a:t>evicted when execute-only pages</a:t>
             </a:r>
+            <a:endParaRPr dirty="0">
+              <a:latin typeface="Calibri" panose="020F0502020204030204" charset="0"/>
+              <a:cs typeface="Calibri" panose="020F0502020204030204" charset="0"/>
+            </a:endParaRPr>
           </a:p>
         </p:txBody>
       </p:sp>
       <p:pic>
         <p:nvPicPr>
-          <p:cNvPr id="11" name="图片 10">
-            <a:extLst>
-              <a:ext uri="{FF2B5EF4-FFF2-40B4-BE49-F238E27FC236}">
-                <a16:creationId xmlns:a16="http://schemas.microsoft.com/office/drawing/2014/main" id="{E0288262-FD9B-1E1C-B9C1-516268504D75}"/>
-              </a:ext>
-            </a:extLst>
-          </p:cNvPr>
+          <p:cNvPr id="11" name="图片 10"/>
           <p:cNvPicPr>
             <a:picLocks noChangeAspect="1"/>
           </p:cNvPicPr>
           <p:nvPr/>
         </p:nvPicPr>
         <p:blipFill>
-          <a:blip r:embed="rId3"/>
+          <a:blip r:embed="rId1"/>
           <a:stretch>
             <a:fillRect/>
           </a:stretch>
@@ -7608,9 +7509,7 @@
       <p:sp>
         <p:nvSpPr>
           <p:cNvPr id="230" name="标题 1"/>
-          <p:cNvSpPr txBox="1">
-            <a:spLocks noGrp="1"/>
-          </p:cNvSpPr>
+          <p:cNvSpPr txBox="1"/>
           <p:nvPr>
             <p:ph type="title"/>
           </p:nvPr>
@@ -7637,9 +7536,7 @@
       <p:sp>
         <p:nvSpPr>
           <p:cNvPr id="231" name="内容占位符 2"/>
-          <p:cNvSpPr txBox="1">
-            <a:spLocks noGrp="1"/>
-          </p:cNvSpPr>
+          <p:cNvSpPr txBox="1"/>
           <p:nvPr>
             <p:ph type="body" idx="1"/>
           </p:nvPr>
@@ -7661,7 +7558,10 @@
               <a:buSzTx/>
               <a:buNone/>
             </a:pPr>
-            <a:endParaRPr/>
+            <a:endParaRPr>
+              <a:latin typeface="Calibri" panose="020F0502020204030204" charset="0"/>
+              <a:cs typeface="Calibri" panose="020F0502020204030204" charset="0"/>
+            </a:endParaRPr>
           </a:p>
           <a:p>
             <a:pPr marL="342900" indent="-342900">
@@ -7673,38 +7573,57 @@
               </a:defRPr>
             </a:pPr>
             <a:r>
+              <a:rPr>
+                <a:latin typeface="Calibri" panose="020F0502020204030204" charset="0"/>
+                <a:cs typeface="Calibri" panose="020F0502020204030204" charset="0"/>
+              </a:rPr>
               <a:t>One thread</a:t>
             </a:r>
             <a:r>
               <a:rPr>
-                <a:latin typeface="Calibri" panose="020F0502020204030204"/>
+                <a:latin typeface="Calibri" panose="020F0502020204030204" charset="0"/>
                 <a:ea typeface="Calibri" panose="020F0502020204030204"/>
-                <a:cs typeface="Calibri" panose="020F0502020204030204"/>
+                <a:cs typeface="Calibri" panose="020F0502020204030204" charset="0"/>
                 <a:sym typeface="Calibri" panose="020F0502020204030204"/>
               </a:rPr>
               <a:t> </a:t>
             </a:r>
             <a:r>
+              <a:rPr>
+                <a:latin typeface="Calibri" panose="020F0502020204030204" charset="0"/>
+                <a:cs typeface="Calibri" panose="020F0502020204030204" charset="0"/>
+              </a:rPr>
               <a:t>calls</a:t>
             </a:r>
             <a:r>
               <a:rPr>
-                <a:latin typeface="Calibri" panose="020F0502020204030204"/>
+                <a:latin typeface="Calibri" panose="020F0502020204030204" charset="0"/>
                 <a:ea typeface="Calibri" panose="020F0502020204030204"/>
-                <a:cs typeface="Calibri" panose="020F0502020204030204"/>
+                <a:cs typeface="Calibri" panose="020F0502020204030204" charset="0"/>
                 <a:sym typeface="Calibri" panose="020F0502020204030204"/>
               </a:rPr>
               <a:t> </a:t>
             </a:r>
             <a:r>
+              <a:rPr>
+                <a:latin typeface="Calibri" panose="020F0502020204030204" charset="0"/>
+                <a:cs typeface="Calibri" panose="020F0502020204030204" charset="0"/>
+              </a:rPr>
               <a:t>mpk_mprotect()</a:t>
             </a:r>
+            <a:endParaRPr>
+              <a:latin typeface="Calibri" panose="020F0502020204030204" charset="0"/>
+              <a:cs typeface="Calibri" panose="020F0502020204030204" charset="0"/>
+            </a:endParaRPr>
           </a:p>
           <a:p>
             <a:pPr marL="342900" indent="-342900">
               <a:defRPr sz="2400"/>
             </a:pPr>
-            <a:endParaRPr/>
+            <a:endParaRPr>
+              <a:latin typeface="Calibri" panose="020F0502020204030204" charset="0"/>
+              <a:cs typeface="Calibri" panose="020F0502020204030204" charset="0"/>
+            </a:endParaRPr>
           </a:p>
           <a:p>
             <a:pPr marL="342900" indent="-342900">
@@ -7716,8 +7635,16 @@
               </a:defRPr>
             </a:pPr>
             <a:r>
+              <a:rPr>
+                <a:latin typeface="Calibri" panose="020F0502020204030204" charset="0"/>
+                <a:cs typeface="Calibri" panose="020F0502020204030204" charset="0"/>
+              </a:rPr>
               <a:t>mpk_mprotect() calls do_pkey_sync(pkey)</a:t>
             </a:r>
+            <a:endParaRPr>
+              <a:latin typeface="Calibri" panose="020F0502020204030204" charset="0"/>
+              <a:cs typeface="Calibri" panose="020F0502020204030204" charset="0"/>
+            </a:endParaRPr>
           </a:p>
           <a:p>
             <a:pPr marL="342900" indent="-342900">
@@ -7728,7 +7655,10 @@
                 <a:sym typeface="Consolas" panose="020B0609020204030204"/>
               </a:defRPr>
             </a:pPr>
-            <a:endParaRPr/>
+            <a:endParaRPr>
+              <a:latin typeface="Calibri" panose="020F0502020204030204" charset="0"/>
+              <a:cs typeface="Calibri" panose="020F0502020204030204" charset="0"/>
+            </a:endParaRPr>
           </a:p>
           <a:p>
             <a:pPr marL="342900" indent="-342900">
@@ -7740,8 +7670,16 @@
               </a:defRPr>
             </a:pPr>
             <a:r>
+              <a:rPr>
+                <a:latin typeface="Calibri" panose="020F0502020204030204" charset="0"/>
+                <a:cs typeface="Calibri" panose="020F0502020204030204" charset="0"/>
+              </a:rPr>
               <a:t>do_pkey_sync(key) sends interrupt to other threads</a:t>
             </a:r>
+            <a:endParaRPr>
+              <a:latin typeface="Calibri" panose="020F0502020204030204" charset="0"/>
+              <a:cs typeface="Calibri" panose="020F0502020204030204" charset="0"/>
+            </a:endParaRPr>
           </a:p>
           <a:p>
             <a:pPr marL="342900" indent="-342900">
@@ -7752,7 +7690,10 @@
                 <a:sym typeface="Consolas" panose="020B0609020204030204"/>
               </a:defRPr>
             </a:pPr>
-            <a:endParaRPr/>
+            <a:endParaRPr>
+              <a:latin typeface="Calibri" panose="020F0502020204030204" charset="0"/>
+              <a:cs typeface="Calibri" panose="020F0502020204030204" charset="0"/>
+            </a:endParaRPr>
           </a:p>
           <a:p>
             <a:pPr marL="342900" indent="-342900">
@@ -7764,8 +7705,16 @@
               </a:defRPr>
             </a:pPr>
             <a:r>
+              <a:rPr>
+                <a:latin typeface="Calibri" panose="020F0502020204030204" charset="0"/>
+                <a:cs typeface="Calibri" panose="020F0502020204030204" charset="0"/>
+              </a:rPr>
               <a:t>When other threads are scheduled, update PKRU by calling registered callback functions (callback functions are added by task_work_add())</a:t>
             </a:r>
+            <a:endParaRPr>
+              <a:latin typeface="Calibri" panose="020F0502020204030204" charset="0"/>
+              <a:cs typeface="Calibri" panose="020F0502020204030204" charset="0"/>
+            </a:endParaRPr>
           </a:p>
         </p:txBody>
       </p:sp>
@@ -7778,7 +7727,7 @@
           <p:nvPr/>
         </p:nvPicPr>
         <p:blipFill>
-          <a:blip r:embed="rId3"/>
+          <a:blip r:embed="rId1"/>
           <a:stretch>
             <a:fillRect/>
           </a:stretch>
@@ -7827,9 +7776,7 @@
       <p:sp>
         <p:nvSpPr>
           <p:cNvPr id="236" name="标题 1"/>
-          <p:cNvSpPr txBox="1">
-            <a:spLocks noGrp="1"/>
-          </p:cNvSpPr>
+          <p:cNvSpPr txBox="1"/>
           <p:nvPr>
             <p:ph type="title"/>
           </p:nvPr>
@@ -7862,7 +7809,7 @@
           <p:nvPr/>
         </p:nvPicPr>
         <p:blipFill>
-          <a:blip r:embed="rId3"/>
+          <a:blip r:embed="rId1"/>
           <a:stretch>
             <a:fillRect/>
           </a:stretch>
@@ -7885,9 +7832,7 @@
       <p:sp>
         <p:nvSpPr>
           <p:cNvPr id="238" name="内容占位符 2"/>
-          <p:cNvSpPr txBox="1">
-            <a:spLocks noGrp="1"/>
-          </p:cNvSpPr>
+          <p:cNvSpPr txBox="1"/>
           <p:nvPr>
             <p:ph type="body" idx="1"/>
           </p:nvPr>
@@ -7909,7 +7854,10 @@
               <a:buSzTx/>
               <a:buNone/>
             </a:pPr>
-            <a:endParaRPr/>
+            <a:endParaRPr>
+              <a:latin typeface="Calibri" panose="020F0502020204030204" charset="0"/>
+              <a:cs typeface="Calibri" panose="020F0502020204030204" charset="0"/>
+            </a:endParaRPr>
           </a:p>
           <a:p>
             <a:pPr marL="342900" indent="-342900">
@@ -7921,8 +7869,16 @@
               </a:defRPr>
             </a:pPr>
             <a:r>
+              <a:rPr>
+                <a:latin typeface="Calibri" panose="020F0502020204030204" charset="0"/>
+                <a:cs typeface="Calibri" panose="020F0502020204030204" charset="0"/>
+              </a:rPr>
               <a:t>In /libmpk/kernel/mm/mprotect.c/do_pkey_sync(val_pkru)</a:t>
             </a:r>
+            <a:endParaRPr>
+              <a:latin typeface="Calibri" panose="020F0502020204030204" charset="0"/>
+              <a:cs typeface="Calibri" panose="020F0502020204030204" charset="0"/>
+            </a:endParaRPr>
           </a:p>
         </p:txBody>
       </p:sp>
@@ -7955,9 +7911,7 @@
       <p:sp>
         <p:nvSpPr>
           <p:cNvPr id="242" name="标题 1"/>
-          <p:cNvSpPr txBox="1">
-            <a:spLocks noGrp="1"/>
-          </p:cNvSpPr>
+          <p:cNvSpPr txBox="1"/>
           <p:nvPr>
             <p:ph type="title"/>
           </p:nvPr>
@@ -8014,9 +7968,7 @@
       <p:sp>
         <p:nvSpPr>
           <p:cNvPr id="246" name="标题 1"/>
-          <p:cNvSpPr txBox="1">
-            <a:spLocks noGrp="1"/>
-          </p:cNvSpPr>
+          <p:cNvSpPr txBox="1"/>
           <p:nvPr>
             <p:ph type="title"/>
           </p:nvPr>
@@ -8035,7 +7987,21 @@
           <a:lstStyle/>
           <a:p>
             <a:r>
-              <a:t>New Solution to Protection key limitation</a:t>
+              <a:t>New Solution to Protection </a:t>
+            </a:r>
+            <a:r>
+              <a:rPr lang="en-US"/>
+              <a:t>K</a:t>
+            </a:r>
+            <a:r>
+              <a:t>ey </a:t>
+            </a:r>
+            <a:r>
+              <a:rPr lang="en-US"/>
+              <a:t>L</a:t>
+            </a:r>
+            <a:r>
+              <a:t>imitation</a:t>
             </a:r>
           </a:p>
         </p:txBody>
@@ -8043,9 +8009,7 @@
       <p:sp>
         <p:nvSpPr>
           <p:cNvPr id="231" name="内容占位符 2"/>
-          <p:cNvSpPr txBox="1">
-            <a:spLocks noGrp="1"/>
-          </p:cNvSpPr>
+          <p:cNvSpPr txBox="1"/>
           <p:nvPr>
             <p:ph type="body" idx="1"/>
           </p:nvPr>
@@ -8061,9 +8025,8 @@
         </p:spPr>
         <p:txBody>
           <a:bodyPr>
-            <a:normAutofit/>
+            <a:normAutofit lnSpcReduction="10000"/>
           </a:bodyPr>
-          <a:lstStyle/>
           <a:p>
             <a:pPr marL="342900" indent="-342900">
               <a:defRPr sz="2400">
@@ -8075,10 +8038,17 @@
             </a:pPr>
             <a:r>
               <a:rPr>
+                <a:latin typeface="Calibri" panose="020F0502020204030204" charset="0"/>
+                <a:cs typeface="Calibri" panose="020F0502020204030204" charset="0"/>
                 <a:sym typeface="+mn-ea"/>
               </a:rPr>
               <a:t>Protection key limitation</a:t>
             </a:r>
+            <a:endParaRPr>
+              <a:latin typeface="Calibri" panose="020F0502020204030204" charset="0"/>
+              <a:cs typeface="Calibri" panose="020F0502020204030204" charset="0"/>
+              <a:sym typeface="+mn-ea"/>
+            </a:endParaRPr>
           </a:p>
           <a:p>
             <a:pPr marL="800100" lvl="1" indent="-342900">
@@ -8091,10 +8061,33 @@
             </a:pPr>
             <a:r>
               <a:rPr>
+                <a:latin typeface="Calibri" panose="020F0502020204030204" charset="0"/>
+                <a:cs typeface="Calibri" panose="020F0502020204030204" charset="0"/>
                 <a:sym typeface="+mn-ea"/>
               </a:rPr>
-              <a:t>Virtual key -&gt; Hardware key -&gt; page group</a:t>
-            </a:r>
+              <a:t>Virtual key -&gt; Hardware key -&gt; </a:t>
+            </a:r>
+            <a:r>
+              <a:rPr lang="en-US">
+                <a:latin typeface="Calibri" panose="020F0502020204030204" charset="0"/>
+                <a:cs typeface="Calibri" panose="020F0502020204030204" charset="0"/>
+                <a:sym typeface="+mn-ea"/>
+              </a:rPr>
+              <a:t>P</a:t>
+            </a:r>
+            <a:r>
+              <a:rPr>
+                <a:latin typeface="Calibri" panose="020F0502020204030204" charset="0"/>
+                <a:cs typeface="Calibri" panose="020F0502020204030204" charset="0"/>
+                <a:sym typeface="+mn-ea"/>
+              </a:rPr>
+              <a:t>age group</a:t>
+            </a:r>
+            <a:endParaRPr>
+              <a:latin typeface="Calibri" panose="020F0502020204030204" charset="0"/>
+              <a:cs typeface="Calibri" panose="020F0502020204030204" charset="0"/>
+              <a:sym typeface="+mn-ea"/>
+            </a:endParaRPr>
           </a:p>
           <a:p>
             <a:pPr marL="800100" lvl="1" indent="-342900">
@@ -8107,10 +8100,17 @@
             </a:pPr>
             <a:r>
               <a:rPr>
+                <a:latin typeface="Calibri" panose="020F0502020204030204" charset="0"/>
+                <a:cs typeface="Calibri" panose="020F0502020204030204" charset="0"/>
                 <a:sym typeface="+mn-ea"/>
               </a:rPr>
               <a:t>Cache-like structure is used to map the virtual key to hardware key</a:t>
             </a:r>
+            <a:endParaRPr>
+              <a:latin typeface="Calibri" panose="020F0502020204030204" charset="0"/>
+              <a:cs typeface="Calibri" panose="020F0502020204030204" charset="0"/>
+              <a:sym typeface="+mn-ea"/>
+            </a:endParaRPr>
           </a:p>
           <a:p>
             <a:pPr marL="800100" lvl="1" indent="-342900">
@@ -8123,17 +8123,25 @@
             </a:pPr>
             <a:r>
               <a:rPr>
+                <a:latin typeface="Calibri" panose="020F0502020204030204" charset="0"/>
+                <a:cs typeface="Calibri" panose="020F0502020204030204" charset="0"/>
                 <a:sym typeface="+mn-ea"/>
               </a:rPr>
               <a:t>The frequently updated virtual key will mapped to the hardare key, the limitation is hidden by the virtual key</a:t>
             </a:r>
+            <a:endParaRPr>
+              <a:latin typeface="Calibri" panose="020F0502020204030204" charset="0"/>
+              <a:cs typeface="Calibri" panose="020F0502020204030204" charset="0"/>
+              <a:sym typeface="+mn-ea"/>
+            </a:endParaRPr>
           </a:p>
           <a:p>
             <a:pPr marL="342900" indent="-342900">
               <a:defRPr sz="2400"/>
             </a:pPr>
             <a:endParaRPr>
-              <a:sym typeface="+mn-ea"/>
+              <a:latin typeface="Calibri" panose="020F0502020204030204" charset="0"/>
+              <a:cs typeface="Calibri" panose="020F0502020204030204" charset="0"/>
             </a:endParaRPr>
           </a:p>
           <a:p>
@@ -8147,10 +8155,17 @@
             </a:pPr>
             <a:r>
               <a:rPr>
+                <a:latin typeface="Calibri" panose="020F0502020204030204" charset="0"/>
+                <a:cs typeface="Calibri" panose="020F0502020204030204" charset="0"/>
                 <a:sym typeface="+mn-ea"/>
               </a:rPr>
               <a:t>Inter-thread synchronization</a:t>
             </a:r>
+            <a:endParaRPr>
+              <a:latin typeface="Calibri" panose="020F0502020204030204" charset="0"/>
+              <a:cs typeface="Calibri" panose="020F0502020204030204" charset="0"/>
+              <a:sym typeface="+mn-ea"/>
+            </a:endParaRPr>
           </a:p>
           <a:p>
             <a:pPr marL="800100" lvl="1" indent="-342900">
@@ -8163,22 +8178,33 @@
             </a:pPr>
             <a:r>
               <a:rPr>
+                <a:latin typeface="Calibri" panose="020F0502020204030204" charset="0"/>
+                <a:cs typeface="Calibri" panose="020F0502020204030204" charset="0"/>
                 <a:sym typeface="+mn-ea"/>
               </a:rPr>
               <a:t>calling thread --interrupt (callback is to change the PKRU value)</a:t>
             </a:r>
             <a:r>
               <a:rPr lang="en-US">
+                <a:latin typeface="Calibri" panose="020F0502020204030204" charset="0"/>
+                <a:cs typeface="Calibri" panose="020F0502020204030204" charset="0"/>
                 <a:sym typeface="+mn-ea"/>
               </a:rPr>
               <a:t> </a:t>
             </a:r>
             <a:r>
               <a:rPr>
+                <a:latin typeface="Calibri" panose="020F0502020204030204" charset="0"/>
+                <a:cs typeface="Calibri" panose="020F0502020204030204" charset="0"/>
                 <a:sym typeface="+mn-ea"/>
               </a:rPr>
               <a:t>-&gt; other threads</a:t>
             </a:r>
+            <a:endParaRPr>
+              <a:latin typeface="Calibri" panose="020F0502020204030204" charset="0"/>
+              <a:cs typeface="Calibri" panose="020F0502020204030204" charset="0"/>
+              <a:sym typeface="+mn-ea"/>
+            </a:endParaRPr>
           </a:p>
           <a:p>
             <a:pPr marL="800100" lvl="1" indent="-342900">
@@ -8191,10 +8217,17 @@
             </a:pPr>
             <a:r>
               <a:rPr>
+                <a:latin typeface="Calibri" panose="020F0502020204030204" charset="0"/>
+                <a:cs typeface="Calibri" panose="020F0502020204030204" charset="0"/>
                 <a:sym typeface="+mn-ea"/>
               </a:rPr>
               <a:t>other threads are scheduled -&gt; respond to the interrupt </a:t>
             </a:r>
+            <a:endParaRPr>
+              <a:latin typeface="Calibri" panose="020F0502020204030204" charset="0"/>
+              <a:cs typeface="Calibri" panose="020F0502020204030204" charset="0"/>
+              <a:sym typeface="+mn-ea"/>
+            </a:endParaRPr>
           </a:p>
           <a:p>
             <a:pPr marL="457200" lvl="1" indent="0">
@@ -8208,10 +8241,17 @@
             </a:pPr>
             <a:r>
               <a:rPr>
+                <a:latin typeface="Calibri" panose="020F0502020204030204" charset="0"/>
+                <a:cs typeface="Calibri" panose="020F0502020204030204" charset="0"/>
                 <a:sym typeface="+mn-ea"/>
               </a:rPr>
               <a:t>-&gt; synchronize PKRU</a:t>
             </a:r>
+            <a:endParaRPr>
+              <a:latin typeface="Calibri" panose="020F0502020204030204" charset="0"/>
+              <a:cs typeface="Calibri" panose="020F0502020204030204" charset="0"/>
+              <a:sym typeface="+mn-ea"/>
+            </a:endParaRPr>
           </a:p>
           <a:p>
             <a:pPr marL="0" indent="0">
@@ -8219,7 +8259,8 @@
               <a:buNone/>
             </a:pPr>
             <a:endParaRPr>
-              <a:sym typeface="+mn-ea"/>
+              <a:latin typeface="Calibri" panose="020F0502020204030204" charset="0"/>
+              <a:cs typeface="Calibri" panose="020F0502020204030204" charset="0"/>
             </a:endParaRPr>
           </a:p>
         </p:txBody>
@@ -8253,9 +8294,7 @@
       <p:sp>
         <p:nvSpPr>
           <p:cNvPr id="159" name="标题 1"/>
-          <p:cNvSpPr txBox="1">
-            <a:spLocks noGrp="1"/>
-          </p:cNvSpPr>
+          <p:cNvSpPr txBox="1"/>
           <p:nvPr>
             <p:ph type="title"/>
           </p:nvPr>
@@ -8282,16 +8321,14 @@
       <p:sp>
         <p:nvSpPr>
           <p:cNvPr id="160" name="内容占位符 2"/>
-          <p:cNvSpPr txBox="1">
-            <a:spLocks noGrp="1"/>
-          </p:cNvSpPr>
+          <p:cNvSpPr txBox="1"/>
           <p:nvPr>
             <p:ph type="body" idx="1"/>
           </p:nvPr>
         </p:nvSpPr>
         <p:spPr>
           <a:xfrm>
-            <a:off x="1047504" y="1096352"/>
+            <a:off x="837954" y="1124927"/>
             <a:ext cx="10515601" cy="5036638"/>
           </a:xfrm>
           <a:prstGeom prst="rect">
@@ -8312,7 +8349,10 @@
               <a:buNone/>
               <a:defRPr sz="1570"/>
             </a:pPr>
-            <a:endParaRPr/>
+            <a:endParaRPr>
+              <a:latin typeface="Calibri" panose="020F0502020204030204" charset="0"/>
+              <a:cs typeface="Calibri" panose="020F0502020204030204" charset="0"/>
+            </a:endParaRPr>
           </a:p>
           <a:p>
             <a:pPr marL="191770" indent="-191770" defTabSz="511810">
@@ -8321,7 +8361,10 @@
               </a:spcBef>
               <a:defRPr sz="1345"/>
             </a:pPr>
-            <a:endParaRPr/>
+            <a:endParaRPr>
+              <a:latin typeface="Calibri" panose="020F0502020204030204" charset="0"/>
+              <a:cs typeface="Calibri" panose="020F0502020204030204" charset="0"/>
+            </a:endParaRPr>
           </a:p>
           <a:p>
             <a:pPr marL="191770" indent="-191770" defTabSz="511810">
@@ -8336,8 +8379,16 @@
               </a:defRPr>
             </a:pPr>
             <a:r>
+              <a:rPr>
+                <a:latin typeface="Calibri" panose="020F0502020204030204" charset="0"/>
+                <a:cs typeface="Calibri" panose="020F0502020204030204" charset="0"/>
+              </a:rPr>
               <a:t>Problem Statement</a:t>
             </a:r>
+            <a:endParaRPr>
+              <a:latin typeface="Calibri" panose="020F0502020204030204" charset="0"/>
+              <a:cs typeface="Calibri" panose="020F0502020204030204" charset="0"/>
+            </a:endParaRPr>
           </a:p>
           <a:p>
             <a:pPr marL="191770" indent="-191770" defTabSz="511810">
@@ -8351,7 +8402,10 @@
                 <a:sym typeface="DejaVu Sans Mono Nerd Font Complete"/>
               </a:defRPr>
             </a:pPr>
-            <a:endParaRPr/>
+            <a:endParaRPr>
+              <a:latin typeface="Calibri" panose="020F0502020204030204" charset="0"/>
+              <a:cs typeface="Calibri" panose="020F0502020204030204" charset="0"/>
+            </a:endParaRPr>
           </a:p>
           <a:p>
             <a:pPr marL="191770" indent="-191770" defTabSz="511810">
@@ -8366,8 +8420,16 @@
               </a:defRPr>
             </a:pPr>
             <a:r>
+              <a:rPr>
+                <a:latin typeface="Calibri" panose="020F0502020204030204" charset="0"/>
+                <a:cs typeface="Calibri" panose="020F0502020204030204" charset="0"/>
+              </a:rPr>
               <a:t>Related Work</a:t>
             </a:r>
+            <a:endParaRPr>
+              <a:latin typeface="Calibri" panose="020F0502020204030204" charset="0"/>
+              <a:cs typeface="Calibri" panose="020F0502020204030204" charset="0"/>
+            </a:endParaRPr>
           </a:p>
           <a:p>
             <a:pPr marL="191770" indent="-191770" defTabSz="511810">
@@ -8381,7 +8443,10 @@
                 <a:sym typeface="DejaVu Sans Mono Nerd Font Complete"/>
               </a:defRPr>
             </a:pPr>
-            <a:endParaRPr/>
+            <a:endParaRPr>
+              <a:latin typeface="Calibri" panose="020F0502020204030204" charset="0"/>
+              <a:cs typeface="Calibri" panose="020F0502020204030204" charset="0"/>
+            </a:endParaRPr>
           </a:p>
           <a:p>
             <a:pPr marL="191770" indent="-191770" defTabSz="511810">
@@ -8396,8 +8461,16 @@
               </a:defRPr>
             </a:pPr>
             <a:r>
+              <a:rPr>
+                <a:latin typeface="Calibri" panose="020F0502020204030204" charset="0"/>
+                <a:cs typeface="Calibri" panose="020F0502020204030204" charset="0"/>
+              </a:rPr>
               <a:t>Proposed New Solutions</a:t>
             </a:r>
+            <a:endParaRPr>
+              <a:latin typeface="Calibri" panose="020F0502020204030204" charset="0"/>
+              <a:cs typeface="Calibri" panose="020F0502020204030204" charset="0"/>
+            </a:endParaRPr>
           </a:p>
           <a:p>
             <a:pPr marL="191770" indent="-191770" defTabSz="511810">
@@ -8411,7 +8484,10 @@
                 <a:sym typeface="DejaVu Sans Mono Nerd Font Complete"/>
               </a:defRPr>
             </a:pPr>
-            <a:endParaRPr/>
+            <a:endParaRPr>
+              <a:latin typeface="Calibri" panose="020F0502020204030204" charset="0"/>
+              <a:cs typeface="Calibri" panose="020F0502020204030204" charset="0"/>
+            </a:endParaRPr>
           </a:p>
           <a:p>
             <a:pPr marL="191770" indent="-191770" defTabSz="511810">
@@ -8426,8 +8502,16 @@
               </a:defRPr>
             </a:pPr>
             <a:r>
+              <a:rPr>
+                <a:latin typeface="Calibri" panose="020F0502020204030204" charset="0"/>
+                <a:cs typeface="Calibri" panose="020F0502020204030204" charset="0"/>
+              </a:rPr>
               <a:t>Evaluation Plan</a:t>
             </a:r>
+            <a:endParaRPr>
+              <a:latin typeface="Calibri" panose="020F0502020204030204" charset="0"/>
+              <a:cs typeface="Calibri" panose="020F0502020204030204" charset="0"/>
+            </a:endParaRPr>
           </a:p>
           <a:p>
             <a:pPr marL="191770" indent="-191770" defTabSz="511810">
@@ -8441,7 +8525,10 @@
                 <a:sym typeface="DejaVu Sans Mono Nerd Font Complete"/>
               </a:defRPr>
             </a:pPr>
-            <a:endParaRPr/>
+            <a:endParaRPr>
+              <a:latin typeface="Calibri" panose="020F0502020204030204" charset="0"/>
+              <a:cs typeface="Calibri" panose="020F0502020204030204" charset="0"/>
+            </a:endParaRPr>
           </a:p>
           <a:p>
             <a:pPr marL="191770" indent="-191770" defTabSz="511810">
@@ -8456,8 +8543,16 @@
               </a:defRPr>
             </a:pPr>
             <a:r>
+              <a:rPr>
+                <a:latin typeface="Calibri" panose="020F0502020204030204" charset="0"/>
+                <a:cs typeface="Calibri" panose="020F0502020204030204" charset="0"/>
+              </a:rPr>
               <a:t>Future Research Plan</a:t>
             </a:r>
+            <a:endParaRPr>
+              <a:latin typeface="Calibri" panose="020F0502020204030204" charset="0"/>
+              <a:cs typeface="Calibri" panose="020F0502020204030204" charset="0"/>
+            </a:endParaRPr>
           </a:p>
           <a:p>
             <a:pPr marL="191770" indent="-191770" defTabSz="511810">
@@ -8471,7 +8566,10 @@
                 <a:sym typeface="DejaVu Sans Mono Nerd Font Complete"/>
               </a:defRPr>
             </a:pPr>
-            <a:endParaRPr/>
+            <a:endParaRPr>
+              <a:latin typeface="Calibri" panose="020F0502020204030204" charset="0"/>
+              <a:cs typeface="Calibri" panose="020F0502020204030204" charset="0"/>
+            </a:endParaRPr>
           </a:p>
           <a:p>
             <a:pPr marL="191770" indent="-191770" defTabSz="511810">
@@ -8486,8 +8584,16 @@
               </a:defRPr>
             </a:pPr>
             <a:r>
+              <a:rPr>
+                <a:latin typeface="Calibri" panose="020F0502020204030204" charset="0"/>
+                <a:cs typeface="Calibri" panose="020F0502020204030204" charset="0"/>
+              </a:rPr>
               <a:t>Current work and difficulty</a:t>
             </a:r>
+            <a:endParaRPr>
+              <a:latin typeface="Calibri" panose="020F0502020204030204" charset="0"/>
+              <a:cs typeface="Calibri" panose="020F0502020204030204" charset="0"/>
+            </a:endParaRPr>
           </a:p>
         </p:txBody>
       </p:sp>
@@ -8520,9 +8626,7 @@
       <p:sp>
         <p:nvSpPr>
           <p:cNvPr id="250" name="标题 1"/>
-          <p:cNvSpPr txBox="1">
-            <a:spLocks noGrp="1"/>
-          </p:cNvSpPr>
+          <p:cNvSpPr txBox="1"/>
           <p:nvPr>
             <p:ph type="title"/>
           </p:nvPr>
@@ -8549,9 +8653,7 @@
       <p:sp>
         <p:nvSpPr>
           <p:cNvPr id="251" name="内容占位符 2"/>
-          <p:cNvSpPr txBox="1">
-            <a:spLocks noGrp="1"/>
-          </p:cNvSpPr>
+          <p:cNvSpPr txBox="1"/>
           <p:nvPr>
             <p:ph type="body" sz="half" idx="1"/>
           </p:nvPr>
@@ -8573,7 +8675,10 @@
               <a:buSzTx/>
               <a:buNone/>
             </a:pPr>
-            <a:endParaRPr/>
+            <a:endParaRPr>
+              <a:latin typeface="Calibri" panose="020F0502020204030204" charset="0"/>
+              <a:cs typeface="Calibri" panose="020F0502020204030204" charset="0"/>
+            </a:endParaRPr>
           </a:p>
           <a:p>
             <a:pPr marL="342900" indent="-342900">
@@ -8585,8 +8690,16 @@
               </a:defRPr>
             </a:pPr>
             <a:r>
+              <a:rPr>
+                <a:latin typeface="Calibri" panose="020F0502020204030204" charset="0"/>
+                <a:cs typeface="Calibri" panose="020F0502020204030204" charset="0"/>
+              </a:rPr>
               <a:t>Current Solution: Similar to MPK</a:t>
             </a:r>
+            <a:endParaRPr>
+              <a:latin typeface="Calibri" panose="020F0502020204030204" charset="0"/>
+              <a:cs typeface="Calibri" panose="020F0502020204030204" charset="0"/>
+            </a:endParaRPr>
           </a:p>
           <a:p>
             <a:pPr marL="800100" lvl="1" indent="-342900">
@@ -8597,7 +8710,10 @@
                 <a:sym typeface="Consolas" panose="020B0609020204030204"/>
               </a:defRPr>
             </a:pPr>
-            <a:endParaRPr/>
+            <a:endParaRPr>
+              <a:latin typeface="Calibri" panose="020F0502020204030204" charset="0"/>
+              <a:cs typeface="Calibri" panose="020F0502020204030204" charset="0"/>
+            </a:endParaRPr>
           </a:p>
           <a:p>
             <a:pPr marL="800100" lvl="1" indent="-342900">
@@ -8609,8 +8725,16 @@
               </a:defRPr>
             </a:pPr>
             <a:r>
+              <a:rPr>
+                <a:latin typeface="Calibri" panose="020F0502020204030204" charset="0"/>
+                <a:cs typeface="Calibri" panose="020F0502020204030204" charset="0"/>
+              </a:rPr>
               <a:t>Send interrupt to other threads.</a:t>
             </a:r>
+            <a:endParaRPr>
+              <a:latin typeface="Calibri" panose="020F0502020204030204" charset="0"/>
+              <a:cs typeface="Calibri" panose="020F0502020204030204" charset="0"/>
+            </a:endParaRPr>
           </a:p>
           <a:p>
             <a:pPr marL="800100" lvl="1" indent="-342900">
@@ -8621,7 +8745,10 @@
                 <a:sym typeface="Consolas" panose="020B0609020204030204"/>
               </a:defRPr>
             </a:pPr>
-            <a:endParaRPr/>
+            <a:endParaRPr>
+              <a:latin typeface="Calibri" panose="020F0502020204030204" charset="0"/>
+              <a:cs typeface="Calibri" panose="020F0502020204030204" charset="0"/>
+            </a:endParaRPr>
           </a:p>
           <a:p>
             <a:pPr marL="800100" lvl="1" indent="-342900">
@@ -8633,8 +8760,16 @@
               </a:defRPr>
             </a:pPr>
             <a:r>
+              <a:rPr>
+                <a:latin typeface="Calibri" panose="020F0502020204030204" charset="0"/>
+                <a:cs typeface="Calibri" panose="020F0502020204030204" charset="0"/>
+              </a:rPr>
               <a:t>Register callback function to sync PMP entries.</a:t>
             </a:r>
+            <a:endParaRPr>
+              <a:latin typeface="Calibri" panose="020F0502020204030204" charset="0"/>
+              <a:cs typeface="Calibri" panose="020F0502020204030204" charset="0"/>
+            </a:endParaRPr>
           </a:p>
         </p:txBody>
       </p:sp>
@@ -8667,9 +8802,7 @@
       <p:sp>
         <p:nvSpPr>
           <p:cNvPr id="255" name="标题 1"/>
-          <p:cNvSpPr txBox="1">
-            <a:spLocks noGrp="1"/>
-          </p:cNvSpPr>
+          <p:cNvSpPr txBox="1"/>
           <p:nvPr>
             <p:ph type="title"/>
           </p:nvPr>
@@ -8715,20 +8848,11 @@
         <p:cNvGrpSpPr/>
         <p:nvPr/>
       </p:nvGrpSpPr>
-      <p:grpSpPr>
-        <a:xfrm>
-          <a:off x="0" y="0"/>
-          <a:ext cx="0" cy="0"/>
-          <a:chOff x="0" y="0"/>
-          <a:chExt cx="0" cy="0"/>
-        </a:xfrm>
-      </p:grpSpPr>
+      <p:grpSpPr/>
       <p:sp>
         <p:nvSpPr>
           <p:cNvPr id="2" name="标题 1"/>
-          <p:cNvSpPr>
-            <a:spLocks noGrp="1"/>
-          </p:cNvSpPr>
+          <p:cNvSpPr/>
           <p:nvPr>
             <p:ph type="title"/>
           </p:nvPr>
@@ -8736,7 +8860,6 @@
         <p:spPr/>
         <p:txBody>
           <a:bodyPr/>
-          <a:lstStyle/>
           <a:p>
             <a:r>
               <a:rPr lang="en-US" altLang="zh-CN">
@@ -8745,15 +8868,17 @@
               </a:rPr>
               <a:t>Evaluation Plan</a:t>
             </a:r>
+            <a:endParaRPr lang="en-US" altLang="zh-CN">
+              <a:latin typeface="Calibri" panose="020F0502020204030204" charset="0"/>
+              <a:cs typeface="Calibri" panose="020F0502020204030204" charset="0"/>
+            </a:endParaRPr>
           </a:p>
         </p:txBody>
       </p:sp>
       <p:sp>
         <p:nvSpPr>
           <p:cNvPr id="3" name="文本占位符 2"/>
-          <p:cNvSpPr>
-            <a:spLocks noGrp="1"/>
-          </p:cNvSpPr>
+          <p:cNvSpPr/>
           <p:nvPr>
             <p:ph type="body" idx="1"/>
           </p:nvPr>
@@ -8761,63 +8886,78 @@
         <p:spPr/>
         <p:txBody>
           <a:bodyPr/>
-          <a:lstStyle/>
           <a:p>
             <a:r>
               <a:rPr lang="en-US" altLang="zh-CN">
-                <a:latin typeface="Consolas" panose="020B0609020204030204" charset="0"/>
-                <a:cs typeface="Consolas" panose="020B0609020204030204" charset="0"/>
+                <a:latin typeface="Calibri" panose="020F0502020204030204" charset="0"/>
+                <a:cs typeface="Calibri" panose="020F0502020204030204" charset="0"/>
               </a:rPr>
               <a:t>Similar to the evaluation plan of libmpk</a:t>
             </a:r>
+            <a:endParaRPr lang="en-US" altLang="zh-CN">
+              <a:latin typeface="Calibri" panose="020F0502020204030204" charset="0"/>
+              <a:cs typeface="Calibri" panose="020F0502020204030204" charset="0"/>
+            </a:endParaRPr>
           </a:p>
           <a:p>
             <a:r>
               <a:rPr lang="en-US" altLang="zh-CN">
-                <a:latin typeface="Consolas" panose="020B0609020204030204" charset="0"/>
-                <a:cs typeface="Consolas" panose="020B0609020204030204" charset="0"/>
+                <a:latin typeface="Calibri" panose="020F0502020204030204" charset="0"/>
+                <a:cs typeface="Calibri" panose="020F0502020204030204" charset="0"/>
               </a:rPr>
               <a:t>Several aspects:</a:t>
             </a:r>
             <a:endParaRPr lang="zh-CN" altLang="en-US">
-              <a:latin typeface="Consolas" panose="020B0609020204030204" charset="0"/>
-              <a:cs typeface="Consolas" panose="020B0609020204030204" charset="0"/>
+              <a:latin typeface="Calibri" panose="020F0502020204030204" charset="0"/>
+              <a:cs typeface="Calibri" panose="020F0502020204030204" charset="0"/>
             </a:endParaRPr>
           </a:p>
           <a:p>
             <a:pPr lvl="1"/>
             <a:r>
               <a:rPr lang="zh-CN" altLang="en-US">
-                <a:latin typeface="Consolas" panose="020B0609020204030204" charset="0"/>
-                <a:cs typeface="Consolas" panose="020B0609020204030204" charset="0"/>
+                <a:latin typeface="Calibri" panose="020F0502020204030204" charset="0"/>
+                <a:cs typeface="Calibri" panose="020F0502020204030204" charset="0"/>
               </a:rPr>
               <a:t>Security Evaluation</a:t>
             </a:r>
+            <a:endParaRPr lang="zh-CN" altLang="en-US">
+              <a:latin typeface="Calibri" panose="020F0502020204030204" charset="0"/>
+              <a:cs typeface="Calibri" panose="020F0502020204030204" charset="0"/>
+            </a:endParaRPr>
           </a:p>
           <a:p>
             <a:pPr lvl="1"/>
             <a:r>
               <a:rPr lang="zh-CN" altLang="en-US">
-                <a:latin typeface="Consolas" panose="020B0609020204030204" charset="0"/>
-                <a:cs typeface="Consolas" panose="020B0609020204030204" charset="0"/>
+                <a:latin typeface="Calibri" panose="020F0502020204030204" charset="0"/>
+                <a:cs typeface="Calibri" panose="020F0502020204030204" charset="0"/>
               </a:rPr>
               <a:t>Microbenchmark</a:t>
             </a:r>
+            <a:endParaRPr lang="zh-CN" altLang="en-US">
+              <a:latin typeface="Calibri" panose="020F0502020204030204" charset="0"/>
+              <a:cs typeface="Calibri" panose="020F0502020204030204" charset="0"/>
+            </a:endParaRPr>
           </a:p>
           <a:p>
             <a:pPr lvl="1"/>
             <a:r>
               <a:rPr lang="en-US" altLang="zh-CN">
-                <a:latin typeface="Consolas" panose="020B0609020204030204" charset="0"/>
-                <a:cs typeface="Consolas" panose="020B0609020204030204" charset="0"/>
+                <a:latin typeface="Calibri" panose="020F0502020204030204" charset="0"/>
+                <a:cs typeface="Calibri" panose="020F0502020204030204" charset="0"/>
               </a:rPr>
               <a:t>Macrobenchmark</a:t>
             </a:r>
-          </a:p>
-          <a:p>
             <a:endParaRPr lang="en-US" altLang="zh-CN">
-              <a:latin typeface="Consolas" panose="020B0609020204030204" charset="0"/>
-              <a:cs typeface="Consolas" panose="020B0609020204030204" charset="0"/>
+              <a:latin typeface="Calibri" panose="020F0502020204030204" charset="0"/>
+              <a:cs typeface="Calibri" panose="020F0502020204030204" charset="0"/>
+            </a:endParaRPr>
+          </a:p>
+          <a:p>
+            <a:endParaRPr lang="en-US" altLang="zh-CN">
+              <a:latin typeface="Calibri" panose="020F0502020204030204" charset="0"/>
+              <a:cs typeface="Calibri" panose="020F0502020204030204" charset="0"/>
             </a:endParaRPr>
           </a:p>
         </p:txBody>
@@ -8840,20 +8980,11 @@
         <p:cNvGrpSpPr/>
         <p:nvPr/>
       </p:nvGrpSpPr>
-      <p:grpSpPr>
-        <a:xfrm>
-          <a:off x="0" y="0"/>
-          <a:ext cx="0" cy="0"/>
-          <a:chOff x="0" y="0"/>
-          <a:chExt cx="0" cy="0"/>
-        </a:xfrm>
-      </p:grpSpPr>
+      <p:grpSpPr/>
       <p:sp>
         <p:nvSpPr>
           <p:cNvPr id="2" name="标题 1"/>
-          <p:cNvSpPr>
-            <a:spLocks noGrp="1"/>
-          </p:cNvSpPr>
+          <p:cNvSpPr/>
           <p:nvPr>
             <p:ph type="title"/>
           </p:nvPr>
@@ -8861,7 +8992,6 @@
         <p:spPr/>
         <p:txBody>
           <a:bodyPr/>
-          <a:lstStyle/>
           <a:p>
             <a:r>
               <a:rPr lang="en-US" altLang="zh-CN">
@@ -8870,15 +9000,17 @@
               </a:rPr>
               <a:t>Security Evaluation</a:t>
             </a:r>
+            <a:endParaRPr lang="en-US" altLang="zh-CN">
+              <a:latin typeface="Calibri" panose="020F0502020204030204" charset="0"/>
+              <a:cs typeface="Calibri" panose="020F0502020204030204" charset="0"/>
+            </a:endParaRPr>
           </a:p>
         </p:txBody>
       </p:sp>
       <p:sp>
         <p:nvSpPr>
           <p:cNvPr id="3" name="文本占位符 2"/>
-          <p:cNvSpPr>
-            <a:spLocks noGrp="1"/>
-          </p:cNvSpPr>
+          <p:cNvSpPr/>
           <p:nvPr>
             <p:ph type="body" idx="1"/>
           </p:nvPr>
@@ -8886,24 +9018,31 @@
         <p:spPr/>
         <p:txBody>
           <a:bodyPr/>
-          <a:lstStyle/>
           <a:p>
             <a:r>
               <a:rPr lang="en-US" altLang="zh-CN">
-                <a:latin typeface="Consolas" panose="020B0609020204030204" charset="0"/>
-                <a:cs typeface="Consolas" panose="020B0609020204030204" charset="0"/>
+                <a:latin typeface="Calibri" panose="020F0502020204030204" charset="0"/>
+                <a:cs typeface="Calibri" panose="020F0502020204030204" charset="0"/>
               </a:rPr>
               <a:t>PMP: prevent the malicious code from executing privileged instructions</a:t>
             </a:r>
+            <a:endParaRPr lang="en-US" altLang="zh-CN">
+              <a:latin typeface="Calibri" panose="020F0502020204030204" charset="0"/>
+              <a:cs typeface="Calibri" panose="020F0502020204030204" charset="0"/>
+            </a:endParaRPr>
           </a:p>
           <a:p>
             <a:r>
               <a:rPr lang="en-US" altLang="zh-CN">
-                <a:latin typeface="Consolas" panose="020B0609020204030204" charset="0"/>
-                <a:cs typeface="Consolas" panose="020B0609020204030204" charset="0"/>
+                <a:latin typeface="Calibri" panose="020F0502020204030204" charset="0"/>
+                <a:cs typeface="Calibri" panose="020F0502020204030204" charset="0"/>
               </a:rPr>
               <a:t>libpmp should implement the basic function of protecting the memory space</a:t>
             </a:r>
+            <a:endParaRPr lang="en-US" altLang="zh-CN">
+              <a:latin typeface="Calibri" panose="020F0502020204030204" charset="0"/>
+              <a:cs typeface="Calibri" panose="020F0502020204030204" charset="0"/>
+            </a:endParaRPr>
           </a:p>
         </p:txBody>
       </p:sp>
@@ -8914,7 +9053,7 @@
           <p:nvPr/>
         </p:nvPicPr>
         <p:blipFill>
-          <a:blip r:embed="rId2"/>
+          <a:blip r:embed="rId1"/>
           <a:stretch>
             <a:fillRect/>
           </a:stretch>
@@ -8951,20 +9090,11 @@
         <p:cNvGrpSpPr/>
         <p:nvPr/>
       </p:nvGrpSpPr>
-      <p:grpSpPr>
-        <a:xfrm>
-          <a:off x="0" y="0"/>
-          <a:ext cx="0" cy="0"/>
-          <a:chOff x="0" y="0"/>
-          <a:chExt cx="0" cy="0"/>
-        </a:xfrm>
-      </p:grpSpPr>
+      <p:grpSpPr/>
       <p:sp>
         <p:nvSpPr>
           <p:cNvPr id="2" name="标题 1"/>
-          <p:cNvSpPr>
-            <a:spLocks noGrp="1"/>
-          </p:cNvSpPr>
+          <p:cNvSpPr/>
           <p:nvPr>
             <p:ph type="title"/>
           </p:nvPr>
@@ -8972,7 +9102,6 @@
         <p:spPr/>
         <p:txBody>
           <a:bodyPr/>
-          <a:lstStyle/>
           <a:p>
             <a:r>
               <a:rPr lang="en-US" altLang="zh-CN">
@@ -8981,15 +9110,17 @@
               </a:rPr>
               <a:t>Microbenchmark</a:t>
             </a:r>
+            <a:endParaRPr lang="en-US" altLang="zh-CN">
+              <a:latin typeface="Calibri" panose="020F0502020204030204" charset="0"/>
+              <a:cs typeface="Calibri" panose="020F0502020204030204" charset="0"/>
+            </a:endParaRPr>
           </a:p>
         </p:txBody>
       </p:sp>
       <p:sp>
         <p:nvSpPr>
           <p:cNvPr id="3" name="文本占位符 2"/>
-          <p:cNvSpPr>
-            <a:spLocks noGrp="1"/>
-          </p:cNvSpPr>
+          <p:cNvSpPr/>
           <p:nvPr>
             <p:ph type="body" idx="1"/>
           </p:nvPr>
@@ -8997,73 +9128,100 @@
         <p:spPr/>
         <p:txBody>
           <a:bodyPr/>
-          <a:lstStyle/>
           <a:p>
             <a:r>
               <a:rPr lang="en-US" altLang="zh-CN">
-                <a:latin typeface="Consolas" panose="020B0609020204030204" charset="0"/>
-                <a:cs typeface="Consolas" panose="020B0609020204030204" charset="0"/>
+                <a:latin typeface="Calibri" panose="020F0502020204030204" charset="0"/>
+                <a:cs typeface="Calibri" panose="020F0502020204030204" charset="0"/>
               </a:rPr>
               <a:t>Cache performance</a:t>
             </a:r>
+            <a:endParaRPr lang="en-US" altLang="zh-CN">
+              <a:latin typeface="Calibri" panose="020F0502020204030204" charset="0"/>
+              <a:cs typeface="Calibri" panose="020F0502020204030204" charset="0"/>
+            </a:endParaRPr>
           </a:p>
           <a:p>
             <a:pPr lvl="1"/>
             <a:r>
               <a:rPr lang="en-US" altLang="zh-CN">
-                <a:latin typeface="Consolas" panose="020B0609020204030204" charset="0"/>
-                <a:cs typeface="Consolas" panose="020B0609020204030204" charset="0"/>
+                <a:latin typeface="Calibri" panose="020F0502020204030204" charset="0"/>
+                <a:cs typeface="Calibri" panose="020F0502020204030204" charset="0"/>
               </a:rPr>
               <a:t>Determined by cache hit/eviction rate</a:t>
             </a:r>
+            <a:endParaRPr lang="en-US" altLang="zh-CN">
+              <a:latin typeface="Calibri" panose="020F0502020204030204" charset="0"/>
+              <a:cs typeface="Calibri" panose="020F0502020204030204" charset="0"/>
+            </a:endParaRPr>
           </a:p>
           <a:p>
             <a:r>
               <a:rPr lang="en-US" altLang="zh-CN">
-                <a:latin typeface="Consolas" panose="020B0609020204030204" charset="0"/>
-                <a:cs typeface="Consolas" panose="020B0609020204030204" charset="0"/>
+                <a:latin typeface="Calibri" panose="020F0502020204030204" charset="0"/>
+                <a:cs typeface="Calibri" panose="020F0502020204030204" charset="0"/>
               </a:rPr>
               <a:t>Memory overhead</a:t>
             </a:r>
+            <a:endParaRPr lang="en-US" altLang="zh-CN">
+              <a:latin typeface="Calibri" panose="020F0502020204030204" charset="0"/>
+              <a:cs typeface="Calibri" panose="020F0502020204030204" charset="0"/>
+            </a:endParaRPr>
           </a:p>
           <a:p>
             <a:pPr lvl="1"/>
             <a:r>
               <a:rPr lang="en-US" altLang="zh-CN">
-                <a:latin typeface="Consolas" panose="020B0609020204030204" charset="0"/>
-                <a:cs typeface="Consolas" panose="020B0609020204030204" charset="0"/>
+                <a:latin typeface="Calibri" panose="020F0502020204030204" charset="0"/>
+                <a:cs typeface="Calibri" panose="020F0502020204030204" charset="0"/>
               </a:rPr>
               <a:t>Decided by memory space and internal data structure</a:t>
             </a:r>
+            <a:endParaRPr lang="en-US" altLang="zh-CN">
+              <a:latin typeface="Calibri" panose="020F0502020204030204" charset="0"/>
+              <a:cs typeface="Calibri" panose="020F0502020204030204" charset="0"/>
+            </a:endParaRPr>
           </a:p>
           <a:p>
             <a:r>
               <a:rPr lang="en-US" altLang="zh-CN">
-                <a:latin typeface="Consolas" panose="020B0609020204030204" charset="0"/>
-                <a:cs typeface="Consolas" panose="020B0609020204030204" charset="0"/>
+                <a:latin typeface="Calibri" panose="020F0502020204030204" charset="0"/>
+                <a:cs typeface="Calibri" panose="020F0502020204030204" charset="0"/>
               </a:rPr>
               <a:t>Synchronization</a:t>
             </a:r>
+            <a:endParaRPr lang="en-US" altLang="zh-CN">
+              <a:latin typeface="Calibri" panose="020F0502020204030204" charset="0"/>
+              <a:cs typeface="Calibri" panose="020F0502020204030204" charset="0"/>
+            </a:endParaRPr>
           </a:p>
           <a:p>
             <a:pPr lvl="1"/>
             <a:r>
               <a:rPr lang="en-US" altLang="zh-CN">
-                <a:latin typeface="Consolas" panose="020B0609020204030204" charset="0"/>
-                <a:cs typeface="Consolas" panose="020B0609020204030204" charset="0"/>
+                <a:latin typeface="Calibri" panose="020F0502020204030204" charset="0"/>
+                <a:cs typeface="Calibri" panose="020F0502020204030204" charset="0"/>
               </a:rPr>
               <a:t>Affected by context switch</a:t>
             </a:r>
+            <a:endParaRPr lang="en-US" altLang="zh-CN">
+              <a:latin typeface="Calibri" panose="020F0502020204030204" charset="0"/>
+              <a:cs typeface="Calibri" panose="020F0502020204030204" charset="0"/>
+            </a:endParaRPr>
           </a:p>
           <a:p>
             <a:pPr lvl="1"/>
             <a:r>
               <a:rPr lang="en-US" altLang="zh-CN">
-                <a:latin typeface="Consolas" panose="020B0609020204030204" charset="0"/>
-                <a:cs typeface="Consolas" panose="020B0609020204030204" charset="0"/>
+                <a:latin typeface="Calibri" panose="020F0502020204030204" charset="0"/>
+                <a:cs typeface="Calibri" panose="020F0502020204030204" charset="0"/>
               </a:rPr>
               <a:t>Compared with original PMP implementation </a:t>
             </a:r>
+            <a:endParaRPr lang="en-US" altLang="zh-CN">
+              <a:latin typeface="Calibri" panose="020F0502020204030204" charset="0"/>
+              <a:cs typeface="Calibri" panose="020F0502020204030204" charset="0"/>
+            </a:endParaRPr>
           </a:p>
         </p:txBody>
       </p:sp>
@@ -9080,14 +9238,14 @@
           </p:nvPr>
         </p:nvPicPr>
         <p:blipFill>
-          <a:blip r:embed="rId3"/>
+          <a:blip r:embed="rId2"/>
           <a:stretch>
             <a:fillRect/>
           </a:stretch>
         </p:blipFill>
         <p:spPr>
           <a:xfrm>
-            <a:off x="5167630" y="1697990"/>
+            <a:off x="4871720" y="1629410"/>
             <a:ext cx="636905" cy="619760"/>
           </a:xfrm>
           <a:prstGeom prst="rect">
@@ -9104,7 +9262,7 @@
           <p:nvPr/>
         </p:nvPicPr>
         <p:blipFill>
-          <a:blip r:embed="rId4"/>
+          <a:blip r:embed="rId3"/>
           <a:stretch>
             <a:fillRect/>
           </a:stretch>
@@ -9128,7 +9286,7 @@
           <p:nvPr/>
         </p:nvPicPr>
         <p:blipFill>
-          <a:blip r:embed="rId5"/>
+          <a:blip r:embed="rId4"/>
           <a:stretch>
             <a:fillRect/>
           </a:stretch>
@@ -9161,44 +9319,111 @@
         <p:cNvGrpSpPr/>
         <p:nvPr/>
       </p:nvGrpSpPr>
-      <p:grpSpPr>
-        <a:xfrm>
-          <a:off x="0" y="0"/>
-          <a:ext cx="0" cy="0"/>
-          <a:chOff x="0" y="0"/>
-          <a:chExt cx="0" cy="0"/>
-        </a:xfrm>
-      </p:grpSpPr>
-      <p:sp>
-        <p:nvSpPr>
-          <p:cNvPr id="259" name="标题 1"/>
-          <p:cNvSpPr txBox="1">
-            <a:spLocks noGrp="1"/>
-          </p:cNvSpPr>
+      <p:grpSpPr/>
+      <p:sp>
+        <p:nvSpPr>
+          <p:cNvPr id="2" name="标题 1"/>
+          <p:cNvSpPr/>
           <p:nvPr>
             <p:ph type="title"/>
           </p:nvPr>
         </p:nvSpPr>
-        <p:spPr>
-          <a:xfrm>
-            <a:off x="2871948" y="2674646"/>
-            <a:ext cx="11116272" cy="1325567"/>
-          </a:xfrm>
-          <a:prstGeom prst="rect">
-            <a:avLst/>
-          </a:prstGeom>
-        </p:spPr>
+        <p:spPr/>
         <p:txBody>
           <a:bodyPr/>
-          <a:lstStyle>
-            <a:lvl1pPr>
-              <a:defRPr sz="5300" b="1"/>
-            </a:lvl1pPr>
-          </a:lstStyle>
-          <a:p>
-            <a:r>
-              <a:t>Future Research Plan</a:t>
-            </a:r>
+          <a:p>
+            <a:r>
+              <a:rPr lang="en-US" altLang="zh-CN">
+                <a:latin typeface="Calibri" panose="020F0502020204030204" charset="0"/>
+                <a:cs typeface="Calibri" panose="020F0502020204030204" charset="0"/>
+              </a:rPr>
+              <a:t>Macrobenchmark</a:t>
+            </a:r>
+            <a:endParaRPr lang="en-US" altLang="zh-CN">
+              <a:latin typeface="Calibri" panose="020F0502020204030204" charset="0"/>
+              <a:cs typeface="Calibri" panose="020F0502020204030204" charset="0"/>
+            </a:endParaRPr>
+          </a:p>
+        </p:txBody>
+      </p:sp>
+      <p:sp>
+        <p:nvSpPr>
+          <p:cNvPr id="3" name="文本占位符 2"/>
+          <p:cNvSpPr/>
+          <p:nvPr>
+            <p:ph type="body" idx="1"/>
+          </p:nvPr>
+        </p:nvSpPr>
+        <p:spPr/>
+        <p:txBody>
+          <a:bodyPr/>
+          <a:p>
+            <a:r>
+              <a:rPr lang="en-US" altLang="zh-CN">
+                <a:latin typeface="Calibri" panose="020F0502020204030204" charset="0"/>
+                <a:cs typeface="Calibri" panose="020F0502020204030204" charset="0"/>
+              </a:rPr>
+              <a:t>Measure performance in several applications like libmpk</a:t>
+            </a:r>
+            <a:endParaRPr lang="en-US" altLang="zh-CN">
+              <a:latin typeface="Calibri" panose="020F0502020204030204" charset="0"/>
+              <a:cs typeface="Calibri" panose="020F0502020204030204" charset="0"/>
+            </a:endParaRPr>
+          </a:p>
+          <a:p>
+            <a:r>
+              <a:rPr lang="en-US" altLang="zh-CN">
+                <a:latin typeface="Calibri" panose="020F0502020204030204" charset="0"/>
+                <a:cs typeface="Calibri" panose="020F0502020204030204" charset="0"/>
+              </a:rPr>
+              <a:t>libmpk application benchmarks:</a:t>
+            </a:r>
+            <a:endParaRPr lang="en-US" altLang="zh-CN">
+              <a:latin typeface="Calibri" panose="020F0502020204030204" charset="0"/>
+              <a:cs typeface="Calibri" panose="020F0502020204030204" charset="0"/>
+            </a:endParaRPr>
+          </a:p>
+          <a:p>
+            <a:pPr lvl="1"/>
+            <a:r>
+              <a:rPr lang="en-US" altLang="zh-CN">
+                <a:latin typeface="Calibri" panose="020F0502020204030204" charset="0"/>
+                <a:cs typeface="Calibri" panose="020F0502020204030204" charset="0"/>
+              </a:rPr>
+              <a:t>OpenSSL</a:t>
+            </a:r>
+            <a:endParaRPr lang="en-US" altLang="zh-CN">
+              <a:latin typeface="Calibri" panose="020F0502020204030204" charset="0"/>
+              <a:cs typeface="Calibri" panose="020F0502020204030204" charset="0"/>
+            </a:endParaRPr>
+          </a:p>
+          <a:p>
+            <a:pPr lvl="1"/>
+            <a:r>
+              <a:rPr lang="en-US" altLang="zh-CN">
+                <a:latin typeface="Calibri" panose="020F0502020204030204" charset="0"/>
+                <a:cs typeface="Calibri" panose="020F0502020204030204" charset="0"/>
+              </a:rPr>
+              <a:t>JavaScript JIT Compilers</a:t>
+            </a:r>
+            <a:endParaRPr lang="en-US" altLang="zh-CN">
+              <a:latin typeface="Calibri" panose="020F0502020204030204" charset="0"/>
+              <a:cs typeface="Calibri" panose="020F0502020204030204" charset="0"/>
+            </a:endParaRPr>
+          </a:p>
+          <a:p>
+            <a:pPr lvl="1"/>
+            <a:r>
+              <a:rPr lang="en-US" altLang="zh-CN">
+                <a:latin typeface="Calibri" panose="020F0502020204030204" charset="0"/>
+                <a:cs typeface="Calibri" panose="020F0502020204030204" charset="0"/>
+              </a:rPr>
+              <a:t>In-Memory Key-Value Store</a:t>
+            </a:r>
+            <a:endParaRPr lang="en-US" altLang="zh-CN">
+              <a:latin typeface="Calibri" panose="020F0502020204030204" charset="0"/>
+              <a:cs typeface="Calibri" panose="020F0502020204030204" charset="0"/>
+            </a:endParaRPr>
           </a:p>
         </p:txBody>
       </p:sp>
@@ -9230,18 +9455,16 @@
       </p:grpSpPr>
       <p:sp>
         <p:nvSpPr>
-          <p:cNvPr id="263" name="标题 1"/>
-          <p:cNvSpPr txBox="1">
-            <a:spLocks noGrp="1"/>
-          </p:cNvSpPr>
+          <p:cNvPr id="259" name="标题 1"/>
+          <p:cNvSpPr txBox="1"/>
           <p:nvPr>
             <p:ph type="title"/>
           </p:nvPr>
         </p:nvSpPr>
         <p:spPr>
           <a:xfrm>
-            <a:off x="838200" y="217804"/>
-            <a:ext cx="10515600" cy="1325564"/>
+            <a:off x="2871948" y="2674646"/>
+            <a:ext cx="11116272" cy="1325567"/>
           </a:xfrm>
           <a:prstGeom prst="rect">
             <a:avLst/>
@@ -9249,150 +9472,14 @@
         </p:spPr>
         <p:txBody>
           <a:bodyPr/>
-          <a:lstStyle/>
+          <a:lstStyle>
+            <a:lvl1pPr>
+              <a:defRPr sz="5300" b="1"/>
+            </a:lvl1pPr>
+          </a:lstStyle>
           <a:p>
             <a:r>
               <a:t>Future Research Plan</a:t>
-            </a:r>
-          </a:p>
-        </p:txBody>
-      </p:sp>
-      <p:sp>
-        <p:nvSpPr>
-          <p:cNvPr id="264" name="内容占位符 2"/>
-          <p:cNvSpPr txBox="1">
-            <a:spLocks noGrp="1"/>
-          </p:cNvSpPr>
-          <p:nvPr>
-            <p:ph type="body" idx="1"/>
-          </p:nvPr>
-        </p:nvSpPr>
-        <p:spPr>
-          <a:xfrm>
-            <a:off x="838200" y="1253331"/>
-            <a:ext cx="10515600" cy="4351338"/>
-          </a:xfrm>
-          <a:prstGeom prst="rect">
-            <a:avLst/>
-          </a:prstGeom>
-        </p:spPr>
-        <p:txBody>
-          <a:bodyPr/>
-          <a:lstStyle/>
-          <a:p>
-            <a:pPr marL="342900" indent="-342900">
-              <a:defRPr sz="2400">
-                <a:latin typeface="DejaVu Sans Mono Nerd Font Complete"/>
-                <a:ea typeface="DejaVu Sans Mono Nerd Font Complete"/>
-                <a:cs typeface="DejaVu Sans Mono Nerd Font Complete"/>
-                <a:sym typeface="DejaVu Sans Mono Nerd Font Complete"/>
-              </a:defRPr>
-            </a:pPr>
-            <a:endParaRPr/>
-          </a:p>
-          <a:p>
-            <a:pPr marL="342900" indent="-342900">
-              <a:defRPr sz="2400">
-                <a:latin typeface="DejaVu Sans Mono Nerd Font Complete"/>
-                <a:ea typeface="DejaVu Sans Mono Nerd Font Complete"/>
-                <a:cs typeface="DejaVu Sans Mono Nerd Font Complete"/>
-                <a:sym typeface="DejaVu Sans Mono Nerd Font Complete"/>
-              </a:defRPr>
-            </a:pPr>
-            <a:endParaRPr>
-              <a:latin typeface="Consolas" panose="020B0609020204030204"/>
-              <a:ea typeface="Consolas" panose="020B0609020204030204"/>
-              <a:cs typeface="Consolas" panose="020B0609020204030204"/>
-              <a:sym typeface="Consolas" panose="020B0609020204030204"/>
-            </a:endParaRPr>
-          </a:p>
-          <a:p>
-            <a:pPr marL="342900" indent="-342900">
-              <a:defRPr sz="2400">
-                <a:latin typeface="DejaVu Sans Mono Nerd Font Complete"/>
-                <a:ea typeface="DejaVu Sans Mono Nerd Font Complete"/>
-                <a:cs typeface="DejaVu Sans Mono Nerd Font Complete"/>
-                <a:sym typeface="DejaVu Sans Mono Nerd Font Complete"/>
-              </a:defRPr>
-            </a:pPr>
-            <a:r>
-              <a:rPr>
-                <a:latin typeface="Consolas" panose="020B0609020204030204"/>
-                <a:ea typeface="Consolas" panose="020B0609020204030204"/>
-                <a:cs typeface="Consolas" panose="020B0609020204030204"/>
-                <a:sym typeface="Consolas" panose="020B0609020204030204"/>
-              </a:rPr>
-              <a:t>Make a survey on RISC-V TEE: Keystone/Penglai</a:t>
-            </a:r>
-          </a:p>
-          <a:p>
-            <a:pPr marL="342900" indent="-342900">
-              <a:defRPr sz="2400">
-                <a:latin typeface="DejaVu Sans Mono Nerd Font Complete"/>
-                <a:ea typeface="DejaVu Sans Mono Nerd Font Complete"/>
-                <a:cs typeface="DejaVu Sans Mono Nerd Font Complete"/>
-                <a:sym typeface="DejaVu Sans Mono Nerd Font Complete"/>
-              </a:defRPr>
-            </a:pPr>
-            <a:endParaRPr>
-              <a:latin typeface="Consolas" panose="020B0609020204030204"/>
-              <a:ea typeface="Consolas" panose="020B0609020204030204"/>
-              <a:cs typeface="Consolas" panose="020B0609020204030204"/>
-              <a:sym typeface="Consolas" panose="020B0609020204030204"/>
-            </a:endParaRPr>
-          </a:p>
-          <a:p>
-            <a:pPr marL="342900" indent="-342900">
-              <a:defRPr sz="2400">
-                <a:latin typeface="DejaVu Sans Mono Nerd Font Complete"/>
-                <a:ea typeface="DejaVu Sans Mono Nerd Font Complete"/>
-                <a:cs typeface="DejaVu Sans Mono Nerd Font Complete"/>
-                <a:sym typeface="DejaVu Sans Mono Nerd Font Complete"/>
-              </a:defRPr>
-            </a:pPr>
-            <a:r>
-              <a:rPr>
-                <a:latin typeface="Consolas" panose="020B0609020204030204"/>
-                <a:ea typeface="Consolas" panose="020B0609020204030204"/>
-                <a:cs typeface="Consolas" panose="020B0609020204030204"/>
-                <a:sym typeface="Consolas" panose="020B0609020204030204"/>
-              </a:rPr>
-              <a:t>Explore the hardware extensions to support Unlimited PMP Entries</a:t>
-            </a:r>
-          </a:p>
-          <a:p>
-            <a:pPr marL="342900" indent="-342900">
-              <a:defRPr sz="2400">
-                <a:latin typeface="DejaVu Sans Mono Nerd Font Complete"/>
-                <a:ea typeface="DejaVu Sans Mono Nerd Font Complete"/>
-                <a:cs typeface="DejaVu Sans Mono Nerd Font Complete"/>
-                <a:sym typeface="DejaVu Sans Mono Nerd Font Complete"/>
-              </a:defRPr>
-            </a:pPr>
-            <a:endParaRPr>
-              <a:latin typeface="Consolas" panose="020B0609020204030204"/>
-              <a:ea typeface="Consolas" panose="020B0609020204030204"/>
-              <a:cs typeface="Consolas" panose="020B0609020204030204"/>
-              <a:sym typeface="Consolas" panose="020B0609020204030204"/>
-            </a:endParaRPr>
-          </a:p>
-          <a:p>
-            <a:pPr marL="342900" indent="-342900">
-              <a:defRPr sz="2400">
-                <a:latin typeface="DejaVu Sans Mono Nerd Font Complete"/>
-                <a:ea typeface="DejaVu Sans Mono Nerd Font Complete"/>
-                <a:cs typeface="DejaVu Sans Mono Nerd Font Complete"/>
-                <a:sym typeface="DejaVu Sans Mono Nerd Font Complete"/>
-              </a:defRPr>
-            </a:pPr>
-            <a:r>
-              <a:rPr>
-                <a:latin typeface="Consolas" panose="020B0609020204030204"/>
-                <a:ea typeface="Consolas" panose="020B0609020204030204"/>
-                <a:cs typeface="Consolas" panose="020B0609020204030204"/>
-                <a:sym typeface="Consolas" panose="020B0609020204030204"/>
-              </a:rPr>
-              <a:t>Investigate other virtualization techniques.</a:t>
             </a:r>
           </a:p>
         </p:txBody>
@@ -9425,18 +9512,16 @@
       </p:grpSpPr>
       <p:sp>
         <p:nvSpPr>
-          <p:cNvPr id="268" name="标题 1"/>
-          <p:cNvSpPr txBox="1">
-            <a:spLocks noGrp="1"/>
-          </p:cNvSpPr>
+          <p:cNvPr id="263" name="标题 1"/>
+          <p:cNvSpPr txBox="1"/>
           <p:nvPr>
             <p:ph type="title"/>
           </p:nvPr>
         </p:nvSpPr>
         <p:spPr>
           <a:xfrm>
-            <a:off x="2165545" y="2648483"/>
-            <a:ext cx="11116272" cy="1325567"/>
+            <a:off x="838200" y="217804"/>
+            <a:ext cx="10515600" cy="1325564"/>
           </a:xfrm>
           <a:prstGeom prst="rect">
             <a:avLst/>
@@ -9444,15 +9529,170 @@
         </p:spPr>
         <p:txBody>
           <a:bodyPr/>
-          <a:lstStyle>
-            <a:lvl1pPr>
-              <a:defRPr sz="5300" b="1"/>
-            </a:lvl1pPr>
-          </a:lstStyle>
-          <a:p>
-            <a:r>
-              <a:t>Current work and difficulty</a:t>
-            </a:r>
+          <a:lstStyle/>
+          <a:p>
+            <a:r>
+              <a:t>Future Research Plan</a:t>
+            </a:r>
+          </a:p>
+        </p:txBody>
+      </p:sp>
+      <p:sp>
+        <p:nvSpPr>
+          <p:cNvPr id="264" name="内容占位符 2"/>
+          <p:cNvSpPr txBox="1"/>
+          <p:nvPr>
+            <p:ph type="body" idx="1"/>
+          </p:nvPr>
+        </p:nvSpPr>
+        <p:spPr>
+          <a:xfrm>
+            <a:off x="838200" y="1253331"/>
+            <a:ext cx="10515600" cy="4351338"/>
+          </a:xfrm>
+          <a:prstGeom prst="rect">
+            <a:avLst/>
+          </a:prstGeom>
+        </p:spPr>
+        <p:txBody>
+          <a:bodyPr/>
+          <a:lstStyle/>
+          <a:p>
+            <a:pPr marL="342900" indent="-342900">
+              <a:defRPr sz="2400">
+                <a:latin typeface="DejaVu Sans Mono Nerd Font Complete"/>
+                <a:ea typeface="DejaVu Sans Mono Nerd Font Complete"/>
+                <a:cs typeface="DejaVu Sans Mono Nerd Font Complete"/>
+                <a:sym typeface="DejaVu Sans Mono Nerd Font Complete"/>
+              </a:defRPr>
+            </a:pPr>
+            <a:endParaRPr>
+              <a:latin typeface="Calibri" panose="020F0502020204030204" charset="0"/>
+              <a:cs typeface="Calibri" panose="020F0502020204030204" charset="0"/>
+            </a:endParaRPr>
+          </a:p>
+          <a:p>
+            <a:pPr marL="342900" indent="-342900">
+              <a:defRPr sz="2400">
+                <a:latin typeface="DejaVu Sans Mono Nerd Font Complete"/>
+                <a:ea typeface="DejaVu Sans Mono Nerd Font Complete"/>
+                <a:cs typeface="DejaVu Sans Mono Nerd Font Complete"/>
+                <a:sym typeface="DejaVu Sans Mono Nerd Font Complete"/>
+              </a:defRPr>
+            </a:pPr>
+            <a:endParaRPr>
+              <a:latin typeface="Calibri" panose="020F0502020204030204" charset="0"/>
+              <a:ea typeface="Consolas" panose="020B0609020204030204"/>
+              <a:cs typeface="Calibri" panose="020F0502020204030204" charset="0"/>
+              <a:sym typeface="Consolas" panose="020B0609020204030204"/>
+            </a:endParaRPr>
+          </a:p>
+          <a:p>
+            <a:pPr marL="342900" indent="-342900">
+              <a:defRPr sz="2400">
+                <a:latin typeface="DejaVu Sans Mono Nerd Font Complete"/>
+                <a:ea typeface="DejaVu Sans Mono Nerd Font Complete"/>
+                <a:cs typeface="DejaVu Sans Mono Nerd Font Complete"/>
+                <a:sym typeface="DejaVu Sans Mono Nerd Font Complete"/>
+              </a:defRPr>
+            </a:pPr>
+            <a:r>
+              <a:rPr>
+                <a:latin typeface="Calibri" panose="020F0502020204030204" charset="0"/>
+                <a:ea typeface="Consolas" panose="020B0609020204030204"/>
+                <a:cs typeface="Calibri" panose="020F0502020204030204" charset="0"/>
+                <a:sym typeface="Consolas" panose="020B0609020204030204"/>
+              </a:rPr>
+              <a:t>Make a survey on RISC-V TEE: Keystone/Penglai</a:t>
+            </a:r>
+            <a:endParaRPr>
+              <a:latin typeface="Calibri" panose="020F0502020204030204" charset="0"/>
+              <a:ea typeface="Consolas" panose="020B0609020204030204"/>
+              <a:cs typeface="Calibri" panose="020F0502020204030204" charset="0"/>
+              <a:sym typeface="Consolas" panose="020B0609020204030204"/>
+            </a:endParaRPr>
+          </a:p>
+          <a:p>
+            <a:pPr marL="342900" indent="-342900">
+              <a:defRPr sz="2400">
+                <a:latin typeface="DejaVu Sans Mono Nerd Font Complete"/>
+                <a:ea typeface="DejaVu Sans Mono Nerd Font Complete"/>
+                <a:cs typeface="DejaVu Sans Mono Nerd Font Complete"/>
+                <a:sym typeface="DejaVu Sans Mono Nerd Font Complete"/>
+              </a:defRPr>
+            </a:pPr>
+            <a:endParaRPr>
+              <a:latin typeface="Calibri" panose="020F0502020204030204" charset="0"/>
+              <a:ea typeface="Consolas" panose="020B0609020204030204"/>
+              <a:cs typeface="Calibri" panose="020F0502020204030204" charset="0"/>
+              <a:sym typeface="Consolas" panose="020B0609020204030204"/>
+            </a:endParaRPr>
+          </a:p>
+          <a:p>
+            <a:pPr marL="342900" indent="-342900">
+              <a:defRPr sz="2400">
+                <a:latin typeface="DejaVu Sans Mono Nerd Font Complete"/>
+                <a:ea typeface="DejaVu Sans Mono Nerd Font Complete"/>
+                <a:cs typeface="DejaVu Sans Mono Nerd Font Complete"/>
+                <a:sym typeface="DejaVu Sans Mono Nerd Font Complete"/>
+              </a:defRPr>
+            </a:pPr>
+            <a:r>
+              <a:rPr>
+                <a:latin typeface="Calibri" panose="020F0502020204030204" charset="0"/>
+                <a:ea typeface="Consolas" panose="020B0609020204030204"/>
+                <a:cs typeface="Calibri" panose="020F0502020204030204" charset="0"/>
+                <a:sym typeface="Consolas" panose="020B0609020204030204"/>
+              </a:rPr>
+              <a:t>Explore the hardware extensions to support Unlimited PMP Entries</a:t>
+            </a:r>
+            <a:endParaRPr>
+              <a:latin typeface="Calibri" panose="020F0502020204030204" charset="0"/>
+              <a:ea typeface="Consolas" panose="020B0609020204030204"/>
+              <a:cs typeface="Calibri" panose="020F0502020204030204" charset="0"/>
+              <a:sym typeface="Consolas" panose="020B0609020204030204"/>
+            </a:endParaRPr>
+          </a:p>
+          <a:p>
+            <a:pPr marL="342900" indent="-342900">
+              <a:defRPr sz="2400">
+                <a:latin typeface="DejaVu Sans Mono Nerd Font Complete"/>
+                <a:ea typeface="DejaVu Sans Mono Nerd Font Complete"/>
+                <a:cs typeface="DejaVu Sans Mono Nerd Font Complete"/>
+                <a:sym typeface="DejaVu Sans Mono Nerd Font Complete"/>
+              </a:defRPr>
+            </a:pPr>
+            <a:endParaRPr>
+              <a:latin typeface="Calibri" panose="020F0502020204030204" charset="0"/>
+              <a:ea typeface="Consolas" panose="020B0609020204030204"/>
+              <a:cs typeface="Calibri" panose="020F0502020204030204" charset="0"/>
+              <a:sym typeface="Consolas" panose="020B0609020204030204"/>
+            </a:endParaRPr>
+          </a:p>
+          <a:p>
+            <a:pPr marL="342900" indent="-342900">
+              <a:defRPr sz="2400">
+                <a:latin typeface="DejaVu Sans Mono Nerd Font Complete"/>
+                <a:ea typeface="DejaVu Sans Mono Nerd Font Complete"/>
+                <a:cs typeface="DejaVu Sans Mono Nerd Font Complete"/>
+                <a:sym typeface="DejaVu Sans Mono Nerd Font Complete"/>
+              </a:defRPr>
+            </a:pPr>
+            <a:r>
+              <a:rPr>
+                <a:latin typeface="Calibri" panose="020F0502020204030204" charset="0"/>
+                <a:ea typeface="Consolas" panose="020B0609020204030204"/>
+                <a:cs typeface="Calibri" panose="020F0502020204030204" charset="0"/>
+                <a:sym typeface="Consolas" panose="020B0609020204030204"/>
+              </a:rPr>
+              <a:t>Investigate other virtualization techniques.</a:t>
+            </a:r>
+            <a:endParaRPr>
+              <a:latin typeface="Calibri" panose="020F0502020204030204" charset="0"/>
+              <a:ea typeface="Consolas" panose="020B0609020204030204"/>
+              <a:cs typeface="Calibri" panose="020F0502020204030204" charset="0"/>
+              <a:sym typeface="Consolas" panose="020B0609020204030204"/>
+            </a:endParaRPr>
           </a:p>
         </p:txBody>
       </p:sp>
@@ -9484,18 +9724,16 @@
       </p:grpSpPr>
       <p:sp>
         <p:nvSpPr>
-          <p:cNvPr id="272" name="标题 1"/>
-          <p:cNvSpPr txBox="1">
-            <a:spLocks noGrp="1"/>
-          </p:cNvSpPr>
+          <p:cNvPr id="268" name="标题 1"/>
+          <p:cNvSpPr txBox="1"/>
           <p:nvPr>
             <p:ph type="title"/>
           </p:nvPr>
         </p:nvSpPr>
         <p:spPr>
           <a:xfrm>
-            <a:off x="838200" y="217804"/>
-            <a:ext cx="10515600" cy="1325564"/>
+            <a:off x="2165545" y="2648483"/>
+            <a:ext cx="11116272" cy="1325567"/>
           </a:xfrm>
           <a:prstGeom prst="rect">
             <a:avLst/>
@@ -9503,113 +9741,32 @@
         </p:spPr>
         <p:txBody>
           <a:bodyPr/>
-          <a:lstStyle/>
-          <a:p>
-            <a:r>
-              <a:t>Current Work</a:t>
-            </a:r>
-          </a:p>
-        </p:txBody>
-      </p:sp>
-      <p:sp>
-        <p:nvSpPr>
-          <p:cNvPr id="273" name="内容占位符 2"/>
-          <p:cNvSpPr txBox="1">
-            <a:spLocks noGrp="1"/>
-          </p:cNvSpPr>
-          <p:nvPr>
-            <p:ph type="body" idx="1"/>
-          </p:nvPr>
-        </p:nvSpPr>
-        <p:spPr>
-          <a:xfrm>
-            <a:off x="838200" y="751231"/>
-            <a:ext cx="10515600" cy="4351339"/>
-          </a:xfrm>
-          <a:prstGeom prst="rect">
-            <a:avLst/>
-          </a:prstGeom>
-        </p:spPr>
-        <p:txBody>
-          <a:bodyPr/>
-          <a:lstStyle/>
-          <a:p>
-            <a:pPr marL="342900" indent="-342900">
-              <a:defRPr sz="2400">
-                <a:latin typeface="DejaVu Sans Mono Nerd Font Complete"/>
-                <a:ea typeface="DejaVu Sans Mono Nerd Font Complete"/>
-                <a:cs typeface="DejaVu Sans Mono Nerd Font Complete"/>
-                <a:sym typeface="DejaVu Sans Mono Nerd Font Complete"/>
-              </a:defRPr>
-            </a:pPr>
-            <a:endParaRPr/>
-          </a:p>
-          <a:p>
-            <a:pPr marL="342900" indent="-342900">
-              <a:defRPr sz="2400">
-                <a:latin typeface="DejaVu Sans Mono Nerd Font Complete"/>
-                <a:ea typeface="DejaVu Sans Mono Nerd Font Complete"/>
-                <a:cs typeface="DejaVu Sans Mono Nerd Font Complete"/>
-                <a:sym typeface="DejaVu Sans Mono Nerd Font Complete"/>
-              </a:defRPr>
-            </a:pPr>
-            <a:endParaRPr>
-              <a:latin typeface="Consolas" panose="020B0609020204030204"/>
-              <a:ea typeface="Consolas" panose="020B0609020204030204"/>
-              <a:cs typeface="Consolas" panose="020B0609020204030204"/>
-              <a:sym typeface="Consolas" panose="020B0609020204030204"/>
-            </a:endParaRPr>
-          </a:p>
-          <a:p>
-            <a:pPr marL="342900" indent="-342900">
-              <a:defRPr sz="2400">
-                <a:latin typeface="DejaVu Sans Mono Nerd Font Complete"/>
-                <a:ea typeface="DejaVu Sans Mono Nerd Font Complete"/>
-                <a:cs typeface="DejaVu Sans Mono Nerd Font Complete"/>
-                <a:sym typeface="DejaVu Sans Mono Nerd Font Complete"/>
-              </a:defRPr>
-            </a:pPr>
-            <a:r>
-              <a:rPr>
-                <a:latin typeface="Consolas" panose="020B0609020204030204"/>
-                <a:ea typeface="Consolas" panose="020B0609020204030204"/>
-                <a:cs typeface="Consolas" panose="020B0609020204030204"/>
-                <a:sym typeface="Consolas" panose="020B0609020204030204"/>
-              </a:rPr>
-              <a:t>We have prepared a docker image with RV64 architecture.</a:t>
-            </a:r>
-          </a:p>
-        </p:txBody>
-      </p:sp>
-      <p:pic>
-        <p:nvPicPr>
-          <p:cNvPr id="274" name="图像" descr="图像"/>
-          <p:cNvPicPr>
-            <a:picLocks noChangeAspect="1"/>
-          </p:cNvPicPr>
-          <p:nvPr/>
-        </p:nvPicPr>
-        <p:blipFill>
-          <a:blip r:embed="rId3"/>
-          <a:stretch>
-            <a:fillRect/>
-          </a:stretch>
-        </p:blipFill>
-        <p:spPr>
-          <a:xfrm>
-            <a:off x="1313182" y="2230613"/>
-            <a:ext cx="9097108" cy="4020012"/>
-          </a:xfrm>
-          <a:prstGeom prst="rect">
-            <a:avLst/>
-          </a:prstGeom>
-          <a:ln w="12700">
-            <a:miter lim="400000"/>
-            <a:headEnd/>
-            <a:tailEnd/>
-          </a:ln>
-        </p:spPr>
-      </p:pic>
+          <a:lstStyle>
+            <a:lvl1pPr>
+              <a:defRPr sz="5300" b="1"/>
+            </a:lvl1pPr>
+          </a:lstStyle>
+          <a:p>
+            <a:r>
+              <a:t>Current </a:t>
+            </a:r>
+            <a:r>
+              <a:rPr lang="en-US"/>
+              <a:t>W</a:t>
+            </a:r>
+            <a:r>
+              <a:t>ork and </a:t>
+            </a:r>
+            <a:r>
+              <a:rPr lang="en-US"/>
+              <a:t>D</a:t>
+            </a:r>
+            <a:r>
+              <a:t>ifficulty</a:t>
+            </a:r>
+          </a:p>
+        </p:txBody>
+      </p:sp>
     </p:spTree>
   </p:cSld>
   <p:clrMapOvr>
@@ -9638,10 +9795,8 @@
       </p:grpSpPr>
       <p:sp>
         <p:nvSpPr>
-          <p:cNvPr id="278" name="标题 1"/>
-          <p:cNvSpPr txBox="1">
-            <a:spLocks noGrp="1"/>
-          </p:cNvSpPr>
+          <p:cNvPr id="272" name="标题 1"/>
+          <p:cNvSpPr txBox="1"/>
           <p:nvPr>
             <p:ph type="title"/>
           </p:nvPr>
@@ -9660,17 +9815,15 @@
           <a:lstStyle/>
           <a:p>
             <a:r>
-              <a:t>Current Difficulty</a:t>
-            </a:r>
-          </a:p>
-        </p:txBody>
-      </p:sp>
-      <p:sp>
-        <p:nvSpPr>
-          <p:cNvPr id="279" name="内容占位符 2"/>
-          <p:cNvSpPr txBox="1">
-            <a:spLocks noGrp="1"/>
-          </p:cNvSpPr>
+              <a:t>Current Work</a:t>
+            </a:r>
+          </a:p>
+        </p:txBody>
+      </p:sp>
+      <p:sp>
+        <p:nvSpPr>
+          <p:cNvPr id="273" name="内容占位符 2"/>
+          <p:cNvSpPr txBox="1"/>
           <p:nvPr>
             <p:ph type="body" idx="1"/>
           </p:nvPr>
@@ -9696,7 +9849,10 @@
                 <a:sym typeface="DejaVu Sans Mono Nerd Font Complete"/>
               </a:defRPr>
             </a:pPr>
-            <a:endParaRPr/>
+            <a:endParaRPr>
+              <a:latin typeface="Calibri" panose="020F0502020204030204" charset="0"/>
+              <a:cs typeface="Calibri" panose="020F0502020204030204" charset="0"/>
+            </a:endParaRPr>
           </a:p>
           <a:p>
             <a:pPr marL="342900" indent="-342900">
@@ -9708,9 +9864,9 @@
               </a:defRPr>
             </a:pPr>
             <a:endParaRPr>
-              <a:latin typeface="Consolas" panose="020B0609020204030204"/>
+              <a:latin typeface="Calibri" panose="020F0502020204030204" charset="0"/>
               <a:ea typeface="Consolas" panose="020B0609020204030204"/>
-              <a:cs typeface="Consolas" panose="020B0609020204030204"/>
+              <a:cs typeface="Calibri" panose="020F0502020204030204" charset="0"/>
               <a:sym typeface="Consolas" panose="020B0609020204030204"/>
             </a:endParaRPr>
           </a:p>
@@ -9725,146 +9881,40 @@
             </a:pPr>
             <a:r>
               <a:rPr>
-                <a:latin typeface="Consolas" panose="020B0609020204030204"/>
+                <a:latin typeface="Calibri" panose="020F0502020204030204" charset="0"/>
                 <a:ea typeface="Consolas" panose="020B0609020204030204"/>
-                <a:cs typeface="Consolas" panose="020B0609020204030204"/>
+                <a:cs typeface="Calibri" panose="020F0502020204030204" charset="0"/>
                 <a:sym typeface="Consolas" panose="020B0609020204030204"/>
               </a:rPr>
-              <a:t>Cannot get the value of PMP CSRs on riscv-linux-gnu gdb.</a:t>
-            </a:r>
-          </a:p>
-          <a:p>
-            <a:pPr marL="342900" indent="-342900">
-              <a:defRPr sz="2400">
-                <a:latin typeface="DejaVu Sans Mono Nerd Font Complete"/>
-                <a:ea typeface="DejaVu Sans Mono Nerd Font Complete"/>
-                <a:cs typeface="DejaVu Sans Mono Nerd Font Complete"/>
-                <a:sym typeface="DejaVu Sans Mono Nerd Font Complete"/>
-              </a:defRPr>
-            </a:pPr>
+              <a:t>We have prepared a docker image with RV64 architecture.</a:t>
+            </a:r>
             <a:endParaRPr>
-              <a:latin typeface="Consolas" panose="020B0609020204030204"/>
+              <a:latin typeface="Calibri" panose="020F0502020204030204" charset="0"/>
               <a:ea typeface="Consolas" panose="020B0609020204030204"/>
-              <a:cs typeface="Consolas" panose="020B0609020204030204"/>
+              <a:cs typeface="Calibri" panose="020F0502020204030204" charset="0"/>
               <a:sym typeface="Consolas" panose="020B0609020204030204"/>
             </a:endParaRPr>
-          </a:p>
-          <a:p>
-            <a:pPr marL="342900" indent="-342900">
-              <a:defRPr sz="2400">
-                <a:latin typeface="DejaVu Sans Mono Nerd Font Complete"/>
-                <a:ea typeface="DejaVu Sans Mono Nerd Font Complete"/>
-                <a:cs typeface="DejaVu Sans Mono Nerd Font Complete"/>
-                <a:sym typeface="DejaVu Sans Mono Nerd Font Complete"/>
-              </a:defRPr>
-            </a:pPr>
-            <a:endParaRPr>
-              <a:latin typeface="Consolas" panose="020B0609020204030204"/>
-              <a:ea typeface="Consolas" panose="020B0609020204030204"/>
-              <a:cs typeface="Consolas" panose="020B0609020204030204"/>
-              <a:sym typeface="Consolas" panose="020B0609020204030204"/>
-            </a:endParaRPr>
-          </a:p>
-          <a:p>
-            <a:pPr marL="342900" indent="-342900">
-              <a:defRPr sz="2400">
-                <a:latin typeface="DejaVu Sans Mono Nerd Font Complete"/>
-                <a:ea typeface="DejaVu Sans Mono Nerd Font Complete"/>
-                <a:cs typeface="DejaVu Sans Mono Nerd Font Complete"/>
-                <a:sym typeface="DejaVu Sans Mono Nerd Font Complete"/>
-              </a:defRPr>
-            </a:pPr>
-            <a:endParaRPr>
-              <a:latin typeface="Consolas" panose="020B0609020204030204"/>
-              <a:ea typeface="Consolas" panose="020B0609020204030204"/>
-              <a:cs typeface="Consolas" panose="020B0609020204030204"/>
-              <a:sym typeface="Consolas" panose="020B0609020204030204"/>
-            </a:endParaRPr>
-          </a:p>
-          <a:p>
-            <a:pPr marL="342900" indent="-342900">
-              <a:defRPr sz="2400">
-                <a:latin typeface="DejaVu Sans Mono Nerd Font Complete"/>
-                <a:ea typeface="DejaVu Sans Mono Nerd Font Complete"/>
-                <a:cs typeface="DejaVu Sans Mono Nerd Font Complete"/>
-                <a:sym typeface="DejaVu Sans Mono Nerd Font Complete"/>
-              </a:defRPr>
-            </a:pPr>
-            <a:endParaRPr>
-              <a:latin typeface="Consolas" panose="020B0609020204030204"/>
-              <a:ea typeface="Consolas" panose="020B0609020204030204"/>
-              <a:cs typeface="Consolas" panose="020B0609020204030204"/>
-              <a:sym typeface="Consolas" panose="020B0609020204030204"/>
-            </a:endParaRPr>
-          </a:p>
-          <a:p>
-            <a:pPr marL="342900" indent="-342900">
-              <a:defRPr sz="2400">
-                <a:latin typeface="DejaVu Sans Mono Nerd Font Complete"/>
-                <a:ea typeface="DejaVu Sans Mono Nerd Font Complete"/>
-                <a:cs typeface="DejaVu Sans Mono Nerd Font Complete"/>
-                <a:sym typeface="DejaVu Sans Mono Nerd Font Complete"/>
-              </a:defRPr>
-            </a:pPr>
-            <a:r>
-              <a:rPr>
-                <a:latin typeface="Consolas" panose="020B0609020204030204"/>
-                <a:ea typeface="Consolas" panose="020B0609020204030204"/>
-                <a:cs typeface="Consolas" panose="020B0609020204030204"/>
-                <a:sym typeface="Consolas" panose="020B0609020204030204"/>
-              </a:rPr>
-              <a:t>However, on the riscv-linux-gnu gdb manual:</a:t>
-            </a:r>
           </a:p>
         </p:txBody>
       </p:sp>
       <p:pic>
         <p:nvPicPr>
-          <p:cNvPr id="280" name="图像" descr="图像"/>
+          <p:cNvPr id="274" name="图像" descr="图像"/>
           <p:cNvPicPr>
             <a:picLocks noChangeAspect="1"/>
           </p:cNvPicPr>
           <p:nvPr/>
         </p:nvPicPr>
         <p:blipFill>
-          <a:blip r:embed="rId3"/>
+          <a:blip r:embed="rId1"/>
           <a:stretch>
             <a:fillRect/>
           </a:stretch>
         </p:blipFill>
         <p:spPr>
           <a:xfrm>
-            <a:off x="1867369" y="2552250"/>
-            <a:ext cx="4775201" cy="749301"/>
-          </a:xfrm>
-          <a:prstGeom prst="rect">
-            <a:avLst/>
-          </a:prstGeom>
-          <a:ln w="12700">
-            <a:miter lim="400000"/>
-            <a:headEnd/>
-            <a:tailEnd/>
-          </a:ln>
-        </p:spPr>
-      </p:pic>
-      <p:pic>
-        <p:nvPicPr>
-          <p:cNvPr id="281" name="图像" descr="图像"/>
-          <p:cNvPicPr>
-            <a:picLocks noChangeAspect="1"/>
-          </p:cNvPicPr>
-          <p:nvPr/>
-        </p:nvPicPr>
-        <p:blipFill>
-          <a:blip r:embed="rId4"/>
-          <a:stretch>
-            <a:fillRect/>
-          </a:stretch>
-        </p:blipFill>
-        <p:spPr>
-          <a:xfrm>
-            <a:off x="1814852" y="4528569"/>
-            <a:ext cx="6502401" cy="1409701"/>
+            <a:off x="1313182" y="2230613"/>
+            <a:ext cx="9097108" cy="4020012"/>
           </a:xfrm>
           <a:prstGeom prst="rect">
             <a:avLst/>
@@ -9905,9 +9955,7 @@
       <p:sp>
         <p:nvSpPr>
           <p:cNvPr id="164" name="标题 1"/>
-          <p:cNvSpPr txBox="1">
-            <a:spLocks noGrp="1"/>
-          </p:cNvSpPr>
+          <p:cNvSpPr txBox="1"/>
           <p:nvPr>
             <p:ph type="title"/>
           </p:nvPr>
@@ -9935,6 +9983,283 @@
           </a:p>
         </p:txBody>
       </p:sp>
+    </p:spTree>
+  </p:cSld>
+  <p:clrMapOvr>
+    <a:masterClrMapping/>
+  </p:clrMapOvr>
+  <p:transition spd="med"/>
+</p:sld>
+</file>
+
+<file path=ppt/slides/slide30.xml><?xml version="1.0" encoding="utf-8"?>
+<p:sld xmlns:a="http://schemas.openxmlformats.org/drawingml/2006/main" xmlns:r="http://schemas.openxmlformats.org/officeDocument/2006/relationships" xmlns:p="http://schemas.openxmlformats.org/presentationml/2006/main">
+  <p:cSld>
+    <p:spTree>
+      <p:nvGrpSpPr>
+        <p:cNvPr id="1" name=""/>
+        <p:cNvGrpSpPr/>
+        <p:nvPr/>
+      </p:nvGrpSpPr>
+      <p:grpSpPr>
+        <a:xfrm>
+          <a:off x="0" y="0"/>
+          <a:ext cx="0" cy="0"/>
+          <a:chOff x="0" y="0"/>
+          <a:chExt cx="0" cy="0"/>
+        </a:xfrm>
+      </p:grpSpPr>
+      <p:sp>
+        <p:nvSpPr>
+          <p:cNvPr id="278" name="标题 1"/>
+          <p:cNvSpPr txBox="1"/>
+          <p:nvPr>
+            <p:ph type="title"/>
+          </p:nvPr>
+        </p:nvSpPr>
+        <p:spPr>
+          <a:xfrm>
+            <a:off x="838200" y="217804"/>
+            <a:ext cx="10515600" cy="1325564"/>
+          </a:xfrm>
+          <a:prstGeom prst="rect">
+            <a:avLst/>
+          </a:prstGeom>
+        </p:spPr>
+        <p:txBody>
+          <a:bodyPr/>
+          <a:lstStyle/>
+          <a:p>
+            <a:r>
+              <a:t>Current Difficulty</a:t>
+            </a:r>
+          </a:p>
+        </p:txBody>
+      </p:sp>
+      <p:sp>
+        <p:nvSpPr>
+          <p:cNvPr id="279" name="内容占位符 2"/>
+          <p:cNvSpPr txBox="1"/>
+          <p:nvPr>
+            <p:ph type="body" idx="1"/>
+          </p:nvPr>
+        </p:nvSpPr>
+        <p:spPr>
+          <a:xfrm>
+            <a:off x="838200" y="751231"/>
+            <a:ext cx="10515600" cy="4351339"/>
+          </a:xfrm>
+          <a:prstGeom prst="rect">
+            <a:avLst/>
+          </a:prstGeom>
+        </p:spPr>
+        <p:txBody>
+          <a:bodyPr/>
+          <a:lstStyle/>
+          <a:p>
+            <a:pPr marL="342900" indent="-342900">
+              <a:defRPr sz="2400">
+                <a:latin typeface="DejaVu Sans Mono Nerd Font Complete"/>
+                <a:ea typeface="DejaVu Sans Mono Nerd Font Complete"/>
+                <a:cs typeface="DejaVu Sans Mono Nerd Font Complete"/>
+                <a:sym typeface="DejaVu Sans Mono Nerd Font Complete"/>
+              </a:defRPr>
+            </a:pPr>
+            <a:endParaRPr>
+              <a:latin typeface="Calibri" panose="020F0502020204030204" charset="0"/>
+              <a:cs typeface="Calibri" panose="020F0502020204030204" charset="0"/>
+            </a:endParaRPr>
+          </a:p>
+          <a:p>
+            <a:pPr marL="342900" indent="-342900">
+              <a:defRPr sz="2400">
+                <a:latin typeface="DejaVu Sans Mono Nerd Font Complete"/>
+                <a:ea typeface="DejaVu Sans Mono Nerd Font Complete"/>
+                <a:cs typeface="DejaVu Sans Mono Nerd Font Complete"/>
+                <a:sym typeface="DejaVu Sans Mono Nerd Font Complete"/>
+              </a:defRPr>
+            </a:pPr>
+            <a:endParaRPr>
+              <a:latin typeface="Calibri" panose="020F0502020204030204" charset="0"/>
+              <a:ea typeface="Consolas" panose="020B0609020204030204"/>
+              <a:cs typeface="Calibri" panose="020F0502020204030204" charset="0"/>
+              <a:sym typeface="Consolas" panose="020B0609020204030204"/>
+            </a:endParaRPr>
+          </a:p>
+          <a:p>
+            <a:pPr marL="342900" indent="-342900">
+              <a:defRPr sz="2400">
+                <a:latin typeface="DejaVu Sans Mono Nerd Font Complete"/>
+                <a:ea typeface="DejaVu Sans Mono Nerd Font Complete"/>
+                <a:cs typeface="DejaVu Sans Mono Nerd Font Complete"/>
+                <a:sym typeface="DejaVu Sans Mono Nerd Font Complete"/>
+              </a:defRPr>
+            </a:pPr>
+            <a:r>
+              <a:rPr>
+                <a:latin typeface="Calibri" panose="020F0502020204030204" charset="0"/>
+                <a:ea typeface="Consolas" panose="020B0609020204030204"/>
+                <a:cs typeface="Calibri" panose="020F0502020204030204" charset="0"/>
+                <a:sym typeface="Consolas" panose="020B0609020204030204"/>
+              </a:rPr>
+              <a:t>Cannot get the value of PMP CSRs on riscv-linux-gnu gdb.</a:t>
+            </a:r>
+            <a:endParaRPr>
+              <a:latin typeface="Calibri" panose="020F0502020204030204" charset="0"/>
+              <a:ea typeface="Consolas" panose="020B0609020204030204"/>
+              <a:cs typeface="Calibri" panose="020F0502020204030204" charset="0"/>
+              <a:sym typeface="Consolas" panose="020B0609020204030204"/>
+            </a:endParaRPr>
+          </a:p>
+          <a:p>
+            <a:pPr marL="342900" indent="-342900">
+              <a:defRPr sz="2400">
+                <a:latin typeface="DejaVu Sans Mono Nerd Font Complete"/>
+                <a:ea typeface="DejaVu Sans Mono Nerd Font Complete"/>
+                <a:cs typeface="DejaVu Sans Mono Nerd Font Complete"/>
+                <a:sym typeface="DejaVu Sans Mono Nerd Font Complete"/>
+              </a:defRPr>
+            </a:pPr>
+            <a:endParaRPr>
+              <a:latin typeface="Calibri" panose="020F0502020204030204" charset="0"/>
+              <a:ea typeface="Consolas" panose="020B0609020204030204"/>
+              <a:cs typeface="Calibri" panose="020F0502020204030204" charset="0"/>
+              <a:sym typeface="Consolas" panose="020B0609020204030204"/>
+            </a:endParaRPr>
+          </a:p>
+          <a:p>
+            <a:pPr marL="342900" indent="-342900">
+              <a:defRPr sz="2400">
+                <a:latin typeface="DejaVu Sans Mono Nerd Font Complete"/>
+                <a:ea typeface="DejaVu Sans Mono Nerd Font Complete"/>
+                <a:cs typeface="DejaVu Sans Mono Nerd Font Complete"/>
+                <a:sym typeface="DejaVu Sans Mono Nerd Font Complete"/>
+              </a:defRPr>
+            </a:pPr>
+            <a:endParaRPr>
+              <a:latin typeface="Calibri" panose="020F0502020204030204" charset="0"/>
+              <a:ea typeface="Consolas" panose="020B0609020204030204"/>
+              <a:cs typeface="Calibri" panose="020F0502020204030204" charset="0"/>
+              <a:sym typeface="Consolas" panose="020B0609020204030204"/>
+            </a:endParaRPr>
+          </a:p>
+          <a:p>
+            <a:pPr marL="342900" indent="-342900">
+              <a:defRPr sz="2400">
+                <a:latin typeface="DejaVu Sans Mono Nerd Font Complete"/>
+                <a:ea typeface="DejaVu Sans Mono Nerd Font Complete"/>
+                <a:cs typeface="DejaVu Sans Mono Nerd Font Complete"/>
+                <a:sym typeface="DejaVu Sans Mono Nerd Font Complete"/>
+              </a:defRPr>
+            </a:pPr>
+            <a:endParaRPr>
+              <a:latin typeface="Calibri" panose="020F0502020204030204" charset="0"/>
+              <a:ea typeface="Consolas" panose="020B0609020204030204"/>
+              <a:cs typeface="Calibri" panose="020F0502020204030204" charset="0"/>
+              <a:sym typeface="Consolas" panose="020B0609020204030204"/>
+            </a:endParaRPr>
+          </a:p>
+          <a:p>
+            <a:pPr marL="342900" indent="-342900">
+              <a:defRPr sz="2400">
+                <a:latin typeface="DejaVu Sans Mono Nerd Font Complete"/>
+                <a:ea typeface="DejaVu Sans Mono Nerd Font Complete"/>
+                <a:cs typeface="DejaVu Sans Mono Nerd Font Complete"/>
+                <a:sym typeface="DejaVu Sans Mono Nerd Font Complete"/>
+              </a:defRPr>
+            </a:pPr>
+            <a:endParaRPr>
+              <a:latin typeface="Calibri" panose="020F0502020204030204" charset="0"/>
+              <a:ea typeface="Consolas" panose="020B0609020204030204"/>
+              <a:cs typeface="Calibri" panose="020F0502020204030204" charset="0"/>
+              <a:sym typeface="Consolas" panose="020B0609020204030204"/>
+            </a:endParaRPr>
+          </a:p>
+          <a:p>
+            <a:pPr marL="342900" indent="-342900">
+              <a:defRPr sz="2400">
+                <a:latin typeface="DejaVu Sans Mono Nerd Font Complete"/>
+                <a:ea typeface="DejaVu Sans Mono Nerd Font Complete"/>
+                <a:cs typeface="DejaVu Sans Mono Nerd Font Complete"/>
+                <a:sym typeface="DejaVu Sans Mono Nerd Font Complete"/>
+              </a:defRPr>
+            </a:pPr>
+            <a:r>
+              <a:rPr>
+                <a:latin typeface="Calibri" panose="020F0502020204030204" charset="0"/>
+                <a:ea typeface="Consolas" panose="020B0609020204030204"/>
+                <a:cs typeface="Calibri" panose="020F0502020204030204" charset="0"/>
+                <a:sym typeface="Consolas" panose="020B0609020204030204"/>
+              </a:rPr>
+              <a:t>However, on the riscv-linux-gnu gdb manual:</a:t>
+            </a:r>
+            <a:endParaRPr>
+              <a:latin typeface="Calibri" panose="020F0502020204030204" charset="0"/>
+              <a:ea typeface="Consolas" panose="020B0609020204030204"/>
+              <a:cs typeface="Calibri" panose="020F0502020204030204" charset="0"/>
+              <a:sym typeface="Consolas" panose="020B0609020204030204"/>
+            </a:endParaRPr>
+          </a:p>
+        </p:txBody>
+      </p:sp>
+      <p:pic>
+        <p:nvPicPr>
+          <p:cNvPr id="280" name="图像" descr="图像"/>
+          <p:cNvPicPr>
+            <a:picLocks noChangeAspect="1"/>
+          </p:cNvPicPr>
+          <p:nvPr/>
+        </p:nvPicPr>
+        <p:blipFill>
+          <a:blip r:embed="rId1"/>
+          <a:stretch>
+            <a:fillRect/>
+          </a:stretch>
+        </p:blipFill>
+        <p:spPr>
+          <a:xfrm>
+            <a:off x="1867369" y="2552250"/>
+            <a:ext cx="4775201" cy="749301"/>
+          </a:xfrm>
+          <a:prstGeom prst="rect">
+            <a:avLst/>
+          </a:prstGeom>
+          <a:ln w="12700">
+            <a:miter lim="400000"/>
+            <a:headEnd/>
+            <a:tailEnd/>
+          </a:ln>
+        </p:spPr>
+      </p:pic>
+      <p:pic>
+        <p:nvPicPr>
+          <p:cNvPr id="281" name="图像" descr="图像"/>
+          <p:cNvPicPr>
+            <a:picLocks noChangeAspect="1"/>
+          </p:cNvPicPr>
+          <p:nvPr/>
+        </p:nvPicPr>
+        <p:blipFill>
+          <a:blip r:embed="rId2"/>
+          <a:stretch>
+            <a:fillRect/>
+          </a:stretch>
+        </p:blipFill>
+        <p:spPr>
+          <a:xfrm>
+            <a:off x="1814852" y="4528569"/>
+            <a:ext cx="6502401" cy="1409701"/>
+          </a:xfrm>
+          <a:prstGeom prst="rect">
+            <a:avLst/>
+          </a:prstGeom>
+          <a:ln w="12700">
+            <a:miter lim="400000"/>
+            <a:headEnd/>
+            <a:tailEnd/>
+          </a:ln>
+        </p:spPr>
+      </p:pic>
     </p:spTree>
   </p:cSld>
   <p:clrMapOvr>
@@ -9964,9 +10289,7 @@
       <p:sp>
         <p:nvSpPr>
           <p:cNvPr id="168" name="标题 1"/>
-          <p:cNvSpPr txBox="1">
-            <a:spLocks noGrp="1"/>
-          </p:cNvSpPr>
+          <p:cNvSpPr txBox="1"/>
           <p:nvPr>
             <p:ph type="title"/>
           </p:nvPr>
@@ -9993,9 +10316,7 @@
       <p:sp>
         <p:nvSpPr>
           <p:cNvPr id="169" name="内容占位符 2"/>
-          <p:cNvSpPr txBox="1">
-            <a:spLocks noGrp="1"/>
-          </p:cNvSpPr>
+          <p:cNvSpPr txBox="1"/>
           <p:nvPr>
             <p:ph type="body" idx="1"/>
           </p:nvPr>
@@ -10017,13 +10338,19 @@
               <a:buSzTx/>
               <a:buNone/>
             </a:pPr>
-            <a:endParaRPr/>
+            <a:endParaRPr>
+              <a:latin typeface="Calibri" panose="020F0502020204030204" charset="0"/>
+              <a:cs typeface="Calibri" panose="020F0502020204030204" charset="0"/>
+            </a:endParaRPr>
           </a:p>
           <a:p>
             <a:pPr marL="342900" indent="-342900">
               <a:defRPr sz="2400"/>
             </a:pPr>
-            <a:endParaRPr/>
+            <a:endParaRPr>
+              <a:latin typeface="Calibri" panose="020F0502020204030204" charset="0"/>
+              <a:cs typeface="Calibri" panose="020F0502020204030204" charset="0"/>
+            </a:endParaRPr>
           </a:p>
           <a:p>
             <a:pPr marL="342900" indent="-342900">
@@ -10035,8 +10362,16 @@
               </a:defRPr>
             </a:pPr>
             <a:r>
+              <a:rPr>
+                <a:latin typeface="Calibri" panose="020F0502020204030204" charset="0"/>
+                <a:cs typeface="Calibri" panose="020F0502020204030204" charset="0"/>
+              </a:rPr>
               <a:t>Provide a mechanism to manage the privilege of memory access.</a:t>
             </a:r>
+            <a:endParaRPr>
+              <a:latin typeface="Calibri" panose="020F0502020204030204" charset="0"/>
+              <a:cs typeface="Calibri" panose="020F0502020204030204" charset="0"/>
+            </a:endParaRPr>
           </a:p>
           <a:p>
             <a:pPr marL="342900" indent="-342900">
@@ -10047,7 +10382,10 @@
                 <a:sym typeface="DejaVu Sans Mono Nerd Font Complete"/>
               </a:defRPr>
             </a:pPr>
-            <a:endParaRPr/>
+            <a:endParaRPr>
+              <a:latin typeface="Calibri" panose="020F0502020204030204" charset="0"/>
+              <a:cs typeface="Calibri" panose="020F0502020204030204" charset="0"/>
+            </a:endParaRPr>
           </a:p>
           <a:p>
             <a:pPr marL="342900" indent="-342900">
@@ -10059,8 +10397,16 @@
               </a:defRPr>
             </a:pPr>
             <a:r>
+              <a:rPr>
+                <a:latin typeface="Calibri" panose="020F0502020204030204" charset="0"/>
+                <a:cs typeface="Calibri" panose="020F0502020204030204" charset="0"/>
+              </a:rPr>
               <a:t>In Linux, mprotect is used to set access privilege of different memory segments.</a:t>
             </a:r>
+            <a:endParaRPr>
+              <a:latin typeface="Calibri" panose="020F0502020204030204" charset="0"/>
+              <a:cs typeface="Calibri" panose="020F0502020204030204" charset="0"/>
+            </a:endParaRPr>
           </a:p>
           <a:p>
             <a:pPr marL="342900" indent="-342900">
@@ -10071,7 +10417,10 @@
                 <a:sym typeface="DejaVu Sans Mono Nerd Font Complete"/>
               </a:defRPr>
             </a:pPr>
-            <a:endParaRPr/>
+            <a:endParaRPr>
+              <a:latin typeface="Calibri" panose="020F0502020204030204" charset="0"/>
+              <a:cs typeface="Calibri" panose="020F0502020204030204" charset="0"/>
+            </a:endParaRPr>
           </a:p>
           <a:p>
             <a:pPr marL="342900" indent="-342900">
@@ -10083,8 +10432,16 @@
               </a:defRPr>
             </a:pPr>
             <a:r>
+              <a:rPr>
+                <a:latin typeface="Calibri" panose="020F0502020204030204" charset="0"/>
+                <a:cs typeface="Calibri" panose="020F0502020204030204" charset="0"/>
+              </a:rPr>
               <a:t>Usually implemented by set the bits in PTE (low efficiency). </a:t>
             </a:r>
+            <a:endParaRPr>
+              <a:latin typeface="Calibri" panose="020F0502020204030204" charset="0"/>
+              <a:cs typeface="Calibri" panose="020F0502020204030204" charset="0"/>
+            </a:endParaRPr>
           </a:p>
         </p:txBody>
       </p:sp>
@@ -10117,9 +10474,7 @@
       <p:sp>
         <p:nvSpPr>
           <p:cNvPr id="173" name="标题 1"/>
-          <p:cNvSpPr txBox="1">
-            <a:spLocks noGrp="1"/>
-          </p:cNvSpPr>
+          <p:cNvSpPr txBox="1"/>
           <p:nvPr>
             <p:ph type="title"/>
           </p:nvPr>
@@ -10146,9 +10501,7 @@
       <p:sp>
         <p:nvSpPr>
           <p:cNvPr id="174" name="内容占位符 2"/>
-          <p:cNvSpPr txBox="1">
-            <a:spLocks noGrp="1"/>
-          </p:cNvSpPr>
+          <p:cNvSpPr txBox="1"/>
           <p:nvPr>
             <p:ph type="body" idx="1"/>
           </p:nvPr>
@@ -10170,13 +10523,19 @@
               <a:buSzTx/>
               <a:buNone/>
             </a:pPr>
-            <a:endParaRPr/>
+            <a:endParaRPr>
+              <a:latin typeface="Calibri" panose="020F0502020204030204" charset="0"/>
+              <a:cs typeface="Calibri" panose="020F0502020204030204" charset="0"/>
+            </a:endParaRPr>
           </a:p>
           <a:p>
             <a:pPr marL="342900" indent="-342900">
               <a:defRPr sz="2400"/>
             </a:pPr>
-            <a:endParaRPr/>
+            <a:endParaRPr>
+              <a:latin typeface="Calibri" panose="020F0502020204030204" charset="0"/>
+              <a:cs typeface="Calibri" panose="020F0502020204030204" charset="0"/>
+            </a:endParaRPr>
           </a:p>
           <a:p>
             <a:pPr marL="342900" indent="-342900">
@@ -10188,8 +10547,16 @@
               </a:defRPr>
             </a:pPr>
             <a:r>
+              <a:rPr>
+                <a:latin typeface="Calibri" panose="020F0502020204030204" charset="0"/>
+                <a:cs typeface="Calibri" panose="020F0502020204030204" charset="0"/>
+              </a:rPr>
               <a:t>Group several pages into a page group.</a:t>
             </a:r>
+            <a:endParaRPr>
+              <a:latin typeface="Calibri" panose="020F0502020204030204" charset="0"/>
+              <a:cs typeface="Calibri" panose="020F0502020204030204" charset="0"/>
+            </a:endParaRPr>
           </a:p>
           <a:p>
             <a:pPr marL="342900" indent="-342900">
@@ -10200,7 +10567,10 @@
                 <a:sym typeface="DejaVu Sans Mono Nerd Font Complete"/>
               </a:defRPr>
             </a:pPr>
-            <a:endParaRPr/>
+            <a:endParaRPr>
+              <a:latin typeface="Calibri" panose="020F0502020204030204" charset="0"/>
+              <a:cs typeface="Calibri" panose="020F0502020204030204" charset="0"/>
+            </a:endParaRPr>
           </a:p>
           <a:p>
             <a:pPr marL="342900" indent="-342900">
@@ -10212,8 +10582,16 @@
               </a:defRPr>
             </a:pPr>
             <a:r>
+              <a:rPr>
+                <a:latin typeface="Calibri" panose="020F0502020204030204" charset="0"/>
+                <a:cs typeface="Calibri" panose="020F0502020204030204" charset="0"/>
+              </a:rPr>
               <a:t>Use 16 memory protection keys (stored in a thread level PKRU register) to encode the privilege of one page group</a:t>
             </a:r>
+            <a:endParaRPr>
+              <a:latin typeface="Calibri" panose="020F0502020204030204" charset="0"/>
+              <a:cs typeface="Calibri" panose="020F0502020204030204" charset="0"/>
+            </a:endParaRPr>
           </a:p>
         </p:txBody>
       </p:sp>
@@ -10246,9 +10624,7 @@
       <p:sp>
         <p:nvSpPr>
           <p:cNvPr id="178" name="标题 1"/>
-          <p:cNvSpPr txBox="1">
-            <a:spLocks noGrp="1"/>
-          </p:cNvSpPr>
+          <p:cNvSpPr txBox="1"/>
           <p:nvPr>
             <p:ph type="title"/>
           </p:nvPr>
@@ -10275,9 +10651,7 @@
       <p:sp>
         <p:nvSpPr>
           <p:cNvPr id="179" name="内容占位符 2"/>
-          <p:cNvSpPr txBox="1">
-            <a:spLocks noGrp="1"/>
-          </p:cNvSpPr>
+          <p:cNvSpPr txBox="1"/>
           <p:nvPr>
             <p:ph type="body" idx="1"/>
           </p:nvPr>
@@ -10299,13 +10673,19 @@
               <a:buSzTx/>
               <a:buNone/>
             </a:pPr>
-            <a:endParaRPr/>
+            <a:endParaRPr>
+              <a:latin typeface="Calibri" panose="020F0502020204030204" charset="0"/>
+              <a:cs typeface="Calibri" panose="020F0502020204030204" charset="0"/>
+            </a:endParaRPr>
           </a:p>
           <a:p>
             <a:pPr marL="342900" indent="-342900">
               <a:defRPr sz="2400"/>
             </a:pPr>
-            <a:endParaRPr/>
+            <a:endParaRPr>
+              <a:latin typeface="Calibri" panose="020F0502020204030204" charset="0"/>
+              <a:cs typeface="Calibri" panose="020F0502020204030204" charset="0"/>
+            </a:endParaRPr>
           </a:p>
           <a:p>
             <a:pPr marL="342900" indent="-342900">
@@ -10317,12 +10697,16 @@
               </a:defRPr>
             </a:pPr>
             <a:r>
+              <a:rPr>
+                <a:latin typeface="Calibri" panose="020F0502020204030204" charset="0"/>
+                <a:cs typeface="Calibri" panose="020F0502020204030204" charset="0"/>
+              </a:rPr>
               <a:t>Protection-key-use-after-free</a:t>
             </a:r>
             <a:endParaRPr>
-              <a:latin typeface="Consolas" panose="020B0609020204030204"/>
+              <a:latin typeface="Calibri" panose="020F0502020204030204" charset="0"/>
               <a:ea typeface="Consolas" panose="020B0609020204030204"/>
-              <a:cs typeface="Consolas" panose="020B0609020204030204"/>
+              <a:cs typeface="Calibri" panose="020F0502020204030204" charset="0"/>
               <a:sym typeface="Consolas" panose="020B0609020204030204"/>
             </a:endParaRPr>
           </a:p>
@@ -10336,10 +10720,8 @@
               </a:defRPr>
             </a:pPr>
             <a:endParaRPr>
-              <a:latin typeface="Consolas" panose="020B0609020204030204"/>
-              <a:ea typeface="Consolas" panose="020B0609020204030204"/>
-              <a:cs typeface="Consolas" panose="020B0609020204030204"/>
-              <a:sym typeface="Consolas" panose="020B0609020204030204"/>
+              <a:latin typeface="Calibri" panose="020F0502020204030204" charset="0"/>
+              <a:cs typeface="Calibri" panose="020F0502020204030204" charset="0"/>
             </a:endParaRPr>
           </a:p>
           <a:p>
@@ -10352,12 +10734,16 @@
               </a:defRPr>
             </a:pPr>
             <a:r>
+              <a:rPr>
+                <a:latin typeface="Calibri" panose="020F0502020204030204" charset="0"/>
+                <a:cs typeface="Calibri" panose="020F0502020204030204" charset="0"/>
+              </a:rPr>
               <a:t>Protection key limitation</a:t>
             </a:r>
             <a:endParaRPr>
-              <a:latin typeface="Consolas" panose="020B0609020204030204"/>
+              <a:latin typeface="Calibri" panose="020F0502020204030204" charset="0"/>
               <a:ea typeface="Consolas" panose="020B0609020204030204"/>
-              <a:cs typeface="Consolas" panose="020B0609020204030204"/>
+              <a:cs typeface="Calibri" panose="020F0502020204030204" charset="0"/>
               <a:sym typeface="Consolas" panose="020B0609020204030204"/>
             </a:endParaRPr>
           </a:p>
@@ -10371,10 +10757,8 @@
               </a:defRPr>
             </a:pPr>
             <a:endParaRPr>
-              <a:latin typeface="Consolas" panose="020B0609020204030204"/>
-              <a:ea typeface="Consolas" panose="020B0609020204030204"/>
-              <a:cs typeface="Consolas" panose="020B0609020204030204"/>
-              <a:sym typeface="Consolas" panose="020B0609020204030204"/>
+              <a:latin typeface="Calibri" panose="020F0502020204030204" charset="0"/>
+              <a:cs typeface="Calibri" panose="020F0502020204030204" charset="0"/>
             </a:endParaRPr>
           </a:p>
           <a:p>
@@ -10387,8 +10771,16 @@
               </a:defRPr>
             </a:pPr>
             <a:r>
+              <a:rPr>
+                <a:latin typeface="Calibri" panose="020F0502020204030204" charset="0"/>
+                <a:cs typeface="Calibri" panose="020F0502020204030204" charset="0"/>
+              </a:rPr>
               <a:t>Inter-thread synchronization for multi-thread programs</a:t>
             </a:r>
+            <a:endParaRPr>
+              <a:latin typeface="Calibri" panose="020F0502020204030204" charset="0"/>
+              <a:cs typeface="Calibri" panose="020F0502020204030204" charset="0"/>
+            </a:endParaRPr>
           </a:p>
         </p:txBody>
       </p:sp>
@@ -10474,9 +10866,7 @@
       <p:sp>
         <p:nvSpPr>
           <p:cNvPr id="184" name="标题 1"/>
-          <p:cNvSpPr txBox="1">
-            <a:spLocks noGrp="1"/>
-          </p:cNvSpPr>
+          <p:cNvSpPr txBox="1"/>
           <p:nvPr>
             <p:ph type="title"/>
           </p:nvPr>
@@ -10503,9 +10893,7 @@
       <p:sp>
         <p:nvSpPr>
           <p:cNvPr id="185" name="内容占位符 2"/>
-          <p:cNvSpPr txBox="1">
-            <a:spLocks noGrp="1"/>
-          </p:cNvSpPr>
+          <p:cNvSpPr txBox="1"/>
           <p:nvPr>
             <p:ph type="body" idx="1"/>
           </p:nvPr>
@@ -10531,7 +10919,10 @@
               <a:buNone/>
               <a:defRPr sz="2575"/>
             </a:pPr>
-            <a:endParaRPr/>
+            <a:endParaRPr>
+              <a:latin typeface="Calibri" panose="020F0502020204030204" charset="0"/>
+              <a:cs typeface="Calibri" panose="020F0502020204030204" charset="0"/>
+            </a:endParaRPr>
           </a:p>
           <a:p>
             <a:pPr marL="315595" indent="-315595" defTabSz="841375">
@@ -10540,7 +10931,10 @@
               </a:spcBef>
               <a:defRPr sz="2210"/>
             </a:pPr>
-            <a:endParaRPr/>
+            <a:endParaRPr>
+              <a:latin typeface="Calibri" panose="020F0502020204030204" charset="0"/>
+              <a:cs typeface="Calibri" panose="020F0502020204030204" charset="0"/>
+            </a:endParaRPr>
           </a:p>
           <a:p>
             <a:pPr marL="315595" indent="-315595" defTabSz="841375">
@@ -10555,8 +10949,16 @@
               </a:defRPr>
             </a:pPr>
             <a:r>
+              <a:rPr>
+                <a:latin typeface="Calibri" panose="020F0502020204030204" charset="0"/>
+                <a:cs typeface="Calibri" panose="020F0502020204030204" charset="0"/>
+              </a:rPr>
               <a:t>Provide a per-hart level physical memory access privilege.</a:t>
             </a:r>
+            <a:endParaRPr>
+              <a:latin typeface="Calibri" panose="020F0502020204030204" charset="0"/>
+              <a:cs typeface="Calibri" panose="020F0502020204030204" charset="0"/>
+            </a:endParaRPr>
           </a:p>
           <a:p>
             <a:pPr marL="315595" indent="-315595" defTabSz="841375">
@@ -10570,7 +10972,10 @@
                 <a:sym typeface="DejaVu Sans Mono Nerd Font Complete"/>
               </a:defRPr>
             </a:pPr>
-            <a:endParaRPr/>
+            <a:endParaRPr>
+              <a:latin typeface="Calibri" panose="020F0502020204030204" charset="0"/>
+              <a:cs typeface="Calibri" panose="020F0502020204030204" charset="0"/>
+            </a:endParaRPr>
           </a:p>
           <a:p>
             <a:pPr marL="315595" indent="-315595" defTabSz="841375">
@@ -10585,8 +10990,16 @@
               </a:defRPr>
             </a:pPr>
             <a:r>
+              <a:rPr>
+                <a:latin typeface="Calibri" panose="020F0502020204030204" charset="0"/>
+                <a:cs typeface="Calibri" panose="020F0502020204030204" charset="0"/>
+              </a:rPr>
               <a:t>Use 16 PMP entries instead of protection key.</a:t>
             </a:r>
+            <a:endParaRPr>
+              <a:latin typeface="Calibri" panose="020F0502020204030204" charset="0"/>
+              <a:cs typeface="Calibri" panose="020F0502020204030204" charset="0"/>
+            </a:endParaRPr>
           </a:p>
           <a:p>
             <a:pPr marL="315595" indent="-315595" defTabSz="841375">
@@ -10600,7 +11013,10 @@
                 <a:sym typeface="DejaVu Sans Mono Nerd Font Complete"/>
               </a:defRPr>
             </a:pPr>
-            <a:endParaRPr/>
+            <a:endParaRPr>
+              <a:latin typeface="Calibri" panose="020F0502020204030204" charset="0"/>
+              <a:cs typeface="Calibri" panose="020F0502020204030204" charset="0"/>
+            </a:endParaRPr>
           </a:p>
           <a:p>
             <a:pPr marL="315595" indent="-315595" defTabSz="841375">
@@ -10615,8 +11031,16 @@
               </a:defRPr>
             </a:pPr>
             <a:r>
+              <a:rPr>
+                <a:latin typeface="Calibri" panose="020F0502020204030204" charset="0"/>
+                <a:cs typeface="Calibri" panose="020F0502020204030204" charset="0"/>
+              </a:rPr>
               <a:t>PMP entries consist of configuration registers and address registers</a:t>
             </a:r>
+            <a:endParaRPr>
+              <a:latin typeface="Calibri" panose="020F0502020204030204" charset="0"/>
+              <a:cs typeface="Calibri" panose="020F0502020204030204" charset="0"/>
+            </a:endParaRPr>
           </a:p>
           <a:p>
             <a:pPr marL="735965" lvl="1" indent="-315595" defTabSz="841375">
@@ -10631,8 +11055,16 @@
               </a:defRPr>
             </a:pPr>
             <a:r>
+              <a:rPr>
+                <a:latin typeface="Calibri" panose="020F0502020204030204" charset="0"/>
+                <a:cs typeface="Calibri" panose="020F0502020204030204" charset="0"/>
+              </a:rPr>
               <a:t>Configuration register: use several bits to encode privilege</a:t>
             </a:r>
+            <a:endParaRPr>
+              <a:latin typeface="Calibri" panose="020F0502020204030204" charset="0"/>
+              <a:cs typeface="Calibri" panose="020F0502020204030204" charset="0"/>
+            </a:endParaRPr>
           </a:p>
           <a:p>
             <a:pPr marL="735965" lvl="1" indent="-315595" defTabSz="841375">
@@ -10647,8 +11079,16 @@
               </a:defRPr>
             </a:pPr>
             <a:r>
+              <a:rPr>
+                <a:latin typeface="Calibri" panose="020F0502020204030204" charset="0"/>
+                <a:cs typeface="Calibri" panose="020F0502020204030204" charset="0"/>
+              </a:rPr>
               <a:t>Address register: Specify the managed memory region</a:t>
             </a:r>
+            <a:endParaRPr>
+              <a:latin typeface="Calibri" panose="020F0502020204030204" charset="0"/>
+              <a:cs typeface="Calibri" panose="020F0502020204030204" charset="0"/>
+            </a:endParaRPr>
           </a:p>
         </p:txBody>
       </p:sp>
@@ -10681,9 +11121,7 @@
       <p:sp>
         <p:nvSpPr>
           <p:cNvPr id="189" name="标题 1"/>
-          <p:cNvSpPr txBox="1">
-            <a:spLocks noGrp="1"/>
-          </p:cNvSpPr>
+          <p:cNvSpPr txBox="1"/>
           <p:nvPr>
             <p:ph type="title"/>
           </p:nvPr>
@@ -10716,7 +11154,7 @@
           <p:nvPr/>
         </p:nvPicPr>
         <p:blipFill>
-          <a:blip r:embed="rId3"/>
+          <a:blip r:embed="rId1"/>
           <a:stretch>
             <a:fillRect/>
           </a:stretch>
@@ -10745,7 +11183,7 @@
           <p:nvPr/>
         </p:nvPicPr>
         <p:blipFill>
-          <a:blip r:embed="rId4"/>
+          <a:blip r:embed="rId2"/>
           <a:stretch>
             <a:fillRect/>
           </a:stretch>
@@ -10794,9 +11232,7 @@
       <p:sp>
         <p:nvSpPr>
           <p:cNvPr id="195" name="标题 1"/>
-          <p:cNvSpPr txBox="1">
-            <a:spLocks noGrp="1"/>
-          </p:cNvSpPr>
+          <p:cNvSpPr txBox="1"/>
           <p:nvPr>
             <p:ph type="title"/>
           </p:nvPr>
@@ -10823,9 +11259,7 @@
       <p:sp>
         <p:nvSpPr>
           <p:cNvPr id="196" name="内容占位符 2"/>
-          <p:cNvSpPr txBox="1">
-            <a:spLocks noGrp="1"/>
-          </p:cNvSpPr>
+          <p:cNvSpPr txBox="1"/>
           <p:nvPr>
             <p:ph type="body" idx="1"/>
           </p:nvPr>
@@ -10847,13 +11281,19 @@
               <a:buSzTx/>
               <a:buNone/>
             </a:pPr>
-            <a:endParaRPr/>
+            <a:endParaRPr>
+              <a:latin typeface="Calibri" panose="020F0502020204030204" charset="0"/>
+              <a:cs typeface="Calibri" panose="020F0502020204030204" charset="0"/>
+            </a:endParaRPr>
           </a:p>
           <a:p>
             <a:pPr marL="342900" indent="-342900">
               <a:defRPr sz="2400"/>
             </a:pPr>
-            <a:endParaRPr/>
+            <a:endParaRPr>
+              <a:latin typeface="Calibri" panose="020F0502020204030204" charset="0"/>
+              <a:cs typeface="Calibri" panose="020F0502020204030204" charset="0"/>
+            </a:endParaRPr>
           </a:p>
           <a:p>
             <a:pPr marL="342900" indent="-342900">
@@ -10865,6 +11305,10 @@
               </a:defRPr>
             </a:pPr>
             <a:r>
+              <a:rPr>
+                <a:latin typeface="Calibri" panose="020F0502020204030204" charset="0"/>
+                <a:cs typeface="Calibri" panose="020F0502020204030204" charset="0"/>
+              </a:rPr>
               <a:t>Protection-key-use-after-free </a:t>
             </a:r>
             <a:r>
@@ -10872,13 +11316,15 @@
                 <a:solidFill>
                   <a:schemeClr val="accent1"/>
                 </a:solidFill>
+                <a:latin typeface="Calibri" panose="020F0502020204030204" charset="0"/>
+                <a:cs typeface="Calibri" panose="020F0502020204030204" charset="0"/>
               </a:rPr>
               <a:t>TO BE CONTINUED</a:t>
             </a:r>
             <a:endParaRPr>
-              <a:latin typeface="Consolas" panose="020B0609020204030204"/>
+              <a:latin typeface="Calibri" panose="020F0502020204030204" charset="0"/>
               <a:ea typeface="Consolas" panose="020B0609020204030204"/>
-              <a:cs typeface="Consolas" panose="020B0609020204030204"/>
+              <a:cs typeface="Calibri" panose="020F0502020204030204" charset="0"/>
               <a:sym typeface="Consolas" panose="020B0609020204030204"/>
             </a:endParaRPr>
           </a:p>
@@ -10892,10 +11338,8 @@
               </a:defRPr>
             </a:pPr>
             <a:endParaRPr>
-              <a:latin typeface="Consolas" panose="020B0609020204030204"/>
-              <a:ea typeface="Consolas" panose="020B0609020204030204"/>
-              <a:cs typeface="Consolas" panose="020B0609020204030204"/>
-              <a:sym typeface="Consolas" panose="020B0609020204030204"/>
+              <a:latin typeface="Calibri" panose="020F0502020204030204" charset="0"/>
+              <a:cs typeface="Calibri" panose="020F0502020204030204" charset="0"/>
             </a:endParaRPr>
           </a:p>
           <a:p>
@@ -10908,6 +11352,10 @@
               </a:defRPr>
             </a:pPr>
             <a:r>
+              <a:rPr>
+                <a:latin typeface="Calibri" panose="020F0502020204030204" charset="0"/>
+                <a:cs typeface="Calibri" panose="020F0502020204030204" charset="0"/>
+              </a:rPr>
               <a:t>Protection key limitation </a:t>
             </a:r>
             <a:r>
@@ -10915,13 +11363,15 @@
                 <a:solidFill>
                   <a:srgbClr val="FF2600"/>
                 </a:solidFill>
+                <a:latin typeface="Calibri" panose="020F0502020204030204" charset="0"/>
+                <a:cs typeface="Calibri" panose="020F0502020204030204" charset="0"/>
               </a:rPr>
               <a:t>EXISTS</a:t>
             </a:r>
             <a:endParaRPr>
-              <a:latin typeface="Consolas" panose="020B0609020204030204"/>
+              <a:latin typeface="Calibri" panose="020F0502020204030204" charset="0"/>
               <a:ea typeface="Consolas" panose="020B0609020204030204"/>
-              <a:cs typeface="Consolas" panose="020B0609020204030204"/>
+              <a:cs typeface="Calibri" panose="020F0502020204030204" charset="0"/>
               <a:sym typeface="Consolas" panose="020B0609020204030204"/>
             </a:endParaRPr>
           </a:p>
@@ -10935,10 +11385,8 @@
               </a:defRPr>
             </a:pPr>
             <a:endParaRPr>
-              <a:latin typeface="Consolas" panose="020B0609020204030204"/>
-              <a:ea typeface="Consolas" panose="020B0609020204030204"/>
-              <a:cs typeface="Consolas" panose="020B0609020204030204"/>
-              <a:sym typeface="Consolas" panose="020B0609020204030204"/>
+              <a:latin typeface="Calibri" panose="020F0502020204030204" charset="0"/>
+              <a:cs typeface="Calibri" panose="020F0502020204030204" charset="0"/>
             </a:endParaRPr>
           </a:p>
           <a:p>
@@ -10951,6 +11399,10 @@
               </a:defRPr>
             </a:pPr>
             <a:r>
+              <a:rPr>
+                <a:latin typeface="Calibri" panose="020F0502020204030204" charset="0"/>
+                <a:cs typeface="Calibri" panose="020F0502020204030204" charset="0"/>
+              </a:rPr>
               <a:t>Inter-thread synchronization </a:t>
             </a:r>
             <a:r>
@@ -10958,9 +11410,18 @@
                 <a:solidFill>
                   <a:srgbClr val="FF2600"/>
                 </a:solidFill>
+                <a:latin typeface="Calibri" panose="020F0502020204030204" charset="0"/>
+                <a:cs typeface="Calibri" panose="020F0502020204030204" charset="0"/>
               </a:rPr>
               <a:t>EXISTS</a:t>
             </a:r>
+            <a:endParaRPr>
+              <a:solidFill>
+                <a:srgbClr val="FF2600"/>
+              </a:solidFill>
+              <a:latin typeface="Calibri" panose="020F0502020204030204" charset="0"/>
+              <a:cs typeface="Calibri" panose="020F0502020204030204" charset="0"/>
+            </a:endParaRPr>
           </a:p>
         </p:txBody>
       </p:sp>
@@ -10974,14 +11435,14 @@
 </file>
 
 <file path=ppt/tags/tag1.xml><?xml version="1.0" encoding="utf-8"?>
-<p:tagLst xmlns:a="http://schemas.openxmlformats.org/drawingml/2006/main" xmlns:r="http://schemas.openxmlformats.org/officeDocument/2006/relationships" xmlns:p="http://schemas.openxmlformats.org/presentationml/2006/main">
-  <p:tag name="COMMONDATA" val="eyJoZGlkIjoiMjU5NWIwMDFkOGE1ZDUxYWJiZGY5Y2Q5YzFhZTUwYTYifQ=="/>
+<p:tagLst xmlns:p="http://schemas.openxmlformats.org/presentationml/2006/main">
+  <p:tag name="KSO_WM_UNIT_PLACING_PICTURE_USER_VIEWPORT" val="{&quot;height&quot;:2532,&quot;width&quot;:2604}"/>
 </p:tagLst>
 </file>
 
 <file path=ppt/tags/tag2.xml><?xml version="1.0" encoding="utf-8"?>
-<p:tagLst xmlns:a="http://schemas.openxmlformats.org/drawingml/2006/main" xmlns:r="http://schemas.openxmlformats.org/officeDocument/2006/relationships" xmlns:p="http://schemas.openxmlformats.org/presentationml/2006/main">
-  <p:tag name="KSO_WM_UNIT_PLACING_PICTURE_USER_VIEWPORT" val="{&quot;height&quot;:2532,&quot;width&quot;:2604}"/>
+<p:tagLst xmlns:p="http://schemas.openxmlformats.org/presentationml/2006/main">
+  <p:tag name="COMMONDATA" val="eyJoZGlkIjoiMjU5NWIwMDFkOGE1ZDUxYWJiZGY5Y2Q5YzFhZTUwYTYifQ=="/>
 </p:tagLst>
 </file>
 
@@ -11186,7 +11647,7 @@
           <a:round/>
         </a:ln>
       </a:spPr>
-      <a:bodyPr rot="0" spcFirstLastPara="1" vertOverflow="overflow" horzOverflow="overflow" vert="horz" wrap="square" lIns="45718" tIns="45718" rIns="45718" bIns="45718" numCol="1" spcCol="38100" rtlCol="0" anchor="ctr">
+      <a:bodyPr rot="0" spcFirstLastPara="1" vertOverflow="overflow" horzOverflow="overflow" vert="horz" wrap="square" lIns="45718" tIns="45718" rIns="45718" bIns="45718" numCol="1" spcCol="38100" rtlCol="0" anchor="ctr" upright="0">
         <a:spAutoFit/>
       </a:bodyPr>
       <a:lstStyle>
@@ -11469,7 +11930,7 @@
           <a:round/>
         </a:ln>
       </a:spPr>
-      <a:bodyPr rot="0" spcFirstLastPara="1" vertOverflow="overflow" horzOverflow="overflow" vert="horz" wrap="square" lIns="91439" tIns="45719" rIns="91439" bIns="45719" numCol="1" spcCol="38100" rtlCol="0" anchor="t">
+      <a:bodyPr rot="0" spcFirstLastPara="1" vertOverflow="overflow" horzOverflow="overflow" vert="horz" wrap="square" lIns="91439" tIns="45719" rIns="91439" bIns="45719" numCol="1" spcCol="38100" rtlCol="0" anchor="t" upright="0">
         <a:noAutofit/>
       </a:bodyPr>
       <a:lstStyle>
@@ -11745,7 +12206,7 @@
           <a:miter lim="400000"/>
         </a:ln>
       </a:spPr>
-      <a:bodyPr rot="0" spcFirstLastPara="1" vertOverflow="overflow" horzOverflow="overflow" vert="horz" wrap="square" lIns="45718" tIns="45718" rIns="45718" bIns="45718" numCol="1" spcCol="38100" rtlCol="0" anchor="t">
+      <a:bodyPr rot="0" spcFirstLastPara="1" vertOverflow="overflow" horzOverflow="overflow" vert="horz" wrap="square" lIns="45718" tIns="45718" rIns="45718" bIns="45718" numCol="1" spcCol="38100" rtlCol="0" anchor="t" upright="0">
         <a:spAutoFit/>
       </a:bodyPr>
       <a:lstStyle>
@@ -12018,7 +12479,6 @@
       </a:style>
     </a:txDef>
   </a:objectDefaults>
-  <a:extraClrSchemeLst/>
   <a:extLst>
     <a:ext uri="{05A4C25C-085E-4340-85A3-A5531E510DB2}">
       <thm15:themeFamily xmlns:thm15="http://schemas.microsoft.com/office/thememl/2012/main" name="Office Theme" id="{62F939B6-93AF-4DB8-9C6B-D6C7DFDC589F}" vid="{4A3C46E8-61CC-4603-A589-7422A47A8E4A}"/>
@@ -12228,7 +12688,7 @@
           <a:round/>
         </a:ln>
       </a:spPr>
-      <a:bodyPr rot="0" spcFirstLastPara="1" vertOverflow="overflow" horzOverflow="overflow" vert="horz" wrap="square" lIns="45718" tIns="45718" rIns="45718" bIns="45718" numCol="1" spcCol="38100" rtlCol="0" anchor="ctr">
+      <a:bodyPr rot="0" spcFirstLastPara="1" vertOverflow="overflow" horzOverflow="overflow" vert="horz" wrap="square" lIns="45718" tIns="45718" rIns="45718" bIns="45718" numCol="1" spcCol="38100" rtlCol="0" anchor="ctr" upright="0">
         <a:spAutoFit/>
       </a:bodyPr>
       <a:lstStyle>
@@ -12511,7 +12971,7 @@
           <a:round/>
         </a:ln>
       </a:spPr>
-      <a:bodyPr rot="0" spcFirstLastPara="1" vertOverflow="overflow" horzOverflow="overflow" vert="horz" wrap="square" lIns="91439" tIns="45719" rIns="91439" bIns="45719" numCol="1" spcCol="38100" rtlCol="0" anchor="t">
+      <a:bodyPr rot="0" spcFirstLastPara="1" vertOverflow="overflow" horzOverflow="overflow" vert="horz" wrap="square" lIns="91439" tIns="45719" rIns="91439" bIns="45719" numCol="1" spcCol="38100" rtlCol="0" anchor="t" upright="0">
         <a:noAutofit/>
       </a:bodyPr>
       <a:lstStyle>
@@ -12787,7 +13247,7 @@
           <a:miter lim="400000"/>
         </a:ln>
       </a:spPr>
-      <a:bodyPr rot="0" spcFirstLastPara="1" vertOverflow="overflow" horzOverflow="overflow" vert="horz" wrap="square" lIns="45718" tIns="45718" rIns="45718" bIns="45718" numCol="1" spcCol="38100" rtlCol="0" anchor="t">
+      <a:bodyPr rot="0" spcFirstLastPara="1" vertOverflow="overflow" horzOverflow="overflow" vert="horz" wrap="square" lIns="45718" tIns="45718" rIns="45718" bIns="45718" numCol="1" spcCol="38100" rtlCol="0" anchor="t" upright="0">
         <a:spAutoFit/>
       </a:bodyPr>
       <a:lstStyle>
@@ -13060,7 +13520,6 @@
       </a:style>
     </a:txDef>
   </a:objectDefaults>
-  <a:extraClrSchemeLst/>
   <a:extLst>
     <a:ext uri="{05A4C25C-085E-4340-85A3-A5531E510DB2}">
       <thm15:themeFamily xmlns:thm15="http://schemas.microsoft.com/office/thememl/2012/main" name="Office Theme" id="{62F939B6-93AF-4DB8-9C6B-D6C7DFDC589F}" vid="{4A3C46E8-61CC-4603-A589-7422A47A8E4A}"/>
